--- a/DEADANT/deadAnt.pptx
+++ b/DEADANT/deadAnt.pptx
@@ -4,14 +4,25 @@
   <p:sldMasterIdLst>
     <p:sldMasterId id="2147484017" r:id="rId1"/>
   </p:sldMasterIdLst>
+  <p:notesMasterIdLst>
+    <p:notesMasterId r:id="rId17"/>
+  </p:notesMasterIdLst>
   <p:sldIdLst>
     <p:sldId id="256" r:id="rId2"/>
-    <p:sldId id="263" r:id="rId3"/>
-    <p:sldId id="262" r:id="rId4"/>
-    <p:sldId id="260" r:id="rId5"/>
-    <p:sldId id="259" r:id="rId6"/>
-    <p:sldId id="261" r:id="rId7"/>
-    <p:sldId id="257" r:id="rId8"/>
+    <p:sldId id="271" r:id="rId3"/>
+    <p:sldId id="263" r:id="rId4"/>
+    <p:sldId id="265" r:id="rId5"/>
+    <p:sldId id="266" r:id="rId6"/>
+    <p:sldId id="262" r:id="rId7"/>
+    <p:sldId id="270" r:id="rId8"/>
+    <p:sldId id="260" r:id="rId9"/>
+    <p:sldId id="264" r:id="rId10"/>
+    <p:sldId id="268" r:id="rId11"/>
+    <p:sldId id="269" r:id="rId12"/>
+    <p:sldId id="259" r:id="rId13"/>
+    <p:sldId id="261" r:id="rId14"/>
+    <p:sldId id="267" r:id="rId15"/>
+    <p:sldId id="257" r:id="rId16"/>
   </p:sldIdLst>
   <p:sldSz cx="9144000" cy="6858000" type="screen4x3"/>
   <p:notesSz cx="6858000" cy="9144000"/>
@@ -113,6 +124,440 @@
 </p:presentation>
 </file>
 
+<file path=ppt/notesMasters/notesMaster1.xml><?xml version="1.0" encoding="utf-8"?>
+<p:notesMaster xmlns:a="http://schemas.openxmlformats.org/drawingml/2006/main" xmlns:r="http://schemas.openxmlformats.org/officeDocument/2006/relationships" xmlns:p="http://schemas.openxmlformats.org/presentationml/2006/main">
+  <p:cSld>
+    <p:bg>
+      <p:bgRef idx="1001">
+        <a:schemeClr val="bg1"/>
+      </p:bgRef>
+    </p:bg>
+    <p:spTree>
+      <p:nvGrpSpPr>
+        <p:cNvPr id="1" name=""/>
+        <p:cNvGrpSpPr/>
+        <p:nvPr/>
+      </p:nvGrpSpPr>
+      <p:grpSpPr>
+        <a:xfrm>
+          <a:off x="0" y="0"/>
+          <a:ext cx="0" cy="0"/>
+          <a:chOff x="0" y="0"/>
+          <a:chExt cx="0" cy="0"/>
+        </a:xfrm>
+      </p:grpSpPr>
+      <p:sp>
+        <p:nvSpPr>
+          <p:cNvPr id="2" name="Header Placeholder 1"/>
+          <p:cNvSpPr>
+            <a:spLocks noGrp="1"/>
+          </p:cNvSpPr>
+          <p:nvPr>
+            <p:ph type="hdr" sz="quarter"/>
+          </p:nvPr>
+        </p:nvSpPr>
+        <p:spPr>
+          <a:xfrm>
+            <a:off x="0" y="0"/>
+            <a:ext cx="2971800" cy="457200"/>
+          </a:xfrm>
+          <a:prstGeom prst="rect">
+            <a:avLst/>
+          </a:prstGeom>
+        </p:spPr>
+        <p:txBody>
+          <a:bodyPr vert="horz" lIns="91440" tIns="45720" rIns="91440" bIns="45720" rtlCol="0"/>
+          <a:lstStyle>
+            <a:lvl1pPr algn="l">
+              <a:defRPr sz="1200"/>
+            </a:lvl1pPr>
+          </a:lstStyle>
+          <a:p>
+            <a:endParaRPr lang="en-US"/>
+          </a:p>
+        </p:txBody>
+      </p:sp>
+      <p:sp>
+        <p:nvSpPr>
+          <p:cNvPr id="3" name="Date Placeholder 2"/>
+          <p:cNvSpPr>
+            <a:spLocks noGrp="1"/>
+          </p:cNvSpPr>
+          <p:nvPr>
+            <p:ph type="dt" idx="1"/>
+          </p:nvPr>
+        </p:nvSpPr>
+        <p:spPr>
+          <a:xfrm>
+            <a:off x="3884613" y="0"/>
+            <a:ext cx="2971800" cy="457200"/>
+          </a:xfrm>
+          <a:prstGeom prst="rect">
+            <a:avLst/>
+          </a:prstGeom>
+        </p:spPr>
+        <p:txBody>
+          <a:bodyPr vert="horz" lIns="91440" tIns="45720" rIns="91440" bIns="45720" rtlCol="0"/>
+          <a:lstStyle>
+            <a:lvl1pPr algn="r">
+              <a:defRPr sz="1200"/>
+            </a:lvl1pPr>
+          </a:lstStyle>
+          <a:p>
+            <a:fld id="{4A418F25-DBF2-5D47-BF7D-3E1246D05D66}" type="datetimeFigureOut">
+              <a:rPr lang="en-US" smtClean="0"/>
+              <a:t>11/24/14</a:t>
+            </a:fld>
+            <a:endParaRPr lang="en-US"/>
+          </a:p>
+        </p:txBody>
+      </p:sp>
+      <p:sp>
+        <p:nvSpPr>
+          <p:cNvPr id="4" name="Slide Image Placeholder 3"/>
+          <p:cNvSpPr>
+            <a:spLocks noGrp="1" noRot="1" noChangeAspect="1"/>
+          </p:cNvSpPr>
+          <p:nvPr>
+            <p:ph type="sldImg" idx="2"/>
+          </p:nvPr>
+        </p:nvSpPr>
+        <p:spPr>
+          <a:xfrm>
+            <a:off x="1143000" y="685800"/>
+            <a:ext cx="4572000" cy="3429000"/>
+          </a:xfrm>
+          <a:prstGeom prst="rect">
+            <a:avLst/>
+          </a:prstGeom>
+          <a:noFill/>
+          <a:ln w="12700">
+            <a:solidFill>
+              <a:prstClr val="black"/>
+            </a:solidFill>
+          </a:ln>
+        </p:spPr>
+        <p:txBody>
+          <a:bodyPr vert="horz" lIns="91440" tIns="45720" rIns="91440" bIns="45720" rtlCol="0" anchor="ctr"/>
+          <a:lstStyle/>
+          <a:p>
+            <a:endParaRPr lang="en-US"/>
+          </a:p>
+        </p:txBody>
+      </p:sp>
+      <p:sp>
+        <p:nvSpPr>
+          <p:cNvPr id="5" name="Notes Placeholder 4"/>
+          <p:cNvSpPr>
+            <a:spLocks noGrp="1"/>
+          </p:cNvSpPr>
+          <p:nvPr>
+            <p:ph type="body" sz="quarter" idx="3"/>
+          </p:nvPr>
+        </p:nvSpPr>
+        <p:spPr>
+          <a:xfrm>
+            <a:off x="685800" y="4343400"/>
+            <a:ext cx="5486400" cy="4114800"/>
+          </a:xfrm>
+          <a:prstGeom prst="rect">
+            <a:avLst/>
+          </a:prstGeom>
+        </p:spPr>
+        <p:txBody>
+          <a:bodyPr vert="horz" lIns="91440" tIns="45720" rIns="91440" bIns="45720" rtlCol="0"/>
+          <a:lstStyle/>
+          <a:p>
+            <a:pPr lvl="0"/>
+            <a:r>
+              <a:rPr lang="en-US" smtClean="0"/>
+              <a:t>Click to edit Master text styles</a:t>
+            </a:r>
+          </a:p>
+          <a:p>
+            <a:pPr lvl="1"/>
+            <a:r>
+              <a:rPr lang="en-US" smtClean="0"/>
+              <a:t>Second level</a:t>
+            </a:r>
+          </a:p>
+          <a:p>
+            <a:pPr lvl="2"/>
+            <a:r>
+              <a:rPr lang="en-US" smtClean="0"/>
+              <a:t>Third level</a:t>
+            </a:r>
+          </a:p>
+          <a:p>
+            <a:pPr lvl="3"/>
+            <a:r>
+              <a:rPr lang="en-US" smtClean="0"/>
+              <a:t>Fourth level</a:t>
+            </a:r>
+          </a:p>
+          <a:p>
+            <a:pPr lvl="4"/>
+            <a:r>
+              <a:rPr lang="en-US" smtClean="0"/>
+              <a:t>Fifth level</a:t>
+            </a:r>
+            <a:endParaRPr lang="en-US"/>
+          </a:p>
+        </p:txBody>
+      </p:sp>
+      <p:sp>
+        <p:nvSpPr>
+          <p:cNvPr id="6" name="Footer Placeholder 5"/>
+          <p:cNvSpPr>
+            <a:spLocks noGrp="1"/>
+          </p:cNvSpPr>
+          <p:nvPr>
+            <p:ph type="ftr" sz="quarter" idx="4"/>
+          </p:nvPr>
+        </p:nvSpPr>
+        <p:spPr>
+          <a:xfrm>
+            <a:off x="0" y="8685213"/>
+            <a:ext cx="2971800" cy="457200"/>
+          </a:xfrm>
+          <a:prstGeom prst="rect">
+            <a:avLst/>
+          </a:prstGeom>
+        </p:spPr>
+        <p:txBody>
+          <a:bodyPr vert="horz" lIns="91440" tIns="45720" rIns="91440" bIns="45720" rtlCol="0" anchor="b"/>
+          <a:lstStyle>
+            <a:lvl1pPr algn="l">
+              <a:defRPr sz="1200"/>
+            </a:lvl1pPr>
+          </a:lstStyle>
+          <a:p>
+            <a:endParaRPr lang="en-US"/>
+          </a:p>
+        </p:txBody>
+      </p:sp>
+      <p:sp>
+        <p:nvSpPr>
+          <p:cNvPr id="7" name="Slide Number Placeholder 6"/>
+          <p:cNvSpPr>
+            <a:spLocks noGrp="1"/>
+          </p:cNvSpPr>
+          <p:nvPr>
+            <p:ph type="sldNum" sz="quarter" idx="5"/>
+          </p:nvPr>
+        </p:nvSpPr>
+        <p:spPr>
+          <a:xfrm>
+            <a:off x="3884613" y="8685213"/>
+            <a:ext cx="2971800" cy="457200"/>
+          </a:xfrm>
+          <a:prstGeom prst="rect">
+            <a:avLst/>
+          </a:prstGeom>
+        </p:spPr>
+        <p:txBody>
+          <a:bodyPr vert="horz" lIns="91440" tIns="45720" rIns="91440" bIns="45720" rtlCol="0" anchor="b"/>
+          <a:lstStyle>
+            <a:lvl1pPr algn="r">
+              <a:defRPr sz="1200"/>
+            </a:lvl1pPr>
+          </a:lstStyle>
+          <a:p>
+            <a:fld id="{43AA419B-D3AB-F049-9FFF-080EAE3F7483}" type="slidenum">
+              <a:rPr lang="en-US" smtClean="0"/>
+              <a:t>‹#›</a:t>
+            </a:fld>
+            <a:endParaRPr lang="en-US"/>
+          </a:p>
+        </p:txBody>
+      </p:sp>
+    </p:spTree>
+    <p:extLst>
+      <p:ext uri="{BB962C8B-B14F-4D97-AF65-F5344CB8AC3E}">
+        <p14:creationId xmlns:p14="http://schemas.microsoft.com/office/powerpoint/2010/main" val="158648969"/>
+      </p:ext>
+    </p:extLst>
+  </p:cSld>
+  <p:clrMap bg1="lt1" tx1="dk1" bg2="lt2" tx2="dk2" accent1="accent1" accent2="accent2" accent3="accent3" accent4="accent4" accent5="accent5" accent6="accent6" hlink="hlink" folHlink="folHlink"/>
+  <p:notesStyle>
+    <a:lvl1pPr marL="0" algn="l" defTabSz="457200" rtl="0" eaLnBrk="1" latinLnBrk="0" hangingPunct="1">
+      <a:defRPr sz="1200" kern="1200">
+        <a:solidFill>
+          <a:schemeClr val="tx1"/>
+        </a:solidFill>
+        <a:latin typeface="+mn-lt"/>
+        <a:ea typeface="+mn-ea"/>
+        <a:cs typeface="+mn-cs"/>
+      </a:defRPr>
+    </a:lvl1pPr>
+    <a:lvl2pPr marL="457200" algn="l" defTabSz="457200" rtl="0" eaLnBrk="1" latinLnBrk="0" hangingPunct="1">
+      <a:defRPr sz="1200" kern="1200">
+        <a:solidFill>
+          <a:schemeClr val="tx1"/>
+        </a:solidFill>
+        <a:latin typeface="+mn-lt"/>
+        <a:ea typeface="+mn-ea"/>
+        <a:cs typeface="+mn-cs"/>
+      </a:defRPr>
+    </a:lvl2pPr>
+    <a:lvl3pPr marL="914400" algn="l" defTabSz="457200" rtl="0" eaLnBrk="1" latinLnBrk="0" hangingPunct="1">
+      <a:defRPr sz="1200" kern="1200">
+        <a:solidFill>
+          <a:schemeClr val="tx1"/>
+        </a:solidFill>
+        <a:latin typeface="+mn-lt"/>
+        <a:ea typeface="+mn-ea"/>
+        <a:cs typeface="+mn-cs"/>
+      </a:defRPr>
+    </a:lvl3pPr>
+    <a:lvl4pPr marL="1371600" algn="l" defTabSz="457200" rtl="0" eaLnBrk="1" latinLnBrk="0" hangingPunct="1">
+      <a:defRPr sz="1200" kern="1200">
+        <a:solidFill>
+          <a:schemeClr val="tx1"/>
+        </a:solidFill>
+        <a:latin typeface="+mn-lt"/>
+        <a:ea typeface="+mn-ea"/>
+        <a:cs typeface="+mn-cs"/>
+      </a:defRPr>
+    </a:lvl4pPr>
+    <a:lvl5pPr marL="1828800" algn="l" defTabSz="457200" rtl="0" eaLnBrk="1" latinLnBrk="0" hangingPunct="1">
+      <a:defRPr sz="1200" kern="1200">
+        <a:solidFill>
+          <a:schemeClr val="tx1"/>
+        </a:solidFill>
+        <a:latin typeface="+mn-lt"/>
+        <a:ea typeface="+mn-ea"/>
+        <a:cs typeface="+mn-cs"/>
+      </a:defRPr>
+    </a:lvl5pPr>
+    <a:lvl6pPr marL="2286000" algn="l" defTabSz="457200" rtl="0" eaLnBrk="1" latinLnBrk="0" hangingPunct="1">
+      <a:defRPr sz="1200" kern="1200">
+        <a:solidFill>
+          <a:schemeClr val="tx1"/>
+        </a:solidFill>
+        <a:latin typeface="+mn-lt"/>
+        <a:ea typeface="+mn-ea"/>
+        <a:cs typeface="+mn-cs"/>
+      </a:defRPr>
+    </a:lvl6pPr>
+    <a:lvl7pPr marL="2743200" algn="l" defTabSz="457200" rtl="0" eaLnBrk="1" latinLnBrk="0" hangingPunct="1">
+      <a:defRPr sz="1200" kern="1200">
+        <a:solidFill>
+          <a:schemeClr val="tx1"/>
+        </a:solidFill>
+        <a:latin typeface="+mn-lt"/>
+        <a:ea typeface="+mn-ea"/>
+        <a:cs typeface="+mn-cs"/>
+      </a:defRPr>
+    </a:lvl7pPr>
+    <a:lvl8pPr marL="3200400" algn="l" defTabSz="457200" rtl="0" eaLnBrk="1" latinLnBrk="0" hangingPunct="1">
+      <a:defRPr sz="1200" kern="1200">
+        <a:solidFill>
+          <a:schemeClr val="tx1"/>
+        </a:solidFill>
+        <a:latin typeface="+mn-lt"/>
+        <a:ea typeface="+mn-ea"/>
+        <a:cs typeface="+mn-cs"/>
+      </a:defRPr>
+    </a:lvl8pPr>
+    <a:lvl9pPr marL="3657600" algn="l" defTabSz="457200" rtl="0" eaLnBrk="1" latinLnBrk="0" hangingPunct="1">
+      <a:defRPr sz="1200" kern="1200">
+        <a:solidFill>
+          <a:schemeClr val="tx1"/>
+        </a:solidFill>
+        <a:latin typeface="+mn-lt"/>
+        <a:ea typeface="+mn-ea"/>
+        <a:cs typeface="+mn-cs"/>
+      </a:defRPr>
+    </a:lvl9pPr>
+  </p:notesStyle>
+</p:notesMaster>
+</file>
+
+<file path=ppt/notesSlides/notesSlide1.xml><?xml version="1.0" encoding="utf-8"?>
+<p:notes xmlns:a="http://schemas.openxmlformats.org/drawingml/2006/main" xmlns:r="http://schemas.openxmlformats.org/officeDocument/2006/relationships" xmlns:p="http://schemas.openxmlformats.org/presentationml/2006/main">
+  <p:cSld>
+    <p:spTree>
+      <p:nvGrpSpPr>
+        <p:cNvPr id="1" name=""/>
+        <p:cNvGrpSpPr/>
+        <p:nvPr/>
+      </p:nvGrpSpPr>
+      <p:grpSpPr>
+        <a:xfrm>
+          <a:off x="0" y="0"/>
+          <a:ext cx="0" cy="0"/>
+          <a:chOff x="0" y="0"/>
+          <a:chExt cx="0" cy="0"/>
+        </a:xfrm>
+      </p:grpSpPr>
+      <p:sp>
+        <p:nvSpPr>
+          <p:cNvPr id="2" name="Slide Image Placeholder 1"/>
+          <p:cNvSpPr>
+            <a:spLocks noGrp="1" noRot="1" noChangeAspect="1"/>
+          </p:cNvSpPr>
+          <p:nvPr>
+            <p:ph type="sldImg"/>
+          </p:nvPr>
+        </p:nvSpPr>
+        <p:spPr/>
+      </p:sp>
+      <p:sp>
+        <p:nvSpPr>
+          <p:cNvPr id="3" name="Notes Placeholder 2"/>
+          <p:cNvSpPr>
+            <a:spLocks noGrp="1"/>
+          </p:cNvSpPr>
+          <p:nvPr>
+            <p:ph type="body" idx="1"/>
+          </p:nvPr>
+        </p:nvSpPr>
+        <p:spPr/>
+        <p:txBody>
+          <a:bodyPr/>
+          <a:lstStyle/>
+          <a:p>
+            <a:endParaRPr lang="en-US" dirty="0"/>
+          </a:p>
+        </p:txBody>
+      </p:sp>
+      <p:sp>
+        <p:nvSpPr>
+          <p:cNvPr id="4" name="Slide Number Placeholder 3"/>
+          <p:cNvSpPr>
+            <a:spLocks noGrp="1"/>
+          </p:cNvSpPr>
+          <p:nvPr>
+            <p:ph type="sldNum" sz="quarter" idx="10"/>
+          </p:nvPr>
+        </p:nvSpPr>
+        <p:spPr/>
+        <p:txBody>
+          <a:bodyPr/>
+          <a:lstStyle/>
+          <a:p>
+            <a:fld id="{43AA419B-D3AB-F049-9FFF-080EAE3F7483}" type="slidenum">
+              <a:rPr lang="en-US" smtClean="0"/>
+              <a:t>8</a:t>
+            </a:fld>
+            <a:endParaRPr lang="en-US"/>
+          </a:p>
+        </p:txBody>
+      </p:sp>
+    </p:spTree>
+    <p:extLst>
+      <p:ext uri="{BB962C8B-B14F-4D97-AF65-F5344CB8AC3E}">
+        <p14:creationId xmlns:p14="http://schemas.microsoft.com/office/powerpoint/2010/main" val="719792467"/>
+      </p:ext>
+    </p:extLst>
+  </p:cSld>
+  <p:clrMapOvr>
+    <a:masterClrMapping/>
+  </p:clrMapOvr>
+</p:notes>
+</file>
+
 <file path=ppt/slideLayouts/slideLayout1.xml><?xml version="1.0" encoding="utf-8"?>
 <p:sldLayout xmlns:a="http://schemas.openxmlformats.org/drawingml/2006/main" xmlns:r="http://schemas.openxmlformats.org/officeDocument/2006/relationships" xmlns:p="http://schemas.openxmlformats.org/presentationml/2006/main" type="title" preserve="1">
   <p:cSld name="Title Slide">
@@ -2602,7 +3047,7 @@
           <a:chExt cx="0" cy="0"/>
         </a:xfrm>
       </p:grpSpPr>
-      <p:sp>
+      <p:sp useBgFill="1">
         <p:nvSpPr>
           <p:cNvPr id="2" name="Title Placeholder 1"/>
           <p:cNvSpPr>
@@ -2620,6 +3065,21 @@
           <a:prstGeom prst="rect">
             <a:avLst/>
           </a:prstGeom>
+          <a:ln>
+            <a:solidFill>
+              <a:schemeClr val="tx1">
+                <a:alpha val="0"/>
+              </a:schemeClr>
+            </a:solidFill>
+          </a:ln>
+          <a:scene3d>
+            <a:camera prst="orthographicFront"/>
+            <a:lightRig rig="threePt" dir="t"/>
+          </a:scene3d>
+          <a:sp3d>
+            <a:bevelT/>
+            <a:bevelB/>
+          </a:sp3d>
         </p:spPr>
         <p:txBody>
           <a:bodyPr vert="horz" lIns="91440" tIns="45720" rIns="91440" bIns="45720" rtlCol="0" anchor="ctr">
@@ -2653,6 +3113,21 @@
           <a:prstGeom prst="rect">
             <a:avLst/>
           </a:prstGeom>
+          <a:ln>
+            <a:solidFill>
+              <a:schemeClr val="tx1">
+                <a:alpha val="0"/>
+              </a:schemeClr>
+            </a:solidFill>
+          </a:ln>
+          <a:scene3d>
+            <a:camera prst="orthographicFront"/>
+            <a:lightRig rig="threePt" dir="t"/>
+          </a:scene3d>
+          <a:sp3d>
+            <a:bevelT/>
+            <a:bevelB/>
+          </a:sp3d>
         </p:spPr>
         <p:txBody>
           <a:bodyPr vert="horz" lIns="91440" tIns="45720" rIns="91440" bIns="45720" rtlCol="0">
@@ -2662,38 +3137,38 @@
           <a:p>
             <a:pPr lvl="0"/>
             <a:r>
-              <a:rPr lang="en-US" smtClean="0"/>
+              <a:rPr lang="en-US" dirty="0" smtClean="0"/>
               <a:t>Click to edit Master text styles</a:t>
             </a:r>
           </a:p>
           <a:p>
             <a:pPr lvl="1"/>
             <a:r>
-              <a:rPr lang="en-US" smtClean="0"/>
+              <a:rPr lang="en-US" dirty="0" smtClean="0"/>
               <a:t>Second level</a:t>
             </a:r>
           </a:p>
           <a:p>
             <a:pPr lvl="2"/>
             <a:r>
-              <a:rPr lang="en-US" smtClean="0"/>
+              <a:rPr lang="en-US" dirty="0" smtClean="0"/>
               <a:t>Third level</a:t>
             </a:r>
           </a:p>
           <a:p>
             <a:pPr lvl="3"/>
             <a:r>
-              <a:rPr lang="en-US" smtClean="0"/>
+              <a:rPr lang="en-US" dirty="0" smtClean="0"/>
               <a:t>Fourth level</a:t>
             </a:r>
           </a:p>
           <a:p>
             <a:pPr lvl="4"/>
             <a:r>
-              <a:rPr lang="en-US" smtClean="0"/>
+              <a:rPr lang="en-US" dirty="0" smtClean="0"/>
               <a:t>Fifth level</a:t>
             </a:r>
-            <a:endParaRPr lang="en-US"/>
+            <a:endParaRPr lang="en-US" dirty="0"/>
           </a:p>
         </p:txBody>
       </p:sp>
@@ -3189,7 +3664,7 @@
 </p:sld>
 </file>
 
-<file path=ppt/slides/slide2.xml><?xml version="1.0" encoding="utf-8"?>
+<file path=ppt/slides/slide10.xml><?xml version="1.0" encoding="utf-8"?>
 <p:sld xmlns:a="http://schemas.openxmlformats.org/drawingml/2006/main" xmlns:r="http://schemas.openxmlformats.org/officeDocument/2006/relationships" xmlns:p="http://schemas.openxmlformats.org/presentationml/2006/main">
   <p:cSld>
     <p:spTree>
@@ -3222,35 +3697,10 @@
           <a:lstStyle/>
           <a:p>
             <a:r>
-              <a:rPr lang="en-US" dirty="0" smtClean="0">
-                <a:solidFill>
-                  <a:schemeClr val="tx2">
-                    <a:lumMod val="60000"/>
-                    <a:lumOff val="40000"/>
-                  </a:schemeClr>
-                </a:solidFill>
-              </a:rPr>
-              <a:t>Introducing </a:t>
-            </a:r>
-            <a:r>
-              <a:rPr lang="en-US" dirty="0" err="1" smtClean="0">
-                <a:solidFill>
-                  <a:schemeClr val="tx2">
-                    <a:lumMod val="60000"/>
-                    <a:lumOff val="40000"/>
-                  </a:schemeClr>
-                </a:solidFill>
-              </a:rPr>
-              <a:t>DeadAnt</a:t>
-            </a:r>
-            <a:endParaRPr lang="en-US" dirty="0">
-              <a:solidFill>
-                <a:schemeClr val="tx2">
-                  <a:lumMod val="60000"/>
-                  <a:lumOff val="40000"/>
-                </a:schemeClr>
-              </a:solidFill>
-            </a:endParaRPr>
+              <a:rPr lang="en-US" dirty="0" smtClean="0"/>
+              <a:t>Objective Scores</a:t>
+            </a:r>
+            <a:endParaRPr lang="en-US" dirty="0"/>
           </a:p>
         </p:txBody>
       </p:sp>
@@ -3269,14 +3719,14 @@
           <a:bodyPr/>
           <a:lstStyle/>
           <a:p>
-            <a:endParaRPr lang="en-US" dirty="0"/>
+            <a:endParaRPr lang="en-US"/>
           </a:p>
         </p:txBody>
       </p:sp>
     </p:spTree>
     <p:extLst>
       <p:ext uri="{BB962C8B-B14F-4D97-AF65-F5344CB8AC3E}">
-        <p14:creationId xmlns:p14="http://schemas.microsoft.com/office/powerpoint/2010/main" val="2081151672"/>
+        <p14:creationId xmlns:p14="http://schemas.microsoft.com/office/powerpoint/2010/main" val="1392520578"/>
       </p:ext>
     </p:extLst>
   </p:cSld>
@@ -3286,7 +3736,7 @@
 </p:sld>
 </file>
 
-<file path=ppt/slides/slide3.xml><?xml version="1.0" encoding="utf-8"?>
+<file path=ppt/slides/slide11.xml><?xml version="1.0" encoding="utf-8"?>
 <p:sld xmlns:a="http://schemas.openxmlformats.org/drawingml/2006/main" xmlns:r="http://schemas.openxmlformats.org/officeDocument/2006/relationships" xmlns:p="http://schemas.openxmlformats.org/presentationml/2006/main">
   <p:cSld>
     <p:spTree>
@@ -3319,18 +3769,10 @@
           <a:lstStyle/>
           <a:p>
             <a:r>
-              <a:rPr lang="en-US" dirty="0" smtClean="0">
-                <a:solidFill>
-                  <a:srgbClr val="558ED5"/>
-                </a:solidFill>
-              </a:rPr>
-              <a:t>Dead Ant Pseudo-code</a:t>
-            </a:r>
-            <a:endParaRPr lang="en-US" dirty="0">
-              <a:solidFill>
-                <a:srgbClr val="558ED5"/>
-              </a:solidFill>
-            </a:endParaRPr>
+              <a:rPr lang="en-US" dirty="0" smtClean="0"/>
+              <a:t>Spread</a:t>
+            </a:r>
+            <a:endParaRPr lang="en-US" dirty="0"/>
           </a:p>
         </p:txBody>
       </p:sp>
@@ -3344,173 +3786,19 @@
             <p:ph idx="1"/>
           </p:nvPr>
         </p:nvSpPr>
-        <p:spPr>
-          <a:xfrm>
-            <a:off x="457200" y="1600201"/>
-            <a:ext cx="8229600" cy="4802510"/>
-          </a:xfrm>
-        </p:spPr>
-        <p:txBody>
-          <a:bodyPr>
-            <a:normAutofit fontScale="70000" lnSpcReduction="20000"/>
-          </a:bodyPr>
+        <p:spPr/>
+        <p:txBody>
+          <a:bodyPr/>
           <a:lstStyle/>
           <a:p>
-            <a:pPr marL="514350" indent="-514350">
-              <a:buFont typeface="+mj-lt"/>
-              <a:buAutoNum type="arabicPeriod"/>
-            </a:pPr>
-            <a:r>
-              <a:rPr lang="en-US" dirty="0" smtClean="0"/>
-              <a:t>Build Initial Frontier with N candidates (ants). Mark everyone alive.</a:t>
-            </a:r>
-          </a:p>
-          <a:p>
-            <a:pPr marL="514350" indent="-514350">
-              <a:buFont typeface="+mj-lt"/>
-              <a:buAutoNum type="arabicPeriod"/>
-            </a:pPr>
-            <a:r>
-              <a:rPr lang="en-US" dirty="0" smtClean="0"/>
-              <a:t>Repeat until stopping criterion is met </a:t>
-            </a:r>
-            <a:r>
-              <a:rPr lang="en-US" dirty="0" smtClean="0"/>
-              <a:t>(Set Lives </a:t>
-            </a:r>
-            <a:r>
-              <a:rPr lang="en-US" dirty="0" smtClean="0"/>
-              <a:t>= 100)</a:t>
-            </a:r>
-          </a:p>
-          <a:p>
-            <a:pPr marL="914400" lvl="1" indent="-514350">
-              <a:buFont typeface="+mj-lt"/>
-              <a:buAutoNum type="alphaLcPeriod"/>
-            </a:pPr>
-            <a:r>
-              <a:rPr lang="en-US" dirty="0" smtClean="0"/>
-              <a:t>Generate a new ant.</a:t>
-            </a:r>
-          </a:p>
-          <a:p>
-            <a:pPr marL="914400" lvl="1" indent="-514350">
-              <a:buFont typeface="+mj-lt"/>
-              <a:buAutoNum type="alphaLcPeriod"/>
-            </a:pPr>
-            <a:r>
-              <a:rPr lang="en-US" dirty="0" smtClean="0"/>
-              <a:t>If the ant is not close to anyone in frontier, add ant to the frontier.</a:t>
-            </a:r>
-          </a:p>
-          <a:p>
-            <a:pPr marL="914400" lvl="1" indent="-514350">
-              <a:buFont typeface="+mj-lt"/>
-              <a:buAutoNum type="alphaLcPeriod"/>
-            </a:pPr>
-            <a:r>
-              <a:rPr lang="en-US" dirty="0" smtClean="0"/>
-              <a:t>If ant is close to an old ant that’s dead, discard the old ant, mark the new ant as dead</a:t>
-            </a:r>
-            <a:r>
-              <a:rPr lang="en-US" dirty="0" smtClean="0"/>
-              <a:t>.</a:t>
-            </a:r>
-            <a:endParaRPr lang="en-US" dirty="0" smtClean="0"/>
-          </a:p>
-          <a:p>
-            <a:pPr marL="914400" lvl="1" indent="-514350">
-              <a:buFont typeface="+mj-lt"/>
-              <a:buAutoNum type="alphaLcPeriod"/>
-            </a:pPr>
-            <a:r>
-              <a:rPr lang="en-US" dirty="0" smtClean="0"/>
-              <a:t>If new ant is close to an old ant that’s alive, evaluate the </a:t>
-            </a:r>
-            <a:r>
-              <a:rPr lang="en-US" dirty="0" smtClean="0"/>
-              <a:t>ant and </a:t>
-            </a:r>
-            <a:r>
-              <a:rPr lang="en-US" dirty="0" smtClean="0"/>
-              <a:t>increase lives.</a:t>
-            </a:r>
-            <a:endParaRPr lang="en-US" dirty="0" smtClean="0"/>
-          </a:p>
-          <a:p>
-            <a:pPr marL="1314450" lvl="2" indent="-514350">
-              <a:buFont typeface="+mj-lt"/>
-              <a:buAutoNum type="romanUcPeriod"/>
-            </a:pPr>
-            <a:r>
-              <a:rPr lang="en-US" dirty="0" smtClean="0"/>
-              <a:t>If the new ant dominates the old </a:t>
-            </a:r>
-            <a:r>
-              <a:rPr lang="en-US" dirty="0" smtClean="0"/>
-              <a:t>ant, </a:t>
-            </a:r>
-            <a:r>
-              <a:rPr lang="en-US" dirty="0" smtClean="0"/>
-              <a:t>mutate towards the new </a:t>
-            </a:r>
-            <a:r>
-              <a:rPr lang="en-US" dirty="0" smtClean="0"/>
-              <a:t>ant and </a:t>
-            </a:r>
-            <a:r>
-              <a:rPr lang="en-US" dirty="0" smtClean="0"/>
-              <a:t>kill the old </a:t>
-            </a:r>
-            <a:r>
-              <a:rPr lang="en-US" dirty="0" smtClean="0"/>
-              <a:t>ant.</a:t>
-            </a:r>
-          </a:p>
-          <a:p>
-            <a:pPr marL="1314450" lvl="2" indent="-514350">
-              <a:buFont typeface="+mj-lt"/>
-              <a:buAutoNum type="romanUcPeriod"/>
-            </a:pPr>
-            <a:r>
-              <a:rPr lang="en-US" dirty="0" smtClean="0"/>
-              <a:t>If the old ant dominates the new ant, mutate towards the old ant and kill the new ant.</a:t>
-            </a:r>
-          </a:p>
-          <a:p>
-            <a:pPr marL="914400" lvl="1" indent="-514350">
-              <a:buFont typeface="+mj-lt"/>
-              <a:buAutoNum type="alphaLcPeriod"/>
-            </a:pPr>
-            <a:r>
-              <a:rPr lang="en-US" dirty="0" smtClean="0"/>
-              <a:t>If the new ant and the old are mutually non-dominant, then add the new ant to the frontier.</a:t>
-            </a:r>
-          </a:p>
-          <a:p>
-            <a:pPr marL="514350" indent="-514350">
-              <a:buFont typeface="+mj-lt"/>
-              <a:buAutoNum type="arabicPeriod"/>
-            </a:pPr>
-            <a:r>
-              <a:rPr lang="en-US" dirty="0" smtClean="0"/>
-              <a:t>All the live ants now constitute the approximations to the </a:t>
-            </a:r>
-            <a:r>
-              <a:rPr lang="en-US" dirty="0" err="1" smtClean="0"/>
-              <a:t>pareto</a:t>
-            </a:r>
-            <a:r>
-              <a:rPr lang="en-US" dirty="0" smtClean="0"/>
-              <a:t> frontier.</a:t>
-            </a:r>
+            <a:endParaRPr lang="en-US"/>
           </a:p>
         </p:txBody>
       </p:sp>
     </p:spTree>
     <p:extLst>
       <p:ext uri="{BB962C8B-B14F-4D97-AF65-F5344CB8AC3E}">
-        <p14:creationId xmlns:p14="http://schemas.microsoft.com/office/powerpoint/2010/main" val="2695829105"/>
+        <p14:creationId xmlns:p14="http://schemas.microsoft.com/office/powerpoint/2010/main" val="296648278"/>
       </p:ext>
     </p:extLst>
   </p:cSld>
@@ -3520,143 +3808,7 @@
 </p:sld>
 </file>
 
-<file path=ppt/slides/slide4.xml><?xml version="1.0" encoding="utf-8"?>
-<p:sld xmlns:a="http://schemas.openxmlformats.org/drawingml/2006/main" xmlns:r="http://schemas.openxmlformats.org/officeDocument/2006/relationships" xmlns:p="http://schemas.openxmlformats.org/presentationml/2006/main">
-  <p:cSld>
-    <p:spTree>
-      <p:nvGrpSpPr>
-        <p:cNvPr id="1" name=""/>
-        <p:cNvGrpSpPr/>
-        <p:nvPr/>
-      </p:nvGrpSpPr>
-      <p:grpSpPr>
-        <a:xfrm>
-          <a:off x="0" y="0"/>
-          <a:ext cx="0" cy="0"/>
-          <a:chOff x="0" y="0"/>
-          <a:chExt cx="0" cy="0"/>
-        </a:xfrm>
-      </p:grpSpPr>
-      <p:sp>
-        <p:nvSpPr>
-          <p:cNvPr id="2" name="Title 1"/>
-          <p:cNvSpPr>
-            <a:spLocks noGrp="1"/>
-          </p:cNvSpPr>
-          <p:nvPr>
-            <p:ph type="title"/>
-          </p:nvPr>
-        </p:nvSpPr>
-        <p:spPr/>
-        <p:txBody>
-          <a:bodyPr/>
-          <a:lstStyle/>
-          <a:p>
-            <a:r>
-              <a:rPr lang="en-US" dirty="0" smtClean="0">
-                <a:solidFill>
-                  <a:srgbClr val="558ED5"/>
-                </a:solidFill>
-              </a:rPr>
-              <a:t>Experiments</a:t>
-            </a:r>
-            <a:endParaRPr lang="en-US" dirty="0">
-              <a:solidFill>
-                <a:srgbClr val="558ED5"/>
-              </a:solidFill>
-            </a:endParaRPr>
-          </a:p>
-        </p:txBody>
-      </p:sp>
-      <p:sp>
-        <p:nvSpPr>
-          <p:cNvPr id="3" name="Content Placeholder 2"/>
-          <p:cNvSpPr>
-            <a:spLocks noGrp="1"/>
-          </p:cNvSpPr>
-          <p:nvPr>
-            <p:ph idx="1"/>
-          </p:nvPr>
-        </p:nvSpPr>
-        <p:spPr/>
-        <p:txBody>
-          <a:bodyPr>
-            <a:noAutofit/>
-          </a:bodyPr>
-          <a:lstStyle/>
-          <a:p>
-            <a:r>
-              <a:rPr lang="en-US" sz="2800" dirty="0" smtClean="0"/>
-              <a:t>Objective Scores</a:t>
-            </a:r>
-          </a:p>
-          <a:p>
-            <a:pPr lvl="1"/>
-            <a:r>
-              <a:rPr lang="en-US" sz="2800" dirty="0"/>
-              <a:t> </a:t>
-            </a:r>
-            <a:r>
-              <a:rPr lang="en-US" sz="2800" dirty="0" smtClean="0"/>
-              <a:t>Scott-Knott test for 25 repeated runs</a:t>
-            </a:r>
-          </a:p>
-          <a:p>
-            <a:r>
-              <a:rPr lang="en-US" sz="2800" dirty="0" smtClean="0"/>
-              <a:t> Spread</a:t>
-            </a:r>
-          </a:p>
-          <a:p>
-            <a:pPr lvl="1"/>
-            <a:r>
-              <a:rPr lang="en-US" sz="2800" dirty="0" smtClean="0"/>
-              <a:t>Scott-Knott test for 25 repeated runs</a:t>
-            </a:r>
-          </a:p>
-          <a:p>
-            <a:r>
-              <a:rPr lang="en-US" sz="2800" dirty="0" smtClean="0"/>
-              <a:t>Run times</a:t>
-            </a:r>
-          </a:p>
-          <a:p>
-            <a:pPr lvl="1"/>
-            <a:r>
-              <a:rPr lang="en-US" sz="2800" dirty="0" smtClean="0"/>
-              <a:t>Averaged over 25 runs</a:t>
-            </a:r>
-          </a:p>
-          <a:p>
-            <a:r>
-              <a:rPr lang="en-US" sz="2800" dirty="0" smtClean="0"/>
-              <a:t>Number of Evaluations</a:t>
-            </a:r>
-          </a:p>
-          <a:p>
-            <a:pPr lvl="1"/>
-            <a:r>
-              <a:rPr lang="en-US" sz="2800" dirty="0" smtClean="0"/>
-              <a:t>Median over 25 runs</a:t>
-            </a:r>
-            <a:endParaRPr lang="en-US" sz="2800" dirty="0"/>
-          </a:p>
-        </p:txBody>
-      </p:sp>
-    </p:spTree>
-    <p:extLst>
-      <p:ext uri="{BB962C8B-B14F-4D97-AF65-F5344CB8AC3E}">
-        <p14:creationId xmlns:p14="http://schemas.microsoft.com/office/powerpoint/2010/main" val="585575796"/>
-      </p:ext>
-    </p:extLst>
-  </p:cSld>
-  <p:clrMapOvr>
-    <a:masterClrMapping/>
-  </p:clrMapOvr>
-</p:sld>
-</file>
-
-<file path=ppt/slides/slide5.xml><?xml version="1.0" encoding="utf-8"?>
+<file path=ppt/slides/slide12.xml><?xml version="1.0" encoding="utf-8"?>
 <p:sld xmlns:a="http://schemas.openxmlformats.org/drawingml/2006/main" xmlns:r="http://schemas.openxmlformats.org/officeDocument/2006/relationships" xmlns:p="http://schemas.openxmlformats.org/presentationml/2006/main">
   <p:cSld>
     <p:spTree>
@@ -5453,7 +5605,7 @@
 </p:sld>
 </file>
 
-<file path=ppt/slides/slide6.xml><?xml version="1.0" encoding="utf-8"?>
+<file path=ppt/slides/slide13.xml><?xml version="1.0" encoding="utf-8"?>
 <p:sld xmlns:a="http://schemas.openxmlformats.org/drawingml/2006/main" xmlns:r="http://schemas.openxmlformats.org/officeDocument/2006/relationships" xmlns:p="http://schemas.openxmlformats.org/presentationml/2006/main">
   <p:cSld>
     <p:spTree>
@@ -7250,7 +7402,79 @@
 </p:sld>
 </file>
 
-<file path=ppt/slides/slide7.xml><?xml version="1.0" encoding="utf-8"?>
+<file path=ppt/slides/slide14.xml><?xml version="1.0" encoding="utf-8"?>
+<p:sld xmlns:a="http://schemas.openxmlformats.org/drawingml/2006/main" xmlns:r="http://schemas.openxmlformats.org/officeDocument/2006/relationships" xmlns:p="http://schemas.openxmlformats.org/presentationml/2006/main">
+  <p:cSld>
+    <p:spTree>
+      <p:nvGrpSpPr>
+        <p:cNvPr id="1" name=""/>
+        <p:cNvGrpSpPr/>
+        <p:nvPr/>
+      </p:nvGrpSpPr>
+      <p:grpSpPr>
+        <a:xfrm>
+          <a:off x="0" y="0"/>
+          <a:ext cx="0" cy="0"/>
+          <a:chOff x="0" y="0"/>
+          <a:chExt cx="0" cy="0"/>
+        </a:xfrm>
+      </p:grpSpPr>
+      <p:sp>
+        <p:nvSpPr>
+          <p:cNvPr id="2" name="Title 1"/>
+          <p:cNvSpPr>
+            <a:spLocks noGrp="1"/>
+          </p:cNvSpPr>
+          <p:nvPr>
+            <p:ph type="title"/>
+          </p:nvPr>
+        </p:nvSpPr>
+        <p:spPr/>
+        <p:txBody>
+          <a:bodyPr/>
+          <a:lstStyle/>
+          <a:p>
+            <a:r>
+              <a:rPr lang="en-US" dirty="0" smtClean="0"/>
+              <a:t>Future Work</a:t>
+            </a:r>
+            <a:endParaRPr lang="en-US" dirty="0"/>
+          </a:p>
+        </p:txBody>
+      </p:sp>
+      <p:sp>
+        <p:nvSpPr>
+          <p:cNvPr id="3" name="Content Placeholder 2"/>
+          <p:cNvSpPr>
+            <a:spLocks noGrp="1"/>
+          </p:cNvSpPr>
+          <p:nvPr>
+            <p:ph idx="1"/>
+          </p:nvPr>
+        </p:nvSpPr>
+        <p:spPr/>
+        <p:txBody>
+          <a:bodyPr/>
+          <a:lstStyle/>
+          <a:p>
+            <a:endParaRPr lang="en-US"/>
+          </a:p>
+        </p:txBody>
+      </p:sp>
+    </p:spTree>
+    <p:extLst>
+      <p:ext uri="{BB962C8B-B14F-4D97-AF65-F5344CB8AC3E}">
+        <p14:creationId xmlns:p14="http://schemas.microsoft.com/office/powerpoint/2010/main" val="642251141"/>
+      </p:ext>
+    </p:extLst>
+  </p:cSld>
+  <p:clrMapOvr>
+    <a:masterClrMapping/>
+  </p:clrMapOvr>
+</p:sld>
+</file>
+
+<file path=ppt/slides/slide15.xml><?xml version="1.0" encoding="utf-8"?>
 <p:sld xmlns:a="http://schemas.openxmlformats.org/drawingml/2006/main" xmlns:r="http://schemas.openxmlformats.org/officeDocument/2006/relationships" xmlns:p="http://schemas.openxmlformats.org/presentationml/2006/main">
   <p:cSld>
     <p:spTree>
@@ -7307,9 +7531,6 @@
                   <a14:imgLayer r:embed="rId3">
                     <a14:imgEffect>
                       <a14:artisticCutout/>
-                    </a14:imgEffect>
-                    <a14:imgEffect>
-                      <a14:sharpenSoften amount="50000"/>
                     </a14:imgEffect>
                     <a14:imgEffect>
                       <a14:colorTemperature colorTemp="5900"/>
@@ -7331,18 +7552,901 @@
         </p:blipFill>
         <p:spPr>
           <a:xfrm>
-            <a:off x="1995967" y="1974019"/>
+            <a:off x="1995967" y="1611659"/>
             <a:ext cx="5152066" cy="4010024"/>
           </a:xfrm>
           <a:prstGeom prst="rect">
             <a:avLst/>
           </a:prstGeom>
+          <a:ln>
+            <a:noFill/>
+          </a:ln>
+          <a:effectLst>
+            <a:outerShdw blurRad="292100" dist="139700" dir="2700000" algn="tl" rotWithShape="0">
+              <a:srgbClr val="333333">
+                <a:alpha val="65000"/>
+              </a:srgbClr>
+            </a:outerShdw>
+          </a:effectLst>
         </p:spPr>
       </p:pic>
     </p:spTree>
     <p:extLst>
       <p:ext uri="{BB962C8B-B14F-4D97-AF65-F5344CB8AC3E}">
         <p14:creationId xmlns:p14="http://schemas.microsoft.com/office/powerpoint/2010/main" val="90490827"/>
+      </p:ext>
+    </p:extLst>
+  </p:cSld>
+  <p:clrMapOvr>
+    <a:masterClrMapping/>
+  </p:clrMapOvr>
+  <p:timing>
+    <p:tnLst>
+      <p:par>
+        <p:cTn xmlns:p14="http://schemas.microsoft.com/office/powerpoint/2010/main" id="1" dur="indefinite" restart="never" nodeType="tmRoot"/>
+      </p:par>
+    </p:tnLst>
+  </p:timing>
+</p:sld>
+</file>
+
+<file path=ppt/slides/slide2.xml><?xml version="1.0" encoding="utf-8"?>
+<p:sld xmlns:a="http://schemas.openxmlformats.org/drawingml/2006/main" xmlns:r="http://schemas.openxmlformats.org/officeDocument/2006/relationships" xmlns:p="http://schemas.openxmlformats.org/presentationml/2006/main">
+  <p:cSld>
+    <p:spTree>
+      <p:nvGrpSpPr>
+        <p:cNvPr id="1" name=""/>
+        <p:cNvGrpSpPr/>
+        <p:nvPr/>
+      </p:nvGrpSpPr>
+      <p:grpSpPr>
+        <a:xfrm>
+          <a:off x="0" y="0"/>
+          <a:ext cx="0" cy="0"/>
+          <a:chOff x="0" y="0"/>
+          <a:chExt cx="0" cy="0"/>
+        </a:xfrm>
+      </p:grpSpPr>
+      <p:sp>
+        <p:nvSpPr>
+          <p:cNvPr id="2" name="Title 1"/>
+          <p:cNvSpPr>
+            <a:spLocks noGrp="1"/>
+          </p:cNvSpPr>
+          <p:nvPr>
+            <p:ph type="title"/>
+          </p:nvPr>
+        </p:nvSpPr>
+        <p:spPr/>
+        <p:txBody>
+          <a:bodyPr/>
+          <a:lstStyle/>
+          <a:p>
+            <a:r>
+              <a:rPr lang="en-US" dirty="0" smtClean="0"/>
+              <a:t>Outline</a:t>
+            </a:r>
+            <a:endParaRPr lang="en-US" dirty="0"/>
+          </a:p>
+        </p:txBody>
+      </p:sp>
+      <p:sp>
+        <p:nvSpPr>
+          <p:cNvPr id="3" name="Content Placeholder 2"/>
+          <p:cNvSpPr>
+            <a:spLocks noGrp="1"/>
+          </p:cNvSpPr>
+          <p:nvPr>
+            <p:ph idx="1"/>
+          </p:nvPr>
+        </p:nvSpPr>
+        <p:spPr/>
+        <p:txBody>
+          <a:bodyPr/>
+          <a:lstStyle/>
+          <a:p>
+            <a:endParaRPr lang="en-US"/>
+          </a:p>
+        </p:txBody>
+      </p:sp>
+    </p:spTree>
+    <p:extLst>
+      <p:ext uri="{BB962C8B-B14F-4D97-AF65-F5344CB8AC3E}">
+        <p14:creationId xmlns:p14="http://schemas.microsoft.com/office/powerpoint/2010/main" val="2861172889"/>
+      </p:ext>
+    </p:extLst>
+  </p:cSld>
+  <p:clrMapOvr>
+    <a:masterClrMapping/>
+  </p:clrMapOvr>
+</p:sld>
+</file>
+
+<file path=ppt/slides/slide3.xml><?xml version="1.0" encoding="utf-8"?>
+<p:sld xmlns:a="http://schemas.openxmlformats.org/drawingml/2006/main" xmlns:r="http://schemas.openxmlformats.org/officeDocument/2006/relationships" xmlns:p="http://schemas.openxmlformats.org/presentationml/2006/main">
+  <p:cSld>
+    <p:spTree>
+      <p:nvGrpSpPr>
+        <p:cNvPr id="1" name=""/>
+        <p:cNvGrpSpPr/>
+        <p:nvPr/>
+      </p:nvGrpSpPr>
+      <p:grpSpPr>
+        <a:xfrm>
+          <a:off x="0" y="0"/>
+          <a:ext cx="0" cy="0"/>
+          <a:chOff x="0" y="0"/>
+          <a:chExt cx="0" cy="0"/>
+        </a:xfrm>
+      </p:grpSpPr>
+      <p:sp>
+        <p:nvSpPr>
+          <p:cNvPr id="2" name="Title 1"/>
+          <p:cNvSpPr>
+            <a:spLocks noGrp="1"/>
+          </p:cNvSpPr>
+          <p:nvPr>
+            <p:ph type="title"/>
+          </p:nvPr>
+        </p:nvSpPr>
+        <p:spPr/>
+        <p:txBody>
+          <a:bodyPr/>
+          <a:lstStyle/>
+          <a:p>
+            <a:r>
+              <a:rPr lang="en-US" dirty="0" smtClean="0">
+                <a:solidFill>
+                  <a:schemeClr val="tx2">
+                    <a:lumMod val="60000"/>
+                    <a:lumOff val="40000"/>
+                  </a:schemeClr>
+                </a:solidFill>
+              </a:rPr>
+              <a:t>Introducing DeadAnt</a:t>
+            </a:r>
+            <a:endParaRPr lang="en-US" dirty="0">
+              <a:solidFill>
+                <a:schemeClr val="tx2">
+                  <a:lumMod val="60000"/>
+                  <a:lumOff val="40000"/>
+                </a:schemeClr>
+              </a:solidFill>
+            </a:endParaRPr>
+          </a:p>
+        </p:txBody>
+      </p:sp>
+      <p:sp>
+        <p:nvSpPr>
+          <p:cNvPr id="3" name="Content Placeholder 2"/>
+          <p:cNvSpPr>
+            <a:spLocks noGrp="1"/>
+          </p:cNvSpPr>
+          <p:nvPr>
+            <p:ph idx="1"/>
+          </p:nvPr>
+        </p:nvSpPr>
+        <p:spPr>
+          <a:effectLst>
+            <a:glow rad="101600">
+              <a:schemeClr val="tx1">
+                <a:alpha val="75000"/>
+              </a:schemeClr>
+            </a:glow>
+            <a:outerShdw blurRad="63500" dir="21300000" kx="2700000" rotWithShape="0">
+              <a:srgbClr val="000000">
+                <a:alpha val="15000"/>
+              </a:srgbClr>
+            </a:outerShdw>
+          </a:effectLst>
+          <a:scene3d>
+            <a:camera prst="orthographicFront"/>
+            <a:lightRig rig="threePt" dir="t"/>
+          </a:scene3d>
+        </p:spPr>
+        <p:txBody>
+          <a:bodyPr>
+            <a:normAutofit fontScale="92500" lnSpcReduction="20000"/>
+          </a:bodyPr>
+          <a:lstStyle/>
+          <a:p>
+            <a:r>
+              <a:rPr lang="en-US" dirty="0" smtClean="0"/>
+              <a:t>DeadAnt is a simple active learner.</a:t>
+            </a:r>
+          </a:p>
+          <a:p>
+            <a:r>
+              <a:rPr lang="en-US" dirty="0" smtClean="0"/>
+              <a:t>It determines if a potential solution deserves evaluation.</a:t>
+            </a:r>
+          </a:p>
+          <a:p>
+            <a:pPr lvl="1"/>
+            <a:r>
+              <a:rPr lang="en-US" dirty="0" smtClean="0"/>
+              <a:t>If new solution is close to a bad solution, do not evaluate it.</a:t>
+            </a:r>
+          </a:p>
+          <a:p>
+            <a:r>
+              <a:rPr lang="en-US" dirty="0" smtClean="0"/>
+              <a:t>It generates new solutions by directional mutation.</a:t>
+            </a:r>
+          </a:p>
+          <a:p>
+            <a:pPr lvl="1"/>
+            <a:r>
+              <a:rPr lang="en-US" dirty="0" smtClean="0"/>
+              <a:t>If a new solution is close to a good solution, mutate towards the better solution.</a:t>
+            </a:r>
+          </a:p>
+          <a:p>
+            <a:r>
+              <a:rPr lang="en-US" dirty="0" smtClean="0"/>
+              <a:t>Limits the population size by discarding bad solutions.</a:t>
+            </a:r>
+            <a:endParaRPr lang="en-US" dirty="0"/>
+          </a:p>
+          <a:p>
+            <a:endParaRPr lang="en-US" dirty="0" smtClean="0"/>
+          </a:p>
+        </p:txBody>
+      </p:sp>
+    </p:spTree>
+    <p:extLst>
+      <p:ext uri="{BB962C8B-B14F-4D97-AF65-F5344CB8AC3E}">
+        <p14:creationId xmlns:p14="http://schemas.microsoft.com/office/powerpoint/2010/main" val="2081151672"/>
+      </p:ext>
+    </p:extLst>
+  </p:cSld>
+  <p:clrMapOvr>
+    <a:masterClrMapping/>
+  </p:clrMapOvr>
+</p:sld>
+</file>
+
+<file path=ppt/slides/slide4.xml><?xml version="1.0" encoding="utf-8"?>
+<p:sld xmlns:a="http://schemas.openxmlformats.org/drawingml/2006/main" xmlns:r="http://schemas.openxmlformats.org/officeDocument/2006/relationships" xmlns:p="http://schemas.openxmlformats.org/presentationml/2006/main">
+  <p:cSld>
+    <p:spTree>
+      <p:nvGrpSpPr>
+        <p:cNvPr id="1" name=""/>
+        <p:cNvGrpSpPr/>
+        <p:nvPr/>
+      </p:nvGrpSpPr>
+      <p:grpSpPr>
+        <a:xfrm>
+          <a:off x="0" y="0"/>
+          <a:ext cx="0" cy="0"/>
+          <a:chOff x="0" y="0"/>
+          <a:chExt cx="0" cy="0"/>
+        </a:xfrm>
+      </p:grpSpPr>
+      <p:sp>
+        <p:nvSpPr>
+          <p:cNvPr id="2" name="Title 1"/>
+          <p:cNvSpPr>
+            <a:spLocks noGrp="1"/>
+          </p:cNvSpPr>
+          <p:nvPr>
+            <p:ph type="title"/>
+          </p:nvPr>
+        </p:nvSpPr>
+        <p:spPr/>
+        <p:txBody>
+          <a:bodyPr/>
+          <a:lstStyle/>
+          <a:p>
+            <a:r>
+              <a:rPr lang="en-US" dirty="0" smtClean="0"/>
+              <a:t>Determining ‘Close’?</a:t>
+            </a:r>
+            <a:endParaRPr lang="en-US" dirty="0"/>
+          </a:p>
+        </p:txBody>
+      </p:sp>
+      <p:sp>
+        <p:nvSpPr>
+          <p:cNvPr id="3" name="Content Placeholder 2"/>
+          <p:cNvSpPr>
+            <a:spLocks noGrp="1"/>
+          </p:cNvSpPr>
+          <p:nvPr>
+            <p:ph idx="1"/>
+          </p:nvPr>
+        </p:nvSpPr>
+        <p:spPr/>
+        <p:txBody>
+          <a:bodyPr/>
+          <a:lstStyle/>
+          <a:p>
+            <a:endParaRPr lang="en-US"/>
+          </a:p>
+        </p:txBody>
+      </p:sp>
+    </p:spTree>
+    <p:extLst>
+      <p:ext uri="{BB962C8B-B14F-4D97-AF65-F5344CB8AC3E}">
+        <p14:creationId xmlns:p14="http://schemas.microsoft.com/office/powerpoint/2010/main" val="856367882"/>
+      </p:ext>
+    </p:extLst>
+  </p:cSld>
+  <p:clrMapOvr>
+    <a:masterClrMapping/>
+  </p:clrMapOvr>
+</p:sld>
+</file>
+
+<file path=ppt/slides/slide5.xml><?xml version="1.0" encoding="utf-8"?>
+<p:sld xmlns:a="http://schemas.openxmlformats.org/drawingml/2006/main" xmlns:r="http://schemas.openxmlformats.org/officeDocument/2006/relationships" xmlns:p="http://schemas.openxmlformats.org/presentationml/2006/main">
+  <p:cSld>
+    <p:spTree>
+      <p:nvGrpSpPr>
+        <p:cNvPr id="1" name=""/>
+        <p:cNvGrpSpPr/>
+        <p:nvPr/>
+      </p:nvGrpSpPr>
+      <p:grpSpPr>
+        <a:xfrm>
+          <a:off x="0" y="0"/>
+          <a:ext cx="0" cy="0"/>
+          <a:chOff x="0" y="0"/>
+          <a:chExt cx="0" cy="0"/>
+        </a:xfrm>
+      </p:grpSpPr>
+      <p:sp>
+        <p:nvSpPr>
+          <p:cNvPr id="2" name="Title 1"/>
+          <p:cNvSpPr>
+            <a:spLocks noGrp="1"/>
+          </p:cNvSpPr>
+          <p:nvPr>
+            <p:ph type="title"/>
+          </p:nvPr>
+        </p:nvSpPr>
+        <p:spPr/>
+        <p:txBody>
+          <a:bodyPr/>
+          <a:lstStyle/>
+          <a:p>
+            <a:r>
+              <a:rPr lang="en-US" dirty="0" smtClean="0"/>
+              <a:t>Mutation</a:t>
+            </a:r>
+            <a:endParaRPr lang="en-US" dirty="0"/>
+          </a:p>
+        </p:txBody>
+      </p:sp>
+      <p:sp>
+        <p:nvSpPr>
+          <p:cNvPr id="3" name="Content Placeholder 2"/>
+          <p:cNvSpPr>
+            <a:spLocks noGrp="1"/>
+          </p:cNvSpPr>
+          <p:nvPr>
+            <p:ph idx="1"/>
+          </p:nvPr>
+        </p:nvSpPr>
+        <p:spPr/>
+        <p:txBody>
+          <a:bodyPr/>
+          <a:lstStyle/>
+          <a:p>
+            <a:endParaRPr lang="en-US"/>
+          </a:p>
+        </p:txBody>
+      </p:sp>
+    </p:spTree>
+    <p:extLst>
+      <p:ext uri="{BB962C8B-B14F-4D97-AF65-F5344CB8AC3E}">
+        <p14:creationId xmlns:p14="http://schemas.microsoft.com/office/powerpoint/2010/main" val="2032813579"/>
+      </p:ext>
+    </p:extLst>
+  </p:cSld>
+  <p:clrMapOvr>
+    <a:masterClrMapping/>
+  </p:clrMapOvr>
+</p:sld>
+</file>
+
+<file path=ppt/slides/slide6.xml><?xml version="1.0" encoding="utf-8"?>
+<p:sld xmlns:a="http://schemas.openxmlformats.org/drawingml/2006/main" xmlns:r="http://schemas.openxmlformats.org/officeDocument/2006/relationships" xmlns:p="http://schemas.openxmlformats.org/presentationml/2006/main">
+  <p:cSld>
+    <p:spTree>
+      <p:nvGrpSpPr>
+        <p:cNvPr id="1" name=""/>
+        <p:cNvGrpSpPr/>
+        <p:nvPr/>
+      </p:nvGrpSpPr>
+      <p:grpSpPr>
+        <a:xfrm>
+          <a:off x="0" y="0"/>
+          <a:ext cx="0" cy="0"/>
+          <a:chOff x="0" y="0"/>
+          <a:chExt cx="0" cy="0"/>
+        </a:xfrm>
+      </p:grpSpPr>
+      <p:sp>
+        <p:nvSpPr>
+          <p:cNvPr id="2" name="Title 1"/>
+          <p:cNvSpPr>
+            <a:spLocks noGrp="1"/>
+          </p:cNvSpPr>
+          <p:nvPr>
+            <p:ph type="title"/>
+          </p:nvPr>
+        </p:nvSpPr>
+        <p:spPr/>
+        <p:txBody>
+          <a:bodyPr/>
+          <a:lstStyle/>
+          <a:p>
+            <a:r>
+              <a:rPr lang="en-US" dirty="0" smtClean="0">
+                <a:solidFill>
+                  <a:srgbClr val="558ED5"/>
+                </a:solidFill>
+              </a:rPr>
+              <a:t>Dead Ant Pseudo-code</a:t>
+            </a:r>
+            <a:endParaRPr lang="en-US" dirty="0">
+              <a:solidFill>
+                <a:srgbClr val="558ED5"/>
+              </a:solidFill>
+            </a:endParaRPr>
+          </a:p>
+        </p:txBody>
+      </p:sp>
+      <p:sp>
+        <p:nvSpPr>
+          <p:cNvPr id="3" name="Content Placeholder 2"/>
+          <p:cNvSpPr>
+            <a:spLocks noGrp="1"/>
+          </p:cNvSpPr>
+          <p:nvPr>
+            <p:ph idx="1"/>
+          </p:nvPr>
+        </p:nvSpPr>
+        <p:spPr>
+          <a:xfrm>
+            <a:off x="457200" y="1600201"/>
+            <a:ext cx="8229600" cy="4802510"/>
+          </a:xfrm>
+        </p:spPr>
+        <p:txBody>
+          <a:bodyPr>
+            <a:normAutofit fontScale="70000" lnSpcReduction="20000"/>
+          </a:bodyPr>
+          <a:lstStyle/>
+          <a:p>
+            <a:pPr marL="514350" indent="-514350" algn="just">
+              <a:buFont typeface="+mj-lt"/>
+              <a:buAutoNum type="arabicPeriod"/>
+            </a:pPr>
+            <a:r>
+              <a:rPr lang="en-US" dirty="0" smtClean="0"/>
+              <a:t>Build Initial Frontier with N candidates (ants). Mark everyone alive.</a:t>
+            </a:r>
+          </a:p>
+          <a:p>
+            <a:pPr marL="514350" indent="-514350">
+              <a:buFont typeface="+mj-lt"/>
+              <a:buAutoNum type="arabicPeriod"/>
+            </a:pPr>
+            <a:r>
+              <a:rPr lang="en-US" dirty="0" smtClean="0"/>
+              <a:t>Repeat until stopping criterion is met </a:t>
+            </a:r>
+            <a:r>
+              <a:rPr lang="en-US" dirty="0" smtClean="0"/>
+              <a:t>(Set Lives </a:t>
+            </a:r>
+            <a:r>
+              <a:rPr lang="en-US" dirty="0" smtClean="0"/>
+              <a:t>= 100)</a:t>
+            </a:r>
+          </a:p>
+          <a:p>
+            <a:pPr marL="914400" lvl="1" indent="-514350">
+              <a:buFont typeface="+mj-lt"/>
+              <a:buAutoNum type="alphaLcPeriod"/>
+            </a:pPr>
+            <a:r>
+              <a:rPr lang="en-US" dirty="0" smtClean="0"/>
+              <a:t>Generate a new ant.</a:t>
+            </a:r>
+          </a:p>
+          <a:p>
+            <a:pPr marL="914400" lvl="1" indent="-514350" algn="just">
+              <a:buFont typeface="+mj-lt"/>
+              <a:buAutoNum type="alphaLcPeriod"/>
+            </a:pPr>
+            <a:r>
+              <a:rPr lang="en-US" dirty="0" smtClean="0"/>
+              <a:t>If the ant is not close to anyone in frontier, add ant to the frontier.</a:t>
+            </a:r>
+          </a:p>
+          <a:p>
+            <a:pPr marL="914400" lvl="1" indent="-514350" algn="just">
+              <a:buFont typeface="+mj-lt"/>
+              <a:buAutoNum type="alphaLcPeriod"/>
+            </a:pPr>
+            <a:r>
+              <a:rPr lang="en-US" dirty="0" smtClean="0"/>
+              <a:t>If ant is close to an old ant that’s dead, discard the old ant, mark the new ant as dead</a:t>
+            </a:r>
+            <a:r>
+              <a:rPr lang="en-US" dirty="0" smtClean="0"/>
+              <a:t>.</a:t>
+            </a:r>
+            <a:endParaRPr lang="en-US" dirty="0" smtClean="0"/>
+          </a:p>
+          <a:p>
+            <a:pPr marL="914400" lvl="1" indent="-514350" algn="just">
+              <a:buFont typeface="+mj-lt"/>
+              <a:buAutoNum type="alphaLcPeriod"/>
+            </a:pPr>
+            <a:r>
+              <a:rPr lang="en-US" dirty="0" smtClean="0"/>
+              <a:t>If new ant is close to an old ant that’s alive, evaluate the </a:t>
+            </a:r>
+            <a:r>
+              <a:rPr lang="en-US" dirty="0" smtClean="0"/>
+              <a:t>ant and </a:t>
+            </a:r>
+            <a:r>
+              <a:rPr lang="en-US" dirty="0" smtClean="0"/>
+              <a:t>increase lives.</a:t>
+            </a:r>
+            <a:endParaRPr lang="en-US" dirty="0" smtClean="0"/>
+          </a:p>
+          <a:p>
+            <a:pPr marL="1314450" lvl="2" indent="-514350">
+              <a:buFont typeface="+mj-lt"/>
+              <a:buAutoNum type="romanUcPeriod"/>
+            </a:pPr>
+            <a:r>
+              <a:rPr lang="en-US" dirty="0" smtClean="0"/>
+              <a:t>If the new ant dominates the old </a:t>
+            </a:r>
+            <a:r>
+              <a:rPr lang="en-US" dirty="0" smtClean="0"/>
+              <a:t>ant, </a:t>
+            </a:r>
+            <a:r>
+              <a:rPr lang="en-US" dirty="0" smtClean="0"/>
+              <a:t>mutate towards the new </a:t>
+            </a:r>
+            <a:r>
+              <a:rPr lang="en-US" dirty="0" smtClean="0"/>
+              <a:t>ant and </a:t>
+            </a:r>
+            <a:r>
+              <a:rPr lang="en-US" dirty="0" smtClean="0"/>
+              <a:t>kill the old </a:t>
+            </a:r>
+            <a:r>
+              <a:rPr lang="en-US" dirty="0" smtClean="0"/>
+              <a:t>ant.</a:t>
+            </a:r>
+          </a:p>
+          <a:p>
+            <a:pPr marL="1314450" lvl="2" indent="-514350">
+              <a:buFont typeface="+mj-lt"/>
+              <a:buAutoNum type="romanUcPeriod"/>
+            </a:pPr>
+            <a:r>
+              <a:rPr lang="en-US" dirty="0" smtClean="0"/>
+              <a:t>If the old ant dominates the new ant, mutate towards the old ant and kill the new ant.</a:t>
+            </a:r>
+          </a:p>
+          <a:p>
+            <a:pPr marL="914400" lvl="1" indent="-514350" algn="just">
+              <a:buFont typeface="+mj-lt"/>
+              <a:buAutoNum type="alphaLcPeriod"/>
+            </a:pPr>
+            <a:r>
+              <a:rPr lang="en-US" dirty="0" smtClean="0"/>
+              <a:t>If the new ant and the old are mutually non-dominant, then add the new ant to the frontier.</a:t>
+            </a:r>
+          </a:p>
+          <a:p>
+            <a:pPr marL="514350" indent="-514350" algn="just">
+              <a:buFont typeface="+mj-lt"/>
+              <a:buAutoNum type="arabicPeriod"/>
+            </a:pPr>
+            <a:r>
+              <a:rPr lang="en-US" dirty="0" smtClean="0"/>
+              <a:t>All the live ants now constitute the approximations to the Pareto frontier.</a:t>
+            </a:r>
+          </a:p>
+        </p:txBody>
+      </p:sp>
+    </p:spTree>
+    <p:extLst>
+      <p:ext uri="{BB962C8B-B14F-4D97-AF65-F5344CB8AC3E}">
+        <p14:creationId xmlns:p14="http://schemas.microsoft.com/office/powerpoint/2010/main" val="2695829105"/>
+      </p:ext>
+    </p:extLst>
+  </p:cSld>
+  <p:clrMapOvr>
+    <a:masterClrMapping/>
+  </p:clrMapOvr>
+</p:sld>
+</file>
+
+<file path=ppt/slides/slide7.xml><?xml version="1.0" encoding="utf-8"?>
+<p:sld xmlns:a="http://schemas.openxmlformats.org/drawingml/2006/main" xmlns:r="http://schemas.openxmlformats.org/officeDocument/2006/relationships" xmlns:p="http://schemas.openxmlformats.org/presentationml/2006/main">
+  <p:cSld>
+    <p:spTree>
+      <p:nvGrpSpPr>
+        <p:cNvPr id="1" name=""/>
+        <p:cNvGrpSpPr/>
+        <p:nvPr/>
+      </p:nvGrpSpPr>
+      <p:grpSpPr>
+        <a:xfrm>
+          <a:off x="0" y="0"/>
+          <a:ext cx="0" cy="0"/>
+          <a:chOff x="0" y="0"/>
+          <a:chExt cx="0" cy="0"/>
+        </a:xfrm>
+      </p:grpSpPr>
+      <p:sp>
+        <p:nvSpPr>
+          <p:cNvPr id="2" name="Title 1"/>
+          <p:cNvSpPr>
+            <a:spLocks noGrp="1"/>
+          </p:cNvSpPr>
+          <p:nvPr>
+            <p:ph type="title"/>
+          </p:nvPr>
+        </p:nvSpPr>
+        <p:spPr/>
+        <p:txBody>
+          <a:bodyPr/>
+          <a:lstStyle/>
+          <a:p>
+            <a:r>
+              <a:rPr lang="en-US" dirty="0" smtClean="0"/>
+              <a:t>DA vs. DE</a:t>
+            </a:r>
+            <a:endParaRPr lang="en-US" dirty="0"/>
+          </a:p>
+        </p:txBody>
+      </p:sp>
+      <p:sp>
+        <p:nvSpPr>
+          <p:cNvPr id="3" name="Content Placeholder 2"/>
+          <p:cNvSpPr>
+            <a:spLocks noGrp="1"/>
+          </p:cNvSpPr>
+          <p:nvPr>
+            <p:ph idx="1"/>
+          </p:nvPr>
+        </p:nvSpPr>
+        <p:spPr/>
+        <p:txBody>
+          <a:bodyPr/>
+          <a:lstStyle/>
+          <a:p>
+            <a:endParaRPr lang="en-US"/>
+          </a:p>
+        </p:txBody>
+      </p:sp>
+    </p:spTree>
+    <p:extLst>
+      <p:ext uri="{BB962C8B-B14F-4D97-AF65-F5344CB8AC3E}">
+        <p14:creationId xmlns:p14="http://schemas.microsoft.com/office/powerpoint/2010/main" val="3553764437"/>
+      </p:ext>
+    </p:extLst>
+  </p:cSld>
+  <p:clrMapOvr>
+    <a:masterClrMapping/>
+  </p:clrMapOvr>
+</p:sld>
+</file>
+
+<file path=ppt/slides/slide8.xml><?xml version="1.0" encoding="utf-8"?>
+<p:sld xmlns:a="http://schemas.openxmlformats.org/drawingml/2006/main" xmlns:r="http://schemas.openxmlformats.org/officeDocument/2006/relationships" xmlns:p="http://schemas.openxmlformats.org/presentationml/2006/main">
+  <p:cSld>
+    <p:spTree>
+      <p:nvGrpSpPr>
+        <p:cNvPr id="1" name=""/>
+        <p:cNvGrpSpPr/>
+        <p:nvPr/>
+      </p:nvGrpSpPr>
+      <p:grpSpPr>
+        <a:xfrm>
+          <a:off x="0" y="0"/>
+          <a:ext cx="0" cy="0"/>
+          <a:chOff x="0" y="0"/>
+          <a:chExt cx="0" cy="0"/>
+        </a:xfrm>
+      </p:grpSpPr>
+      <p:sp>
+        <p:nvSpPr>
+          <p:cNvPr id="2" name="Title 1"/>
+          <p:cNvSpPr>
+            <a:spLocks noGrp="1"/>
+          </p:cNvSpPr>
+          <p:nvPr>
+            <p:ph type="title"/>
+          </p:nvPr>
+        </p:nvSpPr>
+        <p:spPr/>
+        <p:txBody>
+          <a:bodyPr/>
+          <a:lstStyle/>
+          <a:p>
+            <a:r>
+              <a:rPr lang="en-US" dirty="0" smtClean="0">
+                <a:solidFill>
+                  <a:srgbClr val="558ED5"/>
+                </a:solidFill>
+              </a:rPr>
+              <a:t>Experiments</a:t>
+            </a:r>
+            <a:endParaRPr lang="en-US" dirty="0">
+              <a:solidFill>
+                <a:srgbClr val="558ED5"/>
+              </a:solidFill>
+            </a:endParaRPr>
+          </a:p>
+        </p:txBody>
+      </p:sp>
+      <p:sp>
+        <p:nvSpPr>
+          <p:cNvPr id="3" name="Content Placeholder 2"/>
+          <p:cNvSpPr>
+            <a:spLocks noGrp="1"/>
+          </p:cNvSpPr>
+          <p:nvPr>
+            <p:ph idx="1"/>
+          </p:nvPr>
+        </p:nvSpPr>
+        <p:spPr/>
+        <p:txBody>
+          <a:bodyPr>
+            <a:noAutofit/>
+          </a:bodyPr>
+          <a:lstStyle/>
+          <a:p>
+            <a:r>
+              <a:rPr lang="en-US" sz="2800" dirty="0" smtClean="0"/>
+              <a:t>Objective Scores</a:t>
+            </a:r>
+          </a:p>
+          <a:p>
+            <a:pPr lvl="1"/>
+            <a:r>
+              <a:rPr lang="en-US" sz="2800" dirty="0"/>
+              <a:t> </a:t>
+            </a:r>
+            <a:r>
+              <a:rPr lang="en-US" sz="2800" dirty="0" smtClean="0"/>
+              <a:t>Scott-Knott test for 25 repeated runs</a:t>
+            </a:r>
+          </a:p>
+          <a:p>
+            <a:r>
+              <a:rPr lang="en-US" sz="2800" dirty="0" smtClean="0"/>
+              <a:t> Spread</a:t>
+            </a:r>
+          </a:p>
+          <a:p>
+            <a:pPr lvl="1"/>
+            <a:r>
+              <a:rPr lang="en-US" sz="2800" dirty="0" smtClean="0"/>
+              <a:t>Scott-Knott test for 25 repeated runs</a:t>
+            </a:r>
+          </a:p>
+          <a:p>
+            <a:r>
+              <a:rPr lang="en-US" sz="2800" dirty="0" smtClean="0"/>
+              <a:t>Run times</a:t>
+            </a:r>
+          </a:p>
+          <a:p>
+            <a:pPr lvl="1"/>
+            <a:r>
+              <a:rPr lang="en-US" sz="2800" dirty="0" smtClean="0"/>
+              <a:t>Averaged over 25 runs</a:t>
+            </a:r>
+          </a:p>
+          <a:p>
+            <a:r>
+              <a:rPr lang="en-US" sz="2800" dirty="0" smtClean="0"/>
+              <a:t>Number of Evaluations</a:t>
+            </a:r>
+          </a:p>
+          <a:p>
+            <a:pPr lvl="1"/>
+            <a:r>
+              <a:rPr lang="en-US" sz="2800" dirty="0" smtClean="0"/>
+              <a:t>Median over 25 runs</a:t>
+            </a:r>
+            <a:endParaRPr lang="en-US" sz="2800" dirty="0"/>
+          </a:p>
+        </p:txBody>
+      </p:sp>
+    </p:spTree>
+    <p:extLst>
+      <p:ext uri="{BB962C8B-B14F-4D97-AF65-F5344CB8AC3E}">
+        <p14:creationId xmlns:p14="http://schemas.microsoft.com/office/powerpoint/2010/main" val="585575796"/>
+      </p:ext>
+    </p:extLst>
+  </p:cSld>
+  <p:clrMapOvr>
+    <a:masterClrMapping/>
+  </p:clrMapOvr>
+</p:sld>
+</file>
+
+<file path=ppt/slides/slide9.xml><?xml version="1.0" encoding="utf-8"?>
+<p:sld xmlns:a="http://schemas.openxmlformats.org/drawingml/2006/main" xmlns:r="http://schemas.openxmlformats.org/officeDocument/2006/relationships" xmlns:p="http://schemas.openxmlformats.org/presentationml/2006/main">
+  <p:cSld>
+    <p:spTree>
+      <p:nvGrpSpPr>
+        <p:cNvPr id="1" name=""/>
+        <p:cNvGrpSpPr/>
+        <p:nvPr/>
+      </p:nvGrpSpPr>
+      <p:grpSpPr>
+        <a:xfrm>
+          <a:off x="0" y="0"/>
+          <a:ext cx="0" cy="0"/>
+          <a:chOff x="0" y="0"/>
+          <a:chExt cx="0" cy="0"/>
+        </a:xfrm>
+      </p:grpSpPr>
+      <p:sp>
+        <p:nvSpPr>
+          <p:cNvPr id="2" name="Title 1"/>
+          <p:cNvSpPr>
+            <a:spLocks noGrp="1"/>
+          </p:cNvSpPr>
+          <p:nvPr>
+            <p:ph type="title"/>
+          </p:nvPr>
+        </p:nvSpPr>
+        <p:spPr/>
+        <p:txBody>
+          <a:bodyPr/>
+          <a:lstStyle/>
+          <a:p>
+            <a:r>
+              <a:rPr lang="en-US" dirty="0" smtClean="0"/>
+              <a:t>Models</a:t>
+            </a:r>
+            <a:endParaRPr lang="en-US" dirty="0"/>
+          </a:p>
+        </p:txBody>
+      </p:sp>
+      <p:sp>
+        <p:nvSpPr>
+          <p:cNvPr id="3" name="Content Placeholder 2"/>
+          <p:cNvSpPr>
+            <a:spLocks noGrp="1"/>
+          </p:cNvSpPr>
+          <p:nvPr>
+            <p:ph idx="1"/>
+          </p:nvPr>
+        </p:nvSpPr>
+        <p:spPr/>
+        <p:txBody>
+          <a:bodyPr/>
+          <a:lstStyle/>
+          <a:p>
+            <a:endParaRPr lang="en-US"/>
+          </a:p>
+        </p:txBody>
+      </p:sp>
+    </p:spTree>
+    <p:extLst>
+      <p:ext uri="{BB962C8B-B14F-4D97-AF65-F5344CB8AC3E}">
+        <p14:creationId xmlns:p14="http://schemas.microsoft.com/office/powerpoint/2010/main" val="1368544590"/>
       </p:ext>
     </p:extLst>
   </p:cSld>
@@ -7670,4 +8774,324 @@
   </a:objectDefaults>
   <a:extraClrSchemeLst/>
 </a:theme>
+</file>
+
+<file path=ppt/theme/theme2.xml><?xml version="1.0" encoding="utf-8"?>
+<a:theme xmlns:a="http://schemas.openxmlformats.org/drawingml/2006/main" name="Office Theme">
+  <a:themeElements>
+    <a:clrScheme name="Office">
+      <a:dk1>
+        <a:sysClr val="windowText" lastClr="000000"/>
+      </a:dk1>
+      <a:lt1>
+        <a:sysClr val="window" lastClr="FFFFFF"/>
+      </a:lt1>
+      <a:dk2>
+        <a:srgbClr val="1F497D"/>
+      </a:dk2>
+      <a:lt2>
+        <a:srgbClr val="EEECE1"/>
+      </a:lt2>
+      <a:accent1>
+        <a:srgbClr val="4F81BD"/>
+      </a:accent1>
+      <a:accent2>
+        <a:srgbClr val="C0504D"/>
+      </a:accent2>
+      <a:accent3>
+        <a:srgbClr val="9BBB59"/>
+      </a:accent3>
+      <a:accent4>
+        <a:srgbClr val="8064A2"/>
+      </a:accent4>
+      <a:accent5>
+        <a:srgbClr val="4BACC6"/>
+      </a:accent5>
+      <a:accent6>
+        <a:srgbClr val="F79646"/>
+      </a:accent6>
+      <a:hlink>
+        <a:srgbClr val="0000FF"/>
+      </a:hlink>
+      <a:folHlink>
+        <a:srgbClr val="800080"/>
+      </a:folHlink>
+    </a:clrScheme>
+    <a:fontScheme name="Office">
+      <a:majorFont>
+        <a:latin typeface="Calibri"/>
+        <a:ea typeface=""/>
+        <a:cs typeface=""/>
+        <a:font script="Jpan" typeface="ＭＳ Ｐゴシック"/>
+        <a:font script="Hang" typeface="맑은 고딕"/>
+        <a:font script="Hans" typeface="宋体"/>
+        <a:font script="Hant" typeface="新細明體"/>
+        <a:font script="Arab" typeface="Times New Roman"/>
+        <a:font script="Hebr" typeface="Times New Roman"/>
+        <a:font script="Thai" typeface="Angsana New"/>
+        <a:font script="Ethi" typeface="Nyala"/>
+        <a:font script="Beng" typeface="Vrinda"/>
+        <a:font script="Gujr" typeface="Shruti"/>
+        <a:font script="Khmr" typeface="MoolBoran"/>
+        <a:font script="Knda" typeface="Tunga"/>
+        <a:font script="Guru" typeface="Raavi"/>
+        <a:font script="Cans" typeface="Euphemia"/>
+        <a:font script="Cher" typeface="Plantagenet Cherokee"/>
+        <a:font script="Yiii" typeface="Microsoft Yi Baiti"/>
+        <a:font script="Tibt" typeface="Microsoft Himalaya"/>
+        <a:font script="Thaa" typeface="MV Boli"/>
+        <a:font script="Deva" typeface="Mangal"/>
+        <a:font script="Telu" typeface="Gautami"/>
+        <a:font script="Taml" typeface="Latha"/>
+        <a:font script="Syrc" typeface="Estrangelo Edessa"/>
+        <a:font script="Orya" typeface="Kalinga"/>
+        <a:font script="Mlym" typeface="Kartika"/>
+        <a:font script="Laoo" typeface="DokChampa"/>
+        <a:font script="Sinh" typeface="Iskoola Pota"/>
+        <a:font script="Mong" typeface="Mongolian Baiti"/>
+        <a:font script="Viet" typeface="Times New Roman"/>
+        <a:font script="Uigh" typeface="Microsoft Uighur"/>
+        <a:font script="Geor" typeface="Sylfaen"/>
+      </a:majorFont>
+      <a:minorFont>
+        <a:latin typeface="Calibri"/>
+        <a:ea typeface=""/>
+        <a:cs typeface=""/>
+        <a:font script="Jpan" typeface="ＭＳ Ｐゴシック"/>
+        <a:font script="Hang" typeface="맑은 고딕"/>
+        <a:font script="Hans" typeface="宋体"/>
+        <a:font script="Hant" typeface="新細明體"/>
+        <a:font script="Arab" typeface="Arial"/>
+        <a:font script="Hebr" typeface="Arial"/>
+        <a:font script="Thai" typeface="Cordia New"/>
+        <a:font script="Ethi" typeface="Nyala"/>
+        <a:font script="Beng" typeface="Vrinda"/>
+        <a:font script="Gujr" typeface="Shruti"/>
+        <a:font script="Khmr" typeface="DaunPenh"/>
+        <a:font script="Knda" typeface="Tunga"/>
+        <a:font script="Guru" typeface="Raavi"/>
+        <a:font script="Cans" typeface="Euphemia"/>
+        <a:font script="Cher" typeface="Plantagenet Cherokee"/>
+        <a:font script="Yiii" typeface="Microsoft Yi Baiti"/>
+        <a:font script="Tibt" typeface="Microsoft Himalaya"/>
+        <a:font script="Thaa" typeface="MV Boli"/>
+        <a:font script="Deva" typeface="Mangal"/>
+        <a:font script="Telu" typeface="Gautami"/>
+        <a:font script="Taml" typeface="Latha"/>
+        <a:font script="Syrc" typeface="Estrangelo Edessa"/>
+        <a:font script="Orya" typeface="Kalinga"/>
+        <a:font script="Mlym" typeface="Kartika"/>
+        <a:font script="Laoo" typeface="DokChampa"/>
+        <a:font script="Sinh" typeface="Iskoola Pota"/>
+        <a:font script="Mong" typeface="Mongolian Baiti"/>
+        <a:font script="Viet" typeface="Arial"/>
+        <a:font script="Uigh" typeface="Microsoft Uighur"/>
+        <a:font script="Geor" typeface="Sylfaen"/>
+      </a:minorFont>
+    </a:fontScheme>
+    <a:fmtScheme name="Office">
+      <a:fillStyleLst>
+        <a:solidFill>
+          <a:schemeClr val="phClr"/>
+        </a:solidFill>
+        <a:gradFill rotWithShape="1">
+          <a:gsLst>
+            <a:gs pos="0">
+              <a:schemeClr val="phClr">
+                <a:tint val="50000"/>
+                <a:satMod val="300000"/>
+              </a:schemeClr>
+            </a:gs>
+            <a:gs pos="35000">
+              <a:schemeClr val="phClr">
+                <a:tint val="37000"/>
+                <a:satMod val="300000"/>
+              </a:schemeClr>
+            </a:gs>
+            <a:gs pos="100000">
+              <a:schemeClr val="phClr">
+                <a:tint val="15000"/>
+                <a:satMod val="350000"/>
+              </a:schemeClr>
+            </a:gs>
+          </a:gsLst>
+          <a:lin ang="16200000" scaled="1"/>
+        </a:gradFill>
+        <a:gradFill rotWithShape="1">
+          <a:gsLst>
+            <a:gs pos="0">
+              <a:schemeClr val="phClr">
+                <a:tint val="100000"/>
+                <a:shade val="100000"/>
+                <a:satMod val="130000"/>
+              </a:schemeClr>
+            </a:gs>
+            <a:gs pos="100000">
+              <a:schemeClr val="phClr">
+                <a:tint val="50000"/>
+                <a:shade val="100000"/>
+                <a:satMod val="350000"/>
+              </a:schemeClr>
+            </a:gs>
+          </a:gsLst>
+          <a:lin ang="16200000" scaled="0"/>
+        </a:gradFill>
+      </a:fillStyleLst>
+      <a:lnStyleLst>
+        <a:ln w="9525" cap="flat" cmpd="sng" algn="ctr">
+          <a:solidFill>
+            <a:schemeClr val="phClr">
+              <a:shade val="95000"/>
+              <a:satMod val="105000"/>
+            </a:schemeClr>
+          </a:solidFill>
+          <a:prstDash val="solid"/>
+        </a:ln>
+        <a:ln w="25400" cap="flat" cmpd="sng" algn="ctr">
+          <a:solidFill>
+            <a:schemeClr val="phClr"/>
+          </a:solidFill>
+          <a:prstDash val="solid"/>
+        </a:ln>
+        <a:ln w="38100" cap="flat" cmpd="sng" algn="ctr">
+          <a:solidFill>
+            <a:schemeClr val="phClr"/>
+          </a:solidFill>
+          <a:prstDash val="solid"/>
+        </a:ln>
+      </a:lnStyleLst>
+      <a:effectStyleLst>
+        <a:effectStyle>
+          <a:effectLst>
+            <a:outerShdw blurRad="40000" dist="20000" dir="5400000" rotWithShape="0">
+              <a:srgbClr val="000000">
+                <a:alpha val="38000"/>
+              </a:srgbClr>
+            </a:outerShdw>
+          </a:effectLst>
+        </a:effectStyle>
+        <a:effectStyle>
+          <a:effectLst>
+            <a:outerShdw blurRad="40000" dist="23000" dir="5400000" rotWithShape="0">
+              <a:srgbClr val="000000">
+                <a:alpha val="35000"/>
+              </a:srgbClr>
+            </a:outerShdw>
+          </a:effectLst>
+        </a:effectStyle>
+        <a:effectStyle>
+          <a:effectLst>
+            <a:outerShdw blurRad="40000" dist="23000" dir="5400000" rotWithShape="0">
+              <a:srgbClr val="000000">
+                <a:alpha val="35000"/>
+              </a:srgbClr>
+            </a:outerShdw>
+          </a:effectLst>
+          <a:scene3d>
+            <a:camera prst="orthographicFront">
+              <a:rot lat="0" lon="0" rev="0"/>
+            </a:camera>
+            <a:lightRig rig="threePt" dir="t">
+              <a:rot lat="0" lon="0" rev="1200000"/>
+            </a:lightRig>
+          </a:scene3d>
+          <a:sp3d>
+            <a:bevelT w="63500" h="25400"/>
+          </a:sp3d>
+        </a:effectStyle>
+      </a:effectStyleLst>
+      <a:bgFillStyleLst>
+        <a:solidFill>
+          <a:schemeClr val="phClr"/>
+        </a:solidFill>
+        <a:gradFill rotWithShape="1">
+          <a:gsLst>
+            <a:gs pos="0">
+              <a:schemeClr val="phClr">
+                <a:tint val="40000"/>
+                <a:satMod val="350000"/>
+              </a:schemeClr>
+            </a:gs>
+            <a:gs pos="40000">
+              <a:schemeClr val="phClr">
+                <a:tint val="45000"/>
+                <a:shade val="99000"/>
+                <a:satMod val="350000"/>
+              </a:schemeClr>
+            </a:gs>
+            <a:gs pos="100000">
+              <a:schemeClr val="phClr">
+                <a:shade val="20000"/>
+                <a:satMod val="255000"/>
+              </a:schemeClr>
+            </a:gs>
+          </a:gsLst>
+          <a:path path="circle">
+            <a:fillToRect l="50000" t="-80000" r="50000" b="180000"/>
+          </a:path>
+        </a:gradFill>
+        <a:gradFill rotWithShape="1">
+          <a:gsLst>
+            <a:gs pos="0">
+              <a:schemeClr val="phClr">
+                <a:tint val="80000"/>
+                <a:satMod val="300000"/>
+              </a:schemeClr>
+            </a:gs>
+            <a:gs pos="100000">
+              <a:schemeClr val="phClr">
+                <a:shade val="30000"/>
+                <a:satMod val="200000"/>
+              </a:schemeClr>
+            </a:gs>
+          </a:gsLst>
+          <a:path path="circle">
+            <a:fillToRect l="50000" t="50000" r="50000" b="50000"/>
+          </a:path>
+        </a:gradFill>
+      </a:bgFillStyleLst>
+    </a:fmtScheme>
+  </a:themeElements>
+  <a:objectDefaults>
+    <a:spDef>
+      <a:spPr/>
+      <a:bodyPr/>
+      <a:lstStyle/>
+      <a:style>
+        <a:lnRef idx="1">
+          <a:schemeClr val="accent1"/>
+        </a:lnRef>
+        <a:fillRef idx="3">
+          <a:schemeClr val="accent1"/>
+        </a:fillRef>
+        <a:effectRef idx="2">
+          <a:schemeClr val="accent1"/>
+        </a:effectRef>
+        <a:fontRef idx="minor">
+          <a:schemeClr val="lt1"/>
+        </a:fontRef>
+      </a:style>
+    </a:spDef>
+    <a:lnDef>
+      <a:spPr/>
+      <a:bodyPr/>
+      <a:lstStyle/>
+      <a:style>
+        <a:lnRef idx="2">
+          <a:schemeClr val="accent1"/>
+        </a:lnRef>
+        <a:fillRef idx="0">
+          <a:schemeClr val="accent1"/>
+        </a:fillRef>
+        <a:effectRef idx="1">
+          <a:schemeClr val="accent1"/>
+        </a:effectRef>
+        <a:fontRef idx="minor">
+          <a:schemeClr val="tx1"/>
+        </a:fontRef>
+      </a:style>
+    </a:lnDef>
+  </a:objectDefaults>
+  <a:extraClrSchemeLst/>
+</a:theme>
 </file>
--- a/DEADANT/deadAnt.pptx
+++ b/DEADANT/deadAnt.pptx
@@ -2,7 +2,7 @@
 <file path=ppt/presentation.xml><?xml version="1.0" encoding="utf-8"?>
 <p:presentation xmlns:a="http://schemas.openxmlformats.org/drawingml/2006/main" xmlns:r="http://schemas.openxmlformats.org/officeDocument/2006/relationships" xmlns:p="http://schemas.openxmlformats.org/presentationml/2006/main" saveSubsetFonts="1" autoCompressPictures="0">
   <p:sldMasterIdLst>
-    <p:sldMasterId id="2147484017" r:id="rId1"/>
+    <p:sldMasterId id="2147484041" r:id="rId1"/>
   </p:sldMasterIdLst>
   <p:notesMasterIdLst>
     <p:notesMasterId r:id="rId17"/>
@@ -15,8 +15,8 @@
     <p:sldId id="266" r:id="rId6"/>
     <p:sldId id="262" r:id="rId7"/>
     <p:sldId id="270" r:id="rId8"/>
-    <p:sldId id="260" r:id="rId9"/>
-    <p:sldId id="264" r:id="rId10"/>
+    <p:sldId id="264" r:id="rId9"/>
+    <p:sldId id="260" r:id="rId10"/>
     <p:sldId id="268" r:id="rId11"/>
     <p:sldId id="269" r:id="rId12"/>
     <p:sldId id="259" r:id="rId13"/>
@@ -121,7 +121,4208 @@
       </a:defRPr>
     </a:lvl9pPr>
   </p:defaultTextStyle>
+  <p:extLst>
+    <p:ext uri="{EFAFB233-063F-42B5-8137-9DF3F51BA10A}">
+      <p15:sldGuideLst xmlns:p15="http://schemas.microsoft.com/office/powerpoint/2012/main">
+        <p15:guide id="1" orient="horz" pos="2160">
+          <p15:clr>
+            <a:srgbClr val="A4A3A4"/>
+          </p15:clr>
+        </p15:guide>
+        <p15:guide id="2" pos="2880">
+          <p15:clr>
+            <a:srgbClr val="A4A3A4"/>
+          </p15:clr>
+        </p15:guide>
+      </p15:sldGuideLst>
+    </p:ext>
+  </p:extLst>
 </p:presentation>
+</file>
+
+<file path=ppt/diagrams/colors1.xml><?xml version="1.0" encoding="utf-8"?>
+<dgm:colorsDef xmlns:dgm="http://schemas.openxmlformats.org/drawingml/2006/diagram" xmlns:a="http://schemas.openxmlformats.org/drawingml/2006/main" uniqueId="urn:microsoft.com/office/officeart/2005/8/colors/accent1_2">
+  <dgm:title val=""/>
+  <dgm:desc val=""/>
+  <dgm:catLst>
+    <dgm:cat type="accent1" pri="11200"/>
+  </dgm:catLst>
+  <dgm:styleLbl name="node0">
+    <dgm:fillClrLst meth="repeat">
+      <a:schemeClr val="accent1"/>
+    </dgm:fillClrLst>
+    <dgm:linClrLst meth="repeat">
+      <a:schemeClr val="lt1"/>
+    </dgm:linClrLst>
+    <dgm:effectClrLst/>
+    <dgm:txLinClrLst/>
+    <dgm:txFillClrLst/>
+    <dgm:txEffectClrLst/>
+  </dgm:styleLbl>
+  <dgm:styleLbl name="alignNode1">
+    <dgm:fillClrLst meth="repeat">
+      <a:schemeClr val="accent1"/>
+    </dgm:fillClrLst>
+    <dgm:linClrLst meth="repeat">
+      <a:schemeClr val="accent1"/>
+    </dgm:linClrLst>
+    <dgm:effectClrLst/>
+    <dgm:txLinClrLst/>
+    <dgm:txFillClrLst/>
+    <dgm:txEffectClrLst/>
+  </dgm:styleLbl>
+  <dgm:styleLbl name="node1">
+    <dgm:fillClrLst meth="repeat">
+      <a:schemeClr val="accent1"/>
+    </dgm:fillClrLst>
+    <dgm:linClrLst meth="repeat">
+      <a:schemeClr val="lt1"/>
+    </dgm:linClrLst>
+    <dgm:effectClrLst/>
+    <dgm:txLinClrLst/>
+    <dgm:txFillClrLst/>
+    <dgm:txEffectClrLst/>
+  </dgm:styleLbl>
+  <dgm:styleLbl name="lnNode1">
+    <dgm:fillClrLst meth="repeat">
+      <a:schemeClr val="accent1"/>
+    </dgm:fillClrLst>
+    <dgm:linClrLst meth="repeat">
+      <a:schemeClr val="lt1"/>
+    </dgm:linClrLst>
+    <dgm:effectClrLst/>
+    <dgm:txLinClrLst/>
+    <dgm:txFillClrLst/>
+    <dgm:txEffectClrLst/>
+  </dgm:styleLbl>
+  <dgm:styleLbl name="vennNode1">
+    <dgm:fillClrLst meth="repeat">
+      <a:schemeClr val="accent1">
+        <a:alpha val="50000"/>
+      </a:schemeClr>
+    </dgm:fillClrLst>
+    <dgm:linClrLst meth="repeat">
+      <a:schemeClr val="lt1"/>
+    </dgm:linClrLst>
+    <dgm:effectClrLst/>
+    <dgm:txLinClrLst/>
+    <dgm:txFillClrLst/>
+    <dgm:txEffectClrLst/>
+  </dgm:styleLbl>
+  <dgm:styleLbl name="node2">
+    <dgm:fillClrLst meth="repeat">
+      <a:schemeClr val="accent1"/>
+    </dgm:fillClrLst>
+    <dgm:linClrLst meth="repeat">
+      <a:schemeClr val="lt1"/>
+    </dgm:linClrLst>
+    <dgm:effectClrLst/>
+    <dgm:txLinClrLst/>
+    <dgm:txFillClrLst/>
+    <dgm:txEffectClrLst/>
+  </dgm:styleLbl>
+  <dgm:styleLbl name="node3">
+    <dgm:fillClrLst meth="repeat">
+      <a:schemeClr val="accent1"/>
+    </dgm:fillClrLst>
+    <dgm:linClrLst meth="repeat">
+      <a:schemeClr val="lt1"/>
+    </dgm:linClrLst>
+    <dgm:effectClrLst/>
+    <dgm:txLinClrLst/>
+    <dgm:txFillClrLst/>
+    <dgm:txEffectClrLst/>
+  </dgm:styleLbl>
+  <dgm:styleLbl name="node4">
+    <dgm:fillClrLst meth="repeat">
+      <a:schemeClr val="accent1"/>
+    </dgm:fillClrLst>
+    <dgm:linClrLst meth="repeat">
+      <a:schemeClr val="lt1"/>
+    </dgm:linClrLst>
+    <dgm:effectClrLst/>
+    <dgm:txLinClrLst/>
+    <dgm:txFillClrLst/>
+    <dgm:txEffectClrLst/>
+  </dgm:styleLbl>
+  <dgm:styleLbl name="fgImgPlace1">
+    <dgm:fillClrLst meth="repeat">
+      <a:schemeClr val="accent1">
+        <a:tint val="50000"/>
+      </a:schemeClr>
+    </dgm:fillClrLst>
+    <dgm:linClrLst meth="repeat">
+      <a:schemeClr val="lt1"/>
+    </dgm:linClrLst>
+    <dgm:effectClrLst/>
+    <dgm:txLinClrLst/>
+    <dgm:txFillClrLst meth="repeat">
+      <a:schemeClr val="lt1"/>
+    </dgm:txFillClrLst>
+    <dgm:txEffectClrLst/>
+  </dgm:styleLbl>
+  <dgm:styleLbl name="alignImgPlace1">
+    <dgm:fillClrLst meth="repeat">
+      <a:schemeClr val="accent1">
+        <a:tint val="50000"/>
+      </a:schemeClr>
+    </dgm:fillClrLst>
+    <dgm:linClrLst meth="repeat">
+      <a:schemeClr val="lt1"/>
+    </dgm:linClrLst>
+    <dgm:effectClrLst/>
+    <dgm:txLinClrLst/>
+    <dgm:txFillClrLst meth="repeat">
+      <a:schemeClr val="lt1"/>
+    </dgm:txFillClrLst>
+    <dgm:txEffectClrLst/>
+  </dgm:styleLbl>
+  <dgm:styleLbl name="bgImgPlace1">
+    <dgm:fillClrLst meth="repeat">
+      <a:schemeClr val="accent1">
+        <a:tint val="50000"/>
+      </a:schemeClr>
+    </dgm:fillClrLst>
+    <dgm:linClrLst meth="repeat">
+      <a:schemeClr val="lt1"/>
+    </dgm:linClrLst>
+    <dgm:effectClrLst/>
+    <dgm:txLinClrLst/>
+    <dgm:txFillClrLst meth="repeat">
+      <a:schemeClr val="lt1"/>
+    </dgm:txFillClrLst>
+    <dgm:txEffectClrLst/>
+  </dgm:styleLbl>
+  <dgm:styleLbl name="sibTrans2D1">
+    <dgm:fillClrLst meth="repeat">
+      <a:schemeClr val="accent1">
+        <a:tint val="60000"/>
+      </a:schemeClr>
+    </dgm:fillClrLst>
+    <dgm:linClrLst meth="repeat">
+      <a:schemeClr val="accent1">
+        <a:tint val="60000"/>
+      </a:schemeClr>
+    </dgm:linClrLst>
+    <dgm:effectClrLst/>
+    <dgm:txLinClrLst/>
+    <dgm:txFillClrLst/>
+    <dgm:txEffectClrLst/>
+  </dgm:styleLbl>
+  <dgm:styleLbl name="fgSibTrans2D1">
+    <dgm:fillClrLst meth="repeat">
+      <a:schemeClr val="accent1">
+        <a:tint val="60000"/>
+      </a:schemeClr>
+    </dgm:fillClrLst>
+    <dgm:linClrLst meth="repeat">
+      <a:schemeClr val="accent1">
+        <a:tint val="60000"/>
+      </a:schemeClr>
+    </dgm:linClrLst>
+    <dgm:effectClrLst/>
+    <dgm:txLinClrLst/>
+    <dgm:txFillClrLst/>
+    <dgm:txEffectClrLst/>
+  </dgm:styleLbl>
+  <dgm:styleLbl name="bgSibTrans2D1">
+    <dgm:fillClrLst meth="repeat">
+      <a:schemeClr val="accent1">
+        <a:tint val="60000"/>
+      </a:schemeClr>
+    </dgm:fillClrLst>
+    <dgm:linClrLst meth="repeat">
+      <a:schemeClr val="accent1">
+        <a:tint val="60000"/>
+      </a:schemeClr>
+    </dgm:linClrLst>
+    <dgm:effectClrLst/>
+    <dgm:txLinClrLst/>
+    <dgm:txFillClrLst/>
+    <dgm:txEffectClrLst/>
+  </dgm:styleLbl>
+  <dgm:styleLbl name="sibTrans1D1">
+    <dgm:fillClrLst meth="repeat">
+      <a:schemeClr val="accent1"/>
+    </dgm:fillClrLst>
+    <dgm:linClrLst meth="repeat">
+      <a:schemeClr val="accent1"/>
+    </dgm:linClrLst>
+    <dgm:effectClrLst/>
+    <dgm:txLinClrLst/>
+    <dgm:txFillClrLst meth="repeat">
+      <a:schemeClr val="tx1"/>
+    </dgm:txFillClrLst>
+    <dgm:txEffectClrLst/>
+  </dgm:styleLbl>
+  <dgm:styleLbl name="callout">
+    <dgm:fillClrLst meth="repeat">
+      <a:schemeClr val="accent1"/>
+    </dgm:fillClrLst>
+    <dgm:linClrLst meth="repeat">
+      <a:schemeClr val="accent1">
+        <a:tint val="50000"/>
+      </a:schemeClr>
+    </dgm:linClrLst>
+    <dgm:effectClrLst/>
+    <dgm:txLinClrLst/>
+    <dgm:txFillClrLst meth="repeat">
+      <a:schemeClr val="tx1"/>
+    </dgm:txFillClrLst>
+    <dgm:txEffectClrLst/>
+  </dgm:styleLbl>
+  <dgm:styleLbl name="asst0">
+    <dgm:fillClrLst meth="repeat">
+      <a:schemeClr val="accent1"/>
+    </dgm:fillClrLst>
+    <dgm:linClrLst meth="repeat">
+      <a:schemeClr val="lt1"/>
+    </dgm:linClrLst>
+    <dgm:effectClrLst/>
+    <dgm:txLinClrLst/>
+    <dgm:txFillClrLst/>
+    <dgm:txEffectClrLst/>
+  </dgm:styleLbl>
+  <dgm:styleLbl name="asst1">
+    <dgm:fillClrLst meth="repeat">
+      <a:schemeClr val="accent1"/>
+    </dgm:fillClrLst>
+    <dgm:linClrLst meth="repeat">
+      <a:schemeClr val="lt1"/>
+    </dgm:linClrLst>
+    <dgm:effectClrLst/>
+    <dgm:txLinClrLst/>
+    <dgm:txFillClrLst/>
+    <dgm:txEffectClrLst/>
+  </dgm:styleLbl>
+  <dgm:styleLbl name="asst2">
+    <dgm:fillClrLst meth="repeat">
+      <a:schemeClr val="accent1"/>
+    </dgm:fillClrLst>
+    <dgm:linClrLst meth="repeat">
+      <a:schemeClr val="lt1"/>
+    </dgm:linClrLst>
+    <dgm:effectClrLst/>
+    <dgm:txLinClrLst/>
+    <dgm:txFillClrLst/>
+    <dgm:txEffectClrLst/>
+  </dgm:styleLbl>
+  <dgm:styleLbl name="asst3">
+    <dgm:fillClrLst meth="repeat">
+      <a:schemeClr val="accent1"/>
+    </dgm:fillClrLst>
+    <dgm:linClrLst meth="repeat">
+      <a:schemeClr val="lt1"/>
+    </dgm:linClrLst>
+    <dgm:effectClrLst/>
+    <dgm:txLinClrLst/>
+    <dgm:txFillClrLst/>
+    <dgm:txEffectClrLst/>
+  </dgm:styleLbl>
+  <dgm:styleLbl name="asst4">
+    <dgm:fillClrLst meth="repeat">
+      <a:schemeClr val="accent1"/>
+    </dgm:fillClrLst>
+    <dgm:linClrLst meth="repeat">
+      <a:schemeClr val="lt1"/>
+    </dgm:linClrLst>
+    <dgm:effectClrLst/>
+    <dgm:txLinClrLst/>
+    <dgm:txFillClrLst/>
+    <dgm:txEffectClrLst/>
+  </dgm:styleLbl>
+  <dgm:styleLbl name="parChTrans2D1">
+    <dgm:fillClrLst meth="repeat">
+      <a:schemeClr val="accent1">
+        <a:tint val="60000"/>
+      </a:schemeClr>
+    </dgm:fillClrLst>
+    <dgm:linClrLst meth="repeat">
+      <a:schemeClr val="accent1">
+        <a:tint val="60000"/>
+      </a:schemeClr>
+    </dgm:linClrLst>
+    <dgm:effectClrLst/>
+    <dgm:txLinClrLst/>
+    <dgm:txFillClrLst meth="repeat">
+      <a:schemeClr val="lt1"/>
+    </dgm:txFillClrLst>
+    <dgm:txEffectClrLst/>
+  </dgm:styleLbl>
+  <dgm:styleLbl name="parChTrans2D2">
+    <dgm:fillClrLst meth="repeat">
+      <a:schemeClr val="accent1"/>
+    </dgm:fillClrLst>
+    <dgm:linClrLst meth="repeat">
+      <a:schemeClr val="accent1"/>
+    </dgm:linClrLst>
+    <dgm:effectClrLst/>
+    <dgm:txLinClrLst/>
+    <dgm:txFillClrLst meth="repeat">
+      <a:schemeClr val="lt1"/>
+    </dgm:txFillClrLst>
+    <dgm:txEffectClrLst/>
+  </dgm:styleLbl>
+  <dgm:styleLbl name="parChTrans2D3">
+    <dgm:fillClrLst meth="repeat">
+      <a:schemeClr val="accent1"/>
+    </dgm:fillClrLst>
+    <dgm:linClrLst meth="repeat">
+      <a:schemeClr val="accent1"/>
+    </dgm:linClrLst>
+    <dgm:effectClrLst/>
+    <dgm:txLinClrLst/>
+    <dgm:txFillClrLst meth="repeat">
+      <a:schemeClr val="lt1"/>
+    </dgm:txFillClrLst>
+    <dgm:txEffectClrLst/>
+  </dgm:styleLbl>
+  <dgm:styleLbl name="parChTrans2D4">
+    <dgm:fillClrLst meth="repeat">
+      <a:schemeClr val="accent1"/>
+    </dgm:fillClrLst>
+    <dgm:linClrLst meth="repeat">
+      <a:schemeClr val="accent1"/>
+    </dgm:linClrLst>
+    <dgm:effectClrLst/>
+    <dgm:txLinClrLst/>
+    <dgm:txFillClrLst meth="repeat">
+      <a:schemeClr val="lt1"/>
+    </dgm:txFillClrLst>
+    <dgm:txEffectClrLst/>
+  </dgm:styleLbl>
+  <dgm:styleLbl name="parChTrans1D1">
+    <dgm:fillClrLst meth="repeat">
+      <a:schemeClr val="accent1"/>
+    </dgm:fillClrLst>
+    <dgm:linClrLst meth="repeat">
+      <a:schemeClr val="accent1">
+        <a:shade val="60000"/>
+      </a:schemeClr>
+    </dgm:linClrLst>
+    <dgm:effectClrLst/>
+    <dgm:txLinClrLst/>
+    <dgm:txFillClrLst meth="repeat">
+      <a:schemeClr val="tx1"/>
+    </dgm:txFillClrLst>
+    <dgm:txEffectClrLst/>
+  </dgm:styleLbl>
+  <dgm:styleLbl name="parChTrans1D2">
+    <dgm:fillClrLst meth="repeat">
+      <a:schemeClr val="accent1"/>
+    </dgm:fillClrLst>
+    <dgm:linClrLst meth="repeat">
+      <a:schemeClr val="accent1">
+        <a:shade val="60000"/>
+      </a:schemeClr>
+    </dgm:linClrLst>
+    <dgm:effectClrLst/>
+    <dgm:txLinClrLst/>
+    <dgm:txFillClrLst meth="repeat">
+      <a:schemeClr val="tx1"/>
+    </dgm:txFillClrLst>
+    <dgm:txEffectClrLst/>
+  </dgm:styleLbl>
+  <dgm:styleLbl name="parChTrans1D3">
+    <dgm:fillClrLst meth="repeat">
+      <a:schemeClr val="accent1"/>
+    </dgm:fillClrLst>
+    <dgm:linClrLst meth="repeat">
+      <a:schemeClr val="accent1">
+        <a:shade val="80000"/>
+      </a:schemeClr>
+    </dgm:linClrLst>
+    <dgm:effectClrLst/>
+    <dgm:txLinClrLst/>
+    <dgm:txFillClrLst meth="repeat">
+      <a:schemeClr val="tx1"/>
+    </dgm:txFillClrLst>
+    <dgm:txEffectClrLst/>
+  </dgm:styleLbl>
+  <dgm:styleLbl name="parChTrans1D4">
+    <dgm:fillClrLst meth="repeat">
+      <a:schemeClr val="accent1"/>
+    </dgm:fillClrLst>
+    <dgm:linClrLst meth="repeat">
+      <a:schemeClr val="accent1">
+        <a:shade val="80000"/>
+      </a:schemeClr>
+    </dgm:linClrLst>
+    <dgm:effectClrLst/>
+    <dgm:txLinClrLst/>
+    <dgm:txFillClrLst meth="repeat">
+      <a:schemeClr val="tx1"/>
+    </dgm:txFillClrLst>
+    <dgm:txEffectClrLst/>
+  </dgm:styleLbl>
+  <dgm:styleLbl name="fgAcc1">
+    <dgm:fillClrLst meth="repeat">
+      <a:schemeClr val="lt1">
+        <a:alpha val="90000"/>
+      </a:schemeClr>
+    </dgm:fillClrLst>
+    <dgm:linClrLst meth="repeat">
+      <a:schemeClr val="accent1"/>
+    </dgm:linClrLst>
+    <dgm:effectClrLst/>
+    <dgm:txLinClrLst/>
+    <dgm:txFillClrLst meth="repeat">
+      <a:schemeClr val="dk1"/>
+    </dgm:txFillClrLst>
+    <dgm:txEffectClrLst/>
+  </dgm:styleLbl>
+  <dgm:styleLbl name="conFgAcc1">
+    <dgm:fillClrLst meth="repeat">
+      <a:schemeClr val="lt1">
+        <a:alpha val="90000"/>
+      </a:schemeClr>
+    </dgm:fillClrLst>
+    <dgm:linClrLst meth="repeat">
+      <a:schemeClr val="accent1"/>
+    </dgm:linClrLst>
+    <dgm:effectClrLst/>
+    <dgm:txLinClrLst/>
+    <dgm:txFillClrLst meth="repeat">
+      <a:schemeClr val="dk1"/>
+    </dgm:txFillClrLst>
+    <dgm:txEffectClrLst/>
+  </dgm:styleLbl>
+  <dgm:styleLbl name="alignAcc1">
+    <dgm:fillClrLst meth="repeat">
+      <a:schemeClr val="lt1">
+        <a:alpha val="90000"/>
+      </a:schemeClr>
+    </dgm:fillClrLst>
+    <dgm:linClrLst meth="repeat">
+      <a:schemeClr val="accent1"/>
+    </dgm:linClrLst>
+    <dgm:effectClrLst/>
+    <dgm:txLinClrLst/>
+    <dgm:txFillClrLst meth="repeat">
+      <a:schemeClr val="dk1"/>
+    </dgm:txFillClrLst>
+    <dgm:txEffectClrLst/>
+  </dgm:styleLbl>
+  <dgm:styleLbl name="trAlignAcc1">
+    <dgm:fillClrLst meth="repeat">
+      <a:schemeClr val="lt1">
+        <a:alpha val="40000"/>
+      </a:schemeClr>
+    </dgm:fillClrLst>
+    <dgm:linClrLst meth="repeat">
+      <a:schemeClr val="accent1"/>
+    </dgm:linClrLst>
+    <dgm:effectClrLst/>
+    <dgm:txLinClrLst/>
+    <dgm:txFillClrLst meth="repeat">
+      <a:schemeClr val="dk1"/>
+    </dgm:txFillClrLst>
+    <dgm:txEffectClrLst/>
+  </dgm:styleLbl>
+  <dgm:styleLbl name="bgAcc1">
+    <dgm:fillClrLst meth="repeat">
+      <a:schemeClr val="lt1">
+        <a:alpha val="90000"/>
+      </a:schemeClr>
+    </dgm:fillClrLst>
+    <dgm:linClrLst meth="repeat">
+      <a:schemeClr val="accent1"/>
+    </dgm:linClrLst>
+    <dgm:effectClrLst/>
+    <dgm:txLinClrLst/>
+    <dgm:txFillClrLst meth="repeat">
+      <a:schemeClr val="dk1"/>
+    </dgm:txFillClrLst>
+    <dgm:txEffectClrLst/>
+  </dgm:styleLbl>
+  <dgm:styleLbl name="solidFgAcc1">
+    <dgm:fillClrLst meth="repeat">
+      <a:schemeClr val="lt1"/>
+    </dgm:fillClrLst>
+    <dgm:linClrLst meth="repeat">
+      <a:schemeClr val="accent1"/>
+    </dgm:linClrLst>
+    <dgm:effectClrLst/>
+    <dgm:txLinClrLst/>
+    <dgm:txFillClrLst meth="repeat">
+      <a:schemeClr val="dk1"/>
+    </dgm:txFillClrLst>
+    <dgm:txEffectClrLst/>
+  </dgm:styleLbl>
+  <dgm:styleLbl name="solidAlignAcc1">
+    <dgm:fillClrLst meth="repeat">
+      <a:schemeClr val="lt1"/>
+    </dgm:fillClrLst>
+    <dgm:linClrLst meth="repeat">
+      <a:schemeClr val="accent1"/>
+    </dgm:linClrLst>
+    <dgm:effectClrLst/>
+    <dgm:txLinClrLst/>
+    <dgm:txFillClrLst meth="repeat">
+      <a:schemeClr val="dk1"/>
+    </dgm:txFillClrLst>
+    <dgm:txEffectClrLst/>
+  </dgm:styleLbl>
+  <dgm:styleLbl name="solidBgAcc1">
+    <dgm:fillClrLst meth="repeat">
+      <a:schemeClr val="lt1"/>
+    </dgm:fillClrLst>
+    <dgm:linClrLst meth="repeat">
+      <a:schemeClr val="accent1"/>
+    </dgm:linClrLst>
+    <dgm:effectClrLst/>
+    <dgm:txLinClrLst/>
+    <dgm:txFillClrLst meth="repeat">
+      <a:schemeClr val="dk1"/>
+    </dgm:txFillClrLst>
+    <dgm:txEffectClrLst/>
+  </dgm:styleLbl>
+  <dgm:styleLbl name="fgAccFollowNode1">
+    <dgm:fillClrLst meth="repeat">
+      <a:schemeClr val="accent1">
+        <a:alpha val="90000"/>
+        <a:tint val="40000"/>
+      </a:schemeClr>
+    </dgm:fillClrLst>
+    <dgm:linClrLst meth="repeat">
+      <a:schemeClr val="accent1">
+        <a:alpha val="90000"/>
+        <a:tint val="40000"/>
+      </a:schemeClr>
+    </dgm:linClrLst>
+    <dgm:effectClrLst/>
+    <dgm:txLinClrLst/>
+    <dgm:txFillClrLst meth="repeat">
+      <a:schemeClr val="dk1"/>
+    </dgm:txFillClrLst>
+    <dgm:txEffectClrLst/>
+  </dgm:styleLbl>
+  <dgm:styleLbl name="alignAccFollowNode1">
+    <dgm:fillClrLst meth="repeat">
+      <a:schemeClr val="accent1">
+        <a:alpha val="90000"/>
+        <a:tint val="40000"/>
+      </a:schemeClr>
+    </dgm:fillClrLst>
+    <dgm:linClrLst meth="repeat">
+      <a:schemeClr val="accent1">
+        <a:alpha val="90000"/>
+        <a:tint val="40000"/>
+      </a:schemeClr>
+    </dgm:linClrLst>
+    <dgm:effectClrLst/>
+    <dgm:txLinClrLst/>
+    <dgm:txFillClrLst meth="repeat">
+      <a:schemeClr val="dk1"/>
+    </dgm:txFillClrLst>
+    <dgm:txEffectClrLst/>
+  </dgm:styleLbl>
+  <dgm:styleLbl name="bgAccFollowNode1">
+    <dgm:fillClrLst meth="repeat">
+      <a:schemeClr val="accent1">
+        <a:alpha val="90000"/>
+        <a:tint val="40000"/>
+      </a:schemeClr>
+    </dgm:fillClrLst>
+    <dgm:linClrLst meth="repeat">
+      <a:schemeClr val="accent1">
+        <a:alpha val="90000"/>
+        <a:tint val="40000"/>
+      </a:schemeClr>
+    </dgm:linClrLst>
+    <dgm:effectClrLst/>
+    <dgm:txLinClrLst/>
+    <dgm:txFillClrLst meth="repeat">
+      <a:schemeClr val="dk1"/>
+    </dgm:txFillClrLst>
+    <dgm:txEffectClrLst/>
+  </dgm:styleLbl>
+  <dgm:styleLbl name="fgAcc0">
+    <dgm:fillClrLst meth="repeat">
+      <a:schemeClr val="lt1">
+        <a:alpha val="90000"/>
+      </a:schemeClr>
+    </dgm:fillClrLst>
+    <dgm:linClrLst meth="repeat">
+      <a:schemeClr val="accent1"/>
+    </dgm:linClrLst>
+    <dgm:effectClrLst/>
+    <dgm:txLinClrLst/>
+    <dgm:txFillClrLst meth="repeat">
+      <a:schemeClr val="dk1"/>
+    </dgm:txFillClrLst>
+    <dgm:txEffectClrLst/>
+  </dgm:styleLbl>
+  <dgm:styleLbl name="fgAcc2">
+    <dgm:fillClrLst meth="repeat">
+      <a:schemeClr val="lt1">
+        <a:alpha val="90000"/>
+      </a:schemeClr>
+    </dgm:fillClrLst>
+    <dgm:linClrLst meth="repeat">
+      <a:schemeClr val="accent1"/>
+    </dgm:linClrLst>
+    <dgm:effectClrLst/>
+    <dgm:txLinClrLst/>
+    <dgm:txFillClrLst meth="repeat">
+      <a:schemeClr val="dk1"/>
+    </dgm:txFillClrLst>
+    <dgm:txEffectClrLst/>
+  </dgm:styleLbl>
+  <dgm:styleLbl name="fgAcc3">
+    <dgm:fillClrLst meth="repeat">
+      <a:schemeClr val="lt1">
+        <a:alpha val="90000"/>
+      </a:schemeClr>
+    </dgm:fillClrLst>
+    <dgm:linClrLst meth="repeat">
+      <a:schemeClr val="accent1"/>
+    </dgm:linClrLst>
+    <dgm:effectClrLst/>
+    <dgm:txLinClrLst/>
+    <dgm:txFillClrLst meth="repeat">
+      <a:schemeClr val="dk1"/>
+    </dgm:txFillClrLst>
+    <dgm:txEffectClrLst/>
+  </dgm:styleLbl>
+  <dgm:styleLbl name="fgAcc4">
+    <dgm:fillClrLst meth="repeat">
+      <a:schemeClr val="lt1">
+        <a:alpha val="90000"/>
+      </a:schemeClr>
+    </dgm:fillClrLst>
+    <dgm:linClrLst meth="repeat">
+      <a:schemeClr val="accent1"/>
+    </dgm:linClrLst>
+    <dgm:effectClrLst/>
+    <dgm:txLinClrLst/>
+    <dgm:txFillClrLst meth="repeat">
+      <a:schemeClr val="dk1"/>
+    </dgm:txFillClrLst>
+    <dgm:txEffectClrLst/>
+  </dgm:styleLbl>
+  <dgm:styleLbl name="bgShp">
+    <dgm:fillClrLst meth="repeat">
+      <a:schemeClr val="accent1">
+        <a:tint val="40000"/>
+      </a:schemeClr>
+    </dgm:fillClrLst>
+    <dgm:linClrLst meth="repeat">
+      <a:schemeClr val="accent1"/>
+    </dgm:linClrLst>
+    <dgm:effectClrLst/>
+    <dgm:txLinClrLst/>
+    <dgm:txFillClrLst meth="repeat">
+      <a:schemeClr val="dk1"/>
+    </dgm:txFillClrLst>
+    <dgm:txEffectClrLst/>
+  </dgm:styleLbl>
+  <dgm:styleLbl name="dkBgShp">
+    <dgm:fillClrLst meth="repeat">
+      <a:schemeClr val="accent1">
+        <a:shade val="80000"/>
+      </a:schemeClr>
+    </dgm:fillClrLst>
+    <dgm:linClrLst meth="repeat">
+      <a:schemeClr val="accent1"/>
+    </dgm:linClrLst>
+    <dgm:effectClrLst/>
+    <dgm:txLinClrLst/>
+    <dgm:txFillClrLst meth="repeat">
+      <a:schemeClr val="lt1"/>
+    </dgm:txFillClrLst>
+    <dgm:txEffectClrLst/>
+  </dgm:styleLbl>
+  <dgm:styleLbl name="trBgShp">
+    <dgm:fillClrLst meth="repeat">
+      <a:schemeClr val="accent1">
+        <a:tint val="50000"/>
+        <a:alpha val="40000"/>
+      </a:schemeClr>
+    </dgm:fillClrLst>
+    <dgm:linClrLst meth="repeat">
+      <a:schemeClr val="accent1"/>
+    </dgm:linClrLst>
+    <dgm:effectClrLst/>
+    <dgm:txLinClrLst/>
+    <dgm:txFillClrLst meth="repeat">
+      <a:schemeClr val="lt1"/>
+    </dgm:txFillClrLst>
+    <dgm:txEffectClrLst/>
+  </dgm:styleLbl>
+  <dgm:styleLbl name="fgShp">
+    <dgm:fillClrLst meth="repeat">
+      <a:schemeClr val="accent1">
+        <a:tint val="60000"/>
+      </a:schemeClr>
+    </dgm:fillClrLst>
+    <dgm:linClrLst meth="repeat">
+      <a:schemeClr val="lt1"/>
+    </dgm:linClrLst>
+    <dgm:effectClrLst/>
+    <dgm:txLinClrLst/>
+    <dgm:txFillClrLst meth="repeat">
+      <a:schemeClr val="dk1"/>
+    </dgm:txFillClrLst>
+    <dgm:txEffectClrLst/>
+  </dgm:styleLbl>
+  <dgm:styleLbl name="revTx">
+    <dgm:fillClrLst meth="repeat">
+      <a:schemeClr val="lt1">
+        <a:alpha val="0"/>
+      </a:schemeClr>
+    </dgm:fillClrLst>
+    <dgm:linClrLst meth="repeat">
+      <a:schemeClr val="dk1">
+        <a:alpha val="0"/>
+      </a:schemeClr>
+    </dgm:linClrLst>
+    <dgm:effectClrLst/>
+    <dgm:txLinClrLst/>
+    <dgm:txFillClrLst meth="repeat">
+      <a:schemeClr val="tx1"/>
+    </dgm:txFillClrLst>
+    <dgm:txEffectClrLst/>
+  </dgm:styleLbl>
+</dgm:colorsDef>
+</file>
+
+<file path=ppt/diagrams/data1.xml><?xml version="1.0" encoding="utf-8"?>
+<dgm:dataModel xmlns:dgm="http://schemas.openxmlformats.org/drawingml/2006/diagram" xmlns:a="http://schemas.openxmlformats.org/drawingml/2006/main">
+  <dgm:ptLst>
+    <dgm:pt modelId="{444E5183-7A6B-446D-AA82-925892368028}" type="doc">
+      <dgm:prSet loTypeId="urn:microsoft.com/office/officeart/2005/8/layout/lProcess3" loCatId="process" qsTypeId="urn:microsoft.com/office/officeart/2005/8/quickstyle/simple1" qsCatId="simple" csTypeId="urn:microsoft.com/office/officeart/2005/8/colors/accent1_2" csCatId="accent1" phldr="1"/>
+      <dgm:spPr/>
+      <dgm:t>
+        <a:bodyPr/>
+        <a:lstStyle/>
+        <a:p>
+          <a:endParaRPr lang="en-US"/>
+        </a:p>
+      </dgm:t>
+    </dgm:pt>
+    <dgm:pt modelId="{5554675B-6030-4514-B76D-0B104699CB7D}">
+      <dgm:prSet phldrT="[Text]"/>
+      <dgm:spPr/>
+      <dgm:t>
+        <a:bodyPr/>
+        <a:lstStyle/>
+        <a:p>
+          <a:r>
+            <a:rPr lang="en-US" dirty="0" smtClean="0"/>
+            <a:t>Introduction</a:t>
+          </a:r>
+          <a:endParaRPr lang="en-US" dirty="0"/>
+        </a:p>
+      </dgm:t>
+    </dgm:pt>
+    <dgm:pt modelId="{F39AD48A-1ADD-4E0D-B3FA-F329900EF9F4}" type="parTrans" cxnId="{CDDD4E89-348D-4EA4-A68D-EB533D1EFB2F}">
+      <dgm:prSet/>
+      <dgm:spPr/>
+      <dgm:t>
+        <a:bodyPr/>
+        <a:lstStyle/>
+        <a:p>
+          <a:endParaRPr lang="en-US"/>
+        </a:p>
+      </dgm:t>
+    </dgm:pt>
+    <dgm:pt modelId="{89C3DD63-84E8-4B19-B5A4-FCAD660A882D}" type="sibTrans" cxnId="{CDDD4E89-348D-4EA4-A68D-EB533D1EFB2F}">
+      <dgm:prSet/>
+      <dgm:spPr/>
+      <dgm:t>
+        <a:bodyPr/>
+        <a:lstStyle/>
+        <a:p>
+          <a:endParaRPr lang="en-US"/>
+        </a:p>
+      </dgm:t>
+    </dgm:pt>
+    <dgm:pt modelId="{01DDFC7A-B6EE-45C9-AB46-D654305C2F0F}">
+      <dgm:prSet phldrT="[Text]"/>
+      <dgm:spPr/>
+      <dgm:t>
+        <a:bodyPr/>
+        <a:lstStyle/>
+        <a:p>
+          <a:r>
+            <a:rPr lang="en-US" dirty="0" smtClean="0"/>
+            <a:t>Determining close</a:t>
+          </a:r>
+          <a:endParaRPr lang="en-US" dirty="0"/>
+        </a:p>
+      </dgm:t>
+    </dgm:pt>
+    <dgm:pt modelId="{79412032-7D1C-4131-956C-FDBE9CA2B285}" type="parTrans" cxnId="{CE497331-953B-43F6-9954-6FD0BF89B11C}">
+      <dgm:prSet/>
+      <dgm:spPr/>
+      <dgm:t>
+        <a:bodyPr/>
+        <a:lstStyle/>
+        <a:p>
+          <a:endParaRPr lang="en-US"/>
+        </a:p>
+      </dgm:t>
+    </dgm:pt>
+    <dgm:pt modelId="{AB806102-D25C-48A1-B620-C56C785368B3}" type="sibTrans" cxnId="{CE497331-953B-43F6-9954-6FD0BF89B11C}">
+      <dgm:prSet/>
+      <dgm:spPr/>
+      <dgm:t>
+        <a:bodyPr/>
+        <a:lstStyle/>
+        <a:p>
+          <a:endParaRPr lang="en-US"/>
+        </a:p>
+      </dgm:t>
+    </dgm:pt>
+    <dgm:pt modelId="{83089EAC-DA9B-421D-B136-9BE34427A542}">
+      <dgm:prSet phldrT="[Text]"/>
+      <dgm:spPr/>
+      <dgm:t>
+        <a:bodyPr/>
+        <a:lstStyle/>
+        <a:p>
+          <a:pPr algn="r"/>
+          <a:r>
+            <a:rPr lang="en-US" dirty="0" smtClean="0"/>
+            <a:t>Comparisons</a:t>
+          </a:r>
+          <a:endParaRPr lang="en-US" dirty="0"/>
+        </a:p>
+      </dgm:t>
+    </dgm:pt>
+    <dgm:pt modelId="{267E19FA-860A-43F7-BBD0-C6EAE088370E}" type="parTrans" cxnId="{2956E66D-FABF-41C4-89FA-7FA262DCC92F}">
+      <dgm:prSet/>
+      <dgm:spPr/>
+      <dgm:t>
+        <a:bodyPr/>
+        <a:lstStyle/>
+        <a:p>
+          <a:endParaRPr lang="en-US"/>
+        </a:p>
+      </dgm:t>
+    </dgm:pt>
+    <dgm:pt modelId="{CF046848-F1F6-4A52-8B86-2621BB587EEB}" type="sibTrans" cxnId="{2956E66D-FABF-41C4-89FA-7FA262DCC92F}">
+      <dgm:prSet/>
+      <dgm:spPr/>
+      <dgm:t>
+        <a:bodyPr/>
+        <a:lstStyle/>
+        <a:p>
+          <a:endParaRPr lang="en-US"/>
+        </a:p>
+      </dgm:t>
+    </dgm:pt>
+    <dgm:pt modelId="{693E8AED-10CF-43AE-ABCD-1CF66FC51E15}">
+      <dgm:prSet phldrT="[Text]"/>
+      <dgm:spPr/>
+      <dgm:t>
+        <a:bodyPr/>
+        <a:lstStyle/>
+        <a:p>
+          <a:r>
+            <a:rPr lang="en-US" dirty="0" smtClean="0"/>
+            <a:t>Dead Ant </a:t>
+          </a:r>
+          <a:r>
+            <a:rPr lang="en-US" dirty="0" smtClean="0"/>
+            <a:t>vs</a:t>
+          </a:r>
+          <a:r>
+            <a:rPr lang="en-US" dirty="0" smtClean="0"/>
+            <a:t>. </a:t>
+          </a:r>
+          <a:r>
+            <a:rPr lang="en-US" dirty="0" smtClean="0"/>
+            <a:t>Differential </a:t>
+          </a:r>
+          <a:r>
+            <a:rPr lang="en-US" dirty="0" smtClean="0"/>
+            <a:t>Evolution</a:t>
+          </a:r>
+          <a:endParaRPr lang="en-US" dirty="0"/>
+        </a:p>
+      </dgm:t>
+    </dgm:pt>
+    <dgm:pt modelId="{C5F16147-1447-486C-B959-D537F4382BA7}" type="parTrans" cxnId="{480588EA-475D-4230-A193-1FAD51A8C752}">
+      <dgm:prSet/>
+      <dgm:spPr/>
+      <dgm:t>
+        <a:bodyPr/>
+        <a:lstStyle/>
+        <a:p>
+          <a:endParaRPr lang="en-US"/>
+        </a:p>
+      </dgm:t>
+    </dgm:pt>
+    <dgm:pt modelId="{6DF23FBF-5E4C-4C92-866F-7EF99E9D0F69}" type="sibTrans" cxnId="{480588EA-475D-4230-A193-1FAD51A8C752}">
+      <dgm:prSet/>
+      <dgm:spPr/>
+      <dgm:t>
+        <a:bodyPr/>
+        <a:lstStyle/>
+        <a:p>
+          <a:endParaRPr lang="en-US"/>
+        </a:p>
+      </dgm:t>
+    </dgm:pt>
+    <dgm:pt modelId="{0631099D-5047-4C59-8F65-7BE2C25A51AC}">
+      <dgm:prSet phldrT="[Text]"/>
+      <dgm:spPr/>
+      <dgm:t>
+        <a:bodyPr/>
+        <a:lstStyle/>
+        <a:p>
+          <a:r>
+            <a:rPr lang="en-US" dirty="0" smtClean="0"/>
+            <a:t>Models</a:t>
+          </a:r>
+          <a:endParaRPr lang="en-US" dirty="0"/>
+        </a:p>
+      </dgm:t>
+    </dgm:pt>
+    <dgm:pt modelId="{0B1DA698-6413-49F4-ADBE-A13CBE8CE468}" type="parTrans" cxnId="{8BE7F654-8CB6-4B4D-9323-2EF6C13B629A}">
+      <dgm:prSet/>
+      <dgm:spPr/>
+      <dgm:t>
+        <a:bodyPr/>
+        <a:lstStyle/>
+        <a:p>
+          <a:endParaRPr lang="en-US"/>
+        </a:p>
+      </dgm:t>
+    </dgm:pt>
+    <dgm:pt modelId="{CB8F8FE8-2A6D-44B4-A43E-0858C743DA0F}" type="sibTrans" cxnId="{8BE7F654-8CB6-4B4D-9323-2EF6C13B629A}">
+      <dgm:prSet/>
+      <dgm:spPr/>
+      <dgm:t>
+        <a:bodyPr/>
+        <a:lstStyle/>
+        <a:p>
+          <a:endParaRPr lang="en-US"/>
+        </a:p>
+      </dgm:t>
+    </dgm:pt>
+    <dgm:pt modelId="{22C9B715-CC1A-4034-B219-45C2F9783C94}">
+      <dgm:prSet phldrT="[Text]"/>
+      <dgm:spPr/>
+      <dgm:t>
+        <a:bodyPr/>
+        <a:lstStyle/>
+        <a:p>
+          <a:r>
+            <a:rPr lang="en-US" dirty="0" smtClean="0"/>
+            <a:t>Objective Scores</a:t>
+          </a:r>
+          <a:endParaRPr lang="en-US" dirty="0"/>
+        </a:p>
+      </dgm:t>
+    </dgm:pt>
+    <dgm:pt modelId="{7DE9AE4F-761E-4283-9379-842A2AC78461}" type="parTrans" cxnId="{F65C8620-A975-4CEF-8B55-F7446017AD85}">
+      <dgm:prSet/>
+      <dgm:spPr/>
+      <dgm:t>
+        <a:bodyPr/>
+        <a:lstStyle/>
+        <a:p>
+          <a:endParaRPr lang="en-US"/>
+        </a:p>
+      </dgm:t>
+    </dgm:pt>
+    <dgm:pt modelId="{8EB4F1E4-AB48-4CBC-B0DC-5576BB535370}" type="sibTrans" cxnId="{F65C8620-A975-4CEF-8B55-F7446017AD85}">
+      <dgm:prSet/>
+      <dgm:spPr/>
+      <dgm:t>
+        <a:bodyPr/>
+        <a:lstStyle/>
+        <a:p>
+          <a:endParaRPr lang="en-US"/>
+        </a:p>
+      </dgm:t>
+    </dgm:pt>
+    <dgm:pt modelId="{B25040E3-F85B-4162-A976-C3493BFB0C41}">
+      <dgm:prSet phldrT="[Text]"/>
+      <dgm:spPr/>
+      <dgm:t>
+        <a:bodyPr/>
+        <a:lstStyle/>
+        <a:p>
+          <a:r>
+            <a:rPr lang="en-US" dirty="0" smtClean="0"/>
+            <a:t>Mutation</a:t>
+          </a:r>
+          <a:endParaRPr lang="en-US" dirty="0"/>
+        </a:p>
+      </dgm:t>
+    </dgm:pt>
+    <dgm:pt modelId="{2DCCA558-803E-4FF3-A3F4-9C792EE13A6E}" type="parTrans" cxnId="{1CA055F5-2492-4790-A923-0B724510C205}">
+      <dgm:prSet/>
+      <dgm:spPr/>
+      <dgm:t>
+        <a:bodyPr/>
+        <a:lstStyle/>
+        <a:p>
+          <a:endParaRPr lang="en-US"/>
+        </a:p>
+      </dgm:t>
+    </dgm:pt>
+    <dgm:pt modelId="{43F8CFA0-CC6C-4370-85B8-BC6D850E4D88}" type="sibTrans" cxnId="{1CA055F5-2492-4790-A923-0B724510C205}">
+      <dgm:prSet/>
+      <dgm:spPr/>
+      <dgm:t>
+        <a:bodyPr/>
+        <a:lstStyle/>
+        <a:p>
+          <a:endParaRPr lang="en-US"/>
+        </a:p>
+      </dgm:t>
+    </dgm:pt>
+    <dgm:pt modelId="{245D8B87-C1E4-461C-B2B6-5916E6BECA36}">
+      <dgm:prSet phldrT="[Text]"/>
+      <dgm:spPr/>
+      <dgm:t>
+        <a:bodyPr/>
+        <a:lstStyle/>
+        <a:p>
+          <a:r>
+            <a:rPr lang="en-US" dirty="0" smtClean="0"/>
+            <a:t>Pseudo-code</a:t>
+          </a:r>
+          <a:endParaRPr lang="en-US" dirty="0"/>
+        </a:p>
+      </dgm:t>
+    </dgm:pt>
+    <dgm:pt modelId="{66FC46B3-4BBA-41F1-BF26-A9051F653E6A}" type="parTrans" cxnId="{4082450E-8D37-44DD-8121-A1D2FAAD02E5}">
+      <dgm:prSet/>
+      <dgm:spPr/>
+      <dgm:t>
+        <a:bodyPr/>
+        <a:lstStyle/>
+        <a:p>
+          <a:endParaRPr lang="en-US"/>
+        </a:p>
+      </dgm:t>
+    </dgm:pt>
+    <dgm:pt modelId="{A707FFA7-907F-4E62-8BB5-D52AF8EDCBBE}" type="sibTrans" cxnId="{4082450E-8D37-44DD-8121-A1D2FAAD02E5}">
+      <dgm:prSet/>
+      <dgm:spPr/>
+      <dgm:t>
+        <a:bodyPr/>
+        <a:lstStyle/>
+        <a:p>
+          <a:endParaRPr lang="en-US"/>
+        </a:p>
+      </dgm:t>
+    </dgm:pt>
+    <dgm:pt modelId="{6252CCA0-A196-4C82-9620-45E79D28E699}">
+      <dgm:prSet phldrT="[Text]"/>
+      <dgm:spPr/>
+      <dgm:t>
+        <a:bodyPr/>
+        <a:lstStyle/>
+        <a:p>
+          <a:r>
+            <a:rPr lang="en-US" dirty="0" smtClean="0"/>
+            <a:t>Run times</a:t>
+          </a:r>
+          <a:endParaRPr lang="en-US" dirty="0"/>
+        </a:p>
+      </dgm:t>
+    </dgm:pt>
+    <dgm:pt modelId="{1722F094-CB81-48F5-81BE-3B3E72F351A0}" type="parTrans" cxnId="{02441A39-7459-4FA5-A330-DB44F852AB14}">
+      <dgm:prSet/>
+      <dgm:spPr/>
+      <dgm:t>
+        <a:bodyPr/>
+        <a:lstStyle/>
+        <a:p>
+          <a:endParaRPr lang="en-US"/>
+        </a:p>
+      </dgm:t>
+    </dgm:pt>
+    <dgm:pt modelId="{BD75E7C4-2E38-4D7A-B1FB-7630BC8FA57B}" type="sibTrans" cxnId="{02441A39-7459-4FA5-A330-DB44F852AB14}">
+      <dgm:prSet/>
+      <dgm:spPr/>
+      <dgm:t>
+        <a:bodyPr/>
+        <a:lstStyle/>
+        <a:p>
+          <a:endParaRPr lang="en-US"/>
+        </a:p>
+      </dgm:t>
+    </dgm:pt>
+    <dgm:pt modelId="{9DD0AB8C-80BE-47F5-BF6F-26E357CA90B5}">
+      <dgm:prSet phldrT="[Text]"/>
+      <dgm:spPr/>
+      <dgm:t>
+        <a:bodyPr/>
+        <a:lstStyle/>
+        <a:p>
+          <a:r>
+            <a:rPr lang="en-US" dirty="0" smtClean="0"/>
+            <a:t>Experiments</a:t>
+          </a:r>
+          <a:endParaRPr lang="en-US" dirty="0"/>
+        </a:p>
+      </dgm:t>
+    </dgm:pt>
+    <dgm:pt modelId="{1746D7AB-860E-456F-B18F-B1F5B7465364}" type="parTrans" cxnId="{3BC1B606-E173-46C5-92F1-43096FD4FE84}">
+      <dgm:prSet/>
+      <dgm:spPr/>
+      <dgm:t>
+        <a:bodyPr/>
+        <a:lstStyle/>
+        <a:p>
+          <a:endParaRPr lang="en-US"/>
+        </a:p>
+      </dgm:t>
+    </dgm:pt>
+    <dgm:pt modelId="{B3E5BBF7-D510-4D45-8B6A-27CE05819F2A}" type="sibTrans" cxnId="{3BC1B606-E173-46C5-92F1-43096FD4FE84}">
+      <dgm:prSet/>
+      <dgm:spPr/>
+      <dgm:t>
+        <a:bodyPr/>
+        <a:lstStyle/>
+        <a:p>
+          <a:endParaRPr lang="en-US"/>
+        </a:p>
+      </dgm:t>
+    </dgm:pt>
+    <dgm:pt modelId="{FFCF19BC-C3E4-47F4-9979-945C21DB0B8E}">
+      <dgm:prSet phldrT="[Text]"/>
+      <dgm:spPr/>
+      <dgm:t>
+        <a:bodyPr/>
+        <a:lstStyle/>
+        <a:p>
+          <a:r>
+            <a:rPr lang="en-US" dirty="0" smtClean="0"/>
+            <a:t>Spread</a:t>
+          </a:r>
+          <a:endParaRPr lang="en-US" dirty="0"/>
+        </a:p>
+      </dgm:t>
+    </dgm:pt>
+    <dgm:pt modelId="{81D4C63F-47FA-4CDD-9EB8-A50618CEA00D}" type="parTrans" cxnId="{405ED81E-BEF4-4763-8F6B-0A101CDB9371}">
+      <dgm:prSet/>
+      <dgm:spPr/>
+      <dgm:t>
+        <a:bodyPr/>
+        <a:lstStyle/>
+        <a:p>
+          <a:endParaRPr lang="en-US"/>
+        </a:p>
+      </dgm:t>
+    </dgm:pt>
+    <dgm:pt modelId="{65861B45-7A1B-40CA-8D26-B1B9007B77BD}" type="sibTrans" cxnId="{405ED81E-BEF4-4763-8F6B-0A101CDB9371}">
+      <dgm:prSet/>
+      <dgm:spPr/>
+      <dgm:t>
+        <a:bodyPr/>
+        <a:lstStyle/>
+        <a:p>
+          <a:endParaRPr lang="en-US"/>
+        </a:p>
+      </dgm:t>
+    </dgm:pt>
+    <dgm:pt modelId="{3CFC32B3-0075-4F73-9D90-F80DF1A036B0}">
+      <dgm:prSet phldrT="[Text]"/>
+      <dgm:spPr/>
+      <dgm:t>
+        <a:bodyPr/>
+        <a:lstStyle/>
+        <a:p>
+          <a:r>
+            <a:rPr lang="en-US" dirty="0" smtClean="0"/>
+            <a:t>Introducing Dead Ant</a:t>
+          </a:r>
+          <a:endParaRPr lang="en-US" dirty="0"/>
+        </a:p>
+      </dgm:t>
+    </dgm:pt>
+    <dgm:pt modelId="{78338A9E-1B2A-48CA-9D95-6EE0F2C7DD94}" type="parTrans" cxnId="{B054EF0B-6CAB-4834-BB24-EE5FF1BA5AD4}">
+      <dgm:prSet/>
+      <dgm:spPr/>
+      <dgm:t>
+        <a:bodyPr/>
+        <a:lstStyle/>
+        <a:p>
+          <a:endParaRPr lang="en-US"/>
+        </a:p>
+      </dgm:t>
+    </dgm:pt>
+    <dgm:pt modelId="{2BBE5AEF-ED4D-4C70-BD86-366B05F4285C}" type="sibTrans" cxnId="{B054EF0B-6CAB-4834-BB24-EE5FF1BA5AD4}">
+      <dgm:prSet/>
+      <dgm:spPr/>
+      <dgm:t>
+        <a:bodyPr/>
+        <a:lstStyle/>
+        <a:p>
+          <a:endParaRPr lang="en-US"/>
+        </a:p>
+      </dgm:t>
+    </dgm:pt>
+    <dgm:pt modelId="{A7491E04-C484-4661-B60A-4D8F624B0908}">
+      <dgm:prSet phldrT="[Text]"/>
+      <dgm:spPr/>
+      <dgm:t>
+        <a:bodyPr/>
+        <a:lstStyle/>
+        <a:p>
+          <a:r>
+            <a:rPr lang="en-US" smtClean="0"/>
+            <a:t>Number of evaluations</a:t>
+          </a:r>
+          <a:endParaRPr lang="en-US" dirty="0"/>
+        </a:p>
+      </dgm:t>
+    </dgm:pt>
+    <dgm:pt modelId="{F1D6CB5D-8907-4931-8313-C4F6C06A1B3F}" type="parTrans" cxnId="{F5A73133-1D35-4B21-9115-5CEF076CB08B}">
+      <dgm:prSet/>
+      <dgm:spPr/>
+      <dgm:t>
+        <a:bodyPr/>
+        <a:lstStyle/>
+        <a:p>
+          <a:endParaRPr lang="en-US"/>
+        </a:p>
+      </dgm:t>
+    </dgm:pt>
+    <dgm:pt modelId="{9B2B9807-3CC0-4F47-8C13-88E417BD672A}" type="sibTrans" cxnId="{F5A73133-1D35-4B21-9115-5CEF076CB08B}">
+      <dgm:prSet/>
+      <dgm:spPr/>
+      <dgm:t>
+        <a:bodyPr/>
+        <a:lstStyle/>
+        <a:p>
+          <a:endParaRPr lang="en-US"/>
+        </a:p>
+      </dgm:t>
+    </dgm:pt>
+    <dgm:pt modelId="{5618C51E-C52A-4AB3-AD73-9640418316A4}">
+      <dgm:prSet phldrT="[Text]"/>
+      <dgm:spPr/>
+      <dgm:t>
+        <a:bodyPr/>
+        <a:lstStyle/>
+        <a:p>
+          <a:r>
+            <a:rPr lang="en-US" dirty="0" smtClean="0"/>
+            <a:t>Concluding Remarks</a:t>
+          </a:r>
+          <a:endParaRPr lang="en-US" dirty="0"/>
+        </a:p>
+      </dgm:t>
+    </dgm:pt>
+    <dgm:pt modelId="{F99DB35E-5425-47F8-8425-08106415BF73}" type="parTrans" cxnId="{49680F7C-491A-4067-8028-CBF38716015A}">
+      <dgm:prSet/>
+      <dgm:spPr/>
+      <dgm:t>
+        <a:bodyPr/>
+        <a:lstStyle/>
+        <a:p>
+          <a:endParaRPr lang="en-US"/>
+        </a:p>
+      </dgm:t>
+    </dgm:pt>
+    <dgm:pt modelId="{B13E6579-A4BF-4A5A-BD48-FDEC03BBE98C}" type="sibTrans" cxnId="{49680F7C-491A-4067-8028-CBF38716015A}">
+      <dgm:prSet/>
+      <dgm:spPr/>
+      <dgm:t>
+        <a:bodyPr/>
+        <a:lstStyle/>
+        <a:p>
+          <a:endParaRPr lang="en-US"/>
+        </a:p>
+      </dgm:t>
+    </dgm:pt>
+    <dgm:pt modelId="{C45B2E88-3AF2-4DFF-9E1F-967BFA709EB6}">
+      <dgm:prSet phldrT="[Text]"/>
+      <dgm:spPr/>
+      <dgm:t>
+        <a:bodyPr/>
+        <a:lstStyle/>
+        <a:p>
+          <a:r>
+            <a:rPr lang="en-US" dirty="0" smtClean="0"/>
+            <a:t>Questions</a:t>
+          </a:r>
+          <a:endParaRPr lang="en-US" dirty="0"/>
+        </a:p>
+      </dgm:t>
+    </dgm:pt>
+    <dgm:pt modelId="{D21A32EE-FF6F-487C-899A-CAC90B0C365A}" type="parTrans" cxnId="{D13CC75B-85B9-44CF-8C36-A93A7BDA7399}">
+      <dgm:prSet/>
+      <dgm:spPr/>
+      <dgm:t>
+        <a:bodyPr/>
+        <a:lstStyle/>
+        <a:p>
+          <a:endParaRPr lang="en-US"/>
+        </a:p>
+      </dgm:t>
+    </dgm:pt>
+    <dgm:pt modelId="{37D0E65C-5458-4C4E-B512-BCD3A1821A26}" type="sibTrans" cxnId="{D13CC75B-85B9-44CF-8C36-A93A7BDA7399}">
+      <dgm:prSet/>
+      <dgm:spPr/>
+      <dgm:t>
+        <a:bodyPr/>
+        <a:lstStyle/>
+        <a:p>
+          <a:endParaRPr lang="en-US"/>
+        </a:p>
+      </dgm:t>
+    </dgm:pt>
+    <dgm:pt modelId="{51003B77-5FFE-4D38-B24E-6D513F4FA35D}" type="pres">
+      <dgm:prSet presAssocID="{444E5183-7A6B-446D-AA82-925892368028}" presName="Name0" presStyleCnt="0">
+        <dgm:presLayoutVars>
+          <dgm:chPref val="3"/>
+          <dgm:dir/>
+          <dgm:animLvl val="lvl"/>
+          <dgm:resizeHandles/>
+        </dgm:presLayoutVars>
+      </dgm:prSet>
+      <dgm:spPr/>
+    </dgm:pt>
+    <dgm:pt modelId="{01E87C72-BFD9-4981-8290-CAA52486F16D}" type="pres">
+      <dgm:prSet presAssocID="{5554675B-6030-4514-B76D-0B104699CB7D}" presName="horFlow" presStyleCnt="0"/>
+      <dgm:spPr/>
+    </dgm:pt>
+    <dgm:pt modelId="{7291D0F1-0C75-45BB-9AF1-3CC197D560F7}" type="pres">
+      <dgm:prSet presAssocID="{5554675B-6030-4514-B76D-0B104699CB7D}" presName="bigChev" presStyleLbl="node1" presStyleIdx="0" presStyleCnt="6"/>
+      <dgm:spPr/>
+      <dgm:t>
+        <a:bodyPr/>
+        <a:lstStyle/>
+        <a:p>
+          <a:endParaRPr lang="en-US"/>
+        </a:p>
+      </dgm:t>
+    </dgm:pt>
+    <dgm:pt modelId="{73876337-2576-48BA-9F11-0173E55E11D4}" type="pres">
+      <dgm:prSet presAssocID="{78338A9E-1B2A-48CA-9D95-6EE0F2C7DD94}" presName="parTrans" presStyleCnt="0"/>
+      <dgm:spPr/>
+    </dgm:pt>
+    <dgm:pt modelId="{3E55B13C-E097-4F8E-8309-7E3C9431B4CB}" type="pres">
+      <dgm:prSet presAssocID="{3CFC32B3-0075-4F73-9D90-F80DF1A036B0}" presName="node" presStyleLbl="alignAccFollowNode1" presStyleIdx="0" presStyleCnt="9">
+        <dgm:presLayoutVars>
+          <dgm:bulletEnabled val="1"/>
+        </dgm:presLayoutVars>
+      </dgm:prSet>
+      <dgm:spPr/>
+      <dgm:t>
+        <a:bodyPr/>
+        <a:lstStyle/>
+        <a:p>
+          <a:endParaRPr lang="en-US"/>
+        </a:p>
+      </dgm:t>
+    </dgm:pt>
+    <dgm:pt modelId="{462126E1-883C-4D31-9D04-7C6AA68DA4DE}" type="pres">
+      <dgm:prSet presAssocID="{2BBE5AEF-ED4D-4C70-BD86-366B05F4285C}" presName="sibTrans" presStyleCnt="0"/>
+      <dgm:spPr/>
+    </dgm:pt>
+    <dgm:pt modelId="{1DDBDBAA-F41B-4AEC-B2E4-042D82D430A5}" type="pres">
+      <dgm:prSet presAssocID="{01DDFC7A-B6EE-45C9-AB46-D654305C2F0F}" presName="node" presStyleLbl="alignAccFollowNode1" presStyleIdx="1" presStyleCnt="9">
+        <dgm:presLayoutVars>
+          <dgm:bulletEnabled val="1"/>
+        </dgm:presLayoutVars>
+      </dgm:prSet>
+      <dgm:spPr/>
+      <dgm:t>
+        <a:bodyPr/>
+        <a:lstStyle/>
+        <a:p>
+          <a:endParaRPr lang="en-US"/>
+        </a:p>
+      </dgm:t>
+    </dgm:pt>
+    <dgm:pt modelId="{D59AE3B0-ABE9-479A-BA4A-700FDA927712}" type="pres">
+      <dgm:prSet presAssocID="{AB806102-D25C-48A1-B620-C56C785368B3}" presName="sibTrans" presStyleCnt="0"/>
+      <dgm:spPr/>
+    </dgm:pt>
+    <dgm:pt modelId="{9150DD12-F3D7-423C-B543-5AB786706483}" type="pres">
+      <dgm:prSet presAssocID="{B25040E3-F85B-4162-A976-C3493BFB0C41}" presName="node" presStyleLbl="alignAccFollowNode1" presStyleIdx="2" presStyleCnt="9">
+        <dgm:presLayoutVars>
+          <dgm:bulletEnabled val="1"/>
+        </dgm:presLayoutVars>
+      </dgm:prSet>
+      <dgm:spPr/>
+      <dgm:t>
+        <a:bodyPr/>
+        <a:lstStyle/>
+        <a:p>
+          <a:endParaRPr lang="en-US"/>
+        </a:p>
+      </dgm:t>
+    </dgm:pt>
+    <dgm:pt modelId="{34839C6A-BE7E-4C38-B598-5D0AB2040F27}" type="pres">
+      <dgm:prSet presAssocID="{43F8CFA0-CC6C-4370-85B8-BC6D850E4D88}" presName="sibTrans" presStyleCnt="0"/>
+      <dgm:spPr/>
+    </dgm:pt>
+    <dgm:pt modelId="{D41F4952-EBEA-460B-8173-D31828642EC3}" type="pres">
+      <dgm:prSet presAssocID="{245D8B87-C1E4-461C-B2B6-5916E6BECA36}" presName="node" presStyleLbl="alignAccFollowNode1" presStyleIdx="3" presStyleCnt="9">
+        <dgm:presLayoutVars>
+          <dgm:bulletEnabled val="1"/>
+        </dgm:presLayoutVars>
+      </dgm:prSet>
+      <dgm:spPr/>
+    </dgm:pt>
+    <dgm:pt modelId="{2871ACD9-FFAA-4CF4-9422-FD9AB6ED74ED}" type="pres">
+      <dgm:prSet presAssocID="{5554675B-6030-4514-B76D-0B104699CB7D}" presName="vSp" presStyleCnt="0"/>
+      <dgm:spPr/>
+    </dgm:pt>
+    <dgm:pt modelId="{D59F0FC4-4127-4435-913E-5988CFA61E3B}" type="pres">
+      <dgm:prSet presAssocID="{83089EAC-DA9B-421D-B136-9BE34427A542}" presName="horFlow" presStyleCnt="0"/>
+      <dgm:spPr/>
+    </dgm:pt>
+    <dgm:pt modelId="{5AFDEDD9-A095-4000-A90B-1BA903CD0E56}" type="pres">
+      <dgm:prSet presAssocID="{83089EAC-DA9B-421D-B136-9BE34427A542}" presName="bigChev" presStyleLbl="node1" presStyleIdx="1" presStyleCnt="6"/>
+      <dgm:spPr/>
+    </dgm:pt>
+    <dgm:pt modelId="{A03A9177-6F30-47E3-8F9F-AE984C4C55B2}" type="pres">
+      <dgm:prSet presAssocID="{C5F16147-1447-486C-B959-D537F4382BA7}" presName="parTrans" presStyleCnt="0"/>
+      <dgm:spPr/>
+    </dgm:pt>
+    <dgm:pt modelId="{B4F466BD-F413-45A2-960C-C1E1653C4C10}" type="pres">
+      <dgm:prSet presAssocID="{693E8AED-10CF-43AE-ABCD-1CF66FC51E15}" presName="node" presStyleLbl="alignAccFollowNode1" presStyleIdx="4" presStyleCnt="9" custScaleX="271790" custLinFactNeighborX="14165">
+        <dgm:presLayoutVars>
+          <dgm:bulletEnabled val="1"/>
+        </dgm:presLayoutVars>
+      </dgm:prSet>
+      <dgm:spPr/>
+      <dgm:t>
+        <a:bodyPr/>
+        <a:lstStyle/>
+        <a:p>
+          <a:endParaRPr lang="en-US"/>
+        </a:p>
+      </dgm:t>
+    </dgm:pt>
+    <dgm:pt modelId="{F006076C-9214-4585-993E-D8E390D89EE2}" type="pres">
+      <dgm:prSet presAssocID="{83089EAC-DA9B-421D-B136-9BE34427A542}" presName="vSp" presStyleCnt="0"/>
+      <dgm:spPr/>
+    </dgm:pt>
+    <dgm:pt modelId="{7A483C36-C693-4967-BE96-5EEB25046737}" type="pres">
+      <dgm:prSet presAssocID="{0631099D-5047-4C59-8F65-7BE2C25A51AC}" presName="horFlow" presStyleCnt="0"/>
+      <dgm:spPr/>
+    </dgm:pt>
+    <dgm:pt modelId="{0AF5FB5D-D46E-4A96-8B4E-E396EE6C1E4E}" type="pres">
+      <dgm:prSet presAssocID="{0631099D-5047-4C59-8F65-7BE2C25A51AC}" presName="bigChev" presStyleLbl="node1" presStyleIdx="2" presStyleCnt="6"/>
+      <dgm:spPr/>
+      <dgm:t>
+        <a:bodyPr/>
+        <a:lstStyle/>
+        <a:p>
+          <a:endParaRPr lang="en-US"/>
+        </a:p>
+      </dgm:t>
+    </dgm:pt>
+    <dgm:pt modelId="{7CEA2923-A848-4006-BB75-C6D2F26B5F0D}" type="pres">
+      <dgm:prSet presAssocID="{0631099D-5047-4C59-8F65-7BE2C25A51AC}" presName="vSp" presStyleCnt="0"/>
+      <dgm:spPr/>
+    </dgm:pt>
+    <dgm:pt modelId="{49A35E35-E39F-4597-8C5C-06EEF2AD599D}" type="pres">
+      <dgm:prSet presAssocID="{9DD0AB8C-80BE-47F5-BF6F-26E357CA90B5}" presName="horFlow" presStyleCnt="0"/>
+      <dgm:spPr/>
+    </dgm:pt>
+    <dgm:pt modelId="{AA1E12C4-7D90-4C29-982C-7C6DB7E878F4}" type="pres">
+      <dgm:prSet presAssocID="{9DD0AB8C-80BE-47F5-BF6F-26E357CA90B5}" presName="bigChev" presStyleLbl="node1" presStyleIdx="3" presStyleCnt="6"/>
+      <dgm:spPr/>
+    </dgm:pt>
+    <dgm:pt modelId="{F3483227-EF25-42B7-919A-C7E2ECC5199D}" type="pres">
+      <dgm:prSet presAssocID="{7DE9AE4F-761E-4283-9379-842A2AC78461}" presName="parTrans" presStyleCnt="0"/>
+      <dgm:spPr/>
+    </dgm:pt>
+    <dgm:pt modelId="{E00DB65B-EC6D-4460-A6F2-B34471E1010C}" type="pres">
+      <dgm:prSet presAssocID="{22C9B715-CC1A-4034-B219-45C2F9783C94}" presName="node" presStyleLbl="alignAccFollowNode1" presStyleIdx="5" presStyleCnt="9">
+        <dgm:presLayoutVars>
+          <dgm:bulletEnabled val="1"/>
+        </dgm:presLayoutVars>
+      </dgm:prSet>
+      <dgm:spPr/>
+      <dgm:t>
+        <a:bodyPr/>
+        <a:lstStyle/>
+        <a:p>
+          <a:endParaRPr lang="en-US"/>
+        </a:p>
+      </dgm:t>
+    </dgm:pt>
+    <dgm:pt modelId="{BA6775F9-BE6E-4DE5-83B9-F728EB1C9729}" type="pres">
+      <dgm:prSet presAssocID="{8EB4F1E4-AB48-4CBC-B0DC-5576BB535370}" presName="sibTrans" presStyleCnt="0"/>
+      <dgm:spPr/>
+    </dgm:pt>
+    <dgm:pt modelId="{DA7328CA-34CD-4E59-B743-423867F32279}" type="pres">
+      <dgm:prSet presAssocID="{FFCF19BC-C3E4-47F4-9979-945C21DB0B8E}" presName="node" presStyleLbl="alignAccFollowNode1" presStyleIdx="6" presStyleCnt="9">
+        <dgm:presLayoutVars>
+          <dgm:bulletEnabled val="1"/>
+        </dgm:presLayoutVars>
+      </dgm:prSet>
+      <dgm:spPr/>
+    </dgm:pt>
+    <dgm:pt modelId="{401B4D1D-E28F-4ACF-A878-6D7EC94FB514}" type="pres">
+      <dgm:prSet presAssocID="{65861B45-7A1B-40CA-8D26-B1B9007B77BD}" presName="sibTrans" presStyleCnt="0"/>
+      <dgm:spPr/>
+    </dgm:pt>
+    <dgm:pt modelId="{B8E9EE1B-2A64-4F2A-9B53-38E22FFCDD61}" type="pres">
+      <dgm:prSet presAssocID="{A7491E04-C484-4661-B60A-4D8F624B0908}" presName="node" presStyleLbl="alignAccFollowNode1" presStyleIdx="7" presStyleCnt="9">
+        <dgm:presLayoutVars>
+          <dgm:bulletEnabled val="1"/>
+        </dgm:presLayoutVars>
+      </dgm:prSet>
+      <dgm:spPr/>
+      <dgm:t>
+        <a:bodyPr/>
+        <a:lstStyle/>
+        <a:p>
+          <a:endParaRPr lang="en-US"/>
+        </a:p>
+      </dgm:t>
+    </dgm:pt>
+    <dgm:pt modelId="{F5522E8A-229F-4CCF-93F9-BCF84A50E19C}" type="pres">
+      <dgm:prSet presAssocID="{9B2B9807-3CC0-4F47-8C13-88E417BD672A}" presName="sibTrans" presStyleCnt="0"/>
+      <dgm:spPr/>
+    </dgm:pt>
+    <dgm:pt modelId="{97DE7D96-5955-47FF-A6E1-8C623387A67B}" type="pres">
+      <dgm:prSet presAssocID="{6252CCA0-A196-4C82-9620-45E79D28E699}" presName="node" presStyleLbl="alignAccFollowNode1" presStyleIdx="8" presStyleCnt="9">
+        <dgm:presLayoutVars>
+          <dgm:bulletEnabled val="1"/>
+        </dgm:presLayoutVars>
+      </dgm:prSet>
+      <dgm:spPr/>
+      <dgm:t>
+        <a:bodyPr/>
+        <a:lstStyle/>
+        <a:p>
+          <a:endParaRPr lang="en-US"/>
+        </a:p>
+      </dgm:t>
+    </dgm:pt>
+    <dgm:pt modelId="{3B568145-16D9-4AF6-9367-E7BC082B66E3}" type="pres">
+      <dgm:prSet presAssocID="{9DD0AB8C-80BE-47F5-BF6F-26E357CA90B5}" presName="vSp" presStyleCnt="0"/>
+      <dgm:spPr/>
+    </dgm:pt>
+    <dgm:pt modelId="{49832468-8199-4702-9449-7A02ADD0F933}" type="pres">
+      <dgm:prSet presAssocID="{5618C51E-C52A-4AB3-AD73-9640418316A4}" presName="horFlow" presStyleCnt="0"/>
+      <dgm:spPr/>
+    </dgm:pt>
+    <dgm:pt modelId="{BF0F67D2-D705-4DA1-B37D-23BF925473ED}" type="pres">
+      <dgm:prSet presAssocID="{5618C51E-C52A-4AB3-AD73-9640418316A4}" presName="bigChev" presStyleLbl="node1" presStyleIdx="4" presStyleCnt="6"/>
+      <dgm:spPr/>
+      <dgm:t>
+        <a:bodyPr/>
+        <a:lstStyle/>
+        <a:p>
+          <a:endParaRPr lang="en-US"/>
+        </a:p>
+      </dgm:t>
+    </dgm:pt>
+    <dgm:pt modelId="{702E1062-8672-4639-B15D-BCB0C1115158}" type="pres">
+      <dgm:prSet presAssocID="{5618C51E-C52A-4AB3-AD73-9640418316A4}" presName="vSp" presStyleCnt="0"/>
+      <dgm:spPr/>
+    </dgm:pt>
+    <dgm:pt modelId="{EBB32913-D6B5-4E6A-9A84-86A432E97859}" type="pres">
+      <dgm:prSet presAssocID="{C45B2E88-3AF2-4DFF-9E1F-967BFA709EB6}" presName="horFlow" presStyleCnt="0"/>
+      <dgm:spPr/>
+    </dgm:pt>
+    <dgm:pt modelId="{57BD0BDD-5BD4-4ED7-ABD9-241618554954}" type="pres">
+      <dgm:prSet presAssocID="{C45B2E88-3AF2-4DFF-9E1F-967BFA709EB6}" presName="bigChev" presStyleLbl="node1" presStyleIdx="5" presStyleCnt="6"/>
+      <dgm:spPr/>
+    </dgm:pt>
+  </dgm:ptLst>
+  <dgm:cxnLst>
+    <dgm:cxn modelId="{D5954A69-2791-417F-BEF9-0A8808164B38}" type="presOf" srcId="{01DDFC7A-B6EE-45C9-AB46-D654305C2F0F}" destId="{1DDBDBAA-F41B-4AEC-B2E4-042D82D430A5}" srcOrd="0" destOrd="0" presId="urn:microsoft.com/office/officeart/2005/8/layout/lProcess3"/>
+    <dgm:cxn modelId="{CE497331-953B-43F6-9954-6FD0BF89B11C}" srcId="{5554675B-6030-4514-B76D-0B104699CB7D}" destId="{01DDFC7A-B6EE-45C9-AB46-D654305C2F0F}" srcOrd="1" destOrd="0" parTransId="{79412032-7D1C-4131-956C-FDBE9CA2B285}" sibTransId="{AB806102-D25C-48A1-B620-C56C785368B3}"/>
+    <dgm:cxn modelId="{17E7387A-40B4-434A-B9D6-F91C7A9E0CDA}" type="presOf" srcId="{9DD0AB8C-80BE-47F5-BF6F-26E357CA90B5}" destId="{AA1E12C4-7D90-4C29-982C-7C6DB7E878F4}" srcOrd="0" destOrd="0" presId="urn:microsoft.com/office/officeart/2005/8/layout/lProcess3"/>
+    <dgm:cxn modelId="{3B3B014C-CC44-4EC3-B090-1998CA891C91}" type="presOf" srcId="{245D8B87-C1E4-461C-B2B6-5916E6BECA36}" destId="{D41F4952-EBEA-460B-8173-D31828642EC3}" srcOrd="0" destOrd="0" presId="urn:microsoft.com/office/officeart/2005/8/layout/lProcess3"/>
+    <dgm:cxn modelId="{F5A73133-1D35-4B21-9115-5CEF076CB08B}" srcId="{9DD0AB8C-80BE-47F5-BF6F-26E357CA90B5}" destId="{A7491E04-C484-4661-B60A-4D8F624B0908}" srcOrd="2" destOrd="0" parTransId="{F1D6CB5D-8907-4931-8313-C4F6C06A1B3F}" sibTransId="{9B2B9807-3CC0-4F47-8C13-88E417BD672A}"/>
+    <dgm:cxn modelId="{850AA1F6-7D33-4A82-929F-89639C99CEB7}" type="presOf" srcId="{C45B2E88-3AF2-4DFF-9E1F-967BFA709EB6}" destId="{57BD0BDD-5BD4-4ED7-ABD9-241618554954}" srcOrd="0" destOrd="0" presId="urn:microsoft.com/office/officeart/2005/8/layout/lProcess3"/>
+    <dgm:cxn modelId="{F7440169-5CC8-488C-9343-8A29E6AEA664}" type="presOf" srcId="{FFCF19BC-C3E4-47F4-9979-945C21DB0B8E}" destId="{DA7328CA-34CD-4E59-B743-423867F32279}" srcOrd="0" destOrd="0" presId="urn:microsoft.com/office/officeart/2005/8/layout/lProcess3"/>
+    <dgm:cxn modelId="{1CA055F5-2492-4790-A923-0B724510C205}" srcId="{5554675B-6030-4514-B76D-0B104699CB7D}" destId="{B25040E3-F85B-4162-A976-C3493BFB0C41}" srcOrd="2" destOrd="0" parTransId="{2DCCA558-803E-4FF3-A3F4-9C792EE13A6E}" sibTransId="{43F8CFA0-CC6C-4370-85B8-BC6D850E4D88}"/>
+    <dgm:cxn modelId="{405ED81E-BEF4-4763-8F6B-0A101CDB9371}" srcId="{9DD0AB8C-80BE-47F5-BF6F-26E357CA90B5}" destId="{FFCF19BC-C3E4-47F4-9979-945C21DB0B8E}" srcOrd="1" destOrd="0" parTransId="{81D4C63F-47FA-4CDD-9EB8-A50618CEA00D}" sibTransId="{65861B45-7A1B-40CA-8D26-B1B9007B77BD}"/>
+    <dgm:cxn modelId="{B6A7D303-B66F-4A31-977F-BCC7EB02FD9B}" type="presOf" srcId="{5554675B-6030-4514-B76D-0B104699CB7D}" destId="{7291D0F1-0C75-45BB-9AF1-3CC197D560F7}" srcOrd="0" destOrd="0" presId="urn:microsoft.com/office/officeart/2005/8/layout/lProcess3"/>
+    <dgm:cxn modelId="{3E285289-B743-40DD-9CBF-039BA29FA0F5}" type="presOf" srcId="{22C9B715-CC1A-4034-B219-45C2F9783C94}" destId="{E00DB65B-EC6D-4460-A6F2-B34471E1010C}" srcOrd="0" destOrd="0" presId="urn:microsoft.com/office/officeart/2005/8/layout/lProcess3"/>
+    <dgm:cxn modelId="{D13CC75B-85B9-44CF-8C36-A93A7BDA7399}" srcId="{444E5183-7A6B-446D-AA82-925892368028}" destId="{C45B2E88-3AF2-4DFF-9E1F-967BFA709EB6}" srcOrd="5" destOrd="0" parTransId="{D21A32EE-FF6F-487C-899A-CAC90B0C365A}" sibTransId="{37D0E65C-5458-4C4E-B512-BCD3A1821A26}"/>
+    <dgm:cxn modelId="{19D10751-C679-4682-BFE3-779A5434B867}" type="presOf" srcId="{5618C51E-C52A-4AB3-AD73-9640418316A4}" destId="{BF0F67D2-D705-4DA1-B37D-23BF925473ED}" srcOrd="0" destOrd="0" presId="urn:microsoft.com/office/officeart/2005/8/layout/lProcess3"/>
+    <dgm:cxn modelId="{D64F55D4-40B3-465D-8C65-311595F719DA}" type="presOf" srcId="{B25040E3-F85B-4162-A976-C3493BFB0C41}" destId="{9150DD12-F3D7-423C-B543-5AB786706483}" srcOrd="0" destOrd="0" presId="urn:microsoft.com/office/officeart/2005/8/layout/lProcess3"/>
+    <dgm:cxn modelId="{C7EB3384-F783-4F61-BD65-15DB9D2FB94D}" type="presOf" srcId="{3CFC32B3-0075-4F73-9D90-F80DF1A036B0}" destId="{3E55B13C-E097-4F8E-8309-7E3C9431B4CB}" srcOrd="0" destOrd="0" presId="urn:microsoft.com/office/officeart/2005/8/layout/lProcess3"/>
+    <dgm:cxn modelId="{3456DC57-98F5-4872-BD36-A41C46DA80E8}" type="presOf" srcId="{A7491E04-C484-4661-B60A-4D8F624B0908}" destId="{B8E9EE1B-2A64-4F2A-9B53-38E22FFCDD61}" srcOrd="0" destOrd="0" presId="urn:microsoft.com/office/officeart/2005/8/layout/lProcess3"/>
+    <dgm:cxn modelId="{F65C8620-A975-4CEF-8B55-F7446017AD85}" srcId="{9DD0AB8C-80BE-47F5-BF6F-26E357CA90B5}" destId="{22C9B715-CC1A-4034-B219-45C2F9783C94}" srcOrd="0" destOrd="0" parTransId="{7DE9AE4F-761E-4283-9379-842A2AC78461}" sibTransId="{8EB4F1E4-AB48-4CBC-B0DC-5576BB535370}"/>
+    <dgm:cxn modelId="{4082450E-8D37-44DD-8121-A1D2FAAD02E5}" srcId="{5554675B-6030-4514-B76D-0B104699CB7D}" destId="{245D8B87-C1E4-461C-B2B6-5916E6BECA36}" srcOrd="3" destOrd="0" parTransId="{66FC46B3-4BBA-41F1-BF26-A9051F653E6A}" sibTransId="{A707FFA7-907F-4E62-8BB5-D52AF8EDCBBE}"/>
+    <dgm:cxn modelId="{3BC1B606-E173-46C5-92F1-43096FD4FE84}" srcId="{444E5183-7A6B-446D-AA82-925892368028}" destId="{9DD0AB8C-80BE-47F5-BF6F-26E357CA90B5}" srcOrd="3" destOrd="0" parTransId="{1746D7AB-860E-456F-B18F-B1F5B7465364}" sibTransId="{B3E5BBF7-D510-4D45-8B6A-27CE05819F2A}"/>
+    <dgm:cxn modelId="{B054EF0B-6CAB-4834-BB24-EE5FF1BA5AD4}" srcId="{5554675B-6030-4514-B76D-0B104699CB7D}" destId="{3CFC32B3-0075-4F73-9D90-F80DF1A036B0}" srcOrd="0" destOrd="0" parTransId="{78338A9E-1B2A-48CA-9D95-6EE0F2C7DD94}" sibTransId="{2BBE5AEF-ED4D-4C70-BD86-366B05F4285C}"/>
+    <dgm:cxn modelId="{0913EF34-AFC8-450E-99EA-A71705FA6A04}" type="presOf" srcId="{444E5183-7A6B-446D-AA82-925892368028}" destId="{51003B77-5FFE-4D38-B24E-6D513F4FA35D}" srcOrd="0" destOrd="0" presId="urn:microsoft.com/office/officeart/2005/8/layout/lProcess3"/>
+    <dgm:cxn modelId="{E20EFF47-2B85-4828-8E17-F95C9F35F109}" type="presOf" srcId="{6252CCA0-A196-4C82-9620-45E79D28E699}" destId="{97DE7D96-5955-47FF-A6E1-8C623387A67B}" srcOrd="0" destOrd="0" presId="urn:microsoft.com/office/officeart/2005/8/layout/lProcess3"/>
+    <dgm:cxn modelId="{8BE7F654-8CB6-4B4D-9323-2EF6C13B629A}" srcId="{444E5183-7A6B-446D-AA82-925892368028}" destId="{0631099D-5047-4C59-8F65-7BE2C25A51AC}" srcOrd="2" destOrd="0" parTransId="{0B1DA698-6413-49F4-ADBE-A13CBE8CE468}" sibTransId="{CB8F8FE8-2A6D-44B4-A43E-0858C743DA0F}"/>
+    <dgm:cxn modelId="{02441A39-7459-4FA5-A330-DB44F852AB14}" srcId="{9DD0AB8C-80BE-47F5-BF6F-26E357CA90B5}" destId="{6252CCA0-A196-4C82-9620-45E79D28E699}" srcOrd="3" destOrd="0" parTransId="{1722F094-CB81-48F5-81BE-3B3E72F351A0}" sibTransId="{BD75E7C4-2E38-4D7A-B1FB-7630BC8FA57B}"/>
+    <dgm:cxn modelId="{A772597B-F626-4414-ADF0-0F9220B6C3D3}" type="presOf" srcId="{693E8AED-10CF-43AE-ABCD-1CF66FC51E15}" destId="{B4F466BD-F413-45A2-960C-C1E1653C4C10}" srcOrd="0" destOrd="0" presId="urn:microsoft.com/office/officeart/2005/8/layout/lProcess3"/>
+    <dgm:cxn modelId="{2956E66D-FABF-41C4-89FA-7FA262DCC92F}" srcId="{444E5183-7A6B-446D-AA82-925892368028}" destId="{83089EAC-DA9B-421D-B136-9BE34427A542}" srcOrd="1" destOrd="0" parTransId="{267E19FA-860A-43F7-BBD0-C6EAE088370E}" sibTransId="{CF046848-F1F6-4A52-8B86-2621BB587EEB}"/>
+    <dgm:cxn modelId="{719C9742-3BA9-4C7E-8AE9-F2611A1634AF}" type="presOf" srcId="{0631099D-5047-4C59-8F65-7BE2C25A51AC}" destId="{0AF5FB5D-D46E-4A96-8B4E-E396EE6C1E4E}" srcOrd="0" destOrd="0" presId="urn:microsoft.com/office/officeart/2005/8/layout/lProcess3"/>
+    <dgm:cxn modelId="{CDDD4E89-348D-4EA4-A68D-EB533D1EFB2F}" srcId="{444E5183-7A6B-446D-AA82-925892368028}" destId="{5554675B-6030-4514-B76D-0B104699CB7D}" srcOrd="0" destOrd="0" parTransId="{F39AD48A-1ADD-4E0D-B3FA-F329900EF9F4}" sibTransId="{89C3DD63-84E8-4B19-B5A4-FCAD660A882D}"/>
+    <dgm:cxn modelId="{480588EA-475D-4230-A193-1FAD51A8C752}" srcId="{83089EAC-DA9B-421D-B136-9BE34427A542}" destId="{693E8AED-10CF-43AE-ABCD-1CF66FC51E15}" srcOrd="0" destOrd="0" parTransId="{C5F16147-1447-486C-B959-D537F4382BA7}" sibTransId="{6DF23FBF-5E4C-4C92-866F-7EF99E9D0F69}"/>
+    <dgm:cxn modelId="{01AB94B6-A6B2-49CE-B333-07514103CCD0}" type="presOf" srcId="{83089EAC-DA9B-421D-B136-9BE34427A542}" destId="{5AFDEDD9-A095-4000-A90B-1BA903CD0E56}" srcOrd="0" destOrd="0" presId="urn:microsoft.com/office/officeart/2005/8/layout/lProcess3"/>
+    <dgm:cxn modelId="{49680F7C-491A-4067-8028-CBF38716015A}" srcId="{444E5183-7A6B-446D-AA82-925892368028}" destId="{5618C51E-C52A-4AB3-AD73-9640418316A4}" srcOrd="4" destOrd="0" parTransId="{F99DB35E-5425-47F8-8425-08106415BF73}" sibTransId="{B13E6579-A4BF-4A5A-BD48-FDEC03BBE98C}"/>
+    <dgm:cxn modelId="{8172A22B-A6A9-4657-8A4A-B20589756CE1}" type="presParOf" srcId="{51003B77-5FFE-4D38-B24E-6D513F4FA35D}" destId="{01E87C72-BFD9-4981-8290-CAA52486F16D}" srcOrd="0" destOrd="0" presId="urn:microsoft.com/office/officeart/2005/8/layout/lProcess3"/>
+    <dgm:cxn modelId="{61CDFC71-C394-4781-80E5-88F3736AE342}" type="presParOf" srcId="{01E87C72-BFD9-4981-8290-CAA52486F16D}" destId="{7291D0F1-0C75-45BB-9AF1-3CC197D560F7}" srcOrd="0" destOrd="0" presId="urn:microsoft.com/office/officeart/2005/8/layout/lProcess3"/>
+    <dgm:cxn modelId="{5A8A4AC5-9FBE-4D9A-B12B-E8480CE3D915}" type="presParOf" srcId="{01E87C72-BFD9-4981-8290-CAA52486F16D}" destId="{73876337-2576-48BA-9F11-0173E55E11D4}" srcOrd="1" destOrd="0" presId="urn:microsoft.com/office/officeart/2005/8/layout/lProcess3"/>
+    <dgm:cxn modelId="{1B70586C-1163-49A9-B68E-9A1ED3D40B4D}" type="presParOf" srcId="{01E87C72-BFD9-4981-8290-CAA52486F16D}" destId="{3E55B13C-E097-4F8E-8309-7E3C9431B4CB}" srcOrd="2" destOrd="0" presId="urn:microsoft.com/office/officeart/2005/8/layout/lProcess3"/>
+    <dgm:cxn modelId="{9BD33BE7-1809-4701-A186-44DFA2D395C7}" type="presParOf" srcId="{01E87C72-BFD9-4981-8290-CAA52486F16D}" destId="{462126E1-883C-4D31-9D04-7C6AA68DA4DE}" srcOrd="3" destOrd="0" presId="urn:microsoft.com/office/officeart/2005/8/layout/lProcess3"/>
+    <dgm:cxn modelId="{E341ED5A-903D-46D3-9D1F-0947F347A2F9}" type="presParOf" srcId="{01E87C72-BFD9-4981-8290-CAA52486F16D}" destId="{1DDBDBAA-F41B-4AEC-B2E4-042D82D430A5}" srcOrd="4" destOrd="0" presId="urn:microsoft.com/office/officeart/2005/8/layout/lProcess3"/>
+    <dgm:cxn modelId="{DB1F8A36-1204-4A89-8855-FC8FB0DDD88C}" type="presParOf" srcId="{01E87C72-BFD9-4981-8290-CAA52486F16D}" destId="{D59AE3B0-ABE9-479A-BA4A-700FDA927712}" srcOrd="5" destOrd="0" presId="urn:microsoft.com/office/officeart/2005/8/layout/lProcess3"/>
+    <dgm:cxn modelId="{E23AE896-25DC-4E40-A703-835B0E43F585}" type="presParOf" srcId="{01E87C72-BFD9-4981-8290-CAA52486F16D}" destId="{9150DD12-F3D7-423C-B543-5AB786706483}" srcOrd="6" destOrd="0" presId="urn:microsoft.com/office/officeart/2005/8/layout/lProcess3"/>
+    <dgm:cxn modelId="{8369BC6D-6963-40DE-B27B-AA3FB10C87B3}" type="presParOf" srcId="{01E87C72-BFD9-4981-8290-CAA52486F16D}" destId="{34839C6A-BE7E-4C38-B598-5D0AB2040F27}" srcOrd="7" destOrd="0" presId="urn:microsoft.com/office/officeart/2005/8/layout/lProcess3"/>
+    <dgm:cxn modelId="{015CEF33-D170-4BA5-A1A0-570D59B52637}" type="presParOf" srcId="{01E87C72-BFD9-4981-8290-CAA52486F16D}" destId="{D41F4952-EBEA-460B-8173-D31828642EC3}" srcOrd="8" destOrd="0" presId="urn:microsoft.com/office/officeart/2005/8/layout/lProcess3"/>
+    <dgm:cxn modelId="{5BCEC731-DD1F-4236-B66C-3CEF34D391A9}" type="presParOf" srcId="{51003B77-5FFE-4D38-B24E-6D513F4FA35D}" destId="{2871ACD9-FFAA-4CF4-9422-FD9AB6ED74ED}" srcOrd="1" destOrd="0" presId="urn:microsoft.com/office/officeart/2005/8/layout/lProcess3"/>
+    <dgm:cxn modelId="{0895D625-70DA-4FCE-9015-FC316D1C737B}" type="presParOf" srcId="{51003B77-5FFE-4D38-B24E-6D513F4FA35D}" destId="{D59F0FC4-4127-4435-913E-5988CFA61E3B}" srcOrd="2" destOrd="0" presId="urn:microsoft.com/office/officeart/2005/8/layout/lProcess3"/>
+    <dgm:cxn modelId="{FBC7F103-6555-431A-B4F4-99D04D1DDFE0}" type="presParOf" srcId="{D59F0FC4-4127-4435-913E-5988CFA61E3B}" destId="{5AFDEDD9-A095-4000-A90B-1BA903CD0E56}" srcOrd="0" destOrd="0" presId="urn:microsoft.com/office/officeart/2005/8/layout/lProcess3"/>
+    <dgm:cxn modelId="{132E7F92-D6D0-4173-A6F6-7CE4A37C2348}" type="presParOf" srcId="{D59F0FC4-4127-4435-913E-5988CFA61E3B}" destId="{A03A9177-6F30-47E3-8F9F-AE984C4C55B2}" srcOrd="1" destOrd="0" presId="urn:microsoft.com/office/officeart/2005/8/layout/lProcess3"/>
+    <dgm:cxn modelId="{83388132-6B82-4F87-A657-7690732C9AB1}" type="presParOf" srcId="{D59F0FC4-4127-4435-913E-5988CFA61E3B}" destId="{B4F466BD-F413-45A2-960C-C1E1653C4C10}" srcOrd="2" destOrd="0" presId="urn:microsoft.com/office/officeart/2005/8/layout/lProcess3"/>
+    <dgm:cxn modelId="{9DD71668-6CAA-4E12-8607-C69179719457}" type="presParOf" srcId="{51003B77-5FFE-4D38-B24E-6D513F4FA35D}" destId="{F006076C-9214-4585-993E-D8E390D89EE2}" srcOrd="3" destOrd="0" presId="urn:microsoft.com/office/officeart/2005/8/layout/lProcess3"/>
+    <dgm:cxn modelId="{E953B562-E524-482E-ADEC-B5F3903A796B}" type="presParOf" srcId="{51003B77-5FFE-4D38-B24E-6D513F4FA35D}" destId="{7A483C36-C693-4967-BE96-5EEB25046737}" srcOrd="4" destOrd="0" presId="urn:microsoft.com/office/officeart/2005/8/layout/lProcess3"/>
+    <dgm:cxn modelId="{5A4BFA9E-A1E1-4EC9-A367-DE00861F1865}" type="presParOf" srcId="{7A483C36-C693-4967-BE96-5EEB25046737}" destId="{0AF5FB5D-D46E-4A96-8B4E-E396EE6C1E4E}" srcOrd="0" destOrd="0" presId="urn:microsoft.com/office/officeart/2005/8/layout/lProcess3"/>
+    <dgm:cxn modelId="{D55E518C-5EB6-4641-A746-55BE8B35EC44}" type="presParOf" srcId="{51003B77-5FFE-4D38-B24E-6D513F4FA35D}" destId="{7CEA2923-A848-4006-BB75-C6D2F26B5F0D}" srcOrd="5" destOrd="0" presId="urn:microsoft.com/office/officeart/2005/8/layout/lProcess3"/>
+    <dgm:cxn modelId="{FD158F22-7D45-4E44-8085-85668CEA036D}" type="presParOf" srcId="{51003B77-5FFE-4D38-B24E-6D513F4FA35D}" destId="{49A35E35-E39F-4597-8C5C-06EEF2AD599D}" srcOrd="6" destOrd="0" presId="urn:microsoft.com/office/officeart/2005/8/layout/lProcess3"/>
+    <dgm:cxn modelId="{397B3CD3-45E0-43F8-B4FE-93D0DE15D984}" type="presParOf" srcId="{49A35E35-E39F-4597-8C5C-06EEF2AD599D}" destId="{AA1E12C4-7D90-4C29-982C-7C6DB7E878F4}" srcOrd="0" destOrd="0" presId="urn:microsoft.com/office/officeart/2005/8/layout/lProcess3"/>
+    <dgm:cxn modelId="{1BF424A6-F5F4-4B20-B5E6-D93A4DEB19C1}" type="presParOf" srcId="{49A35E35-E39F-4597-8C5C-06EEF2AD599D}" destId="{F3483227-EF25-42B7-919A-C7E2ECC5199D}" srcOrd="1" destOrd="0" presId="urn:microsoft.com/office/officeart/2005/8/layout/lProcess3"/>
+    <dgm:cxn modelId="{42F0FECC-9277-496D-A03C-968343D31F50}" type="presParOf" srcId="{49A35E35-E39F-4597-8C5C-06EEF2AD599D}" destId="{E00DB65B-EC6D-4460-A6F2-B34471E1010C}" srcOrd="2" destOrd="0" presId="urn:microsoft.com/office/officeart/2005/8/layout/lProcess3"/>
+    <dgm:cxn modelId="{ECF24A89-6D60-4CB8-9E13-71B9F2E3F7FC}" type="presParOf" srcId="{49A35E35-E39F-4597-8C5C-06EEF2AD599D}" destId="{BA6775F9-BE6E-4DE5-83B9-F728EB1C9729}" srcOrd="3" destOrd="0" presId="urn:microsoft.com/office/officeart/2005/8/layout/lProcess3"/>
+    <dgm:cxn modelId="{8FE41C1D-C508-4D23-98EB-D9AF2CA30F93}" type="presParOf" srcId="{49A35E35-E39F-4597-8C5C-06EEF2AD599D}" destId="{DA7328CA-34CD-4E59-B743-423867F32279}" srcOrd="4" destOrd="0" presId="urn:microsoft.com/office/officeart/2005/8/layout/lProcess3"/>
+    <dgm:cxn modelId="{6C8E17A5-5F8C-41BA-9909-30D967DD5047}" type="presParOf" srcId="{49A35E35-E39F-4597-8C5C-06EEF2AD599D}" destId="{401B4D1D-E28F-4ACF-A878-6D7EC94FB514}" srcOrd="5" destOrd="0" presId="urn:microsoft.com/office/officeart/2005/8/layout/lProcess3"/>
+    <dgm:cxn modelId="{11D20F2F-B39B-43B5-8E75-9628D6649263}" type="presParOf" srcId="{49A35E35-E39F-4597-8C5C-06EEF2AD599D}" destId="{B8E9EE1B-2A64-4F2A-9B53-38E22FFCDD61}" srcOrd="6" destOrd="0" presId="urn:microsoft.com/office/officeart/2005/8/layout/lProcess3"/>
+    <dgm:cxn modelId="{B7F40F5D-B41E-47E8-AD7B-E54AB0FF8C3A}" type="presParOf" srcId="{49A35E35-E39F-4597-8C5C-06EEF2AD599D}" destId="{F5522E8A-229F-4CCF-93F9-BCF84A50E19C}" srcOrd="7" destOrd="0" presId="urn:microsoft.com/office/officeart/2005/8/layout/lProcess3"/>
+    <dgm:cxn modelId="{6C1244E9-4E4A-411D-A8A1-CC92F0CC658C}" type="presParOf" srcId="{49A35E35-E39F-4597-8C5C-06EEF2AD599D}" destId="{97DE7D96-5955-47FF-A6E1-8C623387A67B}" srcOrd="8" destOrd="0" presId="urn:microsoft.com/office/officeart/2005/8/layout/lProcess3"/>
+    <dgm:cxn modelId="{E12F4335-DEB9-4900-A9AE-BD3F05B1A1B0}" type="presParOf" srcId="{51003B77-5FFE-4D38-B24E-6D513F4FA35D}" destId="{3B568145-16D9-4AF6-9367-E7BC082B66E3}" srcOrd="7" destOrd="0" presId="urn:microsoft.com/office/officeart/2005/8/layout/lProcess3"/>
+    <dgm:cxn modelId="{F58B8642-9045-4810-AAC5-4CEAB307F780}" type="presParOf" srcId="{51003B77-5FFE-4D38-B24E-6D513F4FA35D}" destId="{49832468-8199-4702-9449-7A02ADD0F933}" srcOrd="8" destOrd="0" presId="urn:microsoft.com/office/officeart/2005/8/layout/lProcess3"/>
+    <dgm:cxn modelId="{EC079BAD-C072-48C8-A774-FF7F03904737}" type="presParOf" srcId="{49832468-8199-4702-9449-7A02ADD0F933}" destId="{BF0F67D2-D705-4DA1-B37D-23BF925473ED}" srcOrd="0" destOrd="0" presId="urn:microsoft.com/office/officeart/2005/8/layout/lProcess3"/>
+    <dgm:cxn modelId="{1E87F899-891E-4D17-A7FB-6681C6566673}" type="presParOf" srcId="{51003B77-5FFE-4D38-B24E-6D513F4FA35D}" destId="{702E1062-8672-4639-B15D-BCB0C1115158}" srcOrd="9" destOrd="0" presId="urn:microsoft.com/office/officeart/2005/8/layout/lProcess3"/>
+    <dgm:cxn modelId="{060B71F5-B960-4201-9B63-26F17AD7ABF9}" type="presParOf" srcId="{51003B77-5FFE-4D38-B24E-6D513F4FA35D}" destId="{EBB32913-D6B5-4E6A-9A84-86A432E97859}" srcOrd="10" destOrd="0" presId="urn:microsoft.com/office/officeart/2005/8/layout/lProcess3"/>
+    <dgm:cxn modelId="{3D681F5A-ED42-4AC1-814A-9AA3DE64BBBF}" type="presParOf" srcId="{EBB32913-D6B5-4E6A-9A84-86A432E97859}" destId="{57BD0BDD-5BD4-4ED7-ABD9-241618554954}" srcOrd="0" destOrd="0" presId="urn:microsoft.com/office/officeart/2005/8/layout/lProcess3"/>
+  </dgm:cxnLst>
+  <dgm:bg/>
+  <dgm:whole/>
+  <dgm:extLst>
+    <a:ext uri="http://schemas.microsoft.com/office/drawing/2008/diagram">
+      <dsp:dataModelExt xmlns:dsp="http://schemas.microsoft.com/office/drawing/2008/diagram" relId="rId6" minVer="http://schemas.openxmlformats.org/drawingml/2006/diagram"/>
+    </a:ext>
+  </dgm:extLst>
+</dgm:dataModel>
+</file>
+
+<file path=ppt/diagrams/drawing1.xml><?xml version="1.0" encoding="utf-8"?>
+<dsp:drawing xmlns:dgm="http://schemas.openxmlformats.org/drawingml/2006/diagram" xmlns:dsp="http://schemas.microsoft.com/office/drawing/2008/diagram" xmlns:a="http://schemas.openxmlformats.org/drawingml/2006/main">
+  <dsp:spTree>
+    <dsp:nvGrpSpPr>
+      <dsp:cNvPr id="0" name=""/>
+      <dsp:cNvGrpSpPr/>
+    </dsp:nvGrpSpPr>
+    <dsp:grpSpPr/>
+    <dsp:sp modelId="{7291D0F1-0C75-45BB-9AF1-3CC197D560F7}">
+      <dsp:nvSpPr>
+        <dsp:cNvPr id="0" name=""/>
+        <dsp:cNvSpPr/>
+      </dsp:nvSpPr>
+      <dsp:spPr>
+        <a:xfrm>
+          <a:off x="935537" y="1552"/>
+          <a:ext cx="1808167" cy="723266"/>
+        </a:xfrm>
+        <a:prstGeom prst="chevron">
+          <a:avLst/>
+        </a:prstGeom>
+        <a:solidFill>
+          <a:schemeClr val="accent1">
+            <a:hueOff val="0"/>
+            <a:satOff val="0"/>
+            <a:lumOff val="0"/>
+            <a:alphaOff val="0"/>
+          </a:schemeClr>
+        </a:solidFill>
+        <a:ln w="25400" cap="flat" cmpd="sng" algn="ctr">
+          <a:solidFill>
+            <a:schemeClr val="lt1">
+              <a:hueOff val="0"/>
+              <a:satOff val="0"/>
+              <a:lumOff val="0"/>
+              <a:alphaOff val="0"/>
+            </a:schemeClr>
+          </a:solidFill>
+          <a:prstDash val="solid"/>
+        </a:ln>
+        <a:effectLst/>
+      </dsp:spPr>
+      <dsp:style>
+        <a:lnRef idx="2">
+          <a:scrgbClr r="0" g="0" b="0"/>
+        </a:lnRef>
+        <a:fillRef idx="1">
+          <a:scrgbClr r="0" g="0" b="0"/>
+        </a:fillRef>
+        <a:effectRef idx="0">
+          <a:scrgbClr r="0" g="0" b="0"/>
+        </a:effectRef>
+        <a:fontRef idx="minor">
+          <a:schemeClr val="lt1"/>
+        </a:fontRef>
+      </dsp:style>
+      <dsp:txBody>
+        <a:bodyPr spcFirstLastPara="0" vert="horz" wrap="square" lIns="19050" tIns="9525" rIns="0" bIns="9525" numCol="1" spcCol="1270" anchor="ctr" anchorCtr="0">
+          <a:noAutofit/>
+        </a:bodyPr>
+        <a:lstStyle/>
+        <a:p>
+          <a:pPr lvl="0" algn="ctr" defTabSz="666750">
+            <a:lnSpc>
+              <a:spcPct val="90000"/>
+            </a:lnSpc>
+            <a:spcBef>
+              <a:spcPct val="0"/>
+            </a:spcBef>
+            <a:spcAft>
+              <a:spcPct val="35000"/>
+            </a:spcAft>
+          </a:pPr>
+          <a:r>
+            <a:rPr lang="en-US" sz="1500" kern="1200" dirty="0" smtClean="0"/>
+            <a:t>Introduction</a:t>
+          </a:r>
+          <a:endParaRPr lang="en-US" sz="1500" kern="1200" dirty="0"/>
+        </a:p>
+      </dsp:txBody>
+      <dsp:txXfrm>
+        <a:off x="1297170" y="1552"/>
+        <a:ext cx="1084901" cy="723266"/>
+      </dsp:txXfrm>
+    </dsp:sp>
+    <dsp:sp modelId="{3E55B13C-E097-4F8E-8309-7E3C9431B4CB}">
+      <dsp:nvSpPr>
+        <dsp:cNvPr id="0" name=""/>
+        <dsp:cNvSpPr/>
+      </dsp:nvSpPr>
+      <dsp:spPr>
+        <a:xfrm>
+          <a:off x="2508642" y="63030"/>
+          <a:ext cx="1500778" cy="600311"/>
+        </a:xfrm>
+        <a:prstGeom prst="chevron">
+          <a:avLst/>
+        </a:prstGeom>
+        <a:solidFill>
+          <a:schemeClr val="accent1">
+            <a:alpha val="90000"/>
+            <a:tint val="40000"/>
+            <a:hueOff val="0"/>
+            <a:satOff val="0"/>
+            <a:lumOff val="0"/>
+            <a:alphaOff val="0"/>
+          </a:schemeClr>
+        </a:solidFill>
+        <a:ln w="25400" cap="flat" cmpd="sng" algn="ctr">
+          <a:solidFill>
+            <a:schemeClr val="accent1">
+              <a:alpha val="90000"/>
+              <a:tint val="40000"/>
+              <a:hueOff val="0"/>
+              <a:satOff val="0"/>
+              <a:lumOff val="0"/>
+              <a:alphaOff val="0"/>
+            </a:schemeClr>
+          </a:solidFill>
+          <a:prstDash val="solid"/>
+        </a:ln>
+        <a:effectLst/>
+      </dsp:spPr>
+      <dsp:style>
+        <a:lnRef idx="2">
+          <a:scrgbClr r="0" g="0" b="0"/>
+        </a:lnRef>
+        <a:fillRef idx="1">
+          <a:scrgbClr r="0" g="0" b="0"/>
+        </a:fillRef>
+        <a:effectRef idx="0">
+          <a:scrgbClr r="0" g="0" b="0"/>
+        </a:effectRef>
+        <a:fontRef idx="minor"/>
+      </dsp:style>
+      <dsp:txBody>
+        <a:bodyPr spcFirstLastPara="0" vert="horz" wrap="square" lIns="16510" tIns="8255" rIns="0" bIns="8255" numCol="1" spcCol="1270" anchor="ctr" anchorCtr="0">
+          <a:noAutofit/>
+        </a:bodyPr>
+        <a:lstStyle/>
+        <a:p>
+          <a:pPr lvl="0" algn="ctr" defTabSz="577850">
+            <a:lnSpc>
+              <a:spcPct val="90000"/>
+            </a:lnSpc>
+            <a:spcBef>
+              <a:spcPct val="0"/>
+            </a:spcBef>
+            <a:spcAft>
+              <a:spcPct val="35000"/>
+            </a:spcAft>
+          </a:pPr>
+          <a:r>
+            <a:rPr lang="en-US" sz="1300" kern="1200" dirty="0" smtClean="0"/>
+            <a:t>Introducing Dead Ant</a:t>
+          </a:r>
+          <a:endParaRPr lang="en-US" sz="1300" kern="1200" dirty="0"/>
+        </a:p>
+      </dsp:txBody>
+      <dsp:txXfrm>
+        <a:off x="2808798" y="63030"/>
+        <a:ext cx="900467" cy="600311"/>
+      </dsp:txXfrm>
+    </dsp:sp>
+    <dsp:sp modelId="{1DDBDBAA-F41B-4AEC-B2E4-042D82D430A5}">
+      <dsp:nvSpPr>
+        <dsp:cNvPr id="0" name=""/>
+        <dsp:cNvSpPr/>
+      </dsp:nvSpPr>
+      <dsp:spPr>
+        <a:xfrm>
+          <a:off x="3799312" y="63030"/>
+          <a:ext cx="1500778" cy="600311"/>
+        </a:xfrm>
+        <a:prstGeom prst="chevron">
+          <a:avLst/>
+        </a:prstGeom>
+        <a:solidFill>
+          <a:schemeClr val="accent1">
+            <a:alpha val="90000"/>
+            <a:tint val="40000"/>
+            <a:hueOff val="0"/>
+            <a:satOff val="0"/>
+            <a:lumOff val="0"/>
+            <a:alphaOff val="0"/>
+          </a:schemeClr>
+        </a:solidFill>
+        <a:ln w="25400" cap="flat" cmpd="sng" algn="ctr">
+          <a:solidFill>
+            <a:schemeClr val="accent1">
+              <a:alpha val="90000"/>
+              <a:tint val="40000"/>
+              <a:hueOff val="0"/>
+              <a:satOff val="0"/>
+              <a:lumOff val="0"/>
+              <a:alphaOff val="0"/>
+            </a:schemeClr>
+          </a:solidFill>
+          <a:prstDash val="solid"/>
+        </a:ln>
+        <a:effectLst/>
+      </dsp:spPr>
+      <dsp:style>
+        <a:lnRef idx="2">
+          <a:scrgbClr r="0" g="0" b="0"/>
+        </a:lnRef>
+        <a:fillRef idx="1">
+          <a:scrgbClr r="0" g="0" b="0"/>
+        </a:fillRef>
+        <a:effectRef idx="0">
+          <a:scrgbClr r="0" g="0" b="0"/>
+        </a:effectRef>
+        <a:fontRef idx="minor"/>
+      </dsp:style>
+      <dsp:txBody>
+        <a:bodyPr spcFirstLastPara="0" vert="horz" wrap="square" lIns="16510" tIns="8255" rIns="0" bIns="8255" numCol="1" spcCol="1270" anchor="ctr" anchorCtr="0">
+          <a:noAutofit/>
+        </a:bodyPr>
+        <a:lstStyle/>
+        <a:p>
+          <a:pPr lvl="0" algn="ctr" defTabSz="577850">
+            <a:lnSpc>
+              <a:spcPct val="90000"/>
+            </a:lnSpc>
+            <a:spcBef>
+              <a:spcPct val="0"/>
+            </a:spcBef>
+            <a:spcAft>
+              <a:spcPct val="35000"/>
+            </a:spcAft>
+          </a:pPr>
+          <a:r>
+            <a:rPr lang="en-US" sz="1300" kern="1200" dirty="0" smtClean="0"/>
+            <a:t>Determining close</a:t>
+          </a:r>
+          <a:endParaRPr lang="en-US" sz="1300" kern="1200" dirty="0"/>
+        </a:p>
+      </dsp:txBody>
+      <dsp:txXfrm>
+        <a:off x="4099468" y="63030"/>
+        <a:ext cx="900467" cy="600311"/>
+      </dsp:txXfrm>
+    </dsp:sp>
+    <dsp:sp modelId="{9150DD12-F3D7-423C-B543-5AB786706483}">
+      <dsp:nvSpPr>
+        <dsp:cNvPr id="0" name=""/>
+        <dsp:cNvSpPr/>
+      </dsp:nvSpPr>
+      <dsp:spPr>
+        <a:xfrm>
+          <a:off x="5089982" y="63030"/>
+          <a:ext cx="1500778" cy="600311"/>
+        </a:xfrm>
+        <a:prstGeom prst="chevron">
+          <a:avLst/>
+        </a:prstGeom>
+        <a:solidFill>
+          <a:schemeClr val="accent1">
+            <a:alpha val="90000"/>
+            <a:tint val="40000"/>
+            <a:hueOff val="0"/>
+            <a:satOff val="0"/>
+            <a:lumOff val="0"/>
+            <a:alphaOff val="0"/>
+          </a:schemeClr>
+        </a:solidFill>
+        <a:ln w="25400" cap="flat" cmpd="sng" algn="ctr">
+          <a:solidFill>
+            <a:schemeClr val="accent1">
+              <a:alpha val="90000"/>
+              <a:tint val="40000"/>
+              <a:hueOff val="0"/>
+              <a:satOff val="0"/>
+              <a:lumOff val="0"/>
+              <a:alphaOff val="0"/>
+            </a:schemeClr>
+          </a:solidFill>
+          <a:prstDash val="solid"/>
+        </a:ln>
+        <a:effectLst/>
+      </dsp:spPr>
+      <dsp:style>
+        <a:lnRef idx="2">
+          <a:scrgbClr r="0" g="0" b="0"/>
+        </a:lnRef>
+        <a:fillRef idx="1">
+          <a:scrgbClr r="0" g="0" b="0"/>
+        </a:fillRef>
+        <a:effectRef idx="0">
+          <a:scrgbClr r="0" g="0" b="0"/>
+        </a:effectRef>
+        <a:fontRef idx="minor"/>
+      </dsp:style>
+      <dsp:txBody>
+        <a:bodyPr spcFirstLastPara="0" vert="horz" wrap="square" lIns="16510" tIns="8255" rIns="0" bIns="8255" numCol="1" spcCol="1270" anchor="ctr" anchorCtr="0">
+          <a:noAutofit/>
+        </a:bodyPr>
+        <a:lstStyle/>
+        <a:p>
+          <a:pPr lvl="0" algn="ctr" defTabSz="577850">
+            <a:lnSpc>
+              <a:spcPct val="90000"/>
+            </a:lnSpc>
+            <a:spcBef>
+              <a:spcPct val="0"/>
+            </a:spcBef>
+            <a:spcAft>
+              <a:spcPct val="35000"/>
+            </a:spcAft>
+          </a:pPr>
+          <a:r>
+            <a:rPr lang="en-US" sz="1300" kern="1200" dirty="0" smtClean="0"/>
+            <a:t>Mutation</a:t>
+          </a:r>
+          <a:endParaRPr lang="en-US" sz="1300" kern="1200" dirty="0"/>
+        </a:p>
+      </dsp:txBody>
+      <dsp:txXfrm>
+        <a:off x="5390138" y="63030"/>
+        <a:ext cx="900467" cy="600311"/>
+      </dsp:txXfrm>
+    </dsp:sp>
+    <dsp:sp modelId="{D41F4952-EBEA-460B-8173-D31828642EC3}">
+      <dsp:nvSpPr>
+        <dsp:cNvPr id="0" name=""/>
+        <dsp:cNvSpPr/>
+      </dsp:nvSpPr>
+      <dsp:spPr>
+        <a:xfrm>
+          <a:off x="6380652" y="63030"/>
+          <a:ext cx="1500778" cy="600311"/>
+        </a:xfrm>
+        <a:prstGeom prst="chevron">
+          <a:avLst/>
+        </a:prstGeom>
+        <a:solidFill>
+          <a:schemeClr val="accent1">
+            <a:alpha val="90000"/>
+            <a:tint val="40000"/>
+            <a:hueOff val="0"/>
+            <a:satOff val="0"/>
+            <a:lumOff val="0"/>
+            <a:alphaOff val="0"/>
+          </a:schemeClr>
+        </a:solidFill>
+        <a:ln w="25400" cap="flat" cmpd="sng" algn="ctr">
+          <a:solidFill>
+            <a:schemeClr val="accent1">
+              <a:alpha val="90000"/>
+              <a:tint val="40000"/>
+              <a:hueOff val="0"/>
+              <a:satOff val="0"/>
+              <a:lumOff val="0"/>
+              <a:alphaOff val="0"/>
+            </a:schemeClr>
+          </a:solidFill>
+          <a:prstDash val="solid"/>
+        </a:ln>
+        <a:effectLst/>
+      </dsp:spPr>
+      <dsp:style>
+        <a:lnRef idx="2">
+          <a:scrgbClr r="0" g="0" b="0"/>
+        </a:lnRef>
+        <a:fillRef idx="1">
+          <a:scrgbClr r="0" g="0" b="0"/>
+        </a:fillRef>
+        <a:effectRef idx="0">
+          <a:scrgbClr r="0" g="0" b="0"/>
+        </a:effectRef>
+        <a:fontRef idx="minor"/>
+      </dsp:style>
+      <dsp:txBody>
+        <a:bodyPr spcFirstLastPara="0" vert="horz" wrap="square" lIns="16510" tIns="8255" rIns="0" bIns="8255" numCol="1" spcCol="1270" anchor="ctr" anchorCtr="0">
+          <a:noAutofit/>
+        </a:bodyPr>
+        <a:lstStyle/>
+        <a:p>
+          <a:pPr lvl="0" algn="ctr" defTabSz="577850">
+            <a:lnSpc>
+              <a:spcPct val="90000"/>
+            </a:lnSpc>
+            <a:spcBef>
+              <a:spcPct val="0"/>
+            </a:spcBef>
+            <a:spcAft>
+              <a:spcPct val="35000"/>
+            </a:spcAft>
+          </a:pPr>
+          <a:r>
+            <a:rPr lang="en-US" sz="1300" kern="1200" dirty="0" smtClean="0"/>
+            <a:t>Pseudo-code</a:t>
+          </a:r>
+          <a:endParaRPr lang="en-US" sz="1300" kern="1200" dirty="0"/>
+        </a:p>
+      </dsp:txBody>
+      <dsp:txXfrm>
+        <a:off x="6680808" y="63030"/>
+        <a:ext cx="900467" cy="600311"/>
+      </dsp:txXfrm>
+    </dsp:sp>
+    <dsp:sp modelId="{5AFDEDD9-A095-4000-A90B-1BA903CD0E56}">
+      <dsp:nvSpPr>
+        <dsp:cNvPr id="0" name=""/>
+        <dsp:cNvSpPr/>
+      </dsp:nvSpPr>
+      <dsp:spPr>
+        <a:xfrm>
+          <a:off x="935537" y="826077"/>
+          <a:ext cx="1808167" cy="723266"/>
+        </a:xfrm>
+        <a:prstGeom prst="chevron">
+          <a:avLst/>
+        </a:prstGeom>
+        <a:solidFill>
+          <a:schemeClr val="accent1">
+            <a:hueOff val="0"/>
+            <a:satOff val="0"/>
+            <a:lumOff val="0"/>
+            <a:alphaOff val="0"/>
+          </a:schemeClr>
+        </a:solidFill>
+        <a:ln w="25400" cap="flat" cmpd="sng" algn="ctr">
+          <a:solidFill>
+            <a:schemeClr val="lt1">
+              <a:hueOff val="0"/>
+              <a:satOff val="0"/>
+              <a:lumOff val="0"/>
+              <a:alphaOff val="0"/>
+            </a:schemeClr>
+          </a:solidFill>
+          <a:prstDash val="solid"/>
+        </a:ln>
+        <a:effectLst/>
+      </dsp:spPr>
+      <dsp:style>
+        <a:lnRef idx="2">
+          <a:scrgbClr r="0" g="0" b="0"/>
+        </a:lnRef>
+        <a:fillRef idx="1">
+          <a:scrgbClr r="0" g="0" b="0"/>
+        </a:fillRef>
+        <a:effectRef idx="0">
+          <a:scrgbClr r="0" g="0" b="0"/>
+        </a:effectRef>
+        <a:fontRef idx="minor">
+          <a:schemeClr val="lt1"/>
+        </a:fontRef>
+      </dsp:style>
+      <dsp:txBody>
+        <a:bodyPr spcFirstLastPara="0" vert="horz" wrap="square" lIns="19050" tIns="9525" rIns="0" bIns="9525" numCol="1" spcCol="1270" anchor="ctr" anchorCtr="0">
+          <a:noAutofit/>
+        </a:bodyPr>
+        <a:lstStyle/>
+        <a:p>
+          <a:pPr lvl="0" algn="r" defTabSz="666750">
+            <a:lnSpc>
+              <a:spcPct val="90000"/>
+            </a:lnSpc>
+            <a:spcBef>
+              <a:spcPct val="0"/>
+            </a:spcBef>
+            <a:spcAft>
+              <a:spcPct val="35000"/>
+            </a:spcAft>
+          </a:pPr>
+          <a:r>
+            <a:rPr lang="en-US" sz="1500" kern="1200" dirty="0" smtClean="0"/>
+            <a:t>Comparisons</a:t>
+          </a:r>
+          <a:endParaRPr lang="en-US" sz="1500" kern="1200" dirty="0"/>
+        </a:p>
+      </dsp:txBody>
+      <dsp:txXfrm>
+        <a:off x="1297170" y="826077"/>
+        <a:ext cx="1084901" cy="723266"/>
+      </dsp:txXfrm>
+    </dsp:sp>
+    <dsp:sp modelId="{B4F466BD-F413-45A2-960C-C1E1653C4C10}">
+      <dsp:nvSpPr>
+        <dsp:cNvPr id="0" name=""/>
+        <dsp:cNvSpPr/>
+      </dsp:nvSpPr>
+      <dsp:spPr>
+        <a:xfrm>
+          <a:off x="2541939" y="887554"/>
+          <a:ext cx="4078966" cy="600311"/>
+        </a:xfrm>
+        <a:prstGeom prst="chevron">
+          <a:avLst/>
+        </a:prstGeom>
+        <a:solidFill>
+          <a:schemeClr val="accent1">
+            <a:alpha val="90000"/>
+            <a:tint val="40000"/>
+            <a:hueOff val="0"/>
+            <a:satOff val="0"/>
+            <a:lumOff val="0"/>
+            <a:alphaOff val="0"/>
+          </a:schemeClr>
+        </a:solidFill>
+        <a:ln w="25400" cap="flat" cmpd="sng" algn="ctr">
+          <a:solidFill>
+            <a:schemeClr val="accent1">
+              <a:alpha val="90000"/>
+              <a:tint val="40000"/>
+              <a:hueOff val="0"/>
+              <a:satOff val="0"/>
+              <a:lumOff val="0"/>
+              <a:alphaOff val="0"/>
+            </a:schemeClr>
+          </a:solidFill>
+          <a:prstDash val="solid"/>
+        </a:ln>
+        <a:effectLst/>
+      </dsp:spPr>
+      <dsp:style>
+        <a:lnRef idx="2">
+          <a:scrgbClr r="0" g="0" b="0"/>
+        </a:lnRef>
+        <a:fillRef idx="1">
+          <a:scrgbClr r="0" g="0" b="0"/>
+        </a:fillRef>
+        <a:effectRef idx="0">
+          <a:scrgbClr r="0" g="0" b="0"/>
+        </a:effectRef>
+        <a:fontRef idx="minor"/>
+      </dsp:style>
+      <dsp:txBody>
+        <a:bodyPr spcFirstLastPara="0" vert="horz" wrap="square" lIns="16510" tIns="8255" rIns="0" bIns="8255" numCol="1" spcCol="1270" anchor="ctr" anchorCtr="0">
+          <a:noAutofit/>
+        </a:bodyPr>
+        <a:lstStyle/>
+        <a:p>
+          <a:pPr lvl="0" algn="ctr" defTabSz="577850">
+            <a:lnSpc>
+              <a:spcPct val="90000"/>
+            </a:lnSpc>
+            <a:spcBef>
+              <a:spcPct val="0"/>
+            </a:spcBef>
+            <a:spcAft>
+              <a:spcPct val="35000"/>
+            </a:spcAft>
+          </a:pPr>
+          <a:r>
+            <a:rPr lang="en-US" sz="1300" kern="1200" dirty="0" smtClean="0"/>
+            <a:t>Dead Ant </a:t>
+          </a:r>
+          <a:r>
+            <a:rPr lang="en-US" sz="1300" kern="1200" dirty="0" smtClean="0"/>
+            <a:t>vs</a:t>
+          </a:r>
+          <a:r>
+            <a:rPr lang="en-US" sz="1300" kern="1200" dirty="0" smtClean="0"/>
+            <a:t>. </a:t>
+          </a:r>
+          <a:r>
+            <a:rPr lang="en-US" sz="1300" kern="1200" dirty="0" smtClean="0"/>
+            <a:t>Differential </a:t>
+          </a:r>
+          <a:r>
+            <a:rPr lang="en-US" sz="1300" kern="1200" dirty="0" smtClean="0"/>
+            <a:t>Evolution</a:t>
+          </a:r>
+          <a:endParaRPr lang="en-US" sz="1300" kern="1200" dirty="0"/>
+        </a:p>
+      </dsp:txBody>
+      <dsp:txXfrm>
+        <a:off x="2842095" y="887554"/>
+        <a:ext cx="3478655" cy="600311"/>
+      </dsp:txXfrm>
+    </dsp:sp>
+    <dsp:sp modelId="{0AF5FB5D-D46E-4A96-8B4E-E396EE6C1E4E}">
+      <dsp:nvSpPr>
+        <dsp:cNvPr id="0" name=""/>
+        <dsp:cNvSpPr/>
+      </dsp:nvSpPr>
+      <dsp:spPr>
+        <a:xfrm>
+          <a:off x="935537" y="1650601"/>
+          <a:ext cx="1808167" cy="723266"/>
+        </a:xfrm>
+        <a:prstGeom prst="chevron">
+          <a:avLst/>
+        </a:prstGeom>
+        <a:solidFill>
+          <a:schemeClr val="accent1">
+            <a:hueOff val="0"/>
+            <a:satOff val="0"/>
+            <a:lumOff val="0"/>
+            <a:alphaOff val="0"/>
+          </a:schemeClr>
+        </a:solidFill>
+        <a:ln w="25400" cap="flat" cmpd="sng" algn="ctr">
+          <a:solidFill>
+            <a:schemeClr val="lt1">
+              <a:hueOff val="0"/>
+              <a:satOff val="0"/>
+              <a:lumOff val="0"/>
+              <a:alphaOff val="0"/>
+            </a:schemeClr>
+          </a:solidFill>
+          <a:prstDash val="solid"/>
+        </a:ln>
+        <a:effectLst/>
+      </dsp:spPr>
+      <dsp:style>
+        <a:lnRef idx="2">
+          <a:scrgbClr r="0" g="0" b="0"/>
+        </a:lnRef>
+        <a:fillRef idx="1">
+          <a:scrgbClr r="0" g="0" b="0"/>
+        </a:fillRef>
+        <a:effectRef idx="0">
+          <a:scrgbClr r="0" g="0" b="0"/>
+        </a:effectRef>
+        <a:fontRef idx="minor">
+          <a:schemeClr val="lt1"/>
+        </a:fontRef>
+      </dsp:style>
+      <dsp:txBody>
+        <a:bodyPr spcFirstLastPara="0" vert="horz" wrap="square" lIns="19050" tIns="9525" rIns="0" bIns="9525" numCol="1" spcCol="1270" anchor="ctr" anchorCtr="0">
+          <a:noAutofit/>
+        </a:bodyPr>
+        <a:lstStyle/>
+        <a:p>
+          <a:pPr lvl="0" algn="ctr" defTabSz="666750">
+            <a:lnSpc>
+              <a:spcPct val="90000"/>
+            </a:lnSpc>
+            <a:spcBef>
+              <a:spcPct val="0"/>
+            </a:spcBef>
+            <a:spcAft>
+              <a:spcPct val="35000"/>
+            </a:spcAft>
+          </a:pPr>
+          <a:r>
+            <a:rPr lang="en-US" sz="1500" kern="1200" dirty="0" smtClean="0"/>
+            <a:t>Models</a:t>
+          </a:r>
+          <a:endParaRPr lang="en-US" sz="1500" kern="1200" dirty="0"/>
+        </a:p>
+      </dsp:txBody>
+      <dsp:txXfrm>
+        <a:off x="1297170" y="1650601"/>
+        <a:ext cx="1084901" cy="723266"/>
+      </dsp:txXfrm>
+    </dsp:sp>
+    <dsp:sp modelId="{AA1E12C4-7D90-4C29-982C-7C6DB7E878F4}">
+      <dsp:nvSpPr>
+        <dsp:cNvPr id="0" name=""/>
+        <dsp:cNvSpPr/>
+      </dsp:nvSpPr>
+      <dsp:spPr>
+        <a:xfrm>
+          <a:off x="935537" y="2475125"/>
+          <a:ext cx="1808167" cy="723266"/>
+        </a:xfrm>
+        <a:prstGeom prst="chevron">
+          <a:avLst/>
+        </a:prstGeom>
+        <a:solidFill>
+          <a:schemeClr val="accent1">
+            <a:hueOff val="0"/>
+            <a:satOff val="0"/>
+            <a:lumOff val="0"/>
+            <a:alphaOff val="0"/>
+          </a:schemeClr>
+        </a:solidFill>
+        <a:ln w="25400" cap="flat" cmpd="sng" algn="ctr">
+          <a:solidFill>
+            <a:schemeClr val="lt1">
+              <a:hueOff val="0"/>
+              <a:satOff val="0"/>
+              <a:lumOff val="0"/>
+              <a:alphaOff val="0"/>
+            </a:schemeClr>
+          </a:solidFill>
+          <a:prstDash val="solid"/>
+        </a:ln>
+        <a:effectLst/>
+      </dsp:spPr>
+      <dsp:style>
+        <a:lnRef idx="2">
+          <a:scrgbClr r="0" g="0" b="0"/>
+        </a:lnRef>
+        <a:fillRef idx="1">
+          <a:scrgbClr r="0" g="0" b="0"/>
+        </a:fillRef>
+        <a:effectRef idx="0">
+          <a:scrgbClr r="0" g="0" b="0"/>
+        </a:effectRef>
+        <a:fontRef idx="minor">
+          <a:schemeClr val="lt1"/>
+        </a:fontRef>
+      </dsp:style>
+      <dsp:txBody>
+        <a:bodyPr spcFirstLastPara="0" vert="horz" wrap="square" lIns="19050" tIns="9525" rIns="0" bIns="9525" numCol="1" spcCol="1270" anchor="ctr" anchorCtr="0">
+          <a:noAutofit/>
+        </a:bodyPr>
+        <a:lstStyle/>
+        <a:p>
+          <a:pPr lvl="0" algn="ctr" defTabSz="666750">
+            <a:lnSpc>
+              <a:spcPct val="90000"/>
+            </a:lnSpc>
+            <a:spcBef>
+              <a:spcPct val="0"/>
+            </a:spcBef>
+            <a:spcAft>
+              <a:spcPct val="35000"/>
+            </a:spcAft>
+          </a:pPr>
+          <a:r>
+            <a:rPr lang="en-US" sz="1500" kern="1200" dirty="0" smtClean="0"/>
+            <a:t>Experiments</a:t>
+          </a:r>
+          <a:endParaRPr lang="en-US" sz="1500" kern="1200" dirty="0"/>
+        </a:p>
+      </dsp:txBody>
+      <dsp:txXfrm>
+        <a:off x="1297170" y="2475125"/>
+        <a:ext cx="1084901" cy="723266"/>
+      </dsp:txXfrm>
+    </dsp:sp>
+    <dsp:sp modelId="{E00DB65B-EC6D-4460-A6F2-B34471E1010C}">
+      <dsp:nvSpPr>
+        <dsp:cNvPr id="0" name=""/>
+        <dsp:cNvSpPr/>
+      </dsp:nvSpPr>
+      <dsp:spPr>
+        <a:xfrm>
+          <a:off x="2508642" y="2536603"/>
+          <a:ext cx="1500778" cy="600311"/>
+        </a:xfrm>
+        <a:prstGeom prst="chevron">
+          <a:avLst/>
+        </a:prstGeom>
+        <a:solidFill>
+          <a:schemeClr val="accent1">
+            <a:alpha val="90000"/>
+            <a:tint val="40000"/>
+            <a:hueOff val="0"/>
+            <a:satOff val="0"/>
+            <a:lumOff val="0"/>
+            <a:alphaOff val="0"/>
+          </a:schemeClr>
+        </a:solidFill>
+        <a:ln w="25400" cap="flat" cmpd="sng" algn="ctr">
+          <a:solidFill>
+            <a:schemeClr val="accent1">
+              <a:alpha val="90000"/>
+              <a:tint val="40000"/>
+              <a:hueOff val="0"/>
+              <a:satOff val="0"/>
+              <a:lumOff val="0"/>
+              <a:alphaOff val="0"/>
+            </a:schemeClr>
+          </a:solidFill>
+          <a:prstDash val="solid"/>
+        </a:ln>
+        <a:effectLst/>
+      </dsp:spPr>
+      <dsp:style>
+        <a:lnRef idx="2">
+          <a:scrgbClr r="0" g="0" b="0"/>
+        </a:lnRef>
+        <a:fillRef idx="1">
+          <a:scrgbClr r="0" g="0" b="0"/>
+        </a:fillRef>
+        <a:effectRef idx="0">
+          <a:scrgbClr r="0" g="0" b="0"/>
+        </a:effectRef>
+        <a:fontRef idx="minor"/>
+      </dsp:style>
+      <dsp:txBody>
+        <a:bodyPr spcFirstLastPara="0" vert="horz" wrap="square" lIns="16510" tIns="8255" rIns="0" bIns="8255" numCol="1" spcCol="1270" anchor="ctr" anchorCtr="0">
+          <a:noAutofit/>
+        </a:bodyPr>
+        <a:lstStyle/>
+        <a:p>
+          <a:pPr lvl="0" algn="ctr" defTabSz="577850">
+            <a:lnSpc>
+              <a:spcPct val="90000"/>
+            </a:lnSpc>
+            <a:spcBef>
+              <a:spcPct val="0"/>
+            </a:spcBef>
+            <a:spcAft>
+              <a:spcPct val="35000"/>
+            </a:spcAft>
+          </a:pPr>
+          <a:r>
+            <a:rPr lang="en-US" sz="1300" kern="1200" dirty="0" smtClean="0"/>
+            <a:t>Objective Scores</a:t>
+          </a:r>
+          <a:endParaRPr lang="en-US" sz="1300" kern="1200" dirty="0"/>
+        </a:p>
+      </dsp:txBody>
+      <dsp:txXfrm>
+        <a:off x="2808798" y="2536603"/>
+        <a:ext cx="900467" cy="600311"/>
+      </dsp:txXfrm>
+    </dsp:sp>
+    <dsp:sp modelId="{DA7328CA-34CD-4E59-B743-423867F32279}">
+      <dsp:nvSpPr>
+        <dsp:cNvPr id="0" name=""/>
+        <dsp:cNvSpPr/>
+      </dsp:nvSpPr>
+      <dsp:spPr>
+        <a:xfrm>
+          <a:off x="3799312" y="2536603"/>
+          <a:ext cx="1500778" cy="600311"/>
+        </a:xfrm>
+        <a:prstGeom prst="chevron">
+          <a:avLst/>
+        </a:prstGeom>
+        <a:solidFill>
+          <a:schemeClr val="accent1">
+            <a:alpha val="90000"/>
+            <a:tint val="40000"/>
+            <a:hueOff val="0"/>
+            <a:satOff val="0"/>
+            <a:lumOff val="0"/>
+            <a:alphaOff val="0"/>
+          </a:schemeClr>
+        </a:solidFill>
+        <a:ln w="25400" cap="flat" cmpd="sng" algn="ctr">
+          <a:solidFill>
+            <a:schemeClr val="accent1">
+              <a:alpha val="90000"/>
+              <a:tint val="40000"/>
+              <a:hueOff val="0"/>
+              <a:satOff val="0"/>
+              <a:lumOff val="0"/>
+              <a:alphaOff val="0"/>
+            </a:schemeClr>
+          </a:solidFill>
+          <a:prstDash val="solid"/>
+        </a:ln>
+        <a:effectLst/>
+      </dsp:spPr>
+      <dsp:style>
+        <a:lnRef idx="2">
+          <a:scrgbClr r="0" g="0" b="0"/>
+        </a:lnRef>
+        <a:fillRef idx="1">
+          <a:scrgbClr r="0" g="0" b="0"/>
+        </a:fillRef>
+        <a:effectRef idx="0">
+          <a:scrgbClr r="0" g="0" b="0"/>
+        </a:effectRef>
+        <a:fontRef idx="minor"/>
+      </dsp:style>
+      <dsp:txBody>
+        <a:bodyPr spcFirstLastPara="0" vert="horz" wrap="square" lIns="16510" tIns="8255" rIns="0" bIns="8255" numCol="1" spcCol="1270" anchor="ctr" anchorCtr="0">
+          <a:noAutofit/>
+        </a:bodyPr>
+        <a:lstStyle/>
+        <a:p>
+          <a:pPr lvl="0" algn="ctr" defTabSz="577850">
+            <a:lnSpc>
+              <a:spcPct val="90000"/>
+            </a:lnSpc>
+            <a:spcBef>
+              <a:spcPct val="0"/>
+            </a:spcBef>
+            <a:spcAft>
+              <a:spcPct val="35000"/>
+            </a:spcAft>
+          </a:pPr>
+          <a:r>
+            <a:rPr lang="en-US" sz="1300" kern="1200" dirty="0" smtClean="0"/>
+            <a:t>Spread</a:t>
+          </a:r>
+          <a:endParaRPr lang="en-US" sz="1300" kern="1200" dirty="0"/>
+        </a:p>
+      </dsp:txBody>
+      <dsp:txXfrm>
+        <a:off x="4099468" y="2536603"/>
+        <a:ext cx="900467" cy="600311"/>
+      </dsp:txXfrm>
+    </dsp:sp>
+    <dsp:sp modelId="{B8E9EE1B-2A64-4F2A-9B53-38E22FFCDD61}">
+      <dsp:nvSpPr>
+        <dsp:cNvPr id="0" name=""/>
+        <dsp:cNvSpPr/>
+      </dsp:nvSpPr>
+      <dsp:spPr>
+        <a:xfrm>
+          <a:off x="5089982" y="2536603"/>
+          <a:ext cx="1500778" cy="600311"/>
+        </a:xfrm>
+        <a:prstGeom prst="chevron">
+          <a:avLst/>
+        </a:prstGeom>
+        <a:solidFill>
+          <a:schemeClr val="accent1">
+            <a:alpha val="90000"/>
+            <a:tint val="40000"/>
+            <a:hueOff val="0"/>
+            <a:satOff val="0"/>
+            <a:lumOff val="0"/>
+            <a:alphaOff val="0"/>
+          </a:schemeClr>
+        </a:solidFill>
+        <a:ln w="25400" cap="flat" cmpd="sng" algn="ctr">
+          <a:solidFill>
+            <a:schemeClr val="accent1">
+              <a:alpha val="90000"/>
+              <a:tint val="40000"/>
+              <a:hueOff val="0"/>
+              <a:satOff val="0"/>
+              <a:lumOff val="0"/>
+              <a:alphaOff val="0"/>
+            </a:schemeClr>
+          </a:solidFill>
+          <a:prstDash val="solid"/>
+        </a:ln>
+        <a:effectLst/>
+      </dsp:spPr>
+      <dsp:style>
+        <a:lnRef idx="2">
+          <a:scrgbClr r="0" g="0" b="0"/>
+        </a:lnRef>
+        <a:fillRef idx="1">
+          <a:scrgbClr r="0" g="0" b="0"/>
+        </a:fillRef>
+        <a:effectRef idx="0">
+          <a:scrgbClr r="0" g="0" b="0"/>
+        </a:effectRef>
+        <a:fontRef idx="minor"/>
+      </dsp:style>
+      <dsp:txBody>
+        <a:bodyPr spcFirstLastPara="0" vert="horz" wrap="square" lIns="16510" tIns="8255" rIns="0" bIns="8255" numCol="1" spcCol="1270" anchor="ctr" anchorCtr="0">
+          <a:noAutofit/>
+        </a:bodyPr>
+        <a:lstStyle/>
+        <a:p>
+          <a:pPr lvl="0" algn="ctr" defTabSz="577850">
+            <a:lnSpc>
+              <a:spcPct val="90000"/>
+            </a:lnSpc>
+            <a:spcBef>
+              <a:spcPct val="0"/>
+            </a:spcBef>
+            <a:spcAft>
+              <a:spcPct val="35000"/>
+            </a:spcAft>
+          </a:pPr>
+          <a:r>
+            <a:rPr lang="en-US" sz="1300" kern="1200" smtClean="0"/>
+            <a:t>Number of evaluations</a:t>
+          </a:r>
+          <a:endParaRPr lang="en-US" sz="1300" kern="1200" dirty="0"/>
+        </a:p>
+      </dsp:txBody>
+      <dsp:txXfrm>
+        <a:off x="5390138" y="2536603"/>
+        <a:ext cx="900467" cy="600311"/>
+      </dsp:txXfrm>
+    </dsp:sp>
+    <dsp:sp modelId="{97DE7D96-5955-47FF-A6E1-8C623387A67B}">
+      <dsp:nvSpPr>
+        <dsp:cNvPr id="0" name=""/>
+        <dsp:cNvSpPr/>
+      </dsp:nvSpPr>
+      <dsp:spPr>
+        <a:xfrm>
+          <a:off x="6380652" y="2536603"/>
+          <a:ext cx="1500778" cy="600311"/>
+        </a:xfrm>
+        <a:prstGeom prst="chevron">
+          <a:avLst/>
+        </a:prstGeom>
+        <a:solidFill>
+          <a:schemeClr val="accent1">
+            <a:alpha val="90000"/>
+            <a:tint val="40000"/>
+            <a:hueOff val="0"/>
+            <a:satOff val="0"/>
+            <a:lumOff val="0"/>
+            <a:alphaOff val="0"/>
+          </a:schemeClr>
+        </a:solidFill>
+        <a:ln w="25400" cap="flat" cmpd="sng" algn="ctr">
+          <a:solidFill>
+            <a:schemeClr val="accent1">
+              <a:alpha val="90000"/>
+              <a:tint val="40000"/>
+              <a:hueOff val="0"/>
+              <a:satOff val="0"/>
+              <a:lumOff val="0"/>
+              <a:alphaOff val="0"/>
+            </a:schemeClr>
+          </a:solidFill>
+          <a:prstDash val="solid"/>
+        </a:ln>
+        <a:effectLst/>
+      </dsp:spPr>
+      <dsp:style>
+        <a:lnRef idx="2">
+          <a:scrgbClr r="0" g="0" b="0"/>
+        </a:lnRef>
+        <a:fillRef idx="1">
+          <a:scrgbClr r="0" g="0" b="0"/>
+        </a:fillRef>
+        <a:effectRef idx="0">
+          <a:scrgbClr r="0" g="0" b="0"/>
+        </a:effectRef>
+        <a:fontRef idx="minor"/>
+      </dsp:style>
+      <dsp:txBody>
+        <a:bodyPr spcFirstLastPara="0" vert="horz" wrap="square" lIns="16510" tIns="8255" rIns="0" bIns="8255" numCol="1" spcCol="1270" anchor="ctr" anchorCtr="0">
+          <a:noAutofit/>
+        </a:bodyPr>
+        <a:lstStyle/>
+        <a:p>
+          <a:pPr lvl="0" algn="ctr" defTabSz="577850">
+            <a:lnSpc>
+              <a:spcPct val="90000"/>
+            </a:lnSpc>
+            <a:spcBef>
+              <a:spcPct val="0"/>
+            </a:spcBef>
+            <a:spcAft>
+              <a:spcPct val="35000"/>
+            </a:spcAft>
+          </a:pPr>
+          <a:r>
+            <a:rPr lang="en-US" sz="1300" kern="1200" dirty="0" smtClean="0"/>
+            <a:t>Run times</a:t>
+          </a:r>
+          <a:endParaRPr lang="en-US" sz="1300" kern="1200" dirty="0"/>
+        </a:p>
+      </dsp:txBody>
+      <dsp:txXfrm>
+        <a:off x="6680808" y="2536603"/>
+        <a:ext cx="900467" cy="600311"/>
+      </dsp:txXfrm>
+    </dsp:sp>
+    <dsp:sp modelId="{BF0F67D2-D705-4DA1-B37D-23BF925473ED}">
+      <dsp:nvSpPr>
+        <dsp:cNvPr id="0" name=""/>
+        <dsp:cNvSpPr/>
+      </dsp:nvSpPr>
+      <dsp:spPr>
+        <a:xfrm>
+          <a:off x="935537" y="3299649"/>
+          <a:ext cx="1808167" cy="723266"/>
+        </a:xfrm>
+        <a:prstGeom prst="chevron">
+          <a:avLst/>
+        </a:prstGeom>
+        <a:solidFill>
+          <a:schemeClr val="accent1">
+            <a:hueOff val="0"/>
+            <a:satOff val="0"/>
+            <a:lumOff val="0"/>
+            <a:alphaOff val="0"/>
+          </a:schemeClr>
+        </a:solidFill>
+        <a:ln w="25400" cap="flat" cmpd="sng" algn="ctr">
+          <a:solidFill>
+            <a:schemeClr val="lt1">
+              <a:hueOff val="0"/>
+              <a:satOff val="0"/>
+              <a:lumOff val="0"/>
+              <a:alphaOff val="0"/>
+            </a:schemeClr>
+          </a:solidFill>
+          <a:prstDash val="solid"/>
+        </a:ln>
+        <a:effectLst/>
+      </dsp:spPr>
+      <dsp:style>
+        <a:lnRef idx="2">
+          <a:scrgbClr r="0" g="0" b="0"/>
+        </a:lnRef>
+        <a:fillRef idx="1">
+          <a:scrgbClr r="0" g="0" b="0"/>
+        </a:fillRef>
+        <a:effectRef idx="0">
+          <a:scrgbClr r="0" g="0" b="0"/>
+        </a:effectRef>
+        <a:fontRef idx="minor">
+          <a:schemeClr val="lt1"/>
+        </a:fontRef>
+      </dsp:style>
+      <dsp:txBody>
+        <a:bodyPr spcFirstLastPara="0" vert="horz" wrap="square" lIns="19050" tIns="9525" rIns="0" bIns="9525" numCol="1" spcCol="1270" anchor="ctr" anchorCtr="0">
+          <a:noAutofit/>
+        </a:bodyPr>
+        <a:lstStyle/>
+        <a:p>
+          <a:pPr lvl="0" algn="ctr" defTabSz="666750">
+            <a:lnSpc>
+              <a:spcPct val="90000"/>
+            </a:lnSpc>
+            <a:spcBef>
+              <a:spcPct val="0"/>
+            </a:spcBef>
+            <a:spcAft>
+              <a:spcPct val="35000"/>
+            </a:spcAft>
+          </a:pPr>
+          <a:r>
+            <a:rPr lang="en-US" sz="1500" kern="1200" dirty="0" smtClean="0"/>
+            <a:t>Concluding Remarks</a:t>
+          </a:r>
+          <a:endParaRPr lang="en-US" sz="1500" kern="1200" dirty="0"/>
+        </a:p>
+      </dsp:txBody>
+      <dsp:txXfrm>
+        <a:off x="1297170" y="3299649"/>
+        <a:ext cx="1084901" cy="723266"/>
+      </dsp:txXfrm>
+    </dsp:sp>
+    <dsp:sp modelId="{57BD0BDD-5BD4-4ED7-ABD9-241618554954}">
+      <dsp:nvSpPr>
+        <dsp:cNvPr id="0" name=""/>
+        <dsp:cNvSpPr/>
+      </dsp:nvSpPr>
+      <dsp:spPr>
+        <a:xfrm>
+          <a:off x="935537" y="4124174"/>
+          <a:ext cx="1808167" cy="723266"/>
+        </a:xfrm>
+        <a:prstGeom prst="chevron">
+          <a:avLst/>
+        </a:prstGeom>
+        <a:solidFill>
+          <a:schemeClr val="accent1">
+            <a:hueOff val="0"/>
+            <a:satOff val="0"/>
+            <a:lumOff val="0"/>
+            <a:alphaOff val="0"/>
+          </a:schemeClr>
+        </a:solidFill>
+        <a:ln w="25400" cap="flat" cmpd="sng" algn="ctr">
+          <a:solidFill>
+            <a:schemeClr val="lt1">
+              <a:hueOff val="0"/>
+              <a:satOff val="0"/>
+              <a:lumOff val="0"/>
+              <a:alphaOff val="0"/>
+            </a:schemeClr>
+          </a:solidFill>
+          <a:prstDash val="solid"/>
+        </a:ln>
+        <a:effectLst/>
+      </dsp:spPr>
+      <dsp:style>
+        <a:lnRef idx="2">
+          <a:scrgbClr r="0" g="0" b="0"/>
+        </a:lnRef>
+        <a:fillRef idx="1">
+          <a:scrgbClr r="0" g="0" b="0"/>
+        </a:fillRef>
+        <a:effectRef idx="0">
+          <a:scrgbClr r="0" g="0" b="0"/>
+        </a:effectRef>
+        <a:fontRef idx="minor">
+          <a:schemeClr val="lt1"/>
+        </a:fontRef>
+      </dsp:style>
+      <dsp:txBody>
+        <a:bodyPr spcFirstLastPara="0" vert="horz" wrap="square" lIns="19050" tIns="9525" rIns="0" bIns="9525" numCol="1" spcCol="1270" anchor="ctr" anchorCtr="0">
+          <a:noAutofit/>
+        </a:bodyPr>
+        <a:lstStyle/>
+        <a:p>
+          <a:pPr lvl="0" algn="ctr" defTabSz="666750">
+            <a:lnSpc>
+              <a:spcPct val="90000"/>
+            </a:lnSpc>
+            <a:spcBef>
+              <a:spcPct val="0"/>
+            </a:spcBef>
+            <a:spcAft>
+              <a:spcPct val="35000"/>
+            </a:spcAft>
+          </a:pPr>
+          <a:r>
+            <a:rPr lang="en-US" sz="1500" kern="1200" dirty="0" smtClean="0"/>
+            <a:t>Questions</a:t>
+          </a:r>
+          <a:endParaRPr lang="en-US" sz="1500" kern="1200" dirty="0"/>
+        </a:p>
+      </dsp:txBody>
+      <dsp:txXfrm>
+        <a:off x="1297170" y="4124174"/>
+        <a:ext cx="1084901" cy="723266"/>
+      </dsp:txXfrm>
+    </dsp:sp>
+  </dsp:spTree>
+</dsp:drawing>
+</file>
+
+<file path=ppt/diagrams/layout1.xml><?xml version="1.0" encoding="utf-8"?>
+<dgm:layoutDef xmlns:dgm="http://schemas.openxmlformats.org/drawingml/2006/diagram" xmlns:a="http://schemas.openxmlformats.org/drawingml/2006/main" uniqueId="urn:microsoft.com/office/officeart/2005/8/layout/lProcess3">
+  <dgm:title val=""/>
+  <dgm:desc val=""/>
+  <dgm:catLst>
+    <dgm:cat type="process" pri="11000"/>
+    <dgm:cat type="convert" pri="12000"/>
+  </dgm:catLst>
+  <dgm:sampData>
+    <dgm:dataModel>
+      <dgm:ptLst>
+        <dgm:pt modelId="0" type="doc"/>
+        <dgm:pt modelId="1">
+          <dgm:prSet phldr="1"/>
+        </dgm:pt>
+        <dgm:pt modelId="11">
+          <dgm:prSet phldr="1"/>
+        </dgm:pt>
+        <dgm:pt modelId="12">
+          <dgm:prSet phldr="1"/>
+        </dgm:pt>
+        <dgm:pt modelId="2">
+          <dgm:prSet phldr="1"/>
+        </dgm:pt>
+        <dgm:pt modelId="21">
+          <dgm:prSet phldr="1"/>
+        </dgm:pt>
+        <dgm:pt modelId="22">
+          <dgm:prSet phldr="1"/>
+        </dgm:pt>
+        <dgm:pt modelId="3">
+          <dgm:prSet phldr="1"/>
+        </dgm:pt>
+        <dgm:pt modelId="31">
+          <dgm:prSet phldr="1"/>
+        </dgm:pt>
+        <dgm:pt modelId="32">
+          <dgm:prSet phldr="1"/>
+        </dgm:pt>
+      </dgm:ptLst>
+      <dgm:cxnLst>
+        <dgm:cxn modelId="4" srcId="0" destId="1" srcOrd="0" destOrd="0"/>
+        <dgm:cxn modelId="5" srcId="0" destId="2" srcOrd="1" destOrd="0"/>
+        <dgm:cxn modelId="6" srcId="0" destId="3" srcOrd="2" destOrd="0"/>
+        <dgm:cxn modelId="41" srcId="1" destId="11" srcOrd="0" destOrd="0"/>
+        <dgm:cxn modelId="42" srcId="1" destId="12" srcOrd="1" destOrd="0"/>
+        <dgm:cxn modelId="51" srcId="2" destId="21" srcOrd="0" destOrd="0"/>
+        <dgm:cxn modelId="52" srcId="2" destId="22" srcOrd="1" destOrd="0"/>
+        <dgm:cxn modelId="61" srcId="3" destId="31" srcOrd="0" destOrd="0"/>
+        <dgm:cxn modelId="62" srcId="3" destId="32" srcOrd="1" destOrd="0"/>
+      </dgm:cxnLst>
+      <dgm:bg/>
+      <dgm:whole/>
+    </dgm:dataModel>
+  </dgm:sampData>
+  <dgm:styleData>
+    <dgm:dataModel>
+      <dgm:ptLst>
+        <dgm:pt modelId="0" type="doc"/>
+        <dgm:pt modelId="1"/>
+        <dgm:pt modelId="2"/>
+      </dgm:ptLst>
+      <dgm:cxnLst>
+        <dgm:cxn modelId="4" srcId="0" destId="1" srcOrd="0" destOrd="0"/>
+        <dgm:cxn modelId="5" srcId="1" destId="2" srcOrd="0" destOrd="0"/>
+      </dgm:cxnLst>
+      <dgm:bg/>
+      <dgm:whole/>
+    </dgm:dataModel>
+  </dgm:styleData>
+  <dgm:clrData>
+    <dgm:dataModel>
+      <dgm:ptLst>
+        <dgm:pt modelId="0" type="doc"/>
+        <dgm:pt modelId="1"/>
+        <dgm:pt modelId="11"/>
+        <dgm:pt modelId="2"/>
+        <dgm:pt modelId="21"/>
+        <dgm:pt modelId="3"/>
+        <dgm:pt modelId="31"/>
+        <dgm:pt modelId="4"/>
+        <dgm:pt modelId="41"/>
+      </dgm:ptLst>
+      <dgm:cxnLst>
+        <dgm:cxn modelId="5" srcId="0" destId="1" srcOrd="0" destOrd="0"/>
+        <dgm:cxn modelId="6" srcId="0" destId="2" srcOrd="1" destOrd="0"/>
+        <dgm:cxn modelId="7" srcId="0" destId="3" srcOrd="2" destOrd="0"/>
+        <dgm:cxn modelId="8" srcId="0" destId="4" srcOrd="3" destOrd="0"/>
+        <dgm:cxn modelId="51" srcId="1" destId="11" srcOrd="0" destOrd="0"/>
+        <dgm:cxn modelId="61" srcId="2" destId="21" srcOrd="0" destOrd="0"/>
+        <dgm:cxn modelId="71" srcId="3" destId="31" srcOrd="0" destOrd="0"/>
+        <dgm:cxn modelId="81" srcId="4" destId="41" srcOrd="0" destOrd="0"/>
+      </dgm:cxnLst>
+      <dgm:bg/>
+      <dgm:whole/>
+    </dgm:dataModel>
+  </dgm:clrData>
+  <dgm:layoutNode name="Name0">
+    <dgm:varLst>
+      <dgm:chPref val="3"/>
+      <dgm:dir/>
+      <dgm:animLvl val="lvl"/>
+      <dgm:resizeHandles/>
+    </dgm:varLst>
+    <dgm:choose name="Name1">
+      <dgm:if name="Name2" func="var" arg="dir" op="equ" val="norm">
+        <dgm:alg type="lin">
+          <dgm:param type="linDir" val="fromT"/>
+          <dgm:param type="vertAlign" val="mid"/>
+          <dgm:param type="nodeHorzAlign" val="l"/>
+          <dgm:param type="nodeVertAlign" val="t"/>
+          <dgm:param type="fallback" val="2D"/>
+        </dgm:alg>
+      </dgm:if>
+      <dgm:else name="Name3">
+        <dgm:alg type="lin">
+          <dgm:param type="linDir" val="fromT"/>
+          <dgm:param type="vertAlign" val="mid"/>
+          <dgm:param type="nodeHorzAlign" val="r"/>
+          <dgm:param type="nodeVertAlign" val="t"/>
+          <dgm:param type="fallback" val="2D"/>
+        </dgm:alg>
+      </dgm:else>
+    </dgm:choose>
+    <dgm:shape xmlns:r="http://schemas.openxmlformats.org/officeDocument/2006/relationships" r:blip="">
+      <dgm:adjLst/>
+    </dgm:shape>
+    <dgm:presOf/>
+    <dgm:constrLst>
+      <dgm:constr type="w" for="des" forName="bigChev" refType="w"/>
+      <dgm:constr type="h" for="des" forName="bigChev" refType="w" refFor="des" refForName="bigChev" op="equ" fact="0.4"/>
+      <dgm:constr type="w" for="des" forName="node" refType="w" refFor="des" refForName="bigChev" fact="0.83"/>
+      <dgm:constr type="h" for="des" forName="node" refType="w" refFor="des" refForName="node" op="equ" fact="0.4"/>
+      <dgm:constr type="w" for="des" forName="parTrans" refType="w" refFor="des" refForName="bigChev" op="equ" fact="-0.13"/>
+      <dgm:constr type="w" for="des" forName="sibTrans" refType="w" refFor="des" refForName="node" op="equ" fact="-0.14"/>
+      <dgm:constr type="h" for="ch" forName="vSp" refType="h" refFor="des" refForName="bigChev" op="equ" fact="0.14"/>
+      <dgm:constr type="primFontSz" for="des" forName="node" op="equ"/>
+      <dgm:constr type="primFontSz" for="des" forName="bigChev" op="equ"/>
+    </dgm:constrLst>
+    <dgm:ruleLst/>
+    <dgm:forEach name="Name4" axis="ch" ptType="node">
+      <dgm:layoutNode name="horFlow">
+        <dgm:choose name="Name5">
+          <dgm:if name="Name6" func="var" arg="dir" op="equ" val="norm">
+            <dgm:alg type="lin">
+              <dgm:param type="linDir" val="fromL"/>
+              <dgm:param type="nodeHorzAlign" val="l"/>
+              <dgm:param type="nodeVertAlign" val="mid"/>
+              <dgm:param type="fallback" val="2D"/>
+            </dgm:alg>
+          </dgm:if>
+          <dgm:else name="Name7">
+            <dgm:alg type="lin">
+              <dgm:param type="linDir" val="fromR"/>
+              <dgm:param type="nodeHorzAlign" val="r"/>
+              <dgm:param type="nodeVertAlign" val="mid"/>
+              <dgm:param type="fallback" val="2D"/>
+            </dgm:alg>
+          </dgm:else>
+        </dgm:choose>
+        <dgm:shape xmlns:r="http://schemas.openxmlformats.org/officeDocument/2006/relationships" r:blip="">
+          <dgm:adjLst/>
+        </dgm:shape>
+        <dgm:presOf/>
+        <dgm:constrLst/>
+        <dgm:ruleLst/>
+        <dgm:layoutNode name="bigChev" styleLbl="node1">
+          <dgm:alg type="tx"/>
+          <dgm:choose name="Name8">
+            <dgm:if name="Name9" func="var" arg="dir" op="equ" val="norm">
+              <dgm:shape xmlns:r="http://schemas.openxmlformats.org/officeDocument/2006/relationships" type="chevron" r:blip="">
+                <dgm:adjLst/>
+              </dgm:shape>
+              <dgm:presOf axis="self"/>
+              <dgm:constrLst>
+                <dgm:constr type="primFontSz" val="65"/>
+                <dgm:constr type="rMarg"/>
+                <dgm:constr type="lMarg" refType="primFontSz" fact="0.1"/>
+                <dgm:constr type="tMarg" refType="primFontSz" fact="0.05"/>
+                <dgm:constr type="bMarg" refType="primFontSz" fact="0.05"/>
+              </dgm:constrLst>
+            </dgm:if>
+            <dgm:else name="Name10">
+              <dgm:shape xmlns:r="http://schemas.openxmlformats.org/officeDocument/2006/relationships" rot="180" type="chevron" r:blip="">
+                <dgm:adjLst/>
+              </dgm:shape>
+              <dgm:presOf axis="self"/>
+              <dgm:constrLst>
+                <dgm:constr type="primFontSz" val="65"/>
+                <dgm:constr type="lMarg"/>
+                <dgm:constr type="rMarg" refType="primFontSz" fact="0.1"/>
+                <dgm:constr type="tMarg" refType="primFontSz" fact="0.05"/>
+                <dgm:constr type="bMarg" refType="primFontSz" fact="0.05"/>
+              </dgm:constrLst>
+            </dgm:else>
+          </dgm:choose>
+          <dgm:ruleLst>
+            <dgm:rule type="primFontSz" val="5" fact="NaN" max="NaN"/>
+          </dgm:ruleLst>
+        </dgm:layoutNode>
+        <dgm:forEach name="parTransForEach" axis="ch" ptType="parTrans" cnt="1">
+          <dgm:layoutNode name="parTrans">
+            <dgm:alg type="sp"/>
+            <dgm:shape xmlns:r="http://schemas.openxmlformats.org/officeDocument/2006/relationships" r:blip="">
+              <dgm:adjLst/>
+            </dgm:shape>
+            <dgm:presOf/>
+            <dgm:constrLst/>
+            <dgm:ruleLst/>
+          </dgm:layoutNode>
+        </dgm:forEach>
+        <dgm:forEach name="Name11" axis="ch" ptType="node">
+          <dgm:layoutNode name="node" styleLbl="alignAccFollowNode1">
+            <dgm:varLst>
+              <dgm:bulletEnabled val="1"/>
+            </dgm:varLst>
+            <dgm:alg type="tx"/>
+            <dgm:choose name="Name12">
+              <dgm:if name="Name13" func="var" arg="dir" op="equ" val="norm">
+                <dgm:shape xmlns:r="http://schemas.openxmlformats.org/officeDocument/2006/relationships" type="chevron" r:blip="">
+                  <dgm:adjLst/>
+                </dgm:shape>
+                <dgm:presOf axis="desOrSelf" ptType="node"/>
+                <dgm:constrLst>
+                  <dgm:constr type="primFontSz" val="65"/>
+                  <dgm:constr type="rMarg"/>
+                  <dgm:constr type="lMarg" refType="primFontSz" fact="0.1"/>
+                  <dgm:constr type="tMarg" refType="primFontSz" fact="0.05"/>
+                  <dgm:constr type="bMarg" refType="primFontSz" fact="0.05"/>
+                </dgm:constrLst>
+              </dgm:if>
+              <dgm:else name="Name14">
+                <dgm:shape xmlns:r="http://schemas.openxmlformats.org/officeDocument/2006/relationships" rot="180" type="chevron" r:blip="">
+                  <dgm:adjLst/>
+                </dgm:shape>
+                <dgm:presOf axis="desOrSelf" ptType="node"/>
+                <dgm:constrLst>
+                  <dgm:constr type="primFontSz" val="65"/>
+                  <dgm:constr type="lMarg"/>
+                  <dgm:constr type="rMarg" refType="primFontSz" fact="0.1"/>
+                  <dgm:constr type="tMarg" refType="primFontSz" fact="0.05"/>
+                  <dgm:constr type="bMarg" refType="primFontSz" fact="0.05"/>
+                </dgm:constrLst>
+              </dgm:else>
+            </dgm:choose>
+            <dgm:ruleLst>
+              <dgm:rule type="primFontSz" val="5" fact="NaN" max="NaN"/>
+            </dgm:ruleLst>
+          </dgm:layoutNode>
+          <dgm:forEach name="sibTransForEach" axis="followSib" ptType="sibTrans" cnt="1">
+            <dgm:layoutNode name="sibTrans">
+              <dgm:alg type="sp"/>
+              <dgm:shape xmlns:r="http://schemas.openxmlformats.org/officeDocument/2006/relationships" r:blip="">
+                <dgm:adjLst/>
+              </dgm:shape>
+              <dgm:presOf/>
+              <dgm:constrLst/>
+              <dgm:ruleLst/>
+            </dgm:layoutNode>
+          </dgm:forEach>
+        </dgm:forEach>
+      </dgm:layoutNode>
+      <dgm:choose name="Name15">
+        <dgm:if name="Name16" axis="self" ptType="node" func="revPos" op="gte" val="2">
+          <dgm:layoutNode name="vSp">
+            <dgm:alg type="sp"/>
+            <dgm:shape xmlns:r="http://schemas.openxmlformats.org/officeDocument/2006/relationships" r:blip="">
+              <dgm:adjLst/>
+            </dgm:shape>
+            <dgm:presOf/>
+            <dgm:constrLst/>
+            <dgm:ruleLst/>
+          </dgm:layoutNode>
+        </dgm:if>
+        <dgm:else name="Name17"/>
+      </dgm:choose>
+    </dgm:forEach>
+  </dgm:layoutNode>
+</dgm:layoutDef>
+</file>
+
+<file path=ppt/diagrams/quickStyle1.xml><?xml version="1.0" encoding="utf-8"?>
+<dgm:styleDef xmlns:dgm="http://schemas.openxmlformats.org/drawingml/2006/diagram" xmlns:a="http://schemas.openxmlformats.org/drawingml/2006/main" uniqueId="urn:microsoft.com/office/officeart/2005/8/quickstyle/simple1">
+  <dgm:title val=""/>
+  <dgm:desc val=""/>
+  <dgm:catLst>
+    <dgm:cat type="simple" pri="10100"/>
+  </dgm:catLst>
+  <dgm:scene3d>
+    <a:camera prst="orthographicFront"/>
+    <a:lightRig rig="threePt" dir="t"/>
+  </dgm:scene3d>
+  <dgm:styleLbl name="node0">
+    <dgm:scene3d>
+      <a:camera prst="orthographicFront"/>
+      <a:lightRig rig="threePt" dir="t"/>
+    </dgm:scene3d>
+    <dgm:sp3d/>
+    <dgm:txPr/>
+    <dgm:style>
+      <a:lnRef idx="2">
+        <a:scrgbClr r="0" g="0" b="0"/>
+      </a:lnRef>
+      <a:fillRef idx="1">
+        <a:scrgbClr r="0" g="0" b="0"/>
+      </a:fillRef>
+      <a:effectRef idx="0">
+        <a:scrgbClr r="0" g="0" b="0"/>
+      </a:effectRef>
+      <a:fontRef idx="minor">
+        <a:schemeClr val="lt1"/>
+      </a:fontRef>
+    </dgm:style>
+  </dgm:styleLbl>
+  <dgm:styleLbl name="lnNode1">
+    <dgm:scene3d>
+      <a:camera prst="orthographicFront"/>
+      <a:lightRig rig="threePt" dir="t"/>
+    </dgm:scene3d>
+    <dgm:sp3d/>
+    <dgm:txPr/>
+    <dgm:style>
+      <a:lnRef idx="2">
+        <a:scrgbClr r="0" g="0" b="0"/>
+      </a:lnRef>
+      <a:fillRef idx="1">
+        <a:scrgbClr r="0" g="0" b="0"/>
+      </a:fillRef>
+      <a:effectRef idx="0">
+        <a:scrgbClr r="0" g="0" b="0"/>
+      </a:effectRef>
+      <a:fontRef idx="minor">
+        <a:schemeClr val="lt1"/>
+      </a:fontRef>
+    </dgm:style>
+  </dgm:styleLbl>
+  <dgm:styleLbl name="vennNode1">
+    <dgm:scene3d>
+      <a:camera prst="orthographicFront"/>
+      <a:lightRig rig="threePt" dir="t"/>
+    </dgm:scene3d>
+    <dgm:sp3d/>
+    <dgm:txPr/>
+    <dgm:style>
+      <a:lnRef idx="2">
+        <a:scrgbClr r="0" g="0" b="0"/>
+      </a:lnRef>
+      <a:fillRef idx="1">
+        <a:scrgbClr r="0" g="0" b="0"/>
+      </a:fillRef>
+      <a:effectRef idx="0">
+        <a:scrgbClr r="0" g="0" b="0"/>
+      </a:effectRef>
+      <a:fontRef idx="minor">
+        <a:schemeClr val="tx1"/>
+      </a:fontRef>
+    </dgm:style>
+  </dgm:styleLbl>
+  <dgm:styleLbl name="alignNode1">
+    <dgm:scene3d>
+      <a:camera prst="orthographicFront"/>
+      <a:lightRig rig="threePt" dir="t"/>
+    </dgm:scene3d>
+    <dgm:sp3d/>
+    <dgm:txPr/>
+    <dgm:style>
+      <a:lnRef idx="2">
+        <a:scrgbClr r="0" g="0" b="0"/>
+      </a:lnRef>
+      <a:fillRef idx="1">
+        <a:scrgbClr r="0" g="0" b="0"/>
+      </a:fillRef>
+      <a:effectRef idx="0">
+        <a:scrgbClr r="0" g="0" b="0"/>
+      </a:effectRef>
+      <a:fontRef idx="minor">
+        <a:schemeClr val="lt1"/>
+      </a:fontRef>
+    </dgm:style>
+  </dgm:styleLbl>
+  <dgm:styleLbl name="node1">
+    <dgm:scene3d>
+      <a:camera prst="orthographicFront"/>
+      <a:lightRig rig="threePt" dir="t"/>
+    </dgm:scene3d>
+    <dgm:sp3d/>
+    <dgm:txPr/>
+    <dgm:style>
+      <a:lnRef idx="2">
+        <a:scrgbClr r="0" g="0" b="0"/>
+      </a:lnRef>
+      <a:fillRef idx="1">
+        <a:scrgbClr r="0" g="0" b="0"/>
+      </a:fillRef>
+      <a:effectRef idx="0">
+        <a:scrgbClr r="0" g="0" b="0"/>
+      </a:effectRef>
+      <a:fontRef idx="minor">
+        <a:schemeClr val="lt1"/>
+      </a:fontRef>
+    </dgm:style>
+  </dgm:styleLbl>
+  <dgm:styleLbl name="node2">
+    <dgm:scene3d>
+      <a:camera prst="orthographicFront"/>
+      <a:lightRig rig="threePt" dir="t"/>
+    </dgm:scene3d>
+    <dgm:sp3d/>
+    <dgm:txPr/>
+    <dgm:style>
+      <a:lnRef idx="2">
+        <a:scrgbClr r="0" g="0" b="0"/>
+      </a:lnRef>
+      <a:fillRef idx="1">
+        <a:scrgbClr r="0" g="0" b="0"/>
+      </a:fillRef>
+      <a:effectRef idx="0">
+        <a:scrgbClr r="0" g="0" b="0"/>
+      </a:effectRef>
+      <a:fontRef idx="minor">
+        <a:schemeClr val="lt1"/>
+      </a:fontRef>
+    </dgm:style>
+  </dgm:styleLbl>
+  <dgm:styleLbl name="node3">
+    <dgm:scene3d>
+      <a:camera prst="orthographicFront"/>
+      <a:lightRig rig="threePt" dir="t"/>
+    </dgm:scene3d>
+    <dgm:sp3d/>
+    <dgm:txPr/>
+    <dgm:style>
+      <a:lnRef idx="2">
+        <a:scrgbClr r="0" g="0" b="0"/>
+      </a:lnRef>
+      <a:fillRef idx="1">
+        <a:scrgbClr r="0" g="0" b="0"/>
+      </a:fillRef>
+      <a:effectRef idx="0">
+        <a:scrgbClr r="0" g="0" b="0"/>
+      </a:effectRef>
+      <a:fontRef idx="minor">
+        <a:schemeClr val="lt1"/>
+      </a:fontRef>
+    </dgm:style>
+  </dgm:styleLbl>
+  <dgm:styleLbl name="node4">
+    <dgm:scene3d>
+      <a:camera prst="orthographicFront"/>
+      <a:lightRig rig="threePt" dir="t"/>
+    </dgm:scene3d>
+    <dgm:sp3d/>
+    <dgm:txPr/>
+    <dgm:style>
+      <a:lnRef idx="2">
+        <a:scrgbClr r="0" g="0" b="0"/>
+      </a:lnRef>
+      <a:fillRef idx="1">
+        <a:scrgbClr r="0" g="0" b="0"/>
+      </a:fillRef>
+      <a:effectRef idx="0">
+        <a:scrgbClr r="0" g="0" b="0"/>
+      </a:effectRef>
+      <a:fontRef idx="minor">
+        <a:schemeClr val="lt1"/>
+      </a:fontRef>
+    </dgm:style>
+  </dgm:styleLbl>
+  <dgm:styleLbl name="fgImgPlace1">
+    <dgm:scene3d>
+      <a:camera prst="orthographicFront"/>
+      <a:lightRig rig="threePt" dir="t"/>
+    </dgm:scene3d>
+    <dgm:sp3d/>
+    <dgm:txPr/>
+    <dgm:style>
+      <a:lnRef idx="2">
+        <a:scrgbClr r="0" g="0" b="0"/>
+      </a:lnRef>
+      <a:fillRef idx="1">
+        <a:scrgbClr r="0" g="0" b="0"/>
+      </a:fillRef>
+      <a:effectRef idx="0">
+        <a:scrgbClr r="0" g="0" b="0"/>
+      </a:effectRef>
+      <a:fontRef idx="minor"/>
+    </dgm:style>
+  </dgm:styleLbl>
+  <dgm:styleLbl name="alignImgPlace1">
+    <dgm:scene3d>
+      <a:camera prst="orthographicFront"/>
+      <a:lightRig rig="threePt" dir="t"/>
+    </dgm:scene3d>
+    <dgm:sp3d/>
+    <dgm:txPr/>
+    <dgm:style>
+      <a:lnRef idx="2">
+        <a:scrgbClr r="0" g="0" b="0"/>
+      </a:lnRef>
+      <a:fillRef idx="1">
+        <a:scrgbClr r="0" g="0" b="0"/>
+      </a:fillRef>
+      <a:effectRef idx="0">
+        <a:scrgbClr r="0" g="0" b="0"/>
+      </a:effectRef>
+      <a:fontRef idx="minor"/>
+    </dgm:style>
+  </dgm:styleLbl>
+  <dgm:styleLbl name="bgImgPlace1">
+    <dgm:scene3d>
+      <a:camera prst="orthographicFront"/>
+      <a:lightRig rig="threePt" dir="t"/>
+    </dgm:scene3d>
+    <dgm:sp3d/>
+    <dgm:txPr/>
+    <dgm:style>
+      <a:lnRef idx="2">
+        <a:scrgbClr r="0" g="0" b="0"/>
+      </a:lnRef>
+      <a:fillRef idx="1">
+        <a:scrgbClr r="0" g="0" b="0"/>
+      </a:fillRef>
+      <a:effectRef idx="0">
+        <a:scrgbClr r="0" g="0" b="0"/>
+      </a:effectRef>
+      <a:fontRef idx="minor"/>
+    </dgm:style>
+  </dgm:styleLbl>
+  <dgm:styleLbl name="sibTrans2D1">
+    <dgm:scene3d>
+      <a:camera prst="orthographicFront"/>
+      <a:lightRig rig="threePt" dir="t"/>
+    </dgm:scene3d>
+    <dgm:sp3d/>
+    <dgm:txPr/>
+    <dgm:style>
+      <a:lnRef idx="0">
+        <a:scrgbClr r="0" g="0" b="0"/>
+      </a:lnRef>
+      <a:fillRef idx="1">
+        <a:scrgbClr r="0" g="0" b="0"/>
+      </a:fillRef>
+      <a:effectRef idx="0">
+        <a:scrgbClr r="0" g="0" b="0"/>
+      </a:effectRef>
+      <a:fontRef idx="minor">
+        <a:schemeClr val="lt1"/>
+      </a:fontRef>
+    </dgm:style>
+  </dgm:styleLbl>
+  <dgm:styleLbl name="fgSibTrans2D1">
+    <dgm:scene3d>
+      <a:camera prst="orthographicFront"/>
+      <a:lightRig rig="threePt" dir="t"/>
+    </dgm:scene3d>
+    <dgm:sp3d/>
+    <dgm:txPr/>
+    <dgm:style>
+      <a:lnRef idx="0">
+        <a:scrgbClr r="0" g="0" b="0"/>
+      </a:lnRef>
+      <a:fillRef idx="1">
+        <a:scrgbClr r="0" g="0" b="0"/>
+      </a:fillRef>
+      <a:effectRef idx="0">
+        <a:scrgbClr r="0" g="0" b="0"/>
+      </a:effectRef>
+      <a:fontRef idx="minor">
+        <a:schemeClr val="lt1"/>
+      </a:fontRef>
+    </dgm:style>
+  </dgm:styleLbl>
+  <dgm:styleLbl name="bgSibTrans2D1">
+    <dgm:scene3d>
+      <a:camera prst="orthographicFront"/>
+      <a:lightRig rig="threePt" dir="t"/>
+    </dgm:scene3d>
+    <dgm:sp3d/>
+    <dgm:txPr/>
+    <dgm:style>
+      <a:lnRef idx="0">
+        <a:scrgbClr r="0" g="0" b="0"/>
+      </a:lnRef>
+      <a:fillRef idx="1">
+        <a:scrgbClr r="0" g="0" b="0"/>
+      </a:fillRef>
+      <a:effectRef idx="0">
+        <a:scrgbClr r="0" g="0" b="0"/>
+      </a:effectRef>
+      <a:fontRef idx="minor">
+        <a:schemeClr val="lt1"/>
+      </a:fontRef>
+    </dgm:style>
+  </dgm:styleLbl>
+  <dgm:styleLbl name="sibTrans1D1">
+    <dgm:scene3d>
+      <a:camera prst="orthographicFront"/>
+      <a:lightRig rig="threePt" dir="t"/>
+    </dgm:scene3d>
+    <dgm:sp3d/>
+    <dgm:txPr/>
+    <dgm:style>
+      <a:lnRef idx="1">
+        <a:scrgbClr r="0" g="0" b="0"/>
+      </a:lnRef>
+      <a:fillRef idx="0">
+        <a:scrgbClr r="0" g="0" b="0"/>
+      </a:fillRef>
+      <a:effectRef idx="0">
+        <a:scrgbClr r="0" g="0" b="0"/>
+      </a:effectRef>
+      <a:fontRef idx="minor"/>
+    </dgm:style>
+  </dgm:styleLbl>
+  <dgm:styleLbl name="callout">
+    <dgm:scene3d>
+      <a:camera prst="orthographicFront"/>
+      <a:lightRig rig="threePt" dir="t"/>
+    </dgm:scene3d>
+    <dgm:sp3d/>
+    <dgm:txPr/>
+    <dgm:style>
+      <a:lnRef idx="2">
+        <a:scrgbClr r="0" g="0" b="0"/>
+      </a:lnRef>
+      <a:fillRef idx="1">
+        <a:scrgbClr r="0" g="0" b="0"/>
+      </a:fillRef>
+      <a:effectRef idx="0">
+        <a:scrgbClr r="0" g="0" b="0"/>
+      </a:effectRef>
+      <a:fontRef idx="minor"/>
+    </dgm:style>
+  </dgm:styleLbl>
+  <dgm:styleLbl name="asst0">
+    <dgm:scene3d>
+      <a:camera prst="orthographicFront"/>
+      <a:lightRig rig="threePt" dir="t"/>
+    </dgm:scene3d>
+    <dgm:sp3d/>
+    <dgm:txPr/>
+    <dgm:style>
+      <a:lnRef idx="2">
+        <a:scrgbClr r="0" g="0" b="0"/>
+      </a:lnRef>
+      <a:fillRef idx="1">
+        <a:scrgbClr r="0" g="0" b="0"/>
+      </a:fillRef>
+      <a:effectRef idx="0">
+        <a:scrgbClr r="0" g="0" b="0"/>
+      </a:effectRef>
+      <a:fontRef idx="minor">
+        <a:schemeClr val="lt1"/>
+      </a:fontRef>
+    </dgm:style>
+  </dgm:styleLbl>
+  <dgm:styleLbl name="asst1">
+    <dgm:scene3d>
+      <a:camera prst="orthographicFront"/>
+      <a:lightRig rig="threePt" dir="t"/>
+    </dgm:scene3d>
+    <dgm:sp3d/>
+    <dgm:txPr/>
+    <dgm:style>
+      <a:lnRef idx="2">
+        <a:scrgbClr r="0" g="0" b="0"/>
+      </a:lnRef>
+      <a:fillRef idx="1">
+        <a:scrgbClr r="0" g="0" b="0"/>
+      </a:fillRef>
+      <a:effectRef idx="0">
+        <a:scrgbClr r="0" g="0" b="0"/>
+      </a:effectRef>
+      <a:fontRef idx="minor">
+        <a:schemeClr val="lt1"/>
+      </a:fontRef>
+    </dgm:style>
+  </dgm:styleLbl>
+  <dgm:styleLbl name="asst2">
+    <dgm:scene3d>
+      <a:camera prst="orthographicFront"/>
+      <a:lightRig rig="threePt" dir="t"/>
+    </dgm:scene3d>
+    <dgm:sp3d/>
+    <dgm:txPr/>
+    <dgm:style>
+      <a:lnRef idx="2">
+        <a:scrgbClr r="0" g="0" b="0"/>
+      </a:lnRef>
+      <a:fillRef idx="1">
+        <a:scrgbClr r="0" g="0" b="0"/>
+      </a:fillRef>
+      <a:effectRef idx="0">
+        <a:scrgbClr r="0" g="0" b="0"/>
+      </a:effectRef>
+      <a:fontRef idx="minor">
+        <a:schemeClr val="lt1"/>
+      </a:fontRef>
+    </dgm:style>
+  </dgm:styleLbl>
+  <dgm:styleLbl name="asst3">
+    <dgm:scene3d>
+      <a:camera prst="orthographicFront"/>
+      <a:lightRig rig="threePt" dir="t"/>
+    </dgm:scene3d>
+    <dgm:sp3d/>
+    <dgm:txPr/>
+    <dgm:style>
+      <a:lnRef idx="2">
+        <a:scrgbClr r="0" g="0" b="0"/>
+      </a:lnRef>
+      <a:fillRef idx="1">
+        <a:scrgbClr r="0" g="0" b="0"/>
+      </a:fillRef>
+      <a:effectRef idx="0">
+        <a:scrgbClr r="0" g="0" b="0"/>
+      </a:effectRef>
+      <a:fontRef idx="minor">
+        <a:schemeClr val="lt1"/>
+      </a:fontRef>
+    </dgm:style>
+  </dgm:styleLbl>
+  <dgm:styleLbl name="asst4">
+    <dgm:scene3d>
+      <a:camera prst="orthographicFront"/>
+      <a:lightRig rig="threePt" dir="t"/>
+    </dgm:scene3d>
+    <dgm:sp3d/>
+    <dgm:txPr/>
+    <dgm:style>
+      <a:lnRef idx="2">
+        <a:scrgbClr r="0" g="0" b="0"/>
+      </a:lnRef>
+      <a:fillRef idx="1">
+        <a:scrgbClr r="0" g="0" b="0"/>
+      </a:fillRef>
+      <a:effectRef idx="0">
+        <a:scrgbClr r="0" g="0" b="0"/>
+      </a:effectRef>
+      <a:fontRef idx="minor">
+        <a:schemeClr val="lt1"/>
+      </a:fontRef>
+    </dgm:style>
+  </dgm:styleLbl>
+  <dgm:styleLbl name="parChTrans2D1">
+    <dgm:scene3d>
+      <a:camera prst="orthographicFront"/>
+      <a:lightRig rig="threePt" dir="t"/>
+    </dgm:scene3d>
+    <dgm:sp3d/>
+    <dgm:txPr/>
+    <dgm:style>
+      <a:lnRef idx="2">
+        <a:scrgbClr r="0" g="0" b="0"/>
+      </a:lnRef>
+      <a:fillRef idx="1">
+        <a:scrgbClr r="0" g="0" b="0"/>
+      </a:fillRef>
+      <a:effectRef idx="0">
+        <a:scrgbClr r="0" g="0" b="0"/>
+      </a:effectRef>
+      <a:fontRef idx="minor">
+        <a:schemeClr val="lt1"/>
+      </a:fontRef>
+    </dgm:style>
+  </dgm:styleLbl>
+  <dgm:styleLbl name="parChTrans2D2">
+    <dgm:scene3d>
+      <a:camera prst="orthographicFront"/>
+      <a:lightRig rig="threePt" dir="t"/>
+    </dgm:scene3d>
+    <dgm:sp3d/>
+    <dgm:txPr/>
+    <dgm:style>
+      <a:lnRef idx="2">
+        <a:scrgbClr r="0" g="0" b="0"/>
+      </a:lnRef>
+      <a:fillRef idx="1">
+        <a:scrgbClr r="0" g="0" b="0"/>
+      </a:fillRef>
+      <a:effectRef idx="0">
+        <a:scrgbClr r="0" g="0" b="0"/>
+      </a:effectRef>
+      <a:fontRef idx="minor">
+        <a:schemeClr val="lt1"/>
+      </a:fontRef>
+    </dgm:style>
+  </dgm:styleLbl>
+  <dgm:styleLbl name="parChTrans2D3">
+    <dgm:scene3d>
+      <a:camera prst="orthographicFront"/>
+      <a:lightRig rig="threePt" dir="t"/>
+    </dgm:scene3d>
+    <dgm:sp3d/>
+    <dgm:txPr/>
+    <dgm:style>
+      <a:lnRef idx="2">
+        <a:scrgbClr r="0" g="0" b="0"/>
+      </a:lnRef>
+      <a:fillRef idx="1">
+        <a:scrgbClr r="0" g="0" b="0"/>
+      </a:fillRef>
+      <a:effectRef idx="0">
+        <a:scrgbClr r="0" g="0" b="0"/>
+      </a:effectRef>
+      <a:fontRef idx="minor">
+        <a:schemeClr val="lt1"/>
+      </a:fontRef>
+    </dgm:style>
+  </dgm:styleLbl>
+  <dgm:styleLbl name="parChTrans2D4">
+    <dgm:scene3d>
+      <a:camera prst="orthographicFront"/>
+      <a:lightRig rig="threePt" dir="t"/>
+    </dgm:scene3d>
+    <dgm:sp3d/>
+    <dgm:txPr/>
+    <dgm:style>
+      <a:lnRef idx="2">
+        <a:scrgbClr r="0" g="0" b="0"/>
+      </a:lnRef>
+      <a:fillRef idx="1">
+        <a:scrgbClr r="0" g="0" b="0"/>
+      </a:fillRef>
+      <a:effectRef idx="0">
+        <a:scrgbClr r="0" g="0" b="0"/>
+      </a:effectRef>
+      <a:fontRef idx="minor">
+        <a:schemeClr val="lt1"/>
+      </a:fontRef>
+    </dgm:style>
+  </dgm:styleLbl>
+  <dgm:styleLbl name="parChTrans1D1">
+    <dgm:scene3d>
+      <a:camera prst="orthographicFront"/>
+      <a:lightRig rig="threePt" dir="t"/>
+    </dgm:scene3d>
+    <dgm:sp3d/>
+    <dgm:txPr/>
+    <dgm:style>
+      <a:lnRef idx="2">
+        <a:scrgbClr r="0" g="0" b="0"/>
+      </a:lnRef>
+      <a:fillRef idx="0">
+        <a:scrgbClr r="0" g="0" b="0"/>
+      </a:fillRef>
+      <a:effectRef idx="0">
+        <a:scrgbClr r="0" g="0" b="0"/>
+      </a:effectRef>
+      <a:fontRef idx="minor"/>
+    </dgm:style>
+  </dgm:styleLbl>
+  <dgm:styleLbl name="parChTrans1D2">
+    <dgm:scene3d>
+      <a:camera prst="orthographicFront"/>
+      <a:lightRig rig="threePt" dir="t"/>
+    </dgm:scene3d>
+    <dgm:sp3d/>
+    <dgm:txPr/>
+    <dgm:style>
+      <a:lnRef idx="2">
+        <a:scrgbClr r="0" g="0" b="0"/>
+      </a:lnRef>
+      <a:fillRef idx="0">
+        <a:scrgbClr r="0" g="0" b="0"/>
+      </a:fillRef>
+      <a:effectRef idx="0">
+        <a:scrgbClr r="0" g="0" b="0"/>
+      </a:effectRef>
+      <a:fontRef idx="minor"/>
+    </dgm:style>
+  </dgm:styleLbl>
+  <dgm:styleLbl name="parChTrans1D3">
+    <dgm:scene3d>
+      <a:camera prst="orthographicFront"/>
+      <a:lightRig rig="threePt" dir="t"/>
+    </dgm:scene3d>
+    <dgm:sp3d/>
+    <dgm:txPr/>
+    <dgm:style>
+      <a:lnRef idx="2">
+        <a:scrgbClr r="0" g="0" b="0"/>
+      </a:lnRef>
+      <a:fillRef idx="0">
+        <a:scrgbClr r="0" g="0" b="0"/>
+      </a:fillRef>
+      <a:effectRef idx="0">
+        <a:scrgbClr r="0" g="0" b="0"/>
+      </a:effectRef>
+      <a:fontRef idx="minor"/>
+    </dgm:style>
+  </dgm:styleLbl>
+  <dgm:styleLbl name="parChTrans1D4">
+    <dgm:scene3d>
+      <a:camera prst="orthographicFront"/>
+      <a:lightRig rig="threePt" dir="t"/>
+    </dgm:scene3d>
+    <dgm:sp3d/>
+    <dgm:txPr/>
+    <dgm:style>
+      <a:lnRef idx="2">
+        <a:scrgbClr r="0" g="0" b="0"/>
+      </a:lnRef>
+      <a:fillRef idx="0">
+        <a:scrgbClr r="0" g="0" b="0"/>
+      </a:fillRef>
+      <a:effectRef idx="0">
+        <a:scrgbClr r="0" g="0" b="0"/>
+      </a:effectRef>
+      <a:fontRef idx="minor"/>
+    </dgm:style>
+  </dgm:styleLbl>
+  <dgm:styleLbl name="fgAcc1">
+    <dgm:scene3d>
+      <a:camera prst="orthographicFront"/>
+      <a:lightRig rig="threePt" dir="t"/>
+    </dgm:scene3d>
+    <dgm:sp3d/>
+    <dgm:txPr/>
+    <dgm:style>
+      <a:lnRef idx="2">
+        <a:scrgbClr r="0" g="0" b="0"/>
+      </a:lnRef>
+      <a:fillRef idx="1">
+        <a:scrgbClr r="0" g="0" b="0"/>
+      </a:fillRef>
+      <a:effectRef idx="0">
+        <a:scrgbClr r="0" g="0" b="0"/>
+      </a:effectRef>
+      <a:fontRef idx="minor"/>
+    </dgm:style>
+  </dgm:styleLbl>
+  <dgm:styleLbl name="conFgAcc1">
+    <dgm:scene3d>
+      <a:camera prst="orthographicFront"/>
+      <a:lightRig rig="threePt" dir="t"/>
+    </dgm:scene3d>
+    <dgm:sp3d/>
+    <dgm:txPr/>
+    <dgm:style>
+      <a:lnRef idx="2">
+        <a:scrgbClr r="0" g="0" b="0"/>
+      </a:lnRef>
+      <a:fillRef idx="1">
+        <a:scrgbClr r="0" g="0" b="0"/>
+      </a:fillRef>
+      <a:effectRef idx="0">
+        <a:scrgbClr r="0" g="0" b="0"/>
+      </a:effectRef>
+      <a:fontRef idx="minor"/>
+    </dgm:style>
+  </dgm:styleLbl>
+  <dgm:styleLbl name="alignAcc1">
+    <dgm:scene3d>
+      <a:camera prst="orthographicFront"/>
+      <a:lightRig rig="threePt" dir="t"/>
+    </dgm:scene3d>
+    <dgm:sp3d/>
+    <dgm:txPr/>
+    <dgm:style>
+      <a:lnRef idx="2">
+        <a:scrgbClr r="0" g="0" b="0"/>
+      </a:lnRef>
+      <a:fillRef idx="1">
+        <a:scrgbClr r="0" g="0" b="0"/>
+      </a:fillRef>
+      <a:effectRef idx="0">
+        <a:scrgbClr r="0" g="0" b="0"/>
+      </a:effectRef>
+      <a:fontRef idx="minor"/>
+    </dgm:style>
+  </dgm:styleLbl>
+  <dgm:styleLbl name="trAlignAcc1">
+    <dgm:scene3d>
+      <a:camera prst="orthographicFront"/>
+      <a:lightRig rig="threePt" dir="t"/>
+    </dgm:scene3d>
+    <dgm:sp3d/>
+    <dgm:txPr/>
+    <dgm:style>
+      <a:lnRef idx="1">
+        <a:scrgbClr r="0" g="0" b="0"/>
+      </a:lnRef>
+      <a:fillRef idx="1">
+        <a:scrgbClr r="0" g="0" b="0"/>
+      </a:fillRef>
+      <a:effectRef idx="0">
+        <a:scrgbClr r="0" g="0" b="0"/>
+      </a:effectRef>
+      <a:fontRef idx="minor"/>
+    </dgm:style>
+  </dgm:styleLbl>
+  <dgm:styleLbl name="bgAcc1">
+    <dgm:scene3d>
+      <a:camera prst="orthographicFront"/>
+      <a:lightRig rig="threePt" dir="t"/>
+    </dgm:scene3d>
+    <dgm:sp3d/>
+    <dgm:txPr/>
+    <dgm:style>
+      <a:lnRef idx="2">
+        <a:scrgbClr r="0" g="0" b="0"/>
+      </a:lnRef>
+      <a:fillRef idx="1">
+        <a:scrgbClr r="0" g="0" b="0"/>
+      </a:fillRef>
+      <a:effectRef idx="0">
+        <a:scrgbClr r="0" g="0" b="0"/>
+      </a:effectRef>
+      <a:fontRef idx="minor"/>
+    </dgm:style>
+  </dgm:styleLbl>
+  <dgm:styleLbl name="solidFgAcc1">
+    <dgm:scene3d>
+      <a:camera prst="orthographicFront"/>
+      <a:lightRig rig="threePt" dir="t"/>
+    </dgm:scene3d>
+    <dgm:sp3d/>
+    <dgm:txPr/>
+    <dgm:style>
+      <a:lnRef idx="2">
+        <a:scrgbClr r="0" g="0" b="0"/>
+      </a:lnRef>
+      <a:fillRef idx="1">
+        <a:scrgbClr r="0" g="0" b="0"/>
+      </a:fillRef>
+      <a:effectRef idx="0">
+        <a:scrgbClr r="0" g="0" b="0"/>
+      </a:effectRef>
+      <a:fontRef idx="minor"/>
+    </dgm:style>
+  </dgm:styleLbl>
+  <dgm:styleLbl name="solidAlignAcc1">
+    <dgm:scene3d>
+      <a:camera prst="orthographicFront"/>
+      <a:lightRig rig="threePt" dir="t"/>
+    </dgm:scene3d>
+    <dgm:sp3d/>
+    <dgm:txPr/>
+    <dgm:style>
+      <a:lnRef idx="2">
+        <a:scrgbClr r="0" g="0" b="0"/>
+      </a:lnRef>
+      <a:fillRef idx="1">
+        <a:scrgbClr r="0" g="0" b="0"/>
+      </a:fillRef>
+      <a:effectRef idx="0">
+        <a:scrgbClr r="0" g="0" b="0"/>
+      </a:effectRef>
+      <a:fontRef idx="minor"/>
+    </dgm:style>
+  </dgm:styleLbl>
+  <dgm:styleLbl name="solidBgAcc1">
+    <dgm:scene3d>
+      <a:camera prst="orthographicFront"/>
+      <a:lightRig rig="threePt" dir="t"/>
+    </dgm:scene3d>
+    <dgm:sp3d/>
+    <dgm:txPr/>
+    <dgm:style>
+      <a:lnRef idx="2">
+        <a:scrgbClr r="0" g="0" b="0"/>
+      </a:lnRef>
+      <a:fillRef idx="1">
+        <a:scrgbClr r="0" g="0" b="0"/>
+      </a:fillRef>
+      <a:effectRef idx="0">
+        <a:scrgbClr r="0" g="0" b="0"/>
+      </a:effectRef>
+      <a:fontRef idx="minor"/>
+    </dgm:style>
+  </dgm:styleLbl>
+  <dgm:styleLbl name="fgAccFollowNode1">
+    <dgm:scene3d>
+      <a:camera prst="orthographicFront"/>
+      <a:lightRig rig="threePt" dir="t"/>
+    </dgm:scene3d>
+    <dgm:sp3d/>
+    <dgm:txPr/>
+    <dgm:style>
+      <a:lnRef idx="2">
+        <a:scrgbClr r="0" g="0" b="0"/>
+      </a:lnRef>
+      <a:fillRef idx="1">
+        <a:scrgbClr r="0" g="0" b="0"/>
+      </a:fillRef>
+      <a:effectRef idx="0">
+        <a:scrgbClr r="0" g="0" b="0"/>
+      </a:effectRef>
+      <a:fontRef idx="minor"/>
+    </dgm:style>
+  </dgm:styleLbl>
+  <dgm:styleLbl name="alignAccFollowNode1">
+    <dgm:scene3d>
+      <a:camera prst="orthographicFront"/>
+      <a:lightRig rig="threePt" dir="t"/>
+    </dgm:scene3d>
+    <dgm:sp3d/>
+    <dgm:txPr/>
+    <dgm:style>
+      <a:lnRef idx="2">
+        <a:scrgbClr r="0" g="0" b="0"/>
+      </a:lnRef>
+      <a:fillRef idx="1">
+        <a:scrgbClr r="0" g="0" b="0"/>
+      </a:fillRef>
+      <a:effectRef idx="0">
+        <a:scrgbClr r="0" g="0" b="0"/>
+      </a:effectRef>
+      <a:fontRef idx="minor"/>
+    </dgm:style>
+  </dgm:styleLbl>
+  <dgm:styleLbl name="bgAccFollowNode1">
+    <dgm:scene3d>
+      <a:camera prst="orthographicFront"/>
+      <a:lightRig rig="threePt" dir="t"/>
+    </dgm:scene3d>
+    <dgm:sp3d/>
+    <dgm:txPr/>
+    <dgm:style>
+      <a:lnRef idx="2">
+        <a:scrgbClr r="0" g="0" b="0"/>
+      </a:lnRef>
+      <a:fillRef idx="1">
+        <a:scrgbClr r="0" g="0" b="0"/>
+      </a:fillRef>
+      <a:effectRef idx="0">
+        <a:scrgbClr r="0" g="0" b="0"/>
+      </a:effectRef>
+      <a:fontRef idx="minor"/>
+    </dgm:style>
+  </dgm:styleLbl>
+  <dgm:styleLbl name="fgAcc0">
+    <dgm:scene3d>
+      <a:camera prst="orthographicFront"/>
+      <a:lightRig rig="threePt" dir="t"/>
+    </dgm:scene3d>
+    <dgm:sp3d/>
+    <dgm:txPr/>
+    <dgm:style>
+      <a:lnRef idx="2">
+        <a:scrgbClr r="0" g="0" b="0"/>
+      </a:lnRef>
+      <a:fillRef idx="1">
+        <a:scrgbClr r="0" g="0" b="0"/>
+      </a:fillRef>
+      <a:effectRef idx="0">
+        <a:scrgbClr r="0" g="0" b="0"/>
+      </a:effectRef>
+      <a:fontRef idx="minor"/>
+    </dgm:style>
+  </dgm:styleLbl>
+  <dgm:styleLbl name="fgAcc2">
+    <dgm:scene3d>
+      <a:camera prst="orthographicFront"/>
+      <a:lightRig rig="threePt" dir="t"/>
+    </dgm:scene3d>
+    <dgm:sp3d/>
+    <dgm:txPr/>
+    <dgm:style>
+      <a:lnRef idx="2">
+        <a:scrgbClr r="0" g="0" b="0"/>
+      </a:lnRef>
+      <a:fillRef idx="1">
+        <a:scrgbClr r="0" g="0" b="0"/>
+      </a:fillRef>
+      <a:effectRef idx="0">
+        <a:scrgbClr r="0" g="0" b="0"/>
+      </a:effectRef>
+      <a:fontRef idx="minor"/>
+    </dgm:style>
+  </dgm:styleLbl>
+  <dgm:styleLbl name="fgAcc3">
+    <dgm:scene3d>
+      <a:camera prst="orthographicFront"/>
+      <a:lightRig rig="threePt" dir="t"/>
+    </dgm:scene3d>
+    <dgm:sp3d/>
+    <dgm:txPr/>
+    <dgm:style>
+      <a:lnRef idx="2">
+        <a:scrgbClr r="0" g="0" b="0"/>
+      </a:lnRef>
+      <a:fillRef idx="1">
+        <a:scrgbClr r="0" g="0" b="0"/>
+      </a:fillRef>
+      <a:effectRef idx="0">
+        <a:scrgbClr r="0" g="0" b="0"/>
+      </a:effectRef>
+      <a:fontRef idx="minor"/>
+    </dgm:style>
+  </dgm:styleLbl>
+  <dgm:styleLbl name="fgAcc4">
+    <dgm:scene3d>
+      <a:camera prst="orthographicFront"/>
+      <a:lightRig rig="threePt" dir="t"/>
+    </dgm:scene3d>
+    <dgm:sp3d/>
+    <dgm:txPr/>
+    <dgm:style>
+      <a:lnRef idx="2">
+        <a:scrgbClr r="0" g="0" b="0"/>
+      </a:lnRef>
+      <a:fillRef idx="1">
+        <a:scrgbClr r="0" g="0" b="0"/>
+      </a:fillRef>
+      <a:effectRef idx="0">
+        <a:scrgbClr r="0" g="0" b="0"/>
+      </a:effectRef>
+      <a:fontRef idx="minor"/>
+    </dgm:style>
+  </dgm:styleLbl>
+  <dgm:styleLbl name="bgShp">
+    <dgm:scene3d>
+      <a:camera prst="orthographicFront"/>
+      <a:lightRig rig="threePt" dir="t"/>
+    </dgm:scene3d>
+    <dgm:sp3d/>
+    <dgm:txPr/>
+    <dgm:style>
+      <a:lnRef idx="0">
+        <a:scrgbClr r="0" g="0" b="0"/>
+      </a:lnRef>
+      <a:fillRef idx="1">
+        <a:scrgbClr r="0" g="0" b="0"/>
+      </a:fillRef>
+      <a:effectRef idx="0">
+        <a:scrgbClr r="0" g="0" b="0"/>
+      </a:effectRef>
+      <a:fontRef idx="minor"/>
+    </dgm:style>
+  </dgm:styleLbl>
+  <dgm:styleLbl name="dkBgShp">
+    <dgm:scene3d>
+      <a:camera prst="orthographicFront"/>
+      <a:lightRig rig="threePt" dir="t"/>
+    </dgm:scene3d>
+    <dgm:sp3d/>
+    <dgm:txPr/>
+    <dgm:style>
+      <a:lnRef idx="0">
+        <a:scrgbClr r="0" g="0" b="0"/>
+      </a:lnRef>
+      <a:fillRef idx="1">
+        <a:scrgbClr r="0" g="0" b="0"/>
+      </a:fillRef>
+      <a:effectRef idx="0">
+        <a:scrgbClr r="0" g="0" b="0"/>
+      </a:effectRef>
+      <a:fontRef idx="minor"/>
+    </dgm:style>
+  </dgm:styleLbl>
+  <dgm:styleLbl name="trBgShp">
+    <dgm:scene3d>
+      <a:camera prst="orthographicFront"/>
+      <a:lightRig rig="threePt" dir="t"/>
+    </dgm:scene3d>
+    <dgm:sp3d/>
+    <dgm:txPr/>
+    <dgm:style>
+      <a:lnRef idx="0">
+        <a:scrgbClr r="0" g="0" b="0"/>
+      </a:lnRef>
+      <a:fillRef idx="1">
+        <a:scrgbClr r="0" g="0" b="0"/>
+      </a:fillRef>
+      <a:effectRef idx="0">
+        <a:scrgbClr r="0" g="0" b="0"/>
+      </a:effectRef>
+      <a:fontRef idx="minor"/>
+    </dgm:style>
+  </dgm:styleLbl>
+  <dgm:styleLbl name="fgShp">
+    <dgm:scene3d>
+      <a:camera prst="orthographicFront"/>
+      <a:lightRig rig="threePt" dir="t"/>
+    </dgm:scene3d>
+    <dgm:sp3d/>
+    <dgm:txPr/>
+    <dgm:style>
+      <a:lnRef idx="2">
+        <a:scrgbClr r="0" g="0" b="0"/>
+      </a:lnRef>
+      <a:fillRef idx="1">
+        <a:scrgbClr r="0" g="0" b="0"/>
+      </a:fillRef>
+      <a:effectRef idx="0">
+        <a:scrgbClr r="0" g="0" b="0"/>
+      </a:effectRef>
+      <a:fontRef idx="minor"/>
+    </dgm:style>
+  </dgm:styleLbl>
+  <dgm:styleLbl name="revTx">
+    <dgm:scene3d>
+      <a:camera prst="orthographicFront"/>
+      <a:lightRig rig="threePt" dir="t"/>
+    </dgm:scene3d>
+    <dgm:sp3d/>
+    <dgm:txPr/>
+    <dgm:style>
+      <a:lnRef idx="0">
+        <a:scrgbClr r="0" g="0" b="0"/>
+      </a:lnRef>
+      <a:fillRef idx="0">
+        <a:scrgbClr r="0" g="0" b="0"/>
+      </a:fillRef>
+      <a:effectRef idx="0">
+        <a:scrgbClr r="0" g="0" b="0"/>
+      </a:effectRef>
+      <a:fontRef idx="minor"/>
+    </dgm:style>
+  </dgm:styleLbl>
+</dgm:styleDef>
 </file>
 
 <file path=ppt/notesMasters/notesMaster1.xml><?xml version="1.0" encoding="utf-8"?>
@@ -206,7 +4407,7 @@
           <a:p>
             <a:fld id="{4A418F25-DBF2-5D47-BF7D-3E1246D05D66}" type="datetimeFigureOut">
               <a:rPr lang="en-US" smtClean="0"/>
-              <a:t>11/24/14</a:t>
+              <a:t>11/24/2014</a:t>
             </a:fld>
             <a:endParaRPr lang="en-US"/>
           </a:p>
@@ -539,7 +4740,7 @@
           <a:p>
             <a:fld id="{43AA419B-D3AB-F049-9FFF-080EAE3F7483}" type="slidenum">
               <a:rPr lang="en-US" smtClean="0"/>
-              <a:t>8</a:t>
+              <a:t>9</a:t>
             </a:fld>
             <a:endParaRPr lang="en-US"/>
           </a:p>
@@ -739,7 +4940,7 @@
           <a:p>
             <a:fld id="{54AB02A5-4FE5-49D9-9E24-09F23B90C450}" type="datetimeFigureOut">
               <a:rPr lang="en-US" smtClean="0"/>
-              <a:t>11/24/14</a:t>
+              <a:t>11/24/2014</a:t>
             </a:fld>
             <a:endParaRPr lang="en-US"/>
           </a:p>
@@ -790,7 +4991,7 @@
     </p:spTree>
     <p:extLst>
       <p:ext uri="{BB962C8B-B14F-4D97-AF65-F5344CB8AC3E}">
-        <p14:creationId xmlns:p14="http://schemas.microsoft.com/office/powerpoint/2010/main" val="4249808863"/>
+        <p14:creationId xmlns:p14="http://schemas.microsoft.com/office/powerpoint/2010/main" val="1099594605"/>
       </p:ext>
     </p:extLst>
   </p:cSld>
@@ -909,7 +5110,7 @@
           <a:p>
             <a:fld id="{13BDF08C-7249-C14D-86C9-62C9DA13C634}" type="datetimeFigureOut">
               <a:rPr lang="en-US" smtClean="0"/>
-              <a:t>11/24/14</a:t>
+              <a:t>11/24/2014</a:t>
             </a:fld>
             <a:endParaRPr lang="en-US"/>
           </a:p>
@@ -960,7 +5161,7 @@
     </p:spTree>
     <p:extLst>
       <p:ext uri="{BB962C8B-B14F-4D97-AF65-F5344CB8AC3E}">
-        <p14:creationId xmlns:p14="http://schemas.microsoft.com/office/powerpoint/2010/main" val="2580872794"/>
+        <p14:creationId xmlns:p14="http://schemas.microsoft.com/office/powerpoint/2010/main" val="4288632153"/>
       </p:ext>
     </p:extLst>
   </p:cSld>
@@ -1089,7 +5290,7 @@
           <a:p>
             <a:fld id="{13BDF08C-7249-C14D-86C9-62C9DA13C634}" type="datetimeFigureOut">
               <a:rPr lang="en-US" smtClean="0"/>
-              <a:t>11/24/14</a:t>
+              <a:t>11/24/2014</a:t>
             </a:fld>
             <a:endParaRPr lang="en-US"/>
           </a:p>
@@ -1140,7 +5341,7 @@
     </p:spTree>
     <p:extLst>
       <p:ext uri="{BB962C8B-B14F-4D97-AF65-F5344CB8AC3E}">
-        <p14:creationId xmlns:p14="http://schemas.microsoft.com/office/powerpoint/2010/main" val="3144469268"/>
+        <p14:creationId xmlns:p14="http://schemas.microsoft.com/office/powerpoint/2010/main" val="2363095796"/>
       </p:ext>
     </p:extLst>
   </p:cSld>
@@ -1259,7 +5460,7 @@
           <a:p>
             <a:fld id="{13BDF08C-7249-C14D-86C9-62C9DA13C634}" type="datetimeFigureOut">
               <a:rPr lang="en-US" smtClean="0"/>
-              <a:t>11/24/14</a:t>
+              <a:t>11/24/2014</a:t>
             </a:fld>
             <a:endParaRPr lang="en-US"/>
           </a:p>
@@ -1310,7 +5511,7 @@
     </p:spTree>
     <p:extLst>
       <p:ext uri="{BB962C8B-B14F-4D97-AF65-F5344CB8AC3E}">
-        <p14:creationId xmlns:p14="http://schemas.microsoft.com/office/powerpoint/2010/main" val="2270501203"/>
+        <p14:creationId xmlns:p14="http://schemas.microsoft.com/office/powerpoint/2010/main" val="247529304"/>
       </p:ext>
     </p:extLst>
   </p:cSld>
@@ -1505,7 +5706,7 @@
           <a:p>
             <a:fld id="{54AB02A5-4FE5-49D9-9E24-09F23B90C450}" type="datetimeFigureOut">
               <a:rPr lang="en-US" smtClean="0"/>
-              <a:t>11/24/14</a:t>
+              <a:t>11/24/2014</a:t>
             </a:fld>
             <a:endParaRPr lang="en-US"/>
           </a:p>
@@ -1556,7 +5757,7 @@
     </p:spTree>
     <p:extLst>
       <p:ext uri="{BB962C8B-B14F-4D97-AF65-F5344CB8AC3E}">
-        <p14:creationId xmlns:p14="http://schemas.microsoft.com/office/powerpoint/2010/main" val="2906865622"/>
+        <p14:creationId xmlns:p14="http://schemas.microsoft.com/office/powerpoint/2010/main" val="3645866840"/>
       </p:ext>
     </p:extLst>
   </p:cSld>
@@ -1793,7 +5994,7 @@
           <a:p>
             <a:fld id="{13BDF08C-7249-C14D-86C9-62C9DA13C634}" type="datetimeFigureOut">
               <a:rPr lang="en-US" smtClean="0"/>
-              <a:t>11/24/14</a:t>
+              <a:t>11/24/2014</a:t>
             </a:fld>
             <a:endParaRPr lang="en-US"/>
           </a:p>
@@ -1844,7 +6045,7 @@
     </p:spTree>
     <p:extLst>
       <p:ext uri="{BB962C8B-B14F-4D97-AF65-F5344CB8AC3E}">
-        <p14:creationId xmlns:p14="http://schemas.microsoft.com/office/powerpoint/2010/main" val="457551085"/>
+        <p14:creationId xmlns:p14="http://schemas.microsoft.com/office/powerpoint/2010/main" val="3748564493"/>
       </p:ext>
     </p:extLst>
   </p:cSld>
@@ -2215,7 +6416,7 @@
           <a:p>
             <a:fld id="{13BDF08C-7249-C14D-86C9-62C9DA13C634}" type="datetimeFigureOut">
               <a:rPr lang="en-US" smtClean="0"/>
-              <a:t>11/24/14</a:t>
+              <a:t>11/24/2014</a:t>
             </a:fld>
             <a:endParaRPr lang="en-US"/>
           </a:p>
@@ -2266,7 +6467,7 @@
     </p:spTree>
     <p:extLst>
       <p:ext uri="{BB962C8B-B14F-4D97-AF65-F5344CB8AC3E}">
-        <p14:creationId xmlns:p14="http://schemas.microsoft.com/office/powerpoint/2010/main" val="4121719287"/>
+        <p14:creationId xmlns:p14="http://schemas.microsoft.com/office/powerpoint/2010/main" val="323685003"/>
       </p:ext>
     </p:extLst>
   </p:cSld>
@@ -2333,7 +6534,7 @@
           <a:p>
             <a:fld id="{13BDF08C-7249-C14D-86C9-62C9DA13C634}" type="datetimeFigureOut">
               <a:rPr lang="en-US" smtClean="0"/>
-              <a:t>11/24/14</a:t>
+              <a:t>11/24/2014</a:t>
             </a:fld>
             <a:endParaRPr lang="en-US"/>
           </a:p>
@@ -2384,7 +6585,7 @@
     </p:spTree>
     <p:extLst>
       <p:ext uri="{BB962C8B-B14F-4D97-AF65-F5344CB8AC3E}">
-        <p14:creationId xmlns:p14="http://schemas.microsoft.com/office/powerpoint/2010/main" val="3762458025"/>
+        <p14:creationId xmlns:p14="http://schemas.microsoft.com/office/powerpoint/2010/main" val="3627611774"/>
       </p:ext>
     </p:extLst>
   </p:cSld>
@@ -2428,7 +6629,7 @@
           <a:p>
             <a:fld id="{13BDF08C-7249-C14D-86C9-62C9DA13C634}" type="datetimeFigureOut">
               <a:rPr lang="en-US" smtClean="0"/>
-              <a:t>11/24/14</a:t>
+              <a:t>11/24/2014</a:t>
             </a:fld>
             <a:endParaRPr lang="en-US"/>
           </a:p>
@@ -2479,7 +6680,7 @@
     </p:spTree>
     <p:extLst>
       <p:ext uri="{BB962C8B-B14F-4D97-AF65-F5344CB8AC3E}">
-        <p14:creationId xmlns:p14="http://schemas.microsoft.com/office/powerpoint/2010/main" val="1553495620"/>
+        <p14:creationId xmlns:p14="http://schemas.microsoft.com/office/powerpoint/2010/main" val="3951503113"/>
       </p:ext>
     </p:extLst>
   </p:cSld>
@@ -2705,7 +6906,7 @@
           <a:p>
             <a:fld id="{13BDF08C-7249-C14D-86C9-62C9DA13C634}" type="datetimeFigureOut">
               <a:rPr lang="en-US" smtClean="0"/>
-              <a:t>11/24/14</a:t>
+              <a:t>11/24/2014</a:t>
             </a:fld>
             <a:endParaRPr lang="en-US"/>
           </a:p>
@@ -2756,7 +6957,7 @@
     </p:spTree>
     <p:extLst>
       <p:ext uri="{BB962C8B-B14F-4D97-AF65-F5344CB8AC3E}">
-        <p14:creationId xmlns:p14="http://schemas.microsoft.com/office/powerpoint/2010/main" val="3038305800"/>
+        <p14:creationId xmlns:p14="http://schemas.microsoft.com/office/powerpoint/2010/main" val="650750928"/>
       </p:ext>
     </p:extLst>
   </p:cSld>
@@ -2872,6 +7073,10 @@
             </a:lvl9pPr>
           </a:lstStyle>
           <a:p>
+            <a:r>
+              <a:rPr lang="en-US" smtClean="0"/>
+              <a:t>Click icon to add picture</a:t>
+            </a:r>
             <a:endParaRPr lang="en-US"/>
           </a:p>
         </p:txBody>
@@ -2958,7 +7163,7 @@
           <a:p>
             <a:fld id="{13BDF08C-7249-C14D-86C9-62C9DA13C634}" type="datetimeFigureOut">
               <a:rPr lang="en-US" smtClean="0"/>
-              <a:t>11/24/14</a:t>
+              <a:t>11/24/2014</a:t>
             </a:fld>
             <a:endParaRPr lang="en-US"/>
           </a:p>
@@ -3009,7 +7214,7 @@
     </p:spTree>
     <p:extLst>
       <p:ext uri="{BB962C8B-B14F-4D97-AF65-F5344CB8AC3E}">
-        <p14:creationId xmlns:p14="http://schemas.microsoft.com/office/powerpoint/2010/main" val="3167176308"/>
+        <p14:creationId xmlns:p14="http://schemas.microsoft.com/office/powerpoint/2010/main" val="1139143630"/>
       </p:ext>
     </p:extLst>
   </p:cSld>
@@ -3137,35 +7342,35 @@
           <a:p>
             <a:pPr lvl="0"/>
             <a:r>
-              <a:rPr lang="en-US" dirty="0" smtClean="0"/>
+              <a:rPr lang="en-US" smtClean="0"/>
               <a:t>Click to edit Master text styles</a:t>
             </a:r>
           </a:p>
           <a:p>
             <a:pPr lvl="1"/>
             <a:r>
-              <a:rPr lang="en-US" dirty="0" smtClean="0"/>
+              <a:rPr lang="en-US" smtClean="0"/>
               <a:t>Second level</a:t>
             </a:r>
           </a:p>
           <a:p>
             <a:pPr lvl="2"/>
             <a:r>
-              <a:rPr lang="en-US" dirty="0" smtClean="0"/>
+              <a:rPr lang="en-US" smtClean="0"/>
               <a:t>Third level</a:t>
             </a:r>
           </a:p>
           <a:p>
             <a:pPr lvl="3"/>
             <a:r>
-              <a:rPr lang="en-US" dirty="0" smtClean="0"/>
+              <a:rPr lang="en-US" smtClean="0"/>
               <a:t>Fourth level</a:t>
             </a:r>
           </a:p>
           <a:p>
             <a:pPr lvl="4"/>
             <a:r>
-              <a:rPr lang="en-US" dirty="0" smtClean="0"/>
+              <a:rPr lang="en-US" smtClean="0"/>
               <a:t>Fifth level</a:t>
             </a:r>
             <a:endParaRPr lang="en-US" dirty="0"/>
@@ -3207,7 +7412,7 @@
           <a:p>
             <a:fld id="{13BDF08C-7249-C14D-86C9-62C9DA13C634}" type="datetimeFigureOut">
               <a:rPr lang="en-US" smtClean="0"/>
-              <a:t>11/24/14</a:t>
+              <a:t>11/24/2014</a:t>
             </a:fld>
             <a:endParaRPr lang="en-US"/>
           </a:p>
@@ -3294,23 +7499,23 @@
     </p:spTree>
     <p:extLst>
       <p:ext uri="{BB962C8B-B14F-4D97-AF65-F5344CB8AC3E}">
-        <p14:creationId xmlns:p14="http://schemas.microsoft.com/office/powerpoint/2010/main" val="3457539275"/>
+        <p14:creationId xmlns:p14="http://schemas.microsoft.com/office/powerpoint/2010/main" val="3592581974"/>
       </p:ext>
     </p:extLst>
   </p:cSld>
   <p:clrMap bg1="lt1" tx1="dk1" bg2="lt2" tx2="dk2" accent1="accent1" accent2="accent2" accent3="accent3" accent4="accent4" accent5="accent5" accent6="accent6" hlink="hlink" folHlink="folHlink"/>
   <p:sldLayoutIdLst>
-    <p:sldLayoutId id="2147484018" r:id="rId1"/>
-    <p:sldLayoutId id="2147484019" r:id="rId2"/>
-    <p:sldLayoutId id="2147484020" r:id="rId3"/>
-    <p:sldLayoutId id="2147484021" r:id="rId4"/>
-    <p:sldLayoutId id="2147484022" r:id="rId5"/>
-    <p:sldLayoutId id="2147484023" r:id="rId6"/>
-    <p:sldLayoutId id="2147484024" r:id="rId7"/>
-    <p:sldLayoutId id="2147484025" r:id="rId8"/>
-    <p:sldLayoutId id="2147484026" r:id="rId9"/>
-    <p:sldLayoutId id="2147484027" r:id="rId10"/>
-    <p:sldLayoutId id="2147484028" r:id="rId11"/>
+    <p:sldLayoutId id="2147484042" r:id="rId1"/>
+    <p:sldLayoutId id="2147484043" r:id="rId2"/>
+    <p:sldLayoutId id="2147484044" r:id="rId3"/>
+    <p:sldLayoutId id="2147484045" r:id="rId4"/>
+    <p:sldLayoutId id="2147484046" r:id="rId5"/>
+    <p:sldLayoutId id="2147484047" r:id="rId6"/>
+    <p:sldLayoutId id="2147484048" r:id="rId7"/>
+    <p:sldLayoutId id="2147484049" r:id="rId8"/>
+    <p:sldLayoutId id="2147484050" r:id="rId9"/>
+    <p:sldLayoutId id="2147484051" r:id="rId10"/>
+    <p:sldLayoutId id="2147484052" r:id="rId11"/>
   </p:sldLayoutIdLst>
   <p:txStyles>
     <p:titleStyle>
@@ -3661,6 +7866,13 @@
   <p:clrMapOvr>
     <a:masterClrMapping/>
   </p:clrMapOvr>
+  <p:timing>
+    <p:tnLst>
+      <p:par>
+        <p:cTn id="1" dur="indefinite" restart="never" nodeType="tmRoot"/>
+      </p:par>
+    </p:tnLst>
+  </p:timing>
 </p:sld>
 </file>
 
@@ -3733,6 +7945,13 @@
   <p:clrMapOvr>
     <a:masterClrMapping/>
   </p:clrMapOvr>
+  <p:timing>
+    <p:tnLst>
+      <p:par>
+        <p:cTn id="1" dur="indefinite" restart="never" nodeType="tmRoot"/>
+      </p:par>
+    </p:tnLst>
+  </p:timing>
 </p:sld>
 </file>
 
@@ -3805,6 +8024,13 @@
   <p:clrMapOvr>
     <a:masterClrMapping/>
   </p:clrMapOvr>
+  <p:timing>
+    <p:tnLst>
+      <p:par>
+        <p:cTn id="1" dur="indefinite" restart="never" nodeType="tmRoot"/>
+      </p:par>
+    </p:tnLst>
+  </p:timing>
 </p:sld>
 </file>
 
@@ -5602,6 +9828,13 @@
   <p:clrMapOvr>
     <a:masterClrMapping/>
   </p:clrMapOvr>
+  <p:timing>
+    <p:tnLst>
+      <p:par>
+        <p:cTn id="1" dur="indefinite" restart="never" nodeType="tmRoot"/>
+      </p:par>
+    </p:tnLst>
+  </p:timing>
 </p:sld>
 </file>
 
@@ -7399,6 +11632,13 @@
   <p:clrMapOvr>
     <a:masterClrMapping/>
   </p:clrMapOvr>
+  <p:timing>
+    <p:tnLst>
+      <p:par>
+        <p:cTn id="1" dur="indefinite" restart="never" nodeType="tmRoot"/>
+      </p:par>
+    </p:tnLst>
+  </p:timing>
 </p:sld>
 </file>
 
@@ -7471,6 +11711,13 @@
   <p:clrMapOvr>
     <a:masterClrMapping/>
   </p:clrMapOvr>
+  <p:timing>
+    <p:tnLst>
+      <p:par>
+        <p:cTn id="1" dur="indefinite" restart="never" nodeType="tmRoot"/>
+      </p:par>
+    </p:tnLst>
+  </p:timing>
 </p:sld>
 </file>
 
@@ -7583,7 +11830,7 @@
   <p:timing>
     <p:tnLst>
       <p:par>
-        <p:cTn xmlns:p14="http://schemas.microsoft.com/office/powerpoint/2010/main" id="1" dur="indefinite" restart="never" nodeType="tmRoot"/>
+        <p:cTn id="1" dur="indefinite" restart="never" nodeType="tmRoot"/>
       </p:par>
     </p:tnLst>
   </p:timing>
@@ -7630,25 +11877,31 @@
           </a:p>
         </p:txBody>
       </p:sp>
-      <p:sp>
-        <p:nvSpPr>
-          <p:cNvPr id="3" name="Content Placeholder 2"/>
-          <p:cNvSpPr>
-            <a:spLocks noGrp="1"/>
-          </p:cNvSpPr>
+      <p:graphicFrame>
+        <p:nvGraphicFramePr>
+          <p:cNvPr id="4" name="Content Placeholder 3"/>
+          <p:cNvGraphicFramePr>
+            <a:graphicFrameLocks noGrp="1"/>
+          </p:cNvGraphicFramePr>
           <p:nvPr>
             <p:ph idx="1"/>
+            <p:extLst>
+              <p:ext uri="{D42A27DB-BD31-4B8C-83A1-F6EECF244321}">
+                <p14:modId xmlns:p14="http://schemas.microsoft.com/office/powerpoint/2010/main" val="3013155757"/>
+              </p:ext>
+            </p:extLst>
           </p:nvPr>
-        </p:nvSpPr>
-        <p:spPr/>
-        <p:txBody>
-          <a:bodyPr/>
-          <a:lstStyle/>
-          <a:p>
-            <a:endParaRPr lang="en-US"/>
-          </a:p>
-        </p:txBody>
-      </p:sp>
+        </p:nvGraphicFramePr>
+        <p:xfrm>
+          <a:off x="163516" y="1438685"/>
+          <a:ext cx="8816968" cy="4848994"/>
+        </p:xfrm>
+        <a:graphic>
+          <a:graphicData uri="http://schemas.openxmlformats.org/drawingml/2006/diagram">
+            <dgm:relIds xmlns:dgm="http://schemas.openxmlformats.org/drawingml/2006/diagram" xmlns:r="http://schemas.openxmlformats.org/officeDocument/2006/relationships" r:dm="rId2" r:lo="rId3" r:qs="rId4" r:cs="rId5"/>
+          </a:graphicData>
+        </a:graphic>
+      </p:graphicFrame>
     </p:spTree>
     <p:extLst>
       <p:ext uri="{BB962C8B-B14F-4D97-AF65-F5344CB8AC3E}">
@@ -7659,6 +11912,13 @@
   <p:clrMapOvr>
     <a:masterClrMapping/>
   </p:clrMapOvr>
+  <p:timing>
+    <p:tnLst>
+      <p:par>
+        <p:cTn id="1" dur="indefinite" restart="never" nodeType="tmRoot"/>
+      </p:par>
+    </p:tnLst>
+  </p:timing>
 </p:sld>
 </file>
 
@@ -7689,7 +11949,12 @@
             <p:ph type="title"/>
           </p:nvPr>
         </p:nvSpPr>
-        <p:spPr/>
+        <p:spPr>
+          <a:xfrm>
+            <a:off x="457200" y="605533"/>
+            <a:ext cx="8229600" cy="1143000"/>
+          </a:xfrm>
+        </p:spPr>
         <p:txBody>
           <a:bodyPr/>
           <a:lstStyle/>
@@ -7727,6 +11992,10 @@
           </p:nvPr>
         </p:nvSpPr>
         <p:spPr>
+          <a:xfrm>
+            <a:off x="457200" y="1734950"/>
+            <a:ext cx="8229600" cy="4525963"/>
+          </a:xfrm>
           <a:effectLst>
             <a:glow rad="101600">
               <a:schemeClr val="tx1">
@@ -7784,15 +12053,671 @@
           <a:p>
             <a:r>
               <a:rPr lang="en-US" dirty="0" smtClean="0"/>
-              <a:t>Limits the population size by discarding bad solutions.</a:t>
+              <a:t>Limits the population size by discarding bad </a:t>
+            </a:r>
+            <a:r>
+              <a:rPr lang="en-US" dirty="0" smtClean="0"/>
+              <a:t>solutions.</a:t>
             </a:r>
             <a:endParaRPr lang="en-US" dirty="0"/>
           </a:p>
-          <a:p>
-            <a:endParaRPr lang="en-US" dirty="0" smtClean="0"/>
-          </a:p>
         </p:txBody>
       </p:sp>
+      <p:grpSp>
+        <p:nvGrpSpPr>
+          <p:cNvPr id="7" name="Group 6"/>
+          <p:cNvGrpSpPr/>
+          <p:nvPr/>
+        </p:nvGrpSpPr>
+        <p:grpSpPr>
+          <a:xfrm>
+            <a:off x="1189101" y="92076"/>
+            <a:ext cx="1808167" cy="723266"/>
+            <a:chOff x="935537" y="1552"/>
+            <a:chExt cx="1808167" cy="723266"/>
+          </a:xfrm>
+        </p:grpSpPr>
+        <p:sp>
+          <p:nvSpPr>
+            <p:cNvPr id="20" name="Chevron 19"/>
+            <p:cNvSpPr/>
+            <p:nvPr/>
+          </p:nvSpPr>
+          <p:spPr>
+            <a:xfrm>
+              <a:off x="935537" y="1552"/>
+              <a:ext cx="1808167" cy="723266"/>
+            </a:xfrm>
+            <a:prstGeom prst="chevron">
+              <a:avLst/>
+            </a:prstGeom>
+          </p:spPr>
+          <p:style>
+            <a:lnRef idx="2">
+              <a:schemeClr val="lt1">
+                <a:hueOff val="0"/>
+                <a:satOff val="0"/>
+                <a:lumOff val="0"/>
+                <a:alphaOff val="0"/>
+              </a:schemeClr>
+            </a:lnRef>
+            <a:fillRef idx="1">
+              <a:schemeClr val="accent1">
+                <a:hueOff val="0"/>
+                <a:satOff val="0"/>
+                <a:lumOff val="0"/>
+                <a:alphaOff val="0"/>
+              </a:schemeClr>
+            </a:fillRef>
+            <a:effectRef idx="0">
+              <a:schemeClr val="accent1">
+                <a:hueOff val="0"/>
+                <a:satOff val="0"/>
+                <a:lumOff val="0"/>
+                <a:alphaOff val="0"/>
+              </a:schemeClr>
+            </a:effectRef>
+            <a:fontRef idx="minor">
+              <a:schemeClr val="lt1"/>
+            </a:fontRef>
+          </p:style>
+        </p:sp>
+        <p:sp>
+          <p:nvSpPr>
+            <p:cNvPr id="21" name="Chevron 4"/>
+            <p:cNvSpPr/>
+            <p:nvPr/>
+          </p:nvSpPr>
+          <p:spPr>
+            <a:xfrm>
+              <a:off x="1297170" y="1552"/>
+              <a:ext cx="1084901" cy="723266"/>
+            </a:xfrm>
+            <a:prstGeom prst="rect">
+              <a:avLst/>
+            </a:prstGeom>
+          </p:spPr>
+          <p:style>
+            <a:lnRef idx="0">
+              <a:scrgbClr r="0" g="0" b="0"/>
+            </a:lnRef>
+            <a:fillRef idx="0">
+              <a:scrgbClr r="0" g="0" b="0"/>
+            </a:fillRef>
+            <a:effectRef idx="0">
+              <a:scrgbClr r="0" g="0" b="0"/>
+            </a:effectRef>
+            <a:fontRef idx="minor">
+              <a:schemeClr val="lt1"/>
+            </a:fontRef>
+          </p:style>
+          <p:txBody>
+            <a:bodyPr spcFirstLastPara="0" vert="horz" wrap="square" lIns="19050" tIns="9525" rIns="0" bIns="9525" numCol="1" spcCol="1270" anchor="ctr" anchorCtr="0">
+              <a:noAutofit/>
+            </a:bodyPr>
+            <a:lstStyle/>
+            <a:p>
+              <a:pPr lvl="0" algn="ctr" defTabSz="666750">
+                <a:lnSpc>
+                  <a:spcPct val="90000"/>
+                </a:lnSpc>
+                <a:spcBef>
+                  <a:spcPct val="0"/>
+                </a:spcBef>
+                <a:spcAft>
+                  <a:spcPct val="35000"/>
+                </a:spcAft>
+              </a:pPr>
+              <a:r>
+                <a:rPr lang="en-US" sz="1500" kern="1200" dirty="0" smtClean="0"/>
+                <a:t>Introduction</a:t>
+              </a:r>
+              <a:endParaRPr lang="en-US" sz="1500" kern="1200" dirty="0"/>
+            </a:p>
+          </p:txBody>
+        </p:sp>
+      </p:grpSp>
+      <p:grpSp>
+        <p:nvGrpSpPr>
+          <p:cNvPr id="8" name="Group 7"/>
+          <p:cNvGrpSpPr/>
+          <p:nvPr/>
+        </p:nvGrpSpPr>
+        <p:grpSpPr>
+          <a:xfrm>
+            <a:off x="2762206" y="153554"/>
+            <a:ext cx="1500778" cy="600311"/>
+            <a:chOff x="2508642" y="63030"/>
+            <a:chExt cx="1500778" cy="600311"/>
+          </a:xfrm>
+          <a:solidFill>
+            <a:schemeClr val="bg1">
+              <a:lumMod val="85000"/>
+            </a:schemeClr>
+          </a:solidFill>
+        </p:grpSpPr>
+        <p:sp>
+          <p:nvSpPr>
+            <p:cNvPr id="18" name="Chevron 17"/>
+            <p:cNvSpPr/>
+            <p:nvPr/>
+          </p:nvSpPr>
+          <p:spPr>
+            <a:xfrm>
+              <a:off x="2508642" y="63030"/>
+              <a:ext cx="1500778" cy="600311"/>
+            </a:xfrm>
+            <a:prstGeom prst="chevron">
+              <a:avLst/>
+            </a:prstGeom>
+            <a:grpFill/>
+            <a:ln>
+              <a:solidFill>
+                <a:schemeClr val="bg1">
+                  <a:lumMod val="85000"/>
+                </a:schemeClr>
+              </a:solidFill>
+            </a:ln>
+          </p:spPr>
+          <p:style>
+            <a:lnRef idx="2">
+              <a:schemeClr val="accent1">
+                <a:alpha val="90000"/>
+                <a:tint val="40000"/>
+                <a:hueOff val="0"/>
+                <a:satOff val="0"/>
+                <a:lumOff val="0"/>
+                <a:alphaOff val="0"/>
+              </a:schemeClr>
+            </a:lnRef>
+            <a:fillRef idx="1">
+              <a:schemeClr val="accent1">
+                <a:alpha val="90000"/>
+                <a:tint val="40000"/>
+                <a:hueOff val="0"/>
+                <a:satOff val="0"/>
+                <a:lumOff val="0"/>
+                <a:alphaOff val="0"/>
+              </a:schemeClr>
+            </a:fillRef>
+            <a:effectRef idx="0">
+              <a:schemeClr val="accent1">
+                <a:alpha val="90000"/>
+                <a:tint val="40000"/>
+                <a:hueOff val="0"/>
+                <a:satOff val="0"/>
+                <a:lumOff val="0"/>
+                <a:alphaOff val="0"/>
+              </a:schemeClr>
+            </a:effectRef>
+            <a:fontRef idx="minor">
+              <a:schemeClr val="dk1">
+                <a:hueOff val="0"/>
+                <a:satOff val="0"/>
+                <a:lumOff val="0"/>
+                <a:alphaOff val="0"/>
+              </a:schemeClr>
+            </a:fontRef>
+          </p:style>
+        </p:sp>
+        <p:sp>
+          <p:nvSpPr>
+            <p:cNvPr id="19" name="Chevron 6"/>
+            <p:cNvSpPr/>
+            <p:nvPr/>
+          </p:nvSpPr>
+          <p:spPr>
+            <a:xfrm>
+              <a:off x="2808798" y="63030"/>
+              <a:ext cx="900467" cy="600311"/>
+            </a:xfrm>
+            <a:prstGeom prst="rect">
+              <a:avLst/>
+            </a:prstGeom>
+            <a:grpFill/>
+            <a:ln>
+              <a:solidFill>
+                <a:schemeClr val="bg1">
+                  <a:lumMod val="85000"/>
+                </a:schemeClr>
+              </a:solidFill>
+            </a:ln>
+          </p:spPr>
+          <p:style>
+            <a:lnRef idx="0">
+              <a:scrgbClr r="0" g="0" b="0"/>
+            </a:lnRef>
+            <a:fillRef idx="0">
+              <a:scrgbClr r="0" g="0" b="0"/>
+            </a:fillRef>
+            <a:effectRef idx="0">
+              <a:scrgbClr r="0" g="0" b="0"/>
+            </a:effectRef>
+            <a:fontRef idx="minor">
+              <a:schemeClr val="dk1">
+                <a:hueOff val="0"/>
+                <a:satOff val="0"/>
+                <a:lumOff val="0"/>
+                <a:alphaOff val="0"/>
+              </a:schemeClr>
+            </a:fontRef>
+          </p:style>
+          <p:txBody>
+            <a:bodyPr spcFirstLastPara="0" vert="horz" wrap="square" lIns="16510" tIns="8255" rIns="0" bIns="8255" numCol="1" spcCol="1270" anchor="ctr" anchorCtr="0">
+              <a:noAutofit/>
+            </a:bodyPr>
+            <a:lstStyle/>
+            <a:p>
+              <a:pPr lvl="0" algn="ctr" defTabSz="577850">
+                <a:lnSpc>
+                  <a:spcPct val="90000"/>
+                </a:lnSpc>
+                <a:spcBef>
+                  <a:spcPct val="0"/>
+                </a:spcBef>
+                <a:spcAft>
+                  <a:spcPct val="35000"/>
+                </a:spcAft>
+              </a:pPr>
+              <a:r>
+                <a:rPr lang="en-US" sz="1300" kern="1200" dirty="0" smtClean="0"/>
+                <a:t>Introducing Dead Ant</a:t>
+              </a:r>
+              <a:endParaRPr lang="en-US" sz="1300" kern="1200" dirty="0"/>
+            </a:p>
+          </p:txBody>
+        </p:sp>
+      </p:grpSp>
+      <p:grpSp>
+        <p:nvGrpSpPr>
+          <p:cNvPr id="9" name="Group 8"/>
+          <p:cNvGrpSpPr/>
+          <p:nvPr/>
+        </p:nvGrpSpPr>
+        <p:grpSpPr>
+          <a:xfrm>
+            <a:off x="4052876" y="153554"/>
+            <a:ext cx="1500778" cy="600311"/>
+            <a:chOff x="3799312" y="63030"/>
+            <a:chExt cx="1500778" cy="600311"/>
+          </a:xfrm>
+        </p:grpSpPr>
+        <p:sp>
+          <p:nvSpPr>
+            <p:cNvPr id="16" name="Chevron 15"/>
+            <p:cNvSpPr/>
+            <p:nvPr/>
+          </p:nvSpPr>
+          <p:spPr>
+            <a:xfrm>
+              <a:off x="3799312" y="63030"/>
+              <a:ext cx="1500778" cy="600311"/>
+            </a:xfrm>
+            <a:prstGeom prst="chevron">
+              <a:avLst/>
+            </a:prstGeom>
+          </p:spPr>
+          <p:style>
+            <a:lnRef idx="2">
+              <a:schemeClr val="accent1">
+                <a:alpha val="90000"/>
+                <a:tint val="40000"/>
+                <a:hueOff val="0"/>
+                <a:satOff val="0"/>
+                <a:lumOff val="0"/>
+                <a:alphaOff val="0"/>
+              </a:schemeClr>
+            </a:lnRef>
+            <a:fillRef idx="1">
+              <a:schemeClr val="accent1">
+                <a:alpha val="90000"/>
+                <a:tint val="40000"/>
+                <a:hueOff val="0"/>
+                <a:satOff val="0"/>
+                <a:lumOff val="0"/>
+                <a:alphaOff val="0"/>
+              </a:schemeClr>
+            </a:fillRef>
+            <a:effectRef idx="0">
+              <a:schemeClr val="accent1">
+                <a:alpha val="90000"/>
+                <a:tint val="40000"/>
+                <a:hueOff val="0"/>
+                <a:satOff val="0"/>
+                <a:lumOff val="0"/>
+                <a:alphaOff val="0"/>
+              </a:schemeClr>
+            </a:effectRef>
+            <a:fontRef idx="minor">
+              <a:schemeClr val="dk1">
+                <a:hueOff val="0"/>
+                <a:satOff val="0"/>
+                <a:lumOff val="0"/>
+                <a:alphaOff val="0"/>
+              </a:schemeClr>
+            </a:fontRef>
+          </p:style>
+        </p:sp>
+        <p:sp>
+          <p:nvSpPr>
+            <p:cNvPr id="17" name="Chevron 8"/>
+            <p:cNvSpPr/>
+            <p:nvPr/>
+          </p:nvSpPr>
+          <p:spPr>
+            <a:xfrm>
+              <a:off x="4099468" y="63030"/>
+              <a:ext cx="900467" cy="600311"/>
+            </a:xfrm>
+            <a:prstGeom prst="rect">
+              <a:avLst/>
+            </a:prstGeom>
+          </p:spPr>
+          <p:style>
+            <a:lnRef idx="0">
+              <a:scrgbClr r="0" g="0" b="0"/>
+            </a:lnRef>
+            <a:fillRef idx="0">
+              <a:scrgbClr r="0" g="0" b="0"/>
+            </a:fillRef>
+            <a:effectRef idx="0">
+              <a:scrgbClr r="0" g="0" b="0"/>
+            </a:effectRef>
+            <a:fontRef idx="minor">
+              <a:schemeClr val="dk1">
+                <a:hueOff val="0"/>
+                <a:satOff val="0"/>
+                <a:lumOff val="0"/>
+                <a:alphaOff val="0"/>
+              </a:schemeClr>
+            </a:fontRef>
+          </p:style>
+          <p:txBody>
+            <a:bodyPr spcFirstLastPara="0" vert="horz" wrap="square" lIns="16510" tIns="8255" rIns="0" bIns="8255" numCol="1" spcCol="1270" anchor="ctr" anchorCtr="0">
+              <a:noAutofit/>
+            </a:bodyPr>
+            <a:lstStyle/>
+            <a:p>
+              <a:pPr lvl="0" algn="ctr" defTabSz="577850">
+                <a:lnSpc>
+                  <a:spcPct val="90000"/>
+                </a:lnSpc>
+                <a:spcBef>
+                  <a:spcPct val="0"/>
+                </a:spcBef>
+                <a:spcAft>
+                  <a:spcPct val="35000"/>
+                </a:spcAft>
+              </a:pPr>
+              <a:r>
+                <a:rPr lang="en-US" sz="1300" kern="1200" dirty="0" smtClean="0"/>
+                <a:t>Determining close</a:t>
+              </a:r>
+              <a:endParaRPr lang="en-US" sz="1300" kern="1200" dirty="0"/>
+            </a:p>
+          </p:txBody>
+        </p:sp>
+      </p:grpSp>
+      <p:grpSp>
+        <p:nvGrpSpPr>
+          <p:cNvPr id="10" name="Group 9"/>
+          <p:cNvGrpSpPr/>
+          <p:nvPr/>
+        </p:nvGrpSpPr>
+        <p:grpSpPr>
+          <a:xfrm>
+            <a:off x="5343546" y="153554"/>
+            <a:ext cx="1500778" cy="600311"/>
+            <a:chOff x="5089982" y="63030"/>
+            <a:chExt cx="1500778" cy="600311"/>
+          </a:xfrm>
+        </p:grpSpPr>
+        <p:sp>
+          <p:nvSpPr>
+            <p:cNvPr id="14" name="Chevron 13"/>
+            <p:cNvSpPr/>
+            <p:nvPr/>
+          </p:nvSpPr>
+          <p:spPr>
+            <a:xfrm>
+              <a:off x="5089982" y="63030"/>
+              <a:ext cx="1500778" cy="600311"/>
+            </a:xfrm>
+            <a:prstGeom prst="chevron">
+              <a:avLst/>
+            </a:prstGeom>
+          </p:spPr>
+          <p:style>
+            <a:lnRef idx="2">
+              <a:schemeClr val="accent1">
+                <a:alpha val="90000"/>
+                <a:tint val="40000"/>
+                <a:hueOff val="0"/>
+                <a:satOff val="0"/>
+                <a:lumOff val="0"/>
+                <a:alphaOff val="0"/>
+              </a:schemeClr>
+            </a:lnRef>
+            <a:fillRef idx="1">
+              <a:schemeClr val="accent1">
+                <a:alpha val="90000"/>
+                <a:tint val="40000"/>
+                <a:hueOff val="0"/>
+                <a:satOff val="0"/>
+                <a:lumOff val="0"/>
+                <a:alphaOff val="0"/>
+              </a:schemeClr>
+            </a:fillRef>
+            <a:effectRef idx="0">
+              <a:schemeClr val="accent1">
+                <a:alpha val="90000"/>
+                <a:tint val="40000"/>
+                <a:hueOff val="0"/>
+                <a:satOff val="0"/>
+                <a:lumOff val="0"/>
+                <a:alphaOff val="0"/>
+              </a:schemeClr>
+            </a:effectRef>
+            <a:fontRef idx="minor">
+              <a:schemeClr val="dk1">
+                <a:hueOff val="0"/>
+                <a:satOff val="0"/>
+                <a:lumOff val="0"/>
+                <a:alphaOff val="0"/>
+              </a:schemeClr>
+            </a:fontRef>
+          </p:style>
+        </p:sp>
+        <p:sp>
+          <p:nvSpPr>
+            <p:cNvPr id="15" name="Chevron 10"/>
+            <p:cNvSpPr/>
+            <p:nvPr/>
+          </p:nvSpPr>
+          <p:spPr>
+            <a:xfrm>
+              <a:off x="5390138" y="63030"/>
+              <a:ext cx="900467" cy="600311"/>
+            </a:xfrm>
+            <a:prstGeom prst="rect">
+              <a:avLst/>
+            </a:prstGeom>
+          </p:spPr>
+          <p:style>
+            <a:lnRef idx="0">
+              <a:scrgbClr r="0" g="0" b="0"/>
+            </a:lnRef>
+            <a:fillRef idx="0">
+              <a:scrgbClr r="0" g="0" b="0"/>
+            </a:fillRef>
+            <a:effectRef idx="0">
+              <a:scrgbClr r="0" g="0" b="0"/>
+            </a:effectRef>
+            <a:fontRef idx="minor">
+              <a:schemeClr val="dk1">
+                <a:hueOff val="0"/>
+                <a:satOff val="0"/>
+                <a:lumOff val="0"/>
+                <a:alphaOff val="0"/>
+              </a:schemeClr>
+            </a:fontRef>
+          </p:style>
+          <p:txBody>
+            <a:bodyPr spcFirstLastPara="0" vert="horz" wrap="square" lIns="16510" tIns="8255" rIns="0" bIns="8255" numCol="1" spcCol="1270" anchor="ctr" anchorCtr="0">
+              <a:noAutofit/>
+            </a:bodyPr>
+            <a:lstStyle/>
+            <a:p>
+              <a:pPr lvl="0" algn="ctr" defTabSz="577850">
+                <a:lnSpc>
+                  <a:spcPct val="90000"/>
+                </a:lnSpc>
+                <a:spcBef>
+                  <a:spcPct val="0"/>
+                </a:spcBef>
+                <a:spcAft>
+                  <a:spcPct val="35000"/>
+                </a:spcAft>
+              </a:pPr>
+              <a:r>
+                <a:rPr lang="en-US" sz="1300" kern="1200" dirty="0" smtClean="0"/>
+                <a:t>Mutation</a:t>
+              </a:r>
+              <a:endParaRPr lang="en-US" sz="1300" kern="1200" dirty="0"/>
+            </a:p>
+          </p:txBody>
+        </p:sp>
+      </p:grpSp>
+      <p:grpSp>
+        <p:nvGrpSpPr>
+          <p:cNvPr id="11" name="Group 10"/>
+          <p:cNvGrpSpPr/>
+          <p:nvPr/>
+        </p:nvGrpSpPr>
+        <p:grpSpPr>
+          <a:xfrm>
+            <a:off x="6634216" y="153554"/>
+            <a:ext cx="1500778" cy="600311"/>
+            <a:chOff x="6380652" y="63030"/>
+            <a:chExt cx="1500778" cy="600311"/>
+          </a:xfrm>
+        </p:grpSpPr>
+        <p:sp>
+          <p:nvSpPr>
+            <p:cNvPr id="12" name="Chevron 11"/>
+            <p:cNvSpPr/>
+            <p:nvPr/>
+          </p:nvSpPr>
+          <p:spPr>
+            <a:xfrm>
+              <a:off x="6380652" y="63030"/>
+              <a:ext cx="1500778" cy="600311"/>
+            </a:xfrm>
+            <a:prstGeom prst="chevron">
+              <a:avLst/>
+            </a:prstGeom>
+          </p:spPr>
+          <p:style>
+            <a:lnRef idx="2">
+              <a:schemeClr val="accent1">
+                <a:alpha val="90000"/>
+                <a:tint val="40000"/>
+                <a:hueOff val="0"/>
+                <a:satOff val="0"/>
+                <a:lumOff val="0"/>
+                <a:alphaOff val="0"/>
+              </a:schemeClr>
+            </a:lnRef>
+            <a:fillRef idx="1">
+              <a:schemeClr val="accent1">
+                <a:alpha val="90000"/>
+                <a:tint val="40000"/>
+                <a:hueOff val="0"/>
+                <a:satOff val="0"/>
+                <a:lumOff val="0"/>
+                <a:alphaOff val="0"/>
+              </a:schemeClr>
+            </a:fillRef>
+            <a:effectRef idx="0">
+              <a:schemeClr val="accent1">
+                <a:alpha val="90000"/>
+                <a:tint val="40000"/>
+                <a:hueOff val="0"/>
+                <a:satOff val="0"/>
+                <a:lumOff val="0"/>
+                <a:alphaOff val="0"/>
+              </a:schemeClr>
+            </a:effectRef>
+            <a:fontRef idx="minor">
+              <a:schemeClr val="dk1">
+                <a:hueOff val="0"/>
+                <a:satOff val="0"/>
+                <a:lumOff val="0"/>
+                <a:alphaOff val="0"/>
+              </a:schemeClr>
+            </a:fontRef>
+          </p:style>
+        </p:sp>
+        <p:sp>
+          <p:nvSpPr>
+            <p:cNvPr id="13" name="Chevron 12"/>
+            <p:cNvSpPr/>
+            <p:nvPr/>
+          </p:nvSpPr>
+          <p:spPr>
+            <a:xfrm>
+              <a:off x="6680808" y="63030"/>
+              <a:ext cx="900467" cy="600311"/>
+            </a:xfrm>
+            <a:prstGeom prst="rect">
+              <a:avLst/>
+            </a:prstGeom>
+          </p:spPr>
+          <p:style>
+            <a:lnRef idx="0">
+              <a:scrgbClr r="0" g="0" b="0"/>
+            </a:lnRef>
+            <a:fillRef idx="0">
+              <a:scrgbClr r="0" g="0" b="0"/>
+            </a:fillRef>
+            <a:effectRef idx="0">
+              <a:scrgbClr r="0" g="0" b="0"/>
+            </a:effectRef>
+            <a:fontRef idx="minor">
+              <a:schemeClr val="dk1">
+                <a:hueOff val="0"/>
+                <a:satOff val="0"/>
+                <a:lumOff val="0"/>
+                <a:alphaOff val="0"/>
+              </a:schemeClr>
+            </a:fontRef>
+          </p:style>
+          <p:txBody>
+            <a:bodyPr spcFirstLastPara="0" vert="horz" wrap="square" lIns="16510" tIns="8255" rIns="0" bIns="8255" numCol="1" spcCol="1270" anchor="ctr" anchorCtr="0">
+              <a:noAutofit/>
+            </a:bodyPr>
+            <a:lstStyle/>
+            <a:p>
+              <a:pPr lvl="0" algn="ctr" defTabSz="577850">
+                <a:lnSpc>
+                  <a:spcPct val="90000"/>
+                </a:lnSpc>
+                <a:spcBef>
+                  <a:spcPct val="0"/>
+                </a:spcBef>
+                <a:spcAft>
+                  <a:spcPct val="35000"/>
+                </a:spcAft>
+              </a:pPr>
+              <a:r>
+                <a:rPr lang="en-US" sz="1300" kern="1200" dirty="0" smtClean="0"/>
+                <a:t>Pseudo-code</a:t>
+              </a:r>
+              <a:endParaRPr lang="en-US" sz="1300" kern="1200" dirty="0"/>
+            </a:p>
+          </p:txBody>
+        </p:sp>
+      </p:grpSp>
     </p:spTree>
     <p:extLst>
       <p:ext uri="{BB962C8B-B14F-4D97-AF65-F5344CB8AC3E}">
@@ -7803,6 +12728,13 @@
   <p:clrMapOvr>
     <a:masterClrMapping/>
   </p:clrMapOvr>
+  <p:timing>
+    <p:tnLst>
+      <p:par>
+        <p:cTn id="1" dur="indefinite" restart="never" nodeType="tmRoot"/>
+      </p:par>
+    </p:tnLst>
+  </p:timing>
 </p:sld>
 </file>
 
@@ -7875,6 +12807,13 @@
   <p:clrMapOvr>
     <a:masterClrMapping/>
   </p:clrMapOvr>
+  <p:timing>
+    <p:tnLst>
+      <p:par>
+        <p:cTn id="1" dur="indefinite" restart="never" nodeType="tmRoot"/>
+      </p:par>
+    </p:tnLst>
+  </p:timing>
 </p:sld>
 </file>
 
@@ -7947,6 +12886,13 @@
   <p:clrMapOvr>
     <a:masterClrMapping/>
   </p:clrMapOvr>
+  <p:timing>
+    <p:tnLst>
+      <p:par>
+        <p:cTn id="1" dur="indefinite" restart="never" nodeType="tmRoot"/>
+      </p:par>
+    </p:tnLst>
+  </p:timing>
 </p:sld>
 </file>
 
@@ -8036,15 +12982,7 @@
             </a:pPr>
             <a:r>
               <a:rPr lang="en-US" dirty="0" smtClean="0"/>
-              <a:t>Repeat until stopping criterion is met </a:t>
-            </a:r>
-            <a:r>
-              <a:rPr lang="en-US" dirty="0" smtClean="0"/>
-              <a:t>(Set Lives </a:t>
-            </a:r>
-            <a:r>
-              <a:rPr lang="en-US" dirty="0" smtClean="0"/>
-              <a:t>= 100)</a:t>
+              <a:t>Repeat until stopping criterion is met (Set Lives = 100)</a:t>
             </a:r>
           </a:p>
           <a:p>
@@ -8074,13 +13012,8 @@
             </a:pPr>
             <a:r>
               <a:rPr lang="en-US" dirty="0" smtClean="0"/>
-              <a:t>If ant is close to an old ant that’s dead, discard the old ant, mark the new ant as dead</a:t>
+              <a:t>If ant is close to an old ant that’s dead, discard the old ant, mark the new ant as dead.</a:t>
             </a:r>
-            <a:r>
-              <a:rPr lang="en-US" dirty="0" smtClean="0"/>
-              <a:t>.</a:t>
-            </a:r>
-            <a:endParaRPr lang="en-US" dirty="0" smtClean="0"/>
           </a:p>
           <a:p>
             <a:pPr marL="914400" lvl="1" indent="-514350" algn="just">
@@ -8089,17 +13022,8 @@
             </a:pPr>
             <a:r>
               <a:rPr lang="en-US" dirty="0" smtClean="0"/>
-              <a:t>If new ant is close to an old ant that’s alive, evaluate the </a:t>
+              <a:t>If new ant is close to an old ant that’s alive, evaluate the ant and increase lives.</a:t>
             </a:r>
-            <a:r>
-              <a:rPr lang="en-US" dirty="0" smtClean="0"/>
-              <a:t>ant and </a:t>
-            </a:r>
-            <a:r>
-              <a:rPr lang="en-US" dirty="0" smtClean="0"/>
-              <a:t>increase lives.</a:t>
-            </a:r>
-            <a:endParaRPr lang="en-US" dirty="0" smtClean="0"/>
           </a:p>
           <a:p>
             <a:pPr marL="1314450" lvl="2" indent="-514350">
@@ -8108,27 +13032,7 @@
             </a:pPr>
             <a:r>
               <a:rPr lang="en-US" dirty="0" smtClean="0"/>
-              <a:t>If the new ant dominates the old </a:t>
-            </a:r>
-            <a:r>
-              <a:rPr lang="en-US" dirty="0" smtClean="0"/>
-              <a:t>ant, </a:t>
-            </a:r>
-            <a:r>
-              <a:rPr lang="en-US" dirty="0" smtClean="0"/>
-              <a:t>mutate towards the new </a:t>
-            </a:r>
-            <a:r>
-              <a:rPr lang="en-US" dirty="0" smtClean="0"/>
-              <a:t>ant and </a:t>
-            </a:r>
-            <a:r>
-              <a:rPr lang="en-US" dirty="0" smtClean="0"/>
-              <a:t>kill the old </a:t>
-            </a:r>
-            <a:r>
-              <a:rPr lang="en-US" dirty="0" smtClean="0"/>
-              <a:t>ant.</a:t>
+              <a:t>If the new ant dominates the old ant, mutate towards the new ant and kill the old ant.</a:t>
             </a:r>
           </a:p>
           <a:p>
@@ -8173,6 +13077,13 @@
   <p:clrMapOvr>
     <a:masterClrMapping/>
   </p:clrMapOvr>
+  <p:timing>
+    <p:tnLst>
+      <p:par>
+        <p:cTn id="1" dur="indefinite" restart="never" nodeType="tmRoot"/>
+      </p:par>
+    </p:tnLst>
+  </p:timing>
 </p:sld>
 </file>
 
@@ -8218,12 +13129,92 @@
       </p:sp>
       <p:sp>
         <p:nvSpPr>
-          <p:cNvPr id="3" name="Content Placeholder 2"/>
+          <p:cNvPr id="4" name="Text Placeholder 3"/>
           <p:cNvSpPr>
             <a:spLocks noGrp="1"/>
           </p:cNvSpPr>
           <p:nvPr>
-            <p:ph idx="1"/>
+            <p:ph type="body" idx="1"/>
+          </p:nvPr>
+        </p:nvSpPr>
+        <p:spPr>
+          <a:solidFill>
+            <a:schemeClr val="accent1">
+              <a:lumMod val="60000"/>
+              <a:lumOff val="40000"/>
+            </a:schemeClr>
+          </a:solidFill>
+          <a:ln>
+            <a:solidFill>
+              <a:schemeClr val="tx1">
+                <a:lumMod val="50000"/>
+                <a:lumOff val="50000"/>
+              </a:schemeClr>
+            </a:solidFill>
+          </a:ln>
+          <a:scene3d>
+            <a:camera prst="orthographicFront"/>
+            <a:lightRig rig="threePt" dir="t"/>
+          </a:scene3d>
+          <a:sp3d>
+            <a:bevelB/>
+          </a:sp3d>
+        </p:spPr>
+        <p:txBody>
+          <a:bodyPr>
+            <a:normAutofit/>
+          </a:bodyPr>
+          <a:lstStyle/>
+          <a:p>
+            <a:pPr algn="ctr">
+              <a:lnSpc>
+                <a:spcPct val="120000"/>
+              </a:lnSpc>
+            </a:pPr>
+            <a:r>
+              <a:rPr lang="en-US" dirty="0" smtClean="0"/>
+              <a:t>Differential Evolution</a:t>
+            </a:r>
+            <a:endParaRPr lang="en-US" dirty="0"/>
+          </a:p>
+        </p:txBody>
+      </p:sp>
+      <p:sp>
+        <p:nvSpPr>
+          <p:cNvPr id="5" name="Content Placeholder 4"/>
+          <p:cNvSpPr>
+            <a:spLocks noGrp="1"/>
+          </p:cNvSpPr>
+          <p:nvPr>
+            <p:ph sz="half" idx="2"/>
+          </p:nvPr>
+        </p:nvSpPr>
+        <p:spPr>
+          <a:ln w="3175">
+            <a:solidFill>
+              <a:schemeClr val="tx1">
+                <a:lumMod val="65000"/>
+                <a:lumOff val="35000"/>
+              </a:schemeClr>
+            </a:solidFill>
+          </a:ln>
+        </p:spPr>
+        <p:txBody>
+          <a:bodyPr/>
+          <a:lstStyle/>
+          <a:p>
+            <a:endParaRPr lang="en-US" dirty="0"/>
+          </a:p>
+        </p:txBody>
+      </p:sp>
+      <p:sp>
+        <p:nvSpPr>
+          <p:cNvPr id="6" name="Text Placeholder 5"/>
+          <p:cNvSpPr>
+            <a:spLocks noGrp="1"/>
+          </p:cNvSpPr>
+          <p:nvPr>
+            <p:ph type="body" sz="quarter" idx="3"/>
           </p:nvPr>
         </p:nvSpPr>
         <p:spPr/>
@@ -8231,7 +13222,424 @@
           <a:bodyPr/>
           <a:lstStyle/>
           <a:p>
-            <a:endParaRPr lang="en-US"/>
+            <a:endParaRPr lang="en-US" dirty="0"/>
+          </a:p>
+        </p:txBody>
+      </p:sp>
+      <p:sp>
+        <p:nvSpPr>
+          <p:cNvPr id="7" name="Content Placeholder 6"/>
+          <p:cNvSpPr>
+            <a:spLocks noGrp="1"/>
+          </p:cNvSpPr>
+          <p:nvPr>
+            <p:ph sz="quarter" idx="4"/>
+          </p:nvPr>
+        </p:nvSpPr>
+        <p:spPr/>
+        <p:txBody>
+          <a:bodyPr/>
+          <a:lstStyle/>
+          <a:p>
+            <a:endParaRPr lang="en-US" dirty="0"/>
+          </a:p>
+        </p:txBody>
+      </p:sp>
+      <p:sp>
+        <p:nvSpPr>
+          <p:cNvPr id="8" name="Text Placeholder 3"/>
+          <p:cNvSpPr txBox="1">
+            <a:spLocks/>
+          </p:cNvSpPr>
+          <p:nvPr/>
+        </p:nvSpPr>
+        <p:spPr>
+          <a:xfrm>
+            <a:off x="4646612" y="1535113"/>
+            <a:ext cx="4040188" cy="639762"/>
+          </a:xfrm>
+          <a:prstGeom prst="rect">
+            <a:avLst/>
+          </a:prstGeom>
+          <a:solidFill>
+            <a:schemeClr val="accent1">
+              <a:lumMod val="60000"/>
+              <a:lumOff val="40000"/>
+            </a:schemeClr>
+          </a:solidFill>
+          <a:ln>
+            <a:solidFill>
+              <a:schemeClr val="tx1">
+                <a:lumMod val="50000"/>
+                <a:lumOff val="50000"/>
+              </a:schemeClr>
+            </a:solidFill>
+          </a:ln>
+          <a:scene3d>
+            <a:camera prst="orthographicFront"/>
+            <a:lightRig rig="threePt" dir="t"/>
+          </a:scene3d>
+          <a:sp3d>
+            <a:bevelB/>
+          </a:sp3d>
+        </p:spPr>
+        <p:txBody>
+          <a:bodyPr vert="horz" lIns="91440" tIns="45720" rIns="91440" bIns="45720" rtlCol="0" anchor="b">
+            <a:normAutofit/>
+          </a:bodyPr>
+          <a:lstStyle>
+            <a:lvl1pPr marL="0" indent="0" algn="l" defTabSz="457200" rtl="0" eaLnBrk="1" latinLnBrk="0" hangingPunct="1">
+              <a:spcBef>
+                <a:spcPct val="20000"/>
+              </a:spcBef>
+              <a:buFont typeface="Arial"/>
+              <a:buNone/>
+              <a:defRPr sz="2400" b="1" kern="1200">
+                <a:solidFill>
+                  <a:schemeClr val="tx1">
+                    <a:lumMod val="75000"/>
+                    <a:lumOff val="25000"/>
+                  </a:schemeClr>
+                </a:solidFill>
+                <a:latin typeface="+mn-lt"/>
+                <a:ea typeface="+mn-ea"/>
+                <a:cs typeface="+mn-cs"/>
+              </a:defRPr>
+            </a:lvl1pPr>
+            <a:lvl2pPr marL="457200" indent="0" algn="l" defTabSz="457200" rtl="0" eaLnBrk="1" latinLnBrk="0" hangingPunct="1">
+              <a:spcBef>
+                <a:spcPct val="20000"/>
+              </a:spcBef>
+              <a:buFont typeface="Arial"/>
+              <a:buNone/>
+              <a:defRPr sz="2000" b="1" kern="1200">
+                <a:solidFill>
+                  <a:schemeClr val="tx1">
+                    <a:lumMod val="75000"/>
+                    <a:lumOff val="25000"/>
+                  </a:schemeClr>
+                </a:solidFill>
+                <a:latin typeface="+mn-lt"/>
+                <a:ea typeface="+mn-ea"/>
+                <a:cs typeface="+mn-cs"/>
+              </a:defRPr>
+            </a:lvl2pPr>
+            <a:lvl3pPr marL="914400" indent="0" algn="l" defTabSz="457200" rtl="0" eaLnBrk="1" latinLnBrk="0" hangingPunct="1">
+              <a:spcBef>
+                <a:spcPct val="20000"/>
+              </a:spcBef>
+              <a:buFont typeface="Arial"/>
+              <a:buNone/>
+              <a:defRPr sz="1800" b="1" kern="1200">
+                <a:solidFill>
+                  <a:schemeClr val="tx1">
+                    <a:lumMod val="75000"/>
+                    <a:lumOff val="25000"/>
+                  </a:schemeClr>
+                </a:solidFill>
+                <a:latin typeface="+mn-lt"/>
+                <a:ea typeface="+mn-ea"/>
+                <a:cs typeface="+mn-cs"/>
+              </a:defRPr>
+            </a:lvl3pPr>
+            <a:lvl4pPr marL="1371600" indent="0" algn="l" defTabSz="457200" rtl="0" eaLnBrk="1" latinLnBrk="0" hangingPunct="1">
+              <a:spcBef>
+                <a:spcPct val="20000"/>
+              </a:spcBef>
+              <a:buFont typeface="Arial"/>
+              <a:buNone/>
+              <a:defRPr sz="1600" b="1" kern="1200">
+                <a:solidFill>
+                  <a:schemeClr val="tx1">
+                    <a:lumMod val="75000"/>
+                    <a:lumOff val="25000"/>
+                  </a:schemeClr>
+                </a:solidFill>
+                <a:latin typeface="+mn-lt"/>
+                <a:ea typeface="+mn-ea"/>
+                <a:cs typeface="+mn-cs"/>
+              </a:defRPr>
+            </a:lvl4pPr>
+            <a:lvl5pPr marL="1828800" indent="0" algn="l" defTabSz="457200" rtl="0" eaLnBrk="1" latinLnBrk="0" hangingPunct="1">
+              <a:spcBef>
+                <a:spcPct val="20000"/>
+              </a:spcBef>
+              <a:buFont typeface="Arial"/>
+              <a:buNone/>
+              <a:defRPr sz="1600" b="1" kern="1200">
+                <a:solidFill>
+                  <a:schemeClr val="tx1">
+                    <a:lumMod val="75000"/>
+                    <a:lumOff val="25000"/>
+                  </a:schemeClr>
+                </a:solidFill>
+                <a:latin typeface="+mn-lt"/>
+                <a:ea typeface="+mn-ea"/>
+                <a:cs typeface="+mn-cs"/>
+              </a:defRPr>
+            </a:lvl5pPr>
+            <a:lvl6pPr marL="2286000" indent="0" algn="l" defTabSz="457200" rtl="0" eaLnBrk="1" latinLnBrk="0" hangingPunct="1">
+              <a:spcBef>
+                <a:spcPct val="20000"/>
+              </a:spcBef>
+              <a:buFont typeface="Arial"/>
+              <a:buNone/>
+              <a:defRPr sz="1600" b="1" kern="1200">
+                <a:solidFill>
+                  <a:schemeClr val="tx1"/>
+                </a:solidFill>
+                <a:latin typeface="+mn-lt"/>
+                <a:ea typeface="+mn-ea"/>
+                <a:cs typeface="+mn-cs"/>
+              </a:defRPr>
+            </a:lvl6pPr>
+            <a:lvl7pPr marL="2743200" indent="0" algn="l" defTabSz="457200" rtl="0" eaLnBrk="1" latinLnBrk="0" hangingPunct="1">
+              <a:spcBef>
+                <a:spcPct val="20000"/>
+              </a:spcBef>
+              <a:buFont typeface="Arial"/>
+              <a:buNone/>
+              <a:defRPr sz="1600" b="1" kern="1200">
+                <a:solidFill>
+                  <a:schemeClr val="tx1"/>
+                </a:solidFill>
+                <a:latin typeface="+mn-lt"/>
+                <a:ea typeface="+mn-ea"/>
+                <a:cs typeface="+mn-cs"/>
+              </a:defRPr>
+            </a:lvl7pPr>
+            <a:lvl8pPr marL="3200400" indent="0" algn="l" defTabSz="457200" rtl="0" eaLnBrk="1" latinLnBrk="0" hangingPunct="1">
+              <a:spcBef>
+                <a:spcPct val="20000"/>
+              </a:spcBef>
+              <a:buFont typeface="Arial"/>
+              <a:buNone/>
+              <a:defRPr sz="1600" b="1" kern="1200">
+                <a:solidFill>
+                  <a:schemeClr val="tx1"/>
+                </a:solidFill>
+                <a:latin typeface="+mn-lt"/>
+                <a:ea typeface="+mn-ea"/>
+                <a:cs typeface="+mn-cs"/>
+              </a:defRPr>
+            </a:lvl8pPr>
+            <a:lvl9pPr marL="3657600" indent="0" algn="l" defTabSz="457200" rtl="0" eaLnBrk="1" latinLnBrk="0" hangingPunct="1">
+              <a:spcBef>
+                <a:spcPct val="20000"/>
+              </a:spcBef>
+              <a:buFont typeface="Arial"/>
+              <a:buNone/>
+              <a:defRPr sz="1600" b="1" kern="1200">
+                <a:solidFill>
+                  <a:schemeClr val="tx1"/>
+                </a:solidFill>
+                <a:latin typeface="+mn-lt"/>
+                <a:ea typeface="+mn-ea"/>
+                <a:cs typeface="+mn-cs"/>
+              </a:defRPr>
+            </a:lvl9pPr>
+          </a:lstStyle>
+          <a:p>
+            <a:pPr algn="ctr"/>
+            <a:r>
+              <a:rPr lang="en-US" dirty="0" smtClean="0"/>
+              <a:t>Dead Ant</a:t>
+            </a:r>
+            <a:endParaRPr lang="en-US" dirty="0"/>
+          </a:p>
+        </p:txBody>
+      </p:sp>
+      <p:sp>
+        <p:nvSpPr>
+          <p:cNvPr id="9" name="Content Placeholder 4"/>
+          <p:cNvSpPr txBox="1">
+            <a:spLocks/>
+          </p:cNvSpPr>
+          <p:nvPr/>
+        </p:nvSpPr>
+        <p:spPr>
+          <a:xfrm>
+            <a:off x="4645025" y="2174875"/>
+            <a:ext cx="4040188" cy="3951288"/>
+          </a:xfrm>
+          <a:prstGeom prst="rect">
+            <a:avLst/>
+          </a:prstGeom>
+          <a:ln w="3175">
+            <a:solidFill>
+              <a:schemeClr val="tx1">
+                <a:lumMod val="65000"/>
+                <a:lumOff val="35000"/>
+              </a:schemeClr>
+            </a:solidFill>
+          </a:ln>
+          <a:scene3d>
+            <a:camera prst="orthographicFront"/>
+            <a:lightRig rig="threePt" dir="t"/>
+          </a:scene3d>
+          <a:sp3d>
+            <a:bevelT/>
+            <a:bevelB/>
+          </a:sp3d>
+        </p:spPr>
+        <p:txBody>
+          <a:bodyPr vert="horz" lIns="91440" tIns="45720" rIns="91440" bIns="45720" rtlCol="0">
+            <a:normAutofit/>
+          </a:bodyPr>
+          <a:lstStyle>
+            <a:lvl1pPr marL="342900" indent="-342900" algn="l" defTabSz="457200" rtl="0" eaLnBrk="1" latinLnBrk="0" hangingPunct="1">
+              <a:spcBef>
+                <a:spcPct val="20000"/>
+              </a:spcBef>
+              <a:buFont typeface="Arial"/>
+              <a:buChar char="•"/>
+              <a:defRPr sz="2400" kern="1200">
+                <a:solidFill>
+                  <a:schemeClr val="tx1">
+                    <a:lumMod val="75000"/>
+                    <a:lumOff val="25000"/>
+                  </a:schemeClr>
+                </a:solidFill>
+                <a:latin typeface="+mn-lt"/>
+                <a:ea typeface="+mn-ea"/>
+                <a:cs typeface="+mn-cs"/>
+              </a:defRPr>
+            </a:lvl1pPr>
+            <a:lvl2pPr marL="742950" indent="-285750" algn="l" defTabSz="457200" rtl="0" eaLnBrk="1" latinLnBrk="0" hangingPunct="1">
+              <a:spcBef>
+                <a:spcPct val="20000"/>
+              </a:spcBef>
+              <a:buFont typeface="Arial"/>
+              <a:buChar char="–"/>
+              <a:defRPr sz="2000" kern="1200">
+                <a:solidFill>
+                  <a:schemeClr val="tx1">
+                    <a:lumMod val="75000"/>
+                    <a:lumOff val="25000"/>
+                  </a:schemeClr>
+                </a:solidFill>
+                <a:latin typeface="+mn-lt"/>
+                <a:ea typeface="+mn-ea"/>
+                <a:cs typeface="+mn-cs"/>
+              </a:defRPr>
+            </a:lvl2pPr>
+            <a:lvl3pPr marL="1143000" indent="-228600" algn="l" defTabSz="457200" rtl="0" eaLnBrk="1" latinLnBrk="0" hangingPunct="1">
+              <a:spcBef>
+                <a:spcPct val="20000"/>
+              </a:spcBef>
+              <a:buFont typeface="Arial"/>
+              <a:buChar char="•"/>
+              <a:defRPr sz="1800" kern="1200">
+                <a:solidFill>
+                  <a:schemeClr val="tx1">
+                    <a:lumMod val="75000"/>
+                    <a:lumOff val="25000"/>
+                  </a:schemeClr>
+                </a:solidFill>
+                <a:latin typeface="+mn-lt"/>
+                <a:ea typeface="+mn-ea"/>
+                <a:cs typeface="+mn-cs"/>
+              </a:defRPr>
+            </a:lvl3pPr>
+            <a:lvl4pPr marL="1600200" indent="-228600" algn="l" defTabSz="457200" rtl="0" eaLnBrk="1" latinLnBrk="0" hangingPunct="1">
+              <a:spcBef>
+                <a:spcPct val="20000"/>
+              </a:spcBef>
+              <a:buFont typeface="Arial"/>
+              <a:buChar char="–"/>
+              <a:defRPr sz="1600" kern="1200">
+                <a:solidFill>
+                  <a:schemeClr val="tx1">
+                    <a:lumMod val="75000"/>
+                    <a:lumOff val="25000"/>
+                  </a:schemeClr>
+                </a:solidFill>
+                <a:latin typeface="+mn-lt"/>
+                <a:ea typeface="+mn-ea"/>
+                <a:cs typeface="+mn-cs"/>
+              </a:defRPr>
+            </a:lvl4pPr>
+            <a:lvl5pPr marL="2057400" indent="-228600" algn="l" defTabSz="457200" rtl="0" eaLnBrk="1" latinLnBrk="0" hangingPunct="1">
+              <a:spcBef>
+                <a:spcPct val="20000"/>
+              </a:spcBef>
+              <a:buFont typeface="Arial"/>
+              <a:buChar char="»"/>
+              <a:defRPr sz="1600" kern="1200">
+                <a:solidFill>
+                  <a:schemeClr val="tx1">
+                    <a:lumMod val="75000"/>
+                    <a:lumOff val="25000"/>
+                  </a:schemeClr>
+                </a:solidFill>
+                <a:latin typeface="+mn-lt"/>
+                <a:ea typeface="+mn-ea"/>
+                <a:cs typeface="+mn-cs"/>
+              </a:defRPr>
+            </a:lvl5pPr>
+            <a:lvl6pPr marL="2514600" indent="-228600" algn="l" defTabSz="457200" rtl="0" eaLnBrk="1" latinLnBrk="0" hangingPunct="1">
+              <a:spcBef>
+                <a:spcPct val="20000"/>
+              </a:spcBef>
+              <a:buFont typeface="Arial"/>
+              <a:buChar char="•"/>
+              <a:defRPr sz="1600" kern="1200">
+                <a:solidFill>
+                  <a:schemeClr val="tx1"/>
+                </a:solidFill>
+                <a:latin typeface="+mn-lt"/>
+                <a:ea typeface="+mn-ea"/>
+                <a:cs typeface="+mn-cs"/>
+              </a:defRPr>
+            </a:lvl6pPr>
+            <a:lvl7pPr marL="2971800" indent="-228600" algn="l" defTabSz="457200" rtl="0" eaLnBrk="1" latinLnBrk="0" hangingPunct="1">
+              <a:spcBef>
+                <a:spcPct val="20000"/>
+              </a:spcBef>
+              <a:buFont typeface="Arial"/>
+              <a:buChar char="•"/>
+              <a:defRPr sz="1600" kern="1200">
+                <a:solidFill>
+                  <a:schemeClr val="tx1"/>
+                </a:solidFill>
+                <a:latin typeface="+mn-lt"/>
+                <a:ea typeface="+mn-ea"/>
+                <a:cs typeface="+mn-cs"/>
+              </a:defRPr>
+            </a:lvl7pPr>
+            <a:lvl8pPr marL="3429000" indent="-228600" algn="l" defTabSz="457200" rtl="0" eaLnBrk="1" latinLnBrk="0" hangingPunct="1">
+              <a:spcBef>
+                <a:spcPct val="20000"/>
+              </a:spcBef>
+              <a:buFont typeface="Arial"/>
+              <a:buChar char="•"/>
+              <a:defRPr sz="1600" kern="1200">
+                <a:solidFill>
+                  <a:schemeClr val="tx1"/>
+                </a:solidFill>
+                <a:latin typeface="+mn-lt"/>
+                <a:ea typeface="+mn-ea"/>
+                <a:cs typeface="+mn-cs"/>
+              </a:defRPr>
+            </a:lvl8pPr>
+            <a:lvl9pPr marL="3886200" indent="-228600" algn="l" defTabSz="457200" rtl="0" eaLnBrk="1" latinLnBrk="0" hangingPunct="1">
+              <a:spcBef>
+                <a:spcPct val="20000"/>
+              </a:spcBef>
+              <a:buFont typeface="Arial"/>
+              <a:buChar char="•"/>
+              <a:defRPr sz="1600" kern="1200">
+                <a:solidFill>
+                  <a:schemeClr val="tx1"/>
+                </a:solidFill>
+                <a:latin typeface="+mn-lt"/>
+                <a:ea typeface="+mn-ea"/>
+                <a:cs typeface="+mn-cs"/>
+              </a:defRPr>
+            </a:lvl9pPr>
+          </a:lstStyle>
+          <a:p>
+            <a:endParaRPr lang="en-US" dirty="0"/>
           </a:p>
         </p:txBody>
       </p:sp>
@@ -8245,6 +13653,13 @@
   <p:clrMapOvr>
     <a:masterClrMapping/>
   </p:clrMapOvr>
+  <p:timing>
+    <p:tnLst>
+      <p:par>
+        <p:cTn id="1" dur="indefinite" restart="never" nodeType="tmRoot"/>
+      </p:par>
+    </p:tnLst>
+  </p:timing>
 </p:sld>
 </file>
 
@@ -8281,18 +13696,10 @@
           <a:lstStyle/>
           <a:p>
             <a:r>
-              <a:rPr lang="en-US" dirty="0" smtClean="0">
-                <a:solidFill>
-                  <a:srgbClr val="558ED5"/>
-                </a:solidFill>
-              </a:rPr>
-              <a:t>Experiments</a:t>
+              <a:rPr lang="en-US" dirty="0" smtClean="0"/>
+              <a:t>Models</a:t>
             </a:r>
-            <a:endParaRPr lang="en-US" dirty="0">
-              <a:solidFill>
-                <a:srgbClr val="558ED5"/>
-              </a:solidFill>
-            </a:endParaRPr>
+            <a:endParaRPr lang="en-US" dirty="0"/>
           </a:p>
         </p:txBody>
       </p:sp>
@@ -8308,79 +13715,30 @@
         </p:nvSpPr>
         <p:spPr/>
         <p:txBody>
-          <a:bodyPr>
-            <a:noAutofit/>
-          </a:bodyPr>
+          <a:bodyPr/>
           <a:lstStyle/>
           <a:p>
-            <a:r>
-              <a:rPr lang="en-US" sz="2800" dirty="0" smtClean="0"/>
-              <a:t>Objective Scores</a:t>
-            </a:r>
-          </a:p>
-          <a:p>
-            <a:pPr lvl="1"/>
-            <a:r>
-              <a:rPr lang="en-US" sz="2800" dirty="0"/>
-              <a:t> </a:t>
-            </a:r>
-            <a:r>
-              <a:rPr lang="en-US" sz="2800" dirty="0" smtClean="0"/>
-              <a:t>Scott-Knott test for 25 repeated runs</a:t>
-            </a:r>
-          </a:p>
-          <a:p>
-            <a:r>
-              <a:rPr lang="en-US" sz="2800" dirty="0" smtClean="0"/>
-              <a:t> Spread</a:t>
-            </a:r>
-          </a:p>
-          <a:p>
-            <a:pPr lvl="1"/>
-            <a:r>
-              <a:rPr lang="en-US" sz="2800" dirty="0" smtClean="0"/>
-              <a:t>Scott-Knott test for 25 repeated runs</a:t>
-            </a:r>
-          </a:p>
-          <a:p>
-            <a:r>
-              <a:rPr lang="en-US" sz="2800" dirty="0" smtClean="0"/>
-              <a:t>Run times</a:t>
-            </a:r>
-          </a:p>
-          <a:p>
-            <a:pPr lvl="1"/>
-            <a:r>
-              <a:rPr lang="en-US" sz="2800" dirty="0" smtClean="0"/>
-              <a:t>Averaged over 25 runs</a:t>
-            </a:r>
-          </a:p>
-          <a:p>
-            <a:r>
-              <a:rPr lang="en-US" sz="2800" dirty="0" smtClean="0"/>
-              <a:t>Number of Evaluations</a:t>
-            </a:r>
-          </a:p>
-          <a:p>
-            <a:pPr lvl="1"/>
-            <a:r>
-              <a:rPr lang="en-US" sz="2800" dirty="0" smtClean="0"/>
-              <a:t>Median over 25 runs</a:t>
-            </a:r>
-            <a:endParaRPr lang="en-US" sz="2800" dirty="0"/>
+            <a:endParaRPr lang="en-US"/>
           </a:p>
         </p:txBody>
       </p:sp>
     </p:spTree>
     <p:extLst>
       <p:ext uri="{BB962C8B-B14F-4D97-AF65-F5344CB8AC3E}">
-        <p14:creationId xmlns:p14="http://schemas.microsoft.com/office/powerpoint/2010/main" val="585575796"/>
+        <p14:creationId xmlns:p14="http://schemas.microsoft.com/office/powerpoint/2010/main" val="1368544590"/>
       </p:ext>
     </p:extLst>
   </p:cSld>
   <p:clrMapOvr>
     <a:masterClrMapping/>
   </p:clrMapOvr>
+  <p:timing>
+    <p:tnLst>
+      <p:par>
+        <p:cTn id="1" dur="indefinite" restart="never" nodeType="tmRoot"/>
+      </p:par>
+    </p:tnLst>
+  </p:timing>
 </p:sld>
 </file>
 
@@ -8417,10 +13775,18 @@
           <a:lstStyle/>
           <a:p>
             <a:r>
-              <a:rPr lang="en-US" dirty="0" smtClean="0"/>
-              <a:t>Models</a:t>
+              <a:rPr lang="en-US" dirty="0" smtClean="0">
+                <a:solidFill>
+                  <a:srgbClr val="558ED5"/>
+                </a:solidFill>
+              </a:rPr>
+              <a:t>Experiments</a:t>
             </a:r>
-            <a:endParaRPr lang="en-US" dirty="0"/>
+            <a:endParaRPr lang="en-US" dirty="0">
+              <a:solidFill>
+                <a:srgbClr val="558ED5"/>
+              </a:solidFill>
+            </a:endParaRPr>
           </a:p>
         </p:txBody>
       </p:sp>
@@ -8436,28 +13802,91 @@
         </p:nvSpPr>
         <p:spPr/>
         <p:txBody>
-          <a:bodyPr/>
+          <a:bodyPr>
+            <a:noAutofit/>
+          </a:bodyPr>
           <a:lstStyle/>
           <a:p>
-            <a:endParaRPr lang="en-US"/>
+            <a:r>
+              <a:rPr lang="en-US" sz="2800" dirty="0" smtClean="0"/>
+              <a:t>Objective Scores</a:t>
+            </a:r>
+          </a:p>
+          <a:p>
+            <a:pPr lvl="1"/>
+            <a:r>
+              <a:rPr lang="en-US" sz="2800" dirty="0"/>
+              <a:t> </a:t>
+            </a:r>
+            <a:r>
+              <a:rPr lang="en-US" sz="2800" dirty="0" smtClean="0"/>
+              <a:t>Scott-Knott test for 25 repeated runs</a:t>
+            </a:r>
+          </a:p>
+          <a:p>
+            <a:r>
+              <a:rPr lang="en-US" sz="2800" dirty="0" smtClean="0"/>
+              <a:t> Spread</a:t>
+            </a:r>
+          </a:p>
+          <a:p>
+            <a:pPr lvl="1"/>
+            <a:r>
+              <a:rPr lang="en-US" sz="2800" dirty="0" smtClean="0"/>
+              <a:t>Scott-Knott test for 25 repeated runs</a:t>
+            </a:r>
+          </a:p>
+          <a:p>
+            <a:r>
+              <a:rPr lang="en-US" sz="2800" dirty="0" smtClean="0"/>
+              <a:t>Run times</a:t>
+            </a:r>
+          </a:p>
+          <a:p>
+            <a:pPr lvl="1"/>
+            <a:r>
+              <a:rPr lang="en-US" sz="2800" dirty="0" smtClean="0"/>
+              <a:t>Averaged over 25 runs</a:t>
+            </a:r>
+          </a:p>
+          <a:p>
+            <a:r>
+              <a:rPr lang="en-US" sz="2800" dirty="0" smtClean="0"/>
+              <a:t>Number of Evaluations</a:t>
+            </a:r>
+          </a:p>
+          <a:p>
+            <a:pPr lvl="1"/>
+            <a:r>
+              <a:rPr lang="en-US" sz="2800" dirty="0" smtClean="0"/>
+              <a:t>Median over 25 runs</a:t>
+            </a:r>
+            <a:endParaRPr lang="en-US" sz="2800" dirty="0"/>
           </a:p>
         </p:txBody>
       </p:sp>
     </p:spTree>
     <p:extLst>
       <p:ext uri="{BB962C8B-B14F-4D97-AF65-F5344CB8AC3E}">
-        <p14:creationId xmlns:p14="http://schemas.microsoft.com/office/powerpoint/2010/main" val="1368544590"/>
+        <p14:creationId xmlns:p14="http://schemas.microsoft.com/office/powerpoint/2010/main" val="585575796"/>
       </p:ext>
     </p:extLst>
   </p:cSld>
   <p:clrMapOvr>
     <a:masterClrMapping/>
   </p:clrMapOvr>
+  <p:timing>
+    <p:tnLst>
+      <p:par>
+        <p:cTn id="1" dur="indefinite" restart="never" nodeType="tmRoot"/>
+      </p:par>
+    </p:tnLst>
+  </p:timing>
 </p:sld>
 </file>
 
 <file path=ppt/theme/theme1.xml><?xml version="1.0" encoding="utf-8"?>
-<a:theme xmlns:a="http://schemas.openxmlformats.org/drawingml/2006/main" name="Office Theme">
+<a:theme xmlns:a="http://schemas.openxmlformats.org/drawingml/2006/main" name="Theme1">
   <a:themeElements>
     <a:clrScheme name="Office">
       <a:dk1>
@@ -8773,6 +14202,11 @@
     </a:lnDef>
   </a:objectDefaults>
   <a:extraClrSchemeLst/>
+  <a:extLst>
+    <a:ext uri="{05A4C25C-085E-4340-85A3-A5531E510DB2}">
+      <thm15:themeFamily xmlns:thm15="http://schemas.microsoft.com/office/thememl/2012/main" name="Theme1" id="{2AF37087-C39C-4F97-A2FE-EC77633461DD}" vid="{361C239A-03E5-4B77-AC9B-13B98BE33068}"/>
+    </a:ext>
+  </a:extLst>
 </a:theme>
 </file>
 

--- a/DEADANT/deadAnt.pptx
+++ b/DEADANT/deadAnt.pptx
@@ -4719,6 +4719,90 @@
           <a:bodyPr/>
           <a:lstStyle/>
           <a:p>
+            <a:endParaRPr lang="en-US"/>
+          </a:p>
+        </p:txBody>
+      </p:sp>
+      <p:sp>
+        <p:nvSpPr>
+          <p:cNvPr id="4" name="Slide Number Placeholder 3"/>
+          <p:cNvSpPr>
+            <a:spLocks noGrp="1"/>
+          </p:cNvSpPr>
+          <p:nvPr>
+            <p:ph type="sldNum" sz="quarter" idx="10"/>
+          </p:nvPr>
+        </p:nvSpPr>
+        <p:spPr/>
+        <p:txBody>
+          <a:bodyPr/>
+          <a:lstStyle/>
+          <a:p>
+            <a:fld id="{43AA419B-D3AB-F049-9FFF-080EAE3F7483}" type="slidenum">
+              <a:rPr lang="en-US" smtClean="0"/>
+              <a:t>5</a:t>
+            </a:fld>
+            <a:endParaRPr lang="en-US"/>
+          </a:p>
+        </p:txBody>
+      </p:sp>
+    </p:spTree>
+    <p:extLst>
+      <p:ext uri="{BB962C8B-B14F-4D97-AF65-F5344CB8AC3E}">
+        <p14:creationId xmlns:p14="http://schemas.microsoft.com/office/powerpoint/2010/main" val="3307881904"/>
+      </p:ext>
+    </p:extLst>
+  </p:cSld>
+  <p:clrMapOvr>
+    <a:masterClrMapping/>
+  </p:clrMapOvr>
+</p:notes>
+</file>
+
+<file path=ppt/notesSlides/notesSlide2.xml><?xml version="1.0" encoding="utf-8"?>
+<p:notes xmlns:a="http://schemas.openxmlformats.org/drawingml/2006/main" xmlns:r="http://schemas.openxmlformats.org/officeDocument/2006/relationships" xmlns:p="http://schemas.openxmlformats.org/presentationml/2006/main">
+  <p:cSld>
+    <p:spTree>
+      <p:nvGrpSpPr>
+        <p:cNvPr id="1" name=""/>
+        <p:cNvGrpSpPr/>
+        <p:nvPr/>
+      </p:nvGrpSpPr>
+      <p:grpSpPr>
+        <a:xfrm>
+          <a:off x="0" y="0"/>
+          <a:ext cx="0" cy="0"/>
+          <a:chOff x="0" y="0"/>
+          <a:chExt cx="0" cy="0"/>
+        </a:xfrm>
+      </p:grpSpPr>
+      <p:sp>
+        <p:nvSpPr>
+          <p:cNvPr id="2" name="Slide Image Placeholder 1"/>
+          <p:cNvSpPr>
+            <a:spLocks noGrp="1" noRot="1" noChangeAspect="1"/>
+          </p:cNvSpPr>
+          <p:nvPr>
+            <p:ph type="sldImg"/>
+          </p:nvPr>
+        </p:nvSpPr>
+        <p:spPr/>
+      </p:sp>
+      <p:sp>
+        <p:nvSpPr>
+          <p:cNvPr id="3" name="Notes Placeholder 2"/>
+          <p:cNvSpPr>
+            <a:spLocks noGrp="1"/>
+          </p:cNvSpPr>
+          <p:nvPr>
+            <p:ph type="body" idx="1"/>
+          </p:nvPr>
+        </p:nvSpPr>
+        <p:spPr/>
+        <p:txBody>
+          <a:bodyPr/>
+          <a:lstStyle/>
+          <a:p>
             <a:endParaRPr lang="en-US" dirty="0"/>
           </a:p>
         </p:txBody>
@@ -12015,19 +12099,39 @@
         </p:spPr>
         <p:txBody>
           <a:bodyPr>
-            <a:normAutofit fontScale="92500" lnSpcReduction="20000"/>
+            <a:normAutofit fontScale="85000" lnSpcReduction="10000"/>
           </a:bodyPr>
           <a:lstStyle/>
           <a:p>
             <a:r>
               <a:rPr lang="en-US" dirty="0" smtClean="0"/>
-              <a:t>DeadAnt is a simple active learner.</a:t>
+              <a:t>DeadAnt is a simple active learner</a:t>
             </a:r>
-          </a:p>
-          <a:p>
             <a:r>
               <a:rPr lang="en-US" dirty="0" smtClean="0"/>
-              <a:t>It determines if a potential solution deserves evaluation.</a:t>
+              <a:t>.</a:t>
+            </a:r>
+          </a:p>
+          <a:p>
+            <a:pPr lvl="1"/>
+            <a:r>
+              <a:rPr lang="en-US" dirty="0" smtClean="0"/>
+              <a:t>Use less training, but allow machine to pick the examples to learn from [1]</a:t>
+            </a:r>
+            <a:endParaRPr lang="en-US" dirty="0" smtClean="0"/>
+          </a:p>
+          <a:p>
+            <a:r>
+              <a:rPr lang="en-US" dirty="0" smtClean="0"/>
+              <a:t>It </a:t>
+            </a:r>
+            <a:r>
+              <a:rPr lang="en-US" dirty="0" smtClean="0"/>
+              <a:t>uses an unsupervised method to decide  </a:t>
+            </a:r>
+            <a:r>
+              <a:rPr lang="en-US" dirty="0" smtClean="0"/>
+              <a:t>if a potential solution deserves evaluation.</a:t>
             </a:r>
           </a:p>
           <a:p>
@@ -12872,7 +12976,47 @@
           <a:bodyPr/>
           <a:lstStyle/>
           <a:p>
-            <a:endParaRPr lang="en-US"/>
+            <a:r>
+              <a:rPr lang="en-US" dirty="0" smtClean="0"/>
+              <a:t>Dead ant builds upon the directional mutation policy suggested in GALE [1].</a:t>
+            </a:r>
+          </a:p>
+          <a:p>
+            <a:pPr lvl="1"/>
+            <a:r>
+              <a:rPr lang="en-US" dirty="0" smtClean="0"/>
+              <a:t>For two solutions A and B, </a:t>
+            </a:r>
+            <a:endParaRPr lang="en-US" dirty="0"/>
+          </a:p>
+        </p:txBody>
+      </p:sp>
+      <p:sp>
+        <p:nvSpPr>
+          <p:cNvPr id="4" name="Footer Placeholder 3"/>
+          <p:cNvSpPr>
+            <a:spLocks noGrp="1"/>
+          </p:cNvSpPr>
+          <p:nvPr>
+            <p:ph type="ftr" sz="quarter" idx="11"/>
+          </p:nvPr>
+        </p:nvSpPr>
+        <p:spPr>
+          <a:xfrm>
+            <a:off x="0" y="6356350"/>
+            <a:ext cx="9144000" cy="365125"/>
+          </a:xfrm>
+        </p:spPr>
+        <p:txBody>
+          <a:bodyPr/>
+          <a:lstStyle/>
+          <a:p>
+            <a:pPr algn="l"/>
+            <a:r>
+              <a:rPr lang="en-US" dirty="0" smtClean="0"/>
+              <a:t>[1] Krall, Joseph. Faster Evolutionary Multi-Objective Optimization via GALE, the Geometric Active Learner. Diss. WEST VIRGINIA UNIVERSITY, 2014.</a:t>
+            </a:r>
+            <a:endParaRPr lang="en-US" dirty="0"/>
           </a:p>
         </p:txBody>
       </p:sp>

--- a/DEADANT/deadAnt.pptx
+++ b/DEADANT/deadAnt.pptx
@@ -1473,6 +1473,117 @@
         </a:p>
       </dgm:t>
     </dgm:pt>
+    <dgm:pt modelId="{FCFB91DF-C731-4CC6-8C14-ED9A822C12D7}">
+      <dgm:prSet phldrT="[Text]"/>
+      <dgm:spPr/>
+      <dgm:t>
+        <a:bodyPr/>
+        <a:lstStyle/>
+        <a:p>
+          <a:r>
+            <a:rPr lang="en-US" dirty="0" smtClean="0"/>
+            <a:t>Lab Models</a:t>
+          </a:r>
+          <a:endParaRPr lang="en-US" dirty="0"/>
+        </a:p>
+      </dgm:t>
+    </dgm:pt>
+    <dgm:pt modelId="{D67344EA-D441-45F6-9D23-7C59C9DBB98F}" type="parTrans" cxnId="{1375761B-31B3-4F78-A30D-724EB0A3FBE3}">
+      <dgm:prSet/>
+      <dgm:spPr/>
+      <dgm:t>
+        <a:bodyPr/>
+        <a:lstStyle/>
+        <a:p>
+          <a:endParaRPr lang="en-US"/>
+        </a:p>
+      </dgm:t>
+    </dgm:pt>
+    <dgm:pt modelId="{036FED77-7095-4BD8-99EB-FF1152DCAD9B}" type="sibTrans" cxnId="{1375761B-31B3-4F78-A30D-724EB0A3FBE3}">
+      <dgm:prSet/>
+      <dgm:spPr/>
+      <dgm:t>
+        <a:bodyPr/>
+        <a:lstStyle/>
+        <a:p>
+          <a:endParaRPr lang="en-US"/>
+        </a:p>
+      </dgm:t>
+    </dgm:pt>
+    <dgm:pt modelId="{2273F28B-4D9C-4126-A961-2FF62379CC5D}">
+      <dgm:prSet phldrT="[Text]"/>
+      <dgm:spPr/>
+      <dgm:t>
+        <a:bodyPr/>
+        <a:lstStyle/>
+        <a:p>
+          <a:r>
+            <a:rPr lang="en-US" dirty="0" smtClean="0"/>
+            <a:t>Standard Software Engineering models</a:t>
+          </a:r>
+          <a:endParaRPr lang="en-US" dirty="0"/>
+        </a:p>
+      </dgm:t>
+    </dgm:pt>
+    <dgm:pt modelId="{14148C52-B216-4E61-B303-F70D2BBDCED3}" type="parTrans" cxnId="{D9BB1A3F-092D-43C4-9B0A-DA3D8F0326DF}">
+      <dgm:prSet/>
+      <dgm:spPr/>
+      <dgm:t>
+        <a:bodyPr/>
+        <a:lstStyle/>
+        <a:p>
+          <a:endParaRPr lang="en-US"/>
+        </a:p>
+      </dgm:t>
+    </dgm:pt>
+    <dgm:pt modelId="{C2B8CF0F-8D15-45C8-838C-2308D635774A}" type="sibTrans" cxnId="{D9BB1A3F-092D-43C4-9B0A-DA3D8F0326DF}">
+      <dgm:prSet/>
+      <dgm:spPr/>
+      <dgm:t>
+        <a:bodyPr/>
+        <a:lstStyle/>
+        <a:p>
+          <a:endParaRPr lang="en-US"/>
+        </a:p>
+      </dgm:t>
+    </dgm:pt>
+    <dgm:pt modelId="{A288BCD2-AFA9-42B2-886C-03D9E73B7E90}">
+      <dgm:prSet phldrT="[Text]"/>
+      <dgm:spPr/>
+      <dgm:t>
+        <a:bodyPr/>
+        <a:lstStyle/>
+        <a:p>
+          <a:r>
+            <a:rPr lang="en-US" dirty="0" smtClean="0"/>
+            <a:t>Future work</a:t>
+          </a:r>
+          <a:endParaRPr lang="en-US" dirty="0"/>
+        </a:p>
+      </dgm:t>
+    </dgm:pt>
+    <dgm:pt modelId="{1271D95C-CE30-44F7-A504-17AC24D36FE5}" type="parTrans" cxnId="{7C5FC874-32A9-4F4C-9B73-623CB8B64620}">
+      <dgm:prSet/>
+      <dgm:spPr/>
+      <dgm:t>
+        <a:bodyPr/>
+        <a:lstStyle/>
+        <a:p>
+          <a:endParaRPr lang="en-US"/>
+        </a:p>
+      </dgm:t>
+    </dgm:pt>
+    <dgm:pt modelId="{A844707C-4A5F-43AF-B2A9-92CC6CE92B71}" type="sibTrans" cxnId="{7C5FC874-32A9-4F4C-9B73-623CB8B64620}">
+      <dgm:prSet/>
+      <dgm:spPr/>
+      <dgm:t>
+        <a:bodyPr/>
+        <a:lstStyle/>
+        <a:p>
+          <a:endParaRPr lang="en-US"/>
+        </a:p>
+      </dgm:t>
+    </dgm:pt>
     <dgm:pt modelId="{51003B77-5FFE-4D38-B24E-6D513F4FA35D}" type="pres">
       <dgm:prSet presAssocID="{444E5183-7A6B-446D-AA82-925892368028}" presName="Name0" presStyleCnt="0">
         <dgm:presLayoutVars>
@@ -1504,7 +1615,7 @@
       <dgm:spPr/>
     </dgm:pt>
     <dgm:pt modelId="{3E55B13C-E097-4F8E-8309-7E3C9431B4CB}" type="pres">
-      <dgm:prSet presAssocID="{3CFC32B3-0075-4F73-9D90-F80DF1A036B0}" presName="node" presStyleLbl="alignAccFollowNode1" presStyleIdx="0" presStyleCnt="9">
+      <dgm:prSet presAssocID="{3CFC32B3-0075-4F73-9D90-F80DF1A036B0}" presName="node" presStyleLbl="alignAccFollowNode1" presStyleIdx="0" presStyleCnt="12">
         <dgm:presLayoutVars>
           <dgm:bulletEnabled val="1"/>
         </dgm:presLayoutVars>
@@ -1523,7 +1634,7 @@
       <dgm:spPr/>
     </dgm:pt>
     <dgm:pt modelId="{1DDBDBAA-F41B-4AEC-B2E4-042D82D430A5}" type="pres">
-      <dgm:prSet presAssocID="{01DDFC7A-B6EE-45C9-AB46-D654305C2F0F}" presName="node" presStyleLbl="alignAccFollowNode1" presStyleIdx="1" presStyleCnt="9">
+      <dgm:prSet presAssocID="{01DDFC7A-B6EE-45C9-AB46-D654305C2F0F}" presName="node" presStyleLbl="alignAccFollowNode1" presStyleIdx="1" presStyleCnt="12">
         <dgm:presLayoutVars>
           <dgm:bulletEnabled val="1"/>
         </dgm:presLayoutVars>
@@ -1542,7 +1653,7 @@
       <dgm:spPr/>
     </dgm:pt>
     <dgm:pt modelId="{9150DD12-F3D7-423C-B543-5AB786706483}" type="pres">
-      <dgm:prSet presAssocID="{B25040E3-F85B-4162-A976-C3493BFB0C41}" presName="node" presStyleLbl="alignAccFollowNode1" presStyleIdx="2" presStyleCnt="9">
+      <dgm:prSet presAssocID="{B25040E3-F85B-4162-A976-C3493BFB0C41}" presName="node" presStyleLbl="alignAccFollowNode1" presStyleIdx="2" presStyleCnt="12">
         <dgm:presLayoutVars>
           <dgm:bulletEnabled val="1"/>
         </dgm:presLayoutVars>
@@ -1561,7 +1672,7 @@
       <dgm:spPr/>
     </dgm:pt>
     <dgm:pt modelId="{D41F4952-EBEA-460B-8173-D31828642EC3}" type="pres">
-      <dgm:prSet presAssocID="{245D8B87-C1E4-461C-B2B6-5916E6BECA36}" presName="node" presStyleLbl="alignAccFollowNode1" presStyleIdx="3" presStyleCnt="9">
+      <dgm:prSet presAssocID="{245D8B87-C1E4-461C-B2B6-5916E6BECA36}" presName="node" presStyleLbl="alignAccFollowNode1" presStyleIdx="3" presStyleCnt="12">
         <dgm:presLayoutVars>
           <dgm:bulletEnabled val="1"/>
         </dgm:presLayoutVars>
@@ -1585,7 +1696,7 @@
       <dgm:spPr/>
     </dgm:pt>
     <dgm:pt modelId="{B4F466BD-F413-45A2-960C-C1E1653C4C10}" type="pres">
-      <dgm:prSet presAssocID="{693E8AED-10CF-43AE-ABCD-1CF66FC51E15}" presName="node" presStyleLbl="alignAccFollowNode1" presStyleIdx="4" presStyleCnt="9" custScaleX="271790" custLinFactNeighborX="14165">
+      <dgm:prSet presAssocID="{693E8AED-10CF-43AE-ABCD-1CF66FC51E15}" presName="node" presStyleLbl="alignAccFollowNode1" presStyleIdx="4" presStyleCnt="12" custScaleX="271790" custLinFactNeighborX="2135">
         <dgm:presLayoutVars>
           <dgm:bulletEnabled val="1"/>
         </dgm:presLayoutVars>
@@ -1618,6 +1729,30 @@
         </a:p>
       </dgm:t>
     </dgm:pt>
+    <dgm:pt modelId="{57122748-8106-49CD-87F4-9A04DE3F508E}" type="pres">
+      <dgm:prSet presAssocID="{D67344EA-D441-45F6-9D23-7C59C9DBB98F}" presName="parTrans" presStyleCnt="0"/>
+      <dgm:spPr/>
+    </dgm:pt>
+    <dgm:pt modelId="{60E3E358-FBC4-447E-9E77-FBD8556DF755}" type="pres">
+      <dgm:prSet presAssocID="{FCFB91DF-C731-4CC6-8C14-ED9A822C12D7}" presName="node" presStyleLbl="alignAccFollowNode1" presStyleIdx="5" presStyleCnt="12">
+        <dgm:presLayoutVars>
+          <dgm:bulletEnabled val="1"/>
+        </dgm:presLayoutVars>
+      </dgm:prSet>
+      <dgm:spPr/>
+    </dgm:pt>
+    <dgm:pt modelId="{7688E68D-E33F-4687-B01D-6AB513FCD90C}" type="pres">
+      <dgm:prSet presAssocID="{036FED77-7095-4BD8-99EB-FF1152DCAD9B}" presName="sibTrans" presStyleCnt="0"/>
+      <dgm:spPr/>
+    </dgm:pt>
+    <dgm:pt modelId="{CB7A65D4-24C8-4CB8-8E72-C084E33F7AEC}" type="pres">
+      <dgm:prSet presAssocID="{2273F28B-4D9C-4126-A961-2FF62379CC5D}" presName="node" presStyleLbl="alignAccFollowNode1" presStyleIdx="6" presStyleCnt="12" custScaleX="186681" custLinFactNeighborX="4487">
+        <dgm:presLayoutVars>
+          <dgm:bulletEnabled val="1"/>
+        </dgm:presLayoutVars>
+      </dgm:prSet>
+      <dgm:spPr/>
+    </dgm:pt>
     <dgm:pt modelId="{7CEA2923-A848-4006-BB75-C6D2F26B5F0D}" type="pres">
       <dgm:prSet presAssocID="{0631099D-5047-4C59-8F65-7BE2C25A51AC}" presName="vSp" presStyleCnt="0"/>
       <dgm:spPr/>
@@ -1635,7 +1770,7 @@
       <dgm:spPr/>
     </dgm:pt>
     <dgm:pt modelId="{E00DB65B-EC6D-4460-A6F2-B34471E1010C}" type="pres">
-      <dgm:prSet presAssocID="{22C9B715-CC1A-4034-B219-45C2F9783C94}" presName="node" presStyleLbl="alignAccFollowNode1" presStyleIdx="5" presStyleCnt="9">
+      <dgm:prSet presAssocID="{22C9B715-CC1A-4034-B219-45C2F9783C94}" presName="node" presStyleLbl="alignAccFollowNode1" presStyleIdx="7" presStyleCnt="12">
         <dgm:presLayoutVars>
           <dgm:bulletEnabled val="1"/>
         </dgm:presLayoutVars>
@@ -1654,7 +1789,7 @@
       <dgm:spPr/>
     </dgm:pt>
     <dgm:pt modelId="{DA7328CA-34CD-4E59-B743-423867F32279}" type="pres">
-      <dgm:prSet presAssocID="{FFCF19BC-C3E4-47F4-9979-945C21DB0B8E}" presName="node" presStyleLbl="alignAccFollowNode1" presStyleIdx="6" presStyleCnt="9">
+      <dgm:prSet presAssocID="{FFCF19BC-C3E4-47F4-9979-945C21DB0B8E}" presName="node" presStyleLbl="alignAccFollowNode1" presStyleIdx="8" presStyleCnt="12">
         <dgm:presLayoutVars>
           <dgm:bulletEnabled val="1"/>
         </dgm:presLayoutVars>
@@ -1666,7 +1801,7 @@
       <dgm:spPr/>
     </dgm:pt>
     <dgm:pt modelId="{B8E9EE1B-2A64-4F2A-9B53-38E22FFCDD61}" type="pres">
-      <dgm:prSet presAssocID="{A7491E04-C484-4661-B60A-4D8F624B0908}" presName="node" presStyleLbl="alignAccFollowNode1" presStyleIdx="7" presStyleCnt="9">
+      <dgm:prSet presAssocID="{A7491E04-C484-4661-B60A-4D8F624B0908}" presName="node" presStyleLbl="alignAccFollowNode1" presStyleIdx="9" presStyleCnt="12">
         <dgm:presLayoutVars>
           <dgm:bulletEnabled val="1"/>
         </dgm:presLayoutVars>
@@ -1685,7 +1820,7 @@
       <dgm:spPr/>
     </dgm:pt>
     <dgm:pt modelId="{97DE7D96-5955-47FF-A6E1-8C623387A67B}" type="pres">
-      <dgm:prSet presAssocID="{6252CCA0-A196-4C82-9620-45E79D28E699}" presName="node" presStyleLbl="alignAccFollowNode1" presStyleIdx="8" presStyleCnt="9">
+      <dgm:prSet presAssocID="{6252CCA0-A196-4C82-9620-45E79D28E699}" presName="node" presStyleLbl="alignAccFollowNode1" presStyleIdx="10" presStyleCnt="12">
         <dgm:presLayoutVars>
           <dgm:bulletEnabled val="1"/>
         </dgm:presLayoutVars>
@@ -1718,6 +1853,25 @@
         </a:p>
       </dgm:t>
     </dgm:pt>
+    <dgm:pt modelId="{031095EB-0F53-43E7-9306-F3C16681AEF5}" type="pres">
+      <dgm:prSet presAssocID="{1271D95C-CE30-44F7-A504-17AC24D36FE5}" presName="parTrans" presStyleCnt="0"/>
+      <dgm:spPr/>
+    </dgm:pt>
+    <dgm:pt modelId="{31F65324-FEE7-475A-8CD4-4C4A40847595}" type="pres">
+      <dgm:prSet presAssocID="{A288BCD2-AFA9-42B2-886C-03D9E73B7E90}" presName="node" presStyleLbl="alignAccFollowNode1" presStyleIdx="11" presStyleCnt="12">
+        <dgm:presLayoutVars>
+          <dgm:bulletEnabled val="1"/>
+        </dgm:presLayoutVars>
+      </dgm:prSet>
+      <dgm:spPr/>
+      <dgm:t>
+        <a:bodyPr/>
+        <a:lstStyle/>
+        <a:p>
+          <a:endParaRPr lang="en-US"/>
+        </a:p>
+      </dgm:t>
+    </dgm:pt>
     <dgm:pt modelId="{702E1062-8672-4639-B15D-BCB0C1115158}" type="pres">
       <dgm:prSet presAssocID="{5618C51E-C52A-4AB3-AD73-9640418316A4}" presName="vSp" presStyleCnt="0"/>
       <dgm:spPr/>
@@ -1732,36 +1886,42 @@
     </dgm:pt>
   </dgm:ptLst>
   <dgm:cxnLst>
+    <dgm:cxn modelId="{0913EF34-AFC8-450E-99EA-A71705FA6A04}" type="presOf" srcId="{444E5183-7A6B-446D-AA82-925892368028}" destId="{51003B77-5FFE-4D38-B24E-6D513F4FA35D}" srcOrd="0" destOrd="0" presId="urn:microsoft.com/office/officeart/2005/8/layout/lProcess3"/>
+    <dgm:cxn modelId="{850AA1F6-7D33-4A82-929F-89639C99CEB7}" type="presOf" srcId="{C45B2E88-3AF2-4DFF-9E1F-967BFA709EB6}" destId="{57BD0BDD-5BD4-4ED7-ABD9-241618554954}" srcOrd="0" destOrd="0" presId="urn:microsoft.com/office/officeart/2005/8/layout/lProcess3"/>
+    <dgm:cxn modelId="{F65C8620-A975-4CEF-8B55-F7446017AD85}" srcId="{9DD0AB8C-80BE-47F5-BF6F-26E357CA90B5}" destId="{22C9B715-CC1A-4034-B219-45C2F9783C94}" srcOrd="0" destOrd="0" parTransId="{7DE9AE4F-761E-4283-9379-842A2AC78461}" sibTransId="{8EB4F1E4-AB48-4CBC-B0DC-5576BB535370}"/>
+    <dgm:cxn modelId="{F3050ACA-D1FA-4A81-B4C0-C132A8DB2E30}" type="presOf" srcId="{A288BCD2-AFA9-42B2-886C-03D9E73B7E90}" destId="{31F65324-FEE7-475A-8CD4-4C4A40847595}" srcOrd="0" destOrd="0" presId="urn:microsoft.com/office/officeart/2005/8/layout/lProcess3"/>
+    <dgm:cxn modelId="{E20EFF47-2B85-4828-8E17-F95C9F35F109}" type="presOf" srcId="{6252CCA0-A196-4C82-9620-45E79D28E699}" destId="{97DE7D96-5955-47FF-A6E1-8C623387A67B}" srcOrd="0" destOrd="0" presId="urn:microsoft.com/office/officeart/2005/8/layout/lProcess3"/>
+    <dgm:cxn modelId="{CE497331-953B-43F6-9954-6FD0BF89B11C}" srcId="{5554675B-6030-4514-B76D-0B104699CB7D}" destId="{01DDFC7A-B6EE-45C9-AB46-D654305C2F0F}" srcOrd="1" destOrd="0" parTransId="{79412032-7D1C-4131-956C-FDBE9CA2B285}" sibTransId="{AB806102-D25C-48A1-B620-C56C785368B3}"/>
+    <dgm:cxn modelId="{B054EF0B-6CAB-4834-BB24-EE5FF1BA5AD4}" srcId="{5554675B-6030-4514-B76D-0B104699CB7D}" destId="{3CFC32B3-0075-4F73-9D90-F80DF1A036B0}" srcOrd="0" destOrd="0" parTransId="{78338A9E-1B2A-48CA-9D95-6EE0F2C7DD94}" sibTransId="{2BBE5AEF-ED4D-4C70-BD86-366B05F4285C}"/>
+    <dgm:cxn modelId="{3B3B014C-CC44-4EC3-B090-1998CA891C91}" type="presOf" srcId="{245D8B87-C1E4-461C-B2B6-5916E6BECA36}" destId="{D41F4952-EBEA-460B-8173-D31828642EC3}" srcOrd="0" destOrd="0" presId="urn:microsoft.com/office/officeart/2005/8/layout/lProcess3"/>
+    <dgm:cxn modelId="{F7440169-5CC8-488C-9343-8A29E6AEA664}" type="presOf" srcId="{FFCF19BC-C3E4-47F4-9979-945C21DB0B8E}" destId="{DA7328CA-34CD-4E59-B743-423867F32279}" srcOrd="0" destOrd="0" presId="urn:microsoft.com/office/officeart/2005/8/layout/lProcess3"/>
+    <dgm:cxn modelId="{719C9742-3BA9-4C7E-8AE9-F2611A1634AF}" type="presOf" srcId="{0631099D-5047-4C59-8F65-7BE2C25A51AC}" destId="{0AF5FB5D-D46E-4A96-8B4E-E396EE6C1E4E}" srcOrd="0" destOrd="0" presId="urn:microsoft.com/office/officeart/2005/8/layout/lProcess3"/>
+    <dgm:cxn modelId="{A772597B-F626-4414-ADF0-0F9220B6C3D3}" type="presOf" srcId="{693E8AED-10CF-43AE-ABCD-1CF66FC51E15}" destId="{B4F466BD-F413-45A2-960C-C1E1653C4C10}" srcOrd="0" destOrd="0" presId="urn:microsoft.com/office/officeart/2005/8/layout/lProcess3"/>
+    <dgm:cxn modelId="{480588EA-475D-4230-A193-1FAD51A8C752}" srcId="{83089EAC-DA9B-421D-B136-9BE34427A542}" destId="{693E8AED-10CF-43AE-ABCD-1CF66FC51E15}" srcOrd="0" destOrd="0" parTransId="{C5F16147-1447-486C-B959-D537F4382BA7}" sibTransId="{6DF23FBF-5E4C-4C92-866F-7EF99E9D0F69}"/>
+    <dgm:cxn modelId="{8BE7F654-8CB6-4B4D-9323-2EF6C13B629A}" srcId="{444E5183-7A6B-446D-AA82-925892368028}" destId="{0631099D-5047-4C59-8F65-7BE2C25A51AC}" srcOrd="2" destOrd="0" parTransId="{0B1DA698-6413-49F4-ADBE-A13CBE8CE468}" sibTransId="{CB8F8FE8-2A6D-44B4-A43E-0858C743DA0F}"/>
+    <dgm:cxn modelId="{2956E66D-FABF-41C4-89FA-7FA262DCC92F}" srcId="{444E5183-7A6B-446D-AA82-925892368028}" destId="{83089EAC-DA9B-421D-B136-9BE34427A542}" srcOrd="1" destOrd="0" parTransId="{267E19FA-860A-43F7-BBD0-C6EAE088370E}" sibTransId="{CF046848-F1F6-4A52-8B86-2621BB587EEB}"/>
+    <dgm:cxn modelId="{7C5FC874-32A9-4F4C-9B73-623CB8B64620}" srcId="{5618C51E-C52A-4AB3-AD73-9640418316A4}" destId="{A288BCD2-AFA9-42B2-886C-03D9E73B7E90}" srcOrd="0" destOrd="0" parTransId="{1271D95C-CE30-44F7-A504-17AC24D36FE5}" sibTransId="{A844707C-4A5F-43AF-B2A9-92CC6CE92B71}"/>
+    <dgm:cxn modelId="{D64F55D4-40B3-465D-8C65-311595F719DA}" type="presOf" srcId="{B25040E3-F85B-4162-A976-C3493BFB0C41}" destId="{9150DD12-F3D7-423C-B543-5AB786706483}" srcOrd="0" destOrd="0" presId="urn:microsoft.com/office/officeart/2005/8/layout/lProcess3"/>
+    <dgm:cxn modelId="{C3C1E662-31F2-49D4-AC0C-E797B5BC2B37}" type="presOf" srcId="{FCFB91DF-C731-4CC6-8C14-ED9A822C12D7}" destId="{60E3E358-FBC4-447E-9E77-FBD8556DF755}" srcOrd="0" destOrd="0" presId="urn:microsoft.com/office/officeart/2005/8/layout/lProcess3"/>
+    <dgm:cxn modelId="{D13CC75B-85B9-44CF-8C36-A93A7BDA7399}" srcId="{444E5183-7A6B-446D-AA82-925892368028}" destId="{C45B2E88-3AF2-4DFF-9E1F-967BFA709EB6}" srcOrd="5" destOrd="0" parTransId="{D21A32EE-FF6F-487C-899A-CAC90B0C365A}" sibTransId="{37D0E65C-5458-4C4E-B512-BCD3A1821A26}"/>
+    <dgm:cxn modelId="{D9BB1A3F-092D-43C4-9B0A-DA3D8F0326DF}" srcId="{0631099D-5047-4C59-8F65-7BE2C25A51AC}" destId="{2273F28B-4D9C-4126-A961-2FF62379CC5D}" srcOrd="1" destOrd="0" parTransId="{14148C52-B216-4E61-B303-F70D2BBDCED3}" sibTransId="{C2B8CF0F-8D15-45C8-838C-2308D635774A}"/>
     <dgm:cxn modelId="{D5954A69-2791-417F-BEF9-0A8808164B38}" type="presOf" srcId="{01DDFC7A-B6EE-45C9-AB46-D654305C2F0F}" destId="{1DDBDBAA-F41B-4AEC-B2E4-042D82D430A5}" srcOrd="0" destOrd="0" presId="urn:microsoft.com/office/officeart/2005/8/layout/lProcess3"/>
-    <dgm:cxn modelId="{CE497331-953B-43F6-9954-6FD0BF89B11C}" srcId="{5554675B-6030-4514-B76D-0B104699CB7D}" destId="{01DDFC7A-B6EE-45C9-AB46-D654305C2F0F}" srcOrd="1" destOrd="0" parTransId="{79412032-7D1C-4131-956C-FDBE9CA2B285}" sibTransId="{AB806102-D25C-48A1-B620-C56C785368B3}"/>
+    <dgm:cxn modelId="{405ED81E-BEF4-4763-8F6B-0A101CDB9371}" srcId="{9DD0AB8C-80BE-47F5-BF6F-26E357CA90B5}" destId="{FFCF19BC-C3E4-47F4-9979-945C21DB0B8E}" srcOrd="1" destOrd="0" parTransId="{81D4C63F-47FA-4CDD-9EB8-A50618CEA00D}" sibTransId="{65861B45-7A1B-40CA-8D26-B1B9007B77BD}"/>
+    <dgm:cxn modelId="{1375761B-31B3-4F78-A30D-724EB0A3FBE3}" srcId="{0631099D-5047-4C59-8F65-7BE2C25A51AC}" destId="{FCFB91DF-C731-4CC6-8C14-ED9A822C12D7}" srcOrd="0" destOrd="0" parTransId="{D67344EA-D441-45F6-9D23-7C59C9DBB98F}" sibTransId="{036FED77-7095-4BD8-99EB-FF1152DCAD9B}"/>
+    <dgm:cxn modelId="{B6A7D303-B66F-4A31-977F-BCC7EB02FD9B}" type="presOf" srcId="{5554675B-6030-4514-B76D-0B104699CB7D}" destId="{7291D0F1-0C75-45BB-9AF1-3CC197D560F7}" srcOrd="0" destOrd="0" presId="urn:microsoft.com/office/officeart/2005/8/layout/lProcess3"/>
+    <dgm:cxn modelId="{CDDD4E89-348D-4EA4-A68D-EB533D1EFB2F}" srcId="{444E5183-7A6B-446D-AA82-925892368028}" destId="{5554675B-6030-4514-B76D-0B104699CB7D}" srcOrd="0" destOrd="0" parTransId="{F39AD48A-1ADD-4E0D-B3FA-F329900EF9F4}" sibTransId="{89C3DD63-84E8-4B19-B5A4-FCAD660A882D}"/>
+    <dgm:cxn modelId="{01AB94B6-A6B2-49CE-B333-07514103CCD0}" type="presOf" srcId="{83089EAC-DA9B-421D-B136-9BE34427A542}" destId="{5AFDEDD9-A095-4000-A90B-1BA903CD0E56}" srcOrd="0" destOrd="0" presId="urn:microsoft.com/office/officeart/2005/8/layout/lProcess3"/>
+    <dgm:cxn modelId="{1CA055F5-2492-4790-A923-0B724510C205}" srcId="{5554675B-6030-4514-B76D-0B104699CB7D}" destId="{B25040E3-F85B-4162-A976-C3493BFB0C41}" srcOrd="2" destOrd="0" parTransId="{2DCCA558-803E-4FF3-A3F4-9C792EE13A6E}" sibTransId="{43F8CFA0-CC6C-4370-85B8-BC6D850E4D88}"/>
+    <dgm:cxn modelId="{3E285289-B743-40DD-9CBF-039BA29FA0F5}" type="presOf" srcId="{22C9B715-CC1A-4034-B219-45C2F9783C94}" destId="{E00DB65B-EC6D-4460-A6F2-B34471E1010C}" srcOrd="0" destOrd="0" presId="urn:microsoft.com/office/officeart/2005/8/layout/lProcess3"/>
+    <dgm:cxn modelId="{F5A73133-1D35-4B21-9115-5CEF076CB08B}" srcId="{9DD0AB8C-80BE-47F5-BF6F-26E357CA90B5}" destId="{A7491E04-C484-4661-B60A-4D8F624B0908}" srcOrd="2" destOrd="0" parTransId="{F1D6CB5D-8907-4931-8313-C4F6C06A1B3F}" sibTransId="{9B2B9807-3CC0-4F47-8C13-88E417BD672A}"/>
+    <dgm:cxn modelId="{C7EB3384-F783-4F61-BD65-15DB9D2FB94D}" type="presOf" srcId="{3CFC32B3-0075-4F73-9D90-F80DF1A036B0}" destId="{3E55B13C-E097-4F8E-8309-7E3C9431B4CB}" srcOrd="0" destOrd="0" presId="urn:microsoft.com/office/officeart/2005/8/layout/lProcess3"/>
     <dgm:cxn modelId="{17E7387A-40B4-434A-B9D6-F91C7A9E0CDA}" type="presOf" srcId="{9DD0AB8C-80BE-47F5-BF6F-26E357CA90B5}" destId="{AA1E12C4-7D90-4C29-982C-7C6DB7E878F4}" srcOrd="0" destOrd="0" presId="urn:microsoft.com/office/officeart/2005/8/layout/lProcess3"/>
-    <dgm:cxn modelId="{3B3B014C-CC44-4EC3-B090-1998CA891C91}" type="presOf" srcId="{245D8B87-C1E4-461C-B2B6-5916E6BECA36}" destId="{D41F4952-EBEA-460B-8173-D31828642EC3}" srcOrd="0" destOrd="0" presId="urn:microsoft.com/office/officeart/2005/8/layout/lProcess3"/>
-    <dgm:cxn modelId="{F5A73133-1D35-4B21-9115-5CEF076CB08B}" srcId="{9DD0AB8C-80BE-47F5-BF6F-26E357CA90B5}" destId="{A7491E04-C484-4661-B60A-4D8F624B0908}" srcOrd="2" destOrd="0" parTransId="{F1D6CB5D-8907-4931-8313-C4F6C06A1B3F}" sibTransId="{9B2B9807-3CC0-4F47-8C13-88E417BD672A}"/>
-    <dgm:cxn modelId="{850AA1F6-7D33-4A82-929F-89639C99CEB7}" type="presOf" srcId="{C45B2E88-3AF2-4DFF-9E1F-967BFA709EB6}" destId="{57BD0BDD-5BD4-4ED7-ABD9-241618554954}" srcOrd="0" destOrd="0" presId="urn:microsoft.com/office/officeart/2005/8/layout/lProcess3"/>
-    <dgm:cxn modelId="{F7440169-5CC8-488C-9343-8A29E6AEA664}" type="presOf" srcId="{FFCF19BC-C3E4-47F4-9979-945C21DB0B8E}" destId="{DA7328CA-34CD-4E59-B743-423867F32279}" srcOrd="0" destOrd="0" presId="urn:microsoft.com/office/officeart/2005/8/layout/lProcess3"/>
-    <dgm:cxn modelId="{1CA055F5-2492-4790-A923-0B724510C205}" srcId="{5554675B-6030-4514-B76D-0B104699CB7D}" destId="{B25040E3-F85B-4162-A976-C3493BFB0C41}" srcOrd="2" destOrd="0" parTransId="{2DCCA558-803E-4FF3-A3F4-9C792EE13A6E}" sibTransId="{43F8CFA0-CC6C-4370-85B8-BC6D850E4D88}"/>
-    <dgm:cxn modelId="{405ED81E-BEF4-4763-8F6B-0A101CDB9371}" srcId="{9DD0AB8C-80BE-47F5-BF6F-26E357CA90B5}" destId="{FFCF19BC-C3E4-47F4-9979-945C21DB0B8E}" srcOrd="1" destOrd="0" parTransId="{81D4C63F-47FA-4CDD-9EB8-A50618CEA00D}" sibTransId="{65861B45-7A1B-40CA-8D26-B1B9007B77BD}"/>
-    <dgm:cxn modelId="{B6A7D303-B66F-4A31-977F-BCC7EB02FD9B}" type="presOf" srcId="{5554675B-6030-4514-B76D-0B104699CB7D}" destId="{7291D0F1-0C75-45BB-9AF1-3CC197D560F7}" srcOrd="0" destOrd="0" presId="urn:microsoft.com/office/officeart/2005/8/layout/lProcess3"/>
-    <dgm:cxn modelId="{3E285289-B743-40DD-9CBF-039BA29FA0F5}" type="presOf" srcId="{22C9B715-CC1A-4034-B219-45C2F9783C94}" destId="{E00DB65B-EC6D-4460-A6F2-B34471E1010C}" srcOrd="0" destOrd="0" presId="urn:microsoft.com/office/officeart/2005/8/layout/lProcess3"/>
-    <dgm:cxn modelId="{D13CC75B-85B9-44CF-8C36-A93A7BDA7399}" srcId="{444E5183-7A6B-446D-AA82-925892368028}" destId="{C45B2E88-3AF2-4DFF-9E1F-967BFA709EB6}" srcOrd="5" destOrd="0" parTransId="{D21A32EE-FF6F-487C-899A-CAC90B0C365A}" sibTransId="{37D0E65C-5458-4C4E-B512-BCD3A1821A26}"/>
+    <dgm:cxn modelId="{C76020EE-693E-46EC-B8C3-2F30692884CB}" type="presOf" srcId="{2273F28B-4D9C-4126-A961-2FF62379CC5D}" destId="{CB7A65D4-24C8-4CB8-8E72-C084E33F7AEC}" srcOrd="0" destOrd="0" presId="urn:microsoft.com/office/officeart/2005/8/layout/lProcess3"/>
     <dgm:cxn modelId="{19D10751-C679-4682-BFE3-779A5434B867}" type="presOf" srcId="{5618C51E-C52A-4AB3-AD73-9640418316A4}" destId="{BF0F67D2-D705-4DA1-B37D-23BF925473ED}" srcOrd="0" destOrd="0" presId="urn:microsoft.com/office/officeart/2005/8/layout/lProcess3"/>
-    <dgm:cxn modelId="{D64F55D4-40B3-465D-8C65-311595F719DA}" type="presOf" srcId="{B25040E3-F85B-4162-A976-C3493BFB0C41}" destId="{9150DD12-F3D7-423C-B543-5AB786706483}" srcOrd="0" destOrd="0" presId="urn:microsoft.com/office/officeart/2005/8/layout/lProcess3"/>
-    <dgm:cxn modelId="{C7EB3384-F783-4F61-BD65-15DB9D2FB94D}" type="presOf" srcId="{3CFC32B3-0075-4F73-9D90-F80DF1A036B0}" destId="{3E55B13C-E097-4F8E-8309-7E3C9431B4CB}" srcOrd="0" destOrd="0" presId="urn:microsoft.com/office/officeart/2005/8/layout/lProcess3"/>
     <dgm:cxn modelId="{3456DC57-98F5-4872-BD36-A41C46DA80E8}" type="presOf" srcId="{A7491E04-C484-4661-B60A-4D8F624B0908}" destId="{B8E9EE1B-2A64-4F2A-9B53-38E22FFCDD61}" srcOrd="0" destOrd="0" presId="urn:microsoft.com/office/officeart/2005/8/layout/lProcess3"/>
-    <dgm:cxn modelId="{F65C8620-A975-4CEF-8B55-F7446017AD85}" srcId="{9DD0AB8C-80BE-47F5-BF6F-26E357CA90B5}" destId="{22C9B715-CC1A-4034-B219-45C2F9783C94}" srcOrd="0" destOrd="0" parTransId="{7DE9AE4F-761E-4283-9379-842A2AC78461}" sibTransId="{8EB4F1E4-AB48-4CBC-B0DC-5576BB535370}"/>
+    <dgm:cxn modelId="{3BC1B606-E173-46C5-92F1-43096FD4FE84}" srcId="{444E5183-7A6B-446D-AA82-925892368028}" destId="{9DD0AB8C-80BE-47F5-BF6F-26E357CA90B5}" srcOrd="3" destOrd="0" parTransId="{1746D7AB-860E-456F-B18F-B1F5B7465364}" sibTransId="{B3E5BBF7-D510-4D45-8B6A-27CE05819F2A}"/>
+    <dgm:cxn modelId="{02441A39-7459-4FA5-A330-DB44F852AB14}" srcId="{9DD0AB8C-80BE-47F5-BF6F-26E357CA90B5}" destId="{6252CCA0-A196-4C82-9620-45E79D28E699}" srcOrd="3" destOrd="0" parTransId="{1722F094-CB81-48F5-81BE-3B3E72F351A0}" sibTransId="{BD75E7C4-2E38-4D7A-B1FB-7630BC8FA57B}"/>
     <dgm:cxn modelId="{4082450E-8D37-44DD-8121-A1D2FAAD02E5}" srcId="{5554675B-6030-4514-B76D-0B104699CB7D}" destId="{245D8B87-C1E4-461C-B2B6-5916E6BECA36}" srcOrd="3" destOrd="0" parTransId="{66FC46B3-4BBA-41F1-BF26-A9051F653E6A}" sibTransId="{A707FFA7-907F-4E62-8BB5-D52AF8EDCBBE}"/>
-    <dgm:cxn modelId="{3BC1B606-E173-46C5-92F1-43096FD4FE84}" srcId="{444E5183-7A6B-446D-AA82-925892368028}" destId="{9DD0AB8C-80BE-47F5-BF6F-26E357CA90B5}" srcOrd="3" destOrd="0" parTransId="{1746D7AB-860E-456F-B18F-B1F5B7465364}" sibTransId="{B3E5BBF7-D510-4D45-8B6A-27CE05819F2A}"/>
-    <dgm:cxn modelId="{B054EF0B-6CAB-4834-BB24-EE5FF1BA5AD4}" srcId="{5554675B-6030-4514-B76D-0B104699CB7D}" destId="{3CFC32B3-0075-4F73-9D90-F80DF1A036B0}" srcOrd="0" destOrd="0" parTransId="{78338A9E-1B2A-48CA-9D95-6EE0F2C7DD94}" sibTransId="{2BBE5AEF-ED4D-4C70-BD86-366B05F4285C}"/>
-    <dgm:cxn modelId="{0913EF34-AFC8-450E-99EA-A71705FA6A04}" type="presOf" srcId="{444E5183-7A6B-446D-AA82-925892368028}" destId="{51003B77-5FFE-4D38-B24E-6D513F4FA35D}" srcOrd="0" destOrd="0" presId="urn:microsoft.com/office/officeart/2005/8/layout/lProcess3"/>
-    <dgm:cxn modelId="{E20EFF47-2B85-4828-8E17-F95C9F35F109}" type="presOf" srcId="{6252CCA0-A196-4C82-9620-45E79D28E699}" destId="{97DE7D96-5955-47FF-A6E1-8C623387A67B}" srcOrd="0" destOrd="0" presId="urn:microsoft.com/office/officeart/2005/8/layout/lProcess3"/>
-    <dgm:cxn modelId="{8BE7F654-8CB6-4B4D-9323-2EF6C13B629A}" srcId="{444E5183-7A6B-446D-AA82-925892368028}" destId="{0631099D-5047-4C59-8F65-7BE2C25A51AC}" srcOrd="2" destOrd="0" parTransId="{0B1DA698-6413-49F4-ADBE-A13CBE8CE468}" sibTransId="{CB8F8FE8-2A6D-44B4-A43E-0858C743DA0F}"/>
-    <dgm:cxn modelId="{02441A39-7459-4FA5-A330-DB44F852AB14}" srcId="{9DD0AB8C-80BE-47F5-BF6F-26E357CA90B5}" destId="{6252CCA0-A196-4C82-9620-45E79D28E699}" srcOrd="3" destOrd="0" parTransId="{1722F094-CB81-48F5-81BE-3B3E72F351A0}" sibTransId="{BD75E7C4-2E38-4D7A-B1FB-7630BC8FA57B}"/>
-    <dgm:cxn modelId="{A772597B-F626-4414-ADF0-0F9220B6C3D3}" type="presOf" srcId="{693E8AED-10CF-43AE-ABCD-1CF66FC51E15}" destId="{B4F466BD-F413-45A2-960C-C1E1653C4C10}" srcOrd="0" destOrd="0" presId="urn:microsoft.com/office/officeart/2005/8/layout/lProcess3"/>
-    <dgm:cxn modelId="{2956E66D-FABF-41C4-89FA-7FA262DCC92F}" srcId="{444E5183-7A6B-446D-AA82-925892368028}" destId="{83089EAC-DA9B-421D-B136-9BE34427A542}" srcOrd="1" destOrd="0" parTransId="{267E19FA-860A-43F7-BBD0-C6EAE088370E}" sibTransId="{CF046848-F1F6-4A52-8B86-2621BB587EEB}"/>
-    <dgm:cxn modelId="{719C9742-3BA9-4C7E-8AE9-F2611A1634AF}" type="presOf" srcId="{0631099D-5047-4C59-8F65-7BE2C25A51AC}" destId="{0AF5FB5D-D46E-4A96-8B4E-E396EE6C1E4E}" srcOrd="0" destOrd="0" presId="urn:microsoft.com/office/officeart/2005/8/layout/lProcess3"/>
-    <dgm:cxn modelId="{CDDD4E89-348D-4EA4-A68D-EB533D1EFB2F}" srcId="{444E5183-7A6B-446D-AA82-925892368028}" destId="{5554675B-6030-4514-B76D-0B104699CB7D}" srcOrd="0" destOrd="0" parTransId="{F39AD48A-1ADD-4E0D-B3FA-F329900EF9F4}" sibTransId="{89C3DD63-84E8-4B19-B5A4-FCAD660A882D}"/>
-    <dgm:cxn modelId="{480588EA-475D-4230-A193-1FAD51A8C752}" srcId="{83089EAC-DA9B-421D-B136-9BE34427A542}" destId="{693E8AED-10CF-43AE-ABCD-1CF66FC51E15}" srcOrd="0" destOrd="0" parTransId="{C5F16147-1447-486C-B959-D537F4382BA7}" sibTransId="{6DF23FBF-5E4C-4C92-866F-7EF99E9D0F69}"/>
-    <dgm:cxn modelId="{01AB94B6-A6B2-49CE-B333-07514103CCD0}" type="presOf" srcId="{83089EAC-DA9B-421D-B136-9BE34427A542}" destId="{5AFDEDD9-A095-4000-A90B-1BA903CD0E56}" srcOrd="0" destOrd="0" presId="urn:microsoft.com/office/officeart/2005/8/layout/lProcess3"/>
     <dgm:cxn modelId="{49680F7C-491A-4067-8028-CBF38716015A}" srcId="{444E5183-7A6B-446D-AA82-925892368028}" destId="{5618C51E-C52A-4AB3-AD73-9640418316A4}" srcOrd="4" destOrd="0" parTransId="{F99DB35E-5425-47F8-8425-08106415BF73}" sibTransId="{B13E6579-A4BF-4A5A-BD48-FDEC03BBE98C}"/>
     <dgm:cxn modelId="{8172A22B-A6A9-4657-8A4A-B20589756CE1}" type="presParOf" srcId="{51003B77-5FFE-4D38-B24E-6D513F4FA35D}" destId="{01E87C72-BFD9-4981-8290-CAA52486F16D}" srcOrd="0" destOrd="0" presId="urn:microsoft.com/office/officeart/2005/8/layout/lProcess3"/>
     <dgm:cxn modelId="{61CDFC71-C394-4781-80E5-88F3736AE342}" type="presParOf" srcId="{01E87C72-BFD9-4981-8290-CAA52486F16D}" destId="{7291D0F1-0C75-45BB-9AF1-3CC197D560F7}" srcOrd="0" destOrd="0" presId="urn:microsoft.com/office/officeart/2005/8/layout/lProcess3"/>
@@ -1781,6 +1941,10 @@
     <dgm:cxn modelId="{9DD71668-6CAA-4E12-8607-C69179719457}" type="presParOf" srcId="{51003B77-5FFE-4D38-B24E-6D513F4FA35D}" destId="{F006076C-9214-4585-993E-D8E390D89EE2}" srcOrd="3" destOrd="0" presId="urn:microsoft.com/office/officeart/2005/8/layout/lProcess3"/>
     <dgm:cxn modelId="{E953B562-E524-482E-ADEC-B5F3903A796B}" type="presParOf" srcId="{51003B77-5FFE-4D38-B24E-6D513F4FA35D}" destId="{7A483C36-C693-4967-BE96-5EEB25046737}" srcOrd="4" destOrd="0" presId="urn:microsoft.com/office/officeart/2005/8/layout/lProcess3"/>
     <dgm:cxn modelId="{5A4BFA9E-A1E1-4EC9-A367-DE00861F1865}" type="presParOf" srcId="{7A483C36-C693-4967-BE96-5EEB25046737}" destId="{0AF5FB5D-D46E-4A96-8B4E-E396EE6C1E4E}" srcOrd="0" destOrd="0" presId="urn:microsoft.com/office/officeart/2005/8/layout/lProcess3"/>
+    <dgm:cxn modelId="{8FAC9C55-69E9-4614-B342-199E9161A35B}" type="presParOf" srcId="{7A483C36-C693-4967-BE96-5EEB25046737}" destId="{57122748-8106-49CD-87F4-9A04DE3F508E}" srcOrd="1" destOrd="0" presId="urn:microsoft.com/office/officeart/2005/8/layout/lProcess3"/>
+    <dgm:cxn modelId="{2C798D30-72C8-4980-966C-8AA8E6B31783}" type="presParOf" srcId="{7A483C36-C693-4967-BE96-5EEB25046737}" destId="{60E3E358-FBC4-447E-9E77-FBD8556DF755}" srcOrd="2" destOrd="0" presId="urn:microsoft.com/office/officeart/2005/8/layout/lProcess3"/>
+    <dgm:cxn modelId="{4C10AA6D-D656-4454-9AA2-80211FD3B743}" type="presParOf" srcId="{7A483C36-C693-4967-BE96-5EEB25046737}" destId="{7688E68D-E33F-4687-B01D-6AB513FCD90C}" srcOrd="3" destOrd="0" presId="urn:microsoft.com/office/officeart/2005/8/layout/lProcess3"/>
+    <dgm:cxn modelId="{496B48FB-389B-4FAA-B241-7903DAD88F9A}" type="presParOf" srcId="{7A483C36-C693-4967-BE96-5EEB25046737}" destId="{CB7A65D4-24C8-4CB8-8E72-C084E33F7AEC}" srcOrd="4" destOrd="0" presId="urn:microsoft.com/office/officeart/2005/8/layout/lProcess3"/>
     <dgm:cxn modelId="{D55E518C-5EB6-4641-A746-55BE8B35EC44}" type="presParOf" srcId="{51003B77-5FFE-4D38-B24E-6D513F4FA35D}" destId="{7CEA2923-A848-4006-BB75-C6D2F26B5F0D}" srcOrd="5" destOrd="0" presId="urn:microsoft.com/office/officeart/2005/8/layout/lProcess3"/>
     <dgm:cxn modelId="{FD158F22-7D45-4E44-8085-85668CEA036D}" type="presParOf" srcId="{51003B77-5FFE-4D38-B24E-6D513F4FA35D}" destId="{49A35E35-E39F-4597-8C5C-06EEF2AD599D}" srcOrd="6" destOrd="0" presId="urn:microsoft.com/office/officeart/2005/8/layout/lProcess3"/>
     <dgm:cxn modelId="{397B3CD3-45E0-43F8-B4FE-93D0DE15D984}" type="presParOf" srcId="{49A35E35-E39F-4597-8C5C-06EEF2AD599D}" destId="{AA1E12C4-7D90-4C29-982C-7C6DB7E878F4}" srcOrd="0" destOrd="0" presId="urn:microsoft.com/office/officeart/2005/8/layout/lProcess3"/>
@@ -1795,6 +1959,8 @@
     <dgm:cxn modelId="{E12F4335-DEB9-4900-A9AE-BD3F05B1A1B0}" type="presParOf" srcId="{51003B77-5FFE-4D38-B24E-6D513F4FA35D}" destId="{3B568145-16D9-4AF6-9367-E7BC082B66E3}" srcOrd="7" destOrd="0" presId="urn:microsoft.com/office/officeart/2005/8/layout/lProcess3"/>
     <dgm:cxn modelId="{F58B8642-9045-4810-AAC5-4CEAB307F780}" type="presParOf" srcId="{51003B77-5FFE-4D38-B24E-6D513F4FA35D}" destId="{49832468-8199-4702-9449-7A02ADD0F933}" srcOrd="8" destOrd="0" presId="urn:microsoft.com/office/officeart/2005/8/layout/lProcess3"/>
     <dgm:cxn modelId="{EC079BAD-C072-48C8-A774-FF7F03904737}" type="presParOf" srcId="{49832468-8199-4702-9449-7A02ADD0F933}" destId="{BF0F67D2-D705-4DA1-B37D-23BF925473ED}" srcOrd="0" destOrd="0" presId="urn:microsoft.com/office/officeart/2005/8/layout/lProcess3"/>
+    <dgm:cxn modelId="{E7E5C224-58FD-43B9-9331-791A402BF094}" type="presParOf" srcId="{49832468-8199-4702-9449-7A02ADD0F933}" destId="{031095EB-0F53-43E7-9306-F3C16681AEF5}" srcOrd="1" destOrd="0" presId="urn:microsoft.com/office/officeart/2005/8/layout/lProcess3"/>
+    <dgm:cxn modelId="{14E10A07-5775-4EA7-8ED8-4F072766ABE0}" type="presParOf" srcId="{49832468-8199-4702-9449-7A02ADD0F933}" destId="{31F65324-FEE7-475A-8CD4-4C4A40847595}" srcOrd="2" destOrd="0" presId="urn:microsoft.com/office/officeart/2005/8/layout/lProcess3"/>
     <dgm:cxn modelId="{1E87F899-891E-4D17-A7FB-6681C6566673}" type="presParOf" srcId="{51003B77-5FFE-4D38-B24E-6D513F4FA35D}" destId="{702E1062-8672-4639-B15D-BCB0C1115158}" srcOrd="9" destOrd="0" presId="urn:microsoft.com/office/officeart/2005/8/layout/lProcess3"/>
     <dgm:cxn modelId="{060B71F5-B960-4201-9B63-26F17AD7ABF9}" type="presParOf" srcId="{51003B77-5FFE-4D38-B24E-6D513F4FA35D}" destId="{EBB32913-D6B5-4E6A-9A84-86A432E97859}" srcOrd="10" destOrd="0" presId="urn:microsoft.com/office/officeart/2005/8/layout/lProcess3"/>
     <dgm:cxn modelId="{3D681F5A-ED42-4AC1-814A-9AA3DE64BBBF}" type="presParOf" srcId="{EBB32913-D6B5-4E6A-9A84-86A432E97859}" destId="{57BD0BDD-5BD4-4ED7-ABD9-241618554954}" srcOrd="0" destOrd="0" presId="urn:microsoft.com/office/officeart/2005/8/layout/lProcess3"/>
@@ -2294,7 +2460,7 @@
       </dsp:nvSpPr>
       <dsp:spPr>
         <a:xfrm>
-          <a:off x="2541939" y="887554"/>
+          <a:off x="2513661" y="887554"/>
           <a:ext cx="4078966" cy="600311"/>
         </a:xfrm>
         <a:prstGeom prst="chevron">
@@ -2378,7 +2544,7 @@
         </a:p>
       </dsp:txBody>
       <dsp:txXfrm>
-        <a:off x="2842095" y="887554"/>
+        <a:off x="2813817" y="887554"/>
         <a:ext cx="3478655" cy="600311"/>
       </dsp:txXfrm>
     </dsp:sp>
@@ -2457,6 +2623,164 @@
       <dsp:txXfrm>
         <a:off x="1297170" y="1650601"/>
         <a:ext cx="1084901" cy="723266"/>
+      </dsp:txXfrm>
+    </dsp:sp>
+    <dsp:sp modelId="{60E3E358-FBC4-447E-9E77-FBD8556DF755}">
+      <dsp:nvSpPr>
+        <dsp:cNvPr id="0" name=""/>
+        <dsp:cNvSpPr/>
+      </dsp:nvSpPr>
+      <dsp:spPr>
+        <a:xfrm>
+          <a:off x="2508642" y="1712079"/>
+          <a:ext cx="1500778" cy="600311"/>
+        </a:xfrm>
+        <a:prstGeom prst="chevron">
+          <a:avLst/>
+        </a:prstGeom>
+        <a:solidFill>
+          <a:schemeClr val="accent1">
+            <a:alpha val="90000"/>
+            <a:tint val="40000"/>
+            <a:hueOff val="0"/>
+            <a:satOff val="0"/>
+            <a:lumOff val="0"/>
+            <a:alphaOff val="0"/>
+          </a:schemeClr>
+        </a:solidFill>
+        <a:ln w="25400" cap="flat" cmpd="sng" algn="ctr">
+          <a:solidFill>
+            <a:schemeClr val="accent1">
+              <a:alpha val="90000"/>
+              <a:tint val="40000"/>
+              <a:hueOff val="0"/>
+              <a:satOff val="0"/>
+              <a:lumOff val="0"/>
+              <a:alphaOff val="0"/>
+            </a:schemeClr>
+          </a:solidFill>
+          <a:prstDash val="solid"/>
+        </a:ln>
+        <a:effectLst/>
+      </dsp:spPr>
+      <dsp:style>
+        <a:lnRef idx="2">
+          <a:scrgbClr r="0" g="0" b="0"/>
+        </a:lnRef>
+        <a:fillRef idx="1">
+          <a:scrgbClr r="0" g="0" b="0"/>
+        </a:fillRef>
+        <a:effectRef idx="0">
+          <a:scrgbClr r="0" g="0" b="0"/>
+        </a:effectRef>
+        <a:fontRef idx="minor"/>
+      </dsp:style>
+      <dsp:txBody>
+        <a:bodyPr spcFirstLastPara="0" vert="horz" wrap="square" lIns="16510" tIns="8255" rIns="0" bIns="8255" numCol="1" spcCol="1270" anchor="ctr" anchorCtr="0">
+          <a:noAutofit/>
+        </a:bodyPr>
+        <a:lstStyle/>
+        <a:p>
+          <a:pPr lvl="0" algn="ctr" defTabSz="577850">
+            <a:lnSpc>
+              <a:spcPct val="90000"/>
+            </a:lnSpc>
+            <a:spcBef>
+              <a:spcPct val="0"/>
+            </a:spcBef>
+            <a:spcAft>
+              <a:spcPct val="35000"/>
+            </a:spcAft>
+          </a:pPr>
+          <a:r>
+            <a:rPr lang="en-US" sz="1300" kern="1200" dirty="0" smtClean="0"/>
+            <a:t>Lab Models</a:t>
+          </a:r>
+          <a:endParaRPr lang="en-US" sz="1300" kern="1200" dirty="0"/>
+        </a:p>
+      </dsp:txBody>
+      <dsp:txXfrm>
+        <a:off x="2808798" y="1712079"/>
+        <a:ext cx="900467" cy="600311"/>
+      </dsp:txXfrm>
+    </dsp:sp>
+    <dsp:sp modelId="{CB7A65D4-24C8-4CB8-8E72-C084E33F7AEC}">
+      <dsp:nvSpPr>
+        <dsp:cNvPr id="0" name=""/>
+        <dsp:cNvSpPr/>
+      </dsp:nvSpPr>
+      <dsp:spPr>
+        <a:xfrm>
+          <a:off x="3808740" y="1712079"/>
+          <a:ext cx="2801668" cy="600311"/>
+        </a:xfrm>
+        <a:prstGeom prst="chevron">
+          <a:avLst/>
+        </a:prstGeom>
+        <a:solidFill>
+          <a:schemeClr val="accent1">
+            <a:alpha val="90000"/>
+            <a:tint val="40000"/>
+            <a:hueOff val="0"/>
+            <a:satOff val="0"/>
+            <a:lumOff val="0"/>
+            <a:alphaOff val="0"/>
+          </a:schemeClr>
+        </a:solidFill>
+        <a:ln w="25400" cap="flat" cmpd="sng" algn="ctr">
+          <a:solidFill>
+            <a:schemeClr val="accent1">
+              <a:alpha val="90000"/>
+              <a:tint val="40000"/>
+              <a:hueOff val="0"/>
+              <a:satOff val="0"/>
+              <a:lumOff val="0"/>
+              <a:alphaOff val="0"/>
+            </a:schemeClr>
+          </a:solidFill>
+          <a:prstDash val="solid"/>
+        </a:ln>
+        <a:effectLst/>
+      </dsp:spPr>
+      <dsp:style>
+        <a:lnRef idx="2">
+          <a:scrgbClr r="0" g="0" b="0"/>
+        </a:lnRef>
+        <a:fillRef idx="1">
+          <a:scrgbClr r="0" g="0" b="0"/>
+        </a:fillRef>
+        <a:effectRef idx="0">
+          <a:scrgbClr r="0" g="0" b="0"/>
+        </a:effectRef>
+        <a:fontRef idx="minor"/>
+      </dsp:style>
+      <dsp:txBody>
+        <a:bodyPr spcFirstLastPara="0" vert="horz" wrap="square" lIns="16510" tIns="8255" rIns="0" bIns="8255" numCol="1" spcCol="1270" anchor="ctr" anchorCtr="0">
+          <a:noAutofit/>
+        </a:bodyPr>
+        <a:lstStyle/>
+        <a:p>
+          <a:pPr lvl="0" algn="ctr" defTabSz="577850">
+            <a:lnSpc>
+              <a:spcPct val="90000"/>
+            </a:lnSpc>
+            <a:spcBef>
+              <a:spcPct val="0"/>
+            </a:spcBef>
+            <a:spcAft>
+              <a:spcPct val="35000"/>
+            </a:spcAft>
+          </a:pPr>
+          <a:r>
+            <a:rPr lang="en-US" sz="1300" kern="1200" dirty="0" smtClean="0"/>
+            <a:t>Standard Software Engineering models</a:t>
+          </a:r>
+          <a:endParaRPr lang="en-US" sz="1300" kern="1200" dirty="0"/>
+        </a:p>
+      </dsp:txBody>
+      <dsp:txXfrm>
+        <a:off x="4108896" y="1712079"/>
+        <a:ext cx="2201357" cy="600311"/>
       </dsp:txXfrm>
     </dsp:sp>
     <dsp:sp modelId="{AA1E12C4-7D90-4C29-982C-7C6DB7E878F4}">
@@ -2927,6 +3251,85 @@
       <dsp:txXfrm>
         <a:off x="1297170" y="3299649"/>
         <a:ext cx="1084901" cy="723266"/>
+      </dsp:txXfrm>
+    </dsp:sp>
+    <dsp:sp modelId="{31F65324-FEE7-475A-8CD4-4C4A40847595}">
+      <dsp:nvSpPr>
+        <dsp:cNvPr id="0" name=""/>
+        <dsp:cNvSpPr/>
+      </dsp:nvSpPr>
+      <dsp:spPr>
+        <a:xfrm>
+          <a:off x="2508642" y="3361127"/>
+          <a:ext cx="1500778" cy="600311"/>
+        </a:xfrm>
+        <a:prstGeom prst="chevron">
+          <a:avLst/>
+        </a:prstGeom>
+        <a:solidFill>
+          <a:schemeClr val="accent1">
+            <a:alpha val="90000"/>
+            <a:tint val="40000"/>
+            <a:hueOff val="0"/>
+            <a:satOff val="0"/>
+            <a:lumOff val="0"/>
+            <a:alphaOff val="0"/>
+          </a:schemeClr>
+        </a:solidFill>
+        <a:ln w="25400" cap="flat" cmpd="sng" algn="ctr">
+          <a:solidFill>
+            <a:schemeClr val="accent1">
+              <a:alpha val="90000"/>
+              <a:tint val="40000"/>
+              <a:hueOff val="0"/>
+              <a:satOff val="0"/>
+              <a:lumOff val="0"/>
+              <a:alphaOff val="0"/>
+            </a:schemeClr>
+          </a:solidFill>
+          <a:prstDash val="solid"/>
+        </a:ln>
+        <a:effectLst/>
+      </dsp:spPr>
+      <dsp:style>
+        <a:lnRef idx="2">
+          <a:scrgbClr r="0" g="0" b="0"/>
+        </a:lnRef>
+        <a:fillRef idx="1">
+          <a:scrgbClr r="0" g="0" b="0"/>
+        </a:fillRef>
+        <a:effectRef idx="0">
+          <a:scrgbClr r="0" g="0" b="0"/>
+        </a:effectRef>
+        <a:fontRef idx="minor"/>
+      </dsp:style>
+      <dsp:txBody>
+        <a:bodyPr spcFirstLastPara="0" vert="horz" wrap="square" lIns="16510" tIns="8255" rIns="0" bIns="8255" numCol="1" spcCol="1270" anchor="ctr" anchorCtr="0">
+          <a:noAutofit/>
+        </a:bodyPr>
+        <a:lstStyle/>
+        <a:p>
+          <a:pPr lvl="0" algn="ctr" defTabSz="577850">
+            <a:lnSpc>
+              <a:spcPct val="90000"/>
+            </a:lnSpc>
+            <a:spcBef>
+              <a:spcPct val="0"/>
+            </a:spcBef>
+            <a:spcAft>
+              <a:spcPct val="35000"/>
+            </a:spcAft>
+          </a:pPr>
+          <a:r>
+            <a:rPr lang="en-US" sz="1300" kern="1200" dirty="0" smtClean="0"/>
+            <a:t>Future work</a:t>
+          </a:r>
+          <a:endParaRPr lang="en-US" sz="1300" kern="1200" dirty="0"/>
+        </a:p>
+      </dsp:txBody>
+      <dsp:txXfrm>
+        <a:off x="2808798" y="3361127"/>
+        <a:ext cx="900467" cy="600311"/>
       </dsp:txXfrm>
     </dsp:sp>
     <dsp:sp modelId="{57BD0BDD-5BD4-4ED7-ABD9-241618554954}">
@@ -4740,6 +5143,90 @@
           <a:p>
             <a:fld id="{43AA419B-D3AB-F049-9FFF-080EAE3F7483}" type="slidenum">
               <a:rPr lang="en-US" smtClean="0"/>
+              <a:t>3</a:t>
+            </a:fld>
+            <a:endParaRPr lang="en-US"/>
+          </a:p>
+        </p:txBody>
+      </p:sp>
+    </p:spTree>
+    <p:extLst>
+      <p:ext uri="{BB962C8B-B14F-4D97-AF65-F5344CB8AC3E}">
+        <p14:creationId xmlns:p14="http://schemas.microsoft.com/office/powerpoint/2010/main" val="3158530039"/>
+      </p:ext>
+    </p:extLst>
+  </p:cSld>
+  <p:clrMapOvr>
+    <a:masterClrMapping/>
+  </p:clrMapOvr>
+</p:notes>
+</file>
+
+<file path=ppt/notesSlides/notesSlide2.xml><?xml version="1.0" encoding="utf-8"?>
+<p:notes xmlns:a="http://schemas.openxmlformats.org/drawingml/2006/main" xmlns:r="http://schemas.openxmlformats.org/officeDocument/2006/relationships" xmlns:p="http://schemas.openxmlformats.org/presentationml/2006/main">
+  <p:cSld>
+    <p:spTree>
+      <p:nvGrpSpPr>
+        <p:cNvPr id="1" name=""/>
+        <p:cNvGrpSpPr/>
+        <p:nvPr/>
+      </p:nvGrpSpPr>
+      <p:grpSpPr>
+        <a:xfrm>
+          <a:off x="0" y="0"/>
+          <a:ext cx="0" cy="0"/>
+          <a:chOff x="0" y="0"/>
+          <a:chExt cx="0" cy="0"/>
+        </a:xfrm>
+      </p:grpSpPr>
+      <p:sp>
+        <p:nvSpPr>
+          <p:cNvPr id="2" name="Slide Image Placeholder 1"/>
+          <p:cNvSpPr>
+            <a:spLocks noGrp="1" noRot="1" noChangeAspect="1"/>
+          </p:cNvSpPr>
+          <p:nvPr>
+            <p:ph type="sldImg"/>
+          </p:nvPr>
+        </p:nvSpPr>
+        <p:spPr/>
+      </p:sp>
+      <p:sp>
+        <p:nvSpPr>
+          <p:cNvPr id="3" name="Notes Placeholder 2"/>
+          <p:cNvSpPr>
+            <a:spLocks noGrp="1"/>
+          </p:cNvSpPr>
+          <p:nvPr>
+            <p:ph type="body" idx="1"/>
+          </p:nvPr>
+        </p:nvSpPr>
+        <p:spPr/>
+        <p:txBody>
+          <a:bodyPr/>
+          <a:lstStyle/>
+          <a:p>
+            <a:endParaRPr lang="en-US"/>
+          </a:p>
+        </p:txBody>
+      </p:sp>
+      <p:sp>
+        <p:nvSpPr>
+          <p:cNvPr id="4" name="Slide Number Placeholder 3"/>
+          <p:cNvSpPr>
+            <a:spLocks noGrp="1"/>
+          </p:cNvSpPr>
+          <p:nvPr>
+            <p:ph type="sldNum" sz="quarter" idx="10"/>
+          </p:nvPr>
+        </p:nvSpPr>
+        <p:spPr/>
+        <p:txBody>
+          <a:bodyPr/>
+          <a:lstStyle/>
+          <a:p>
+            <a:fld id="{43AA419B-D3AB-F049-9FFF-080EAE3F7483}" type="slidenum">
+              <a:rPr lang="en-US" smtClean="0"/>
               <a:t>5</a:t>
             </a:fld>
             <a:endParaRPr lang="en-US"/>
@@ -4759,7 +5246,7 @@
 </p:notes>
 </file>
 
-<file path=ppt/notesSlides/notesSlide2.xml><?xml version="1.0" encoding="utf-8"?>
+<file path=ppt/notesSlides/notesSlide3.xml><?xml version="1.0" encoding="utf-8"?>
 <p:notes xmlns:a="http://schemas.openxmlformats.org/drawingml/2006/main" xmlns:r="http://schemas.openxmlformats.org/officeDocument/2006/relationships" xmlns:p="http://schemas.openxmlformats.org/presentationml/2006/main">
   <p:cSld>
     <p:spTree>
@@ -11971,7 +12458,7 @@
             <p:ph idx="1"/>
             <p:extLst>
               <p:ext uri="{D42A27DB-BD31-4B8C-83A1-F6EECF244321}">
-                <p14:modId xmlns:p14="http://schemas.microsoft.com/office/powerpoint/2010/main" val="3013155757"/>
+                <p14:modId xmlns:p14="http://schemas.microsoft.com/office/powerpoint/2010/main" val="2741621218"/>
               </p:ext>
             </p:extLst>
           </p:nvPr>
@@ -12035,7 +12522,7 @@
         </p:nvSpPr>
         <p:spPr>
           <a:xfrm>
-            <a:off x="457200" y="605533"/>
+            <a:off x="457200" y="753865"/>
             <a:ext cx="8229600" cy="1143000"/>
           </a:xfrm>
         </p:spPr>
@@ -12052,7 +12539,18 @@
                   </a:schemeClr>
                 </a:solidFill>
               </a:rPr>
-              <a:t>Introducing DeadAnt</a:t>
+              <a:t>Introducing </a:t>
+            </a:r>
+            <a:r>
+              <a:rPr lang="en-US" dirty="0" smtClean="0">
+                <a:solidFill>
+                  <a:schemeClr val="tx2">
+                    <a:lumMod val="60000"/>
+                    <a:lumOff val="40000"/>
+                  </a:schemeClr>
+                </a:solidFill>
+              </a:rPr>
+              <a:t>DeadAnt</a:t>
             </a:r>
             <a:endParaRPr lang="en-US" dirty="0">
               <a:solidFill>
@@ -12127,11 +12625,11 @@
             </a:r>
             <a:r>
               <a:rPr lang="en-US" dirty="0" smtClean="0"/>
-              <a:t>uses an unsupervised method to decide  </a:t>
+              <a:t>uses an unsupervised method to decide if </a:t>
             </a:r>
             <a:r>
               <a:rPr lang="en-US" dirty="0" smtClean="0"/>
-              <a:t>if a potential solution deserves evaluation.</a:t>
+              <a:t>a potential solution deserves evaluation.</a:t>
             </a:r>
           </a:p>
           <a:p>
@@ -12144,15 +12642,25 @@
           <a:p>
             <a:r>
               <a:rPr lang="en-US" dirty="0" smtClean="0"/>
-              <a:t>It generates new solutions by directional mutation.</a:t>
+              <a:t>It generates new solutions by directional </a:t>
             </a:r>
+            <a:r>
+              <a:rPr lang="en-US" dirty="0" smtClean="0"/>
+              <a:t>mutation [2].</a:t>
+            </a:r>
+            <a:endParaRPr lang="en-US" dirty="0" smtClean="0"/>
           </a:p>
           <a:p>
             <a:pPr lvl="1"/>
             <a:r>
               <a:rPr lang="en-US" dirty="0" smtClean="0"/>
-              <a:t>If a new solution is close to a good solution, mutate towards the better solution.</a:t>
+              <a:t>If a new solution is close to a good solution, mutate towards the better </a:t>
             </a:r>
+            <a:r>
+              <a:rPr lang="en-US" dirty="0" smtClean="0"/>
+              <a:t>solution among the two.</a:t>
+            </a:r>
+            <a:endParaRPr lang="en-US" dirty="0" smtClean="0"/>
           </a:p>
           <a:p>
             <a:r>
@@ -12822,6 +13330,70 @@
           </p:txBody>
         </p:sp>
       </p:grpSp>
+      <p:sp>
+        <p:nvSpPr>
+          <p:cNvPr id="22" name="Footer Placeholder 21"/>
+          <p:cNvSpPr>
+            <a:spLocks noGrp="1"/>
+          </p:cNvSpPr>
+          <p:nvPr>
+            <p:ph type="ftr" sz="quarter" idx="11"/>
+          </p:nvPr>
+        </p:nvSpPr>
+        <p:spPr>
+          <a:xfrm>
+            <a:off x="457200" y="6260914"/>
+            <a:ext cx="8229600" cy="460562"/>
+          </a:xfrm>
+        </p:spPr>
+        <p:txBody>
+          <a:bodyPr/>
+          <a:lstStyle/>
+          <a:p>
+            <a:pPr algn="l">
+              <a:lnSpc>
+                <a:spcPct val="150000"/>
+              </a:lnSpc>
+            </a:pPr>
+            <a:r>
+              <a:rPr lang="en-US" dirty="0" smtClean="0"/>
+              <a:t>[</a:t>
+            </a:r>
+            <a:r>
+              <a:rPr lang="en-US" dirty="0"/>
+              <a:t>1] B. Settles, Active Learning, ser. Synthesis digital library of engineering and computer science. Morgan &amp; Claypool, 2011</a:t>
+            </a:r>
+            <a:r>
+              <a:rPr lang="en-US" dirty="0" smtClean="0"/>
+              <a:t>.</a:t>
+            </a:r>
+          </a:p>
+          <a:p>
+            <a:pPr algn="l"/>
+            <a:r>
+              <a:rPr lang="en-US" dirty="0"/>
+              <a:t>[2] R. Storn, “On the usage of differential evolution for function optimization,” in Fuzzy </a:t>
+            </a:r>
+            <a:r>
+              <a:rPr lang="en-US" dirty="0" smtClean="0"/>
+              <a:t>Information </a:t>
+            </a:r>
+            <a:r>
+              <a:rPr lang="en-US" dirty="0"/>
+              <a:t>Processing Society, 1996. NAFIPS., 1996 Biennial Conference of the North </a:t>
+            </a:r>
+            <a:r>
+              <a:rPr lang="en-US" dirty="0" smtClean="0"/>
+              <a:t>American</a:t>
+            </a:r>
+            <a:r>
+              <a:rPr lang="en-US" dirty="0"/>
+              <a:t>, Jun 1996, pp. 519–523. </a:t>
+            </a:r>
+            <a:endParaRPr lang="en-US" dirty="0"/>
+          </a:p>
+        </p:txBody>
+      </p:sp>
     </p:spTree>
     <p:extLst>
       <p:ext uri="{BB962C8B-B14F-4D97-AF65-F5344CB8AC3E}">
@@ -12869,7 +13441,12 @@
             <p:ph type="title"/>
           </p:nvPr>
         </p:nvSpPr>
-        <p:spPr/>
+        <p:spPr>
+          <a:xfrm>
+            <a:off x="457200" y="753865"/>
+            <a:ext cx="8229600" cy="1143000"/>
+          </a:xfrm>
+        </p:spPr>
         <p:txBody>
           <a:bodyPr/>
           <a:lstStyle/>
@@ -12901,6 +13478,661 @@
           </a:p>
         </p:txBody>
       </p:sp>
+      <p:grpSp>
+        <p:nvGrpSpPr>
+          <p:cNvPr id="5" name="Group 4"/>
+          <p:cNvGrpSpPr/>
+          <p:nvPr/>
+        </p:nvGrpSpPr>
+        <p:grpSpPr>
+          <a:xfrm>
+            <a:off x="1189101" y="92076"/>
+            <a:ext cx="1808167" cy="723266"/>
+            <a:chOff x="935537" y="1552"/>
+            <a:chExt cx="1808167" cy="723266"/>
+          </a:xfrm>
+        </p:grpSpPr>
+        <p:sp>
+          <p:nvSpPr>
+            <p:cNvPr id="6" name="Chevron 5"/>
+            <p:cNvSpPr/>
+            <p:nvPr/>
+          </p:nvSpPr>
+          <p:spPr>
+            <a:xfrm>
+              <a:off x="935537" y="1552"/>
+              <a:ext cx="1808167" cy="723266"/>
+            </a:xfrm>
+            <a:prstGeom prst="chevron">
+              <a:avLst/>
+            </a:prstGeom>
+          </p:spPr>
+          <p:style>
+            <a:lnRef idx="2">
+              <a:schemeClr val="lt1">
+                <a:hueOff val="0"/>
+                <a:satOff val="0"/>
+                <a:lumOff val="0"/>
+                <a:alphaOff val="0"/>
+              </a:schemeClr>
+            </a:lnRef>
+            <a:fillRef idx="1">
+              <a:schemeClr val="accent1">
+                <a:hueOff val="0"/>
+                <a:satOff val="0"/>
+                <a:lumOff val="0"/>
+                <a:alphaOff val="0"/>
+              </a:schemeClr>
+            </a:fillRef>
+            <a:effectRef idx="0">
+              <a:schemeClr val="accent1">
+                <a:hueOff val="0"/>
+                <a:satOff val="0"/>
+                <a:lumOff val="0"/>
+                <a:alphaOff val="0"/>
+              </a:schemeClr>
+            </a:effectRef>
+            <a:fontRef idx="minor">
+              <a:schemeClr val="lt1"/>
+            </a:fontRef>
+          </p:style>
+        </p:sp>
+        <p:sp>
+          <p:nvSpPr>
+            <p:cNvPr id="7" name="Chevron 4"/>
+            <p:cNvSpPr/>
+            <p:nvPr/>
+          </p:nvSpPr>
+          <p:spPr>
+            <a:xfrm>
+              <a:off x="1297170" y="1552"/>
+              <a:ext cx="1084901" cy="723266"/>
+            </a:xfrm>
+            <a:prstGeom prst="rect">
+              <a:avLst/>
+            </a:prstGeom>
+          </p:spPr>
+          <p:style>
+            <a:lnRef idx="0">
+              <a:scrgbClr r="0" g="0" b="0"/>
+            </a:lnRef>
+            <a:fillRef idx="0">
+              <a:scrgbClr r="0" g="0" b="0"/>
+            </a:fillRef>
+            <a:effectRef idx="0">
+              <a:scrgbClr r="0" g="0" b="0"/>
+            </a:effectRef>
+            <a:fontRef idx="minor">
+              <a:schemeClr val="lt1"/>
+            </a:fontRef>
+          </p:style>
+          <p:txBody>
+            <a:bodyPr spcFirstLastPara="0" vert="horz" wrap="square" lIns="19050" tIns="9525" rIns="0" bIns="9525" numCol="1" spcCol="1270" anchor="ctr" anchorCtr="0">
+              <a:noAutofit/>
+            </a:bodyPr>
+            <a:lstStyle/>
+            <a:p>
+              <a:pPr lvl="0" algn="ctr" defTabSz="666750">
+                <a:lnSpc>
+                  <a:spcPct val="90000"/>
+                </a:lnSpc>
+                <a:spcBef>
+                  <a:spcPct val="0"/>
+                </a:spcBef>
+                <a:spcAft>
+                  <a:spcPct val="35000"/>
+                </a:spcAft>
+              </a:pPr>
+              <a:r>
+                <a:rPr lang="en-US" sz="1500" kern="1200" dirty="0" smtClean="0"/>
+                <a:t>Introduction</a:t>
+              </a:r>
+              <a:endParaRPr lang="en-US" sz="1500" kern="1200" dirty="0"/>
+            </a:p>
+          </p:txBody>
+        </p:sp>
+      </p:grpSp>
+      <p:grpSp>
+        <p:nvGrpSpPr>
+          <p:cNvPr id="8" name="Group 7"/>
+          <p:cNvGrpSpPr/>
+          <p:nvPr/>
+        </p:nvGrpSpPr>
+        <p:grpSpPr>
+          <a:xfrm>
+            <a:off x="2762206" y="153554"/>
+            <a:ext cx="1500778" cy="600311"/>
+            <a:chOff x="2508642" y="63030"/>
+            <a:chExt cx="1500778" cy="600311"/>
+          </a:xfrm>
+          <a:solidFill>
+            <a:schemeClr val="bg1">
+              <a:lumMod val="85000"/>
+            </a:schemeClr>
+          </a:solidFill>
+        </p:grpSpPr>
+        <p:sp>
+          <p:nvSpPr>
+            <p:cNvPr id="9" name="Chevron 8"/>
+            <p:cNvSpPr/>
+            <p:nvPr/>
+          </p:nvSpPr>
+          <p:spPr>
+            <a:xfrm>
+              <a:off x="2508642" y="63030"/>
+              <a:ext cx="1500778" cy="600311"/>
+            </a:xfrm>
+            <a:prstGeom prst="chevron">
+              <a:avLst/>
+            </a:prstGeom>
+            <a:grpFill/>
+            <a:ln>
+              <a:solidFill>
+                <a:schemeClr val="bg1">
+                  <a:lumMod val="85000"/>
+                </a:schemeClr>
+              </a:solidFill>
+            </a:ln>
+          </p:spPr>
+          <p:style>
+            <a:lnRef idx="2">
+              <a:schemeClr val="accent1">
+                <a:alpha val="90000"/>
+                <a:tint val="40000"/>
+                <a:hueOff val="0"/>
+                <a:satOff val="0"/>
+                <a:lumOff val="0"/>
+                <a:alphaOff val="0"/>
+              </a:schemeClr>
+            </a:lnRef>
+            <a:fillRef idx="1">
+              <a:schemeClr val="accent1">
+                <a:alpha val="90000"/>
+                <a:tint val="40000"/>
+                <a:hueOff val="0"/>
+                <a:satOff val="0"/>
+                <a:lumOff val="0"/>
+                <a:alphaOff val="0"/>
+              </a:schemeClr>
+            </a:fillRef>
+            <a:effectRef idx="0">
+              <a:schemeClr val="accent1">
+                <a:alpha val="90000"/>
+                <a:tint val="40000"/>
+                <a:hueOff val="0"/>
+                <a:satOff val="0"/>
+                <a:lumOff val="0"/>
+                <a:alphaOff val="0"/>
+              </a:schemeClr>
+            </a:effectRef>
+            <a:fontRef idx="minor">
+              <a:schemeClr val="dk1">
+                <a:hueOff val="0"/>
+                <a:satOff val="0"/>
+                <a:lumOff val="0"/>
+                <a:alphaOff val="0"/>
+              </a:schemeClr>
+            </a:fontRef>
+          </p:style>
+        </p:sp>
+        <p:sp>
+          <p:nvSpPr>
+            <p:cNvPr id="10" name="Chevron 6"/>
+            <p:cNvSpPr/>
+            <p:nvPr/>
+          </p:nvSpPr>
+          <p:spPr>
+            <a:xfrm>
+              <a:off x="2808798" y="63030"/>
+              <a:ext cx="900467" cy="600311"/>
+            </a:xfrm>
+            <a:prstGeom prst="rect">
+              <a:avLst/>
+            </a:prstGeom>
+            <a:grpFill/>
+            <a:ln>
+              <a:solidFill>
+                <a:schemeClr val="bg1">
+                  <a:lumMod val="85000"/>
+                </a:schemeClr>
+              </a:solidFill>
+            </a:ln>
+          </p:spPr>
+          <p:style>
+            <a:lnRef idx="0">
+              <a:scrgbClr r="0" g="0" b="0"/>
+            </a:lnRef>
+            <a:fillRef idx="0">
+              <a:scrgbClr r="0" g="0" b="0"/>
+            </a:fillRef>
+            <a:effectRef idx="0">
+              <a:scrgbClr r="0" g="0" b="0"/>
+            </a:effectRef>
+            <a:fontRef idx="minor">
+              <a:schemeClr val="dk1">
+                <a:hueOff val="0"/>
+                <a:satOff val="0"/>
+                <a:lumOff val="0"/>
+                <a:alphaOff val="0"/>
+              </a:schemeClr>
+            </a:fontRef>
+          </p:style>
+          <p:txBody>
+            <a:bodyPr spcFirstLastPara="0" vert="horz" wrap="square" lIns="16510" tIns="8255" rIns="0" bIns="8255" numCol="1" spcCol="1270" anchor="ctr" anchorCtr="0">
+              <a:noAutofit/>
+            </a:bodyPr>
+            <a:lstStyle/>
+            <a:p>
+              <a:pPr lvl="0" algn="ctr" defTabSz="577850">
+                <a:lnSpc>
+                  <a:spcPct val="90000"/>
+                </a:lnSpc>
+                <a:spcBef>
+                  <a:spcPct val="0"/>
+                </a:spcBef>
+                <a:spcAft>
+                  <a:spcPct val="35000"/>
+                </a:spcAft>
+              </a:pPr>
+              <a:r>
+                <a:rPr lang="en-US" sz="1300" kern="1200" dirty="0" smtClean="0"/>
+                <a:t>Introducing Dead Ant</a:t>
+              </a:r>
+              <a:endParaRPr lang="en-US" sz="1300" kern="1200" dirty="0"/>
+            </a:p>
+          </p:txBody>
+        </p:sp>
+      </p:grpSp>
+      <p:grpSp>
+        <p:nvGrpSpPr>
+          <p:cNvPr id="11" name="Group 10"/>
+          <p:cNvGrpSpPr/>
+          <p:nvPr/>
+        </p:nvGrpSpPr>
+        <p:grpSpPr>
+          <a:xfrm>
+            <a:off x="4052876" y="153554"/>
+            <a:ext cx="1500778" cy="600311"/>
+            <a:chOff x="3799312" y="63030"/>
+            <a:chExt cx="1500778" cy="600311"/>
+          </a:xfrm>
+        </p:grpSpPr>
+        <p:sp>
+          <p:nvSpPr>
+            <p:cNvPr id="12" name="Chevron 11"/>
+            <p:cNvSpPr/>
+            <p:nvPr/>
+          </p:nvSpPr>
+          <p:spPr>
+            <a:xfrm>
+              <a:off x="3799312" y="63030"/>
+              <a:ext cx="1500778" cy="600311"/>
+            </a:xfrm>
+            <a:prstGeom prst="chevron">
+              <a:avLst/>
+            </a:prstGeom>
+          </p:spPr>
+          <p:style>
+            <a:lnRef idx="2">
+              <a:schemeClr val="accent1">
+                <a:alpha val="90000"/>
+                <a:tint val="40000"/>
+                <a:hueOff val="0"/>
+                <a:satOff val="0"/>
+                <a:lumOff val="0"/>
+                <a:alphaOff val="0"/>
+              </a:schemeClr>
+            </a:lnRef>
+            <a:fillRef idx="1">
+              <a:schemeClr val="accent1">
+                <a:alpha val="90000"/>
+                <a:tint val="40000"/>
+                <a:hueOff val="0"/>
+                <a:satOff val="0"/>
+                <a:lumOff val="0"/>
+                <a:alphaOff val="0"/>
+              </a:schemeClr>
+            </a:fillRef>
+            <a:effectRef idx="0">
+              <a:schemeClr val="accent1">
+                <a:alpha val="90000"/>
+                <a:tint val="40000"/>
+                <a:hueOff val="0"/>
+                <a:satOff val="0"/>
+                <a:lumOff val="0"/>
+                <a:alphaOff val="0"/>
+              </a:schemeClr>
+            </a:effectRef>
+            <a:fontRef idx="minor">
+              <a:schemeClr val="dk1">
+                <a:hueOff val="0"/>
+                <a:satOff val="0"/>
+                <a:lumOff val="0"/>
+                <a:alphaOff val="0"/>
+              </a:schemeClr>
+            </a:fontRef>
+          </p:style>
+        </p:sp>
+        <p:sp>
+          <p:nvSpPr>
+            <p:cNvPr id="13" name="Chevron 8"/>
+            <p:cNvSpPr/>
+            <p:nvPr/>
+          </p:nvSpPr>
+          <p:spPr>
+            <a:xfrm>
+              <a:off x="4099468" y="63030"/>
+              <a:ext cx="900467" cy="600311"/>
+            </a:xfrm>
+            <a:prstGeom prst="rect">
+              <a:avLst/>
+            </a:prstGeom>
+          </p:spPr>
+          <p:style>
+            <a:lnRef idx="0">
+              <a:scrgbClr r="0" g="0" b="0"/>
+            </a:lnRef>
+            <a:fillRef idx="0">
+              <a:scrgbClr r="0" g="0" b="0"/>
+            </a:fillRef>
+            <a:effectRef idx="0">
+              <a:scrgbClr r="0" g="0" b="0"/>
+            </a:effectRef>
+            <a:fontRef idx="minor">
+              <a:schemeClr val="dk1">
+                <a:hueOff val="0"/>
+                <a:satOff val="0"/>
+                <a:lumOff val="0"/>
+                <a:alphaOff val="0"/>
+              </a:schemeClr>
+            </a:fontRef>
+          </p:style>
+          <p:txBody>
+            <a:bodyPr spcFirstLastPara="0" vert="horz" wrap="square" lIns="16510" tIns="8255" rIns="0" bIns="8255" numCol="1" spcCol="1270" anchor="ctr" anchorCtr="0">
+              <a:noAutofit/>
+            </a:bodyPr>
+            <a:lstStyle/>
+            <a:p>
+              <a:pPr lvl="0" algn="ctr" defTabSz="577850">
+                <a:lnSpc>
+                  <a:spcPct val="90000"/>
+                </a:lnSpc>
+                <a:spcBef>
+                  <a:spcPct val="0"/>
+                </a:spcBef>
+                <a:spcAft>
+                  <a:spcPct val="35000"/>
+                </a:spcAft>
+              </a:pPr>
+              <a:r>
+                <a:rPr lang="en-US" sz="1300" kern="1200" dirty="0" smtClean="0"/>
+                <a:t>Determining close</a:t>
+              </a:r>
+              <a:endParaRPr lang="en-US" sz="1300" kern="1200" dirty="0"/>
+            </a:p>
+          </p:txBody>
+        </p:sp>
+      </p:grpSp>
+      <p:grpSp>
+        <p:nvGrpSpPr>
+          <p:cNvPr id="14" name="Group 13"/>
+          <p:cNvGrpSpPr/>
+          <p:nvPr/>
+        </p:nvGrpSpPr>
+        <p:grpSpPr>
+          <a:xfrm>
+            <a:off x="5343546" y="153554"/>
+            <a:ext cx="1500778" cy="600311"/>
+            <a:chOff x="5089982" y="63030"/>
+            <a:chExt cx="1500778" cy="600311"/>
+          </a:xfrm>
+        </p:grpSpPr>
+        <p:sp>
+          <p:nvSpPr>
+            <p:cNvPr id="15" name="Chevron 14"/>
+            <p:cNvSpPr/>
+            <p:nvPr/>
+          </p:nvSpPr>
+          <p:spPr>
+            <a:xfrm>
+              <a:off x="5089982" y="63030"/>
+              <a:ext cx="1500778" cy="600311"/>
+            </a:xfrm>
+            <a:prstGeom prst="chevron">
+              <a:avLst/>
+            </a:prstGeom>
+          </p:spPr>
+          <p:style>
+            <a:lnRef idx="2">
+              <a:schemeClr val="accent1">
+                <a:alpha val="90000"/>
+                <a:tint val="40000"/>
+                <a:hueOff val="0"/>
+                <a:satOff val="0"/>
+                <a:lumOff val="0"/>
+                <a:alphaOff val="0"/>
+              </a:schemeClr>
+            </a:lnRef>
+            <a:fillRef idx="1">
+              <a:schemeClr val="accent1">
+                <a:alpha val="90000"/>
+                <a:tint val="40000"/>
+                <a:hueOff val="0"/>
+                <a:satOff val="0"/>
+                <a:lumOff val="0"/>
+                <a:alphaOff val="0"/>
+              </a:schemeClr>
+            </a:fillRef>
+            <a:effectRef idx="0">
+              <a:schemeClr val="accent1">
+                <a:alpha val="90000"/>
+                <a:tint val="40000"/>
+                <a:hueOff val="0"/>
+                <a:satOff val="0"/>
+                <a:lumOff val="0"/>
+                <a:alphaOff val="0"/>
+              </a:schemeClr>
+            </a:effectRef>
+            <a:fontRef idx="minor">
+              <a:schemeClr val="dk1">
+                <a:hueOff val="0"/>
+                <a:satOff val="0"/>
+                <a:lumOff val="0"/>
+                <a:alphaOff val="0"/>
+              </a:schemeClr>
+            </a:fontRef>
+          </p:style>
+        </p:sp>
+        <p:sp>
+          <p:nvSpPr>
+            <p:cNvPr id="16" name="Chevron 10"/>
+            <p:cNvSpPr/>
+            <p:nvPr/>
+          </p:nvSpPr>
+          <p:spPr>
+            <a:xfrm>
+              <a:off x="5390138" y="63030"/>
+              <a:ext cx="900467" cy="600311"/>
+            </a:xfrm>
+            <a:prstGeom prst="rect">
+              <a:avLst/>
+            </a:prstGeom>
+          </p:spPr>
+          <p:style>
+            <a:lnRef idx="0">
+              <a:scrgbClr r="0" g="0" b="0"/>
+            </a:lnRef>
+            <a:fillRef idx="0">
+              <a:scrgbClr r="0" g="0" b="0"/>
+            </a:fillRef>
+            <a:effectRef idx="0">
+              <a:scrgbClr r="0" g="0" b="0"/>
+            </a:effectRef>
+            <a:fontRef idx="minor">
+              <a:schemeClr val="dk1">
+                <a:hueOff val="0"/>
+                <a:satOff val="0"/>
+                <a:lumOff val="0"/>
+                <a:alphaOff val="0"/>
+              </a:schemeClr>
+            </a:fontRef>
+          </p:style>
+          <p:txBody>
+            <a:bodyPr spcFirstLastPara="0" vert="horz" wrap="square" lIns="16510" tIns="8255" rIns="0" bIns="8255" numCol="1" spcCol="1270" anchor="ctr" anchorCtr="0">
+              <a:noAutofit/>
+            </a:bodyPr>
+            <a:lstStyle/>
+            <a:p>
+              <a:pPr lvl="0" algn="ctr" defTabSz="577850">
+                <a:lnSpc>
+                  <a:spcPct val="90000"/>
+                </a:lnSpc>
+                <a:spcBef>
+                  <a:spcPct val="0"/>
+                </a:spcBef>
+                <a:spcAft>
+                  <a:spcPct val="35000"/>
+                </a:spcAft>
+              </a:pPr>
+              <a:r>
+                <a:rPr lang="en-US" sz="1300" kern="1200" dirty="0" smtClean="0"/>
+                <a:t>Mutation</a:t>
+              </a:r>
+              <a:endParaRPr lang="en-US" sz="1300" kern="1200" dirty="0"/>
+            </a:p>
+          </p:txBody>
+        </p:sp>
+      </p:grpSp>
+      <p:grpSp>
+        <p:nvGrpSpPr>
+          <p:cNvPr id="17" name="Group 16"/>
+          <p:cNvGrpSpPr/>
+          <p:nvPr/>
+        </p:nvGrpSpPr>
+        <p:grpSpPr>
+          <a:xfrm>
+            <a:off x="6634216" y="153554"/>
+            <a:ext cx="1500778" cy="600311"/>
+            <a:chOff x="6380652" y="63030"/>
+            <a:chExt cx="1500778" cy="600311"/>
+          </a:xfrm>
+        </p:grpSpPr>
+        <p:sp>
+          <p:nvSpPr>
+            <p:cNvPr id="18" name="Chevron 17"/>
+            <p:cNvSpPr/>
+            <p:nvPr/>
+          </p:nvSpPr>
+          <p:spPr>
+            <a:xfrm>
+              <a:off x="6380652" y="63030"/>
+              <a:ext cx="1500778" cy="600311"/>
+            </a:xfrm>
+            <a:prstGeom prst="chevron">
+              <a:avLst/>
+            </a:prstGeom>
+          </p:spPr>
+          <p:style>
+            <a:lnRef idx="2">
+              <a:schemeClr val="accent1">
+                <a:alpha val="90000"/>
+                <a:tint val="40000"/>
+                <a:hueOff val="0"/>
+                <a:satOff val="0"/>
+                <a:lumOff val="0"/>
+                <a:alphaOff val="0"/>
+              </a:schemeClr>
+            </a:lnRef>
+            <a:fillRef idx="1">
+              <a:schemeClr val="accent1">
+                <a:alpha val="90000"/>
+                <a:tint val="40000"/>
+                <a:hueOff val="0"/>
+                <a:satOff val="0"/>
+                <a:lumOff val="0"/>
+                <a:alphaOff val="0"/>
+              </a:schemeClr>
+            </a:fillRef>
+            <a:effectRef idx="0">
+              <a:schemeClr val="accent1">
+                <a:alpha val="90000"/>
+                <a:tint val="40000"/>
+                <a:hueOff val="0"/>
+                <a:satOff val="0"/>
+                <a:lumOff val="0"/>
+                <a:alphaOff val="0"/>
+              </a:schemeClr>
+            </a:effectRef>
+            <a:fontRef idx="minor">
+              <a:schemeClr val="dk1">
+                <a:hueOff val="0"/>
+                <a:satOff val="0"/>
+                <a:lumOff val="0"/>
+                <a:alphaOff val="0"/>
+              </a:schemeClr>
+            </a:fontRef>
+          </p:style>
+        </p:sp>
+        <p:sp>
+          <p:nvSpPr>
+            <p:cNvPr id="19" name="Chevron 12"/>
+            <p:cNvSpPr/>
+            <p:nvPr/>
+          </p:nvSpPr>
+          <p:spPr>
+            <a:xfrm>
+              <a:off x="6680808" y="63030"/>
+              <a:ext cx="900467" cy="600311"/>
+            </a:xfrm>
+            <a:prstGeom prst="rect">
+              <a:avLst/>
+            </a:prstGeom>
+          </p:spPr>
+          <p:style>
+            <a:lnRef idx="0">
+              <a:scrgbClr r="0" g="0" b="0"/>
+            </a:lnRef>
+            <a:fillRef idx="0">
+              <a:scrgbClr r="0" g="0" b="0"/>
+            </a:fillRef>
+            <a:effectRef idx="0">
+              <a:scrgbClr r="0" g="0" b="0"/>
+            </a:effectRef>
+            <a:fontRef idx="minor">
+              <a:schemeClr val="dk1">
+                <a:hueOff val="0"/>
+                <a:satOff val="0"/>
+                <a:lumOff val="0"/>
+                <a:alphaOff val="0"/>
+              </a:schemeClr>
+            </a:fontRef>
+          </p:style>
+          <p:txBody>
+            <a:bodyPr spcFirstLastPara="0" vert="horz" wrap="square" lIns="16510" tIns="8255" rIns="0" bIns="8255" numCol="1" spcCol="1270" anchor="ctr" anchorCtr="0">
+              <a:noAutofit/>
+            </a:bodyPr>
+            <a:lstStyle/>
+            <a:p>
+              <a:pPr lvl="0" algn="ctr" defTabSz="577850">
+                <a:lnSpc>
+                  <a:spcPct val="90000"/>
+                </a:lnSpc>
+                <a:spcBef>
+                  <a:spcPct val="0"/>
+                </a:spcBef>
+                <a:spcAft>
+                  <a:spcPct val="35000"/>
+                </a:spcAft>
+              </a:pPr>
+              <a:r>
+                <a:rPr lang="en-US" sz="1300" kern="1200" dirty="0" smtClean="0"/>
+                <a:t>Pseudo-code</a:t>
+              </a:r>
+              <a:endParaRPr lang="en-US" sz="1300" kern="1200" dirty="0"/>
+            </a:p>
+          </p:txBody>
+        </p:sp>
+      </p:grpSp>
     </p:spTree>
     <p:extLst>
       <p:ext uri="{BB962C8B-B14F-4D97-AF65-F5344CB8AC3E}">
@@ -12948,14 +14180,19 @@
             <p:ph type="title"/>
           </p:nvPr>
         </p:nvSpPr>
-        <p:spPr/>
+        <p:spPr>
+          <a:xfrm>
+            <a:off x="457200" y="753865"/>
+            <a:ext cx="8229600" cy="1143000"/>
+          </a:xfrm>
+        </p:spPr>
         <p:txBody>
           <a:bodyPr/>
           <a:lstStyle/>
           <a:p>
             <a:r>
               <a:rPr lang="en-US" dirty="0" smtClean="0"/>
-              <a:t>Mutation</a:t>
+              <a:t>Mutation Policy</a:t>
             </a:r>
             <a:endParaRPr lang="en-US" dirty="0"/>
           </a:p>
@@ -12971,9 +14208,16 @@
             <p:ph idx="1"/>
           </p:nvPr>
         </p:nvSpPr>
-        <p:spPr/>
+        <p:spPr>
+          <a:xfrm>
+            <a:off x="457200" y="1647335"/>
+            <a:ext cx="8229600" cy="4525963"/>
+          </a:xfrm>
+        </p:spPr>
         <p:txBody>
-          <a:bodyPr/>
+          <a:bodyPr>
+            <a:normAutofit fontScale="85000" lnSpcReduction="20000"/>
+          </a:bodyPr>
           <a:lstStyle/>
           <a:p>
             <a:r>
@@ -12985,7 +14229,65 @@
             <a:pPr lvl="1"/>
             <a:r>
               <a:rPr lang="en-US" dirty="0" smtClean="0"/>
-              <a:t>For two solutions A and B, </a:t>
+              <a:t>For two solutions A and B, mutate towards the better solution based on the distance between the A and B.</a:t>
+            </a:r>
+          </a:p>
+          <a:p>
+            <a:pPr lvl="1"/>
+            <a:r>
+              <a:rPr lang="en-US" dirty="0" smtClean="0"/>
+              <a:t>The mutation distance is constrained by a fixed parameter </a:t>
+            </a:r>
+            <a:r>
+              <a:rPr lang="el-GR" dirty="0" smtClean="0">
+                <a:latin typeface="Calibri" panose="020F0502020204030204" pitchFamily="34" charset="0"/>
+              </a:rPr>
+              <a:t>γ</a:t>
+            </a:r>
+            <a:r>
+              <a:rPr lang="en-US" dirty="0" smtClean="0">
+                <a:latin typeface="Calibri" panose="020F0502020204030204" pitchFamily="34" charset="0"/>
+              </a:rPr>
+              <a:t> = 1.5</a:t>
+            </a:r>
+          </a:p>
+          <a:p>
+            <a:r>
+              <a:rPr lang="en-US" dirty="0" smtClean="0">
+                <a:latin typeface="Calibri" panose="020F0502020204030204" pitchFamily="34" charset="0"/>
+              </a:rPr>
+              <a:t>In Dead Ant, the new solution is obtained by mutating with a randomly chosen constraint.</a:t>
+            </a:r>
+          </a:p>
+          <a:p>
+            <a:pPr lvl="1"/>
+            <a:r>
+              <a:rPr lang="en-US" dirty="0" smtClean="0">
+                <a:latin typeface="Calibri" panose="020F0502020204030204" pitchFamily="34" charset="0"/>
+              </a:rPr>
+              <a:t>The maximum extent of mutation is still limited by </a:t>
+            </a:r>
+            <a:r>
+              <a:rPr lang="el-GR" dirty="0" smtClean="0">
+                <a:latin typeface="Calibri" panose="020F0502020204030204" pitchFamily="34" charset="0"/>
+              </a:rPr>
+              <a:t>γ</a:t>
+            </a:r>
+            <a:r>
+              <a:rPr lang="en-US" dirty="0" smtClean="0">
+                <a:latin typeface="Calibri" panose="020F0502020204030204" pitchFamily="34" charset="0"/>
+              </a:rPr>
+              <a:t> = 1.5</a:t>
+            </a:r>
+          </a:p>
+          <a:p>
+            <a:r>
+              <a:rPr lang="en-US" dirty="0" smtClean="0"/>
+              <a:t>Furthermore, in DA we generate 100 mutants using the above policy and pick the one which is farthest from the bad solution.</a:t>
+            </a:r>
+            <a:r>
+              <a:rPr lang="en-US" dirty="0" smtClean="0"/>
+              <a:t>             </a:t>
             </a:r>
             <a:endParaRPr lang="en-US" dirty="0"/>
           </a:p>
@@ -13020,6 +14322,661 @@
           </a:p>
         </p:txBody>
       </p:sp>
+      <p:grpSp>
+        <p:nvGrpSpPr>
+          <p:cNvPr id="5" name="Group 4"/>
+          <p:cNvGrpSpPr/>
+          <p:nvPr/>
+        </p:nvGrpSpPr>
+        <p:grpSpPr>
+          <a:xfrm>
+            <a:off x="1189101" y="92076"/>
+            <a:ext cx="1808167" cy="723266"/>
+            <a:chOff x="935537" y="1552"/>
+            <a:chExt cx="1808167" cy="723266"/>
+          </a:xfrm>
+        </p:grpSpPr>
+        <p:sp>
+          <p:nvSpPr>
+            <p:cNvPr id="6" name="Chevron 5"/>
+            <p:cNvSpPr/>
+            <p:nvPr/>
+          </p:nvSpPr>
+          <p:spPr>
+            <a:xfrm>
+              <a:off x="935537" y="1552"/>
+              <a:ext cx="1808167" cy="723266"/>
+            </a:xfrm>
+            <a:prstGeom prst="chevron">
+              <a:avLst/>
+            </a:prstGeom>
+          </p:spPr>
+          <p:style>
+            <a:lnRef idx="2">
+              <a:schemeClr val="lt1">
+                <a:hueOff val="0"/>
+                <a:satOff val="0"/>
+                <a:lumOff val="0"/>
+                <a:alphaOff val="0"/>
+              </a:schemeClr>
+            </a:lnRef>
+            <a:fillRef idx="1">
+              <a:schemeClr val="accent1">
+                <a:hueOff val="0"/>
+                <a:satOff val="0"/>
+                <a:lumOff val="0"/>
+                <a:alphaOff val="0"/>
+              </a:schemeClr>
+            </a:fillRef>
+            <a:effectRef idx="0">
+              <a:schemeClr val="accent1">
+                <a:hueOff val="0"/>
+                <a:satOff val="0"/>
+                <a:lumOff val="0"/>
+                <a:alphaOff val="0"/>
+              </a:schemeClr>
+            </a:effectRef>
+            <a:fontRef idx="minor">
+              <a:schemeClr val="lt1"/>
+            </a:fontRef>
+          </p:style>
+        </p:sp>
+        <p:sp>
+          <p:nvSpPr>
+            <p:cNvPr id="7" name="Chevron 4"/>
+            <p:cNvSpPr/>
+            <p:nvPr/>
+          </p:nvSpPr>
+          <p:spPr>
+            <a:xfrm>
+              <a:off x="1297170" y="1552"/>
+              <a:ext cx="1084901" cy="723266"/>
+            </a:xfrm>
+            <a:prstGeom prst="rect">
+              <a:avLst/>
+            </a:prstGeom>
+          </p:spPr>
+          <p:style>
+            <a:lnRef idx="0">
+              <a:scrgbClr r="0" g="0" b="0"/>
+            </a:lnRef>
+            <a:fillRef idx="0">
+              <a:scrgbClr r="0" g="0" b="0"/>
+            </a:fillRef>
+            <a:effectRef idx="0">
+              <a:scrgbClr r="0" g="0" b="0"/>
+            </a:effectRef>
+            <a:fontRef idx="minor">
+              <a:schemeClr val="lt1"/>
+            </a:fontRef>
+          </p:style>
+          <p:txBody>
+            <a:bodyPr spcFirstLastPara="0" vert="horz" wrap="square" lIns="19050" tIns="9525" rIns="0" bIns="9525" numCol="1" spcCol="1270" anchor="ctr" anchorCtr="0">
+              <a:noAutofit/>
+            </a:bodyPr>
+            <a:lstStyle/>
+            <a:p>
+              <a:pPr lvl="0" algn="ctr" defTabSz="666750">
+                <a:lnSpc>
+                  <a:spcPct val="90000"/>
+                </a:lnSpc>
+                <a:spcBef>
+                  <a:spcPct val="0"/>
+                </a:spcBef>
+                <a:spcAft>
+                  <a:spcPct val="35000"/>
+                </a:spcAft>
+              </a:pPr>
+              <a:r>
+                <a:rPr lang="en-US" sz="1500" kern="1200" dirty="0" smtClean="0"/>
+                <a:t>Introduction</a:t>
+              </a:r>
+              <a:endParaRPr lang="en-US" sz="1500" kern="1200" dirty="0"/>
+            </a:p>
+          </p:txBody>
+        </p:sp>
+      </p:grpSp>
+      <p:grpSp>
+        <p:nvGrpSpPr>
+          <p:cNvPr id="8" name="Group 7"/>
+          <p:cNvGrpSpPr/>
+          <p:nvPr/>
+        </p:nvGrpSpPr>
+        <p:grpSpPr>
+          <a:xfrm>
+            <a:off x="2762206" y="153554"/>
+            <a:ext cx="1500778" cy="600311"/>
+            <a:chOff x="2508642" y="63030"/>
+            <a:chExt cx="1500778" cy="600311"/>
+          </a:xfrm>
+          <a:solidFill>
+            <a:schemeClr val="bg1">
+              <a:lumMod val="85000"/>
+            </a:schemeClr>
+          </a:solidFill>
+        </p:grpSpPr>
+        <p:sp>
+          <p:nvSpPr>
+            <p:cNvPr id="9" name="Chevron 8"/>
+            <p:cNvSpPr/>
+            <p:nvPr/>
+          </p:nvSpPr>
+          <p:spPr>
+            <a:xfrm>
+              <a:off x="2508642" y="63030"/>
+              <a:ext cx="1500778" cy="600311"/>
+            </a:xfrm>
+            <a:prstGeom prst="chevron">
+              <a:avLst/>
+            </a:prstGeom>
+            <a:grpFill/>
+            <a:ln>
+              <a:solidFill>
+                <a:schemeClr val="bg1">
+                  <a:lumMod val="85000"/>
+                </a:schemeClr>
+              </a:solidFill>
+            </a:ln>
+          </p:spPr>
+          <p:style>
+            <a:lnRef idx="2">
+              <a:schemeClr val="accent1">
+                <a:alpha val="90000"/>
+                <a:tint val="40000"/>
+                <a:hueOff val="0"/>
+                <a:satOff val="0"/>
+                <a:lumOff val="0"/>
+                <a:alphaOff val="0"/>
+              </a:schemeClr>
+            </a:lnRef>
+            <a:fillRef idx="1">
+              <a:schemeClr val="accent1">
+                <a:alpha val="90000"/>
+                <a:tint val="40000"/>
+                <a:hueOff val="0"/>
+                <a:satOff val="0"/>
+                <a:lumOff val="0"/>
+                <a:alphaOff val="0"/>
+              </a:schemeClr>
+            </a:fillRef>
+            <a:effectRef idx="0">
+              <a:schemeClr val="accent1">
+                <a:alpha val="90000"/>
+                <a:tint val="40000"/>
+                <a:hueOff val="0"/>
+                <a:satOff val="0"/>
+                <a:lumOff val="0"/>
+                <a:alphaOff val="0"/>
+              </a:schemeClr>
+            </a:effectRef>
+            <a:fontRef idx="minor">
+              <a:schemeClr val="dk1">
+                <a:hueOff val="0"/>
+                <a:satOff val="0"/>
+                <a:lumOff val="0"/>
+                <a:alphaOff val="0"/>
+              </a:schemeClr>
+            </a:fontRef>
+          </p:style>
+        </p:sp>
+        <p:sp>
+          <p:nvSpPr>
+            <p:cNvPr id="10" name="Chevron 6"/>
+            <p:cNvSpPr/>
+            <p:nvPr/>
+          </p:nvSpPr>
+          <p:spPr>
+            <a:xfrm>
+              <a:off x="2808798" y="63030"/>
+              <a:ext cx="900467" cy="600311"/>
+            </a:xfrm>
+            <a:prstGeom prst="rect">
+              <a:avLst/>
+            </a:prstGeom>
+            <a:grpFill/>
+            <a:ln>
+              <a:solidFill>
+                <a:schemeClr val="bg1">
+                  <a:lumMod val="85000"/>
+                </a:schemeClr>
+              </a:solidFill>
+            </a:ln>
+          </p:spPr>
+          <p:style>
+            <a:lnRef idx="0">
+              <a:scrgbClr r="0" g="0" b="0"/>
+            </a:lnRef>
+            <a:fillRef idx="0">
+              <a:scrgbClr r="0" g="0" b="0"/>
+            </a:fillRef>
+            <a:effectRef idx="0">
+              <a:scrgbClr r="0" g="0" b="0"/>
+            </a:effectRef>
+            <a:fontRef idx="minor">
+              <a:schemeClr val="dk1">
+                <a:hueOff val="0"/>
+                <a:satOff val="0"/>
+                <a:lumOff val="0"/>
+                <a:alphaOff val="0"/>
+              </a:schemeClr>
+            </a:fontRef>
+          </p:style>
+          <p:txBody>
+            <a:bodyPr spcFirstLastPara="0" vert="horz" wrap="square" lIns="16510" tIns="8255" rIns="0" bIns="8255" numCol="1" spcCol="1270" anchor="ctr" anchorCtr="0">
+              <a:noAutofit/>
+            </a:bodyPr>
+            <a:lstStyle/>
+            <a:p>
+              <a:pPr lvl="0" algn="ctr" defTabSz="577850">
+                <a:lnSpc>
+                  <a:spcPct val="90000"/>
+                </a:lnSpc>
+                <a:spcBef>
+                  <a:spcPct val="0"/>
+                </a:spcBef>
+                <a:spcAft>
+                  <a:spcPct val="35000"/>
+                </a:spcAft>
+              </a:pPr>
+              <a:r>
+                <a:rPr lang="en-US" sz="1300" kern="1200" dirty="0" smtClean="0"/>
+                <a:t>Introducing Dead Ant</a:t>
+              </a:r>
+              <a:endParaRPr lang="en-US" sz="1300" kern="1200" dirty="0"/>
+            </a:p>
+          </p:txBody>
+        </p:sp>
+      </p:grpSp>
+      <p:grpSp>
+        <p:nvGrpSpPr>
+          <p:cNvPr id="11" name="Group 10"/>
+          <p:cNvGrpSpPr/>
+          <p:nvPr/>
+        </p:nvGrpSpPr>
+        <p:grpSpPr>
+          <a:xfrm>
+            <a:off x="4052876" y="153554"/>
+            <a:ext cx="1500778" cy="600311"/>
+            <a:chOff x="3799312" y="63030"/>
+            <a:chExt cx="1500778" cy="600311"/>
+          </a:xfrm>
+        </p:grpSpPr>
+        <p:sp>
+          <p:nvSpPr>
+            <p:cNvPr id="12" name="Chevron 11"/>
+            <p:cNvSpPr/>
+            <p:nvPr/>
+          </p:nvSpPr>
+          <p:spPr>
+            <a:xfrm>
+              <a:off x="3799312" y="63030"/>
+              <a:ext cx="1500778" cy="600311"/>
+            </a:xfrm>
+            <a:prstGeom prst="chevron">
+              <a:avLst/>
+            </a:prstGeom>
+          </p:spPr>
+          <p:style>
+            <a:lnRef idx="2">
+              <a:schemeClr val="accent1">
+                <a:alpha val="90000"/>
+                <a:tint val="40000"/>
+                <a:hueOff val="0"/>
+                <a:satOff val="0"/>
+                <a:lumOff val="0"/>
+                <a:alphaOff val="0"/>
+              </a:schemeClr>
+            </a:lnRef>
+            <a:fillRef idx="1">
+              <a:schemeClr val="accent1">
+                <a:alpha val="90000"/>
+                <a:tint val="40000"/>
+                <a:hueOff val="0"/>
+                <a:satOff val="0"/>
+                <a:lumOff val="0"/>
+                <a:alphaOff val="0"/>
+              </a:schemeClr>
+            </a:fillRef>
+            <a:effectRef idx="0">
+              <a:schemeClr val="accent1">
+                <a:alpha val="90000"/>
+                <a:tint val="40000"/>
+                <a:hueOff val="0"/>
+                <a:satOff val="0"/>
+                <a:lumOff val="0"/>
+                <a:alphaOff val="0"/>
+              </a:schemeClr>
+            </a:effectRef>
+            <a:fontRef idx="minor">
+              <a:schemeClr val="dk1">
+                <a:hueOff val="0"/>
+                <a:satOff val="0"/>
+                <a:lumOff val="0"/>
+                <a:alphaOff val="0"/>
+              </a:schemeClr>
+            </a:fontRef>
+          </p:style>
+        </p:sp>
+        <p:sp>
+          <p:nvSpPr>
+            <p:cNvPr id="13" name="Chevron 8"/>
+            <p:cNvSpPr/>
+            <p:nvPr/>
+          </p:nvSpPr>
+          <p:spPr>
+            <a:xfrm>
+              <a:off x="4099468" y="63030"/>
+              <a:ext cx="900467" cy="600311"/>
+            </a:xfrm>
+            <a:prstGeom prst="rect">
+              <a:avLst/>
+            </a:prstGeom>
+          </p:spPr>
+          <p:style>
+            <a:lnRef idx="0">
+              <a:scrgbClr r="0" g="0" b="0"/>
+            </a:lnRef>
+            <a:fillRef idx="0">
+              <a:scrgbClr r="0" g="0" b="0"/>
+            </a:fillRef>
+            <a:effectRef idx="0">
+              <a:scrgbClr r="0" g="0" b="0"/>
+            </a:effectRef>
+            <a:fontRef idx="minor">
+              <a:schemeClr val="dk1">
+                <a:hueOff val="0"/>
+                <a:satOff val="0"/>
+                <a:lumOff val="0"/>
+                <a:alphaOff val="0"/>
+              </a:schemeClr>
+            </a:fontRef>
+          </p:style>
+          <p:txBody>
+            <a:bodyPr spcFirstLastPara="0" vert="horz" wrap="square" lIns="16510" tIns="8255" rIns="0" bIns="8255" numCol="1" spcCol="1270" anchor="ctr" anchorCtr="0">
+              <a:noAutofit/>
+            </a:bodyPr>
+            <a:lstStyle/>
+            <a:p>
+              <a:pPr lvl="0" algn="ctr" defTabSz="577850">
+                <a:lnSpc>
+                  <a:spcPct val="90000"/>
+                </a:lnSpc>
+                <a:spcBef>
+                  <a:spcPct val="0"/>
+                </a:spcBef>
+                <a:spcAft>
+                  <a:spcPct val="35000"/>
+                </a:spcAft>
+              </a:pPr>
+              <a:r>
+                <a:rPr lang="en-US" sz="1300" kern="1200" dirty="0" smtClean="0"/>
+                <a:t>Determining close</a:t>
+              </a:r>
+              <a:endParaRPr lang="en-US" sz="1300" kern="1200" dirty="0"/>
+            </a:p>
+          </p:txBody>
+        </p:sp>
+      </p:grpSp>
+      <p:grpSp>
+        <p:nvGrpSpPr>
+          <p:cNvPr id="14" name="Group 13"/>
+          <p:cNvGrpSpPr/>
+          <p:nvPr/>
+        </p:nvGrpSpPr>
+        <p:grpSpPr>
+          <a:xfrm>
+            <a:off x="5343546" y="153554"/>
+            <a:ext cx="1500778" cy="600311"/>
+            <a:chOff x="5089982" y="63030"/>
+            <a:chExt cx="1500778" cy="600311"/>
+          </a:xfrm>
+        </p:grpSpPr>
+        <p:sp>
+          <p:nvSpPr>
+            <p:cNvPr id="15" name="Chevron 14"/>
+            <p:cNvSpPr/>
+            <p:nvPr/>
+          </p:nvSpPr>
+          <p:spPr>
+            <a:xfrm>
+              <a:off x="5089982" y="63030"/>
+              <a:ext cx="1500778" cy="600311"/>
+            </a:xfrm>
+            <a:prstGeom prst="chevron">
+              <a:avLst/>
+            </a:prstGeom>
+          </p:spPr>
+          <p:style>
+            <a:lnRef idx="2">
+              <a:schemeClr val="accent1">
+                <a:alpha val="90000"/>
+                <a:tint val="40000"/>
+                <a:hueOff val="0"/>
+                <a:satOff val="0"/>
+                <a:lumOff val="0"/>
+                <a:alphaOff val="0"/>
+              </a:schemeClr>
+            </a:lnRef>
+            <a:fillRef idx="1">
+              <a:schemeClr val="accent1">
+                <a:alpha val="90000"/>
+                <a:tint val="40000"/>
+                <a:hueOff val="0"/>
+                <a:satOff val="0"/>
+                <a:lumOff val="0"/>
+                <a:alphaOff val="0"/>
+              </a:schemeClr>
+            </a:fillRef>
+            <a:effectRef idx="0">
+              <a:schemeClr val="accent1">
+                <a:alpha val="90000"/>
+                <a:tint val="40000"/>
+                <a:hueOff val="0"/>
+                <a:satOff val="0"/>
+                <a:lumOff val="0"/>
+                <a:alphaOff val="0"/>
+              </a:schemeClr>
+            </a:effectRef>
+            <a:fontRef idx="minor">
+              <a:schemeClr val="dk1">
+                <a:hueOff val="0"/>
+                <a:satOff val="0"/>
+                <a:lumOff val="0"/>
+                <a:alphaOff val="0"/>
+              </a:schemeClr>
+            </a:fontRef>
+          </p:style>
+        </p:sp>
+        <p:sp>
+          <p:nvSpPr>
+            <p:cNvPr id="16" name="Chevron 10"/>
+            <p:cNvSpPr/>
+            <p:nvPr/>
+          </p:nvSpPr>
+          <p:spPr>
+            <a:xfrm>
+              <a:off x="5390138" y="63030"/>
+              <a:ext cx="900467" cy="600311"/>
+            </a:xfrm>
+            <a:prstGeom prst="rect">
+              <a:avLst/>
+            </a:prstGeom>
+          </p:spPr>
+          <p:style>
+            <a:lnRef idx="0">
+              <a:scrgbClr r="0" g="0" b="0"/>
+            </a:lnRef>
+            <a:fillRef idx="0">
+              <a:scrgbClr r="0" g="0" b="0"/>
+            </a:fillRef>
+            <a:effectRef idx="0">
+              <a:scrgbClr r="0" g="0" b="0"/>
+            </a:effectRef>
+            <a:fontRef idx="minor">
+              <a:schemeClr val="dk1">
+                <a:hueOff val="0"/>
+                <a:satOff val="0"/>
+                <a:lumOff val="0"/>
+                <a:alphaOff val="0"/>
+              </a:schemeClr>
+            </a:fontRef>
+          </p:style>
+          <p:txBody>
+            <a:bodyPr spcFirstLastPara="0" vert="horz" wrap="square" lIns="16510" tIns="8255" rIns="0" bIns="8255" numCol="1" spcCol="1270" anchor="ctr" anchorCtr="0">
+              <a:noAutofit/>
+            </a:bodyPr>
+            <a:lstStyle/>
+            <a:p>
+              <a:pPr lvl="0" algn="ctr" defTabSz="577850">
+                <a:lnSpc>
+                  <a:spcPct val="90000"/>
+                </a:lnSpc>
+                <a:spcBef>
+                  <a:spcPct val="0"/>
+                </a:spcBef>
+                <a:spcAft>
+                  <a:spcPct val="35000"/>
+                </a:spcAft>
+              </a:pPr>
+              <a:r>
+                <a:rPr lang="en-US" sz="1300" kern="1200" dirty="0" smtClean="0"/>
+                <a:t>Mutation</a:t>
+              </a:r>
+              <a:endParaRPr lang="en-US" sz="1300" kern="1200" dirty="0"/>
+            </a:p>
+          </p:txBody>
+        </p:sp>
+      </p:grpSp>
+      <p:grpSp>
+        <p:nvGrpSpPr>
+          <p:cNvPr id="17" name="Group 16"/>
+          <p:cNvGrpSpPr/>
+          <p:nvPr/>
+        </p:nvGrpSpPr>
+        <p:grpSpPr>
+          <a:xfrm>
+            <a:off x="6634216" y="153554"/>
+            <a:ext cx="1500778" cy="600311"/>
+            <a:chOff x="6380652" y="63030"/>
+            <a:chExt cx="1500778" cy="600311"/>
+          </a:xfrm>
+        </p:grpSpPr>
+        <p:sp>
+          <p:nvSpPr>
+            <p:cNvPr id="18" name="Chevron 17"/>
+            <p:cNvSpPr/>
+            <p:nvPr/>
+          </p:nvSpPr>
+          <p:spPr>
+            <a:xfrm>
+              <a:off x="6380652" y="63030"/>
+              <a:ext cx="1500778" cy="600311"/>
+            </a:xfrm>
+            <a:prstGeom prst="chevron">
+              <a:avLst/>
+            </a:prstGeom>
+          </p:spPr>
+          <p:style>
+            <a:lnRef idx="2">
+              <a:schemeClr val="accent1">
+                <a:alpha val="90000"/>
+                <a:tint val="40000"/>
+                <a:hueOff val="0"/>
+                <a:satOff val="0"/>
+                <a:lumOff val="0"/>
+                <a:alphaOff val="0"/>
+              </a:schemeClr>
+            </a:lnRef>
+            <a:fillRef idx="1">
+              <a:schemeClr val="accent1">
+                <a:alpha val="90000"/>
+                <a:tint val="40000"/>
+                <a:hueOff val="0"/>
+                <a:satOff val="0"/>
+                <a:lumOff val="0"/>
+                <a:alphaOff val="0"/>
+              </a:schemeClr>
+            </a:fillRef>
+            <a:effectRef idx="0">
+              <a:schemeClr val="accent1">
+                <a:alpha val="90000"/>
+                <a:tint val="40000"/>
+                <a:hueOff val="0"/>
+                <a:satOff val="0"/>
+                <a:lumOff val="0"/>
+                <a:alphaOff val="0"/>
+              </a:schemeClr>
+            </a:effectRef>
+            <a:fontRef idx="minor">
+              <a:schemeClr val="dk1">
+                <a:hueOff val="0"/>
+                <a:satOff val="0"/>
+                <a:lumOff val="0"/>
+                <a:alphaOff val="0"/>
+              </a:schemeClr>
+            </a:fontRef>
+          </p:style>
+        </p:sp>
+        <p:sp>
+          <p:nvSpPr>
+            <p:cNvPr id="19" name="Chevron 12"/>
+            <p:cNvSpPr/>
+            <p:nvPr/>
+          </p:nvSpPr>
+          <p:spPr>
+            <a:xfrm>
+              <a:off x="6680808" y="63030"/>
+              <a:ext cx="900467" cy="600311"/>
+            </a:xfrm>
+            <a:prstGeom prst="rect">
+              <a:avLst/>
+            </a:prstGeom>
+          </p:spPr>
+          <p:style>
+            <a:lnRef idx="0">
+              <a:scrgbClr r="0" g="0" b="0"/>
+            </a:lnRef>
+            <a:fillRef idx="0">
+              <a:scrgbClr r="0" g="0" b="0"/>
+            </a:fillRef>
+            <a:effectRef idx="0">
+              <a:scrgbClr r="0" g="0" b="0"/>
+            </a:effectRef>
+            <a:fontRef idx="minor">
+              <a:schemeClr val="dk1">
+                <a:hueOff val="0"/>
+                <a:satOff val="0"/>
+                <a:lumOff val="0"/>
+                <a:alphaOff val="0"/>
+              </a:schemeClr>
+            </a:fontRef>
+          </p:style>
+          <p:txBody>
+            <a:bodyPr spcFirstLastPara="0" vert="horz" wrap="square" lIns="16510" tIns="8255" rIns="0" bIns="8255" numCol="1" spcCol="1270" anchor="ctr" anchorCtr="0">
+              <a:noAutofit/>
+            </a:bodyPr>
+            <a:lstStyle/>
+            <a:p>
+              <a:pPr lvl="0" algn="ctr" defTabSz="577850">
+                <a:lnSpc>
+                  <a:spcPct val="90000"/>
+                </a:lnSpc>
+                <a:spcBef>
+                  <a:spcPct val="0"/>
+                </a:spcBef>
+                <a:spcAft>
+                  <a:spcPct val="35000"/>
+                </a:spcAft>
+              </a:pPr>
+              <a:r>
+                <a:rPr lang="en-US" sz="1300" kern="1200" dirty="0" smtClean="0"/>
+                <a:t>Pseudo-code</a:t>
+              </a:r>
+              <a:endParaRPr lang="en-US" sz="1300" kern="1200" dirty="0"/>
+            </a:p>
+          </p:txBody>
+        </p:sp>
+      </p:grpSp>
     </p:spTree>
     <p:extLst>
       <p:ext uri="{BB962C8B-B14F-4D97-AF65-F5344CB8AC3E}">
@@ -13067,7 +15024,12 @@
             <p:ph type="title"/>
           </p:nvPr>
         </p:nvSpPr>
-        <p:spPr/>
+        <p:spPr>
+          <a:xfrm>
+            <a:off x="457200" y="753865"/>
+            <a:ext cx="8229600" cy="1143000"/>
+          </a:xfrm>
+        </p:spPr>
         <p:txBody>
           <a:bodyPr/>
           <a:lstStyle/>
@@ -13211,6 +15173,661 @@
           </a:p>
         </p:txBody>
       </p:sp>
+      <p:grpSp>
+        <p:nvGrpSpPr>
+          <p:cNvPr id="4" name="Group 3"/>
+          <p:cNvGrpSpPr/>
+          <p:nvPr/>
+        </p:nvGrpSpPr>
+        <p:grpSpPr>
+          <a:xfrm>
+            <a:off x="1189101" y="92076"/>
+            <a:ext cx="1808167" cy="723266"/>
+            <a:chOff x="935537" y="1552"/>
+            <a:chExt cx="1808167" cy="723266"/>
+          </a:xfrm>
+        </p:grpSpPr>
+        <p:sp>
+          <p:nvSpPr>
+            <p:cNvPr id="5" name="Chevron 4"/>
+            <p:cNvSpPr/>
+            <p:nvPr/>
+          </p:nvSpPr>
+          <p:spPr>
+            <a:xfrm>
+              <a:off x="935537" y="1552"/>
+              <a:ext cx="1808167" cy="723266"/>
+            </a:xfrm>
+            <a:prstGeom prst="chevron">
+              <a:avLst/>
+            </a:prstGeom>
+          </p:spPr>
+          <p:style>
+            <a:lnRef idx="2">
+              <a:schemeClr val="lt1">
+                <a:hueOff val="0"/>
+                <a:satOff val="0"/>
+                <a:lumOff val="0"/>
+                <a:alphaOff val="0"/>
+              </a:schemeClr>
+            </a:lnRef>
+            <a:fillRef idx="1">
+              <a:schemeClr val="accent1">
+                <a:hueOff val="0"/>
+                <a:satOff val="0"/>
+                <a:lumOff val="0"/>
+                <a:alphaOff val="0"/>
+              </a:schemeClr>
+            </a:fillRef>
+            <a:effectRef idx="0">
+              <a:schemeClr val="accent1">
+                <a:hueOff val="0"/>
+                <a:satOff val="0"/>
+                <a:lumOff val="0"/>
+                <a:alphaOff val="0"/>
+              </a:schemeClr>
+            </a:effectRef>
+            <a:fontRef idx="minor">
+              <a:schemeClr val="lt1"/>
+            </a:fontRef>
+          </p:style>
+        </p:sp>
+        <p:sp>
+          <p:nvSpPr>
+            <p:cNvPr id="6" name="Chevron 4"/>
+            <p:cNvSpPr/>
+            <p:nvPr/>
+          </p:nvSpPr>
+          <p:spPr>
+            <a:xfrm>
+              <a:off x="1297170" y="1552"/>
+              <a:ext cx="1084901" cy="723266"/>
+            </a:xfrm>
+            <a:prstGeom prst="rect">
+              <a:avLst/>
+            </a:prstGeom>
+          </p:spPr>
+          <p:style>
+            <a:lnRef idx="0">
+              <a:scrgbClr r="0" g="0" b="0"/>
+            </a:lnRef>
+            <a:fillRef idx="0">
+              <a:scrgbClr r="0" g="0" b="0"/>
+            </a:fillRef>
+            <a:effectRef idx="0">
+              <a:scrgbClr r="0" g="0" b="0"/>
+            </a:effectRef>
+            <a:fontRef idx="minor">
+              <a:schemeClr val="lt1"/>
+            </a:fontRef>
+          </p:style>
+          <p:txBody>
+            <a:bodyPr spcFirstLastPara="0" vert="horz" wrap="square" lIns="19050" tIns="9525" rIns="0" bIns="9525" numCol="1" spcCol="1270" anchor="ctr" anchorCtr="0">
+              <a:noAutofit/>
+            </a:bodyPr>
+            <a:lstStyle/>
+            <a:p>
+              <a:pPr lvl="0" algn="ctr" defTabSz="666750">
+                <a:lnSpc>
+                  <a:spcPct val="90000"/>
+                </a:lnSpc>
+                <a:spcBef>
+                  <a:spcPct val="0"/>
+                </a:spcBef>
+                <a:spcAft>
+                  <a:spcPct val="35000"/>
+                </a:spcAft>
+              </a:pPr>
+              <a:r>
+                <a:rPr lang="en-US" sz="1500" kern="1200" dirty="0" smtClean="0"/>
+                <a:t>Introduction</a:t>
+              </a:r>
+              <a:endParaRPr lang="en-US" sz="1500" kern="1200" dirty="0"/>
+            </a:p>
+          </p:txBody>
+        </p:sp>
+      </p:grpSp>
+      <p:grpSp>
+        <p:nvGrpSpPr>
+          <p:cNvPr id="7" name="Group 6"/>
+          <p:cNvGrpSpPr/>
+          <p:nvPr/>
+        </p:nvGrpSpPr>
+        <p:grpSpPr>
+          <a:xfrm>
+            <a:off x="2762206" y="153554"/>
+            <a:ext cx="1500778" cy="600311"/>
+            <a:chOff x="2508642" y="63030"/>
+            <a:chExt cx="1500778" cy="600311"/>
+          </a:xfrm>
+          <a:solidFill>
+            <a:schemeClr val="bg1">
+              <a:lumMod val="85000"/>
+            </a:schemeClr>
+          </a:solidFill>
+        </p:grpSpPr>
+        <p:sp>
+          <p:nvSpPr>
+            <p:cNvPr id="8" name="Chevron 7"/>
+            <p:cNvSpPr/>
+            <p:nvPr/>
+          </p:nvSpPr>
+          <p:spPr>
+            <a:xfrm>
+              <a:off x="2508642" y="63030"/>
+              <a:ext cx="1500778" cy="600311"/>
+            </a:xfrm>
+            <a:prstGeom prst="chevron">
+              <a:avLst/>
+            </a:prstGeom>
+            <a:grpFill/>
+            <a:ln>
+              <a:solidFill>
+                <a:schemeClr val="bg1">
+                  <a:lumMod val="85000"/>
+                </a:schemeClr>
+              </a:solidFill>
+            </a:ln>
+          </p:spPr>
+          <p:style>
+            <a:lnRef idx="2">
+              <a:schemeClr val="accent1">
+                <a:alpha val="90000"/>
+                <a:tint val="40000"/>
+                <a:hueOff val="0"/>
+                <a:satOff val="0"/>
+                <a:lumOff val="0"/>
+                <a:alphaOff val="0"/>
+              </a:schemeClr>
+            </a:lnRef>
+            <a:fillRef idx="1">
+              <a:schemeClr val="accent1">
+                <a:alpha val="90000"/>
+                <a:tint val="40000"/>
+                <a:hueOff val="0"/>
+                <a:satOff val="0"/>
+                <a:lumOff val="0"/>
+                <a:alphaOff val="0"/>
+              </a:schemeClr>
+            </a:fillRef>
+            <a:effectRef idx="0">
+              <a:schemeClr val="accent1">
+                <a:alpha val="90000"/>
+                <a:tint val="40000"/>
+                <a:hueOff val="0"/>
+                <a:satOff val="0"/>
+                <a:lumOff val="0"/>
+                <a:alphaOff val="0"/>
+              </a:schemeClr>
+            </a:effectRef>
+            <a:fontRef idx="minor">
+              <a:schemeClr val="dk1">
+                <a:hueOff val="0"/>
+                <a:satOff val="0"/>
+                <a:lumOff val="0"/>
+                <a:alphaOff val="0"/>
+              </a:schemeClr>
+            </a:fontRef>
+          </p:style>
+        </p:sp>
+        <p:sp>
+          <p:nvSpPr>
+            <p:cNvPr id="9" name="Chevron 6"/>
+            <p:cNvSpPr/>
+            <p:nvPr/>
+          </p:nvSpPr>
+          <p:spPr>
+            <a:xfrm>
+              <a:off x="2808798" y="63030"/>
+              <a:ext cx="900467" cy="600311"/>
+            </a:xfrm>
+            <a:prstGeom prst="rect">
+              <a:avLst/>
+            </a:prstGeom>
+            <a:grpFill/>
+            <a:ln>
+              <a:solidFill>
+                <a:schemeClr val="bg1">
+                  <a:lumMod val="85000"/>
+                </a:schemeClr>
+              </a:solidFill>
+            </a:ln>
+          </p:spPr>
+          <p:style>
+            <a:lnRef idx="0">
+              <a:scrgbClr r="0" g="0" b="0"/>
+            </a:lnRef>
+            <a:fillRef idx="0">
+              <a:scrgbClr r="0" g="0" b="0"/>
+            </a:fillRef>
+            <a:effectRef idx="0">
+              <a:scrgbClr r="0" g="0" b="0"/>
+            </a:effectRef>
+            <a:fontRef idx="minor">
+              <a:schemeClr val="dk1">
+                <a:hueOff val="0"/>
+                <a:satOff val="0"/>
+                <a:lumOff val="0"/>
+                <a:alphaOff val="0"/>
+              </a:schemeClr>
+            </a:fontRef>
+          </p:style>
+          <p:txBody>
+            <a:bodyPr spcFirstLastPara="0" vert="horz" wrap="square" lIns="16510" tIns="8255" rIns="0" bIns="8255" numCol="1" spcCol="1270" anchor="ctr" anchorCtr="0">
+              <a:noAutofit/>
+            </a:bodyPr>
+            <a:lstStyle/>
+            <a:p>
+              <a:pPr lvl="0" algn="ctr" defTabSz="577850">
+                <a:lnSpc>
+                  <a:spcPct val="90000"/>
+                </a:lnSpc>
+                <a:spcBef>
+                  <a:spcPct val="0"/>
+                </a:spcBef>
+                <a:spcAft>
+                  <a:spcPct val="35000"/>
+                </a:spcAft>
+              </a:pPr>
+              <a:r>
+                <a:rPr lang="en-US" sz="1300" kern="1200" dirty="0" smtClean="0"/>
+                <a:t>Introducing Dead Ant</a:t>
+              </a:r>
+              <a:endParaRPr lang="en-US" sz="1300" kern="1200" dirty="0"/>
+            </a:p>
+          </p:txBody>
+        </p:sp>
+      </p:grpSp>
+      <p:grpSp>
+        <p:nvGrpSpPr>
+          <p:cNvPr id="10" name="Group 9"/>
+          <p:cNvGrpSpPr/>
+          <p:nvPr/>
+        </p:nvGrpSpPr>
+        <p:grpSpPr>
+          <a:xfrm>
+            <a:off x="4052876" y="153554"/>
+            <a:ext cx="1500778" cy="600311"/>
+            <a:chOff x="3799312" y="63030"/>
+            <a:chExt cx="1500778" cy="600311"/>
+          </a:xfrm>
+        </p:grpSpPr>
+        <p:sp>
+          <p:nvSpPr>
+            <p:cNvPr id="11" name="Chevron 10"/>
+            <p:cNvSpPr/>
+            <p:nvPr/>
+          </p:nvSpPr>
+          <p:spPr>
+            <a:xfrm>
+              <a:off x="3799312" y="63030"/>
+              <a:ext cx="1500778" cy="600311"/>
+            </a:xfrm>
+            <a:prstGeom prst="chevron">
+              <a:avLst/>
+            </a:prstGeom>
+          </p:spPr>
+          <p:style>
+            <a:lnRef idx="2">
+              <a:schemeClr val="accent1">
+                <a:alpha val="90000"/>
+                <a:tint val="40000"/>
+                <a:hueOff val="0"/>
+                <a:satOff val="0"/>
+                <a:lumOff val="0"/>
+                <a:alphaOff val="0"/>
+              </a:schemeClr>
+            </a:lnRef>
+            <a:fillRef idx="1">
+              <a:schemeClr val="accent1">
+                <a:alpha val="90000"/>
+                <a:tint val="40000"/>
+                <a:hueOff val="0"/>
+                <a:satOff val="0"/>
+                <a:lumOff val="0"/>
+                <a:alphaOff val="0"/>
+              </a:schemeClr>
+            </a:fillRef>
+            <a:effectRef idx="0">
+              <a:schemeClr val="accent1">
+                <a:alpha val="90000"/>
+                <a:tint val="40000"/>
+                <a:hueOff val="0"/>
+                <a:satOff val="0"/>
+                <a:lumOff val="0"/>
+                <a:alphaOff val="0"/>
+              </a:schemeClr>
+            </a:effectRef>
+            <a:fontRef idx="minor">
+              <a:schemeClr val="dk1">
+                <a:hueOff val="0"/>
+                <a:satOff val="0"/>
+                <a:lumOff val="0"/>
+                <a:alphaOff val="0"/>
+              </a:schemeClr>
+            </a:fontRef>
+          </p:style>
+        </p:sp>
+        <p:sp>
+          <p:nvSpPr>
+            <p:cNvPr id="12" name="Chevron 8"/>
+            <p:cNvSpPr/>
+            <p:nvPr/>
+          </p:nvSpPr>
+          <p:spPr>
+            <a:xfrm>
+              <a:off x="4099468" y="63030"/>
+              <a:ext cx="900467" cy="600311"/>
+            </a:xfrm>
+            <a:prstGeom prst="rect">
+              <a:avLst/>
+            </a:prstGeom>
+          </p:spPr>
+          <p:style>
+            <a:lnRef idx="0">
+              <a:scrgbClr r="0" g="0" b="0"/>
+            </a:lnRef>
+            <a:fillRef idx="0">
+              <a:scrgbClr r="0" g="0" b="0"/>
+            </a:fillRef>
+            <a:effectRef idx="0">
+              <a:scrgbClr r="0" g="0" b="0"/>
+            </a:effectRef>
+            <a:fontRef idx="minor">
+              <a:schemeClr val="dk1">
+                <a:hueOff val="0"/>
+                <a:satOff val="0"/>
+                <a:lumOff val="0"/>
+                <a:alphaOff val="0"/>
+              </a:schemeClr>
+            </a:fontRef>
+          </p:style>
+          <p:txBody>
+            <a:bodyPr spcFirstLastPara="0" vert="horz" wrap="square" lIns="16510" tIns="8255" rIns="0" bIns="8255" numCol="1" spcCol="1270" anchor="ctr" anchorCtr="0">
+              <a:noAutofit/>
+            </a:bodyPr>
+            <a:lstStyle/>
+            <a:p>
+              <a:pPr lvl="0" algn="ctr" defTabSz="577850">
+                <a:lnSpc>
+                  <a:spcPct val="90000"/>
+                </a:lnSpc>
+                <a:spcBef>
+                  <a:spcPct val="0"/>
+                </a:spcBef>
+                <a:spcAft>
+                  <a:spcPct val="35000"/>
+                </a:spcAft>
+              </a:pPr>
+              <a:r>
+                <a:rPr lang="en-US" sz="1300" kern="1200" dirty="0" smtClean="0"/>
+                <a:t>Determining close</a:t>
+              </a:r>
+              <a:endParaRPr lang="en-US" sz="1300" kern="1200" dirty="0"/>
+            </a:p>
+          </p:txBody>
+        </p:sp>
+      </p:grpSp>
+      <p:grpSp>
+        <p:nvGrpSpPr>
+          <p:cNvPr id="13" name="Group 12"/>
+          <p:cNvGrpSpPr/>
+          <p:nvPr/>
+        </p:nvGrpSpPr>
+        <p:grpSpPr>
+          <a:xfrm>
+            <a:off x="5343546" y="153554"/>
+            <a:ext cx="1500778" cy="600311"/>
+            <a:chOff x="5089982" y="63030"/>
+            <a:chExt cx="1500778" cy="600311"/>
+          </a:xfrm>
+        </p:grpSpPr>
+        <p:sp>
+          <p:nvSpPr>
+            <p:cNvPr id="14" name="Chevron 13"/>
+            <p:cNvSpPr/>
+            <p:nvPr/>
+          </p:nvSpPr>
+          <p:spPr>
+            <a:xfrm>
+              <a:off x="5089982" y="63030"/>
+              <a:ext cx="1500778" cy="600311"/>
+            </a:xfrm>
+            <a:prstGeom prst="chevron">
+              <a:avLst/>
+            </a:prstGeom>
+          </p:spPr>
+          <p:style>
+            <a:lnRef idx="2">
+              <a:schemeClr val="accent1">
+                <a:alpha val="90000"/>
+                <a:tint val="40000"/>
+                <a:hueOff val="0"/>
+                <a:satOff val="0"/>
+                <a:lumOff val="0"/>
+                <a:alphaOff val="0"/>
+              </a:schemeClr>
+            </a:lnRef>
+            <a:fillRef idx="1">
+              <a:schemeClr val="accent1">
+                <a:alpha val="90000"/>
+                <a:tint val="40000"/>
+                <a:hueOff val="0"/>
+                <a:satOff val="0"/>
+                <a:lumOff val="0"/>
+                <a:alphaOff val="0"/>
+              </a:schemeClr>
+            </a:fillRef>
+            <a:effectRef idx="0">
+              <a:schemeClr val="accent1">
+                <a:alpha val="90000"/>
+                <a:tint val="40000"/>
+                <a:hueOff val="0"/>
+                <a:satOff val="0"/>
+                <a:lumOff val="0"/>
+                <a:alphaOff val="0"/>
+              </a:schemeClr>
+            </a:effectRef>
+            <a:fontRef idx="minor">
+              <a:schemeClr val="dk1">
+                <a:hueOff val="0"/>
+                <a:satOff val="0"/>
+                <a:lumOff val="0"/>
+                <a:alphaOff val="0"/>
+              </a:schemeClr>
+            </a:fontRef>
+          </p:style>
+        </p:sp>
+        <p:sp>
+          <p:nvSpPr>
+            <p:cNvPr id="15" name="Chevron 10"/>
+            <p:cNvSpPr/>
+            <p:nvPr/>
+          </p:nvSpPr>
+          <p:spPr>
+            <a:xfrm>
+              <a:off x="5390138" y="63030"/>
+              <a:ext cx="900467" cy="600311"/>
+            </a:xfrm>
+            <a:prstGeom prst="rect">
+              <a:avLst/>
+            </a:prstGeom>
+          </p:spPr>
+          <p:style>
+            <a:lnRef idx="0">
+              <a:scrgbClr r="0" g="0" b="0"/>
+            </a:lnRef>
+            <a:fillRef idx="0">
+              <a:scrgbClr r="0" g="0" b="0"/>
+            </a:fillRef>
+            <a:effectRef idx="0">
+              <a:scrgbClr r="0" g="0" b="0"/>
+            </a:effectRef>
+            <a:fontRef idx="minor">
+              <a:schemeClr val="dk1">
+                <a:hueOff val="0"/>
+                <a:satOff val="0"/>
+                <a:lumOff val="0"/>
+                <a:alphaOff val="0"/>
+              </a:schemeClr>
+            </a:fontRef>
+          </p:style>
+          <p:txBody>
+            <a:bodyPr spcFirstLastPara="0" vert="horz" wrap="square" lIns="16510" tIns="8255" rIns="0" bIns="8255" numCol="1" spcCol="1270" anchor="ctr" anchorCtr="0">
+              <a:noAutofit/>
+            </a:bodyPr>
+            <a:lstStyle/>
+            <a:p>
+              <a:pPr lvl="0" algn="ctr" defTabSz="577850">
+                <a:lnSpc>
+                  <a:spcPct val="90000"/>
+                </a:lnSpc>
+                <a:spcBef>
+                  <a:spcPct val="0"/>
+                </a:spcBef>
+                <a:spcAft>
+                  <a:spcPct val="35000"/>
+                </a:spcAft>
+              </a:pPr>
+              <a:r>
+                <a:rPr lang="en-US" sz="1300" kern="1200" dirty="0" smtClean="0"/>
+                <a:t>Mutation</a:t>
+              </a:r>
+              <a:endParaRPr lang="en-US" sz="1300" kern="1200" dirty="0"/>
+            </a:p>
+          </p:txBody>
+        </p:sp>
+      </p:grpSp>
+      <p:grpSp>
+        <p:nvGrpSpPr>
+          <p:cNvPr id="16" name="Group 15"/>
+          <p:cNvGrpSpPr/>
+          <p:nvPr/>
+        </p:nvGrpSpPr>
+        <p:grpSpPr>
+          <a:xfrm>
+            <a:off x="6634216" y="153554"/>
+            <a:ext cx="1500778" cy="600311"/>
+            <a:chOff x="6380652" y="63030"/>
+            <a:chExt cx="1500778" cy="600311"/>
+          </a:xfrm>
+        </p:grpSpPr>
+        <p:sp>
+          <p:nvSpPr>
+            <p:cNvPr id="17" name="Chevron 16"/>
+            <p:cNvSpPr/>
+            <p:nvPr/>
+          </p:nvSpPr>
+          <p:spPr>
+            <a:xfrm>
+              <a:off x="6380652" y="63030"/>
+              <a:ext cx="1500778" cy="600311"/>
+            </a:xfrm>
+            <a:prstGeom prst="chevron">
+              <a:avLst/>
+            </a:prstGeom>
+          </p:spPr>
+          <p:style>
+            <a:lnRef idx="2">
+              <a:schemeClr val="accent1">
+                <a:alpha val="90000"/>
+                <a:tint val="40000"/>
+                <a:hueOff val="0"/>
+                <a:satOff val="0"/>
+                <a:lumOff val="0"/>
+                <a:alphaOff val="0"/>
+              </a:schemeClr>
+            </a:lnRef>
+            <a:fillRef idx="1">
+              <a:schemeClr val="accent1">
+                <a:alpha val="90000"/>
+                <a:tint val="40000"/>
+                <a:hueOff val="0"/>
+                <a:satOff val="0"/>
+                <a:lumOff val="0"/>
+                <a:alphaOff val="0"/>
+              </a:schemeClr>
+            </a:fillRef>
+            <a:effectRef idx="0">
+              <a:schemeClr val="accent1">
+                <a:alpha val="90000"/>
+                <a:tint val="40000"/>
+                <a:hueOff val="0"/>
+                <a:satOff val="0"/>
+                <a:lumOff val="0"/>
+                <a:alphaOff val="0"/>
+              </a:schemeClr>
+            </a:effectRef>
+            <a:fontRef idx="minor">
+              <a:schemeClr val="dk1">
+                <a:hueOff val="0"/>
+                <a:satOff val="0"/>
+                <a:lumOff val="0"/>
+                <a:alphaOff val="0"/>
+              </a:schemeClr>
+            </a:fontRef>
+          </p:style>
+        </p:sp>
+        <p:sp>
+          <p:nvSpPr>
+            <p:cNvPr id="18" name="Chevron 12"/>
+            <p:cNvSpPr/>
+            <p:nvPr/>
+          </p:nvSpPr>
+          <p:spPr>
+            <a:xfrm>
+              <a:off x="6680808" y="63030"/>
+              <a:ext cx="900467" cy="600311"/>
+            </a:xfrm>
+            <a:prstGeom prst="rect">
+              <a:avLst/>
+            </a:prstGeom>
+          </p:spPr>
+          <p:style>
+            <a:lnRef idx="0">
+              <a:scrgbClr r="0" g="0" b="0"/>
+            </a:lnRef>
+            <a:fillRef idx="0">
+              <a:scrgbClr r="0" g="0" b="0"/>
+            </a:fillRef>
+            <a:effectRef idx="0">
+              <a:scrgbClr r="0" g="0" b="0"/>
+            </a:effectRef>
+            <a:fontRef idx="minor">
+              <a:schemeClr val="dk1">
+                <a:hueOff val="0"/>
+                <a:satOff val="0"/>
+                <a:lumOff val="0"/>
+                <a:alphaOff val="0"/>
+              </a:schemeClr>
+            </a:fontRef>
+          </p:style>
+          <p:txBody>
+            <a:bodyPr spcFirstLastPara="0" vert="horz" wrap="square" lIns="16510" tIns="8255" rIns="0" bIns="8255" numCol="1" spcCol="1270" anchor="ctr" anchorCtr="0">
+              <a:noAutofit/>
+            </a:bodyPr>
+            <a:lstStyle/>
+            <a:p>
+              <a:pPr lvl="0" algn="ctr" defTabSz="577850">
+                <a:lnSpc>
+                  <a:spcPct val="90000"/>
+                </a:lnSpc>
+                <a:spcBef>
+                  <a:spcPct val="0"/>
+                </a:spcBef>
+                <a:spcAft>
+                  <a:spcPct val="35000"/>
+                </a:spcAft>
+              </a:pPr>
+              <a:r>
+                <a:rPr lang="en-US" sz="1300" kern="1200" dirty="0" smtClean="0"/>
+                <a:t>Pseudo-code</a:t>
+              </a:r>
+              <a:endParaRPr lang="en-US" sz="1300" kern="1200" dirty="0"/>
+            </a:p>
+          </p:txBody>
+        </p:sp>
+      </p:grpSp>
     </p:spTree>
     <p:extLst>
       <p:ext uri="{BB962C8B-B14F-4D97-AF65-F5344CB8AC3E}">

--- a/DEADANT/deadAnt.pptx
+++ b/DEADANT/deadAnt.pptx
@@ -1022,23 +1022,7 @@
         <a:p>
           <a:r>
             <a:rPr lang="en-US" dirty="0" smtClean="0"/>
-            <a:t>Dead Ant </a:t>
-          </a:r>
-          <a:r>
-            <a:rPr lang="en-US" dirty="0" smtClean="0"/>
-            <a:t>vs</a:t>
-          </a:r>
-          <a:r>
-            <a:rPr lang="en-US" dirty="0" smtClean="0"/>
-            <a:t>. </a:t>
-          </a:r>
-          <a:r>
-            <a:rPr lang="en-US" dirty="0" smtClean="0"/>
-            <a:t>Differential </a:t>
-          </a:r>
-          <a:r>
-            <a:rPr lang="en-US" dirty="0" smtClean="0"/>
-            <a:t>Evolution</a:t>
+            <a:t>Dead Ant vs. Differential Evolution</a:t>
           </a:r>
           <a:endParaRPr lang="en-US" dirty="0"/>
         </a:p>
@@ -1594,6 +1578,13 @@
         </dgm:presLayoutVars>
       </dgm:prSet>
       <dgm:spPr/>
+      <dgm:t>
+        <a:bodyPr/>
+        <a:lstStyle/>
+        <a:p>
+          <a:endParaRPr lang="en-US"/>
+        </a:p>
+      </dgm:t>
     </dgm:pt>
     <dgm:pt modelId="{01E87C72-BFD9-4981-8290-CAA52486F16D}" type="pres">
       <dgm:prSet presAssocID="{5554675B-6030-4514-B76D-0B104699CB7D}" presName="horFlow" presStyleCnt="0"/>
@@ -1678,6 +1669,13 @@
         </dgm:presLayoutVars>
       </dgm:prSet>
       <dgm:spPr/>
+      <dgm:t>
+        <a:bodyPr/>
+        <a:lstStyle/>
+        <a:p>
+          <a:endParaRPr lang="en-US"/>
+        </a:p>
+      </dgm:t>
     </dgm:pt>
     <dgm:pt modelId="{2871ACD9-FFAA-4CF4-9422-FD9AB6ED74ED}" type="pres">
       <dgm:prSet presAssocID="{5554675B-6030-4514-B76D-0B104699CB7D}" presName="vSp" presStyleCnt="0"/>
@@ -1690,6 +1688,13 @@
     <dgm:pt modelId="{5AFDEDD9-A095-4000-A90B-1BA903CD0E56}" type="pres">
       <dgm:prSet presAssocID="{83089EAC-DA9B-421D-B136-9BE34427A542}" presName="bigChev" presStyleLbl="node1" presStyleIdx="1" presStyleCnt="6"/>
       <dgm:spPr/>
+      <dgm:t>
+        <a:bodyPr/>
+        <a:lstStyle/>
+        <a:p>
+          <a:endParaRPr lang="en-US"/>
+        </a:p>
+      </dgm:t>
     </dgm:pt>
     <dgm:pt modelId="{A03A9177-6F30-47E3-8F9F-AE984C4C55B2}" type="pres">
       <dgm:prSet presAssocID="{C5F16147-1447-486C-B959-D537F4382BA7}" presName="parTrans" presStyleCnt="0"/>
@@ -1740,6 +1745,13 @@
         </dgm:presLayoutVars>
       </dgm:prSet>
       <dgm:spPr/>
+      <dgm:t>
+        <a:bodyPr/>
+        <a:lstStyle/>
+        <a:p>
+          <a:endParaRPr lang="en-US"/>
+        </a:p>
+      </dgm:t>
     </dgm:pt>
     <dgm:pt modelId="{7688E68D-E33F-4687-B01D-6AB513FCD90C}" type="pres">
       <dgm:prSet presAssocID="{036FED77-7095-4BD8-99EB-FF1152DCAD9B}" presName="sibTrans" presStyleCnt="0"/>
@@ -1752,6 +1764,13 @@
         </dgm:presLayoutVars>
       </dgm:prSet>
       <dgm:spPr/>
+      <dgm:t>
+        <a:bodyPr/>
+        <a:lstStyle/>
+        <a:p>
+          <a:endParaRPr lang="en-US"/>
+        </a:p>
+      </dgm:t>
     </dgm:pt>
     <dgm:pt modelId="{7CEA2923-A848-4006-BB75-C6D2F26B5F0D}" type="pres">
       <dgm:prSet presAssocID="{0631099D-5047-4C59-8F65-7BE2C25A51AC}" presName="vSp" presStyleCnt="0"/>
@@ -1764,6 +1783,13 @@
     <dgm:pt modelId="{AA1E12C4-7D90-4C29-982C-7C6DB7E878F4}" type="pres">
       <dgm:prSet presAssocID="{9DD0AB8C-80BE-47F5-BF6F-26E357CA90B5}" presName="bigChev" presStyleLbl="node1" presStyleIdx="3" presStyleCnt="6"/>
       <dgm:spPr/>
+      <dgm:t>
+        <a:bodyPr/>
+        <a:lstStyle/>
+        <a:p>
+          <a:endParaRPr lang="en-US"/>
+        </a:p>
+      </dgm:t>
     </dgm:pt>
     <dgm:pt modelId="{F3483227-EF25-42B7-919A-C7E2ECC5199D}" type="pres">
       <dgm:prSet presAssocID="{7DE9AE4F-761E-4283-9379-842A2AC78461}" presName="parTrans" presStyleCnt="0"/>
@@ -1795,6 +1821,13 @@
         </dgm:presLayoutVars>
       </dgm:prSet>
       <dgm:spPr/>
+      <dgm:t>
+        <a:bodyPr/>
+        <a:lstStyle/>
+        <a:p>
+          <a:endParaRPr lang="en-US"/>
+        </a:p>
+      </dgm:t>
     </dgm:pt>
     <dgm:pt modelId="{401B4D1D-E28F-4ACF-A878-6D7EC94FB514}" type="pres">
       <dgm:prSet presAssocID="{65861B45-7A1B-40CA-8D26-B1B9007B77BD}" presName="sibTrans" presStyleCnt="0"/>
@@ -1883,46 +1916,53 @@
     <dgm:pt modelId="{57BD0BDD-5BD4-4ED7-ABD9-241618554954}" type="pres">
       <dgm:prSet presAssocID="{C45B2E88-3AF2-4DFF-9E1F-967BFA709EB6}" presName="bigChev" presStyleLbl="node1" presStyleIdx="5" presStyleCnt="6"/>
       <dgm:spPr/>
+      <dgm:t>
+        <a:bodyPr/>
+        <a:lstStyle/>
+        <a:p>
+          <a:endParaRPr lang="en-US"/>
+        </a:p>
+      </dgm:t>
     </dgm:pt>
   </dgm:ptLst>
   <dgm:cxnLst>
+    <dgm:cxn modelId="{D5954A69-2791-417F-BEF9-0A8808164B38}" type="presOf" srcId="{01DDFC7A-B6EE-45C9-AB46-D654305C2F0F}" destId="{1DDBDBAA-F41B-4AEC-B2E4-042D82D430A5}" srcOrd="0" destOrd="0" presId="urn:microsoft.com/office/officeart/2005/8/layout/lProcess3"/>
+    <dgm:cxn modelId="{3B3B014C-CC44-4EC3-B090-1998CA891C91}" type="presOf" srcId="{245D8B87-C1E4-461C-B2B6-5916E6BECA36}" destId="{D41F4952-EBEA-460B-8173-D31828642EC3}" srcOrd="0" destOrd="0" presId="urn:microsoft.com/office/officeart/2005/8/layout/lProcess3"/>
+    <dgm:cxn modelId="{850AA1F6-7D33-4A82-929F-89639C99CEB7}" type="presOf" srcId="{C45B2E88-3AF2-4DFF-9E1F-967BFA709EB6}" destId="{57BD0BDD-5BD4-4ED7-ABD9-241618554954}" srcOrd="0" destOrd="0" presId="urn:microsoft.com/office/officeart/2005/8/layout/lProcess3"/>
+    <dgm:cxn modelId="{D13CC75B-85B9-44CF-8C36-A93A7BDA7399}" srcId="{444E5183-7A6B-446D-AA82-925892368028}" destId="{C45B2E88-3AF2-4DFF-9E1F-967BFA709EB6}" srcOrd="5" destOrd="0" parTransId="{D21A32EE-FF6F-487C-899A-CAC90B0C365A}" sibTransId="{37D0E65C-5458-4C4E-B512-BCD3A1821A26}"/>
+    <dgm:cxn modelId="{405ED81E-BEF4-4763-8F6B-0A101CDB9371}" srcId="{9DD0AB8C-80BE-47F5-BF6F-26E357CA90B5}" destId="{FFCF19BC-C3E4-47F4-9979-945C21DB0B8E}" srcOrd="1" destOrd="0" parTransId="{81D4C63F-47FA-4CDD-9EB8-A50618CEA00D}" sibTransId="{65861B45-7A1B-40CA-8D26-B1B9007B77BD}"/>
+    <dgm:cxn modelId="{B054EF0B-6CAB-4834-BB24-EE5FF1BA5AD4}" srcId="{5554675B-6030-4514-B76D-0B104699CB7D}" destId="{3CFC32B3-0075-4F73-9D90-F80DF1A036B0}" srcOrd="0" destOrd="0" parTransId="{78338A9E-1B2A-48CA-9D95-6EE0F2C7DD94}" sibTransId="{2BBE5AEF-ED4D-4C70-BD86-366B05F4285C}"/>
+    <dgm:cxn modelId="{A772597B-F626-4414-ADF0-0F9220B6C3D3}" type="presOf" srcId="{693E8AED-10CF-43AE-ABCD-1CF66FC51E15}" destId="{B4F466BD-F413-45A2-960C-C1E1653C4C10}" srcOrd="0" destOrd="0" presId="urn:microsoft.com/office/officeart/2005/8/layout/lProcess3"/>
+    <dgm:cxn modelId="{719C9742-3BA9-4C7E-8AE9-F2611A1634AF}" type="presOf" srcId="{0631099D-5047-4C59-8F65-7BE2C25A51AC}" destId="{0AF5FB5D-D46E-4A96-8B4E-E396EE6C1E4E}" srcOrd="0" destOrd="0" presId="urn:microsoft.com/office/officeart/2005/8/layout/lProcess3"/>
+    <dgm:cxn modelId="{F3050ACA-D1FA-4A81-B4C0-C132A8DB2E30}" type="presOf" srcId="{A288BCD2-AFA9-42B2-886C-03D9E73B7E90}" destId="{31F65324-FEE7-475A-8CD4-4C4A40847595}" srcOrd="0" destOrd="0" presId="urn:microsoft.com/office/officeart/2005/8/layout/lProcess3"/>
+    <dgm:cxn modelId="{C3C1E662-31F2-49D4-AC0C-E797B5BC2B37}" type="presOf" srcId="{FCFB91DF-C731-4CC6-8C14-ED9A822C12D7}" destId="{60E3E358-FBC4-447E-9E77-FBD8556DF755}" srcOrd="0" destOrd="0" presId="urn:microsoft.com/office/officeart/2005/8/layout/lProcess3"/>
     <dgm:cxn modelId="{0913EF34-AFC8-450E-99EA-A71705FA6A04}" type="presOf" srcId="{444E5183-7A6B-446D-AA82-925892368028}" destId="{51003B77-5FFE-4D38-B24E-6D513F4FA35D}" srcOrd="0" destOrd="0" presId="urn:microsoft.com/office/officeart/2005/8/layout/lProcess3"/>
-    <dgm:cxn modelId="{850AA1F6-7D33-4A82-929F-89639C99CEB7}" type="presOf" srcId="{C45B2E88-3AF2-4DFF-9E1F-967BFA709EB6}" destId="{57BD0BDD-5BD4-4ED7-ABD9-241618554954}" srcOrd="0" destOrd="0" presId="urn:microsoft.com/office/officeart/2005/8/layout/lProcess3"/>
+    <dgm:cxn modelId="{1375761B-31B3-4F78-A30D-724EB0A3FBE3}" srcId="{0631099D-5047-4C59-8F65-7BE2C25A51AC}" destId="{FCFB91DF-C731-4CC6-8C14-ED9A822C12D7}" srcOrd="0" destOrd="0" parTransId="{D67344EA-D441-45F6-9D23-7C59C9DBB98F}" sibTransId="{036FED77-7095-4BD8-99EB-FF1152DCAD9B}"/>
+    <dgm:cxn modelId="{C76020EE-693E-46EC-B8C3-2F30692884CB}" type="presOf" srcId="{2273F28B-4D9C-4126-A961-2FF62379CC5D}" destId="{CB7A65D4-24C8-4CB8-8E72-C084E33F7AEC}" srcOrd="0" destOrd="0" presId="urn:microsoft.com/office/officeart/2005/8/layout/lProcess3"/>
+    <dgm:cxn modelId="{C7EB3384-F783-4F61-BD65-15DB9D2FB94D}" type="presOf" srcId="{3CFC32B3-0075-4F73-9D90-F80DF1A036B0}" destId="{3E55B13C-E097-4F8E-8309-7E3C9431B4CB}" srcOrd="0" destOrd="0" presId="urn:microsoft.com/office/officeart/2005/8/layout/lProcess3"/>
+    <dgm:cxn modelId="{01AB94B6-A6B2-49CE-B333-07514103CCD0}" type="presOf" srcId="{83089EAC-DA9B-421D-B136-9BE34427A542}" destId="{5AFDEDD9-A095-4000-A90B-1BA903CD0E56}" srcOrd="0" destOrd="0" presId="urn:microsoft.com/office/officeart/2005/8/layout/lProcess3"/>
+    <dgm:cxn modelId="{3456DC57-98F5-4872-BD36-A41C46DA80E8}" type="presOf" srcId="{A7491E04-C484-4661-B60A-4D8F624B0908}" destId="{B8E9EE1B-2A64-4F2A-9B53-38E22FFCDD61}" srcOrd="0" destOrd="0" presId="urn:microsoft.com/office/officeart/2005/8/layout/lProcess3"/>
+    <dgm:cxn modelId="{19D10751-C679-4682-BFE3-779A5434B867}" type="presOf" srcId="{5618C51E-C52A-4AB3-AD73-9640418316A4}" destId="{BF0F67D2-D705-4DA1-B37D-23BF925473ED}" srcOrd="0" destOrd="0" presId="urn:microsoft.com/office/officeart/2005/8/layout/lProcess3"/>
+    <dgm:cxn modelId="{3E285289-B743-40DD-9CBF-039BA29FA0F5}" type="presOf" srcId="{22C9B715-CC1A-4034-B219-45C2F9783C94}" destId="{E00DB65B-EC6D-4460-A6F2-B34471E1010C}" srcOrd="0" destOrd="0" presId="urn:microsoft.com/office/officeart/2005/8/layout/lProcess3"/>
+    <dgm:cxn modelId="{E20EFF47-2B85-4828-8E17-F95C9F35F109}" type="presOf" srcId="{6252CCA0-A196-4C82-9620-45E79D28E699}" destId="{97DE7D96-5955-47FF-A6E1-8C623387A67B}" srcOrd="0" destOrd="0" presId="urn:microsoft.com/office/officeart/2005/8/layout/lProcess3"/>
+    <dgm:cxn modelId="{3BC1B606-E173-46C5-92F1-43096FD4FE84}" srcId="{444E5183-7A6B-446D-AA82-925892368028}" destId="{9DD0AB8C-80BE-47F5-BF6F-26E357CA90B5}" srcOrd="3" destOrd="0" parTransId="{1746D7AB-860E-456F-B18F-B1F5B7465364}" sibTransId="{B3E5BBF7-D510-4D45-8B6A-27CE05819F2A}"/>
+    <dgm:cxn modelId="{CDDD4E89-348D-4EA4-A68D-EB533D1EFB2F}" srcId="{444E5183-7A6B-446D-AA82-925892368028}" destId="{5554675B-6030-4514-B76D-0B104699CB7D}" srcOrd="0" destOrd="0" parTransId="{F39AD48A-1ADD-4E0D-B3FA-F329900EF9F4}" sibTransId="{89C3DD63-84E8-4B19-B5A4-FCAD660A882D}"/>
+    <dgm:cxn modelId="{02441A39-7459-4FA5-A330-DB44F852AB14}" srcId="{9DD0AB8C-80BE-47F5-BF6F-26E357CA90B5}" destId="{6252CCA0-A196-4C82-9620-45E79D28E699}" srcOrd="3" destOrd="0" parTransId="{1722F094-CB81-48F5-81BE-3B3E72F351A0}" sibTransId="{BD75E7C4-2E38-4D7A-B1FB-7630BC8FA57B}"/>
+    <dgm:cxn modelId="{49680F7C-491A-4067-8028-CBF38716015A}" srcId="{444E5183-7A6B-446D-AA82-925892368028}" destId="{5618C51E-C52A-4AB3-AD73-9640418316A4}" srcOrd="4" destOrd="0" parTransId="{F99DB35E-5425-47F8-8425-08106415BF73}" sibTransId="{B13E6579-A4BF-4A5A-BD48-FDEC03BBE98C}"/>
+    <dgm:cxn modelId="{480588EA-475D-4230-A193-1FAD51A8C752}" srcId="{83089EAC-DA9B-421D-B136-9BE34427A542}" destId="{693E8AED-10CF-43AE-ABCD-1CF66FC51E15}" srcOrd="0" destOrd="0" parTransId="{C5F16147-1447-486C-B959-D537F4382BA7}" sibTransId="{6DF23FBF-5E4C-4C92-866F-7EF99E9D0F69}"/>
+    <dgm:cxn modelId="{F5A73133-1D35-4B21-9115-5CEF076CB08B}" srcId="{9DD0AB8C-80BE-47F5-BF6F-26E357CA90B5}" destId="{A7491E04-C484-4661-B60A-4D8F624B0908}" srcOrd="2" destOrd="0" parTransId="{F1D6CB5D-8907-4931-8313-C4F6C06A1B3F}" sibTransId="{9B2B9807-3CC0-4F47-8C13-88E417BD672A}"/>
+    <dgm:cxn modelId="{4082450E-8D37-44DD-8121-A1D2FAAD02E5}" srcId="{5554675B-6030-4514-B76D-0B104699CB7D}" destId="{245D8B87-C1E4-461C-B2B6-5916E6BECA36}" srcOrd="3" destOrd="0" parTransId="{66FC46B3-4BBA-41F1-BF26-A9051F653E6A}" sibTransId="{A707FFA7-907F-4E62-8BB5-D52AF8EDCBBE}"/>
+    <dgm:cxn modelId="{D64F55D4-40B3-465D-8C65-311595F719DA}" type="presOf" srcId="{B25040E3-F85B-4162-A976-C3493BFB0C41}" destId="{9150DD12-F3D7-423C-B543-5AB786706483}" srcOrd="0" destOrd="0" presId="urn:microsoft.com/office/officeart/2005/8/layout/lProcess3"/>
+    <dgm:cxn modelId="{7C5FC874-32A9-4F4C-9B73-623CB8B64620}" srcId="{5618C51E-C52A-4AB3-AD73-9640418316A4}" destId="{A288BCD2-AFA9-42B2-886C-03D9E73B7E90}" srcOrd="0" destOrd="0" parTransId="{1271D95C-CE30-44F7-A504-17AC24D36FE5}" sibTransId="{A844707C-4A5F-43AF-B2A9-92CC6CE92B71}"/>
+    <dgm:cxn modelId="{8BE7F654-8CB6-4B4D-9323-2EF6C13B629A}" srcId="{444E5183-7A6B-446D-AA82-925892368028}" destId="{0631099D-5047-4C59-8F65-7BE2C25A51AC}" srcOrd="2" destOrd="0" parTransId="{0B1DA698-6413-49F4-ADBE-A13CBE8CE468}" sibTransId="{CB8F8FE8-2A6D-44B4-A43E-0858C743DA0F}"/>
     <dgm:cxn modelId="{F65C8620-A975-4CEF-8B55-F7446017AD85}" srcId="{9DD0AB8C-80BE-47F5-BF6F-26E357CA90B5}" destId="{22C9B715-CC1A-4034-B219-45C2F9783C94}" srcOrd="0" destOrd="0" parTransId="{7DE9AE4F-761E-4283-9379-842A2AC78461}" sibTransId="{8EB4F1E4-AB48-4CBC-B0DC-5576BB535370}"/>
-    <dgm:cxn modelId="{F3050ACA-D1FA-4A81-B4C0-C132A8DB2E30}" type="presOf" srcId="{A288BCD2-AFA9-42B2-886C-03D9E73B7E90}" destId="{31F65324-FEE7-475A-8CD4-4C4A40847595}" srcOrd="0" destOrd="0" presId="urn:microsoft.com/office/officeart/2005/8/layout/lProcess3"/>
-    <dgm:cxn modelId="{E20EFF47-2B85-4828-8E17-F95C9F35F109}" type="presOf" srcId="{6252CCA0-A196-4C82-9620-45E79D28E699}" destId="{97DE7D96-5955-47FF-A6E1-8C623387A67B}" srcOrd="0" destOrd="0" presId="urn:microsoft.com/office/officeart/2005/8/layout/lProcess3"/>
     <dgm:cxn modelId="{CE497331-953B-43F6-9954-6FD0BF89B11C}" srcId="{5554675B-6030-4514-B76D-0B104699CB7D}" destId="{01DDFC7A-B6EE-45C9-AB46-D654305C2F0F}" srcOrd="1" destOrd="0" parTransId="{79412032-7D1C-4131-956C-FDBE9CA2B285}" sibTransId="{AB806102-D25C-48A1-B620-C56C785368B3}"/>
-    <dgm:cxn modelId="{B054EF0B-6CAB-4834-BB24-EE5FF1BA5AD4}" srcId="{5554675B-6030-4514-B76D-0B104699CB7D}" destId="{3CFC32B3-0075-4F73-9D90-F80DF1A036B0}" srcOrd="0" destOrd="0" parTransId="{78338A9E-1B2A-48CA-9D95-6EE0F2C7DD94}" sibTransId="{2BBE5AEF-ED4D-4C70-BD86-366B05F4285C}"/>
-    <dgm:cxn modelId="{3B3B014C-CC44-4EC3-B090-1998CA891C91}" type="presOf" srcId="{245D8B87-C1E4-461C-B2B6-5916E6BECA36}" destId="{D41F4952-EBEA-460B-8173-D31828642EC3}" srcOrd="0" destOrd="0" presId="urn:microsoft.com/office/officeart/2005/8/layout/lProcess3"/>
+    <dgm:cxn modelId="{17E7387A-40B4-434A-B9D6-F91C7A9E0CDA}" type="presOf" srcId="{9DD0AB8C-80BE-47F5-BF6F-26E357CA90B5}" destId="{AA1E12C4-7D90-4C29-982C-7C6DB7E878F4}" srcOrd="0" destOrd="0" presId="urn:microsoft.com/office/officeart/2005/8/layout/lProcess3"/>
+    <dgm:cxn modelId="{B6A7D303-B66F-4A31-977F-BCC7EB02FD9B}" type="presOf" srcId="{5554675B-6030-4514-B76D-0B104699CB7D}" destId="{7291D0F1-0C75-45BB-9AF1-3CC197D560F7}" srcOrd="0" destOrd="0" presId="urn:microsoft.com/office/officeart/2005/8/layout/lProcess3"/>
+    <dgm:cxn modelId="{D9BB1A3F-092D-43C4-9B0A-DA3D8F0326DF}" srcId="{0631099D-5047-4C59-8F65-7BE2C25A51AC}" destId="{2273F28B-4D9C-4126-A961-2FF62379CC5D}" srcOrd="1" destOrd="0" parTransId="{14148C52-B216-4E61-B303-F70D2BBDCED3}" sibTransId="{C2B8CF0F-8D15-45C8-838C-2308D635774A}"/>
+    <dgm:cxn modelId="{1CA055F5-2492-4790-A923-0B724510C205}" srcId="{5554675B-6030-4514-B76D-0B104699CB7D}" destId="{B25040E3-F85B-4162-A976-C3493BFB0C41}" srcOrd="2" destOrd="0" parTransId="{2DCCA558-803E-4FF3-A3F4-9C792EE13A6E}" sibTransId="{43F8CFA0-CC6C-4370-85B8-BC6D850E4D88}"/>
+    <dgm:cxn modelId="{2956E66D-FABF-41C4-89FA-7FA262DCC92F}" srcId="{444E5183-7A6B-446D-AA82-925892368028}" destId="{83089EAC-DA9B-421D-B136-9BE34427A542}" srcOrd="1" destOrd="0" parTransId="{267E19FA-860A-43F7-BBD0-C6EAE088370E}" sibTransId="{CF046848-F1F6-4A52-8B86-2621BB587EEB}"/>
     <dgm:cxn modelId="{F7440169-5CC8-488C-9343-8A29E6AEA664}" type="presOf" srcId="{FFCF19BC-C3E4-47F4-9979-945C21DB0B8E}" destId="{DA7328CA-34CD-4E59-B743-423867F32279}" srcOrd="0" destOrd="0" presId="urn:microsoft.com/office/officeart/2005/8/layout/lProcess3"/>
-    <dgm:cxn modelId="{719C9742-3BA9-4C7E-8AE9-F2611A1634AF}" type="presOf" srcId="{0631099D-5047-4C59-8F65-7BE2C25A51AC}" destId="{0AF5FB5D-D46E-4A96-8B4E-E396EE6C1E4E}" srcOrd="0" destOrd="0" presId="urn:microsoft.com/office/officeart/2005/8/layout/lProcess3"/>
-    <dgm:cxn modelId="{A772597B-F626-4414-ADF0-0F9220B6C3D3}" type="presOf" srcId="{693E8AED-10CF-43AE-ABCD-1CF66FC51E15}" destId="{B4F466BD-F413-45A2-960C-C1E1653C4C10}" srcOrd="0" destOrd="0" presId="urn:microsoft.com/office/officeart/2005/8/layout/lProcess3"/>
-    <dgm:cxn modelId="{480588EA-475D-4230-A193-1FAD51A8C752}" srcId="{83089EAC-DA9B-421D-B136-9BE34427A542}" destId="{693E8AED-10CF-43AE-ABCD-1CF66FC51E15}" srcOrd="0" destOrd="0" parTransId="{C5F16147-1447-486C-B959-D537F4382BA7}" sibTransId="{6DF23FBF-5E4C-4C92-866F-7EF99E9D0F69}"/>
-    <dgm:cxn modelId="{8BE7F654-8CB6-4B4D-9323-2EF6C13B629A}" srcId="{444E5183-7A6B-446D-AA82-925892368028}" destId="{0631099D-5047-4C59-8F65-7BE2C25A51AC}" srcOrd="2" destOrd="0" parTransId="{0B1DA698-6413-49F4-ADBE-A13CBE8CE468}" sibTransId="{CB8F8FE8-2A6D-44B4-A43E-0858C743DA0F}"/>
-    <dgm:cxn modelId="{2956E66D-FABF-41C4-89FA-7FA262DCC92F}" srcId="{444E5183-7A6B-446D-AA82-925892368028}" destId="{83089EAC-DA9B-421D-B136-9BE34427A542}" srcOrd="1" destOrd="0" parTransId="{267E19FA-860A-43F7-BBD0-C6EAE088370E}" sibTransId="{CF046848-F1F6-4A52-8B86-2621BB587EEB}"/>
-    <dgm:cxn modelId="{7C5FC874-32A9-4F4C-9B73-623CB8B64620}" srcId="{5618C51E-C52A-4AB3-AD73-9640418316A4}" destId="{A288BCD2-AFA9-42B2-886C-03D9E73B7E90}" srcOrd="0" destOrd="0" parTransId="{1271D95C-CE30-44F7-A504-17AC24D36FE5}" sibTransId="{A844707C-4A5F-43AF-B2A9-92CC6CE92B71}"/>
-    <dgm:cxn modelId="{D64F55D4-40B3-465D-8C65-311595F719DA}" type="presOf" srcId="{B25040E3-F85B-4162-A976-C3493BFB0C41}" destId="{9150DD12-F3D7-423C-B543-5AB786706483}" srcOrd="0" destOrd="0" presId="urn:microsoft.com/office/officeart/2005/8/layout/lProcess3"/>
-    <dgm:cxn modelId="{C3C1E662-31F2-49D4-AC0C-E797B5BC2B37}" type="presOf" srcId="{FCFB91DF-C731-4CC6-8C14-ED9A822C12D7}" destId="{60E3E358-FBC4-447E-9E77-FBD8556DF755}" srcOrd="0" destOrd="0" presId="urn:microsoft.com/office/officeart/2005/8/layout/lProcess3"/>
-    <dgm:cxn modelId="{D13CC75B-85B9-44CF-8C36-A93A7BDA7399}" srcId="{444E5183-7A6B-446D-AA82-925892368028}" destId="{C45B2E88-3AF2-4DFF-9E1F-967BFA709EB6}" srcOrd="5" destOrd="0" parTransId="{D21A32EE-FF6F-487C-899A-CAC90B0C365A}" sibTransId="{37D0E65C-5458-4C4E-B512-BCD3A1821A26}"/>
-    <dgm:cxn modelId="{D9BB1A3F-092D-43C4-9B0A-DA3D8F0326DF}" srcId="{0631099D-5047-4C59-8F65-7BE2C25A51AC}" destId="{2273F28B-4D9C-4126-A961-2FF62379CC5D}" srcOrd="1" destOrd="0" parTransId="{14148C52-B216-4E61-B303-F70D2BBDCED3}" sibTransId="{C2B8CF0F-8D15-45C8-838C-2308D635774A}"/>
-    <dgm:cxn modelId="{D5954A69-2791-417F-BEF9-0A8808164B38}" type="presOf" srcId="{01DDFC7A-B6EE-45C9-AB46-D654305C2F0F}" destId="{1DDBDBAA-F41B-4AEC-B2E4-042D82D430A5}" srcOrd="0" destOrd="0" presId="urn:microsoft.com/office/officeart/2005/8/layout/lProcess3"/>
-    <dgm:cxn modelId="{405ED81E-BEF4-4763-8F6B-0A101CDB9371}" srcId="{9DD0AB8C-80BE-47F5-BF6F-26E357CA90B5}" destId="{FFCF19BC-C3E4-47F4-9979-945C21DB0B8E}" srcOrd="1" destOrd="0" parTransId="{81D4C63F-47FA-4CDD-9EB8-A50618CEA00D}" sibTransId="{65861B45-7A1B-40CA-8D26-B1B9007B77BD}"/>
-    <dgm:cxn modelId="{1375761B-31B3-4F78-A30D-724EB0A3FBE3}" srcId="{0631099D-5047-4C59-8F65-7BE2C25A51AC}" destId="{FCFB91DF-C731-4CC6-8C14-ED9A822C12D7}" srcOrd="0" destOrd="0" parTransId="{D67344EA-D441-45F6-9D23-7C59C9DBB98F}" sibTransId="{036FED77-7095-4BD8-99EB-FF1152DCAD9B}"/>
-    <dgm:cxn modelId="{B6A7D303-B66F-4A31-977F-BCC7EB02FD9B}" type="presOf" srcId="{5554675B-6030-4514-B76D-0B104699CB7D}" destId="{7291D0F1-0C75-45BB-9AF1-3CC197D560F7}" srcOrd="0" destOrd="0" presId="urn:microsoft.com/office/officeart/2005/8/layout/lProcess3"/>
-    <dgm:cxn modelId="{CDDD4E89-348D-4EA4-A68D-EB533D1EFB2F}" srcId="{444E5183-7A6B-446D-AA82-925892368028}" destId="{5554675B-6030-4514-B76D-0B104699CB7D}" srcOrd="0" destOrd="0" parTransId="{F39AD48A-1ADD-4E0D-B3FA-F329900EF9F4}" sibTransId="{89C3DD63-84E8-4B19-B5A4-FCAD660A882D}"/>
-    <dgm:cxn modelId="{01AB94B6-A6B2-49CE-B333-07514103CCD0}" type="presOf" srcId="{83089EAC-DA9B-421D-B136-9BE34427A542}" destId="{5AFDEDD9-A095-4000-A90B-1BA903CD0E56}" srcOrd="0" destOrd="0" presId="urn:microsoft.com/office/officeart/2005/8/layout/lProcess3"/>
-    <dgm:cxn modelId="{1CA055F5-2492-4790-A923-0B724510C205}" srcId="{5554675B-6030-4514-B76D-0B104699CB7D}" destId="{B25040E3-F85B-4162-A976-C3493BFB0C41}" srcOrd="2" destOrd="0" parTransId="{2DCCA558-803E-4FF3-A3F4-9C792EE13A6E}" sibTransId="{43F8CFA0-CC6C-4370-85B8-BC6D850E4D88}"/>
-    <dgm:cxn modelId="{3E285289-B743-40DD-9CBF-039BA29FA0F5}" type="presOf" srcId="{22C9B715-CC1A-4034-B219-45C2F9783C94}" destId="{E00DB65B-EC6D-4460-A6F2-B34471E1010C}" srcOrd="0" destOrd="0" presId="urn:microsoft.com/office/officeart/2005/8/layout/lProcess3"/>
-    <dgm:cxn modelId="{F5A73133-1D35-4B21-9115-5CEF076CB08B}" srcId="{9DD0AB8C-80BE-47F5-BF6F-26E357CA90B5}" destId="{A7491E04-C484-4661-B60A-4D8F624B0908}" srcOrd="2" destOrd="0" parTransId="{F1D6CB5D-8907-4931-8313-C4F6C06A1B3F}" sibTransId="{9B2B9807-3CC0-4F47-8C13-88E417BD672A}"/>
-    <dgm:cxn modelId="{C7EB3384-F783-4F61-BD65-15DB9D2FB94D}" type="presOf" srcId="{3CFC32B3-0075-4F73-9D90-F80DF1A036B0}" destId="{3E55B13C-E097-4F8E-8309-7E3C9431B4CB}" srcOrd="0" destOrd="0" presId="urn:microsoft.com/office/officeart/2005/8/layout/lProcess3"/>
-    <dgm:cxn modelId="{17E7387A-40B4-434A-B9D6-F91C7A9E0CDA}" type="presOf" srcId="{9DD0AB8C-80BE-47F5-BF6F-26E357CA90B5}" destId="{AA1E12C4-7D90-4C29-982C-7C6DB7E878F4}" srcOrd="0" destOrd="0" presId="urn:microsoft.com/office/officeart/2005/8/layout/lProcess3"/>
-    <dgm:cxn modelId="{C76020EE-693E-46EC-B8C3-2F30692884CB}" type="presOf" srcId="{2273F28B-4D9C-4126-A961-2FF62379CC5D}" destId="{CB7A65D4-24C8-4CB8-8E72-C084E33F7AEC}" srcOrd="0" destOrd="0" presId="urn:microsoft.com/office/officeart/2005/8/layout/lProcess3"/>
-    <dgm:cxn modelId="{19D10751-C679-4682-BFE3-779A5434B867}" type="presOf" srcId="{5618C51E-C52A-4AB3-AD73-9640418316A4}" destId="{BF0F67D2-D705-4DA1-B37D-23BF925473ED}" srcOrd="0" destOrd="0" presId="urn:microsoft.com/office/officeart/2005/8/layout/lProcess3"/>
-    <dgm:cxn modelId="{3456DC57-98F5-4872-BD36-A41C46DA80E8}" type="presOf" srcId="{A7491E04-C484-4661-B60A-4D8F624B0908}" destId="{B8E9EE1B-2A64-4F2A-9B53-38E22FFCDD61}" srcOrd="0" destOrd="0" presId="urn:microsoft.com/office/officeart/2005/8/layout/lProcess3"/>
-    <dgm:cxn modelId="{3BC1B606-E173-46C5-92F1-43096FD4FE84}" srcId="{444E5183-7A6B-446D-AA82-925892368028}" destId="{9DD0AB8C-80BE-47F5-BF6F-26E357CA90B5}" srcOrd="3" destOrd="0" parTransId="{1746D7AB-860E-456F-B18F-B1F5B7465364}" sibTransId="{B3E5BBF7-D510-4D45-8B6A-27CE05819F2A}"/>
-    <dgm:cxn modelId="{02441A39-7459-4FA5-A330-DB44F852AB14}" srcId="{9DD0AB8C-80BE-47F5-BF6F-26E357CA90B5}" destId="{6252CCA0-A196-4C82-9620-45E79D28E699}" srcOrd="3" destOrd="0" parTransId="{1722F094-CB81-48F5-81BE-3B3E72F351A0}" sibTransId="{BD75E7C4-2E38-4D7A-B1FB-7630BC8FA57B}"/>
-    <dgm:cxn modelId="{4082450E-8D37-44DD-8121-A1D2FAAD02E5}" srcId="{5554675B-6030-4514-B76D-0B104699CB7D}" destId="{245D8B87-C1E4-461C-B2B6-5916E6BECA36}" srcOrd="3" destOrd="0" parTransId="{66FC46B3-4BBA-41F1-BF26-A9051F653E6A}" sibTransId="{A707FFA7-907F-4E62-8BB5-D52AF8EDCBBE}"/>
-    <dgm:cxn modelId="{49680F7C-491A-4067-8028-CBF38716015A}" srcId="{444E5183-7A6B-446D-AA82-925892368028}" destId="{5618C51E-C52A-4AB3-AD73-9640418316A4}" srcOrd="4" destOrd="0" parTransId="{F99DB35E-5425-47F8-8425-08106415BF73}" sibTransId="{B13E6579-A4BF-4A5A-BD48-FDEC03BBE98C}"/>
     <dgm:cxn modelId="{8172A22B-A6A9-4657-8A4A-B20589756CE1}" type="presParOf" srcId="{51003B77-5FFE-4D38-B24E-6D513F4FA35D}" destId="{01E87C72-BFD9-4981-8290-CAA52486F16D}" srcOrd="0" destOrd="0" presId="urn:microsoft.com/office/officeart/2005/8/layout/lProcess3"/>
     <dgm:cxn modelId="{61CDFC71-C394-4781-80E5-88F3736AE342}" type="presParOf" srcId="{01E87C72-BFD9-4981-8290-CAA52486F16D}" destId="{7291D0F1-0C75-45BB-9AF1-3CC197D560F7}" srcOrd="0" destOrd="0" presId="urn:microsoft.com/office/officeart/2005/8/layout/lProcess3"/>
     <dgm:cxn modelId="{5A8A4AC5-9FBE-4D9A-B12B-E8480CE3D915}" type="presParOf" srcId="{01E87C72-BFD9-4981-8290-CAA52486F16D}" destId="{73876337-2576-48BA-9F11-0173E55E11D4}" srcOrd="1" destOrd="0" presId="urn:microsoft.com/office/officeart/2005/8/layout/lProcess3"/>
@@ -2522,23 +2562,7 @@
           </a:pPr>
           <a:r>
             <a:rPr lang="en-US" sz="1300" kern="1200" dirty="0" smtClean="0"/>
-            <a:t>Dead Ant </a:t>
-          </a:r>
-          <a:r>
-            <a:rPr lang="en-US" sz="1300" kern="1200" dirty="0" smtClean="0"/>
-            <a:t>vs</a:t>
-          </a:r>
-          <a:r>
-            <a:rPr lang="en-US" sz="1300" kern="1200" dirty="0" smtClean="0"/>
-            <a:t>. </a:t>
-          </a:r>
-          <a:r>
-            <a:rPr lang="en-US" sz="1300" kern="1200" dirty="0" smtClean="0"/>
-            <a:t>Differential </a:t>
-          </a:r>
-          <a:r>
-            <a:rPr lang="en-US" sz="1300" kern="1200" dirty="0" smtClean="0"/>
-            <a:t>Evolution</a:t>
+            <a:t>Dead Ant vs. Differential Evolution</a:t>
           </a:r>
           <a:endParaRPr lang="en-US" sz="1300" kern="1200" dirty="0"/>
         </a:p>
@@ -12539,18 +12563,7 @@
                   </a:schemeClr>
                 </a:solidFill>
               </a:rPr>
-              <a:t>Introducing </a:t>
-            </a:r>
-            <a:r>
-              <a:rPr lang="en-US" dirty="0" smtClean="0">
-                <a:solidFill>
-                  <a:schemeClr val="tx2">
-                    <a:lumMod val="60000"/>
-                    <a:lumOff val="40000"/>
-                  </a:schemeClr>
-                </a:solidFill>
-              </a:rPr>
-              <a:t>DeadAnt</a:t>
+              <a:t>Introducing DeadAnt</a:t>
             </a:r>
             <a:endParaRPr lang="en-US" dirty="0">
               <a:solidFill>
@@ -12603,11 +12616,7 @@
           <a:p>
             <a:r>
               <a:rPr lang="en-US" dirty="0" smtClean="0"/>
-              <a:t>DeadAnt is a simple active learner</a:t>
-            </a:r>
-            <a:r>
-              <a:rPr lang="en-US" dirty="0" smtClean="0"/>
-              <a:t>.</a:t>
+              <a:t>DeadAnt is a simple active learner.</a:t>
             </a:r>
           </a:p>
           <a:p>
@@ -12616,20 +12625,11 @@
               <a:rPr lang="en-US" dirty="0" smtClean="0"/>
               <a:t>Use less training, but allow machine to pick the examples to learn from [1]</a:t>
             </a:r>
-            <a:endParaRPr lang="en-US" dirty="0" smtClean="0"/>
           </a:p>
           <a:p>
             <a:r>
               <a:rPr lang="en-US" dirty="0" smtClean="0"/>
-              <a:t>It </a:t>
-            </a:r>
-            <a:r>
-              <a:rPr lang="en-US" dirty="0" smtClean="0"/>
-              <a:t>uses an unsupervised method to decide if </a:t>
-            </a:r>
-            <a:r>
-              <a:rPr lang="en-US" dirty="0" smtClean="0"/>
-              <a:t>a potential solution deserves evaluation.</a:t>
+              <a:t>It uses an unsupervised method to decide if a potential solution deserves evaluation.</a:t>
             </a:r>
           </a:p>
           <a:p>
@@ -12642,34 +12642,20 @@
           <a:p>
             <a:r>
               <a:rPr lang="en-US" dirty="0" smtClean="0"/>
-              <a:t>It generates new solutions by directional </a:t>
+              <a:t>It generates new solutions by directional mutation [2].</a:t>
             </a:r>
-            <a:r>
-              <a:rPr lang="en-US" dirty="0" smtClean="0"/>
-              <a:t>mutation [2].</a:t>
-            </a:r>
-            <a:endParaRPr lang="en-US" dirty="0" smtClean="0"/>
           </a:p>
           <a:p>
             <a:pPr lvl="1"/>
             <a:r>
               <a:rPr lang="en-US" dirty="0" smtClean="0"/>
-              <a:t>If a new solution is close to a good solution, mutate towards the better </a:t>
+              <a:t>If a new solution is close to a good solution, mutate towards the better solution among the two.</a:t>
             </a:r>
+          </a:p>
+          <a:p>
             <a:r>
               <a:rPr lang="en-US" dirty="0" smtClean="0"/>
-              <a:t>solution among the two.</a:t>
-            </a:r>
-            <a:endParaRPr lang="en-US" dirty="0" smtClean="0"/>
-          </a:p>
-          <a:p>
-            <a:r>
-              <a:rPr lang="en-US" dirty="0" smtClean="0"/>
-              <a:t>Limits the population size by discarding bad </a:t>
-            </a:r>
-            <a:r>
-              <a:rPr lang="en-US" dirty="0" smtClean="0"/>
-              <a:t>solutions.</a:t>
+              <a:t>Limits the population size by discarding bad solutions.</a:t>
             </a:r>
             <a:endParaRPr lang="en-US" dirty="0"/>
           </a:p>
@@ -13390,7 +13376,6 @@
               <a:rPr lang="en-US" dirty="0"/>
               <a:t>, Jun 1996, pp. 519–523. </a:t>
             </a:r>
-            <a:endParaRPr lang="en-US" dirty="0"/>
           </a:p>
         </p:txBody>
       </p:sp>
@@ -13474,7 +13459,11 @@
           <a:bodyPr/>
           <a:lstStyle/>
           <a:p>
-            <a:endParaRPr lang="en-US"/>
+            <a:r>
+              <a:rPr lang="en-US" dirty="0" smtClean="0"/>
+              <a:t>To check if two candidates are close, </a:t>
+            </a:r>
+            <a:endParaRPr lang="en-US" dirty="0"/>
           </a:p>
         </p:txBody>
       </p:sp>
@@ -14283,11 +14272,7 @@
           <a:p>
             <a:r>
               <a:rPr lang="en-US" dirty="0" smtClean="0"/>
-              <a:t>Furthermore, in DA we generate 100 mutants using the above policy and pick the one which is farthest from the bad solution.</a:t>
-            </a:r>
-            <a:r>
-              <a:rPr lang="en-US" dirty="0" smtClean="0"/>
-              <a:t>             </a:t>
+              <a:t>Furthermore, in DA we generate 100 mutants using the above policy and pick the one which is farthest from the bad solution.             </a:t>
             </a:r>
             <a:endParaRPr lang="en-US" dirty="0"/>
           </a:p>

--- a/DEADANT/deadAnt.pptx
+++ b/DEADANT/deadAnt.pptx
@@ -10,7 +10,7 @@
   <p:sldIdLst>
     <p:sldId id="256" r:id="rId2"/>
     <p:sldId id="271" r:id="rId3"/>
-    <p:sldId id="263" r:id="rId4"/>
+    <p:sldId id="272" r:id="rId4"/>
     <p:sldId id="265" r:id="rId5"/>
     <p:sldId id="266" r:id="rId6"/>
     <p:sldId id="262" r:id="rId7"/>
@@ -5176,7 +5176,7 @@
     </p:spTree>
     <p:extLst>
       <p:ext uri="{BB962C8B-B14F-4D97-AF65-F5344CB8AC3E}">
-        <p14:creationId xmlns:p14="http://schemas.microsoft.com/office/powerpoint/2010/main" val="3158530039"/>
+        <p14:creationId xmlns:p14="http://schemas.microsoft.com/office/powerpoint/2010/main" val="2547547597"/>
       </p:ext>
     </p:extLst>
   </p:cSld>
@@ -12555,7 +12555,7 @@
           <a:lstStyle/>
           <a:p>
             <a:r>
-              <a:rPr lang="en-US" dirty="0" smtClean="0">
+              <a:rPr lang="en-US" dirty="0">
                 <a:solidFill>
                   <a:schemeClr val="tx2">
                     <a:lumMod val="60000"/>
@@ -12565,14 +12565,7 @@
               </a:rPr>
               <a:t>Introducing DeadAnt</a:t>
             </a:r>
-            <a:endParaRPr lang="en-US" dirty="0">
-              <a:solidFill>
-                <a:schemeClr val="tx2">
-                  <a:lumMod val="60000"/>
-                  <a:lumOff val="40000"/>
-                </a:schemeClr>
-              </a:solidFill>
-            </a:endParaRPr>
+            <a:endParaRPr lang="en-US" dirty="0"/>
           </a:p>
         </p:txBody>
       </p:sp>
@@ -12588,25 +12581,9 @@
         </p:nvSpPr>
         <p:spPr>
           <a:xfrm>
-            <a:off x="457200" y="1734950"/>
+            <a:off x="457200" y="1600200"/>
             <a:ext cx="8229600" cy="4525963"/>
           </a:xfrm>
-          <a:effectLst>
-            <a:glow rad="101600">
-              <a:schemeClr val="tx1">
-                <a:alpha val="75000"/>
-              </a:schemeClr>
-            </a:glow>
-            <a:outerShdw blurRad="63500" dir="21300000" kx="2700000" rotWithShape="0">
-              <a:srgbClr val="000000">
-                <a:alpha val="15000"/>
-              </a:srgbClr>
-            </a:outerShdw>
-          </a:effectLst>
-          <a:scene3d>
-            <a:camera prst="orthographicFront"/>
-            <a:lightRig rig="threePt" dir="t"/>
-          </a:scene3d>
         </p:spPr>
         <p:txBody>
           <a:bodyPr>
@@ -12615,854 +12592,69 @@
           <a:lstStyle/>
           <a:p>
             <a:r>
-              <a:rPr lang="en-US" dirty="0" smtClean="0"/>
+              <a:rPr lang="en-US" dirty="0"/>
               <a:t>DeadAnt is a simple active learner.</a:t>
             </a:r>
           </a:p>
           <a:p>
             <a:pPr lvl="1"/>
             <a:r>
-              <a:rPr lang="en-US" dirty="0" smtClean="0"/>
+              <a:rPr lang="en-US" dirty="0"/>
               <a:t>Use less training, but allow machine to pick the examples to learn from [1]</a:t>
             </a:r>
           </a:p>
           <a:p>
             <a:r>
-              <a:rPr lang="en-US" dirty="0" smtClean="0"/>
+              <a:rPr lang="en-US" dirty="0"/>
               <a:t>It uses an unsupervised method to decide if a potential solution deserves evaluation.</a:t>
             </a:r>
           </a:p>
           <a:p>
             <a:pPr lvl="1"/>
             <a:r>
-              <a:rPr lang="en-US" dirty="0" smtClean="0"/>
-              <a:t>If new solution is close to a bad solution, do not evaluate it.</a:t>
+              <a:rPr lang="en-US" dirty="0"/>
+              <a:t>If new solution is </a:t>
             </a:r>
-          </a:p>
-          <a:p>
+            <a:r>
+              <a:rPr lang="en-US" i="1" dirty="0" smtClean="0"/>
+              <a:t>close</a:t>
+            </a:r>
             <a:r>
               <a:rPr lang="en-US" dirty="0" smtClean="0"/>
-              <a:t>It generates new solutions by directional mutation [2].</a:t>
-            </a:r>
-          </a:p>
-          <a:p>
-            <a:pPr lvl="1"/>
-            <a:r>
-              <a:rPr lang="en-US" dirty="0" smtClean="0"/>
-              <a:t>If a new solution is close to a good solution, mutate towards the better solution among the two.</a:t>
-            </a:r>
-          </a:p>
-          <a:p>
-            <a:r>
-              <a:rPr lang="en-US" dirty="0" smtClean="0"/>
-              <a:t>Limits the population size by discarding bad solutions.</a:t>
-            </a:r>
-            <a:endParaRPr lang="en-US" dirty="0"/>
-          </a:p>
-        </p:txBody>
-      </p:sp>
-      <p:grpSp>
-        <p:nvGrpSpPr>
-          <p:cNvPr id="7" name="Group 6"/>
-          <p:cNvGrpSpPr/>
-          <p:nvPr/>
-        </p:nvGrpSpPr>
-        <p:grpSpPr>
-          <a:xfrm>
-            <a:off x="1189101" y="92076"/>
-            <a:ext cx="1808167" cy="723266"/>
-            <a:chOff x="935537" y="1552"/>
-            <a:chExt cx="1808167" cy="723266"/>
-          </a:xfrm>
-        </p:grpSpPr>
-        <p:sp>
-          <p:nvSpPr>
-            <p:cNvPr id="20" name="Chevron 19"/>
-            <p:cNvSpPr/>
-            <p:nvPr/>
-          </p:nvSpPr>
-          <p:spPr>
-            <a:xfrm>
-              <a:off x="935537" y="1552"/>
-              <a:ext cx="1808167" cy="723266"/>
-            </a:xfrm>
-            <a:prstGeom prst="chevron">
-              <a:avLst/>
-            </a:prstGeom>
-          </p:spPr>
-          <p:style>
-            <a:lnRef idx="2">
-              <a:schemeClr val="lt1">
-                <a:hueOff val="0"/>
-                <a:satOff val="0"/>
-                <a:lumOff val="0"/>
-                <a:alphaOff val="0"/>
-              </a:schemeClr>
-            </a:lnRef>
-            <a:fillRef idx="1">
-              <a:schemeClr val="accent1">
-                <a:hueOff val="0"/>
-                <a:satOff val="0"/>
-                <a:lumOff val="0"/>
-                <a:alphaOff val="0"/>
-              </a:schemeClr>
-            </a:fillRef>
-            <a:effectRef idx="0">
-              <a:schemeClr val="accent1">
-                <a:hueOff val="0"/>
-                <a:satOff val="0"/>
-                <a:lumOff val="0"/>
-                <a:alphaOff val="0"/>
-              </a:schemeClr>
-            </a:effectRef>
-            <a:fontRef idx="minor">
-              <a:schemeClr val="lt1"/>
-            </a:fontRef>
-          </p:style>
-        </p:sp>
-        <p:sp>
-          <p:nvSpPr>
-            <p:cNvPr id="21" name="Chevron 4"/>
-            <p:cNvSpPr/>
-            <p:nvPr/>
-          </p:nvSpPr>
-          <p:spPr>
-            <a:xfrm>
-              <a:off x="1297170" y="1552"/>
-              <a:ext cx="1084901" cy="723266"/>
-            </a:xfrm>
-            <a:prstGeom prst="rect">
-              <a:avLst/>
-            </a:prstGeom>
-          </p:spPr>
-          <p:style>
-            <a:lnRef idx="0">
-              <a:scrgbClr r="0" g="0" b="0"/>
-            </a:lnRef>
-            <a:fillRef idx="0">
-              <a:scrgbClr r="0" g="0" b="0"/>
-            </a:fillRef>
-            <a:effectRef idx="0">
-              <a:scrgbClr r="0" g="0" b="0"/>
-            </a:effectRef>
-            <a:fontRef idx="minor">
-              <a:schemeClr val="lt1"/>
-            </a:fontRef>
-          </p:style>
-          <p:txBody>
-            <a:bodyPr spcFirstLastPara="0" vert="horz" wrap="square" lIns="19050" tIns="9525" rIns="0" bIns="9525" numCol="1" spcCol="1270" anchor="ctr" anchorCtr="0">
-              <a:noAutofit/>
-            </a:bodyPr>
-            <a:lstStyle/>
-            <a:p>
-              <a:pPr lvl="0" algn="ctr" defTabSz="666750">
-                <a:lnSpc>
-                  <a:spcPct val="90000"/>
-                </a:lnSpc>
-                <a:spcBef>
-                  <a:spcPct val="0"/>
-                </a:spcBef>
-                <a:spcAft>
-                  <a:spcPct val="35000"/>
-                </a:spcAft>
-              </a:pPr>
-              <a:r>
-                <a:rPr lang="en-US" sz="1500" kern="1200" dirty="0" smtClean="0"/>
-                <a:t>Introduction</a:t>
-              </a:r>
-              <a:endParaRPr lang="en-US" sz="1500" kern="1200" dirty="0"/>
-            </a:p>
-          </p:txBody>
-        </p:sp>
-      </p:grpSp>
-      <p:grpSp>
-        <p:nvGrpSpPr>
-          <p:cNvPr id="8" name="Group 7"/>
-          <p:cNvGrpSpPr/>
-          <p:nvPr/>
-        </p:nvGrpSpPr>
-        <p:grpSpPr>
-          <a:xfrm>
-            <a:off x="2762206" y="153554"/>
-            <a:ext cx="1500778" cy="600311"/>
-            <a:chOff x="2508642" y="63030"/>
-            <a:chExt cx="1500778" cy="600311"/>
-          </a:xfrm>
-          <a:solidFill>
-            <a:schemeClr val="bg1">
-              <a:lumMod val="85000"/>
-            </a:schemeClr>
-          </a:solidFill>
-        </p:grpSpPr>
-        <p:sp>
-          <p:nvSpPr>
-            <p:cNvPr id="18" name="Chevron 17"/>
-            <p:cNvSpPr/>
-            <p:nvPr/>
-          </p:nvSpPr>
-          <p:spPr>
-            <a:xfrm>
-              <a:off x="2508642" y="63030"/>
-              <a:ext cx="1500778" cy="600311"/>
-            </a:xfrm>
-            <a:prstGeom prst="chevron">
-              <a:avLst/>
-            </a:prstGeom>
-            <a:grpFill/>
-            <a:ln>
-              <a:solidFill>
-                <a:schemeClr val="bg1">
-                  <a:lumMod val="85000"/>
-                </a:schemeClr>
-              </a:solidFill>
-            </a:ln>
-          </p:spPr>
-          <p:style>
-            <a:lnRef idx="2">
-              <a:schemeClr val="accent1">
-                <a:alpha val="90000"/>
-                <a:tint val="40000"/>
-                <a:hueOff val="0"/>
-                <a:satOff val="0"/>
-                <a:lumOff val="0"/>
-                <a:alphaOff val="0"/>
-              </a:schemeClr>
-            </a:lnRef>
-            <a:fillRef idx="1">
-              <a:schemeClr val="accent1">
-                <a:alpha val="90000"/>
-                <a:tint val="40000"/>
-                <a:hueOff val="0"/>
-                <a:satOff val="0"/>
-                <a:lumOff val="0"/>
-                <a:alphaOff val="0"/>
-              </a:schemeClr>
-            </a:fillRef>
-            <a:effectRef idx="0">
-              <a:schemeClr val="accent1">
-                <a:alpha val="90000"/>
-                <a:tint val="40000"/>
-                <a:hueOff val="0"/>
-                <a:satOff val="0"/>
-                <a:lumOff val="0"/>
-                <a:alphaOff val="0"/>
-              </a:schemeClr>
-            </a:effectRef>
-            <a:fontRef idx="minor">
-              <a:schemeClr val="dk1">
-                <a:hueOff val="0"/>
-                <a:satOff val="0"/>
-                <a:lumOff val="0"/>
-                <a:alphaOff val="0"/>
-              </a:schemeClr>
-            </a:fontRef>
-          </p:style>
-        </p:sp>
-        <p:sp>
-          <p:nvSpPr>
-            <p:cNvPr id="19" name="Chevron 6"/>
-            <p:cNvSpPr/>
-            <p:nvPr/>
-          </p:nvSpPr>
-          <p:spPr>
-            <a:xfrm>
-              <a:off x="2808798" y="63030"/>
-              <a:ext cx="900467" cy="600311"/>
-            </a:xfrm>
-            <a:prstGeom prst="rect">
-              <a:avLst/>
-            </a:prstGeom>
-            <a:grpFill/>
-            <a:ln>
-              <a:solidFill>
-                <a:schemeClr val="bg1">
-                  <a:lumMod val="85000"/>
-                </a:schemeClr>
-              </a:solidFill>
-            </a:ln>
-          </p:spPr>
-          <p:style>
-            <a:lnRef idx="0">
-              <a:scrgbClr r="0" g="0" b="0"/>
-            </a:lnRef>
-            <a:fillRef idx="0">
-              <a:scrgbClr r="0" g="0" b="0"/>
-            </a:fillRef>
-            <a:effectRef idx="0">
-              <a:scrgbClr r="0" g="0" b="0"/>
-            </a:effectRef>
-            <a:fontRef idx="minor">
-              <a:schemeClr val="dk1">
-                <a:hueOff val="0"/>
-                <a:satOff val="0"/>
-                <a:lumOff val="0"/>
-                <a:alphaOff val="0"/>
-              </a:schemeClr>
-            </a:fontRef>
-          </p:style>
-          <p:txBody>
-            <a:bodyPr spcFirstLastPara="0" vert="horz" wrap="square" lIns="16510" tIns="8255" rIns="0" bIns="8255" numCol="1" spcCol="1270" anchor="ctr" anchorCtr="0">
-              <a:noAutofit/>
-            </a:bodyPr>
-            <a:lstStyle/>
-            <a:p>
-              <a:pPr lvl="0" algn="ctr" defTabSz="577850">
-                <a:lnSpc>
-                  <a:spcPct val="90000"/>
-                </a:lnSpc>
-                <a:spcBef>
-                  <a:spcPct val="0"/>
-                </a:spcBef>
-                <a:spcAft>
-                  <a:spcPct val="35000"/>
-                </a:spcAft>
-              </a:pPr>
-              <a:r>
-                <a:rPr lang="en-US" sz="1300" kern="1200" dirty="0" smtClean="0"/>
-                <a:t>Introducing Dead Ant</a:t>
-              </a:r>
-              <a:endParaRPr lang="en-US" sz="1300" kern="1200" dirty="0"/>
-            </a:p>
-          </p:txBody>
-        </p:sp>
-      </p:grpSp>
-      <p:grpSp>
-        <p:nvGrpSpPr>
-          <p:cNvPr id="9" name="Group 8"/>
-          <p:cNvGrpSpPr/>
-          <p:nvPr/>
-        </p:nvGrpSpPr>
-        <p:grpSpPr>
-          <a:xfrm>
-            <a:off x="4052876" y="153554"/>
-            <a:ext cx="1500778" cy="600311"/>
-            <a:chOff x="3799312" y="63030"/>
-            <a:chExt cx="1500778" cy="600311"/>
-          </a:xfrm>
-        </p:grpSpPr>
-        <p:sp>
-          <p:nvSpPr>
-            <p:cNvPr id="16" name="Chevron 15"/>
-            <p:cNvSpPr/>
-            <p:nvPr/>
-          </p:nvSpPr>
-          <p:spPr>
-            <a:xfrm>
-              <a:off x="3799312" y="63030"/>
-              <a:ext cx="1500778" cy="600311"/>
-            </a:xfrm>
-            <a:prstGeom prst="chevron">
-              <a:avLst/>
-            </a:prstGeom>
-          </p:spPr>
-          <p:style>
-            <a:lnRef idx="2">
-              <a:schemeClr val="accent1">
-                <a:alpha val="90000"/>
-                <a:tint val="40000"/>
-                <a:hueOff val="0"/>
-                <a:satOff val="0"/>
-                <a:lumOff val="0"/>
-                <a:alphaOff val="0"/>
-              </a:schemeClr>
-            </a:lnRef>
-            <a:fillRef idx="1">
-              <a:schemeClr val="accent1">
-                <a:alpha val="90000"/>
-                <a:tint val="40000"/>
-                <a:hueOff val="0"/>
-                <a:satOff val="0"/>
-                <a:lumOff val="0"/>
-                <a:alphaOff val="0"/>
-              </a:schemeClr>
-            </a:fillRef>
-            <a:effectRef idx="0">
-              <a:schemeClr val="accent1">
-                <a:alpha val="90000"/>
-                <a:tint val="40000"/>
-                <a:hueOff val="0"/>
-                <a:satOff val="0"/>
-                <a:lumOff val="0"/>
-                <a:alphaOff val="0"/>
-              </a:schemeClr>
-            </a:effectRef>
-            <a:fontRef idx="minor">
-              <a:schemeClr val="dk1">
-                <a:hueOff val="0"/>
-                <a:satOff val="0"/>
-                <a:lumOff val="0"/>
-                <a:alphaOff val="0"/>
-              </a:schemeClr>
-            </a:fontRef>
-          </p:style>
-        </p:sp>
-        <p:sp>
-          <p:nvSpPr>
-            <p:cNvPr id="17" name="Chevron 8"/>
-            <p:cNvSpPr/>
-            <p:nvPr/>
-          </p:nvSpPr>
-          <p:spPr>
-            <a:xfrm>
-              <a:off x="4099468" y="63030"/>
-              <a:ext cx="900467" cy="600311"/>
-            </a:xfrm>
-            <a:prstGeom prst="rect">
-              <a:avLst/>
-            </a:prstGeom>
-          </p:spPr>
-          <p:style>
-            <a:lnRef idx="0">
-              <a:scrgbClr r="0" g="0" b="0"/>
-            </a:lnRef>
-            <a:fillRef idx="0">
-              <a:scrgbClr r="0" g="0" b="0"/>
-            </a:fillRef>
-            <a:effectRef idx="0">
-              <a:scrgbClr r="0" g="0" b="0"/>
-            </a:effectRef>
-            <a:fontRef idx="minor">
-              <a:schemeClr val="dk1">
-                <a:hueOff val="0"/>
-                <a:satOff val="0"/>
-                <a:lumOff val="0"/>
-                <a:alphaOff val="0"/>
-              </a:schemeClr>
-            </a:fontRef>
-          </p:style>
-          <p:txBody>
-            <a:bodyPr spcFirstLastPara="0" vert="horz" wrap="square" lIns="16510" tIns="8255" rIns="0" bIns="8255" numCol="1" spcCol="1270" anchor="ctr" anchorCtr="0">
-              <a:noAutofit/>
-            </a:bodyPr>
-            <a:lstStyle/>
-            <a:p>
-              <a:pPr lvl="0" algn="ctr" defTabSz="577850">
-                <a:lnSpc>
-                  <a:spcPct val="90000"/>
-                </a:lnSpc>
-                <a:spcBef>
-                  <a:spcPct val="0"/>
-                </a:spcBef>
-                <a:spcAft>
-                  <a:spcPct val="35000"/>
-                </a:spcAft>
-              </a:pPr>
-              <a:r>
-                <a:rPr lang="en-US" sz="1300" kern="1200" dirty="0" smtClean="0"/>
-                <a:t>Determining close</a:t>
-              </a:r>
-              <a:endParaRPr lang="en-US" sz="1300" kern="1200" dirty="0"/>
-            </a:p>
-          </p:txBody>
-        </p:sp>
-      </p:grpSp>
-      <p:grpSp>
-        <p:nvGrpSpPr>
-          <p:cNvPr id="10" name="Group 9"/>
-          <p:cNvGrpSpPr/>
-          <p:nvPr/>
-        </p:nvGrpSpPr>
-        <p:grpSpPr>
-          <a:xfrm>
-            <a:off x="5343546" y="153554"/>
-            <a:ext cx="1500778" cy="600311"/>
-            <a:chOff x="5089982" y="63030"/>
-            <a:chExt cx="1500778" cy="600311"/>
-          </a:xfrm>
-        </p:grpSpPr>
-        <p:sp>
-          <p:nvSpPr>
-            <p:cNvPr id="14" name="Chevron 13"/>
-            <p:cNvSpPr/>
-            <p:nvPr/>
-          </p:nvSpPr>
-          <p:spPr>
-            <a:xfrm>
-              <a:off x="5089982" y="63030"/>
-              <a:ext cx="1500778" cy="600311"/>
-            </a:xfrm>
-            <a:prstGeom prst="chevron">
-              <a:avLst/>
-            </a:prstGeom>
-          </p:spPr>
-          <p:style>
-            <a:lnRef idx="2">
-              <a:schemeClr val="accent1">
-                <a:alpha val="90000"/>
-                <a:tint val="40000"/>
-                <a:hueOff val="0"/>
-                <a:satOff val="0"/>
-                <a:lumOff val="0"/>
-                <a:alphaOff val="0"/>
-              </a:schemeClr>
-            </a:lnRef>
-            <a:fillRef idx="1">
-              <a:schemeClr val="accent1">
-                <a:alpha val="90000"/>
-                <a:tint val="40000"/>
-                <a:hueOff val="0"/>
-                <a:satOff val="0"/>
-                <a:lumOff val="0"/>
-                <a:alphaOff val="0"/>
-              </a:schemeClr>
-            </a:fillRef>
-            <a:effectRef idx="0">
-              <a:schemeClr val="accent1">
-                <a:alpha val="90000"/>
-                <a:tint val="40000"/>
-                <a:hueOff val="0"/>
-                <a:satOff val="0"/>
-                <a:lumOff val="0"/>
-                <a:alphaOff val="0"/>
-              </a:schemeClr>
-            </a:effectRef>
-            <a:fontRef idx="minor">
-              <a:schemeClr val="dk1">
-                <a:hueOff val="0"/>
-                <a:satOff val="0"/>
-                <a:lumOff val="0"/>
-                <a:alphaOff val="0"/>
-              </a:schemeClr>
-            </a:fontRef>
-          </p:style>
-        </p:sp>
-        <p:sp>
-          <p:nvSpPr>
-            <p:cNvPr id="15" name="Chevron 10"/>
-            <p:cNvSpPr/>
-            <p:nvPr/>
-          </p:nvSpPr>
-          <p:spPr>
-            <a:xfrm>
-              <a:off x="5390138" y="63030"/>
-              <a:ext cx="900467" cy="600311"/>
-            </a:xfrm>
-            <a:prstGeom prst="rect">
-              <a:avLst/>
-            </a:prstGeom>
-          </p:spPr>
-          <p:style>
-            <a:lnRef idx="0">
-              <a:scrgbClr r="0" g="0" b="0"/>
-            </a:lnRef>
-            <a:fillRef idx="0">
-              <a:scrgbClr r="0" g="0" b="0"/>
-            </a:fillRef>
-            <a:effectRef idx="0">
-              <a:scrgbClr r="0" g="0" b="0"/>
-            </a:effectRef>
-            <a:fontRef idx="minor">
-              <a:schemeClr val="dk1">
-                <a:hueOff val="0"/>
-                <a:satOff val="0"/>
-                <a:lumOff val="0"/>
-                <a:alphaOff val="0"/>
-              </a:schemeClr>
-            </a:fontRef>
-          </p:style>
-          <p:txBody>
-            <a:bodyPr spcFirstLastPara="0" vert="horz" wrap="square" lIns="16510" tIns="8255" rIns="0" bIns="8255" numCol="1" spcCol="1270" anchor="ctr" anchorCtr="0">
-              <a:noAutofit/>
-            </a:bodyPr>
-            <a:lstStyle/>
-            <a:p>
-              <a:pPr lvl="0" algn="ctr" defTabSz="577850">
-                <a:lnSpc>
-                  <a:spcPct val="90000"/>
-                </a:lnSpc>
-                <a:spcBef>
-                  <a:spcPct val="0"/>
-                </a:spcBef>
-                <a:spcAft>
-                  <a:spcPct val="35000"/>
-                </a:spcAft>
-              </a:pPr>
-              <a:r>
-                <a:rPr lang="en-US" sz="1300" kern="1200" dirty="0" smtClean="0"/>
-                <a:t>Mutation</a:t>
-              </a:r>
-              <a:endParaRPr lang="en-US" sz="1300" kern="1200" dirty="0"/>
-            </a:p>
-          </p:txBody>
-        </p:sp>
-      </p:grpSp>
-      <p:grpSp>
-        <p:nvGrpSpPr>
-          <p:cNvPr id="11" name="Group 10"/>
-          <p:cNvGrpSpPr/>
-          <p:nvPr/>
-        </p:nvGrpSpPr>
-        <p:grpSpPr>
-          <a:xfrm>
-            <a:off x="6634216" y="153554"/>
-            <a:ext cx="1500778" cy="600311"/>
-            <a:chOff x="6380652" y="63030"/>
-            <a:chExt cx="1500778" cy="600311"/>
-          </a:xfrm>
-        </p:grpSpPr>
-        <p:sp>
-          <p:nvSpPr>
-            <p:cNvPr id="12" name="Chevron 11"/>
-            <p:cNvSpPr/>
-            <p:nvPr/>
-          </p:nvSpPr>
-          <p:spPr>
-            <a:xfrm>
-              <a:off x="6380652" y="63030"/>
-              <a:ext cx="1500778" cy="600311"/>
-            </a:xfrm>
-            <a:prstGeom prst="chevron">
-              <a:avLst/>
-            </a:prstGeom>
-          </p:spPr>
-          <p:style>
-            <a:lnRef idx="2">
-              <a:schemeClr val="accent1">
-                <a:alpha val="90000"/>
-                <a:tint val="40000"/>
-                <a:hueOff val="0"/>
-                <a:satOff val="0"/>
-                <a:lumOff val="0"/>
-                <a:alphaOff val="0"/>
-              </a:schemeClr>
-            </a:lnRef>
-            <a:fillRef idx="1">
-              <a:schemeClr val="accent1">
-                <a:alpha val="90000"/>
-                <a:tint val="40000"/>
-                <a:hueOff val="0"/>
-                <a:satOff val="0"/>
-                <a:lumOff val="0"/>
-                <a:alphaOff val="0"/>
-              </a:schemeClr>
-            </a:fillRef>
-            <a:effectRef idx="0">
-              <a:schemeClr val="accent1">
-                <a:alpha val="90000"/>
-                <a:tint val="40000"/>
-                <a:hueOff val="0"/>
-                <a:satOff val="0"/>
-                <a:lumOff val="0"/>
-                <a:alphaOff val="0"/>
-              </a:schemeClr>
-            </a:effectRef>
-            <a:fontRef idx="minor">
-              <a:schemeClr val="dk1">
-                <a:hueOff val="0"/>
-                <a:satOff val="0"/>
-                <a:lumOff val="0"/>
-                <a:alphaOff val="0"/>
-              </a:schemeClr>
-            </a:fontRef>
-          </p:style>
-        </p:sp>
-        <p:sp>
-          <p:nvSpPr>
-            <p:cNvPr id="13" name="Chevron 12"/>
-            <p:cNvSpPr/>
-            <p:nvPr/>
-          </p:nvSpPr>
-          <p:spPr>
-            <a:xfrm>
-              <a:off x="6680808" y="63030"/>
-              <a:ext cx="900467" cy="600311"/>
-            </a:xfrm>
-            <a:prstGeom prst="rect">
-              <a:avLst/>
-            </a:prstGeom>
-          </p:spPr>
-          <p:style>
-            <a:lnRef idx="0">
-              <a:scrgbClr r="0" g="0" b="0"/>
-            </a:lnRef>
-            <a:fillRef idx="0">
-              <a:scrgbClr r="0" g="0" b="0"/>
-            </a:fillRef>
-            <a:effectRef idx="0">
-              <a:scrgbClr r="0" g="0" b="0"/>
-            </a:effectRef>
-            <a:fontRef idx="minor">
-              <a:schemeClr val="dk1">
-                <a:hueOff val="0"/>
-                <a:satOff val="0"/>
-                <a:lumOff val="0"/>
-                <a:alphaOff val="0"/>
-              </a:schemeClr>
-            </a:fontRef>
-          </p:style>
-          <p:txBody>
-            <a:bodyPr spcFirstLastPara="0" vert="horz" wrap="square" lIns="16510" tIns="8255" rIns="0" bIns="8255" numCol="1" spcCol="1270" anchor="ctr" anchorCtr="0">
-              <a:noAutofit/>
-            </a:bodyPr>
-            <a:lstStyle/>
-            <a:p>
-              <a:pPr lvl="0" algn="ctr" defTabSz="577850">
-                <a:lnSpc>
-                  <a:spcPct val="90000"/>
-                </a:lnSpc>
-                <a:spcBef>
-                  <a:spcPct val="0"/>
-                </a:spcBef>
-                <a:spcAft>
-                  <a:spcPct val="35000"/>
-                </a:spcAft>
-              </a:pPr>
-              <a:r>
-                <a:rPr lang="en-US" sz="1300" kern="1200" dirty="0" smtClean="0"/>
-                <a:t>Pseudo-code</a:t>
-              </a:r>
-              <a:endParaRPr lang="en-US" sz="1300" kern="1200" dirty="0"/>
-            </a:p>
-          </p:txBody>
-        </p:sp>
-      </p:grpSp>
-      <p:sp>
-        <p:nvSpPr>
-          <p:cNvPr id="22" name="Footer Placeholder 21"/>
-          <p:cNvSpPr>
-            <a:spLocks noGrp="1"/>
-          </p:cNvSpPr>
-          <p:nvPr>
-            <p:ph type="ftr" sz="quarter" idx="11"/>
-          </p:nvPr>
-        </p:nvSpPr>
-        <p:spPr>
-          <a:xfrm>
-            <a:off x="457200" y="6260914"/>
-            <a:ext cx="8229600" cy="460562"/>
-          </a:xfrm>
-        </p:spPr>
-        <p:txBody>
-          <a:bodyPr/>
-          <a:lstStyle/>
-          <a:p>
-            <a:pPr algn="l">
-              <a:lnSpc>
-                <a:spcPct val="150000"/>
-              </a:lnSpc>
-            </a:pPr>
-            <a:r>
-              <a:rPr lang="en-US" dirty="0" smtClean="0"/>
-              <a:t>[</a:t>
+              <a:t> </a:t>
             </a:r>
             <a:r>
               <a:rPr lang="en-US" dirty="0"/>
-              <a:t>1] B. Settles, Active Learning, ser. Synthesis digital library of engineering and computer science. Morgan &amp; Claypool, 2011</a:t>
+              <a:t>to a bad solution, do not evaluate it.</a:t>
             </a:r>
-            <a:r>
-              <a:rPr lang="en-US" dirty="0" smtClean="0"/>
-              <a:t>.</a:t>
-            </a:r>
-          </a:p>
-          <a:p>
-            <a:pPr algn="l"/>
+          </a:p>
+          <a:p>
             <a:r>
               <a:rPr lang="en-US" dirty="0"/>
-              <a:t>[2] R. Storn, “On the usage of differential evolution for function optimization,” in Fuzzy </a:t>
+              <a:t>It generates new solutions by directional mutation [2].</a:t>
             </a:r>
-            <a:r>
-              <a:rPr lang="en-US" dirty="0" smtClean="0"/>
-              <a:t>Information </a:t>
-            </a:r>
+          </a:p>
+          <a:p>
+            <a:pPr lvl="1"/>
             <a:r>
               <a:rPr lang="en-US" dirty="0"/>
-              <a:t>Processing Society, 1996. NAFIPS., 1996 Biennial Conference of the North </a:t>
+              <a:t>If a new solution is close to a good solution, mutate towards the better solution among the two.</a:t>
             </a:r>
-            <a:r>
-              <a:rPr lang="en-US" dirty="0" smtClean="0"/>
-              <a:t>American</a:t>
-            </a:r>
+          </a:p>
+          <a:p>
             <a:r>
               <a:rPr lang="en-US" dirty="0"/>
-              <a:t>, Jun 1996, pp. 519–523. </a:t>
+              <a:t>Limits the population size by discarding bad solutions.</a:t>
             </a:r>
           </a:p>
-        </p:txBody>
-      </p:sp>
-    </p:spTree>
-    <p:extLst>
-      <p:ext uri="{BB962C8B-B14F-4D97-AF65-F5344CB8AC3E}">
-        <p14:creationId xmlns:p14="http://schemas.microsoft.com/office/powerpoint/2010/main" val="2081151672"/>
-      </p:ext>
-    </p:extLst>
-  </p:cSld>
-  <p:clrMapOvr>
-    <a:masterClrMapping/>
-  </p:clrMapOvr>
-  <p:timing>
-    <p:tnLst>
-      <p:par>
-        <p:cTn id="1" dur="indefinite" restart="never" nodeType="tmRoot"/>
-      </p:par>
-    </p:tnLst>
-  </p:timing>
-</p:sld>
-</file>
-
-<file path=ppt/slides/slide4.xml><?xml version="1.0" encoding="utf-8"?>
-<p:sld xmlns:a="http://schemas.openxmlformats.org/drawingml/2006/main" xmlns:r="http://schemas.openxmlformats.org/officeDocument/2006/relationships" xmlns:p="http://schemas.openxmlformats.org/presentationml/2006/main">
-  <p:cSld>
-    <p:spTree>
-      <p:nvGrpSpPr>
-        <p:cNvPr id="1" name=""/>
-        <p:cNvGrpSpPr/>
-        <p:nvPr/>
-      </p:nvGrpSpPr>
-      <p:grpSpPr>
-        <a:xfrm>
-          <a:off x="0" y="0"/>
-          <a:ext cx="0" cy="0"/>
-          <a:chOff x="0" y="0"/>
-          <a:chExt cx="0" cy="0"/>
-        </a:xfrm>
-      </p:grpSpPr>
-      <p:sp>
-        <p:nvSpPr>
-          <p:cNvPr id="2" name="Title 1"/>
-          <p:cNvSpPr>
-            <a:spLocks noGrp="1"/>
-          </p:cNvSpPr>
-          <p:nvPr>
-            <p:ph type="title"/>
-          </p:nvPr>
-        </p:nvSpPr>
-        <p:spPr>
-          <a:xfrm>
-            <a:off x="457200" y="753865"/>
-            <a:ext cx="8229600" cy="1143000"/>
-          </a:xfrm>
-        </p:spPr>
-        <p:txBody>
-          <a:bodyPr/>
-          <a:lstStyle/>
-          <a:p>
-            <a:r>
-              <a:rPr lang="en-US" dirty="0" smtClean="0"/>
-              <a:t>Determining ‘Close’?</a:t>
-            </a:r>
-            <a:endParaRPr lang="en-US" dirty="0"/>
-          </a:p>
-        </p:txBody>
-      </p:sp>
-      <p:sp>
-        <p:nvSpPr>
-          <p:cNvPr id="3" name="Content Placeholder 2"/>
-          <p:cNvSpPr>
-            <a:spLocks noGrp="1"/>
-          </p:cNvSpPr>
-          <p:nvPr>
-            <p:ph idx="1"/>
-          </p:nvPr>
-        </p:nvSpPr>
-        <p:spPr/>
-        <p:txBody>
-          <a:bodyPr/>
-          <a:lstStyle/>
-          <a:p>
-            <a:r>
-              <a:rPr lang="en-US" dirty="0" smtClean="0"/>
-              <a:t>To check if two candidates are close, </a:t>
-            </a:r>
+          <a:p>
+            <a:pPr marL="0" indent="0">
+              <a:buNone/>
+            </a:pPr>
+            <a:endParaRPr lang="en-US" dirty="0" smtClean="0"/>
+          </a:p>
+          <a:p>
+            <a:pPr lvl="1"/>
             <a:endParaRPr lang="en-US" dirty="0"/>
           </a:p>
         </p:txBody>
@@ -13495,6 +12687,9 @@
             <a:prstGeom prst="chevron">
               <a:avLst/>
             </a:prstGeom>
+            <a:ln>
+              <a:noFill/>
+            </a:ln>
           </p:spPr>
           <p:style>
             <a:lnRef idx="2">
@@ -13540,6 +12735,9 @@
             <a:prstGeom prst="rect">
               <a:avLst/>
             </a:prstGeom>
+            <a:ln>
+              <a:noFill/>
+            </a:ln>
           </p:spPr>
           <p:style>
             <a:lnRef idx="0">
@@ -13616,11 +12814,7 @@
             </a:prstGeom>
             <a:grpFill/>
             <a:ln>
-              <a:solidFill>
-                <a:schemeClr val="bg1">
-                  <a:lumMod val="85000"/>
-                </a:schemeClr>
-              </a:solidFill>
+              <a:noFill/>
             </a:ln>
           </p:spPr>
           <p:style>
@@ -13680,11 +12874,7 @@
             </a:prstGeom>
             <a:grpFill/>
             <a:ln>
-              <a:solidFill>
-                <a:schemeClr val="bg1">
-                  <a:lumMod val="85000"/>
-                </a:schemeClr>
-              </a:solidFill>
+              <a:noFill/>
             </a:ln>
           </p:spPr>
           <p:style>
@@ -13745,6 +12935,12 @@
             <a:chOff x="3799312" y="63030"/>
             <a:chExt cx="1500778" cy="600311"/>
           </a:xfrm>
+          <a:solidFill>
+            <a:schemeClr val="tx2">
+              <a:lumMod val="20000"/>
+              <a:lumOff val="80000"/>
+            </a:schemeClr>
+          </a:solidFill>
         </p:grpSpPr>
         <p:sp>
           <p:nvSpPr>
@@ -13760,6 +12956,10 @@
             <a:prstGeom prst="chevron">
               <a:avLst/>
             </a:prstGeom>
+            <a:grpFill/>
+            <a:ln>
+              <a:noFill/>
+            </a:ln>
           </p:spPr>
           <p:style>
             <a:lnRef idx="2">
@@ -13816,6 +13016,10 @@
             <a:prstGeom prst="rect">
               <a:avLst/>
             </a:prstGeom>
+            <a:grpFill/>
+            <a:ln>
+              <a:noFill/>
+            </a:ln>
           </p:spPr>
           <p:style>
             <a:lnRef idx="0">
@@ -13875,6 +13079,12 @@
             <a:chOff x="5089982" y="63030"/>
             <a:chExt cx="1500778" cy="600311"/>
           </a:xfrm>
+          <a:solidFill>
+            <a:schemeClr val="tx2">
+              <a:lumMod val="20000"/>
+              <a:lumOff val="80000"/>
+            </a:schemeClr>
+          </a:solidFill>
         </p:grpSpPr>
         <p:sp>
           <p:nvSpPr>
@@ -13890,6 +13100,10 @@
             <a:prstGeom prst="chevron">
               <a:avLst/>
             </a:prstGeom>
+            <a:grpFill/>
+            <a:ln>
+              <a:noFill/>
+            </a:ln>
           </p:spPr>
           <p:style>
             <a:lnRef idx="2">
@@ -13946,6 +13160,10 @@
             <a:prstGeom prst="rect">
               <a:avLst/>
             </a:prstGeom>
+            <a:grpFill/>
+            <a:ln>
+              <a:noFill/>
+            </a:ln>
           </p:spPr>
           <p:style>
             <a:lnRef idx="0">
@@ -14005,6 +13223,12 @@
             <a:chOff x="6380652" y="63030"/>
             <a:chExt cx="1500778" cy="600311"/>
           </a:xfrm>
+          <a:solidFill>
+            <a:schemeClr val="tx2">
+              <a:lumMod val="20000"/>
+              <a:lumOff val="80000"/>
+            </a:schemeClr>
+          </a:solidFill>
         </p:grpSpPr>
         <p:sp>
           <p:nvSpPr>
@@ -14020,6 +13244,10 @@
             <a:prstGeom prst="chevron">
               <a:avLst/>
             </a:prstGeom>
+            <a:grpFill/>
+            <a:ln>
+              <a:noFill/>
+            </a:ln>
           </p:spPr>
           <p:style>
             <a:lnRef idx="2">
@@ -14076,6 +13304,914 @@
             <a:prstGeom prst="rect">
               <a:avLst/>
             </a:prstGeom>
+            <a:grpFill/>
+            <a:ln>
+              <a:noFill/>
+            </a:ln>
+          </p:spPr>
+          <p:style>
+            <a:lnRef idx="0">
+              <a:scrgbClr r="0" g="0" b="0"/>
+            </a:lnRef>
+            <a:fillRef idx="0">
+              <a:scrgbClr r="0" g="0" b="0"/>
+            </a:fillRef>
+            <a:effectRef idx="0">
+              <a:scrgbClr r="0" g="0" b="0"/>
+            </a:effectRef>
+            <a:fontRef idx="minor">
+              <a:schemeClr val="dk1">
+                <a:hueOff val="0"/>
+                <a:satOff val="0"/>
+                <a:lumOff val="0"/>
+                <a:alphaOff val="0"/>
+              </a:schemeClr>
+            </a:fontRef>
+          </p:style>
+          <p:txBody>
+            <a:bodyPr spcFirstLastPara="0" vert="horz" wrap="square" lIns="16510" tIns="8255" rIns="0" bIns="8255" numCol="1" spcCol="1270" anchor="ctr" anchorCtr="0">
+              <a:noAutofit/>
+            </a:bodyPr>
+            <a:lstStyle/>
+            <a:p>
+              <a:pPr lvl="0" algn="ctr" defTabSz="577850">
+                <a:lnSpc>
+                  <a:spcPct val="90000"/>
+                </a:lnSpc>
+                <a:spcBef>
+                  <a:spcPct val="0"/>
+                </a:spcBef>
+                <a:spcAft>
+                  <a:spcPct val="35000"/>
+                </a:spcAft>
+              </a:pPr>
+              <a:r>
+                <a:rPr lang="en-US" sz="1300" kern="1200" dirty="0" smtClean="0"/>
+                <a:t>Pseudo-code</a:t>
+              </a:r>
+              <a:endParaRPr lang="en-US" sz="1300" kern="1200" dirty="0"/>
+            </a:p>
+          </p:txBody>
+        </p:sp>
+      </p:grpSp>
+      <p:sp>
+        <p:nvSpPr>
+          <p:cNvPr id="4" name="Footer Placeholder 3"/>
+          <p:cNvSpPr>
+            <a:spLocks noGrp="1"/>
+          </p:cNvSpPr>
+          <p:nvPr>
+            <p:ph type="ftr" sz="quarter" idx="11"/>
+          </p:nvPr>
+        </p:nvSpPr>
+        <p:spPr>
+          <a:xfrm>
+            <a:off x="-1" y="6629401"/>
+            <a:ext cx="9144001" cy="218658"/>
+          </a:xfrm>
+        </p:spPr>
+        <p:txBody>
+          <a:bodyPr/>
+          <a:lstStyle/>
+          <a:p>
+            <a:pPr algn="l"/>
+            <a:r>
+              <a:rPr lang="en-US" dirty="0" smtClean="0"/>
+              <a:t>[1]  B. Settles, Active Learning, ser. Synthesis digital library of engineering and computer science. Morgan &amp; Claypool, 2011.</a:t>
+            </a:r>
+          </a:p>
+          <a:p>
+            <a:pPr algn="l"/>
+            <a:r>
+              <a:rPr lang="en-US" dirty="0"/>
+              <a:t>[2] R. </a:t>
+            </a:r>
+            <a:r>
+              <a:rPr lang="en-US" dirty="0" err="1"/>
+              <a:t>Storn</a:t>
+            </a:r>
+            <a:r>
+              <a:rPr lang="en-US" dirty="0"/>
+              <a:t>, “On the usage of differential evolution for function optimization,” in Fuzzy Information Processing Society, 1996. NAFIPS., 1996 Biennial Conference of the North American, Jun 1996, pp. 519–523. </a:t>
+            </a:r>
+          </a:p>
+          <a:p>
+            <a:pPr algn="l"/>
+            <a:endParaRPr lang="en-US" dirty="0"/>
+          </a:p>
+          <a:p>
+            <a:pPr algn="l"/>
+            <a:endParaRPr lang="en-US" dirty="0"/>
+          </a:p>
+        </p:txBody>
+      </p:sp>
+    </p:spTree>
+    <p:extLst>
+      <p:ext uri="{BB962C8B-B14F-4D97-AF65-F5344CB8AC3E}">
+        <p14:creationId xmlns:p14="http://schemas.microsoft.com/office/powerpoint/2010/main" val="1794272251"/>
+      </p:ext>
+    </p:extLst>
+  </p:cSld>
+  <p:clrMapOvr>
+    <a:masterClrMapping/>
+  </p:clrMapOvr>
+  <p:timing>
+    <p:tnLst>
+      <p:par>
+        <p:cTn id="1" dur="indefinite" restart="never" nodeType="tmRoot"/>
+      </p:par>
+    </p:tnLst>
+  </p:timing>
+</p:sld>
+</file>
+
+<file path=ppt/slides/slide4.xml><?xml version="1.0" encoding="utf-8"?>
+<p:sld xmlns:a="http://schemas.openxmlformats.org/drawingml/2006/main" xmlns:r="http://schemas.openxmlformats.org/officeDocument/2006/relationships" xmlns:p="http://schemas.openxmlformats.org/presentationml/2006/main">
+  <p:cSld>
+    <p:spTree>
+      <p:nvGrpSpPr>
+        <p:cNvPr id="1" name=""/>
+        <p:cNvGrpSpPr/>
+        <p:nvPr/>
+      </p:nvGrpSpPr>
+      <p:grpSpPr>
+        <a:xfrm>
+          <a:off x="0" y="0"/>
+          <a:ext cx="0" cy="0"/>
+          <a:chOff x="0" y="0"/>
+          <a:chExt cx="0" cy="0"/>
+        </a:xfrm>
+      </p:grpSpPr>
+      <p:sp>
+        <p:nvSpPr>
+          <p:cNvPr id="2" name="Title 1"/>
+          <p:cNvSpPr>
+            <a:spLocks noGrp="1"/>
+          </p:cNvSpPr>
+          <p:nvPr>
+            <p:ph type="title"/>
+          </p:nvPr>
+        </p:nvSpPr>
+        <p:spPr>
+          <a:xfrm>
+            <a:off x="457200" y="753865"/>
+            <a:ext cx="8229600" cy="1143000"/>
+          </a:xfrm>
+        </p:spPr>
+        <p:txBody>
+          <a:bodyPr/>
+          <a:lstStyle/>
+          <a:p>
+            <a:r>
+              <a:rPr lang="en-US" dirty="0" smtClean="0"/>
+              <a:t>Determining ‘Close’?</a:t>
+            </a:r>
+            <a:endParaRPr lang="en-US" dirty="0"/>
+          </a:p>
+        </p:txBody>
+      </p:sp>
+      <p:sp>
+        <p:nvSpPr>
+          <p:cNvPr id="3" name="Content Placeholder 2"/>
+          <p:cNvSpPr>
+            <a:spLocks noGrp="1"/>
+          </p:cNvSpPr>
+          <p:nvPr>
+            <p:ph idx="1"/>
+          </p:nvPr>
+        </p:nvSpPr>
+        <p:spPr>
+          <a:xfrm>
+            <a:off x="457200" y="1600200"/>
+            <a:ext cx="8229600" cy="4525963"/>
+          </a:xfrm>
+        </p:spPr>
+        <p:txBody>
+          <a:bodyPr>
+            <a:normAutofit fontScale="85000" lnSpcReduction="20000"/>
+          </a:bodyPr>
+          <a:lstStyle/>
+          <a:p>
+            <a:r>
+              <a:rPr lang="en-US" dirty="0" smtClean="0"/>
+              <a:t>We used thresholds to determine if 2 candidate solutions are close.</a:t>
+            </a:r>
+          </a:p>
+          <a:p>
+            <a:r>
+              <a:rPr lang="en-US" dirty="0" smtClean="0"/>
+              <a:t>We start with 2 arrays of with ‘K’ bins.</a:t>
+            </a:r>
+          </a:p>
+          <a:p>
+            <a:pPr lvl="1"/>
+            <a:r>
+              <a:rPr lang="en-US" dirty="0" smtClean="0"/>
+              <a:t>One stores the sum of the distances (for every new value)</a:t>
+            </a:r>
+          </a:p>
+          <a:p>
+            <a:pPr lvl="1"/>
+            <a:r>
+              <a:rPr lang="en-US" dirty="0" smtClean="0"/>
+              <a:t>The other stores the number of distances in each bin.</a:t>
+            </a:r>
+          </a:p>
+          <a:p>
+            <a:pPr marL="457200" lvl="1" indent="0">
+              <a:buNone/>
+            </a:pPr>
+            <a:r>
+              <a:rPr lang="en-US" sz="2400" i="1" dirty="0" smtClean="0"/>
+              <a:t>Note: In a beginning all distances go to the first bin</a:t>
+            </a:r>
+          </a:p>
+          <a:p>
+            <a:r>
+              <a:rPr lang="en-US" dirty="0" smtClean="0"/>
+              <a:t>After the number of values in the bin reached a certain value, we obtain the mean of the distances in the bin.</a:t>
+            </a:r>
+          </a:p>
+          <a:p>
+            <a:r>
+              <a:rPr lang="en-US" dirty="0" smtClean="0"/>
+              <a:t>Now for every new value that comes, if the distance less than the mean of a bin, we move to then next bin.</a:t>
+            </a:r>
+          </a:p>
+          <a:p>
+            <a:r>
+              <a:rPr lang="en-US" dirty="0" smtClean="0"/>
+              <a:t>If a new distance propagates beyond the 4</a:t>
+            </a:r>
+            <a:r>
+              <a:rPr lang="en-US" baseline="30000" dirty="0" smtClean="0"/>
+              <a:t>th</a:t>
+            </a:r>
+            <a:r>
+              <a:rPr lang="en-US" dirty="0" smtClean="0"/>
+              <a:t> bin, we say </a:t>
+            </a:r>
+            <a:r>
+              <a:rPr lang="en-US" dirty="0" smtClean="0"/>
+              <a:t>they’re close.</a:t>
+            </a:r>
+            <a:endParaRPr lang="en-US" dirty="0" smtClean="0"/>
+          </a:p>
+          <a:p>
+            <a:pPr lvl="1"/>
+            <a:endParaRPr lang="en-US" dirty="0"/>
+          </a:p>
+        </p:txBody>
+      </p:sp>
+      <p:grpSp>
+        <p:nvGrpSpPr>
+          <p:cNvPr id="5" name="Group 4"/>
+          <p:cNvGrpSpPr/>
+          <p:nvPr/>
+        </p:nvGrpSpPr>
+        <p:grpSpPr>
+          <a:xfrm>
+            <a:off x="1189101" y="92076"/>
+            <a:ext cx="1808167" cy="723266"/>
+            <a:chOff x="935537" y="1552"/>
+            <a:chExt cx="1808167" cy="723266"/>
+          </a:xfrm>
+        </p:grpSpPr>
+        <p:sp>
+          <p:nvSpPr>
+            <p:cNvPr id="6" name="Chevron 5"/>
+            <p:cNvSpPr/>
+            <p:nvPr/>
+          </p:nvSpPr>
+          <p:spPr>
+            <a:xfrm>
+              <a:off x="935537" y="1552"/>
+              <a:ext cx="1808167" cy="723266"/>
+            </a:xfrm>
+            <a:prstGeom prst="chevron">
+              <a:avLst/>
+            </a:prstGeom>
+            <a:ln>
+              <a:noFill/>
+            </a:ln>
+          </p:spPr>
+          <p:style>
+            <a:lnRef idx="2">
+              <a:schemeClr val="lt1">
+                <a:hueOff val="0"/>
+                <a:satOff val="0"/>
+                <a:lumOff val="0"/>
+                <a:alphaOff val="0"/>
+              </a:schemeClr>
+            </a:lnRef>
+            <a:fillRef idx="1">
+              <a:schemeClr val="accent1">
+                <a:hueOff val="0"/>
+                <a:satOff val="0"/>
+                <a:lumOff val="0"/>
+                <a:alphaOff val="0"/>
+              </a:schemeClr>
+            </a:fillRef>
+            <a:effectRef idx="0">
+              <a:schemeClr val="accent1">
+                <a:hueOff val="0"/>
+                <a:satOff val="0"/>
+                <a:lumOff val="0"/>
+                <a:alphaOff val="0"/>
+              </a:schemeClr>
+            </a:effectRef>
+            <a:fontRef idx="minor">
+              <a:schemeClr val="lt1"/>
+            </a:fontRef>
+          </p:style>
+        </p:sp>
+        <p:sp>
+          <p:nvSpPr>
+            <p:cNvPr id="7" name="Chevron 4"/>
+            <p:cNvSpPr/>
+            <p:nvPr/>
+          </p:nvSpPr>
+          <p:spPr>
+            <a:xfrm>
+              <a:off x="1297170" y="1552"/>
+              <a:ext cx="1084901" cy="723266"/>
+            </a:xfrm>
+            <a:prstGeom prst="rect">
+              <a:avLst/>
+            </a:prstGeom>
+            <a:ln>
+              <a:noFill/>
+            </a:ln>
+          </p:spPr>
+          <p:style>
+            <a:lnRef idx="0">
+              <a:scrgbClr r="0" g="0" b="0"/>
+            </a:lnRef>
+            <a:fillRef idx="0">
+              <a:scrgbClr r="0" g="0" b="0"/>
+            </a:fillRef>
+            <a:effectRef idx="0">
+              <a:scrgbClr r="0" g="0" b="0"/>
+            </a:effectRef>
+            <a:fontRef idx="minor">
+              <a:schemeClr val="lt1"/>
+            </a:fontRef>
+          </p:style>
+          <p:txBody>
+            <a:bodyPr spcFirstLastPara="0" vert="horz" wrap="square" lIns="19050" tIns="9525" rIns="0" bIns="9525" numCol="1" spcCol="1270" anchor="ctr" anchorCtr="0">
+              <a:noAutofit/>
+            </a:bodyPr>
+            <a:lstStyle/>
+            <a:p>
+              <a:pPr lvl="0" algn="ctr" defTabSz="666750">
+                <a:lnSpc>
+                  <a:spcPct val="90000"/>
+                </a:lnSpc>
+                <a:spcBef>
+                  <a:spcPct val="0"/>
+                </a:spcBef>
+                <a:spcAft>
+                  <a:spcPct val="35000"/>
+                </a:spcAft>
+              </a:pPr>
+              <a:r>
+                <a:rPr lang="en-US" sz="1500" kern="1200" dirty="0" smtClean="0"/>
+                <a:t>Introduction</a:t>
+              </a:r>
+              <a:endParaRPr lang="en-US" sz="1500" kern="1200" dirty="0"/>
+            </a:p>
+          </p:txBody>
+        </p:sp>
+      </p:grpSp>
+      <p:grpSp>
+        <p:nvGrpSpPr>
+          <p:cNvPr id="8" name="Group 7"/>
+          <p:cNvGrpSpPr/>
+          <p:nvPr/>
+        </p:nvGrpSpPr>
+        <p:grpSpPr>
+          <a:xfrm>
+            <a:off x="2762206" y="153554"/>
+            <a:ext cx="1500778" cy="600311"/>
+            <a:chOff x="2508642" y="63030"/>
+            <a:chExt cx="1500778" cy="600311"/>
+          </a:xfrm>
+          <a:solidFill>
+            <a:schemeClr val="tx2">
+              <a:lumMod val="20000"/>
+              <a:lumOff val="80000"/>
+            </a:schemeClr>
+          </a:solidFill>
+        </p:grpSpPr>
+        <p:sp>
+          <p:nvSpPr>
+            <p:cNvPr id="9" name="Chevron 8"/>
+            <p:cNvSpPr/>
+            <p:nvPr/>
+          </p:nvSpPr>
+          <p:spPr>
+            <a:xfrm>
+              <a:off x="2508642" y="63030"/>
+              <a:ext cx="1500778" cy="600311"/>
+            </a:xfrm>
+            <a:prstGeom prst="chevron">
+              <a:avLst/>
+            </a:prstGeom>
+            <a:grpFill/>
+            <a:ln>
+              <a:noFill/>
+            </a:ln>
+          </p:spPr>
+          <p:style>
+            <a:lnRef idx="2">
+              <a:schemeClr val="accent1">
+                <a:alpha val="90000"/>
+                <a:tint val="40000"/>
+                <a:hueOff val="0"/>
+                <a:satOff val="0"/>
+                <a:lumOff val="0"/>
+                <a:alphaOff val="0"/>
+              </a:schemeClr>
+            </a:lnRef>
+            <a:fillRef idx="1">
+              <a:schemeClr val="accent1">
+                <a:alpha val="90000"/>
+                <a:tint val="40000"/>
+                <a:hueOff val="0"/>
+                <a:satOff val="0"/>
+                <a:lumOff val="0"/>
+                <a:alphaOff val="0"/>
+              </a:schemeClr>
+            </a:fillRef>
+            <a:effectRef idx="0">
+              <a:schemeClr val="accent1">
+                <a:alpha val="90000"/>
+                <a:tint val="40000"/>
+                <a:hueOff val="0"/>
+                <a:satOff val="0"/>
+                <a:lumOff val="0"/>
+                <a:alphaOff val="0"/>
+              </a:schemeClr>
+            </a:effectRef>
+            <a:fontRef idx="minor">
+              <a:schemeClr val="dk1">
+                <a:hueOff val="0"/>
+                <a:satOff val="0"/>
+                <a:lumOff val="0"/>
+                <a:alphaOff val="0"/>
+              </a:schemeClr>
+            </a:fontRef>
+          </p:style>
+        </p:sp>
+        <p:sp>
+          <p:nvSpPr>
+            <p:cNvPr id="10" name="Chevron 6"/>
+            <p:cNvSpPr/>
+            <p:nvPr/>
+          </p:nvSpPr>
+          <p:spPr>
+            <a:xfrm>
+              <a:off x="2808798" y="63030"/>
+              <a:ext cx="900467" cy="600311"/>
+            </a:xfrm>
+            <a:prstGeom prst="rect">
+              <a:avLst/>
+            </a:prstGeom>
+            <a:grpFill/>
+            <a:ln>
+              <a:noFill/>
+            </a:ln>
+          </p:spPr>
+          <p:style>
+            <a:lnRef idx="0">
+              <a:scrgbClr r="0" g="0" b="0"/>
+            </a:lnRef>
+            <a:fillRef idx="0">
+              <a:scrgbClr r="0" g="0" b="0"/>
+            </a:fillRef>
+            <a:effectRef idx="0">
+              <a:scrgbClr r="0" g="0" b="0"/>
+            </a:effectRef>
+            <a:fontRef idx="minor">
+              <a:schemeClr val="dk1">
+                <a:hueOff val="0"/>
+                <a:satOff val="0"/>
+                <a:lumOff val="0"/>
+                <a:alphaOff val="0"/>
+              </a:schemeClr>
+            </a:fontRef>
+          </p:style>
+          <p:txBody>
+            <a:bodyPr spcFirstLastPara="0" vert="horz" wrap="square" lIns="16510" tIns="8255" rIns="0" bIns="8255" numCol="1" spcCol="1270" anchor="ctr" anchorCtr="0">
+              <a:noAutofit/>
+            </a:bodyPr>
+            <a:lstStyle/>
+            <a:p>
+              <a:pPr lvl="0" algn="ctr" defTabSz="577850">
+                <a:lnSpc>
+                  <a:spcPct val="90000"/>
+                </a:lnSpc>
+                <a:spcBef>
+                  <a:spcPct val="0"/>
+                </a:spcBef>
+                <a:spcAft>
+                  <a:spcPct val="35000"/>
+                </a:spcAft>
+              </a:pPr>
+              <a:r>
+                <a:rPr lang="en-US" sz="1300" kern="1200" dirty="0" smtClean="0"/>
+                <a:t>Introducing Dead Ant</a:t>
+              </a:r>
+              <a:endParaRPr lang="en-US" sz="1300" kern="1200" dirty="0"/>
+            </a:p>
+          </p:txBody>
+        </p:sp>
+      </p:grpSp>
+      <p:grpSp>
+        <p:nvGrpSpPr>
+          <p:cNvPr id="11" name="Group 10"/>
+          <p:cNvGrpSpPr/>
+          <p:nvPr/>
+        </p:nvGrpSpPr>
+        <p:grpSpPr>
+          <a:xfrm>
+            <a:off x="4052876" y="153554"/>
+            <a:ext cx="1500778" cy="600311"/>
+            <a:chOff x="3799312" y="63030"/>
+            <a:chExt cx="1500778" cy="600311"/>
+          </a:xfrm>
+          <a:solidFill>
+            <a:schemeClr val="bg1">
+              <a:lumMod val="85000"/>
+            </a:schemeClr>
+          </a:solidFill>
+        </p:grpSpPr>
+        <p:sp>
+          <p:nvSpPr>
+            <p:cNvPr id="12" name="Chevron 11"/>
+            <p:cNvSpPr/>
+            <p:nvPr/>
+          </p:nvSpPr>
+          <p:spPr>
+            <a:xfrm>
+              <a:off x="3799312" y="63030"/>
+              <a:ext cx="1500778" cy="600311"/>
+            </a:xfrm>
+            <a:prstGeom prst="chevron">
+              <a:avLst/>
+            </a:prstGeom>
+            <a:grpFill/>
+            <a:ln>
+              <a:noFill/>
+            </a:ln>
+          </p:spPr>
+          <p:style>
+            <a:lnRef idx="2">
+              <a:schemeClr val="accent1">
+                <a:alpha val="90000"/>
+                <a:tint val="40000"/>
+                <a:hueOff val="0"/>
+                <a:satOff val="0"/>
+                <a:lumOff val="0"/>
+                <a:alphaOff val="0"/>
+              </a:schemeClr>
+            </a:lnRef>
+            <a:fillRef idx="1">
+              <a:schemeClr val="accent1">
+                <a:alpha val="90000"/>
+                <a:tint val="40000"/>
+                <a:hueOff val="0"/>
+                <a:satOff val="0"/>
+                <a:lumOff val="0"/>
+                <a:alphaOff val="0"/>
+              </a:schemeClr>
+            </a:fillRef>
+            <a:effectRef idx="0">
+              <a:schemeClr val="accent1">
+                <a:alpha val="90000"/>
+                <a:tint val="40000"/>
+                <a:hueOff val="0"/>
+                <a:satOff val="0"/>
+                <a:lumOff val="0"/>
+                <a:alphaOff val="0"/>
+              </a:schemeClr>
+            </a:effectRef>
+            <a:fontRef idx="minor">
+              <a:schemeClr val="dk1">
+                <a:hueOff val="0"/>
+                <a:satOff val="0"/>
+                <a:lumOff val="0"/>
+                <a:alphaOff val="0"/>
+              </a:schemeClr>
+            </a:fontRef>
+          </p:style>
+        </p:sp>
+        <p:sp>
+          <p:nvSpPr>
+            <p:cNvPr id="13" name="Chevron 8"/>
+            <p:cNvSpPr/>
+            <p:nvPr/>
+          </p:nvSpPr>
+          <p:spPr>
+            <a:xfrm>
+              <a:off x="4099468" y="63030"/>
+              <a:ext cx="900467" cy="600311"/>
+            </a:xfrm>
+            <a:prstGeom prst="rect">
+              <a:avLst/>
+            </a:prstGeom>
+            <a:grpFill/>
+            <a:ln>
+              <a:noFill/>
+            </a:ln>
+          </p:spPr>
+          <p:style>
+            <a:lnRef idx="0">
+              <a:scrgbClr r="0" g="0" b="0"/>
+            </a:lnRef>
+            <a:fillRef idx="0">
+              <a:scrgbClr r="0" g="0" b="0"/>
+            </a:fillRef>
+            <a:effectRef idx="0">
+              <a:scrgbClr r="0" g="0" b="0"/>
+            </a:effectRef>
+            <a:fontRef idx="minor">
+              <a:schemeClr val="dk1">
+                <a:hueOff val="0"/>
+                <a:satOff val="0"/>
+                <a:lumOff val="0"/>
+                <a:alphaOff val="0"/>
+              </a:schemeClr>
+            </a:fontRef>
+          </p:style>
+          <p:txBody>
+            <a:bodyPr spcFirstLastPara="0" vert="horz" wrap="square" lIns="16510" tIns="8255" rIns="0" bIns="8255" numCol="1" spcCol="1270" anchor="ctr" anchorCtr="0">
+              <a:noAutofit/>
+            </a:bodyPr>
+            <a:lstStyle/>
+            <a:p>
+              <a:pPr lvl="0" algn="ctr" defTabSz="577850">
+                <a:lnSpc>
+                  <a:spcPct val="90000"/>
+                </a:lnSpc>
+                <a:spcBef>
+                  <a:spcPct val="0"/>
+                </a:spcBef>
+                <a:spcAft>
+                  <a:spcPct val="35000"/>
+                </a:spcAft>
+              </a:pPr>
+              <a:r>
+                <a:rPr lang="en-US" sz="1300" kern="1200" dirty="0" smtClean="0"/>
+                <a:t>Determining close</a:t>
+              </a:r>
+              <a:endParaRPr lang="en-US" sz="1300" kern="1200" dirty="0"/>
+            </a:p>
+          </p:txBody>
+        </p:sp>
+      </p:grpSp>
+      <p:grpSp>
+        <p:nvGrpSpPr>
+          <p:cNvPr id="14" name="Group 13"/>
+          <p:cNvGrpSpPr/>
+          <p:nvPr/>
+        </p:nvGrpSpPr>
+        <p:grpSpPr>
+          <a:xfrm>
+            <a:off x="5343546" y="153554"/>
+            <a:ext cx="1500778" cy="600311"/>
+            <a:chOff x="5089982" y="63030"/>
+            <a:chExt cx="1500778" cy="600311"/>
+          </a:xfrm>
+          <a:solidFill>
+            <a:schemeClr val="tx2">
+              <a:lumMod val="20000"/>
+              <a:lumOff val="80000"/>
+            </a:schemeClr>
+          </a:solidFill>
+        </p:grpSpPr>
+        <p:sp>
+          <p:nvSpPr>
+            <p:cNvPr id="15" name="Chevron 14"/>
+            <p:cNvSpPr/>
+            <p:nvPr/>
+          </p:nvSpPr>
+          <p:spPr>
+            <a:xfrm>
+              <a:off x="5089982" y="63030"/>
+              <a:ext cx="1500778" cy="600311"/>
+            </a:xfrm>
+            <a:prstGeom prst="chevron">
+              <a:avLst/>
+            </a:prstGeom>
+            <a:grpFill/>
+            <a:ln>
+              <a:noFill/>
+            </a:ln>
+          </p:spPr>
+          <p:style>
+            <a:lnRef idx="2">
+              <a:schemeClr val="accent1">
+                <a:alpha val="90000"/>
+                <a:tint val="40000"/>
+                <a:hueOff val="0"/>
+                <a:satOff val="0"/>
+                <a:lumOff val="0"/>
+                <a:alphaOff val="0"/>
+              </a:schemeClr>
+            </a:lnRef>
+            <a:fillRef idx="1">
+              <a:schemeClr val="accent1">
+                <a:alpha val="90000"/>
+                <a:tint val="40000"/>
+                <a:hueOff val="0"/>
+                <a:satOff val="0"/>
+                <a:lumOff val="0"/>
+                <a:alphaOff val="0"/>
+              </a:schemeClr>
+            </a:fillRef>
+            <a:effectRef idx="0">
+              <a:schemeClr val="accent1">
+                <a:alpha val="90000"/>
+                <a:tint val="40000"/>
+                <a:hueOff val="0"/>
+                <a:satOff val="0"/>
+                <a:lumOff val="0"/>
+                <a:alphaOff val="0"/>
+              </a:schemeClr>
+            </a:effectRef>
+            <a:fontRef idx="minor">
+              <a:schemeClr val="dk1">
+                <a:hueOff val="0"/>
+                <a:satOff val="0"/>
+                <a:lumOff val="0"/>
+                <a:alphaOff val="0"/>
+              </a:schemeClr>
+            </a:fontRef>
+          </p:style>
+        </p:sp>
+        <p:sp>
+          <p:nvSpPr>
+            <p:cNvPr id="16" name="Chevron 10"/>
+            <p:cNvSpPr/>
+            <p:nvPr/>
+          </p:nvSpPr>
+          <p:spPr>
+            <a:xfrm>
+              <a:off x="5390138" y="63030"/>
+              <a:ext cx="900467" cy="600311"/>
+            </a:xfrm>
+            <a:prstGeom prst="rect">
+              <a:avLst/>
+            </a:prstGeom>
+            <a:grpFill/>
+            <a:ln>
+              <a:noFill/>
+            </a:ln>
+          </p:spPr>
+          <p:style>
+            <a:lnRef idx="0">
+              <a:scrgbClr r="0" g="0" b="0"/>
+            </a:lnRef>
+            <a:fillRef idx="0">
+              <a:scrgbClr r="0" g="0" b="0"/>
+            </a:fillRef>
+            <a:effectRef idx="0">
+              <a:scrgbClr r="0" g="0" b="0"/>
+            </a:effectRef>
+            <a:fontRef idx="minor">
+              <a:schemeClr val="dk1">
+                <a:hueOff val="0"/>
+                <a:satOff val="0"/>
+                <a:lumOff val="0"/>
+                <a:alphaOff val="0"/>
+              </a:schemeClr>
+            </a:fontRef>
+          </p:style>
+          <p:txBody>
+            <a:bodyPr spcFirstLastPara="0" vert="horz" wrap="square" lIns="16510" tIns="8255" rIns="0" bIns="8255" numCol="1" spcCol="1270" anchor="ctr" anchorCtr="0">
+              <a:noAutofit/>
+            </a:bodyPr>
+            <a:lstStyle/>
+            <a:p>
+              <a:pPr lvl="0" algn="ctr" defTabSz="577850">
+                <a:lnSpc>
+                  <a:spcPct val="90000"/>
+                </a:lnSpc>
+                <a:spcBef>
+                  <a:spcPct val="0"/>
+                </a:spcBef>
+                <a:spcAft>
+                  <a:spcPct val="35000"/>
+                </a:spcAft>
+              </a:pPr>
+              <a:r>
+                <a:rPr lang="en-US" sz="1300" kern="1200" dirty="0" smtClean="0"/>
+                <a:t>Mutation</a:t>
+              </a:r>
+              <a:endParaRPr lang="en-US" sz="1300" kern="1200" dirty="0"/>
+            </a:p>
+          </p:txBody>
+        </p:sp>
+      </p:grpSp>
+      <p:grpSp>
+        <p:nvGrpSpPr>
+          <p:cNvPr id="17" name="Group 16"/>
+          <p:cNvGrpSpPr/>
+          <p:nvPr/>
+        </p:nvGrpSpPr>
+        <p:grpSpPr>
+          <a:xfrm>
+            <a:off x="6634216" y="153554"/>
+            <a:ext cx="1500778" cy="600311"/>
+            <a:chOff x="6380652" y="63030"/>
+            <a:chExt cx="1500778" cy="600311"/>
+          </a:xfrm>
+          <a:solidFill>
+            <a:schemeClr val="tx2">
+              <a:lumMod val="20000"/>
+              <a:lumOff val="80000"/>
+            </a:schemeClr>
+          </a:solidFill>
+        </p:grpSpPr>
+        <p:sp>
+          <p:nvSpPr>
+            <p:cNvPr id="18" name="Chevron 17"/>
+            <p:cNvSpPr/>
+            <p:nvPr/>
+          </p:nvSpPr>
+          <p:spPr>
+            <a:xfrm>
+              <a:off x="6380652" y="63030"/>
+              <a:ext cx="1500778" cy="600311"/>
+            </a:xfrm>
+            <a:prstGeom prst="chevron">
+              <a:avLst/>
+            </a:prstGeom>
+            <a:grpFill/>
+            <a:ln>
+              <a:noFill/>
+            </a:ln>
+          </p:spPr>
+          <p:style>
+            <a:lnRef idx="2">
+              <a:schemeClr val="accent1">
+                <a:alpha val="90000"/>
+                <a:tint val="40000"/>
+                <a:hueOff val="0"/>
+                <a:satOff val="0"/>
+                <a:lumOff val="0"/>
+                <a:alphaOff val="0"/>
+              </a:schemeClr>
+            </a:lnRef>
+            <a:fillRef idx="1">
+              <a:schemeClr val="accent1">
+                <a:alpha val="90000"/>
+                <a:tint val="40000"/>
+                <a:hueOff val="0"/>
+                <a:satOff val="0"/>
+                <a:lumOff val="0"/>
+                <a:alphaOff val="0"/>
+              </a:schemeClr>
+            </a:fillRef>
+            <a:effectRef idx="0">
+              <a:schemeClr val="accent1">
+                <a:alpha val="90000"/>
+                <a:tint val="40000"/>
+                <a:hueOff val="0"/>
+                <a:satOff val="0"/>
+                <a:lumOff val="0"/>
+                <a:alphaOff val="0"/>
+              </a:schemeClr>
+            </a:effectRef>
+            <a:fontRef idx="minor">
+              <a:schemeClr val="dk1">
+                <a:hueOff val="0"/>
+                <a:satOff val="0"/>
+                <a:lumOff val="0"/>
+                <a:alphaOff val="0"/>
+              </a:schemeClr>
+            </a:fontRef>
+          </p:style>
+        </p:sp>
+        <p:sp>
+          <p:nvSpPr>
+            <p:cNvPr id="19" name="Chevron 12"/>
+            <p:cNvSpPr/>
+            <p:nvPr/>
+          </p:nvSpPr>
+          <p:spPr>
+            <a:xfrm>
+              <a:off x="6680808" y="63030"/>
+              <a:ext cx="900467" cy="600311"/>
+            </a:xfrm>
+            <a:prstGeom prst="rect">
+              <a:avLst/>
+            </a:prstGeom>
+            <a:grpFill/>
+            <a:ln>
+              <a:noFill/>
+            </a:ln>
           </p:spPr>
           <p:style>
             <a:lnRef idx="0">
@@ -14290,7 +14426,7 @@
         </p:nvSpPr>
         <p:spPr>
           <a:xfrm>
-            <a:off x="0" y="6356350"/>
+            <a:off x="0" y="6488697"/>
             <a:ext cx="9144000" cy="365125"/>
           </a:xfrm>
         </p:spPr>
@@ -14335,6 +14471,9 @@
             <a:prstGeom prst="chevron">
               <a:avLst/>
             </a:prstGeom>
+            <a:ln>
+              <a:noFill/>
+            </a:ln>
           </p:spPr>
           <p:style>
             <a:lnRef idx="2">
@@ -14380,6 +14519,9 @@
             <a:prstGeom prst="rect">
               <a:avLst/>
             </a:prstGeom>
+            <a:ln>
+              <a:noFill/>
+            </a:ln>
           </p:spPr>
           <p:style>
             <a:lnRef idx="0">
@@ -14435,8 +14577,9 @@
             <a:chExt cx="1500778" cy="600311"/>
           </a:xfrm>
           <a:solidFill>
-            <a:schemeClr val="bg1">
-              <a:lumMod val="85000"/>
+            <a:schemeClr val="tx2">
+              <a:lumMod val="20000"/>
+              <a:lumOff val="80000"/>
             </a:schemeClr>
           </a:solidFill>
         </p:grpSpPr>
@@ -14456,11 +14599,7 @@
             </a:prstGeom>
             <a:grpFill/>
             <a:ln>
-              <a:solidFill>
-                <a:schemeClr val="bg1">
-                  <a:lumMod val="85000"/>
-                </a:schemeClr>
-              </a:solidFill>
+              <a:noFill/>
             </a:ln>
           </p:spPr>
           <p:style>
@@ -14520,11 +14659,7 @@
             </a:prstGeom>
             <a:grpFill/>
             <a:ln>
-              <a:solidFill>
-                <a:schemeClr val="bg1">
-                  <a:lumMod val="85000"/>
-                </a:schemeClr>
-              </a:solidFill>
+              <a:noFill/>
             </a:ln>
           </p:spPr>
           <p:style>
@@ -14585,6 +14720,12 @@
             <a:chOff x="3799312" y="63030"/>
             <a:chExt cx="1500778" cy="600311"/>
           </a:xfrm>
+          <a:solidFill>
+            <a:schemeClr val="tx2">
+              <a:lumMod val="20000"/>
+              <a:lumOff val="80000"/>
+            </a:schemeClr>
+          </a:solidFill>
         </p:grpSpPr>
         <p:sp>
           <p:nvSpPr>
@@ -14600,6 +14741,10 @@
             <a:prstGeom prst="chevron">
               <a:avLst/>
             </a:prstGeom>
+            <a:grpFill/>
+            <a:ln>
+              <a:noFill/>
+            </a:ln>
           </p:spPr>
           <p:style>
             <a:lnRef idx="2">
@@ -14656,6 +14801,10 @@
             <a:prstGeom prst="rect">
               <a:avLst/>
             </a:prstGeom>
+            <a:grpFill/>
+            <a:ln>
+              <a:noFill/>
+            </a:ln>
           </p:spPr>
           <p:style>
             <a:lnRef idx="0">
@@ -14715,6 +14864,11 @@
             <a:chOff x="5089982" y="63030"/>
             <a:chExt cx="1500778" cy="600311"/>
           </a:xfrm>
+          <a:solidFill>
+            <a:schemeClr val="bg1">
+              <a:lumMod val="85000"/>
+            </a:schemeClr>
+          </a:solidFill>
         </p:grpSpPr>
         <p:sp>
           <p:nvSpPr>
@@ -14730,6 +14884,10 @@
             <a:prstGeom prst="chevron">
               <a:avLst/>
             </a:prstGeom>
+            <a:grpFill/>
+            <a:ln>
+              <a:noFill/>
+            </a:ln>
           </p:spPr>
           <p:style>
             <a:lnRef idx="2">
@@ -14786,6 +14944,10 @@
             <a:prstGeom prst="rect">
               <a:avLst/>
             </a:prstGeom>
+            <a:grpFill/>
+            <a:ln>
+              <a:noFill/>
+            </a:ln>
           </p:spPr>
           <p:style>
             <a:lnRef idx="0">
@@ -14845,6 +15007,12 @@
             <a:chOff x="6380652" y="63030"/>
             <a:chExt cx="1500778" cy="600311"/>
           </a:xfrm>
+          <a:solidFill>
+            <a:schemeClr val="tx2">
+              <a:lumMod val="20000"/>
+              <a:lumOff val="80000"/>
+            </a:schemeClr>
+          </a:solidFill>
         </p:grpSpPr>
         <p:sp>
           <p:nvSpPr>
@@ -14860,6 +15028,10 @@
             <a:prstGeom prst="chevron">
               <a:avLst/>
             </a:prstGeom>
+            <a:grpFill/>
+            <a:ln>
+              <a:noFill/>
+            </a:ln>
           </p:spPr>
           <p:style>
             <a:lnRef idx="2">
@@ -14916,6 +15088,10 @@
             <a:prstGeom prst="rect">
               <a:avLst/>
             </a:prstGeom>
+            <a:grpFill/>
+            <a:ln>
+              <a:noFill/>
+            </a:ln>
           </p:spPr>
           <p:style>
             <a:lnRef idx="0">
@@ -15186,6 +15362,9 @@
             <a:prstGeom prst="chevron">
               <a:avLst/>
             </a:prstGeom>
+            <a:ln>
+              <a:noFill/>
+            </a:ln>
           </p:spPr>
           <p:style>
             <a:lnRef idx="2">
@@ -15231,6 +15410,9 @@
             <a:prstGeom prst="rect">
               <a:avLst/>
             </a:prstGeom>
+            <a:ln>
+              <a:noFill/>
+            </a:ln>
           </p:spPr>
           <p:style>
             <a:lnRef idx="0">
@@ -15286,8 +15468,9 @@
             <a:chExt cx="1500778" cy="600311"/>
           </a:xfrm>
           <a:solidFill>
-            <a:schemeClr val="bg1">
-              <a:lumMod val="85000"/>
+            <a:schemeClr val="tx2">
+              <a:lumMod val="20000"/>
+              <a:lumOff val="80000"/>
             </a:schemeClr>
           </a:solidFill>
         </p:grpSpPr>
@@ -15307,11 +15490,7 @@
             </a:prstGeom>
             <a:grpFill/>
             <a:ln>
-              <a:solidFill>
-                <a:schemeClr val="bg1">
-                  <a:lumMod val="85000"/>
-                </a:schemeClr>
-              </a:solidFill>
+              <a:noFill/>
             </a:ln>
           </p:spPr>
           <p:style>
@@ -15371,11 +15550,7 @@
             </a:prstGeom>
             <a:grpFill/>
             <a:ln>
-              <a:solidFill>
-                <a:schemeClr val="bg1">
-                  <a:lumMod val="85000"/>
-                </a:schemeClr>
-              </a:solidFill>
+              <a:noFill/>
             </a:ln>
           </p:spPr>
           <p:style>
@@ -15436,6 +15611,12 @@
             <a:chOff x="3799312" y="63030"/>
             <a:chExt cx="1500778" cy="600311"/>
           </a:xfrm>
+          <a:solidFill>
+            <a:schemeClr val="tx2">
+              <a:lumMod val="20000"/>
+              <a:lumOff val="80000"/>
+            </a:schemeClr>
+          </a:solidFill>
         </p:grpSpPr>
         <p:sp>
           <p:nvSpPr>
@@ -15451,6 +15632,10 @@
             <a:prstGeom prst="chevron">
               <a:avLst/>
             </a:prstGeom>
+            <a:grpFill/>
+            <a:ln>
+              <a:noFill/>
+            </a:ln>
           </p:spPr>
           <p:style>
             <a:lnRef idx="2">
@@ -15507,6 +15692,10 @@
             <a:prstGeom prst="rect">
               <a:avLst/>
             </a:prstGeom>
+            <a:grpFill/>
+            <a:ln>
+              <a:noFill/>
+            </a:ln>
           </p:spPr>
           <p:style>
             <a:lnRef idx="0">
@@ -15566,6 +15755,12 @@
             <a:chOff x="5089982" y="63030"/>
             <a:chExt cx="1500778" cy="600311"/>
           </a:xfrm>
+          <a:solidFill>
+            <a:schemeClr val="tx2">
+              <a:lumMod val="20000"/>
+              <a:lumOff val="80000"/>
+            </a:schemeClr>
+          </a:solidFill>
         </p:grpSpPr>
         <p:sp>
           <p:nvSpPr>
@@ -15581,6 +15776,10 @@
             <a:prstGeom prst="chevron">
               <a:avLst/>
             </a:prstGeom>
+            <a:grpFill/>
+            <a:ln>
+              <a:noFill/>
+            </a:ln>
           </p:spPr>
           <p:style>
             <a:lnRef idx="2">
@@ -15637,6 +15836,10 @@
             <a:prstGeom prst="rect">
               <a:avLst/>
             </a:prstGeom>
+            <a:grpFill/>
+            <a:ln>
+              <a:noFill/>
+            </a:ln>
           </p:spPr>
           <p:style>
             <a:lnRef idx="0">
@@ -15696,6 +15899,11 @@
             <a:chOff x="6380652" y="63030"/>
             <a:chExt cx="1500778" cy="600311"/>
           </a:xfrm>
+          <a:solidFill>
+            <a:schemeClr val="bg1">
+              <a:lumMod val="85000"/>
+            </a:schemeClr>
+          </a:solidFill>
         </p:grpSpPr>
         <p:sp>
           <p:nvSpPr>
@@ -15711,6 +15919,10 @@
             <a:prstGeom prst="chevron">
               <a:avLst/>
             </a:prstGeom>
+            <a:grpFill/>
+            <a:ln>
+              <a:noFill/>
+            </a:ln>
           </p:spPr>
           <p:style>
             <a:lnRef idx="2">
@@ -15767,6 +15979,10 @@
             <a:prstGeom prst="rect">
               <a:avLst/>
             </a:prstGeom>
+            <a:grpFill/>
+            <a:ln>
+              <a:noFill/>
+            </a:ln>
           </p:spPr>
           <p:style>
             <a:lnRef idx="0">

--- a/DEADANT/deadAnt.pptx
+++ b/DEADANT/deadAnt.pptx
@@ -1050,43 +1050,6 @@
         </a:p>
       </dgm:t>
     </dgm:pt>
-    <dgm:pt modelId="{0631099D-5047-4C59-8F65-7BE2C25A51AC}">
-      <dgm:prSet phldrT="[Text]"/>
-      <dgm:spPr/>
-      <dgm:t>
-        <a:bodyPr/>
-        <a:lstStyle/>
-        <a:p>
-          <a:r>
-            <a:rPr lang="en-US" dirty="0" smtClean="0"/>
-            <a:t>Models</a:t>
-          </a:r>
-          <a:endParaRPr lang="en-US" dirty="0"/>
-        </a:p>
-      </dgm:t>
-    </dgm:pt>
-    <dgm:pt modelId="{0B1DA698-6413-49F4-ADBE-A13CBE8CE468}" type="parTrans" cxnId="{8BE7F654-8CB6-4B4D-9323-2EF6C13B629A}">
-      <dgm:prSet/>
-      <dgm:spPr/>
-      <dgm:t>
-        <a:bodyPr/>
-        <a:lstStyle/>
-        <a:p>
-          <a:endParaRPr lang="en-US"/>
-        </a:p>
-      </dgm:t>
-    </dgm:pt>
-    <dgm:pt modelId="{CB8F8FE8-2A6D-44B4-A43E-0858C743DA0F}" type="sibTrans" cxnId="{8BE7F654-8CB6-4B4D-9323-2EF6C13B629A}">
-      <dgm:prSet/>
-      <dgm:spPr/>
-      <dgm:t>
-        <a:bodyPr/>
-        <a:lstStyle/>
-        <a:p>
-          <a:endParaRPr lang="en-US"/>
-        </a:p>
-      </dgm:t>
-    </dgm:pt>
     <dgm:pt modelId="{22C9B715-CC1A-4034-B219-45C2F9783C94}">
       <dgm:prSet phldrT="[Text]"/>
       <dgm:spPr/>
@@ -1457,80 +1420,6 @@
         </a:p>
       </dgm:t>
     </dgm:pt>
-    <dgm:pt modelId="{FCFB91DF-C731-4CC6-8C14-ED9A822C12D7}">
-      <dgm:prSet phldrT="[Text]"/>
-      <dgm:spPr/>
-      <dgm:t>
-        <a:bodyPr/>
-        <a:lstStyle/>
-        <a:p>
-          <a:r>
-            <a:rPr lang="en-US" dirty="0" smtClean="0"/>
-            <a:t>Lab Models</a:t>
-          </a:r>
-          <a:endParaRPr lang="en-US" dirty="0"/>
-        </a:p>
-      </dgm:t>
-    </dgm:pt>
-    <dgm:pt modelId="{D67344EA-D441-45F6-9D23-7C59C9DBB98F}" type="parTrans" cxnId="{1375761B-31B3-4F78-A30D-724EB0A3FBE3}">
-      <dgm:prSet/>
-      <dgm:spPr/>
-      <dgm:t>
-        <a:bodyPr/>
-        <a:lstStyle/>
-        <a:p>
-          <a:endParaRPr lang="en-US"/>
-        </a:p>
-      </dgm:t>
-    </dgm:pt>
-    <dgm:pt modelId="{036FED77-7095-4BD8-99EB-FF1152DCAD9B}" type="sibTrans" cxnId="{1375761B-31B3-4F78-A30D-724EB0A3FBE3}">
-      <dgm:prSet/>
-      <dgm:spPr/>
-      <dgm:t>
-        <a:bodyPr/>
-        <a:lstStyle/>
-        <a:p>
-          <a:endParaRPr lang="en-US"/>
-        </a:p>
-      </dgm:t>
-    </dgm:pt>
-    <dgm:pt modelId="{2273F28B-4D9C-4126-A961-2FF62379CC5D}">
-      <dgm:prSet phldrT="[Text]"/>
-      <dgm:spPr/>
-      <dgm:t>
-        <a:bodyPr/>
-        <a:lstStyle/>
-        <a:p>
-          <a:r>
-            <a:rPr lang="en-US" dirty="0" smtClean="0"/>
-            <a:t>Standard Software Engineering models</a:t>
-          </a:r>
-          <a:endParaRPr lang="en-US" dirty="0"/>
-        </a:p>
-      </dgm:t>
-    </dgm:pt>
-    <dgm:pt modelId="{14148C52-B216-4E61-B303-F70D2BBDCED3}" type="parTrans" cxnId="{D9BB1A3F-092D-43C4-9B0A-DA3D8F0326DF}">
-      <dgm:prSet/>
-      <dgm:spPr/>
-      <dgm:t>
-        <a:bodyPr/>
-        <a:lstStyle/>
-        <a:p>
-          <a:endParaRPr lang="en-US"/>
-        </a:p>
-      </dgm:t>
-    </dgm:pt>
-    <dgm:pt modelId="{C2B8CF0F-8D15-45C8-838C-2308D635774A}" type="sibTrans" cxnId="{D9BB1A3F-092D-43C4-9B0A-DA3D8F0326DF}">
-      <dgm:prSet/>
-      <dgm:spPr/>
-      <dgm:t>
-        <a:bodyPr/>
-        <a:lstStyle/>
-        <a:p>
-          <a:endParaRPr lang="en-US"/>
-        </a:p>
-      </dgm:t>
-    </dgm:pt>
     <dgm:pt modelId="{A288BCD2-AFA9-42B2-886C-03D9E73B7E90}">
       <dgm:prSet phldrT="[Text]"/>
       <dgm:spPr/>
@@ -1558,6 +1447,117 @@
       </dgm:t>
     </dgm:pt>
     <dgm:pt modelId="{A844707C-4A5F-43AF-B2A9-92CC6CE92B71}" type="sibTrans" cxnId="{7C5FC874-32A9-4F4C-9B73-623CB8B64620}">
+      <dgm:prSet/>
+      <dgm:spPr/>
+      <dgm:t>
+        <a:bodyPr/>
+        <a:lstStyle/>
+        <a:p>
+          <a:endParaRPr lang="en-US"/>
+        </a:p>
+      </dgm:t>
+    </dgm:pt>
+    <dgm:pt modelId="{2273F28B-4D9C-4126-A961-2FF62379CC5D}">
+      <dgm:prSet phldrT="[Text]"/>
+      <dgm:spPr/>
+      <dgm:t>
+        <a:bodyPr/>
+        <a:lstStyle/>
+        <a:p>
+          <a:r>
+            <a:rPr lang="en-US" dirty="0" smtClean="0"/>
+            <a:t>Real-world models</a:t>
+          </a:r>
+          <a:endParaRPr lang="en-US" dirty="0"/>
+        </a:p>
+      </dgm:t>
+    </dgm:pt>
+    <dgm:pt modelId="{FCFB91DF-C731-4CC6-8C14-ED9A822C12D7}">
+      <dgm:prSet phldrT="[Text]"/>
+      <dgm:spPr/>
+      <dgm:t>
+        <a:bodyPr/>
+        <a:lstStyle/>
+        <a:p>
+          <a:r>
+            <a:rPr lang="en-US" dirty="0" smtClean="0"/>
+            <a:t>Standard Models</a:t>
+          </a:r>
+          <a:endParaRPr lang="en-US" dirty="0"/>
+        </a:p>
+      </dgm:t>
+    </dgm:pt>
+    <dgm:pt modelId="{0631099D-5047-4C59-8F65-7BE2C25A51AC}">
+      <dgm:prSet phldrT="[Text]"/>
+      <dgm:spPr/>
+      <dgm:t>
+        <a:bodyPr/>
+        <a:lstStyle/>
+        <a:p>
+          <a:r>
+            <a:rPr lang="en-US" dirty="0" smtClean="0"/>
+            <a:t>Models</a:t>
+          </a:r>
+          <a:endParaRPr lang="en-US" dirty="0"/>
+        </a:p>
+      </dgm:t>
+    </dgm:pt>
+    <dgm:pt modelId="{CB8F8FE8-2A6D-44B4-A43E-0858C743DA0F}" type="sibTrans" cxnId="{8BE7F654-8CB6-4B4D-9323-2EF6C13B629A}">
+      <dgm:prSet/>
+      <dgm:spPr/>
+      <dgm:t>
+        <a:bodyPr/>
+        <a:lstStyle/>
+        <a:p>
+          <a:endParaRPr lang="en-US"/>
+        </a:p>
+      </dgm:t>
+    </dgm:pt>
+    <dgm:pt modelId="{0B1DA698-6413-49F4-ADBE-A13CBE8CE468}" type="parTrans" cxnId="{8BE7F654-8CB6-4B4D-9323-2EF6C13B629A}">
+      <dgm:prSet/>
+      <dgm:spPr/>
+      <dgm:t>
+        <a:bodyPr/>
+        <a:lstStyle/>
+        <a:p>
+          <a:endParaRPr lang="en-US"/>
+        </a:p>
+      </dgm:t>
+    </dgm:pt>
+    <dgm:pt modelId="{C2B8CF0F-8D15-45C8-838C-2308D635774A}" type="sibTrans" cxnId="{D9BB1A3F-092D-43C4-9B0A-DA3D8F0326DF}">
+      <dgm:prSet/>
+      <dgm:spPr/>
+      <dgm:t>
+        <a:bodyPr/>
+        <a:lstStyle/>
+        <a:p>
+          <a:endParaRPr lang="en-US"/>
+        </a:p>
+      </dgm:t>
+    </dgm:pt>
+    <dgm:pt modelId="{14148C52-B216-4E61-B303-F70D2BBDCED3}" type="parTrans" cxnId="{D9BB1A3F-092D-43C4-9B0A-DA3D8F0326DF}">
+      <dgm:prSet/>
+      <dgm:spPr/>
+      <dgm:t>
+        <a:bodyPr/>
+        <a:lstStyle/>
+        <a:p>
+          <a:endParaRPr lang="en-US"/>
+        </a:p>
+      </dgm:t>
+    </dgm:pt>
+    <dgm:pt modelId="{036FED77-7095-4BD8-99EB-FF1152DCAD9B}" type="sibTrans" cxnId="{1375761B-31B3-4F78-A30D-724EB0A3FBE3}">
+      <dgm:prSet/>
+      <dgm:spPr/>
+      <dgm:t>
+        <a:bodyPr/>
+        <a:lstStyle/>
+        <a:p>
+          <a:endParaRPr lang="en-US"/>
+        </a:p>
+      </dgm:t>
+    </dgm:pt>
+    <dgm:pt modelId="{D67344EA-D441-45F6-9D23-7C59C9DBB98F}" type="parTrans" cxnId="{1375761B-31B3-4F78-A30D-724EB0A3FBE3}">
       <dgm:prSet/>
       <dgm:spPr/>
       <dgm:t>
@@ -1933,8 +1933,8 @@
     <dgm:cxn modelId="{405ED81E-BEF4-4763-8F6B-0A101CDB9371}" srcId="{9DD0AB8C-80BE-47F5-BF6F-26E357CA90B5}" destId="{FFCF19BC-C3E4-47F4-9979-945C21DB0B8E}" srcOrd="1" destOrd="0" parTransId="{81D4C63F-47FA-4CDD-9EB8-A50618CEA00D}" sibTransId="{65861B45-7A1B-40CA-8D26-B1B9007B77BD}"/>
     <dgm:cxn modelId="{B054EF0B-6CAB-4834-BB24-EE5FF1BA5AD4}" srcId="{5554675B-6030-4514-B76D-0B104699CB7D}" destId="{3CFC32B3-0075-4F73-9D90-F80DF1A036B0}" srcOrd="0" destOrd="0" parTransId="{78338A9E-1B2A-48CA-9D95-6EE0F2C7DD94}" sibTransId="{2BBE5AEF-ED4D-4C70-BD86-366B05F4285C}"/>
     <dgm:cxn modelId="{A772597B-F626-4414-ADF0-0F9220B6C3D3}" type="presOf" srcId="{693E8AED-10CF-43AE-ABCD-1CF66FC51E15}" destId="{B4F466BD-F413-45A2-960C-C1E1653C4C10}" srcOrd="0" destOrd="0" presId="urn:microsoft.com/office/officeart/2005/8/layout/lProcess3"/>
+    <dgm:cxn modelId="{F3050ACA-D1FA-4A81-B4C0-C132A8DB2E30}" type="presOf" srcId="{A288BCD2-AFA9-42B2-886C-03D9E73B7E90}" destId="{31F65324-FEE7-475A-8CD4-4C4A40847595}" srcOrd="0" destOrd="0" presId="urn:microsoft.com/office/officeart/2005/8/layout/lProcess3"/>
     <dgm:cxn modelId="{719C9742-3BA9-4C7E-8AE9-F2611A1634AF}" type="presOf" srcId="{0631099D-5047-4C59-8F65-7BE2C25A51AC}" destId="{0AF5FB5D-D46E-4A96-8B4E-E396EE6C1E4E}" srcOrd="0" destOrd="0" presId="urn:microsoft.com/office/officeart/2005/8/layout/lProcess3"/>
-    <dgm:cxn modelId="{F3050ACA-D1FA-4A81-B4C0-C132A8DB2E30}" type="presOf" srcId="{A288BCD2-AFA9-42B2-886C-03D9E73B7E90}" destId="{31F65324-FEE7-475A-8CD4-4C4A40847595}" srcOrd="0" destOrd="0" presId="urn:microsoft.com/office/officeart/2005/8/layout/lProcess3"/>
     <dgm:cxn modelId="{C3C1E662-31F2-49D4-AC0C-E797B5BC2B37}" type="presOf" srcId="{FCFB91DF-C731-4CC6-8C14-ED9A822C12D7}" destId="{60E3E358-FBC4-447E-9E77-FBD8556DF755}" srcOrd="0" destOrd="0" presId="urn:microsoft.com/office/officeart/2005/8/layout/lProcess3"/>
     <dgm:cxn modelId="{0913EF34-AFC8-450E-99EA-A71705FA6A04}" type="presOf" srcId="{444E5183-7A6B-446D-AA82-925892368028}" destId="{51003B77-5FFE-4D38-B24E-6D513F4FA35D}" srcOrd="0" destOrd="0" presId="urn:microsoft.com/office/officeart/2005/8/layout/lProcess3"/>
     <dgm:cxn modelId="{1375761B-31B3-4F78-A30D-724EB0A3FBE3}" srcId="{0631099D-5047-4C59-8F65-7BE2C25A51AC}" destId="{FCFB91DF-C731-4CC6-8C14-ED9A822C12D7}" srcOrd="0" destOrd="0" parTransId="{D67344EA-D441-45F6-9D23-7C59C9DBB98F}" sibTransId="{036FED77-7095-4BD8-99EB-FF1152DCAD9B}"/>
@@ -2718,7 +2718,7 @@
           </a:pPr>
           <a:r>
             <a:rPr lang="en-US" sz="1300" kern="1200" dirty="0" smtClean="0"/>
-            <a:t>Lab Models</a:t>
+            <a:t>Standard Models</a:t>
           </a:r>
           <a:endParaRPr lang="en-US" sz="1300" kern="1200" dirty="0"/>
         </a:p>
@@ -2797,7 +2797,7 @@
           </a:pPr>
           <a:r>
             <a:rPr lang="en-US" sz="1300" kern="1200" dirty="0" smtClean="0"/>
-            <a:t>Standard Software Engineering models</a:t>
+            <a:t>Real-world models</a:t>
           </a:r>
           <a:endParaRPr lang="en-US" sz="1300" kern="1200" dirty="0"/>
         </a:p>
@@ -5355,6 +5355,90 @@
 </file>
 
 <file path=ppt/notesSlides/notesSlide4.xml><?xml version="1.0" encoding="utf-8"?>
+<p:notes xmlns:a="http://schemas.openxmlformats.org/drawingml/2006/main" xmlns:r="http://schemas.openxmlformats.org/officeDocument/2006/relationships" xmlns:p="http://schemas.openxmlformats.org/presentationml/2006/main">
+  <p:cSld>
+    <p:spTree>
+      <p:nvGrpSpPr>
+        <p:cNvPr id="1" name=""/>
+        <p:cNvGrpSpPr/>
+        <p:nvPr/>
+      </p:nvGrpSpPr>
+      <p:grpSpPr>
+        <a:xfrm>
+          <a:off x="0" y="0"/>
+          <a:ext cx="0" cy="0"/>
+          <a:chOff x="0" y="0"/>
+          <a:chExt cx="0" cy="0"/>
+        </a:xfrm>
+      </p:grpSpPr>
+      <p:sp>
+        <p:nvSpPr>
+          <p:cNvPr id="2" name="Slide Image Placeholder 1"/>
+          <p:cNvSpPr>
+            <a:spLocks noGrp="1" noRot="1" noChangeAspect="1"/>
+          </p:cNvSpPr>
+          <p:nvPr>
+            <p:ph type="sldImg"/>
+          </p:nvPr>
+        </p:nvSpPr>
+        <p:spPr/>
+      </p:sp>
+      <p:sp>
+        <p:nvSpPr>
+          <p:cNvPr id="3" name="Notes Placeholder 2"/>
+          <p:cNvSpPr>
+            <a:spLocks noGrp="1"/>
+          </p:cNvSpPr>
+          <p:nvPr>
+            <p:ph type="body" idx="1"/>
+          </p:nvPr>
+        </p:nvSpPr>
+        <p:spPr/>
+        <p:txBody>
+          <a:bodyPr/>
+          <a:lstStyle/>
+          <a:p>
+            <a:endParaRPr lang="en-US"/>
+          </a:p>
+        </p:txBody>
+      </p:sp>
+      <p:sp>
+        <p:nvSpPr>
+          <p:cNvPr id="4" name="Slide Number Placeholder 3"/>
+          <p:cNvSpPr>
+            <a:spLocks noGrp="1"/>
+          </p:cNvSpPr>
+          <p:nvPr>
+            <p:ph type="sldNum" sz="quarter" idx="10"/>
+          </p:nvPr>
+        </p:nvSpPr>
+        <p:spPr/>
+        <p:txBody>
+          <a:bodyPr/>
+          <a:lstStyle/>
+          <a:p>
+            <a:fld id="{43AA419B-D3AB-F049-9FFF-080EAE3F7483}" type="slidenum">
+              <a:rPr lang="en-US" smtClean="0"/>
+              <a:t>8</a:t>
+            </a:fld>
+            <a:endParaRPr lang="en-US"/>
+          </a:p>
+        </p:txBody>
+      </p:sp>
+    </p:spTree>
+    <p:extLst>
+      <p:ext uri="{BB962C8B-B14F-4D97-AF65-F5344CB8AC3E}">
+        <p14:creationId xmlns:p14="http://schemas.microsoft.com/office/powerpoint/2010/main" val="633897224"/>
+      </p:ext>
+    </p:extLst>
+  </p:cSld>
+  <p:clrMapOvr>
+    <a:masterClrMapping/>
+  </p:clrMapOvr>
+</p:notes>
+</file>
+
+<file path=ppt/notesSlides/notesSlide5.xml><?xml version="1.0" encoding="utf-8"?>
 <p:notes xmlns:a="http://schemas.openxmlformats.org/drawingml/2006/main" xmlns:r="http://schemas.openxmlformats.org/officeDocument/2006/relationships" xmlns:p="http://schemas.openxmlformats.org/presentationml/2006/main">
   <p:cSld>
     <p:spTree>
@@ -8572,29 +8656,6 @@
           <a:chExt cx="0" cy="0"/>
         </a:xfrm>
       </p:grpSpPr>
-      <p:sp>
-        <p:nvSpPr>
-          <p:cNvPr id="2" name="Title 1"/>
-          <p:cNvSpPr>
-            <a:spLocks noGrp="1"/>
-          </p:cNvSpPr>
-          <p:nvPr>
-            <p:ph type="title"/>
-          </p:nvPr>
-        </p:nvSpPr>
-        <p:spPr/>
-        <p:txBody>
-          <a:bodyPr/>
-          <a:lstStyle/>
-          <a:p>
-            <a:r>
-              <a:rPr lang="en-US" dirty="0" smtClean="0"/>
-              <a:t>Objective Scores</a:t>
-            </a:r>
-            <a:endParaRPr lang="en-US" dirty="0"/>
-          </a:p>
-        </p:txBody>
-      </p:sp>
       <p:graphicFrame>
         <p:nvGraphicFramePr>
           <p:cNvPr id="4" name="Content Placeholder 3"/>
@@ -8605,7 +8666,7 @@
             <p:ph idx="1"/>
             <p:extLst>
               <p:ext uri="{D42A27DB-BD31-4B8C-83A1-F6EECF244321}">
-                <p14:modId xmlns:p14="http://schemas.microsoft.com/office/powerpoint/2010/main" val="3360913797"/>
+                <p14:modId xmlns:p14="http://schemas.microsoft.com/office/powerpoint/2010/main" val="1789183655"/>
               </p:ext>
             </p:extLst>
           </p:nvPr>
@@ -9350,7 +9411,7 @@
                         <a:rPr lang="en-US" sz="1600" u="none" strike="noStrike" dirty="0" smtClean="0">
                           <a:effectLst/>
                         </a:rPr>
-                        <a:t>0.11</a:t>
+                        <a:t>0.17</a:t>
                       </a:r>
                       <a:endParaRPr lang="en-US" sz="1600" b="0" i="0" u="none" strike="noStrike" dirty="0">
                         <a:solidFill>
@@ -9414,7 +9475,7 @@
                           <a:effectLst/>
                           <a:latin typeface="Calibri"/>
                         </a:rPr>
-                        <a:t>0.143</a:t>
+                        <a:t>0.093</a:t>
                       </a:r>
                       <a:endParaRPr lang="en-US" sz="1600" b="0" i="0" u="none" strike="noStrike" dirty="0">
                         <a:solidFill>
@@ -9537,6 +9598,11 @@
                     <a:bodyPr/>
                     <a:lstStyle/>
                     <a:p>
+                      <a:pPr algn="ctr"/>
+                      <a:r>
+                        <a:rPr lang="en-US" dirty="0" smtClean="0"/>
+                        <a:t>0.06</a:t>
+                      </a:r>
                       <a:endParaRPr lang="en-US" dirty="0"/>
                     </a:p>
                   </a:txBody>
@@ -9584,7 +9650,12 @@
                     <a:bodyPr/>
                     <a:lstStyle/>
                     <a:p>
-                      <a:endParaRPr lang="en-US"/>
+                      <a:pPr algn="ctr"/>
+                      <a:r>
+                        <a:rPr lang="en-US" dirty="0" smtClean="0"/>
+                        <a:t>0.05</a:t>
+                      </a:r>
+                      <a:endParaRPr lang="en-US" dirty="0"/>
                     </a:p>
                   </a:txBody>
                   <a:tcPr marL="12700" marR="12700" marT="12700" marB="0" anchor="ctr">
@@ -9631,7 +9702,12 @@
                     <a:bodyPr/>
                     <a:lstStyle/>
                     <a:p>
-                      <a:endParaRPr lang="en-US"/>
+                      <a:pPr algn="ctr"/>
+                      <a:r>
+                        <a:rPr lang="en-US" dirty="0" smtClean="0"/>
+                        <a:t>-1.63</a:t>
+                      </a:r>
+                      <a:endParaRPr lang="en-US" dirty="0"/>
                     </a:p>
                   </a:txBody>
                   <a:tcPr marL="12700" marR="12700" marT="12700" marB="0" anchor="ctr">
@@ -9678,6 +9754,11 @@
                     <a:bodyPr/>
                     <a:lstStyle/>
                     <a:p>
+                      <a:pPr algn="ctr"/>
+                      <a:r>
+                        <a:rPr lang="en-US" dirty="0" smtClean="0"/>
+                        <a:t>0.3</a:t>
+                      </a:r>
                       <a:endParaRPr lang="en-US" dirty="0"/>
                     </a:p>
                   </a:txBody>
@@ -9737,6 +9818,650 @@
                           <a:latin typeface="Calibri"/>
                         </a:rPr>
                         <a:t>ZDT1</a:t>
+                      </a:r>
+                      <a:endParaRPr lang="en-US" sz="1800" b="0" i="0" u="none" strike="noStrike" dirty="0">
+                        <a:solidFill>
+                          <a:srgbClr val="000000"/>
+                        </a:solidFill>
+                        <a:effectLst/>
+                        <a:latin typeface="Calibri"/>
+                      </a:endParaRPr>
+                    </a:p>
+                  </a:txBody>
+                  <a:tcPr marL="12700" marR="12700" marT="12700" marB="0" anchor="ctr">
+                    <a:lnL w="12700" cap="flat" cmpd="sng" algn="ctr">
+                      <a:solidFill>
+                        <a:scrgbClr r="0" g="0" b="0"/>
+                      </a:solidFill>
+                      <a:prstDash val="solid"/>
+                      <a:round/>
+                      <a:headEnd type="none" w="med" len="med"/>
+                      <a:tailEnd type="none" w="med" len="med"/>
+                    </a:lnL>
+                    <a:lnR w="12700" cap="flat" cmpd="sng" algn="ctr">
+                      <a:solidFill>
+                        <a:scrgbClr r="0" g="0" b="0"/>
+                      </a:solidFill>
+                      <a:prstDash val="solid"/>
+                      <a:round/>
+                      <a:headEnd type="none" w="med" len="med"/>
+                      <a:tailEnd type="none" w="med" len="med"/>
+                    </a:lnR>
+                    <a:lnT w="12700" cap="flat" cmpd="sng" algn="ctr">
+                      <a:solidFill>
+                        <a:scrgbClr r="0" g="0" b="0"/>
+                      </a:solidFill>
+                      <a:prstDash val="solid"/>
+                      <a:round/>
+                      <a:headEnd type="none" w="med" len="med"/>
+                      <a:tailEnd type="none" w="med" len="med"/>
+                    </a:lnT>
+                    <a:lnB w="12700" cap="flat" cmpd="sng" algn="ctr">
+                      <a:solidFill>
+                        <a:scrgbClr r="0" g="0" b="0"/>
+                      </a:solidFill>
+                      <a:prstDash val="solid"/>
+                      <a:round/>
+                      <a:headEnd type="none" w="med" len="med"/>
+                      <a:tailEnd type="none" w="med" len="med"/>
+                    </a:lnB>
+                    <a:solidFill>
+                      <a:schemeClr val="accent1">
+                        <a:lumMod val="20000"/>
+                        <a:lumOff val="80000"/>
+                      </a:schemeClr>
+                    </a:solidFill>
+                  </a:tcPr>
+                </a:tc>
+                <a:tc>
+                  <a:txBody>
+                    <a:bodyPr/>
+                    <a:lstStyle/>
+                    <a:p>
+                      <a:pPr algn="ctr" fontAlgn="b"/>
+                      <a:r>
+                        <a:rPr lang="en-US" sz="1800" b="0" i="0" u="none" strike="noStrike" dirty="0" smtClean="0">
+                          <a:solidFill>
+                            <a:srgbClr val="000000"/>
+                          </a:solidFill>
+                          <a:effectLst/>
+                          <a:latin typeface="Calibri"/>
+                        </a:rPr>
+                        <a:t>0.51</a:t>
+                      </a:r>
+                      <a:endParaRPr lang="en-US" sz="1800" b="0" i="0" u="none" strike="noStrike" dirty="0">
+                        <a:solidFill>
+                          <a:srgbClr val="000000"/>
+                        </a:solidFill>
+                        <a:effectLst/>
+                        <a:latin typeface="Calibri"/>
+                      </a:endParaRPr>
+                    </a:p>
+                  </a:txBody>
+                  <a:tcPr marL="12700" marR="12700" marT="12700" marB="0" anchor="ctr">
+                    <a:lnL w="12700" cap="flat" cmpd="sng" algn="ctr">
+                      <a:solidFill>
+                        <a:scrgbClr r="0" g="0" b="0"/>
+                      </a:solidFill>
+                      <a:prstDash val="solid"/>
+                      <a:round/>
+                      <a:headEnd type="none" w="med" len="med"/>
+                      <a:tailEnd type="none" w="med" len="med"/>
+                    </a:lnL>
+                    <a:lnR w="12700" cap="flat" cmpd="sng" algn="ctr">
+                      <a:solidFill>
+                        <a:scrgbClr r="0" g="0" b="0"/>
+                      </a:solidFill>
+                      <a:prstDash val="solid"/>
+                      <a:round/>
+                      <a:headEnd type="none" w="med" len="med"/>
+                      <a:tailEnd type="none" w="med" len="med"/>
+                    </a:lnR>
+                    <a:lnT w="12700" cap="flat" cmpd="sng" algn="ctr">
+                      <a:solidFill>
+                        <a:scrgbClr r="0" g="0" b="0"/>
+                      </a:solidFill>
+                      <a:prstDash val="solid"/>
+                      <a:round/>
+                      <a:headEnd type="none" w="med" len="med"/>
+                      <a:tailEnd type="none" w="med" len="med"/>
+                    </a:lnT>
+                    <a:lnB w="12700" cap="flat" cmpd="sng" algn="ctr">
+                      <a:solidFill>
+                        <a:scrgbClr r="0" g="0" b="0"/>
+                      </a:solidFill>
+                      <a:prstDash val="solid"/>
+                      <a:round/>
+                      <a:headEnd type="none" w="med" len="med"/>
+                      <a:tailEnd type="none" w="med" len="med"/>
+                    </a:lnB>
+                  </a:tcPr>
+                </a:tc>
+                <a:tc>
+                  <a:txBody>
+                    <a:bodyPr/>
+                    <a:lstStyle/>
+                    <a:p>
+                      <a:pPr algn="ctr" fontAlgn="b"/>
+                      <a:r>
+                        <a:rPr lang="en-US" sz="1800" b="0" i="0" u="none" strike="noStrike" dirty="0" smtClean="0">
+                          <a:solidFill>
+                            <a:srgbClr val="000000"/>
+                          </a:solidFill>
+                          <a:effectLst/>
+                          <a:latin typeface="Calibri"/>
+                        </a:rPr>
+                        <a:t>0.41</a:t>
+                      </a:r>
+                      <a:endParaRPr lang="en-US" sz="1800" b="0" i="0" u="none" strike="noStrike" dirty="0">
+                        <a:solidFill>
+                          <a:srgbClr val="000000"/>
+                        </a:solidFill>
+                        <a:effectLst/>
+                        <a:latin typeface="Calibri"/>
+                      </a:endParaRPr>
+                    </a:p>
+                  </a:txBody>
+                  <a:tcPr marL="12700" marR="12700" marT="12700" marB="0" anchor="ctr">
+                    <a:lnL w="12700" cap="flat" cmpd="sng" algn="ctr">
+                      <a:solidFill>
+                        <a:scrgbClr r="0" g="0" b="0"/>
+                      </a:solidFill>
+                      <a:prstDash val="solid"/>
+                      <a:round/>
+                      <a:headEnd type="none" w="med" len="med"/>
+                      <a:tailEnd type="none" w="med" len="med"/>
+                    </a:lnL>
+                    <a:lnR w="12700" cap="flat" cmpd="sng" algn="ctr">
+                      <a:solidFill>
+                        <a:scrgbClr r="0" g="0" b="0"/>
+                      </a:solidFill>
+                      <a:prstDash val="solid"/>
+                      <a:round/>
+                      <a:headEnd type="none" w="med" len="med"/>
+                      <a:tailEnd type="none" w="med" len="med"/>
+                    </a:lnR>
+                    <a:lnT w="12700" cap="flat" cmpd="sng" algn="ctr">
+                      <a:solidFill>
+                        <a:scrgbClr r="0" g="0" b="0"/>
+                      </a:solidFill>
+                      <a:prstDash val="solid"/>
+                      <a:round/>
+                      <a:headEnd type="none" w="med" len="med"/>
+                      <a:tailEnd type="none" w="med" len="med"/>
+                    </a:lnT>
+                    <a:lnB w="12700" cap="flat" cmpd="sng" algn="ctr">
+                      <a:solidFill>
+                        <a:scrgbClr r="0" g="0" b="0"/>
+                      </a:solidFill>
+                      <a:prstDash val="solid"/>
+                      <a:round/>
+                      <a:headEnd type="none" w="med" len="med"/>
+                      <a:tailEnd type="none" w="med" len="med"/>
+                    </a:lnB>
+                  </a:tcPr>
+                </a:tc>
+                <a:tc>
+                  <a:txBody>
+                    <a:bodyPr/>
+                    <a:lstStyle/>
+                    <a:p>
+                      <a:pPr algn="ctr" fontAlgn="b"/>
+                      <a:r>
+                        <a:rPr lang="en-US" sz="1600" b="0" i="0" u="none" strike="noStrike" dirty="0" smtClean="0">
+                          <a:solidFill>
+                            <a:srgbClr val="000000"/>
+                          </a:solidFill>
+                          <a:effectLst/>
+                          <a:latin typeface="Calibri"/>
+                        </a:rPr>
+                        <a:t>-1.48</a:t>
+                      </a:r>
+                      <a:endParaRPr lang="en-US" sz="1600" b="0" i="0" u="none" strike="noStrike" dirty="0">
+                        <a:solidFill>
+                          <a:srgbClr val="000000"/>
+                        </a:solidFill>
+                        <a:effectLst/>
+                        <a:latin typeface="Calibri"/>
+                      </a:endParaRPr>
+                    </a:p>
+                  </a:txBody>
+                  <a:tcPr marL="12700" marR="12700" marT="12700" marB="0" anchor="ctr">
+                    <a:lnL w="12700" cap="flat" cmpd="sng" algn="ctr">
+                      <a:solidFill>
+                        <a:scrgbClr r="0" g="0" b="0"/>
+                      </a:solidFill>
+                      <a:prstDash val="solid"/>
+                      <a:round/>
+                      <a:headEnd type="none" w="med" len="med"/>
+                      <a:tailEnd type="none" w="med" len="med"/>
+                    </a:lnL>
+                    <a:lnR w="12700" cap="flat" cmpd="sng" algn="ctr">
+                      <a:solidFill>
+                        <a:scrgbClr r="0" g="0" b="0"/>
+                      </a:solidFill>
+                      <a:prstDash val="solid"/>
+                      <a:round/>
+                      <a:headEnd type="none" w="med" len="med"/>
+                      <a:tailEnd type="none" w="med" len="med"/>
+                    </a:lnR>
+                    <a:lnT w="12700" cap="flat" cmpd="sng" algn="ctr">
+                      <a:solidFill>
+                        <a:scrgbClr r="0" g="0" b="0"/>
+                      </a:solidFill>
+                      <a:prstDash val="solid"/>
+                      <a:round/>
+                      <a:headEnd type="none" w="med" len="med"/>
+                      <a:tailEnd type="none" w="med" len="med"/>
+                    </a:lnT>
+                    <a:lnB w="12700" cap="flat" cmpd="sng" algn="ctr">
+                      <a:solidFill>
+                        <a:scrgbClr r="0" g="0" b="0"/>
+                      </a:solidFill>
+                      <a:prstDash val="solid"/>
+                      <a:round/>
+                      <a:headEnd type="none" w="med" len="med"/>
+                      <a:tailEnd type="none" w="med" len="med"/>
+                    </a:lnB>
+                  </a:tcPr>
+                </a:tc>
+                <a:tc>
+                  <a:txBody>
+                    <a:bodyPr/>
+                    <a:lstStyle/>
+                    <a:p>
+                      <a:pPr algn="ctr" fontAlgn="b"/>
+                      <a:r>
+                        <a:rPr lang="en-US" sz="1600" b="0" i="0" u="none" strike="noStrike" dirty="0" smtClean="0">
+                          <a:solidFill>
+                            <a:srgbClr val="000000"/>
+                          </a:solidFill>
+                          <a:effectLst/>
+                          <a:latin typeface="Calibri"/>
+                        </a:rPr>
+                        <a:t>0.27</a:t>
+                      </a:r>
+                      <a:endParaRPr lang="en-US" sz="1600" b="0" i="0" u="none" strike="noStrike" dirty="0">
+                        <a:solidFill>
+                          <a:srgbClr val="000000"/>
+                        </a:solidFill>
+                        <a:effectLst/>
+                        <a:latin typeface="Calibri"/>
+                      </a:endParaRPr>
+                    </a:p>
+                  </a:txBody>
+                  <a:tcPr marL="12700" marR="12700" marT="12700" marB="0" anchor="ctr">
+                    <a:lnL w="12700" cap="flat" cmpd="sng" algn="ctr">
+                      <a:solidFill>
+                        <a:scrgbClr r="0" g="0" b="0"/>
+                      </a:solidFill>
+                      <a:prstDash val="solid"/>
+                      <a:round/>
+                      <a:headEnd type="none" w="med" len="med"/>
+                      <a:tailEnd type="none" w="med" len="med"/>
+                    </a:lnL>
+                    <a:lnR w="12700" cap="flat" cmpd="sng" algn="ctr">
+                      <a:solidFill>
+                        <a:scrgbClr r="0" g="0" b="0"/>
+                      </a:solidFill>
+                      <a:prstDash val="solid"/>
+                      <a:round/>
+                      <a:headEnd type="none" w="med" len="med"/>
+                      <a:tailEnd type="none" w="med" len="med"/>
+                    </a:lnR>
+                    <a:lnT w="12700" cap="flat" cmpd="sng" algn="ctr">
+                      <a:solidFill>
+                        <a:scrgbClr r="0" g="0" b="0"/>
+                      </a:solidFill>
+                      <a:prstDash val="solid"/>
+                      <a:round/>
+                      <a:headEnd type="none" w="med" len="med"/>
+                      <a:tailEnd type="none" w="med" len="med"/>
+                    </a:lnT>
+                    <a:lnB w="12700" cap="flat" cmpd="sng" algn="ctr">
+                      <a:solidFill>
+                        <a:scrgbClr r="0" g="0" b="0"/>
+                      </a:solidFill>
+                      <a:prstDash val="solid"/>
+                      <a:round/>
+                      <a:headEnd type="none" w="med" len="med"/>
+                      <a:tailEnd type="none" w="med" len="med"/>
+                    </a:lnB>
+                  </a:tcPr>
+                </a:tc>
+              </a:tr>
+              <a:tr h="460252">
+                <a:tc>
+                  <a:txBody>
+                    <a:bodyPr/>
+                    <a:lstStyle/>
+                    <a:p>
+                      <a:pPr algn="ctr" fontAlgn="b"/>
+                      <a:r>
+                        <a:rPr lang="en-US" sz="1800" u="none" strike="noStrike" dirty="0">
+                          <a:effectLst/>
+                        </a:rPr>
+                        <a:t>ZDT3</a:t>
+                      </a:r>
+                      <a:endParaRPr lang="en-US" sz="1800" b="0" i="0" u="none" strike="noStrike" dirty="0">
+                        <a:solidFill>
+                          <a:srgbClr val="000000"/>
+                        </a:solidFill>
+                        <a:effectLst/>
+                        <a:latin typeface="Calibri"/>
+                      </a:endParaRPr>
+                    </a:p>
+                  </a:txBody>
+                  <a:tcPr marL="12700" marR="12700" marT="12700" marB="0" anchor="ctr">
+                    <a:lnL w="12700" cap="flat" cmpd="sng" algn="ctr">
+                      <a:solidFill>
+                        <a:scrgbClr r="0" g="0" b="0"/>
+                      </a:solidFill>
+                      <a:prstDash val="solid"/>
+                      <a:round/>
+                      <a:headEnd type="none" w="med" len="med"/>
+                      <a:tailEnd type="none" w="med" len="med"/>
+                    </a:lnL>
+                    <a:lnR w="12700" cap="flat" cmpd="sng" algn="ctr">
+                      <a:solidFill>
+                        <a:scrgbClr r="0" g="0" b="0"/>
+                      </a:solidFill>
+                      <a:prstDash val="solid"/>
+                      <a:round/>
+                      <a:headEnd type="none" w="med" len="med"/>
+                      <a:tailEnd type="none" w="med" len="med"/>
+                    </a:lnR>
+                    <a:lnT w="12700" cap="flat" cmpd="sng" algn="ctr">
+                      <a:solidFill>
+                        <a:scrgbClr r="0" g="0" b="0"/>
+                      </a:solidFill>
+                      <a:prstDash val="solid"/>
+                      <a:round/>
+                      <a:headEnd type="none" w="med" len="med"/>
+                      <a:tailEnd type="none" w="med" len="med"/>
+                    </a:lnT>
+                    <a:lnB w="12700" cap="flat" cmpd="sng" algn="ctr">
+                      <a:solidFill>
+                        <a:scrgbClr r="0" g="0" b="0"/>
+                      </a:solidFill>
+                      <a:prstDash val="solid"/>
+                      <a:round/>
+                      <a:headEnd type="none" w="med" len="med"/>
+                      <a:tailEnd type="none" w="med" len="med"/>
+                    </a:lnB>
+                    <a:solidFill>
+                      <a:schemeClr val="accent1">
+                        <a:lumMod val="20000"/>
+                        <a:lumOff val="80000"/>
+                      </a:schemeClr>
+                    </a:solidFill>
+                  </a:tcPr>
+                </a:tc>
+                <a:tc>
+                  <a:txBody>
+                    <a:bodyPr/>
+                    <a:lstStyle/>
+                    <a:p>
+                      <a:pPr algn="ctr" fontAlgn="b"/>
+                      <a:r>
+                        <a:rPr lang="en-US" sz="1800" b="0" i="0" u="none" strike="noStrike" dirty="0" smtClean="0">
+                          <a:solidFill>
+                            <a:srgbClr val="000000"/>
+                          </a:solidFill>
+                          <a:effectLst/>
+                          <a:latin typeface="Calibri"/>
+                        </a:rPr>
+                        <a:t>0.13</a:t>
+                      </a:r>
+                      <a:endParaRPr lang="en-US" sz="1800" b="0" i="0" u="none" strike="noStrike" dirty="0">
+                        <a:solidFill>
+                          <a:srgbClr val="000000"/>
+                        </a:solidFill>
+                        <a:effectLst/>
+                        <a:latin typeface="Calibri"/>
+                      </a:endParaRPr>
+                    </a:p>
+                  </a:txBody>
+                  <a:tcPr marL="12700" marR="12700" marT="12700" marB="0" anchor="ctr">
+                    <a:lnL w="12700" cap="flat" cmpd="sng" algn="ctr">
+                      <a:solidFill>
+                        <a:scrgbClr r="0" g="0" b="0"/>
+                      </a:solidFill>
+                      <a:prstDash val="solid"/>
+                      <a:round/>
+                      <a:headEnd type="none" w="med" len="med"/>
+                      <a:tailEnd type="none" w="med" len="med"/>
+                    </a:lnL>
+                    <a:lnR w="12700" cap="flat" cmpd="sng" algn="ctr">
+                      <a:solidFill>
+                        <a:scrgbClr r="0" g="0" b="0"/>
+                      </a:solidFill>
+                      <a:prstDash val="solid"/>
+                      <a:round/>
+                      <a:headEnd type="none" w="med" len="med"/>
+                      <a:tailEnd type="none" w="med" len="med"/>
+                    </a:lnR>
+                    <a:lnT w="12700" cap="flat" cmpd="sng" algn="ctr">
+                      <a:solidFill>
+                        <a:scrgbClr r="0" g="0" b="0"/>
+                      </a:solidFill>
+                      <a:prstDash val="solid"/>
+                      <a:round/>
+                      <a:headEnd type="none" w="med" len="med"/>
+                      <a:tailEnd type="none" w="med" len="med"/>
+                    </a:lnT>
+                    <a:lnB w="12700" cap="flat" cmpd="sng" algn="ctr">
+                      <a:solidFill>
+                        <a:scrgbClr r="0" g="0" b="0"/>
+                      </a:solidFill>
+                      <a:prstDash val="solid"/>
+                      <a:round/>
+                      <a:headEnd type="none" w="med" len="med"/>
+                      <a:tailEnd type="none" w="med" len="med"/>
+                    </a:lnB>
+                  </a:tcPr>
+                </a:tc>
+                <a:tc>
+                  <a:txBody>
+                    <a:bodyPr/>
+                    <a:lstStyle/>
+                    <a:p>
+                      <a:pPr algn="ctr" fontAlgn="b"/>
+                      <a:r>
+                        <a:rPr lang="en-US" sz="1800" b="0" i="0" u="none" strike="noStrike" dirty="0" smtClean="0">
+                          <a:solidFill>
+                            <a:srgbClr val="000000"/>
+                          </a:solidFill>
+                          <a:effectLst/>
+                          <a:latin typeface="Calibri"/>
+                        </a:rPr>
+                        <a:t>0.05</a:t>
+                      </a:r>
+                      <a:endParaRPr lang="en-US" sz="1800" b="0" i="0" u="none" strike="noStrike" dirty="0">
+                        <a:solidFill>
+                          <a:srgbClr val="000000"/>
+                        </a:solidFill>
+                        <a:effectLst/>
+                        <a:latin typeface="Calibri"/>
+                      </a:endParaRPr>
+                    </a:p>
+                  </a:txBody>
+                  <a:tcPr marL="12700" marR="12700" marT="12700" marB="0" anchor="ctr">
+                    <a:lnL w="12700" cap="flat" cmpd="sng" algn="ctr">
+                      <a:solidFill>
+                        <a:scrgbClr r="0" g="0" b="0"/>
+                      </a:solidFill>
+                      <a:prstDash val="solid"/>
+                      <a:round/>
+                      <a:headEnd type="none" w="med" len="med"/>
+                      <a:tailEnd type="none" w="med" len="med"/>
+                    </a:lnL>
+                    <a:lnR w="12700" cap="flat" cmpd="sng" algn="ctr">
+                      <a:solidFill>
+                        <a:scrgbClr r="0" g="0" b="0"/>
+                      </a:solidFill>
+                      <a:prstDash val="solid"/>
+                      <a:round/>
+                      <a:headEnd type="none" w="med" len="med"/>
+                      <a:tailEnd type="none" w="med" len="med"/>
+                    </a:lnR>
+                    <a:lnT w="12700" cap="flat" cmpd="sng" algn="ctr">
+                      <a:solidFill>
+                        <a:scrgbClr r="0" g="0" b="0"/>
+                      </a:solidFill>
+                      <a:prstDash val="solid"/>
+                      <a:round/>
+                      <a:headEnd type="none" w="med" len="med"/>
+                      <a:tailEnd type="none" w="med" len="med"/>
+                    </a:lnT>
+                    <a:lnB w="12700" cap="flat" cmpd="sng" algn="ctr">
+                      <a:solidFill>
+                        <a:scrgbClr r="0" g="0" b="0"/>
+                      </a:solidFill>
+                      <a:prstDash val="solid"/>
+                      <a:round/>
+                      <a:headEnd type="none" w="med" len="med"/>
+                      <a:tailEnd type="none" w="med" len="med"/>
+                    </a:lnB>
+                  </a:tcPr>
+                </a:tc>
+                <a:tc>
+                  <a:txBody>
+                    <a:bodyPr/>
+                    <a:lstStyle/>
+                    <a:p>
+                      <a:pPr algn="ctr" fontAlgn="b"/>
+                      <a:r>
+                        <a:rPr lang="en-US" sz="1600" u="none" strike="noStrike" dirty="0" smtClean="0">
+                          <a:effectLst/>
+                        </a:rPr>
+                        <a:t>-1.19</a:t>
+                      </a:r>
+                      <a:endParaRPr lang="en-US" sz="1600" b="0" i="0" u="none" strike="noStrike" dirty="0">
+                        <a:solidFill>
+                          <a:srgbClr val="000000"/>
+                        </a:solidFill>
+                        <a:effectLst/>
+                        <a:latin typeface="Calibri"/>
+                      </a:endParaRPr>
+                    </a:p>
+                  </a:txBody>
+                  <a:tcPr marL="12700" marR="12700" marT="12700" marB="0" anchor="ctr">
+                    <a:lnL w="12700" cap="flat" cmpd="sng" algn="ctr">
+                      <a:solidFill>
+                        <a:scrgbClr r="0" g="0" b="0"/>
+                      </a:solidFill>
+                      <a:prstDash val="solid"/>
+                      <a:round/>
+                      <a:headEnd type="none" w="med" len="med"/>
+                      <a:tailEnd type="none" w="med" len="med"/>
+                    </a:lnL>
+                    <a:lnR w="12700" cap="flat" cmpd="sng" algn="ctr">
+                      <a:solidFill>
+                        <a:scrgbClr r="0" g="0" b="0"/>
+                      </a:solidFill>
+                      <a:prstDash val="solid"/>
+                      <a:round/>
+                      <a:headEnd type="none" w="med" len="med"/>
+                      <a:tailEnd type="none" w="med" len="med"/>
+                    </a:lnR>
+                    <a:lnT w="12700" cap="flat" cmpd="sng" algn="ctr">
+                      <a:solidFill>
+                        <a:scrgbClr r="0" g="0" b="0"/>
+                      </a:solidFill>
+                      <a:prstDash val="solid"/>
+                      <a:round/>
+                      <a:headEnd type="none" w="med" len="med"/>
+                      <a:tailEnd type="none" w="med" len="med"/>
+                    </a:lnT>
+                    <a:lnB w="12700" cap="flat" cmpd="sng" algn="ctr">
+                      <a:solidFill>
+                        <a:scrgbClr r="0" g="0" b="0"/>
+                      </a:solidFill>
+                      <a:prstDash val="solid"/>
+                      <a:round/>
+                      <a:headEnd type="none" w="med" len="med"/>
+                      <a:tailEnd type="none" w="med" len="med"/>
+                    </a:lnB>
+                  </a:tcPr>
+                </a:tc>
+                <a:tc>
+                  <a:txBody>
+                    <a:bodyPr/>
+                    <a:lstStyle/>
+                    <a:p>
+                      <a:pPr algn="ctr" fontAlgn="b"/>
+                      <a:r>
+                        <a:rPr lang="en-US" sz="1600" b="0" i="0" u="none" strike="noStrike" dirty="0" smtClean="0">
+                          <a:solidFill>
+                            <a:srgbClr val="000000"/>
+                          </a:solidFill>
+                          <a:effectLst/>
+                          <a:latin typeface="Calibri"/>
+                        </a:rPr>
+                        <a:t>0.3</a:t>
+                      </a:r>
+                      <a:endParaRPr lang="en-US" sz="1600" b="0" i="0" u="none" strike="noStrike" dirty="0">
+                        <a:solidFill>
+                          <a:srgbClr val="000000"/>
+                        </a:solidFill>
+                        <a:effectLst/>
+                        <a:latin typeface="Calibri"/>
+                      </a:endParaRPr>
+                    </a:p>
+                  </a:txBody>
+                  <a:tcPr marL="12700" marR="12700" marT="12700" marB="0" anchor="ctr">
+                    <a:lnL w="12700" cap="flat" cmpd="sng" algn="ctr">
+                      <a:solidFill>
+                        <a:scrgbClr r="0" g="0" b="0"/>
+                      </a:solidFill>
+                      <a:prstDash val="solid"/>
+                      <a:round/>
+                      <a:headEnd type="none" w="med" len="med"/>
+                      <a:tailEnd type="none" w="med" len="med"/>
+                    </a:lnL>
+                    <a:lnR w="12700" cap="flat" cmpd="sng" algn="ctr">
+                      <a:solidFill>
+                        <a:scrgbClr r="0" g="0" b="0"/>
+                      </a:solidFill>
+                      <a:prstDash val="solid"/>
+                      <a:round/>
+                      <a:headEnd type="none" w="med" len="med"/>
+                      <a:tailEnd type="none" w="med" len="med"/>
+                    </a:lnR>
+                    <a:lnT w="12700" cap="flat" cmpd="sng" algn="ctr">
+                      <a:solidFill>
+                        <a:scrgbClr r="0" g="0" b="0"/>
+                      </a:solidFill>
+                      <a:prstDash val="solid"/>
+                      <a:round/>
+                      <a:headEnd type="none" w="med" len="med"/>
+                      <a:tailEnd type="none" w="med" len="med"/>
+                    </a:lnT>
+                    <a:lnB w="12700" cap="flat" cmpd="sng" algn="ctr">
+                      <a:solidFill>
+                        <a:scrgbClr r="0" g="0" b="0"/>
+                      </a:solidFill>
+                      <a:prstDash val="solid"/>
+                      <a:round/>
+                      <a:headEnd type="none" w="med" len="med"/>
+                      <a:tailEnd type="none" w="med" len="med"/>
+                    </a:lnB>
+                  </a:tcPr>
+                </a:tc>
+              </a:tr>
+              <a:tr h="460252">
+                <a:tc>
+                  <a:txBody>
+                    <a:bodyPr/>
+                    <a:lstStyle/>
+                    <a:p>
+                      <a:pPr algn="ctr" fontAlgn="b"/>
+                      <a:r>
+                        <a:rPr lang="en-US" sz="1800" u="none" strike="noStrike" dirty="0">
+                          <a:effectLst/>
+                        </a:rPr>
+                        <a:t>FONSECA</a:t>
                       </a:r>
                       <a:endParaRPr lang="en-US" sz="1800" b="0" i="0" u="none" strike="noStrike" dirty="0">
                         <a:solidFill>
@@ -9870,650 +10595,6 @@
                           <a:effectLst/>
                           <a:latin typeface="Calibri"/>
                         </a:rPr>
-                        <a:t>0.341</a:t>
-                      </a:r>
-                      <a:endParaRPr lang="en-US" sz="1800" b="0" i="0" u="none" strike="noStrike" dirty="0">
-                        <a:solidFill>
-                          <a:srgbClr val="000000"/>
-                        </a:solidFill>
-                        <a:effectLst/>
-                        <a:latin typeface="Calibri"/>
-                      </a:endParaRPr>
-                    </a:p>
-                  </a:txBody>
-                  <a:tcPr marL="12700" marR="12700" marT="12700" marB="0" anchor="ctr">
-                    <a:lnL w="12700" cap="flat" cmpd="sng" algn="ctr">
-                      <a:solidFill>
-                        <a:scrgbClr r="0" g="0" b="0"/>
-                      </a:solidFill>
-                      <a:prstDash val="solid"/>
-                      <a:round/>
-                      <a:headEnd type="none" w="med" len="med"/>
-                      <a:tailEnd type="none" w="med" len="med"/>
-                    </a:lnL>
-                    <a:lnR w="12700" cap="flat" cmpd="sng" algn="ctr">
-                      <a:solidFill>
-                        <a:scrgbClr r="0" g="0" b="0"/>
-                      </a:solidFill>
-                      <a:prstDash val="solid"/>
-                      <a:round/>
-                      <a:headEnd type="none" w="med" len="med"/>
-                      <a:tailEnd type="none" w="med" len="med"/>
-                    </a:lnR>
-                    <a:lnT w="12700" cap="flat" cmpd="sng" algn="ctr">
-                      <a:solidFill>
-                        <a:scrgbClr r="0" g="0" b="0"/>
-                      </a:solidFill>
-                      <a:prstDash val="solid"/>
-                      <a:round/>
-                      <a:headEnd type="none" w="med" len="med"/>
-                      <a:tailEnd type="none" w="med" len="med"/>
-                    </a:lnT>
-                    <a:lnB w="12700" cap="flat" cmpd="sng" algn="ctr">
-                      <a:solidFill>
-                        <a:scrgbClr r="0" g="0" b="0"/>
-                      </a:solidFill>
-                      <a:prstDash val="solid"/>
-                      <a:round/>
-                      <a:headEnd type="none" w="med" len="med"/>
-                      <a:tailEnd type="none" w="med" len="med"/>
-                    </a:lnB>
-                  </a:tcPr>
-                </a:tc>
-                <a:tc>
-                  <a:txBody>
-                    <a:bodyPr/>
-                    <a:lstStyle/>
-                    <a:p>
-                      <a:pPr algn="ctr" fontAlgn="b"/>
-                      <a:r>
-                        <a:rPr lang="en-US" sz="1600" b="0" i="0" u="none" strike="noStrike" dirty="0" smtClean="0">
-                          <a:solidFill>
-                            <a:srgbClr val="000000"/>
-                          </a:solidFill>
-                          <a:effectLst/>
-                          <a:latin typeface="Calibri"/>
-                        </a:rPr>
-                        <a:t>1.23</a:t>
-                      </a:r>
-                      <a:endParaRPr lang="en-US" sz="1600" b="0" i="0" u="none" strike="noStrike" dirty="0">
-                        <a:solidFill>
-                          <a:srgbClr val="000000"/>
-                        </a:solidFill>
-                        <a:effectLst/>
-                        <a:latin typeface="Calibri"/>
-                      </a:endParaRPr>
-                    </a:p>
-                  </a:txBody>
-                  <a:tcPr marL="12700" marR="12700" marT="12700" marB="0" anchor="ctr">
-                    <a:lnL w="12700" cap="flat" cmpd="sng" algn="ctr">
-                      <a:solidFill>
-                        <a:scrgbClr r="0" g="0" b="0"/>
-                      </a:solidFill>
-                      <a:prstDash val="solid"/>
-                      <a:round/>
-                      <a:headEnd type="none" w="med" len="med"/>
-                      <a:tailEnd type="none" w="med" len="med"/>
-                    </a:lnL>
-                    <a:lnR w="12700" cap="flat" cmpd="sng" algn="ctr">
-                      <a:solidFill>
-                        <a:scrgbClr r="0" g="0" b="0"/>
-                      </a:solidFill>
-                      <a:prstDash val="solid"/>
-                      <a:round/>
-                      <a:headEnd type="none" w="med" len="med"/>
-                      <a:tailEnd type="none" w="med" len="med"/>
-                    </a:lnR>
-                    <a:lnT w="12700" cap="flat" cmpd="sng" algn="ctr">
-                      <a:solidFill>
-                        <a:scrgbClr r="0" g="0" b="0"/>
-                      </a:solidFill>
-                      <a:prstDash val="solid"/>
-                      <a:round/>
-                      <a:headEnd type="none" w="med" len="med"/>
-                      <a:tailEnd type="none" w="med" len="med"/>
-                    </a:lnT>
-                    <a:lnB w="12700" cap="flat" cmpd="sng" algn="ctr">
-                      <a:solidFill>
-                        <a:scrgbClr r="0" g="0" b="0"/>
-                      </a:solidFill>
-                      <a:prstDash val="solid"/>
-                      <a:round/>
-                      <a:headEnd type="none" w="med" len="med"/>
-                      <a:tailEnd type="none" w="med" len="med"/>
-                    </a:lnB>
-                  </a:tcPr>
-                </a:tc>
-                <a:tc>
-                  <a:txBody>
-                    <a:bodyPr/>
-                    <a:lstStyle/>
-                    <a:p>
-                      <a:pPr algn="ctr" fontAlgn="b"/>
-                      <a:r>
-                        <a:rPr lang="en-US" sz="1600" b="0" i="0" u="none" strike="noStrike" dirty="0" smtClean="0">
-                          <a:solidFill>
-                            <a:srgbClr val="000000"/>
-                          </a:solidFill>
-                          <a:effectLst/>
-                          <a:latin typeface="Calibri"/>
-                        </a:rPr>
-                        <a:t>0.269</a:t>
-                      </a:r>
-                      <a:endParaRPr lang="en-US" sz="1600" b="0" i="0" u="none" strike="noStrike" dirty="0">
-                        <a:solidFill>
-                          <a:srgbClr val="000000"/>
-                        </a:solidFill>
-                        <a:effectLst/>
-                        <a:latin typeface="Calibri"/>
-                      </a:endParaRPr>
-                    </a:p>
-                  </a:txBody>
-                  <a:tcPr marL="12700" marR="12700" marT="12700" marB="0" anchor="ctr">
-                    <a:lnL w="12700" cap="flat" cmpd="sng" algn="ctr">
-                      <a:solidFill>
-                        <a:scrgbClr r="0" g="0" b="0"/>
-                      </a:solidFill>
-                      <a:prstDash val="solid"/>
-                      <a:round/>
-                      <a:headEnd type="none" w="med" len="med"/>
-                      <a:tailEnd type="none" w="med" len="med"/>
-                    </a:lnL>
-                    <a:lnR w="12700" cap="flat" cmpd="sng" algn="ctr">
-                      <a:solidFill>
-                        <a:scrgbClr r="0" g="0" b="0"/>
-                      </a:solidFill>
-                      <a:prstDash val="solid"/>
-                      <a:round/>
-                      <a:headEnd type="none" w="med" len="med"/>
-                      <a:tailEnd type="none" w="med" len="med"/>
-                    </a:lnR>
-                    <a:lnT w="12700" cap="flat" cmpd="sng" algn="ctr">
-                      <a:solidFill>
-                        <a:scrgbClr r="0" g="0" b="0"/>
-                      </a:solidFill>
-                      <a:prstDash val="solid"/>
-                      <a:round/>
-                      <a:headEnd type="none" w="med" len="med"/>
-                      <a:tailEnd type="none" w="med" len="med"/>
-                    </a:lnT>
-                    <a:lnB w="12700" cap="flat" cmpd="sng" algn="ctr">
-                      <a:solidFill>
-                        <a:scrgbClr r="0" g="0" b="0"/>
-                      </a:solidFill>
-                      <a:prstDash val="solid"/>
-                      <a:round/>
-                      <a:headEnd type="none" w="med" len="med"/>
-                      <a:tailEnd type="none" w="med" len="med"/>
-                    </a:lnB>
-                  </a:tcPr>
-                </a:tc>
-              </a:tr>
-              <a:tr h="460252">
-                <a:tc>
-                  <a:txBody>
-                    <a:bodyPr/>
-                    <a:lstStyle/>
-                    <a:p>
-                      <a:pPr algn="ctr" fontAlgn="b"/>
-                      <a:r>
-                        <a:rPr lang="en-US" sz="1800" u="none" strike="noStrike" dirty="0">
-                          <a:effectLst/>
-                        </a:rPr>
-                        <a:t>ZDT3</a:t>
-                      </a:r>
-                      <a:endParaRPr lang="en-US" sz="1800" b="0" i="0" u="none" strike="noStrike" dirty="0">
-                        <a:solidFill>
-                          <a:srgbClr val="000000"/>
-                        </a:solidFill>
-                        <a:effectLst/>
-                        <a:latin typeface="Calibri"/>
-                      </a:endParaRPr>
-                    </a:p>
-                  </a:txBody>
-                  <a:tcPr marL="12700" marR="12700" marT="12700" marB="0" anchor="ctr">
-                    <a:lnL w="12700" cap="flat" cmpd="sng" algn="ctr">
-                      <a:solidFill>
-                        <a:scrgbClr r="0" g="0" b="0"/>
-                      </a:solidFill>
-                      <a:prstDash val="solid"/>
-                      <a:round/>
-                      <a:headEnd type="none" w="med" len="med"/>
-                      <a:tailEnd type="none" w="med" len="med"/>
-                    </a:lnL>
-                    <a:lnR w="12700" cap="flat" cmpd="sng" algn="ctr">
-                      <a:solidFill>
-                        <a:scrgbClr r="0" g="0" b="0"/>
-                      </a:solidFill>
-                      <a:prstDash val="solid"/>
-                      <a:round/>
-                      <a:headEnd type="none" w="med" len="med"/>
-                      <a:tailEnd type="none" w="med" len="med"/>
-                    </a:lnR>
-                    <a:lnT w="12700" cap="flat" cmpd="sng" algn="ctr">
-                      <a:solidFill>
-                        <a:scrgbClr r="0" g="0" b="0"/>
-                      </a:solidFill>
-                      <a:prstDash val="solid"/>
-                      <a:round/>
-                      <a:headEnd type="none" w="med" len="med"/>
-                      <a:tailEnd type="none" w="med" len="med"/>
-                    </a:lnT>
-                    <a:lnB w="12700" cap="flat" cmpd="sng" algn="ctr">
-                      <a:solidFill>
-                        <a:scrgbClr r="0" g="0" b="0"/>
-                      </a:solidFill>
-                      <a:prstDash val="solid"/>
-                      <a:round/>
-                      <a:headEnd type="none" w="med" len="med"/>
-                      <a:tailEnd type="none" w="med" len="med"/>
-                    </a:lnB>
-                    <a:solidFill>
-                      <a:schemeClr val="accent1">
-                        <a:lumMod val="20000"/>
-                        <a:lumOff val="80000"/>
-                      </a:schemeClr>
-                    </a:solidFill>
-                  </a:tcPr>
-                </a:tc>
-                <a:tc>
-                  <a:txBody>
-                    <a:bodyPr/>
-                    <a:lstStyle/>
-                    <a:p>
-                      <a:pPr algn="ctr" fontAlgn="b"/>
-                      <a:r>
-                        <a:rPr lang="en-US" sz="1800" b="0" i="0" u="none" strike="noStrike" dirty="0" smtClean="0">
-                          <a:solidFill>
-                            <a:srgbClr val="000000"/>
-                          </a:solidFill>
-                          <a:effectLst/>
-                          <a:latin typeface="Calibri"/>
-                        </a:rPr>
-                        <a:t>0.22</a:t>
-                      </a:r>
-                      <a:endParaRPr lang="en-US" sz="1800" b="0" i="0" u="none" strike="noStrike" dirty="0">
-                        <a:solidFill>
-                          <a:srgbClr val="000000"/>
-                        </a:solidFill>
-                        <a:effectLst/>
-                        <a:latin typeface="Calibri"/>
-                      </a:endParaRPr>
-                    </a:p>
-                  </a:txBody>
-                  <a:tcPr marL="12700" marR="12700" marT="12700" marB="0" anchor="ctr">
-                    <a:lnL w="12700" cap="flat" cmpd="sng" algn="ctr">
-                      <a:solidFill>
-                        <a:scrgbClr r="0" g="0" b="0"/>
-                      </a:solidFill>
-                      <a:prstDash val="solid"/>
-                      <a:round/>
-                      <a:headEnd type="none" w="med" len="med"/>
-                      <a:tailEnd type="none" w="med" len="med"/>
-                    </a:lnL>
-                    <a:lnR w="12700" cap="flat" cmpd="sng" algn="ctr">
-                      <a:solidFill>
-                        <a:scrgbClr r="0" g="0" b="0"/>
-                      </a:solidFill>
-                      <a:prstDash val="solid"/>
-                      <a:round/>
-                      <a:headEnd type="none" w="med" len="med"/>
-                      <a:tailEnd type="none" w="med" len="med"/>
-                    </a:lnR>
-                    <a:lnT w="12700" cap="flat" cmpd="sng" algn="ctr">
-                      <a:solidFill>
-                        <a:scrgbClr r="0" g="0" b="0"/>
-                      </a:solidFill>
-                      <a:prstDash val="solid"/>
-                      <a:round/>
-                      <a:headEnd type="none" w="med" len="med"/>
-                      <a:tailEnd type="none" w="med" len="med"/>
-                    </a:lnT>
-                    <a:lnB w="12700" cap="flat" cmpd="sng" algn="ctr">
-                      <a:solidFill>
-                        <a:scrgbClr r="0" g="0" b="0"/>
-                      </a:solidFill>
-                      <a:prstDash val="solid"/>
-                      <a:round/>
-                      <a:headEnd type="none" w="med" len="med"/>
-                      <a:tailEnd type="none" w="med" len="med"/>
-                    </a:lnB>
-                  </a:tcPr>
-                </a:tc>
-                <a:tc>
-                  <a:txBody>
-                    <a:bodyPr/>
-                    <a:lstStyle/>
-                    <a:p>
-                      <a:pPr algn="ctr" fontAlgn="b"/>
-                      <a:r>
-                        <a:rPr lang="en-US" sz="1800" b="0" i="0" u="none" strike="noStrike" dirty="0" smtClean="0">
-                          <a:solidFill>
-                            <a:srgbClr val="000000"/>
-                          </a:solidFill>
-                          <a:effectLst/>
-                          <a:latin typeface="Calibri"/>
-                        </a:rPr>
-                        <a:t>0.31</a:t>
-                      </a:r>
-                      <a:endParaRPr lang="en-US" sz="1800" b="0" i="0" u="none" strike="noStrike" dirty="0">
-                        <a:solidFill>
-                          <a:srgbClr val="000000"/>
-                        </a:solidFill>
-                        <a:effectLst/>
-                        <a:latin typeface="Calibri"/>
-                      </a:endParaRPr>
-                    </a:p>
-                  </a:txBody>
-                  <a:tcPr marL="12700" marR="12700" marT="12700" marB="0" anchor="ctr">
-                    <a:lnL w="12700" cap="flat" cmpd="sng" algn="ctr">
-                      <a:solidFill>
-                        <a:scrgbClr r="0" g="0" b="0"/>
-                      </a:solidFill>
-                      <a:prstDash val="solid"/>
-                      <a:round/>
-                      <a:headEnd type="none" w="med" len="med"/>
-                      <a:tailEnd type="none" w="med" len="med"/>
-                    </a:lnL>
-                    <a:lnR w="12700" cap="flat" cmpd="sng" algn="ctr">
-                      <a:solidFill>
-                        <a:scrgbClr r="0" g="0" b="0"/>
-                      </a:solidFill>
-                      <a:prstDash val="solid"/>
-                      <a:round/>
-                      <a:headEnd type="none" w="med" len="med"/>
-                      <a:tailEnd type="none" w="med" len="med"/>
-                    </a:lnR>
-                    <a:lnT w="12700" cap="flat" cmpd="sng" algn="ctr">
-                      <a:solidFill>
-                        <a:scrgbClr r="0" g="0" b="0"/>
-                      </a:solidFill>
-                      <a:prstDash val="solid"/>
-                      <a:round/>
-                      <a:headEnd type="none" w="med" len="med"/>
-                      <a:tailEnd type="none" w="med" len="med"/>
-                    </a:lnT>
-                    <a:lnB w="12700" cap="flat" cmpd="sng" algn="ctr">
-                      <a:solidFill>
-                        <a:scrgbClr r="0" g="0" b="0"/>
-                      </a:solidFill>
-                      <a:prstDash val="solid"/>
-                      <a:round/>
-                      <a:headEnd type="none" w="med" len="med"/>
-                      <a:tailEnd type="none" w="med" len="med"/>
-                    </a:lnB>
-                  </a:tcPr>
-                </a:tc>
-                <a:tc>
-                  <a:txBody>
-                    <a:bodyPr/>
-                    <a:lstStyle/>
-                    <a:p>
-                      <a:pPr algn="ctr" fontAlgn="b"/>
-                      <a:r>
-                        <a:rPr lang="en-US" sz="1600" u="none" strike="noStrike" dirty="0" smtClean="0">
-                          <a:effectLst/>
-                        </a:rPr>
-                        <a:t>0.97</a:t>
-                      </a:r>
-                      <a:endParaRPr lang="en-US" sz="1600" b="0" i="0" u="none" strike="noStrike" dirty="0">
-                        <a:solidFill>
-                          <a:srgbClr val="000000"/>
-                        </a:solidFill>
-                        <a:effectLst/>
-                        <a:latin typeface="Calibri"/>
-                      </a:endParaRPr>
-                    </a:p>
-                  </a:txBody>
-                  <a:tcPr marL="12700" marR="12700" marT="12700" marB="0" anchor="ctr">
-                    <a:lnL w="12700" cap="flat" cmpd="sng" algn="ctr">
-                      <a:solidFill>
-                        <a:scrgbClr r="0" g="0" b="0"/>
-                      </a:solidFill>
-                      <a:prstDash val="solid"/>
-                      <a:round/>
-                      <a:headEnd type="none" w="med" len="med"/>
-                      <a:tailEnd type="none" w="med" len="med"/>
-                    </a:lnL>
-                    <a:lnR w="12700" cap="flat" cmpd="sng" algn="ctr">
-                      <a:solidFill>
-                        <a:scrgbClr r="0" g="0" b="0"/>
-                      </a:solidFill>
-                      <a:prstDash val="solid"/>
-                      <a:round/>
-                      <a:headEnd type="none" w="med" len="med"/>
-                      <a:tailEnd type="none" w="med" len="med"/>
-                    </a:lnR>
-                    <a:lnT w="12700" cap="flat" cmpd="sng" algn="ctr">
-                      <a:solidFill>
-                        <a:scrgbClr r="0" g="0" b="0"/>
-                      </a:solidFill>
-                      <a:prstDash val="solid"/>
-                      <a:round/>
-                      <a:headEnd type="none" w="med" len="med"/>
-                      <a:tailEnd type="none" w="med" len="med"/>
-                    </a:lnT>
-                    <a:lnB w="12700" cap="flat" cmpd="sng" algn="ctr">
-                      <a:solidFill>
-                        <a:scrgbClr r="0" g="0" b="0"/>
-                      </a:solidFill>
-                      <a:prstDash val="solid"/>
-                      <a:round/>
-                      <a:headEnd type="none" w="med" len="med"/>
-                      <a:tailEnd type="none" w="med" len="med"/>
-                    </a:lnB>
-                  </a:tcPr>
-                </a:tc>
-                <a:tc>
-                  <a:txBody>
-                    <a:bodyPr/>
-                    <a:lstStyle/>
-                    <a:p>
-                      <a:pPr algn="ctr" fontAlgn="b"/>
-                      <a:r>
-                        <a:rPr lang="en-US" sz="1600" b="0" i="0" u="none" strike="noStrike" dirty="0" smtClean="0">
-                          <a:solidFill>
-                            <a:srgbClr val="000000"/>
-                          </a:solidFill>
-                          <a:effectLst/>
-                          <a:latin typeface="Calibri"/>
-                        </a:rPr>
-                        <a:t>0.152</a:t>
-                      </a:r>
-                      <a:endParaRPr lang="en-US" sz="1600" b="0" i="0" u="none" strike="noStrike" dirty="0">
-                        <a:solidFill>
-                          <a:srgbClr val="000000"/>
-                        </a:solidFill>
-                        <a:effectLst/>
-                        <a:latin typeface="Calibri"/>
-                      </a:endParaRPr>
-                    </a:p>
-                  </a:txBody>
-                  <a:tcPr marL="12700" marR="12700" marT="12700" marB="0" anchor="ctr">
-                    <a:lnL w="12700" cap="flat" cmpd="sng" algn="ctr">
-                      <a:solidFill>
-                        <a:scrgbClr r="0" g="0" b="0"/>
-                      </a:solidFill>
-                      <a:prstDash val="solid"/>
-                      <a:round/>
-                      <a:headEnd type="none" w="med" len="med"/>
-                      <a:tailEnd type="none" w="med" len="med"/>
-                    </a:lnL>
-                    <a:lnR w="12700" cap="flat" cmpd="sng" algn="ctr">
-                      <a:solidFill>
-                        <a:scrgbClr r="0" g="0" b="0"/>
-                      </a:solidFill>
-                      <a:prstDash val="solid"/>
-                      <a:round/>
-                      <a:headEnd type="none" w="med" len="med"/>
-                      <a:tailEnd type="none" w="med" len="med"/>
-                    </a:lnR>
-                    <a:lnT w="12700" cap="flat" cmpd="sng" algn="ctr">
-                      <a:solidFill>
-                        <a:scrgbClr r="0" g="0" b="0"/>
-                      </a:solidFill>
-                      <a:prstDash val="solid"/>
-                      <a:round/>
-                      <a:headEnd type="none" w="med" len="med"/>
-                      <a:tailEnd type="none" w="med" len="med"/>
-                    </a:lnT>
-                    <a:lnB w="12700" cap="flat" cmpd="sng" algn="ctr">
-                      <a:solidFill>
-                        <a:scrgbClr r="0" g="0" b="0"/>
-                      </a:solidFill>
-                      <a:prstDash val="solid"/>
-                      <a:round/>
-                      <a:headEnd type="none" w="med" len="med"/>
-                      <a:tailEnd type="none" w="med" len="med"/>
-                    </a:lnB>
-                  </a:tcPr>
-                </a:tc>
-              </a:tr>
-              <a:tr h="460252">
-                <a:tc>
-                  <a:txBody>
-                    <a:bodyPr/>
-                    <a:lstStyle/>
-                    <a:p>
-                      <a:pPr algn="ctr" fontAlgn="b"/>
-                      <a:r>
-                        <a:rPr lang="en-US" sz="1800" u="none" strike="noStrike" dirty="0">
-                          <a:effectLst/>
-                        </a:rPr>
-                        <a:t>FONSECA</a:t>
-                      </a:r>
-                      <a:endParaRPr lang="en-US" sz="1800" b="0" i="0" u="none" strike="noStrike" dirty="0">
-                        <a:solidFill>
-                          <a:srgbClr val="000000"/>
-                        </a:solidFill>
-                        <a:effectLst/>
-                        <a:latin typeface="Calibri"/>
-                      </a:endParaRPr>
-                    </a:p>
-                  </a:txBody>
-                  <a:tcPr marL="12700" marR="12700" marT="12700" marB="0" anchor="ctr">
-                    <a:lnL w="12700" cap="flat" cmpd="sng" algn="ctr">
-                      <a:solidFill>
-                        <a:scrgbClr r="0" g="0" b="0"/>
-                      </a:solidFill>
-                      <a:prstDash val="solid"/>
-                      <a:round/>
-                      <a:headEnd type="none" w="med" len="med"/>
-                      <a:tailEnd type="none" w="med" len="med"/>
-                    </a:lnL>
-                    <a:lnR w="12700" cap="flat" cmpd="sng" algn="ctr">
-                      <a:solidFill>
-                        <a:scrgbClr r="0" g="0" b="0"/>
-                      </a:solidFill>
-                      <a:prstDash val="solid"/>
-                      <a:round/>
-                      <a:headEnd type="none" w="med" len="med"/>
-                      <a:tailEnd type="none" w="med" len="med"/>
-                    </a:lnR>
-                    <a:lnT w="12700" cap="flat" cmpd="sng" algn="ctr">
-                      <a:solidFill>
-                        <a:scrgbClr r="0" g="0" b="0"/>
-                      </a:solidFill>
-                      <a:prstDash val="solid"/>
-                      <a:round/>
-                      <a:headEnd type="none" w="med" len="med"/>
-                      <a:tailEnd type="none" w="med" len="med"/>
-                    </a:lnT>
-                    <a:lnB w="12700" cap="flat" cmpd="sng" algn="ctr">
-                      <a:solidFill>
-                        <a:scrgbClr r="0" g="0" b="0"/>
-                      </a:solidFill>
-                      <a:prstDash val="solid"/>
-                      <a:round/>
-                      <a:headEnd type="none" w="med" len="med"/>
-                      <a:tailEnd type="none" w="med" len="med"/>
-                    </a:lnB>
-                    <a:solidFill>
-                      <a:schemeClr val="accent1">
-                        <a:lumMod val="20000"/>
-                        <a:lumOff val="80000"/>
-                      </a:schemeClr>
-                    </a:solidFill>
-                  </a:tcPr>
-                </a:tc>
-                <a:tc>
-                  <a:txBody>
-                    <a:bodyPr/>
-                    <a:lstStyle/>
-                    <a:p>
-                      <a:pPr algn="ctr" fontAlgn="b"/>
-                      <a:r>
-                        <a:rPr lang="en-US" sz="1800" b="0" i="0" u="none" strike="noStrike" dirty="0" smtClean="0">
-                          <a:solidFill>
-                            <a:srgbClr val="000000"/>
-                          </a:solidFill>
-                          <a:effectLst/>
-                          <a:latin typeface="Calibri"/>
-                        </a:rPr>
-                        <a:t>0.14</a:t>
-                      </a:r>
-                      <a:endParaRPr lang="en-US" sz="1800" b="0" i="0" u="none" strike="noStrike" dirty="0">
-                        <a:solidFill>
-                          <a:srgbClr val="000000"/>
-                        </a:solidFill>
-                        <a:effectLst/>
-                        <a:latin typeface="Calibri"/>
-                      </a:endParaRPr>
-                    </a:p>
-                  </a:txBody>
-                  <a:tcPr marL="12700" marR="12700" marT="12700" marB="0" anchor="ctr">
-                    <a:lnL w="12700" cap="flat" cmpd="sng" algn="ctr">
-                      <a:solidFill>
-                        <a:scrgbClr r="0" g="0" b="0"/>
-                      </a:solidFill>
-                      <a:prstDash val="solid"/>
-                      <a:round/>
-                      <a:headEnd type="none" w="med" len="med"/>
-                      <a:tailEnd type="none" w="med" len="med"/>
-                    </a:lnL>
-                    <a:lnR w="12700" cap="flat" cmpd="sng" algn="ctr">
-                      <a:solidFill>
-                        <a:scrgbClr r="0" g="0" b="0"/>
-                      </a:solidFill>
-                      <a:prstDash val="solid"/>
-                      <a:round/>
-                      <a:headEnd type="none" w="med" len="med"/>
-                      <a:tailEnd type="none" w="med" len="med"/>
-                    </a:lnR>
-                    <a:lnT w="12700" cap="flat" cmpd="sng" algn="ctr">
-                      <a:solidFill>
-                        <a:scrgbClr r="0" g="0" b="0"/>
-                      </a:solidFill>
-                      <a:prstDash val="solid"/>
-                      <a:round/>
-                      <a:headEnd type="none" w="med" len="med"/>
-                      <a:tailEnd type="none" w="med" len="med"/>
-                    </a:lnT>
-                    <a:lnB w="12700" cap="flat" cmpd="sng" algn="ctr">
-                      <a:solidFill>
-                        <a:scrgbClr r="0" g="0" b="0"/>
-                      </a:solidFill>
-                      <a:prstDash val="solid"/>
-                      <a:round/>
-                      <a:headEnd type="none" w="med" len="med"/>
-                      <a:tailEnd type="none" w="med" len="med"/>
-                    </a:lnB>
-                  </a:tcPr>
-                </a:tc>
-                <a:tc>
-                  <a:txBody>
-                    <a:bodyPr/>
-                    <a:lstStyle/>
-                    <a:p>
-                      <a:pPr algn="ctr" fontAlgn="b"/>
-                      <a:r>
-                        <a:rPr lang="en-US" sz="1800" b="0" i="0" u="none" strike="noStrike" dirty="0" smtClean="0">
-                          <a:solidFill>
-                            <a:srgbClr val="000000"/>
-                          </a:solidFill>
-                          <a:effectLst/>
-                          <a:latin typeface="Calibri"/>
-                        </a:rPr>
                         <a:t>0.1</a:t>
                       </a:r>
                       <a:endParaRPr lang="en-US" sz="1800" b="0" i="0" u="none" strike="noStrike" dirty="0">
@@ -10770,7 +10851,7 @@
                           <a:effectLst/>
                           <a:latin typeface="Calibri"/>
                         </a:rPr>
-                        <a:t>0.06</a:t>
+                        <a:t>0.2</a:t>
                       </a:r>
                       <a:endParaRPr lang="en-US" sz="1800" b="0" i="0" u="none" strike="noStrike" dirty="0">
                         <a:solidFill>
@@ -10891,16 +10972,14 @@
                     <a:p>
                       <a:pPr algn="ctr" fontAlgn="b"/>
                       <a:r>
-                        <a:rPr lang="en-US" sz="1600" u="none" strike="noStrike" dirty="0" smtClean="0">
+                        <a:rPr lang="en-US" sz="1600" b="0" i="0" u="none" strike="noStrike" dirty="0" smtClean="0">
+                          <a:solidFill>
+                            <a:schemeClr val="tx1"/>
+                          </a:solidFill>
                           <a:effectLst/>
+                          <a:latin typeface="+mn-lt"/>
                         </a:rPr>
-                        <a:t>0.17</a:t>
-                      </a:r>
-                      <a:r>
-                        <a:rPr lang="en-US" sz="1600" u="none" strike="noStrike" dirty="0">
-                          <a:effectLst/>
-                        </a:rPr>
-                        <a:t> </a:t>
+                        <a:t>-1.39</a:t>
                       </a:r>
                       <a:endParaRPr lang="en-US" sz="1600" b="0" i="0" u="none" strike="noStrike" dirty="0">
                         <a:solidFill>
@@ -11385,83 +11464,7 @@
         </p:nvSpPr>
         <p:spPr>
           <a:xfrm>
-            <a:off x="3215028" y="3616588"/>
-            <a:ext cx="228600" cy="180474"/>
-          </a:xfrm>
-          <a:prstGeom prst="star5">
-            <a:avLst/>
-          </a:prstGeom>
-        </p:spPr>
-        <p:style>
-          <a:lnRef idx="1">
-            <a:schemeClr val="accent6"/>
-          </a:lnRef>
-          <a:fillRef idx="2">
-            <a:schemeClr val="accent6"/>
-          </a:fillRef>
-          <a:effectRef idx="1">
-            <a:schemeClr val="accent6"/>
-          </a:effectRef>
-          <a:fontRef idx="minor">
-            <a:schemeClr val="dk1"/>
-          </a:fontRef>
-        </p:style>
-        <p:txBody>
-          <a:bodyPr rtlCol="0" anchor="ctr"/>
-          <a:lstStyle/>
-          <a:p>
-            <a:pPr algn="ctr"/>
-            <a:endParaRPr lang="en-US"/>
-          </a:p>
-        </p:txBody>
-      </p:sp>
-      <p:sp>
-        <p:nvSpPr>
-          <p:cNvPr id="6" name="5-Point Star 5"/>
-          <p:cNvSpPr/>
-          <p:nvPr/>
-        </p:nvSpPr>
-        <p:spPr>
-          <a:xfrm>
-            <a:off x="3215028" y="4073788"/>
-            <a:ext cx="228600" cy="180474"/>
-          </a:xfrm>
-          <a:prstGeom prst="star5">
-            <a:avLst/>
-          </a:prstGeom>
-        </p:spPr>
-        <p:style>
-          <a:lnRef idx="1">
-            <a:schemeClr val="accent6"/>
-          </a:lnRef>
-          <a:fillRef idx="2">
-            <a:schemeClr val="accent6"/>
-          </a:fillRef>
-          <a:effectRef idx="1">
-            <a:schemeClr val="accent6"/>
-          </a:effectRef>
-          <a:fontRef idx="minor">
-            <a:schemeClr val="dk1"/>
-          </a:fontRef>
-        </p:style>
-        <p:txBody>
-          <a:bodyPr rtlCol="0" anchor="ctr"/>
-          <a:lstStyle/>
-          <a:p>
-            <a:pPr algn="ctr"/>
-            <a:endParaRPr lang="en-US"/>
-          </a:p>
-        </p:txBody>
-      </p:sp>
-      <p:sp>
-        <p:nvSpPr>
-          <p:cNvPr id="7" name="5-Point Star 6"/>
-          <p:cNvSpPr/>
-          <p:nvPr/>
-        </p:nvSpPr>
-        <p:spPr>
-          <a:xfrm>
-            <a:off x="3215028" y="4527063"/>
+            <a:off x="5455501" y="3624695"/>
             <a:ext cx="228600" cy="180474"/>
           </a:xfrm>
           <a:prstGeom prst="star5">
@@ -11500,44 +11503,6 @@
         <p:spPr>
           <a:xfrm>
             <a:off x="3215028" y="4988188"/>
-            <a:ext cx="228600" cy="180474"/>
-          </a:xfrm>
-          <a:prstGeom prst="star5">
-            <a:avLst/>
-          </a:prstGeom>
-        </p:spPr>
-        <p:style>
-          <a:lnRef idx="1">
-            <a:schemeClr val="accent6"/>
-          </a:lnRef>
-          <a:fillRef idx="2">
-            <a:schemeClr val="accent6"/>
-          </a:fillRef>
-          <a:effectRef idx="1">
-            <a:schemeClr val="accent6"/>
-          </a:effectRef>
-          <a:fontRef idx="minor">
-            <a:schemeClr val="dk1"/>
-          </a:fontRef>
-        </p:style>
-        <p:txBody>
-          <a:bodyPr rtlCol="0" anchor="ctr"/>
-          <a:lstStyle/>
-          <a:p>
-            <a:pPr algn="ctr"/>
-            <a:endParaRPr lang="en-US"/>
-          </a:p>
-        </p:txBody>
-      </p:sp>
-      <p:sp>
-        <p:nvSpPr>
-          <p:cNvPr id="9" name="5-Point Star 8"/>
-          <p:cNvSpPr/>
-          <p:nvPr/>
-        </p:nvSpPr>
-        <p:spPr>
-          <a:xfrm>
-            <a:off x="3215028" y="5441463"/>
             <a:ext cx="228600" cy="180474"/>
           </a:xfrm>
           <a:prstGeom prst="star5">
@@ -11620,97 +11585,7 @@
         </p:nvSpPr>
         <p:spPr>
           <a:xfrm>
-            <a:off x="5458920" y="3612663"/>
-            <a:ext cx="228600" cy="180474"/>
-          </a:xfrm>
-          <a:prstGeom prst="star5">
-            <a:avLst/>
-          </a:prstGeom>
-          <a:ln>
-            <a:solidFill>
-              <a:schemeClr val="bg1">
-                <a:lumMod val="65000"/>
-              </a:schemeClr>
-            </a:solidFill>
-          </a:ln>
-        </p:spPr>
-        <p:style>
-          <a:lnRef idx="1">
-            <a:schemeClr val="dk1"/>
-          </a:lnRef>
-          <a:fillRef idx="2">
-            <a:schemeClr val="dk1"/>
-          </a:fillRef>
-          <a:effectRef idx="1">
-            <a:schemeClr val="dk1"/>
-          </a:effectRef>
-          <a:fontRef idx="minor">
-            <a:schemeClr val="dk1"/>
-          </a:fontRef>
-        </p:style>
-        <p:txBody>
-          <a:bodyPr rtlCol="0" anchor="ctr"/>
-          <a:lstStyle/>
-          <a:p>
-            <a:pPr algn="ctr"/>
-            <a:endParaRPr lang="en-US"/>
-          </a:p>
-        </p:txBody>
-      </p:sp>
-      <p:sp>
-        <p:nvSpPr>
-          <p:cNvPr id="12" name="5-Point Star 11"/>
-          <p:cNvSpPr/>
-          <p:nvPr/>
-        </p:nvSpPr>
-        <p:spPr>
-          <a:xfrm>
-            <a:off x="5458920" y="4069863"/>
-            <a:ext cx="228600" cy="180474"/>
-          </a:xfrm>
-          <a:prstGeom prst="star5">
-            <a:avLst/>
-          </a:prstGeom>
-          <a:ln>
-            <a:solidFill>
-              <a:schemeClr val="bg1">
-                <a:lumMod val="65000"/>
-              </a:schemeClr>
-            </a:solidFill>
-          </a:ln>
-        </p:spPr>
-        <p:style>
-          <a:lnRef idx="1">
-            <a:schemeClr val="dk1"/>
-          </a:lnRef>
-          <a:fillRef idx="2">
-            <a:schemeClr val="dk1"/>
-          </a:fillRef>
-          <a:effectRef idx="1">
-            <a:schemeClr val="dk1"/>
-          </a:effectRef>
-          <a:fontRef idx="minor">
-            <a:schemeClr val="dk1"/>
-          </a:fontRef>
-        </p:style>
-        <p:txBody>
-          <a:bodyPr rtlCol="0" anchor="ctr"/>
-          <a:lstStyle/>
-          <a:p>
-            <a:pPr algn="ctr"/>
-            <a:endParaRPr lang="en-US"/>
-          </a:p>
-        </p:txBody>
-      </p:sp>
-      <p:sp>
-        <p:nvSpPr>
-          <p:cNvPr id="13" name="5-Point Star 12"/>
-          <p:cNvSpPr/>
-          <p:nvPr/>
-        </p:nvSpPr>
-        <p:spPr>
-          <a:xfrm>
-            <a:off x="5458920" y="4533079"/>
+            <a:off x="3215028" y="3624695"/>
             <a:ext cx="228600" cy="180474"/>
           </a:xfrm>
           <a:prstGeom prst="star5">
@@ -11927,6 +11802,975 @@
           </a:p>
         </p:txBody>
       </p:sp>
+      <p:sp>
+        <p:nvSpPr>
+          <p:cNvPr id="20" name="5-Point Star 19"/>
+          <p:cNvSpPr/>
+          <p:nvPr/>
+        </p:nvSpPr>
+        <p:spPr>
+          <a:xfrm>
+            <a:off x="5455501" y="4087911"/>
+            <a:ext cx="228600" cy="180474"/>
+          </a:xfrm>
+          <a:prstGeom prst="star5">
+            <a:avLst/>
+          </a:prstGeom>
+        </p:spPr>
+        <p:style>
+          <a:lnRef idx="1">
+            <a:schemeClr val="accent6"/>
+          </a:lnRef>
+          <a:fillRef idx="2">
+            <a:schemeClr val="accent6"/>
+          </a:fillRef>
+          <a:effectRef idx="1">
+            <a:schemeClr val="accent6"/>
+          </a:effectRef>
+          <a:fontRef idx="minor">
+            <a:schemeClr val="dk1"/>
+          </a:fontRef>
+        </p:style>
+        <p:txBody>
+          <a:bodyPr rtlCol="0" anchor="ctr"/>
+          <a:lstStyle/>
+          <a:p>
+            <a:pPr algn="ctr"/>
+            <a:endParaRPr lang="en-US"/>
+          </a:p>
+        </p:txBody>
+      </p:sp>
+      <p:sp>
+        <p:nvSpPr>
+          <p:cNvPr id="21" name="5-Point Star 20"/>
+          <p:cNvSpPr/>
+          <p:nvPr/>
+        </p:nvSpPr>
+        <p:spPr>
+          <a:xfrm>
+            <a:off x="5444634" y="4548580"/>
+            <a:ext cx="228600" cy="180474"/>
+          </a:xfrm>
+          <a:prstGeom prst="star5">
+            <a:avLst/>
+          </a:prstGeom>
+        </p:spPr>
+        <p:style>
+          <a:lnRef idx="1">
+            <a:schemeClr val="accent6"/>
+          </a:lnRef>
+          <a:fillRef idx="2">
+            <a:schemeClr val="accent6"/>
+          </a:fillRef>
+          <a:effectRef idx="1">
+            <a:schemeClr val="accent6"/>
+          </a:effectRef>
+          <a:fontRef idx="minor">
+            <a:schemeClr val="dk1"/>
+          </a:fontRef>
+        </p:style>
+        <p:txBody>
+          <a:bodyPr rtlCol="0" anchor="ctr"/>
+          <a:lstStyle/>
+          <a:p>
+            <a:pPr algn="ctr"/>
+            <a:endParaRPr lang="en-US"/>
+          </a:p>
+        </p:txBody>
+      </p:sp>
+      <p:sp>
+        <p:nvSpPr>
+          <p:cNvPr id="22" name="5-Point Star 21"/>
+          <p:cNvSpPr/>
+          <p:nvPr/>
+        </p:nvSpPr>
+        <p:spPr>
+          <a:xfrm>
+            <a:off x="3215028" y="4087911"/>
+            <a:ext cx="228600" cy="180474"/>
+          </a:xfrm>
+          <a:prstGeom prst="star5">
+            <a:avLst/>
+          </a:prstGeom>
+          <a:ln>
+            <a:solidFill>
+              <a:schemeClr val="bg1">
+                <a:lumMod val="65000"/>
+              </a:schemeClr>
+            </a:solidFill>
+          </a:ln>
+        </p:spPr>
+        <p:style>
+          <a:lnRef idx="1">
+            <a:schemeClr val="dk1"/>
+          </a:lnRef>
+          <a:fillRef idx="2">
+            <a:schemeClr val="dk1"/>
+          </a:fillRef>
+          <a:effectRef idx="1">
+            <a:schemeClr val="dk1"/>
+          </a:effectRef>
+          <a:fontRef idx="minor">
+            <a:schemeClr val="dk1"/>
+          </a:fontRef>
+        </p:style>
+        <p:txBody>
+          <a:bodyPr rtlCol="0" anchor="ctr"/>
+          <a:lstStyle/>
+          <a:p>
+            <a:pPr algn="ctr"/>
+            <a:endParaRPr lang="en-US"/>
+          </a:p>
+        </p:txBody>
+      </p:sp>
+      <p:sp>
+        <p:nvSpPr>
+          <p:cNvPr id="23" name="5-Point Star 22"/>
+          <p:cNvSpPr/>
+          <p:nvPr/>
+        </p:nvSpPr>
+        <p:spPr>
+          <a:xfrm>
+            <a:off x="3226121" y="4548580"/>
+            <a:ext cx="228600" cy="180474"/>
+          </a:xfrm>
+          <a:prstGeom prst="star5">
+            <a:avLst/>
+          </a:prstGeom>
+          <a:ln>
+            <a:solidFill>
+              <a:schemeClr val="bg1">
+                <a:lumMod val="65000"/>
+              </a:schemeClr>
+            </a:solidFill>
+          </a:ln>
+        </p:spPr>
+        <p:style>
+          <a:lnRef idx="1">
+            <a:schemeClr val="dk1"/>
+          </a:lnRef>
+          <a:fillRef idx="2">
+            <a:schemeClr val="dk1"/>
+          </a:fillRef>
+          <a:effectRef idx="1">
+            <a:schemeClr val="dk1"/>
+          </a:effectRef>
+          <a:fontRef idx="minor">
+            <a:schemeClr val="dk1"/>
+          </a:fontRef>
+        </p:style>
+        <p:txBody>
+          <a:bodyPr rtlCol="0" anchor="ctr"/>
+          <a:lstStyle/>
+          <a:p>
+            <a:pPr algn="ctr"/>
+            <a:endParaRPr lang="en-US"/>
+          </a:p>
+        </p:txBody>
+      </p:sp>
+      <p:sp>
+        <p:nvSpPr>
+          <p:cNvPr id="24" name="5-Point Star 23"/>
+          <p:cNvSpPr/>
+          <p:nvPr/>
+        </p:nvSpPr>
+        <p:spPr>
+          <a:xfrm>
+            <a:off x="3227787" y="5458802"/>
+            <a:ext cx="228600" cy="180474"/>
+          </a:xfrm>
+          <a:prstGeom prst="star5">
+            <a:avLst/>
+          </a:prstGeom>
+          <a:ln>
+            <a:solidFill>
+              <a:schemeClr val="bg1">
+                <a:lumMod val="65000"/>
+              </a:schemeClr>
+            </a:solidFill>
+          </a:ln>
+        </p:spPr>
+        <p:style>
+          <a:lnRef idx="1">
+            <a:schemeClr val="dk1"/>
+          </a:lnRef>
+          <a:fillRef idx="2">
+            <a:schemeClr val="dk1"/>
+          </a:fillRef>
+          <a:effectRef idx="1">
+            <a:schemeClr val="dk1"/>
+          </a:effectRef>
+          <a:fontRef idx="minor">
+            <a:schemeClr val="dk1"/>
+          </a:fontRef>
+        </p:style>
+        <p:txBody>
+          <a:bodyPr rtlCol="0" anchor="ctr"/>
+          <a:lstStyle/>
+          <a:p>
+            <a:pPr algn="ctr"/>
+            <a:endParaRPr lang="en-US"/>
+          </a:p>
+        </p:txBody>
+      </p:sp>
+      <p:sp>
+        <p:nvSpPr>
+          <p:cNvPr id="26" name="Title 1"/>
+          <p:cNvSpPr txBox="1">
+            <a:spLocks/>
+          </p:cNvSpPr>
+          <p:nvPr/>
+        </p:nvSpPr>
+        <p:spPr>
+          <a:xfrm>
+            <a:off x="457200" y="605533"/>
+            <a:ext cx="8229600" cy="1143000"/>
+          </a:xfrm>
+          <a:prstGeom prst="rect">
+            <a:avLst/>
+          </a:prstGeom>
+          <a:ln>
+            <a:solidFill>
+              <a:schemeClr val="tx1">
+                <a:alpha val="0"/>
+              </a:schemeClr>
+            </a:solidFill>
+          </a:ln>
+          <a:scene3d>
+            <a:camera prst="orthographicFront"/>
+            <a:lightRig rig="threePt" dir="t"/>
+          </a:scene3d>
+          <a:sp3d>
+            <a:bevelT/>
+            <a:bevelB/>
+          </a:sp3d>
+        </p:spPr>
+        <p:txBody>
+          <a:bodyPr vert="horz" lIns="91440" tIns="45720" rIns="91440" bIns="45720" rtlCol="0" anchor="ctr">
+            <a:normAutofit/>
+          </a:bodyPr>
+          <a:lstStyle>
+            <a:lvl1pPr algn="ctr" defTabSz="457200" rtl="0" eaLnBrk="1" latinLnBrk="0" hangingPunct="1">
+              <a:spcBef>
+                <a:spcPct val="0"/>
+              </a:spcBef>
+              <a:buNone/>
+              <a:defRPr sz="4400" kern="1200">
+                <a:solidFill>
+                  <a:srgbClr val="558ED5"/>
+                </a:solidFill>
+                <a:latin typeface="+mj-lt"/>
+                <a:ea typeface="+mj-ea"/>
+                <a:cs typeface="+mj-cs"/>
+              </a:defRPr>
+            </a:lvl1pPr>
+          </a:lstStyle>
+          <a:p>
+            <a:r>
+              <a:rPr lang="en-US" dirty="0" smtClean="0"/>
+              <a:t>Energy</a:t>
+            </a:r>
+            <a:endParaRPr lang="en-US" dirty="0"/>
+          </a:p>
+        </p:txBody>
+      </p:sp>
+      <p:grpSp>
+        <p:nvGrpSpPr>
+          <p:cNvPr id="27" name="Group 26"/>
+          <p:cNvGrpSpPr/>
+          <p:nvPr/>
+        </p:nvGrpSpPr>
+        <p:grpSpPr>
+          <a:xfrm>
+            <a:off x="863991" y="92076"/>
+            <a:ext cx="1808167" cy="723266"/>
+            <a:chOff x="935537" y="2475125"/>
+            <a:chExt cx="1808167" cy="723266"/>
+          </a:xfrm>
+        </p:grpSpPr>
+        <p:sp>
+          <p:nvSpPr>
+            <p:cNvPr id="28" name="Chevron 27"/>
+            <p:cNvSpPr/>
+            <p:nvPr/>
+          </p:nvSpPr>
+          <p:spPr>
+            <a:xfrm>
+              <a:off x="935537" y="2475125"/>
+              <a:ext cx="1808167" cy="723266"/>
+            </a:xfrm>
+            <a:prstGeom prst="chevron">
+              <a:avLst/>
+            </a:prstGeom>
+          </p:spPr>
+          <p:style>
+            <a:lnRef idx="2">
+              <a:schemeClr val="lt1">
+                <a:hueOff val="0"/>
+                <a:satOff val="0"/>
+                <a:lumOff val="0"/>
+                <a:alphaOff val="0"/>
+              </a:schemeClr>
+            </a:lnRef>
+            <a:fillRef idx="1">
+              <a:schemeClr val="accent1">
+                <a:hueOff val="0"/>
+                <a:satOff val="0"/>
+                <a:lumOff val="0"/>
+                <a:alphaOff val="0"/>
+              </a:schemeClr>
+            </a:fillRef>
+            <a:effectRef idx="0">
+              <a:schemeClr val="accent1">
+                <a:hueOff val="0"/>
+                <a:satOff val="0"/>
+                <a:lumOff val="0"/>
+                <a:alphaOff val="0"/>
+              </a:schemeClr>
+            </a:effectRef>
+            <a:fontRef idx="minor">
+              <a:schemeClr val="lt1"/>
+            </a:fontRef>
+          </p:style>
+        </p:sp>
+        <p:sp>
+          <p:nvSpPr>
+            <p:cNvPr id="29" name="Chevron 4"/>
+            <p:cNvSpPr/>
+            <p:nvPr/>
+          </p:nvSpPr>
+          <p:spPr>
+            <a:xfrm>
+              <a:off x="1297170" y="2475125"/>
+              <a:ext cx="1084901" cy="723266"/>
+            </a:xfrm>
+            <a:prstGeom prst="rect">
+              <a:avLst/>
+            </a:prstGeom>
+          </p:spPr>
+          <p:style>
+            <a:lnRef idx="0">
+              <a:scrgbClr r="0" g="0" b="0"/>
+            </a:lnRef>
+            <a:fillRef idx="0">
+              <a:scrgbClr r="0" g="0" b="0"/>
+            </a:fillRef>
+            <a:effectRef idx="0">
+              <a:scrgbClr r="0" g="0" b="0"/>
+            </a:effectRef>
+            <a:fontRef idx="minor">
+              <a:schemeClr val="lt1"/>
+            </a:fontRef>
+          </p:style>
+          <p:txBody>
+            <a:bodyPr spcFirstLastPara="0" vert="horz" wrap="square" lIns="19050" tIns="9525" rIns="0" bIns="9525" numCol="1" spcCol="1270" anchor="ctr" anchorCtr="0">
+              <a:noAutofit/>
+            </a:bodyPr>
+            <a:lstStyle/>
+            <a:p>
+              <a:pPr lvl="0" algn="ctr" defTabSz="666750">
+                <a:lnSpc>
+                  <a:spcPct val="90000"/>
+                </a:lnSpc>
+                <a:spcBef>
+                  <a:spcPct val="0"/>
+                </a:spcBef>
+                <a:spcAft>
+                  <a:spcPct val="35000"/>
+                </a:spcAft>
+              </a:pPr>
+              <a:r>
+                <a:rPr lang="en-US" sz="1500" kern="1200" dirty="0" smtClean="0"/>
+                <a:t>Experiments</a:t>
+              </a:r>
+              <a:endParaRPr lang="en-US" sz="1500" kern="1200" dirty="0"/>
+            </a:p>
+          </p:txBody>
+        </p:sp>
+      </p:grpSp>
+      <p:grpSp>
+        <p:nvGrpSpPr>
+          <p:cNvPr id="30" name="Group 29"/>
+          <p:cNvGrpSpPr/>
+          <p:nvPr/>
+        </p:nvGrpSpPr>
+        <p:grpSpPr>
+          <a:xfrm>
+            <a:off x="2437096" y="153554"/>
+            <a:ext cx="1500778" cy="600311"/>
+            <a:chOff x="2508642" y="2536603"/>
+            <a:chExt cx="1500778" cy="600311"/>
+          </a:xfrm>
+          <a:solidFill>
+            <a:schemeClr val="bg1">
+              <a:lumMod val="85000"/>
+            </a:schemeClr>
+          </a:solidFill>
+        </p:grpSpPr>
+        <p:sp>
+          <p:nvSpPr>
+            <p:cNvPr id="31" name="Chevron 30"/>
+            <p:cNvSpPr/>
+            <p:nvPr/>
+          </p:nvSpPr>
+          <p:spPr>
+            <a:xfrm>
+              <a:off x="2508642" y="2536603"/>
+              <a:ext cx="1500778" cy="600311"/>
+            </a:xfrm>
+            <a:prstGeom prst="chevron">
+              <a:avLst/>
+            </a:prstGeom>
+            <a:solidFill>
+              <a:schemeClr val="bg1">
+                <a:lumMod val="85000"/>
+              </a:schemeClr>
+            </a:solidFill>
+            <a:ln>
+              <a:solidFill>
+                <a:schemeClr val="tx1">
+                  <a:alpha val="90000"/>
+                </a:schemeClr>
+              </a:solidFill>
+            </a:ln>
+          </p:spPr>
+          <p:style>
+            <a:lnRef idx="2">
+              <a:schemeClr val="accent1">
+                <a:alpha val="90000"/>
+                <a:tint val="40000"/>
+                <a:hueOff val="0"/>
+                <a:satOff val="0"/>
+                <a:lumOff val="0"/>
+                <a:alphaOff val="0"/>
+              </a:schemeClr>
+            </a:lnRef>
+            <a:fillRef idx="1">
+              <a:schemeClr val="accent1">
+                <a:alpha val="90000"/>
+                <a:tint val="40000"/>
+                <a:hueOff val="0"/>
+                <a:satOff val="0"/>
+                <a:lumOff val="0"/>
+                <a:alphaOff val="0"/>
+              </a:schemeClr>
+            </a:fillRef>
+            <a:effectRef idx="0">
+              <a:schemeClr val="accent1">
+                <a:alpha val="90000"/>
+                <a:tint val="40000"/>
+                <a:hueOff val="0"/>
+                <a:satOff val="0"/>
+                <a:lumOff val="0"/>
+                <a:alphaOff val="0"/>
+              </a:schemeClr>
+            </a:effectRef>
+            <a:fontRef idx="minor">
+              <a:schemeClr val="dk1">
+                <a:hueOff val="0"/>
+                <a:satOff val="0"/>
+                <a:lumOff val="0"/>
+                <a:alphaOff val="0"/>
+              </a:schemeClr>
+            </a:fontRef>
+          </p:style>
+        </p:sp>
+        <p:sp>
+          <p:nvSpPr>
+            <p:cNvPr id="32" name="Chevron 6"/>
+            <p:cNvSpPr/>
+            <p:nvPr/>
+          </p:nvSpPr>
+          <p:spPr>
+            <a:xfrm>
+              <a:off x="2808798" y="2536603"/>
+              <a:ext cx="900467" cy="600311"/>
+            </a:xfrm>
+            <a:prstGeom prst="rect">
+              <a:avLst/>
+            </a:prstGeom>
+            <a:noFill/>
+            <a:ln>
+              <a:noFill/>
+            </a:ln>
+          </p:spPr>
+          <p:style>
+            <a:lnRef idx="0">
+              <a:scrgbClr r="0" g="0" b="0"/>
+            </a:lnRef>
+            <a:fillRef idx="0">
+              <a:scrgbClr r="0" g="0" b="0"/>
+            </a:fillRef>
+            <a:effectRef idx="0">
+              <a:scrgbClr r="0" g="0" b="0"/>
+            </a:effectRef>
+            <a:fontRef idx="minor">
+              <a:schemeClr val="dk1">
+                <a:hueOff val="0"/>
+                <a:satOff val="0"/>
+                <a:lumOff val="0"/>
+                <a:alphaOff val="0"/>
+              </a:schemeClr>
+            </a:fontRef>
+          </p:style>
+          <p:txBody>
+            <a:bodyPr spcFirstLastPara="0" vert="horz" wrap="square" lIns="16510" tIns="8255" rIns="0" bIns="8255" numCol="1" spcCol="1270" anchor="ctr" anchorCtr="0">
+              <a:noAutofit/>
+            </a:bodyPr>
+            <a:lstStyle/>
+            <a:p>
+              <a:pPr lvl="0" algn="ctr" defTabSz="577850">
+                <a:lnSpc>
+                  <a:spcPct val="90000"/>
+                </a:lnSpc>
+                <a:spcBef>
+                  <a:spcPct val="0"/>
+                </a:spcBef>
+                <a:spcAft>
+                  <a:spcPct val="35000"/>
+                </a:spcAft>
+              </a:pPr>
+              <a:r>
+                <a:rPr lang="en-US" sz="1300" b="1" kern="1200" dirty="0" smtClean="0"/>
+                <a:t>Energy</a:t>
+              </a:r>
+              <a:endParaRPr lang="en-US" sz="1300" b="1" kern="1200" dirty="0"/>
+            </a:p>
+          </p:txBody>
+        </p:sp>
+      </p:grpSp>
+      <p:grpSp>
+        <p:nvGrpSpPr>
+          <p:cNvPr id="33" name="Group 32"/>
+          <p:cNvGrpSpPr/>
+          <p:nvPr/>
+        </p:nvGrpSpPr>
+        <p:grpSpPr>
+          <a:xfrm>
+            <a:off x="3727766" y="153554"/>
+            <a:ext cx="1500778" cy="600311"/>
+            <a:chOff x="3799312" y="2536603"/>
+            <a:chExt cx="1500778" cy="600311"/>
+          </a:xfrm>
+          <a:solidFill>
+            <a:schemeClr val="tx2">
+              <a:lumMod val="20000"/>
+              <a:lumOff val="80000"/>
+            </a:schemeClr>
+          </a:solidFill>
+        </p:grpSpPr>
+        <p:sp>
+          <p:nvSpPr>
+            <p:cNvPr id="34" name="Chevron 33"/>
+            <p:cNvSpPr/>
+            <p:nvPr/>
+          </p:nvSpPr>
+          <p:spPr>
+            <a:xfrm>
+              <a:off x="3799312" y="2536603"/>
+              <a:ext cx="1500778" cy="600311"/>
+            </a:xfrm>
+            <a:prstGeom prst="chevron">
+              <a:avLst/>
+            </a:prstGeom>
+            <a:grpFill/>
+            <a:ln>
+              <a:noFill/>
+            </a:ln>
+          </p:spPr>
+          <p:style>
+            <a:lnRef idx="2">
+              <a:schemeClr val="accent1">
+                <a:alpha val="90000"/>
+                <a:tint val="40000"/>
+                <a:hueOff val="0"/>
+                <a:satOff val="0"/>
+                <a:lumOff val="0"/>
+                <a:alphaOff val="0"/>
+              </a:schemeClr>
+            </a:lnRef>
+            <a:fillRef idx="1">
+              <a:schemeClr val="accent1">
+                <a:alpha val="90000"/>
+                <a:tint val="40000"/>
+                <a:hueOff val="0"/>
+                <a:satOff val="0"/>
+                <a:lumOff val="0"/>
+                <a:alphaOff val="0"/>
+              </a:schemeClr>
+            </a:fillRef>
+            <a:effectRef idx="0">
+              <a:schemeClr val="accent1">
+                <a:alpha val="90000"/>
+                <a:tint val="40000"/>
+                <a:hueOff val="0"/>
+                <a:satOff val="0"/>
+                <a:lumOff val="0"/>
+                <a:alphaOff val="0"/>
+              </a:schemeClr>
+            </a:effectRef>
+            <a:fontRef idx="minor">
+              <a:schemeClr val="dk1">
+                <a:hueOff val="0"/>
+                <a:satOff val="0"/>
+                <a:lumOff val="0"/>
+                <a:alphaOff val="0"/>
+              </a:schemeClr>
+            </a:fontRef>
+          </p:style>
+        </p:sp>
+        <p:sp>
+          <p:nvSpPr>
+            <p:cNvPr id="35" name="Chevron 8"/>
+            <p:cNvSpPr/>
+            <p:nvPr/>
+          </p:nvSpPr>
+          <p:spPr>
+            <a:xfrm>
+              <a:off x="4099468" y="2536603"/>
+              <a:ext cx="900467" cy="600311"/>
+            </a:xfrm>
+            <a:prstGeom prst="rect">
+              <a:avLst/>
+            </a:prstGeom>
+            <a:grpFill/>
+            <a:ln>
+              <a:noFill/>
+            </a:ln>
+          </p:spPr>
+          <p:style>
+            <a:lnRef idx="0">
+              <a:scrgbClr r="0" g="0" b="0"/>
+            </a:lnRef>
+            <a:fillRef idx="0">
+              <a:scrgbClr r="0" g="0" b="0"/>
+            </a:fillRef>
+            <a:effectRef idx="0">
+              <a:scrgbClr r="0" g="0" b="0"/>
+            </a:effectRef>
+            <a:fontRef idx="minor">
+              <a:schemeClr val="dk1">
+                <a:hueOff val="0"/>
+                <a:satOff val="0"/>
+                <a:lumOff val="0"/>
+                <a:alphaOff val="0"/>
+              </a:schemeClr>
+            </a:fontRef>
+          </p:style>
+          <p:txBody>
+            <a:bodyPr spcFirstLastPara="0" vert="horz" wrap="square" lIns="16510" tIns="8255" rIns="0" bIns="8255" numCol="1" spcCol="1270" anchor="ctr" anchorCtr="0">
+              <a:noAutofit/>
+            </a:bodyPr>
+            <a:lstStyle/>
+            <a:p>
+              <a:pPr lvl="0" algn="ctr" defTabSz="577850">
+                <a:lnSpc>
+                  <a:spcPct val="90000"/>
+                </a:lnSpc>
+                <a:spcBef>
+                  <a:spcPct val="0"/>
+                </a:spcBef>
+                <a:spcAft>
+                  <a:spcPct val="35000"/>
+                </a:spcAft>
+              </a:pPr>
+              <a:r>
+                <a:rPr lang="en-US" sz="1300" kern="1200" dirty="0" smtClean="0"/>
+                <a:t>Spread</a:t>
+              </a:r>
+              <a:endParaRPr lang="en-US" sz="1300" kern="1200" dirty="0"/>
+            </a:p>
+          </p:txBody>
+        </p:sp>
+      </p:grpSp>
+      <p:grpSp>
+        <p:nvGrpSpPr>
+          <p:cNvPr id="36" name="Group 35"/>
+          <p:cNvGrpSpPr/>
+          <p:nvPr/>
+        </p:nvGrpSpPr>
+        <p:grpSpPr>
+          <a:xfrm>
+            <a:off x="5018436" y="153554"/>
+            <a:ext cx="1500778" cy="600311"/>
+            <a:chOff x="5089982" y="2536603"/>
+            <a:chExt cx="1500778" cy="600311"/>
+          </a:xfrm>
+          <a:solidFill>
+            <a:schemeClr val="tx2">
+              <a:lumMod val="20000"/>
+              <a:lumOff val="80000"/>
+            </a:schemeClr>
+          </a:solidFill>
+        </p:grpSpPr>
+        <p:sp>
+          <p:nvSpPr>
+            <p:cNvPr id="37" name="Chevron 36"/>
+            <p:cNvSpPr/>
+            <p:nvPr/>
+          </p:nvSpPr>
+          <p:spPr>
+            <a:xfrm>
+              <a:off x="5089982" y="2536603"/>
+              <a:ext cx="1500778" cy="600311"/>
+            </a:xfrm>
+            <a:prstGeom prst="chevron">
+              <a:avLst/>
+            </a:prstGeom>
+            <a:grpFill/>
+            <a:ln>
+              <a:noFill/>
+            </a:ln>
+          </p:spPr>
+          <p:style>
+            <a:lnRef idx="2">
+              <a:schemeClr val="accent1">
+                <a:alpha val="90000"/>
+                <a:tint val="40000"/>
+                <a:hueOff val="0"/>
+                <a:satOff val="0"/>
+                <a:lumOff val="0"/>
+                <a:alphaOff val="0"/>
+              </a:schemeClr>
+            </a:lnRef>
+            <a:fillRef idx="1">
+              <a:schemeClr val="accent1">
+                <a:alpha val="90000"/>
+                <a:tint val="40000"/>
+                <a:hueOff val="0"/>
+                <a:satOff val="0"/>
+                <a:lumOff val="0"/>
+                <a:alphaOff val="0"/>
+              </a:schemeClr>
+            </a:fillRef>
+            <a:effectRef idx="0">
+              <a:schemeClr val="accent1">
+                <a:alpha val="90000"/>
+                <a:tint val="40000"/>
+                <a:hueOff val="0"/>
+                <a:satOff val="0"/>
+                <a:lumOff val="0"/>
+                <a:alphaOff val="0"/>
+              </a:schemeClr>
+            </a:effectRef>
+            <a:fontRef idx="minor">
+              <a:schemeClr val="dk1">
+                <a:hueOff val="0"/>
+                <a:satOff val="0"/>
+                <a:lumOff val="0"/>
+                <a:alphaOff val="0"/>
+              </a:schemeClr>
+            </a:fontRef>
+          </p:style>
+        </p:sp>
+        <p:sp>
+          <p:nvSpPr>
+            <p:cNvPr id="38" name="Chevron 10"/>
+            <p:cNvSpPr/>
+            <p:nvPr/>
+          </p:nvSpPr>
+          <p:spPr>
+            <a:xfrm>
+              <a:off x="5390138" y="2536603"/>
+              <a:ext cx="900467" cy="600311"/>
+            </a:xfrm>
+            <a:prstGeom prst="rect">
+              <a:avLst/>
+            </a:prstGeom>
+            <a:grpFill/>
+            <a:ln>
+              <a:noFill/>
+            </a:ln>
+          </p:spPr>
+          <p:style>
+            <a:lnRef idx="0">
+              <a:scrgbClr r="0" g="0" b="0"/>
+            </a:lnRef>
+            <a:fillRef idx="0">
+              <a:scrgbClr r="0" g="0" b="0"/>
+            </a:fillRef>
+            <a:effectRef idx="0">
+              <a:scrgbClr r="0" g="0" b="0"/>
+            </a:effectRef>
+            <a:fontRef idx="minor">
+              <a:schemeClr val="dk1">
+                <a:hueOff val="0"/>
+                <a:satOff val="0"/>
+                <a:lumOff val="0"/>
+                <a:alphaOff val="0"/>
+              </a:schemeClr>
+            </a:fontRef>
+          </p:style>
+          <p:txBody>
+            <a:bodyPr spcFirstLastPara="0" vert="horz" wrap="square" lIns="16510" tIns="8255" rIns="0" bIns="8255" numCol="1" spcCol="1270" anchor="ctr" anchorCtr="0">
+              <a:noAutofit/>
+            </a:bodyPr>
+            <a:lstStyle/>
+            <a:p>
+              <a:pPr lvl="0" algn="ctr" defTabSz="577850">
+                <a:lnSpc>
+                  <a:spcPct val="90000"/>
+                </a:lnSpc>
+                <a:spcBef>
+                  <a:spcPct val="0"/>
+                </a:spcBef>
+                <a:spcAft>
+                  <a:spcPct val="35000"/>
+                </a:spcAft>
+              </a:pPr>
+              <a:r>
+                <a:rPr lang="en-US" sz="1300" kern="1200" dirty="0" smtClean="0"/>
+                <a:t>Run times</a:t>
+              </a:r>
+              <a:endParaRPr lang="en-US" sz="1300" kern="1200" dirty="0"/>
+            </a:p>
+          </p:txBody>
+        </p:sp>
+      </p:grpSp>
+      <p:grpSp>
+        <p:nvGrpSpPr>
+          <p:cNvPr id="39" name="Group 38"/>
+          <p:cNvGrpSpPr/>
+          <p:nvPr/>
+        </p:nvGrpSpPr>
+        <p:grpSpPr>
+          <a:xfrm>
+            <a:off x="6309106" y="153554"/>
+            <a:ext cx="1500778" cy="600311"/>
+            <a:chOff x="6380652" y="2536603"/>
+            <a:chExt cx="1500778" cy="600311"/>
+          </a:xfrm>
+          <a:solidFill>
+            <a:schemeClr val="tx2">
+              <a:lumMod val="20000"/>
+              <a:lumOff val="80000"/>
+            </a:schemeClr>
+          </a:solidFill>
+        </p:grpSpPr>
+        <p:sp>
+          <p:nvSpPr>
+            <p:cNvPr id="40" name="Chevron 39"/>
+            <p:cNvSpPr/>
+            <p:nvPr/>
+          </p:nvSpPr>
+          <p:spPr>
+            <a:xfrm>
+              <a:off x="6380652" y="2536603"/>
+              <a:ext cx="1500778" cy="600311"/>
+            </a:xfrm>
+            <a:prstGeom prst="chevron">
+              <a:avLst/>
+            </a:prstGeom>
+            <a:grpFill/>
+            <a:ln>
+              <a:noFill/>
+            </a:ln>
+          </p:spPr>
+          <p:style>
+            <a:lnRef idx="2">
+              <a:schemeClr val="accent1">
+                <a:alpha val="90000"/>
+                <a:tint val="40000"/>
+                <a:hueOff val="0"/>
+                <a:satOff val="0"/>
+                <a:lumOff val="0"/>
+                <a:alphaOff val="0"/>
+              </a:schemeClr>
+            </a:lnRef>
+            <a:fillRef idx="1">
+              <a:schemeClr val="accent1">
+                <a:alpha val="90000"/>
+                <a:tint val="40000"/>
+                <a:hueOff val="0"/>
+                <a:satOff val="0"/>
+                <a:lumOff val="0"/>
+                <a:alphaOff val="0"/>
+              </a:schemeClr>
+            </a:fillRef>
+            <a:effectRef idx="0">
+              <a:schemeClr val="accent1">
+                <a:alpha val="90000"/>
+                <a:tint val="40000"/>
+                <a:hueOff val="0"/>
+                <a:satOff val="0"/>
+                <a:lumOff val="0"/>
+                <a:alphaOff val="0"/>
+              </a:schemeClr>
+            </a:effectRef>
+            <a:fontRef idx="minor">
+              <a:schemeClr val="dk1">
+                <a:hueOff val="0"/>
+                <a:satOff val="0"/>
+                <a:lumOff val="0"/>
+                <a:alphaOff val="0"/>
+              </a:schemeClr>
+            </a:fontRef>
+          </p:style>
+        </p:sp>
+        <p:sp>
+          <p:nvSpPr>
+            <p:cNvPr id="41" name="Chevron 12"/>
+            <p:cNvSpPr/>
+            <p:nvPr/>
+          </p:nvSpPr>
+          <p:spPr>
+            <a:xfrm>
+              <a:off x="6680808" y="2536603"/>
+              <a:ext cx="900467" cy="600311"/>
+            </a:xfrm>
+            <a:prstGeom prst="rect">
+              <a:avLst/>
+            </a:prstGeom>
+            <a:grpFill/>
+            <a:ln>
+              <a:noFill/>
+            </a:ln>
+          </p:spPr>
+          <p:style>
+            <a:lnRef idx="0">
+              <a:scrgbClr r="0" g="0" b="0"/>
+            </a:lnRef>
+            <a:fillRef idx="0">
+              <a:scrgbClr r="0" g="0" b="0"/>
+            </a:fillRef>
+            <a:effectRef idx="0">
+              <a:scrgbClr r="0" g="0" b="0"/>
+            </a:effectRef>
+            <a:fontRef idx="minor">
+              <a:schemeClr val="dk1">
+                <a:hueOff val="0"/>
+                <a:satOff val="0"/>
+                <a:lumOff val="0"/>
+                <a:alphaOff val="0"/>
+              </a:schemeClr>
+            </a:fontRef>
+          </p:style>
+          <p:txBody>
+            <a:bodyPr spcFirstLastPara="0" vert="horz" wrap="square" lIns="16510" tIns="8255" rIns="0" bIns="8255" numCol="1" spcCol="1270" anchor="ctr" anchorCtr="0">
+              <a:noAutofit/>
+            </a:bodyPr>
+            <a:lstStyle/>
+            <a:p>
+              <a:pPr lvl="0" algn="ctr" defTabSz="577850">
+                <a:lnSpc>
+                  <a:spcPct val="90000"/>
+                </a:lnSpc>
+                <a:spcBef>
+                  <a:spcPct val="0"/>
+                </a:spcBef>
+                <a:spcAft>
+                  <a:spcPct val="35000"/>
+                </a:spcAft>
+              </a:pPr>
+              <a:r>
+                <a:rPr lang="en-US" sz="1300" kern="1200" dirty="0" smtClean="0"/>
+                <a:t>Number of evaluations</a:t>
+              </a:r>
+              <a:endParaRPr lang="en-US" sz="1300" kern="1200" dirty="0"/>
+            </a:p>
+          </p:txBody>
+        </p:sp>
+      </p:grpSp>
     </p:spTree>
     <p:extLst>
       <p:ext uri="{BB962C8B-B14F-4D97-AF65-F5344CB8AC3E}">
@@ -11964,29 +12808,6 @@
           <a:chExt cx="0" cy="0"/>
         </a:xfrm>
       </p:grpSpPr>
-      <p:sp>
-        <p:nvSpPr>
-          <p:cNvPr id="2" name="Title 1"/>
-          <p:cNvSpPr>
-            <a:spLocks noGrp="1"/>
-          </p:cNvSpPr>
-          <p:nvPr>
-            <p:ph type="title"/>
-          </p:nvPr>
-        </p:nvSpPr>
-        <p:spPr/>
-        <p:txBody>
-          <a:bodyPr/>
-          <a:lstStyle/>
-          <a:p>
-            <a:r>
-              <a:rPr lang="en-US" dirty="0" smtClean="0"/>
-              <a:t>Spread</a:t>
-            </a:r>
-            <a:endParaRPr lang="en-US" dirty="0"/>
-          </a:p>
-        </p:txBody>
-      </p:sp>
       <p:graphicFrame>
         <p:nvGraphicFramePr>
           <p:cNvPr id="4" name="Content Placeholder 3"/>
@@ -11997,7 +12818,7 @@
             <p:ph idx="1"/>
             <p:extLst>
               <p:ext uri="{D42A27DB-BD31-4B8C-83A1-F6EECF244321}">
-                <p14:modId xmlns:p14="http://schemas.microsoft.com/office/powerpoint/2010/main" val="2563155156"/>
+                <p14:modId xmlns:p14="http://schemas.microsoft.com/office/powerpoint/2010/main" val="2255328305"/>
               </p:ext>
             </p:extLst>
           </p:nvPr>
@@ -12624,7 +13445,7 @@
                       <a:pPr algn="ctr" fontAlgn="b"/>
                       <a:r>
                         <a:rPr lang="en-US" dirty="0" smtClean="0"/>
-                        <a:t>0.86</a:t>
+                        <a:t>0.80</a:t>
                       </a:r>
                       <a:endParaRPr lang="en-US" sz="1800" b="0" i="0" u="none" strike="noStrike" dirty="0">
                         <a:solidFill>
@@ -12682,7 +13503,7 @@
                       <a:pPr algn="ctr" fontAlgn="b"/>
                       <a:r>
                         <a:rPr lang="en-US" dirty="0" smtClean="0"/>
-                        <a:t>0.06</a:t>
+                        <a:t>0.07</a:t>
                       </a:r>
                       <a:endParaRPr lang="en-US" sz="1800" b="0" i="0" u="none" strike="noStrike" dirty="0">
                         <a:solidFill>
@@ -12742,7 +13563,7 @@
                         <a:rPr lang="en-US" sz="1600" u="none" strike="noStrike" dirty="0" smtClean="0">
                           <a:effectLst/>
                         </a:rPr>
-                        <a:t>0.91</a:t>
+                        <a:t>0.86</a:t>
                       </a:r>
                       <a:endParaRPr lang="en-US" sz="1600" b="0" i="0" u="none" strike="noStrike" dirty="0">
                         <a:solidFill>
@@ -12806,7 +13627,7 @@
                           <a:effectLst/>
                           <a:latin typeface="Calibri"/>
                         </a:rPr>
-                        <a:t>0.08</a:t>
+                        <a:t>0.09</a:t>
                       </a:r>
                       <a:endParaRPr lang="en-US" sz="1600" b="0" i="0" u="none" strike="noStrike" dirty="0">
                         <a:solidFill>
@@ -12932,7 +13753,7 @@
                       <a:pPr algn="ctr"/>
                       <a:r>
                         <a:rPr lang="en-US" dirty="0" smtClean="0"/>
-                        <a:t>0.60</a:t>
+                        <a:t>0.58</a:t>
                       </a:r>
                       <a:endParaRPr lang="en-US" dirty="0"/>
                     </a:p>
@@ -13036,7 +13857,7 @@
                       <a:pPr algn="ctr"/>
                       <a:r>
                         <a:rPr lang="en-US" dirty="0" smtClean="0"/>
-                        <a:t>0.63</a:t>
+                        <a:t>0.65</a:t>
                       </a:r>
                       <a:endParaRPr lang="en-US" dirty="0"/>
                     </a:p>
@@ -15347,6 +16168,758 @@
           </a:p>
         </p:txBody>
       </p:sp>
+      <p:sp>
+        <p:nvSpPr>
+          <p:cNvPr id="23" name="Title 1"/>
+          <p:cNvSpPr txBox="1">
+            <a:spLocks/>
+          </p:cNvSpPr>
+          <p:nvPr/>
+        </p:nvSpPr>
+        <p:spPr>
+          <a:xfrm>
+            <a:off x="457200" y="605533"/>
+            <a:ext cx="8229600" cy="1143000"/>
+          </a:xfrm>
+          <a:prstGeom prst="rect">
+            <a:avLst/>
+          </a:prstGeom>
+          <a:ln>
+            <a:solidFill>
+              <a:schemeClr val="tx1">
+                <a:alpha val="0"/>
+              </a:schemeClr>
+            </a:solidFill>
+          </a:ln>
+          <a:scene3d>
+            <a:camera prst="orthographicFront"/>
+            <a:lightRig rig="threePt" dir="t"/>
+          </a:scene3d>
+          <a:sp3d>
+            <a:bevelT/>
+            <a:bevelB/>
+          </a:sp3d>
+        </p:spPr>
+        <p:txBody>
+          <a:bodyPr vert="horz" lIns="91440" tIns="45720" rIns="91440" bIns="45720" rtlCol="0" anchor="ctr">
+            <a:normAutofit/>
+          </a:bodyPr>
+          <a:lstStyle>
+            <a:lvl1pPr algn="ctr" defTabSz="457200" rtl="0" eaLnBrk="1" latinLnBrk="0" hangingPunct="1">
+              <a:spcBef>
+                <a:spcPct val="0"/>
+              </a:spcBef>
+              <a:buNone/>
+              <a:defRPr sz="4400" kern="1200">
+                <a:solidFill>
+                  <a:srgbClr val="558ED5"/>
+                </a:solidFill>
+                <a:latin typeface="+mj-lt"/>
+                <a:ea typeface="+mj-ea"/>
+                <a:cs typeface="+mj-cs"/>
+              </a:defRPr>
+            </a:lvl1pPr>
+          </a:lstStyle>
+          <a:p>
+            <a:r>
+              <a:rPr lang="en-US" dirty="0" smtClean="0"/>
+              <a:t>Spread</a:t>
+            </a:r>
+            <a:endParaRPr lang="en-US" dirty="0"/>
+          </a:p>
+        </p:txBody>
+      </p:sp>
+      <p:grpSp>
+        <p:nvGrpSpPr>
+          <p:cNvPr id="24" name="Group 23"/>
+          <p:cNvGrpSpPr/>
+          <p:nvPr/>
+        </p:nvGrpSpPr>
+        <p:grpSpPr>
+          <a:xfrm>
+            <a:off x="863991" y="92076"/>
+            <a:ext cx="1808167" cy="723266"/>
+            <a:chOff x="935537" y="2475125"/>
+            <a:chExt cx="1808167" cy="723266"/>
+          </a:xfrm>
+        </p:grpSpPr>
+        <p:sp>
+          <p:nvSpPr>
+            <p:cNvPr id="25" name="Chevron 24"/>
+            <p:cNvSpPr/>
+            <p:nvPr/>
+          </p:nvSpPr>
+          <p:spPr>
+            <a:xfrm>
+              <a:off x="935537" y="2475125"/>
+              <a:ext cx="1808167" cy="723266"/>
+            </a:xfrm>
+            <a:prstGeom prst="chevron">
+              <a:avLst/>
+            </a:prstGeom>
+          </p:spPr>
+          <p:style>
+            <a:lnRef idx="2">
+              <a:schemeClr val="lt1">
+                <a:hueOff val="0"/>
+                <a:satOff val="0"/>
+                <a:lumOff val="0"/>
+                <a:alphaOff val="0"/>
+              </a:schemeClr>
+            </a:lnRef>
+            <a:fillRef idx="1">
+              <a:schemeClr val="accent1">
+                <a:hueOff val="0"/>
+                <a:satOff val="0"/>
+                <a:lumOff val="0"/>
+                <a:alphaOff val="0"/>
+              </a:schemeClr>
+            </a:fillRef>
+            <a:effectRef idx="0">
+              <a:schemeClr val="accent1">
+                <a:hueOff val="0"/>
+                <a:satOff val="0"/>
+                <a:lumOff val="0"/>
+                <a:alphaOff val="0"/>
+              </a:schemeClr>
+            </a:effectRef>
+            <a:fontRef idx="minor">
+              <a:schemeClr val="lt1"/>
+            </a:fontRef>
+          </p:style>
+        </p:sp>
+        <p:sp>
+          <p:nvSpPr>
+            <p:cNvPr id="26" name="Chevron 4"/>
+            <p:cNvSpPr/>
+            <p:nvPr/>
+          </p:nvSpPr>
+          <p:spPr>
+            <a:xfrm>
+              <a:off x="1297170" y="2475125"/>
+              <a:ext cx="1084901" cy="723266"/>
+            </a:xfrm>
+            <a:prstGeom prst="rect">
+              <a:avLst/>
+            </a:prstGeom>
+          </p:spPr>
+          <p:style>
+            <a:lnRef idx="0">
+              <a:scrgbClr r="0" g="0" b="0"/>
+            </a:lnRef>
+            <a:fillRef idx="0">
+              <a:scrgbClr r="0" g="0" b="0"/>
+            </a:fillRef>
+            <a:effectRef idx="0">
+              <a:scrgbClr r="0" g="0" b="0"/>
+            </a:effectRef>
+            <a:fontRef idx="minor">
+              <a:schemeClr val="lt1"/>
+            </a:fontRef>
+          </p:style>
+          <p:txBody>
+            <a:bodyPr spcFirstLastPara="0" vert="horz" wrap="square" lIns="19050" tIns="9525" rIns="0" bIns="9525" numCol="1" spcCol="1270" anchor="ctr" anchorCtr="0">
+              <a:noAutofit/>
+            </a:bodyPr>
+            <a:lstStyle/>
+            <a:p>
+              <a:pPr lvl="0" algn="ctr" defTabSz="666750">
+                <a:lnSpc>
+                  <a:spcPct val="90000"/>
+                </a:lnSpc>
+                <a:spcBef>
+                  <a:spcPct val="0"/>
+                </a:spcBef>
+                <a:spcAft>
+                  <a:spcPct val="35000"/>
+                </a:spcAft>
+              </a:pPr>
+              <a:r>
+                <a:rPr lang="en-US" sz="1500" kern="1200" dirty="0" smtClean="0"/>
+                <a:t>Experiments</a:t>
+              </a:r>
+              <a:endParaRPr lang="en-US" sz="1500" kern="1200" dirty="0"/>
+            </a:p>
+          </p:txBody>
+        </p:sp>
+      </p:grpSp>
+      <p:grpSp>
+        <p:nvGrpSpPr>
+          <p:cNvPr id="27" name="Group 26"/>
+          <p:cNvGrpSpPr/>
+          <p:nvPr/>
+        </p:nvGrpSpPr>
+        <p:grpSpPr>
+          <a:xfrm>
+            <a:off x="2437096" y="153554"/>
+            <a:ext cx="1500778" cy="600311"/>
+            <a:chOff x="2508642" y="2536603"/>
+            <a:chExt cx="1500778" cy="600311"/>
+          </a:xfrm>
+          <a:solidFill>
+            <a:schemeClr val="tx2">
+              <a:lumMod val="20000"/>
+              <a:lumOff val="80000"/>
+            </a:schemeClr>
+          </a:solidFill>
+        </p:grpSpPr>
+        <p:sp>
+          <p:nvSpPr>
+            <p:cNvPr id="28" name="Chevron 27"/>
+            <p:cNvSpPr/>
+            <p:nvPr/>
+          </p:nvSpPr>
+          <p:spPr>
+            <a:xfrm>
+              <a:off x="2508642" y="2536603"/>
+              <a:ext cx="1500778" cy="600311"/>
+            </a:xfrm>
+            <a:prstGeom prst="chevron">
+              <a:avLst/>
+            </a:prstGeom>
+            <a:grpFill/>
+            <a:ln>
+              <a:noFill/>
+            </a:ln>
+          </p:spPr>
+          <p:style>
+            <a:lnRef idx="2">
+              <a:schemeClr val="accent1">
+                <a:alpha val="90000"/>
+                <a:tint val="40000"/>
+                <a:hueOff val="0"/>
+                <a:satOff val="0"/>
+                <a:lumOff val="0"/>
+                <a:alphaOff val="0"/>
+              </a:schemeClr>
+            </a:lnRef>
+            <a:fillRef idx="1">
+              <a:schemeClr val="accent1">
+                <a:alpha val="90000"/>
+                <a:tint val="40000"/>
+                <a:hueOff val="0"/>
+                <a:satOff val="0"/>
+                <a:lumOff val="0"/>
+                <a:alphaOff val="0"/>
+              </a:schemeClr>
+            </a:fillRef>
+            <a:effectRef idx="0">
+              <a:schemeClr val="accent1">
+                <a:alpha val="90000"/>
+                <a:tint val="40000"/>
+                <a:hueOff val="0"/>
+                <a:satOff val="0"/>
+                <a:lumOff val="0"/>
+                <a:alphaOff val="0"/>
+              </a:schemeClr>
+            </a:effectRef>
+            <a:fontRef idx="minor">
+              <a:schemeClr val="dk1">
+                <a:hueOff val="0"/>
+                <a:satOff val="0"/>
+                <a:lumOff val="0"/>
+                <a:alphaOff val="0"/>
+              </a:schemeClr>
+            </a:fontRef>
+          </p:style>
+        </p:sp>
+        <p:sp>
+          <p:nvSpPr>
+            <p:cNvPr id="29" name="Chevron 6"/>
+            <p:cNvSpPr/>
+            <p:nvPr/>
+          </p:nvSpPr>
+          <p:spPr>
+            <a:xfrm>
+              <a:off x="2808798" y="2536603"/>
+              <a:ext cx="900467" cy="600311"/>
+            </a:xfrm>
+            <a:prstGeom prst="rect">
+              <a:avLst/>
+            </a:prstGeom>
+            <a:grpFill/>
+            <a:ln>
+              <a:noFill/>
+            </a:ln>
+          </p:spPr>
+          <p:style>
+            <a:lnRef idx="0">
+              <a:scrgbClr r="0" g="0" b="0"/>
+            </a:lnRef>
+            <a:fillRef idx="0">
+              <a:scrgbClr r="0" g="0" b="0"/>
+            </a:fillRef>
+            <a:effectRef idx="0">
+              <a:scrgbClr r="0" g="0" b="0"/>
+            </a:effectRef>
+            <a:fontRef idx="minor">
+              <a:schemeClr val="dk1">
+                <a:hueOff val="0"/>
+                <a:satOff val="0"/>
+                <a:lumOff val="0"/>
+                <a:alphaOff val="0"/>
+              </a:schemeClr>
+            </a:fontRef>
+          </p:style>
+          <p:txBody>
+            <a:bodyPr spcFirstLastPara="0" vert="horz" wrap="square" lIns="16510" tIns="8255" rIns="0" bIns="8255" numCol="1" spcCol="1270" anchor="ctr" anchorCtr="0">
+              <a:noAutofit/>
+            </a:bodyPr>
+            <a:lstStyle/>
+            <a:p>
+              <a:pPr lvl="0" algn="ctr" defTabSz="577850">
+                <a:lnSpc>
+                  <a:spcPct val="90000"/>
+                </a:lnSpc>
+                <a:spcBef>
+                  <a:spcPct val="0"/>
+                </a:spcBef>
+                <a:spcAft>
+                  <a:spcPct val="35000"/>
+                </a:spcAft>
+              </a:pPr>
+              <a:r>
+                <a:rPr lang="en-US" sz="1300" kern="1200" dirty="0" smtClean="0"/>
+                <a:t>Energy</a:t>
+              </a:r>
+              <a:endParaRPr lang="en-US" sz="1300" kern="1200" dirty="0"/>
+            </a:p>
+          </p:txBody>
+        </p:sp>
+      </p:grpSp>
+      <p:grpSp>
+        <p:nvGrpSpPr>
+          <p:cNvPr id="30" name="Group 29"/>
+          <p:cNvGrpSpPr/>
+          <p:nvPr/>
+        </p:nvGrpSpPr>
+        <p:grpSpPr>
+          <a:xfrm>
+            <a:off x="3727766" y="153554"/>
+            <a:ext cx="1500778" cy="600311"/>
+            <a:chOff x="3799312" y="2536603"/>
+            <a:chExt cx="1500778" cy="600311"/>
+          </a:xfrm>
+          <a:solidFill>
+            <a:schemeClr val="bg1">
+              <a:lumMod val="85000"/>
+            </a:schemeClr>
+          </a:solidFill>
+        </p:grpSpPr>
+        <p:sp>
+          <p:nvSpPr>
+            <p:cNvPr id="31" name="Chevron 30"/>
+            <p:cNvSpPr/>
+            <p:nvPr/>
+          </p:nvSpPr>
+          <p:spPr>
+            <a:xfrm>
+              <a:off x="3799312" y="2536603"/>
+              <a:ext cx="1500778" cy="600311"/>
+            </a:xfrm>
+            <a:prstGeom prst="chevron">
+              <a:avLst/>
+            </a:prstGeom>
+            <a:grpFill/>
+            <a:ln>
+              <a:solidFill>
+                <a:schemeClr val="tx1"/>
+              </a:solidFill>
+            </a:ln>
+          </p:spPr>
+          <p:style>
+            <a:lnRef idx="2">
+              <a:schemeClr val="accent1">
+                <a:alpha val="90000"/>
+                <a:tint val="40000"/>
+                <a:hueOff val="0"/>
+                <a:satOff val="0"/>
+                <a:lumOff val="0"/>
+                <a:alphaOff val="0"/>
+              </a:schemeClr>
+            </a:lnRef>
+            <a:fillRef idx="1">
+              <a:schemeClr val="accent1">
+                <a:alpha val="90000"/>
+                <a:tint val="40000"/>
+                <a:hueOff val="0"/>
+                <a:satOff val="0"/>
+                <a:lumOff val="0"/>
+                <a:alphaOff val="0"/>
+              </a:schemeClr>
+            </a:fillRef>
+            <a:effectRef idx="0">
+              <a:schemeClr val="accent1">
+                <a:alpha val="90000"/>
+                <a:tint val="40000"/>
+                <a:hueOff val="0"/>
+                <a:satOff val="0"/>
+                <a:lumOff val="0"/>
+                <a:alphaOff val="0"/>
+              </a:schemeClr>
+            </a:effectRef>
+            <a:fontRef idx="minor">
+              <a:schemeClr val="dk1">
+                <a:hueOff val="0"/>
+                <a:satOff val="0"/>
+                <a:lumOff val="0"/>
+                <a:alphaOff val="0"/>
+              </a:schemeClr>
+            </a:fontRef>
+          </p:style>
+        </p:sp>
+        <p:sp>
+          <p:nvSpPr>
+            <p:cNvPr id="32" name="Chevron 8"/>
+            <p:cNvSpPr/>
+            <p:nvPr/>
+          </p:nvSpPr>
+          <p:spPr>
+            <a:xfrm>
+              <a:off x="4099468" y="2536603"/>
+              <a:ext cx="900467" cy="600311"/>
+            </a:xfrm>
+            <a:prstGeom prst="rect">
+              <a:avLst/>
+            </a:prstGeom>
+            <a:noFill/>
+            <a:ln>
+              <a:noFill/>
+            </a:ln>
+          </p:spPr>
+          <p:style>
+            <a:lnRef idx="0">
+              <a:scrgbClr r="0" g="0" b="0"/>
+            </a:lnRef>
+            <a:fillRef idx="0">
+              <a:scrgbClr r="0" g="0" b="0"/>
+            </a:fillRef>
+            <a:effectRef idx="0">
+              <a:scrgbClr r="0" g="0" b="0"/>
+            </a:effectRef>
+            <a:fontRef idx="minor">
+              <a:schemeClr val="dk1">
+                <a:hueOff val="0"/>
+                <a:satOff val="0"/>
+                <a:lumOff val="0"/>
+                <a:alphaOff val="0"/>
+              </a:schemeClr>
+            </a:fontRef>
+          </p:style>
+          <p:txBody>
+            <a:bodyPr spcFirstLastPara="0" vert="horz" wrap="square" lIns="16510" tIns="8255" rIns="0" bIns="8255" numCol="1" spcCol="1270" anchor="ctr" anchorCtr="0">
+              <a:noAutofit/>
+            </a:bodyPr>
+            <a:lstStyle/>
+            <a:p>
+              <a:pPr lvl="0" algn="ctr" defTabSz="577850">
+                <a:lnSpc>
+                  <a:spcPct val="90000"/>
+                </a:lnSpc>
+                <a:spcBef>
+                  <a:spcPct val="0"/>
+                </a:spcBef>
+                <a:spcAft>
+                  <a:spcPct val="35000"/>
+                </a:spcAft>
+              </a:pPr>
+              <a:r>
+                <a:rPr lang="en-US" sz="1300" b="1" kern="1200" dirty="0" smtClean="0"/>
+                <a:t>Spread</a:t>
+              </a:r>
+              <a:endParaRPr lang="en-US" sz="1300" b="1" kern="1200" dirty="0"/>
+            </a:p>
+          </p:txBody>
+        </p:sp>
+      </p:grpSp>
+      <p:grpSp>
+        <p:nvGrpSpPr>
+          <p:cNvPr id="33" name="Group 32"/>
+          <p:cNvGrpSpPr/>
+          <p:nvPr/>
+        </p:nvGrpSpPr>
+        <p:grpSpPr>
+          <a:xfrm>
+            <a:off x="5018436" y="153554"/>
+            <a:ext cx="1500778" cy="600311"/>
+            <a:chOff x="5089982" y="2536603"/>
+            <a:chExt cx="1500778" cy="600311"/>
+          </a:xfrm>
+          <a:solidFill>
+            <a:schemeClr val="tx2">
+              <a:lumMod val="20000"/>
+              <a:lumOff val="80000"/>
+            </a:schemeClr>
+          </a:solidFill>
+        </p:grpSpPr>
+        <p:sp>
+          <p:nvSpPr>
+            <p:cNvPr id="34" name="Chevron 33"/>
+            <p:cNvSpPr/>
+            <p:nvPr/>
+          </p:nvSpPr>
+          <p:spPr>
+            <a:xfrm>
+              <a:off x="5089982" y="2536603"/>
+              <a:ext cx="1500778" cy="600311"/>
+            </a:xfrm>
+            <a:prstGeom prst="chevron">
+              <a:avLst/>
+            </a:prstGeom>
+            <a:grpFill/>
+            <a:ln>
+              <a:noFill/>
+            </a:ln>
+          </p:spPr>
+          <p:style>
+            <a:lnRef idx="2">
+              <a:schemeClr val="accent1">
+                <a:alpha val="90000"/>
+                <a:tint val="40000"/>
+                <a:hueOff val="0"/>
+                <a:satOff val="0"/>
+                <a:lumOff val="0"/>
+                <a:alphaOff val="0"/>
+              </a:schemeClr>
+            </a:lnRef>
+            <a:fillRef idx="1">
+              <a:schemeClr val="accent1">
+                <a:alpha val="90000"/>
+                <a:tint val="40000"/>
+                <a:hueOff val="0"/>
+                <a:satOff val="0"/>
+                <a:lumOff val="0"/>
+                <a:alphaOff val="0"/>
+              </a:schemeClr>
+            </a:fillRef>
+            <a:effectRef idx="0">
+              <a:schemeClr val="accent1">
+                <a:alpha val="90000"/>
+                <a:tint val="40000"/>
+                <a:hueOff val="0"/>
+                <a:satOff val="0"/>
+                <a:lumOff val="0"/>
+                <a:alphaOff val="0"/>
+              </a:schemeClr>
+            </a:effectRef>
+            <a:fontRef idx="minor">
+              <a:schemeClr val="dk1">
+                <a:hueOff val="0"/>
+                <a:satOff val="0"/>
+                <a:lumOff val="0"/>
+                <a:alphaOff val="0"/>
+              </a:schemeClr>
+            </a:fontRef>
+          </p:style>
+        </p:sp>
+        <p:sp>
+          <p:nvSpPr>
+            <p:cNvPr id="35" name="Chevron 10"/>
+            <p:cNvSpPr/>
+            <p:nvPr/>
+          </p:nvSpPr>
+          <p:spPr>
+            <a:xfrm>
+              <a:off x="5390138" y="2536603"/>
+              <a:ext cx="900467" cy="600311"/>
+            </a:xfrm>
+            <a:prstGeom prst="rect">
+              <a:avLst/>
+            </a:prstGeom>
+            <a:grpFill/>
+            <a:ln>
+              <a:noFill/>
+            </a:ln>
+          </p:spPr>
+          <p:style>
+            <a:lnRef idx="0">
+              <a:scrgbClr r="0" g="0" b="0"/>
+            </a:lnRef>
+            <a:fillRef idx="0">
+              <a:scrgbClr r="0" g="0" b="0"/>
+            </a:fillRef>
+            <a:effectRef idx="0">
+              <a:scrgbClr r="0" g="0" b="0"/>
+            </a:effectRef>
+            <a:fontRef idx="minor">
+              <a:schemeClr val="dk1">
+                <a:hueOff val="0"/>
+                <a:satOff val="0"/>
+                <a:lumOff val="0"/>
+                <a:alphaOff val="0"/>
+              </a:schemeClr>
+            </a:fontRef>
+          </p:style>
+          <p:txBody>
+            <a:bodyPr spcFirstLastPara="0" vert="horz" wrap="square" lIns="16510" tIns="8255" rIns="0" bIns="8255" numCol="1" spcCol="1270" anchor="ctr" anchorCtr="0">
+              <a:noAutofit/>
+            </a:bodyPr>
+            <a:lstStyle/>
+            <a:p>
+              <a:pPr lvl="0" algn="ctr" defTabSz="577850">
+                <a:lnSpc>
+                  <a:spcPct val="90000"/>
+                </a:lnSpc>
+                <a:spcBef>
+                  <a:spcPct val="0"/>
+                </a:spcBef>
+                <a:spcAft>
+                  <a:spcPct val="35000"/>
+                </a:spcAft>
+              </a:pPr>
+              <a:r>
+                <a:rPr lang="en-US" sz="1300" kern="1200" dirty="0" smtClean="0"/>
+                <a:t>Run times</a:t>
+              </a:r>
+              <a:endParaRPr lang="en-US" sz="1300" kern="1200" dirty="0"/>
+            </a:p>
+          </p:txBody>
+        </p:sp>
+      </p:grpSp>
+      <p:grpSp>
+        <p:nvGrpSpPr>
+          <p:cNvPr id="36" name="Group 35"/>
+          <p:cNvGrpSpPr/>
+          <p:nvPr/>
+        </p:nvGrpSpPr>
+        <p:grpSpPr>
+          <a:xfrm>
+            <a:off x="6309106" y="153554"/>
+            <a:ext cx="1500778" cy="600311"/>
+            <a:chOff x="6380652" y="2536603"/>
+            <a:chExt cx="1500778" cy="600311"/>
+          </a:xfrm>
+          <a:solidFill>
+            <a:schemeClr val="tx2">
+              <a:lumMod val="20000"/>
+              <a:lumOff val="80000"/>
+            </a:schemeClr>
+          </a:solidFill>
+        </p:grpSpPr>
+        <p:sp>
+          <p:nvSpPr>
+            <p:cNvPr id="37" name="Chevron 36"/>
+            <p:cNvSpPr/>
+            <p:nvPr/>
+          </p:nvSpPr>
+          <p:spPr>
+            <a:xfrm>
+              <a:off x="6380652" y="2536603"/>
+              <a:ext cx="1500778" cy="600311"/>
+            </a:xfrm>
+            <a:prstGeom prst="chevron">
+              <a:avLst/>
+            </a:prstGeom>
+            <a:grpFill/>
+            <a:ln>
+              <a:noFill/>
+            </a:ln>
+          </p:spPr>
+          <p:style>
+            <a:lnRef idx="2">
+              <a:schemeClr val="accent1">
+                <a:alpha val="90000"/>
+                <a:tint val="40000"/>
+                <a:hueOff val="0"/>
+                <a:satOff val="0"/>
+                <a:lumOff val="0"/>
+                <a:alphaOff val="0"/>
+              </a:schemeClr>
+            </a:lnRef>
+            <a:fillRef idx="1">
+              <a:schemeClr val="accent1">
+                <a:alpha val="90000"/>
+                <a:tint val="40000"/>
+                <a:hueOff val="0"/>
+                <a:satOff val="0"/>
+                <a:lumOff val="0"/>
+                <a:alphaOff val="0"/>
+              </a:schemeClr>
+            </a:fillRef>
+            <a:effectRef idx="0">
+              <a:schemeClr val="accent1">
+                <a:alpha val="90000"/>
+                <a:tint val="40000"/>
+                <a:hueOff val="0"/>
+                <a:satOff val="0"/>
+                <a:lumOff val="0"/>
+                <a:alphaOff val="0"/>
+              </a:schemeClr>
+            </a:effectRef>
+            <a:fontRef idx="minor">
+              <a:schemeClr val="dk1">
+                <a:hueOff val="0"/>
+                <a:satOff val="0"/>
+                <a:lumOff val="0"/>
+                <a:alphaOff val="0"/>
+              </a:schemeClr>
+            </a:fontRef>
+          </p:style>
+        </p:sp>
+        <p:sp>
+          <p:nvSpPr>
+            <p:cNvPr id="38" name="Chevron 12"/>
+            <p:cNvSpPr/>
+            <p:nvPr/>
+          </p:nvSpPr>
+          <p:spPr>
+            <a:xfrm>
+              <a:off x="6680808" y="2536603"/>
+              <a:ext cx="900467" cy="600311"/>
+            </a:xfrm>
+            <a:prstGeom prst="rect">
+              <a:avLst/>
+            </a:prstGeom>
+            <a:grpFill/>
+            <a:ln>
+              <a:noFill/>
+            </a:ln>
+          </p:spPr>
+          <p:style>
+            <a:lnRef idx="0">
+              <a:scrgbClr r="0" g="0" b="0"/>
+            </a:lnRef>
+            <a:fillRef idx="0">
+              <a:scrgbClr r="0" g="0" b="0"/>
+            </a:fillRef>
+            <a:effectRef idx="0">
+              <a:scrgbClr r="0" g="0" b="0"/>
+            </a:effectRef>
+            <a:fontRef idx="minor">
+              <a:schemeClr val="dk1">
+                <a:hueOff val="0"/>
+                <a:satOff val="0"/>
+                <a:lumOff val="0"/>
+                <a:alphaOff val="0"/>
+              </a:schemeClr>
+            </a:fontRef>
+          </p:style>
+          <p:txBody>
+            <a:bodyPr spcFirstLastPara="0" vert="horz" wrap="square" lIns="16510" tIns="8255" rIns="0" bIns="8255" numCol="1" spcCol="1270" anchor="ctr" anchorCtr="0">
+              <a:noAutofit/>
+            </a:bodyPr>
+            <a:lstStyle/>
+            <a:p>
+              <a:pPr lvl="0" algn="ctr" defTabSz="577850">
+                <a:lnSpc>
+                  <a:spcPct val="90000"/>
+                </a:lnSpc>
+                <a:spcBef>
+                  <a:spcPct val="0"/>
+                </a:spcBef>
+                <a:spcAft>
+                  <a:spcPct val="35000"/>
+                </a:spcAft>
+              </a:pPr>
+              <a:r>
+                <a:rPr lang="en-US" sz="1300" kern="1200" dirty="0" smtClean="0"/>
+                <a:t>Number of evaluations</a:t>
+              </a:r>
+              <a:endParaRPr lang="en-US" sz="1300" kern="1200" dirty="0"/>
+            </a:p>
+          </p:txBody>
+        </p:sp>
+      </p:grpSp>
     </p:spTree>
     <p:extLst>
       <p:ext uri="{BB962C8B-B14F-4D97-AF65-F5344CB8AC3E}">
@@ -15384,29 +16957,6 @@
           <a:chExt cx="0" cy="0"/>
         </a:xfrm>
       </p:grpSpPr>
-      <p:sp>
-        <p:nvSpPr>
-          <p:cNvPr id="2" name="Title 1"/>
-          <p:cNvSpPr>
-            <a:spLocks noGrp="1"/>
-          </p:cNvSpPr>
-          <p:nvPr>
-            <p:ph type="title"/>
-          </p:nvPr>
-        </p:nvSpPr>
-        <p:spPr/>
-        <p:txBody>
-          <a:bodyPr/>
-          <a:lstStyle/>
-          <a:p>
-            <a:r>
-              <a:rPr lang="en-US" dirty="0" smtClean="0"/>
-              <a:t>Run Times</a:t>
-            </a:r>
-            <a:endParaRPr lang="en-US" dirty="0"/>
-          </a:p>
-        </p:txBody>
-      </p:sp>
       <p:graphicFrame>
         <p:nvGraphicFramePr>
           <p:cNvPr id="5" name="Content Placeholder 3"/>
@@ -15416,7 +16966,7 @@
           <p:nvPr>
             <p:extLst>
               <p:ext uri="{D42A27DB-BD31-4B8C-83A1-F6EECF244321}">
-                <p14:modId xmlns:p14="http://schemas.microsoft.com/office/powerpoint/2010/main" val="3417312798"/>
+                <p14:modId xmlns:p14="http://schemas.microsoft.com/office/powerpoint/2010/main" val="158751726"/>
               </p:ext>
             </p:extLst>
           </p:nvPr>
@@ -15893,7 +17443,7 @@
                       <a:pPr algn="ctr" fontAlgn="b"/>
                       <a:r>
                         <a:rPr lang="en-US" dirty="0" smtClean="0"/>
-                        <a:t>60.24</a:t>
+                        <a:t>37.66</a:t>
                       </a:r>
                       <a:endParaRPr lang="en-US" sz="1800" b="0" i="0" u="none" strike="noStrike" dirty="0">
                         <a:solidFill>
@@ -15967,7 +17517,7 @@
                       </a:pPr>
                       <a:r>
                         <a:rPr lang="en-US" dirty="0" smtClean="0"/>
-                        <a:t>173.58</a:t>
+                        <a:t>91.20</a:t>
                       </a:r>
                       <a:endParaRPr lang="en-US" sz="1800" b="0" i="0" u="none" strike="noStrike" dirty="0" smtClean="0">
                         <a:solidFill>
@@ -16093,7 +17643,7 @@
                       <a:pPr algn="ctr"/>
                       <a:r>
                         <a:rPr lang="en-US" dirty="0" smtClean="0"/>
-                        <a:t>18.48</a:t>
+                        <a:t>26.63</a:t>
                       </a:r>
                       <a:endParaRPr lang="en-US" dirty="0"/>
                     </a:p>
@@ -16145,7 +17695,7 @@
                       <a:pPr algn="ctr"/>
                       <a:r>
                         <a:rPr lang="en-US" dirty="0" smtClean="0"/>
-                        <a:t>27.18</a:t>
+                        <a:t>26.25</a:t>
                       </a:r>
                       <a:endParaRPr lang="en-US" dirty="0"/>
                     </a:p>
@@ -16441,7 +17991,7 @@
                       <a:pPr algn="ctr"/>
                       <a:r>
                         <a:rPr lang="en-US" dirty="0" smtClean="0"/>
-                        <a:t>29.86</a:t>
+                        <a:t>49.26</a:t>
                       </a:r>
                       <a:endParaRPr lang="en-US" dirty="0"/>
                     </a:p>
@@ -16493,7 +18043,7 @@
                       <a:pPr algn="ctr"/>
                       <a:r>
                         <a:rPr lang="en-US" dirty="0" smtClean="0"/>
-                        <a:t>33.67</a:t>
+                        <a:t>23.23</a:t>
                       </a:r>
                       <a:endParaRPr lang="en-US" dirty="0"/>
                     </a:p>
@@ -16785,7 +18335,7 @@
                       <a:pPr algn="ctr"/>
                       <a:r>
                         <a:rPr lang="en-US" dirty="0" smtClean="0"/>
-                        <a:t>1.63</a:t>
+                        <a:t>2.14</a:t>
                       </a:r>
                       <a:endParaRPr lang="en-US" dirty="0"/>
                     </a:p>
@@ -16837,7 +18387,7 @@
                       <a:pPr algn="ctr"/>
                       <a:r>
                         <a:rPr lang="en-US" dirty="0" smtClean="0"/>
-                        <a:t>2.72</a:t>
+                        <a:t>1.63</a:t>
                       </a:r>
                       <a:endParaRPr lang="en-US" dirty="0"/>
                     </a:p>
@@ -16957,7 +18507,7 @@
                       <a:pPr algn="ctr"/>
                       <a:r>
                         <a:rPr lang="en-US" dirty="0" smtClean="0"/>
-                        <a:t>0.76</a:t>
+                        <a:t>0.80</a:t>
                       </a:r>
                       <a:endParaRPr lang="en-US" dirty="0"/>
                     </a:p>
@@ -17009,7 +18559,7 @@
                       <a:pPr algn="ctr"/>
                       <a:r>
                         <a:rPr lang="en-US" dirty="0" smtClean="0"/>
-                        <a:t>1.16</a:t>
+                        <a:t>0.61</a:t>
                       </a:r>
                       <a:endParaRPr lang="en-US" dirty="0"/>
                     </a:p>
@@ -17098,44 +18648,6 @@
       </p:sp>
       <p:sp>
         <p:nvSpPr>
-          <p:cNvPr id="7" name="5-Point Star 6"/>
-          <p:cNvSpPr/>
-          <p:nvPr/>
-        </p:nvSpPr>
-        <p:spPr>
-          <a:xfrm>
-            <a:off x="3215028" y="3616588"/>
-            <a:ext cx="228600" cy="180474"/>
-          </a:xfrm>
-          <a:prstGeom prst="star5">
-            <a:avLst/>
-          </a:prstGeom>
-        </p:spPr>
-        <p:style>
-          <a:lnRef idx="1">
-            <a:schemeClr val="accent6"/>
-          </a:lnRef>
-          <a:fillRef idx="2">
-            <a:schemeClr val="accent6"/>
-          </a:fillRef>
-          <a:effectRef idx="1">
-            <a:schemeClr val="accent6"/>
-          </a:effectRef>
-          <a:fontRef idx="minor">
-            <a:schemeClr val="dk1"/>
-          </a:fontRef>
-        </p:style>
-        <p:txBody>
-          <a:bodyPr rtlCol="0" anchor="ctr"/>
-          <a:lstStyle/>
-          <a:p>
-            <a:pPr algn="ctr"/>
-            <a:endParaRPr lang="en-US"/>
-          </a:p>
-        </p:txBody>
-      </p:sp>
-      <p:sp>
-        <p:nvSpPr>
           <p:cNvPr id="8" name="5-Point Star 7"/>
           <p:cNvSpPr/>
           <p:nvPr/>
@@ -17143,44 +18655,6 @@
         <p:spPr>
           <a:xfrm>
             <a:off x="5458920" y="4057831"/>
-            <a:ext cx="228600" cy="180474"/>
-          </a:xfrm>
-          <a:prstGeom prst="star5">
-            <a:avLst/>
-          </a:prstGeom>
-        </p:spPr>
-        <p:style>
-          <a:lnRef idx="1">
-            <a:schemeClr val="accent6"/>
-          </a:lnRef>
-          <a:fillRef idx="2">
-            <a:schemeClr val="accent6"/>
-          </a:fillRef>
-          <a:effectRef idx="1">
-            <a:schemeClr val="accent6"/>
-          </a:effectRef>
-          <a:fontRef idx="minor">
-            <a:schemeClr val="dk1"/>
-          </a:fontRef>
-        </p:style>
-        <p:txBody>
-          <a:bodyPr rtlCol="0" anchor="ctr"/>
-          <a:lstStyle/>
-          <a:p>
-            <a:pPr algn="ctr"/>
-            <a:endParaRPr lang="en-US"/>
-          </a:p>
-        </p:txBody>
-      </p:sp>
-      <p:sp>
-        <p:nvSpPr>
-          <p:cNvPr id="9" name="5-Point Star 8"/>
-          <p:cNvSpPr/>
-          <p:nvPr/>
-        </p:nvSpPr>
-        <p:spPr>
-          <a:xfrm>
-            <a:off x="3215028" y="4527063"/>
             <a:ext cx="228600" cy="180474"/>
           </a:xfrm>
           <a:prstGeom prst="star5">
@@ -17256,7 +18730,7 @@
         </p:nvSpPr>
         <p:spPr>
           <a:xfrm>
-            <a:off x="3215028" y="5441463"/>
+            <a:off x="5470326" y="5477559"/>
             <a:ext cx="228600" cy="180474"/>
           </a:xfrm>
           <a:prstGeom prst="star5">
@@ -17423,51 +18897,6 @@
       </p:sp>
       <p:sp>
         <p:nvSpPr>
-          <p:cNvPr id="15" name="5-Point Star 14"/>
-          <p:cNvSpPr/>
-          <p:nvPr/>
-        </p:nvSpPr>
-        <p:spPr>
-          <a:xfrm>
-            <a:off x="5458920" y="4533079"/>
-            <a:ext cx="228600" cy="180474"/>
-          </a:xfrm>
-          <a:prstGeom prst="star5">
-            <a:avLst/>
-          </a:prstGeom>
-          <a:ln>
-            <a:solidFill>
-              <a:schemeClr val="bg1">
-                <a:lumMod val="65000"/>
-              </a:schemeClr>
-            </a:solidFill>
-          </a:ln>
-        </p:spPr>
-        <p:style>
-          <a:lnRef idx="1">
-            <a:schemeClr val="dk1"/>
-          </a:lnRef>
-          <a:fillRef idx="2">
-            <a:schemeClr val="dk1"/>
-          </a:fillRef>
-          <a:effectRef idx="1">
-            <a:schemeClr val="dk1"/>
-          </a:effectRef>
-          <a:fontRef idx="minor">
-            <a:schemeClr val="dk1"/>
-          </a:fontRef>
-        </p:style>
-        <p:txBody>
-          <a:bodyPr rtlCol="0" anchor="ctr"/>
-          <a:lstStyle/>
-          <a:p>
-            <a:pPr algn="ctr"/>
-            <a:endParaRPr lang="en-US"/>
-          </a:p>
-        </p:txBody>
-      </p:sp>
-      <p:sp>
-        <p:nvSpPr>
           <p:cNvPr id="16" name="5-Point Star 15"/>
           <p:cNvSpPr/>
           <p:nvPr/>
@@ -17513,13 +18942,13 @@
       </p:sp>
       <p:sp>
         <p:nvSpPr>
-          <p:cNvPr id="17" name="5-Point Star 16"/>
+          <p:cNvPr id="20" name="5-Point Star 19"/>
           <p:cNvSpPr/>
           <p:nvPr/>
         </p:nvSpPr>
         <p:spPr>
           <a:xfrm>
-            <a:off x="5458920" y="5447479"/>
+            <a:off x="3215028" y="3612663"/>
             <a:ext cx="228600" cy="180474"/>
           </a:xfrm>
           <a:prstGeom prst="star5">
@@ -17558,13 +18987,13 @@
       </p:sp>
       <p:sp>
         <p:nvSpPr>
-          <p:cNvPr id="18" name="5-Point Star 17"/>
+          <p:cNvPr id="22" name="5-Point Star 21"/>
           <p:cNvSpPr/>
           <p:nvPr/>
         </p:nvSpPr>
         <p:spPr>
           <a:xfrm>
-            <a:off x="3215028" y="5894738"/>
+            <a:off x="5470326" y="4545111"/>
             <a:ext cx="228600" cy="180474"/>
           </a:xfrm>
           <a:prstGeom prst="star5">
@@ -17596,13 +19025,13 @@
       </p:sp>
       <p:sp>
         <p:nvSpPr>
-          <p:cNvPr id="19" name="5-Point Star 18"/>
+          <p:cNvPr id="23" name="5-Point Star 22"/>
           <p:cNvSpPr/>
           <p:nvPr/>
         </p:nvSpPr>
         <p:spPr>
           <a:xfrm>
-            <a:off x="5458920" y="5894738"/>
+            <a:off x="3235548" y="4545111"/>
             <a:ext cx="228600" cy="180474"/>
           </a:xfrm>
           <a:prstGeom prst="star5">
@@ -17639,6 +19068,891 @@
           </a:p>
         </p:txBody>
       </p:sp>
+      <p:sp>
+        <p:nvSpPr>
+          <p:cNvPr id="24" name="5-Point Star 23"/>
+          <p:cNvSpPr/>
+          <p:nvPr/>
+        </p:nvSpPr>
+        <p:spPr>
+          <a:xfrm>
+            <a:off x="3215028" y="5913540"/>
+            <a:ext cx="228600" cy="180474"/>
+          </a:xfrm>
+          <a:prstGeom prst="star5">
+            <a:avLst/>
+          </a:prstGeom>
+          <a:ln>
+            <a:solidFill>
+              <a:schemeClr val="bg1">
+                <a:lumMod val="65000"/>
+              </a:schemeClr>
+            </a:solidFill>
+          </a:ln>
+        </p:spPr>
+        <p:style>
+          <a:lnRef idx="1">
+            <a:schemeClr val="dk1"/>
+          </a:lnRef>
+          <a:fillRef idx="2">
+            <a:schemeClr val="dk1"/>
+          </a:fillRef>
+          <a:effectRef idx="1">
+            <a:schemeClr val="dk1"/>
+          </a:effectRef>
+          <a:fontRef idx="minor">
+            <a:schemeClr val="dk1"/>
+          </a:fontRef>
+        </p:style>
+        <p:txBody>
+          <a:bodyPr rtlCol="0" anchor="ctr"/>
+          <a:lstStyle/>
+          <a:p>
+            <a:pPr algn="ctr"/>
+            <a:endParaRPr lang="en-US"/>
+          </a:p>
+        </p:txBody>
+      </p:sp>
+      <p:sp>
+        <p:nvSpPr>
+          <p:cNvPr id="25" name="5-Point Star 24"/>
+          <p:cNvSpPr/>
+          <p:nvPr/>
+        </p:nvSpPr>
+        <p:spPr>
+          <a:xfrm>
+            <a:off x="5470326" y="5909543"/>
+            <a:ext cx="228600" cy="180474"/>
+          </a:xfrm>
+          <a:prstGeom prst="star5">
+            <a:avLst/>
+          </a:prstGeom>
+        </p:spPr>
+        <p:style>
+          <a:lnRef idx="1">
+            <a:schemeClr val="accent6"/>
+          </a:lnRef>
+          <a:fillRef idx="2">
+            <a:schemeClr val="accent6"/>
+          </a:fillRef>
+          <a:effectRef idx="1">
+            <a:schemeClr val="accent6"/>
+          </a:effectRef>
+          <a:fontRef idx="minor">
+            <a:schemeClr val="dk1"/>
+          </a:fontRef>
+        </p:style>
+        <p:txBody>
+          <a:bodyPr rtlCol="0" anchor="ctr"/>
+          <a:lstStyle/>
+          <a:p>
+            <a:pPr algn="ctr"/>
+            <a:endParaRPr lang="en-US"/>
+          </a:p>
+        </p:txBody>
+      </p:sp>
+      <p:sp>
+        <p:nvSpPr>
+          <p:cNvPr id="26" name="5-Point Star 25"/>
+          <p:cNvSpPr/>
+          <p:nvPr/>
+        </p:nvSpPr>
+        <p:spPr>
+          <a:xfrm>
+            <a:off x="3215028" y="5477559"/>
+            <a:ext cx="228600" cy="180474"/>
+          </a:xfrm>
+          <a:prstGeom prst="star5">
+            <a:avLst/>
+          </a:prstGeom>
+          <a:ln>
+            <a:solidFill>
+              <a:schemeClr val="bg1">
+                <a:lumMod val="65000"/>
+              </a:schemeClr>
+            </a:solidFill>
+          </a:ln>
+        </p:spPr>
+        <p:style>
+          <a:lnRef idx="1">
+            <a:schemeClr val="dk1"/>
+          </a:lnRef>
+          <a:fillRef idx="2">
+            <a:schemeClr val="dk1"/>
+          </a:fillRef>
+          <a:effectRef idx="1">
+            <a:schemeClr val="dk1"/>
+          </a:effectRef>
+          <a:fontRef idx="minor">
+            <a:schemeClr val="dk1"/>
+          </a:fontRef>
+        </p:style>
+        <p:txBody>
+          <a:bodyPr rtlCol="0" anchor="ctr"/>
+          <a:lstStyle/>
+          <a:p>
+            <a:pPr algn="ctr"/>
+            <a:endParaRPr lang="en-US"/>
+          </a:p>
+        </p:txBody>
+      </p:sp>
+      <p:sp>
+        <p:nvSpPr>
+          <p:cNvPr id="28" name="Title 1"/>
+          <p:cNvSpPr txBox="1">
+            <a:spLocks/>
+          </p:cNvSpPr>
+          <p:nvPr/>
+        </p:nvSpPr>
+        <p:spPr>
+          <a:xfrm>
+            <a:off x="457200" y="605533"/>
+            <a:ext cx="8229600" cy="1143000"/>
+          </a:xfrm>
+          <a:prstGeom prst="rect">
+            <a:avLst/>
+          </a:prstGeom>
+          <a:ln>
+            <a:solidFill>
+              <a:schemeClr val="tx1">
+                <a:alpha val="0"/>
+              </a:schemeClr>
+            </a:solidFill>
+          </a:ln>
+          <a:scene3d>
+            <a:camera prst="orthographicFront"/>
+            <a:lightRig rig="threePt" dir="t"/>
+          </a:scene3d>
+          <a:sp3d>
+            <a:bevelT/>
+            <a:bevelB/>
+          </a:sp3d>
+        </p:spPr>
+        <p:txBody>
+          <a:bodyPr vert="horz" lIns="91440" tIns="45720" rIns="91440" bIns="45720" rtlCol="0" anchor="ctr">
+            <a:normAutofit/>
+          </a:bodyPr>
+          <a:lstStyle>
+            <a:lvl1pPr algn="ctr" defTabSz="457200" rtl="0" eaLnBrk="1" latinLnBrk="0" hangingPunct="1">
+              <a:spcBef>
+                <a:spcPct val="0"/>
+              </a:spcBef>
+              <a:buNone/>
+              <a:defRPr sz="4400" kern="1200">
+                <a:solidFill>
+                  <a:srgbClr val="558ED5"/>
+                </a:solidFill>
+                <a:latin typeface="+mj-lt"/>
+                <a:ea typeface="+mj-ea"/>
+                <a:cs typeface="+mj-cs"/>
+              </a:defRPr>
+            </a:lvl1pPr>
+          </a:lstStyle>
+          <a:p>
+            <a:r>
+              <a:rPr lang="en-US" dirty="0" smtClean="0"/>
+              <a:t>Runtimes</a:t>
+            </a:r>
+            <a:endParaRPr lang="en-US" dirty="0"/>
+          </a:p>
+        </p:txBody>
+      </p:sp>
+      <p:grpSp>
+        <p:nvGrpSpPr>
+          <p:cNvPr id="29" name="Group 28"/>
+          <p:cNvGrpSpPr/>
+          <p:nvPr/>
+        </p:nvGrpSpPr>
+        <p:grpSpPr>
+          <a:xfrm>
+            <a:off x="863991" y="92076"/>
+            <a:ext cx="1808167" cy="723266"/>
+            <a:chOff x="935537" y="2475125"/>
+            <a:chExt cx="1808167" cy="723266"/>
+          </a:xfrm>
+        </p:grpSpPr>
+        <p:sp>
+          <p:nvSpPr>
+            <p:cNvPr id="30" name="Chevron 29"/>
+            <p:cNvSpPr/>
+            <p:nvPr/>
+          </p:nvSpPr>
+          <p:spPr>
+            <a:xfrm>
+              <a:off x="935537" y="2475125"/>
+              <a:ext cx="1808167" cy="723266"/>
+            </a:xfrm>
+            <a:prstGeom prst="chevron">
+              <a:avLst/>
+            </a:prstGeom>
+          </p:spPr>
+          <p:style>
+            <a:lnRef idx="2">
+              <a:schemeClr val="lt1">
+                <a:hueOff val="0"/>
+                <a:satOff val="0"/>
+                <a:lumOff val="0"/>
+                <a:alphaOff val="0"/>
+              </a:schemeClr>
+            </a:lnRef>
+            <a:fillRef idx="1">
+              <a:schemeClr val="accent1">
+                <a:hueOff val="0"/>
+                <a:satOff val="0"/>
+                <a:lumOff val="0"/>
+                <a:alphaOff val="0"/>
+              </a:schemeClr>
+            </a:fillRef>
+            <a:effectRef idx="0">
+              <a:schemeClr val="accent1">
+                <a:hueOff val="0"/>
+                <a:satOff val="0"/>
+                <a:lumOff val="0"/>
+                <a:alphaOff val="0"/>
+              </a:schemeClr>
+            </a:effectRef>
+            <a:fontRef idx="minor">
+              <a:schemeClr val="lt1"/>
+            </a:fontRef>
+          </p:style>
+        </p:sp>
+        <p:sp>
+          <p:nvSpPr>
+            <p:cNvPr id="31" name="Chevron 4"/>
+            <p:cNvSpPr/>
+            <p:nvPr/>
+          </p:nvSpPr>
+          <p:spPr>
+            <a:xfrm>
+              <a:off x="1297170" y="2475125"/>
+              <a:ext cx="1084901" cy="723266"/>
+            </a:xfrm>
+            <a:prstGeom prst="rect">
+              <a:avLst/>
+            </a:prstGeom>
+          </p:spPr>
+          <p:style>
+            <a:lnRef idx="0">
+              <a:scrgbClr r="0" g="0" b="0"/>
+            </a:lnRef>
+            <a:fillRef idx="0">
+              <a:scrgbClr r="0" g="0" b="0"/>
+            </a:fillRef>
+            <a:effectRef idx="0">
+              <a:scrgbClr r="0" g="0" b="0"/>
+            </a:effectRef>
+            <a:fontRef idx="minor">
+              <a:schemeClr val="lt1"/>
+            </a:fontRef>
+          </p:style>
+          <p:txBody>
+            <a:bodyPr spcFirstLastPara="0" vert="horz" wrap="square" lIns="19050" tIns="9525" rIns="0" bIns="9525" numCol="1" spcCol="1270" anchor="ctr" anchorCtr="0">
+              <a:noAutofit/>
+            </a:bodyPr>
+            <a:lstStyle/>
+            <a:p>
+              <a:pPr lvl="0" algn="ctr" defTabSz="666750">
+                <a:lnSpc>
+                  <a:spcPct val="90000"/>
+                </a:lnSpc>
+                <a:spcBef>
+                  <a:spcPct val="0"/>
+                </a:spcBef>
+                <a:spcAft>
+                  <a:spcPct val="35000"/>
+                </a:spcAft>
+              </a:pPr>
+              <a:r>
+                <a:rPr lang="en-US" sz="1500" kern="1200" dirty="0" smtClean="0"/>
+                <a:t>Experiments</a:t>
+              </a:r>
+              <a:endParaRPr lang="en-US" sz="1500" kern="1200" dirty="0"/>
+            </a:p>
+          </p:txBody>
+        </p:sp>
+      </p:grpSp>
+      <p:grpSp>
+        <p:nvGrpSpPr>
+          <p:cNvPr id="32" name="Group 31"/>
+          <p:cNvGrpSpPr/>
+          <p:nvPr/>
+        </p:nvGrpSpPr>
+        <p:grpSpPr>
+          <a:xfrm>
+            <a:off x="2437096" y="153554"/>
+            <a:ext cx="1500778" cy="600311"/>
+            <a:chOff x="2508642" y="2536603"/>
+            <a:chExt cx="1500778" cy="600311"/>
+          </a:xfrm>
+          <a:solidFill>
+            <a:schemeClr val="tx2">
+              <a:lumMod val="20000"/>
+              <a:lumOff val="80000"/>
+            </a:schemeClr>
+          </a:solidFill>
+        </p:grpSpPr>
+        <p:sp>
+          <p:nvSpPr>
+            <p:cNvPr id="33" name="Chevron 32"/>
+            <p:cNvSpPr/>
+            <p:nvPr/>
+          </p:nvSpPr>
+          <p:spPr>
+            <a:xfrm>
+              <a:off x="2508642" y="2536603"/>
+              <a:ext cx="1500778" cy="600311"/>
+            </a:xfrm>
+            <a:prstGeom prst="chevron">
+              <a:avLst/>
+            </a:prstGeom>
+            <a:grpFill/>
+            <a:ln>
+              <a:noFill/>
+            </a:ln>
+          </p:spPr>
+          <p:style>
+            <a:lnRef idx="2">
+              <a:schemeClr val="accent1">
+                <a:alpha val="90000"/>
+                <a:tint val="40000"/>
+                <a:hueOff val="0"/>
+                <a:satOff val="0"/>
+                <a:lumOff val="0"/>
+                <a:alphaOff val="0"/>
+              </a:schemeClr>
+            </a:lnRef>
+            <a:fillRef idx="1">
+              <a:schemeClr val="accent1">
+                <a:alpha val="90000"/>
+                <a:tint val="40000"/>
+                <a:hueOff val="0"/>
+                <a:satOff val="0"/>
+                <a:lumOff val="0"/>
+                <a:alphaOff val="0"/>
+              </a:schemeClr>
+            </a:fillRef>
+            <a:effectRef idx="0">
+              <a:schemeClr val="accent1">
+                <a:alpha val="90000"/>
+                <a:tint val="40000"/>
+                <a:hueOff val="0"/>
+                <a:satOff val="0"/>
+                <a:lumOff val="0"/>
+                <a:alphaOff val="0"/>
+              </a:schemeClr>
+            </a:effectRef>
+            <a:fontRef idx="minor">
+              <a:schemeClr val="dk1">
+                <a:hueOff val="0"/>
+                <a:satOff val="0"/>
+                <a:lumOff val="0"/>
+                <a:alphaOff val="0"/>
+              </a:schemeClr>
+            </a:fontRef>
+          </p:style>
+        </p:sp>
+        <p:sp>
+          <p:nvSpPr>
+            <p:cNvPr id="34" name="Chevron 6"/>
+            <p:cNvSpPr/>
+            <p:nvPr/>
+          </p:nvSpPr>
+          <p:spPr>
+            <a:xfrm>
+              <a:off x="2808798" y="2536603"/>
+              <a:ext cx="900467" cy="600311"/>
+            </a:xfrm>
+            <a:prstGeom prst="rect">
+              <a:avLst/>
+            </a:prstGeom>
+            <a:grpFill/>
+            <a:ln>
+              <a:noFill/>
+            </a:ln>
+          </p:spPr>
+          <p:style>
+            <a:lnRef idx="0">
+              <a:scrgbClr r="0" g="0" b="0"/>
+            </a:lnRef>
+            <a:fillRef idx="0">
+              <a:scrgbClr r="0" g="0" b="0"/>
+            </a:fillRef>
+            <a:effectRef idx="0">
+              <a:scrgbClr r="0" g="0" b="0"/>
+            </a:effectRef>
+            <a:fontRef idx="minor">
+              <a:schemeClr val="dk1">
+                <a:hueOff val="0"/>
+                <a:satOff val="0"/>
+                <a:lumOff val="0"/>
+                <a:alphaOff val="0"/>
+              </a:schemeClr>
+            </a:fontRef>
+          </p:style>
+          <p:txBody>
+            <a:bodyPr spcFirstLastPara="0" vert="horz" wrap="square" lIns="16510" tIns="8255" rIns="0" bIns="8255" numCol="1" spcCol="1270" anchor="ctr" anchorCtr="0">
+              <a:noAutofit/>
+            </a:bodyPr>
+            <a:lstStyle/>
+            <a:p>
+              <a:pPr lvl="0" algn="ctr" defTabSz="577850">
+                <a:lnSpc>
+                  <a:spcPct val="90000"/>
+                </a:lnSpc>
+                <a:spcBef>
+                  <a:spcPct val="0"/>
+                </a:spcBef>
+                <a:spcAft>
+                  <a:spcPct val="35000"/>
+                </a:spcAft>
+              </a:pPr>
+              <a:r>
+                <a:rPr lang="en-US" sz="1300" kern="1200" dirty="0" smtClean="0"/>
+                <a:t>Energy</a:t>
+              </a:r>
+              <a:endParaRPr lang="en-US" sz="1300" kern="1200" dirty="0"/>
+            </a:p>
+          </p:txBody>
+        </p:sp>
+      </p:grpSp>
+      <p:grpSp>
+        <p:nvGrpSpPr>
+          <p:cNvPr id="35" name="Group 34"/>
+          <p:cNvGrpSpPr/>
+          <p:nvPr/>
+        </p:nvGrpSpPr>
+        <p:grpSpPr>
+          <a:xfrm>
+            <a:off x="3727766" y="153554"/>
+            <a:ext cx="1500778" cy="600311"/>
+            <a:chOff x="3799312" y="2536603"/>
+            <a:chExt cx="1500778" cy="600311"/>
+          </a:xfrm>
+          <a:solidFill>
+            <a:schemeClr val="tx2">
+              <a:lumMod val="20000"/>
+              <a:lumOff val="80000"/>
+            </a:schemeClr>
+          </a:solidFill>
+        </p:grpSpPr>
+        <p:sp>
+          <p:nvSpPr>
+            <p:cNvPr id="36" name="Chevron 35"/>
+            <p:cNvSpPr/>
+            <p:nvPr/>
+          </p:nvSpPr>
+          <p:spPr>
+            <a:xfrm>
+              <a:off x="3799312" y="2536603"/>
+              <a:ext cx="1500778" cy="600311"/>
+            </a:xfrm>
+            <a:prstGeom prst="chevron">
+              <a:avLst/>
+            </a:prstGeom>
+            <a:grpFill/>
+            <a:ln>
+              <a:noFill/>
+            </a:ln>
+          </p:spPr>
+          <p:style>
+            <a:lnRef idx="2">
+              <a:schemeClr val="accent1">
+                <a:alpha val="90000"/>
+                <a:tint val="40000"/>
+                <a:hueOff val="0"/>
+                <a:satOff val="0"/>
+                <a:lumOff val="0"/>
+                <a:alphaOff val="0"/>
+              </a:schemeClr>
+            </a:lnRef>
+            <a:fillRef idx="1">
+              <a:schemeClr val="accent1">
+                <a:alpha val="90000"/>
+                <a:tint val="40000"/>
+                <a:hueOff val="0"/>
+                <a:satOff val="0"/>
+                <a:lumOff val="0"/>
+                <a:alphaOff val="0"/>
+              </a:schemeClr>
+            </a:fillRef>
+            <a:effectRef idx="0">
+              <a:schemeClr val="accent1">
+                <a:alpha val="90000"/>
+                <a:tint val="40000"/>
+                <a:hueOff val="0"/>
+                <a:satOff val="0"/>
+                <a:lumOff val="0"/>
+                <a:alphaOff val="0"/>
+              </a:schemeClr>
+            </a:effectRef>
+            <a:fontRef idx="minor">
+              <a:schemeClr val="dk1">
+                <a:hueOff val="0"/>
+                <a:satOff val="0"/>
+                <a:lumOff val="0"/>
+                <a:alphaOff val="0"/>
+              </a:schemeClr>
+            </a:fontRef>
+          </p:style>
+        </p:sp>
+        <p:sp>
+          <p:nvSpPr>
+            <p:cNvPr id="37" name="Chevron 8"/>
+            <p:cNvSpPr/>
+            <p:nvPr/>
+          </p:nvSpPr>
+          <p:spPr>
+            <a:xfrm>
+              <a:off x="4099468" y="2536603"/>
+              <a:ext cx="900467" cy="600311"/>
+            </a:xfrm>
+            <a:prstGeom prst="rect">
+              <a:avLst/>
+            </a:prstGeom>
+            <a:grpFill/>
+            <a:ln>
+              <a:noFill/>
+            </a:ln>
+          </p:spPr>
+          <p:style>
+            <a:lnRef idx="0">
+              <a:scrgbClr r="0" g="0" b="0"/>
+            </a:lnRef>
+            <a:fillRef idx="0">
+              <a:scrgbClr r="0" g="0" b="0"/>
+            </a:fillRef>
+            <a:effectRef idx="0">
+              <a:scrgbClr r="0" g="0" b="0"/>
+            </a:effectRef>
+            <a:fontRef idx="minor">
+              <a:schemeClr val="dk1">
+                <a:hueOff val="0"/>
+                <a:satOff val="0"/>
+                <a:lumOff val="0"/>
+                <a:alphaOff val="0"/>
+              </a:schemeClr>
+            </a:fontRef>
+          </p:style>
+          <p:txBody>
+            <a:bodyPr spcFirstLastPara="0" vert="horz" wrap="square" lIns="16510" tIns="8255" rIns="0" bIns="8255" numCol="1" spcCol="1270" anchor="ctr" anchorCtr="0">
+              <a:noAutofit/>
+            </a:bodyPr>
+            <a:lstStyle/>
+            <a:p>
+              <a:pPr lvl="0" algn="ctr" defTabSz="577850">
+                <a:lnSpc>
+                  <a:spcPct val="90000"/>
+                </a:lnSpc>
+                <a:spcBef>
+                  <a:spcPct val="0"/>
+                </a:spcBef>
+                <a:spcAft>
+                  <a:spcPct val="35000"/>
+                </a:spcAft>
+              </a:pPr>
+              <a:r>
+                <a:rPr lang="en-US" sz="1300" kern="1200" dirty="0" smtClean="0"/>
+                <a:t>Spread</a:t>
+              </a:r>
+              <a:endParaRPr lang="en-US" sz="1300" kern="1200" dirty="0"/>
+            </a:p>
+          </p:txBody>
+        </p:sp>
+      </p:grpSp>
+      <p:grpSp>
+        <p:nvGrpSpPr>
+          <p:cNvPr id="38" name="Group 37"/>
+          <p:cNvGrpSpPr/>
+          <p:nvPr/>
+        </p:nvGrpSpPr>
+        <p:grpSpPr>
+          <a:xfrm>
+            <a:off x="5018436" y="153554"/>
+            <a:ext cx="1500778" cy="600311"/>
+            <a:chOff x="5089982" y="2536603"/>
+            <a:chExt cx="1500778" cy="600311"/>
+          </a:xfrm>
+          <a:solidFill>
+            <a:schemeClr val="tx2">
+              <a:lumMod val="20000"/>
+              <a:lumOff val="80000"/>
+            </a:schemeClr>
+          </a:solidFill>
+        </p:grpSpPr>
+        <p:sp>
+          <p:nvSpPr>
+            <p:cNvPr id="39" name="Chevron 38"/>
+            <p:cNvSpPr/>
+            <p:nvPr/>
+          </p:nvSpPr>
+          <p:spPr>
+            <a:xfrm>
+              <a:off x="5089982" y="2536603"/>
+              <a:ext cx="1500778" cy="600311"/>
+            </a:xfrm>
+            <a:prstGeom prst="chevron">
+              <a:avLst/>
+            </a:prstGeom>
+            <a:solidFill>
+              <a:schemeClr val="bg1">
+                <a:lumMod val="85000"/>
+              </a:schemeClr>
+            </a:solidFill>
+            <a:ln>
+              <a:solidFill>
+                <a:schemeClr val="tx1"/>
+              </a:solidFill>
+            </a:ln>
+          </p:spPr>
+          <p:style>
+            <a:lnRef idx="2">
+              <a:schemeClr val="accent1">
+                <a:alpha val="90000"/>
+                <a:tint val="40000"/>
+                <a:hueOff val="0"/>
+                <a:satOff val="0"/>
+                <a:lumOff val="0"/>
+                <a:alphaOff val="0"/>
+              </a:schemeClr>
+            </a:lnRef>
+            <a:fillRef idx="1">
+              <a:schemeClr val="accent1">
+                <a:alpha val="90000"/>
+                <a:tint val="40000"/>
+                <a:hueOff val="0"/>
+                <a:satOff val="0"/>
+                <a:lumOff val="0"/>
+                <a:alphaOff val="0"/>
+              </a:schemeClr>
+            </a:fillRef>
+            <a:effectRef idx="0">
+              <a:schemeClr val="accent1">
+                <a:alpha val="90000"/>
+                <a:tint val="40000"/>
+                <a:hueOff val="0"/>
+                <a:satOff val="0"/>
+                <a:lumOff val="0"/>
+                <a:alphaOff val="0"/>
+              </a:schemeClr>
+            </a:effectRef>
+            <a:fontRef idx="minor">
+              <a:schemeClr val="dk1">
+                <a:hueOff val="0"/>
+                <a:satOff val="0"/>
+                <a:lumOff val="0"/>
+                <a:alphaOff val="0"/>
+              </a:schemeClr>
+            </a:fontRef>
+          </p:style>
+        </p:sp>
+        <p:sp>
+          <p:nvSpPr>
+            <p:cNvPr id="40" name="Chevron 10"/>
+            <p:cNvSpPr/>
+            <p:nvPr/>
+          </p:nvSpPr>
+          <p:spPr>
+            <a:xfrm>
+              <a:off x="5390138" y="2536603"/>
+              <a:ext cx="900467" cy="600311"/>
+            </a:xfrm>
+            <a:prstGeom prst="rect">
+              <a:avLst/>
+            </a:prstGeom>
+            <a:noFill/>
+            <a:ln>
+              <a:noFill/>
+            </a:ln>
+          </p:spPr>
+          <p:style>
+            <a:lnRef idx="0">
+              <a:scrgbClr r="0" g="0" b="0"/>
+            </a:lnRef>
+            <a:fillRef idx="0">
+              <a:scrgbClr r="0" g="0" b="0"/>
+            </a:fillRef>
+            <a:effectRef idx="0">
+              <a:scrgbClr r="0" g="0" b="0"/>
+            </a:effectRef>
+            <a:fontRef idx="minor">
+              <a:schemeClr val="dk1">
+                <a:hueOff val="0"/>
+                <a:satOff val="0"/>
+                <a:lumOff val="0"/>
+                <a:alphaOff val="0"/>
+              </a:schemeClr>
+            </a:fontRef>
+          </p:style>
+          <p:txBody>
+            <a:bodyPr spcFirstLastPara="0" vert="horz" wrap="square" lIns="16510" tIns="8255" rIns="0" bIns="8255" numCol="1" spcCol="1270" anchor="ctr" anchorCtr="0">
+              <a:noAutofit/>
+            </a:bodyPr>
+            <a:lstStyle/>
+            <a:p>
+              <a:pPr lvl="0" algn="ctr" defTabSz="577850">
+                <a:lnSpc>
+                  <a:spcPct val="90000"/>
+                </a:lnSpc>
+                <a:spcBef>
+                  <a:spcPct val="0"/>
+                </a:spcBef>
+                <a:spcAft>
+                  <a:spcPct val="35000"/>
+                </a:spcAft>
+              </a:pPr>
+              <a:r>
+                <a:rPr lang="en-US" sz="1300" b="1" kern="1200" dirty="0" smtClean="0"/>
+                <a:t>Run Times</a:t>
+              </a:r>
+              <a:endParaRPr lang="en-US" sz="1300" b="1" kern="1200" dirty="0"/>
+            </a:p>
+          </p:txBody>
+        </p:sp>
+      </p:grpSp>
+      <p:grpSp>
+        <p:nvGrpSpPr>
+          <p:cNvPr id="41" name="Group 40"/>
+          <p:cNvGrpSpPr/>
+          <p:nvPr/>
+        </p:nvGrpSpPr>
+        <p:grpSpPr>
+          <a:xfrm>
+            <a:off x="6309106" y="153554"/>
+            <a:ext cx="1500778" cy="600311"/>
+            <a:chOff x="6380652" y="2536603"/>
+            <a:chExt cx="1500778" cy="600311"/>
+          </a:xfrm>
+          <a:solidFill>
+            <a:schemeClr val="tx2">
+              <a:lumMod val="20000"/>
+              <a:lumOff val="80000"/>
+            </a:schemeClr>
+          </a:solidFill>
+        </p:grpSpPr>
+        <p:sp>
+          <p:nvSpPr>
+            <p:cNvPr id="42" name="Chevron 41"/>
+            <p:cNvSpPr/>
+            <p:nvPr/>
+          </p:nvSpPr>
+          <p:spPr>
+            <a:xfrm>
+              <a:off x="6380652" y="2536603"/>
+              <a:ext cx="1500778" cy="600311"/>
+            </a:xfrm>
+            <a:prstGeom prst="chevron">
+              <a:avLst/>
+            </a:prstGeom>
+            <a:grpFill/>
+            <a:ln>
+              <a:noFill/>
+            </a:ln>
+          </p:spPr>
+          <p:style>
+            <a:lnRef idx="2">
+              <a:schemeClr val="accent1">
+                <a:alpha val="90000"/>
+                <a:tint val="40000"/>
+                <a:hueOff val="0"/>
+                <a:satOff val="0"/>
+                <a:lumOff val="0"/>
+                <a:alphaOff val="0"/>
+              </a:schemeClr>
+            </a:lnRef>
+            <a:fillRef idx="1">
+              <a:schemeClr val="accent1">
+                <a:alpha val="90000"/>
+                <a:tint val="40000"/>
+                <a:hueOff val="0"/>
+                <a:satOff val="0"/>
+                <a:lumOff val="0"/>
+                <a:alphaOff val="0"/>
+              </a:schemeClr>
+            </a:fillRef>
+            <a:effectRef idx="0">
+              <a:schemeClr val="accent1">
+                <a:alpha val="90000"/>
+                <a:tint val="40000"/>
+                <a:hueOff val="0"/>
+                <a:satOff val="0"/>
+                <a:lumOff val="0"/>
+                <a:alphaOff val="0"/>
+              </a:schemeClr>
+            </a:effectRef>
+            <a:fontRef idx="minor">
+              <a:schemeClr val="dk1">
+                <a:hueOff val="0"/>
+                <a:satOff val="0"/>
+                <a:lumOff val="0"/>
+                <a:alphaOff val="0"/>
+              </a:schemeClr>
+            </a:fontRef>
+          </p:style>
+        </p:sp>
+        <p:sp>
+          <p:nvSpPr>
+            <p:cNvPr id="43" name="Chevron 12"/>
+            <p:cNvSpPr/>
+            <p:nvPr/>
+          </p:nvSpPr>
+          <p:spPr>
+            <a:xfrm>
+              <a:off x="6680808" y="2536603"/>
+              <a:ext cx="900467" cy="600311"/>
+            </a:xfrm>
+            <a:prstGeom prst="rect">
+              <a:avLst/>
+            </a:prstGeom>
+            <a:grpFill/>
+            <a:ln>
+              <a:noFill/>
+            </a:ln>
+          </p:spPr>
+          <p:style>
+            <a:lnRef idx="0">
+              <a:scrgbClr r="0" g="0" b="0"/>
+            </a:lnRef>
+            <a:fillRef idx="0">
+              <a:scrgbClr r="0" g="0" b="0"/>
+            </a:fillRef>
+            <a:effectRef idx="0">
+              <a:scrgbClr r="0" g="0" b="0"/>
+            </a:effectRef>
+            <a:fontRef idx="minor">
+              <a:schemeClr val="dk1">
+                <a:hueOff val="0"/>
+                <a:satOff val="0"/>
+                <a:lumOff val="0"/>
+                <a:alphaOff val="0"/>
+              </a:schemeClr>
+            </a:fontRef>
+          </p:style>
+          <p:txBody>
+            <a:bodyPr spcFirstLastPara="0" vert="horz" wrap="square" lIns="16510" tIns="8255" rIns="0" bIns="8255" numCol="1" spcCol="1270" anchor="ctr" anchorCtr="0">
+              <a:noAutofit/>
+            </a:bodyPr>
+            <a:lstStyle/>
+            <a:p>
+              <a:pPr lvl="0" algn="ctr" defTabSz="577850">
+                <a:lnSpc>
+                  <a:spcPct val="90000"/>
+                </a:lnSpc>
+                <a:spcBef>
+                  <a:spcPct val="0"/>
+                </a:spcBef>
+                <a:spcAft>
+                  <a:spcPct val="35000"/>
+                </a:spcAft>
+              </a:pPr>
+              <a:r>
+                <a:rPr lang="en-US" sz="1300" kern="1200" dirty="0" smtClean="0"/>
+                <a:t>Number of evaluations</a:t>
+              </a:r>
+              <a:endParaRPr lang="en-US" sz="1300" kern="1200" dirty="0"/>
+            </a:p>
+          </p:txBody>
+        </p:sp>
+      </p:grpSp>
     </p:spTree>
     <p:extLst>
       <p:ext uri="{BB962C8B-B14F-4D97-AF65-F5344CB8AC3E}">
@@ -17676,29 +19990,6 @@
           <a:chExt cx="0" cy="0"/>
         </a:xfrm>
       </p:grpSpPr>
-      <p:sp>
-        <p:nvSpPr>
-          <p:cNvPr id="2" name="Title 1"/>
-          <p:cNvSpPr>
-            <a:spLocks noGrp="1"/>
-          </p:cNvSpPr>
-          <p:nvPr>
-            <p:ph type="title"/>
-          </p:nvPr>
-        </p:nvSpPr>
-        <p:spPr/>
-        <p:txBody>
-          <a:bodyPr/>
-          <a:lstStyle/>
-          <a:p>
-            <a:r>
-              <a:rPr lang="en-US" dirty="0"/>
-              <a:t>Number of Evaluations</a:t>
-            </a:r>
-            <a:endParaRPr lang="en-US" dirty="0"/>
-          </a:p>
-        </p:txBody>
-      </p:sp>
       <p:graphicFrame>
         <p:nvGraphicFramePr>
           <p:cNvPr id="4" name="Content Placeholder 3"/>
@@ -21092,6 +23383,792 @@
           </a:p>
         </p:txBody>
       </p:sp>
+      <p:sp>
+        <p:nvSpPr>
+          <p:cNvPr id="21" name="Title 1"/>
+          <p:cNvSpPr txBox="1">
+            <a:spLocks/>
+          </p:cNvSpPr>
+          <p:nvPr/>
+        </p:nvSpPr>
+        <p:spPr>
+          <a:xfrm>
+            <a:off x="457200" y="605533"/>
+            <a:ext cx="8229600" cy="1143000"/>
+          </a:xfrm>
+          <a:prstGeom prst="rect">
+            <a:avLst/>
+          </a:prstGeom>
+          <a:ln>
+            <a:solidFill>
+              <a:schemeClr val="tx1">
+                <a:alpha val="0"/>
+              </a:schemeClr>
+            </a:solidFill>
+          </a:ln>
+          <a:scene3d>
+            <a:camera prst="orthographicFront"/>
+            <a:lightRig rig="threePt" dir="t"/>
+          </a:scene3d>
+          <a:sp3d>
+            <a:bevelT/>
+            <a:bevelB/>
+          </a:sp3d>
+        </p:spPr>
+        <p:txBody>
+          <a:bodyPr vert="horz" lIns="91440" tIns="45720" rIns="91440" bIns="45720" rtlCol="0" anchor="ctr">
+            <a:normAutofit/>
+          </a:bodyPr>
+          <a:lstStyle>
+            <a:lvl1pPr algn="ctr" defTabSz="457200" rtl="0" eaLnBrk="1" latinLnBrk="0" hangingPunct="1">
+              <a:spcBef>
+                <a:spcPct val="0"/>
+              </a:spcBef>
+              <a:buNone/>
+              <a:defRPr sz="4400" kern="1200">
+                <a:solidFill>
+                  <a:srgbClr val="558ED5"/>
+                </a:solidFill>
+                <a:latin typeface="+mj-lt"/>
+                <a:ea typeface="+mj-ea"/>
+                <a:cs typeface="+mj-cs"/>
+              </a:defRPr>
+            </a:lvl1pPr>
+          </a:lstStyle>
+          <a:p>
+            <a:r>
+              <a:rPr lang="en-US" dirty="0" smtClean="0"/>
+              <a:t>Number of evaluations</a:t>
+            </a:r>
+            <a:endParaRPr lang="en-US" dirty="0"/>
+          </a:p>
+        </p:txBody>
+      </p:sp>
+      <p:grpSp>
+        <p:nvGrpSpPr>
+          <p:cNvPr id="22" name="Group 21"/>
+          <p:cNvGrpSpPr/>
+          <p:nvPr/>
+        </p:nvGrpSpPr>
+        <p:grpSpPr>
+          <a:xfrm>
+            <a:off x="863991" y="92076"/>
+            <a:ext cx="1808167" cy="723266"/>
+            <a:chOff x="935537" y="2475125"/>
+            <a:chExt cx="1808167" cy="723266"/>
+          </a:xfrm>
+        </p:grpSpPr>
+        <p:sp>
+          <p:nvSpPr>
+            <p:cNvPr id="23" name="Chevron 22"/>
+            <p:cNvSpPr/>
+            <p:nvPr/>
+          </p:nvSpPr>
+          <p:spPr>
+            <a:xfrm>
+              <a:off x="935537" y="2475125"/>
+              <a:ext cx="1808167" cy="723266"/>
+            </a:xfrm>
+            <a:prstGeom prst="chevron">
+              <a:avLst/>
+            </a:prstGeom>
+          </p:spPr>
+          <p:style>
+            <a:lnRef idx="2">
+              <a:schemeClr val="lt1">
+                <a:hueOff val="0"/>
+                <a:satOff val="0"/>
+                <a:lumOff val="0"/>
+                <a:alphaOff val="0"/>
+              </a:schemeClr>
+            </a:lnRef>
+            <a:fillRef idx="1">
+              <a:schemeClr val="accent1">
+                <a:hueOff val="0"/>
+                <a:satOff val="0"/>
+                <a:lumOff val="0"/>
+                <a:alphaOff val="0"/>
+              </a:schemeClr>
+            </a:fillRef>
+            <a:effectRef idx="0">
+              <a:schemeClr val="accent1">
+                <a:hueOff val="0"/>
+                <a:satOff val="0"/>
+                <a:lumOff val="0"/>
+                <a:alphaOff val="0"/>
+              </a:schemeClr>
+            </a:effectRef>
+            <a:fontRef idx="minor">
+              <a:schemeClr val="lt1"/>
+            </a:fontRef>
+          </p:style>
+        </p:sp>
+        <p:sp>
+          <p:nvSpPr>
+            <p:cNvPr id="24" name="Chevron 4"/>
+            <p:cNvSpPr/>
+            <p:nvPr/>
+          </p:nvSpPr>
+          <p:spPr>
+            <a:xfrm>
+              <a:off x="1297170" y="2475125"/>
+              <a:ext cx="1084901" cy="723266"/>
+            </a:xfrm>
+            <a:prstGeom prst="rect">
+              <a:avLst/>
+            </a:prstGeom>
+          </p:spPr>
+          <p:style>
+            <a:lnRef idx="0">
+              <a:scrgbClr r="0" g="0" b="0"/>
+            </a:lnRef>
+            <a:fillRef idx="0">
+              <a:scrgbClr r="0" g="0" b="0"/>
+            </a:fillRef>
+            <a:effectRef idx="0">
+              <a:scrgbClr r="0" g="0" b="0"/>
+            </a:effectRef>
+            <a:fontRef idx="minor">
+              <a:schemeClr val="lt1"/>
+            </a:fontRef>
+          </p:style>
+          <p:txBody>
+            <a:bodyPr spcFirstLastPara="0" vert="horz" wrap="square" lIns="19050" tIns="9525" rIns="0" bIns="9525" numCol="1" spcCol="1270" anchor="ctr" anchorCtr="0">
+              <a:noAutofit/>
+            </a:bodyPr>
+            <a:lstStyle/>
+            <a:p>
+              <a:pPr lvl="0" algn="ctr" defTabSz="666750">
+                <a:lnSpc>
+                  <a:spcPct val="90000"/>
+                </a:lnSpc>
+                <a:spcBef>
+                  <a:spcPct val="0"/>
+                </a:spcBef>
+                <a:spcAft>
+                  <a:spcPct val="35000"/>
+                </a:spcAft>
+              </a:pPr>
+              <a:r>
+                <a:rPr lang="en-US" sz="1500" kern="1200" dirty="0" smtClean="0"/>
+                <a:t>Experiments</a:t>
+              </a:r>
+              <a:endParaRPr lang="en-US" sz="1500" kern="1200" dirty="0"/>
+            </a:p>
+          </p:txBody>
+        </p:sp>
+      </p:grpSp>
+      <p:grpSp>
+        <p:nvGrpSpPr>
+          <p:cNvPr id="25" name="Group 24"/>
+          <p:cNvGrpSpPr/>
+          <p:nvPr/>
+        </p:nvGrpSpPr>
+        <p:grpSpPr>
+          <a:xfrm>
+            <a:off x="2437096" y="153554"/>
+            <a:ext cx="1500778" cy="600311"/>
+            <a:chOff x="2508642" y="2536603"/>
+            <a:chExt cx="1500778" cy="600311"/>
+          </a:xfrm>
+          <a:solidFill>
+            <a:schemeClr val="tx2">
+              <a:lumMod val="20000"/>
+              <a:lumOff val="80000"/>
+            </a:schemeClr>
+          </a:solidFill>
+        </p:grpSpPr>
+        <p:sp>
+          <p:nvSpPr>
+            <p:cNvPr id="26" name="Chevron 25"/>
+            <p:cNvSpPr/>
+            <p:nvPr/>
+          </p:nvSpPr>
+          <p:spPr>
+            <a:xfrm>
+              <a:off x="2508642" y="2536603"/>
+              <a:ext cx="1500778" cy="600311"/>
+            </a:xfrm>
+            <a:prstGeom prst="chevron">
+              <a:avLst/>
+            </a:prstGeom>
+            <a:grpFill/>
+            <a:ln>
+              <a:noFill/>
+            </a:ln>
+          </p:spPr>
+          <p:style>
+            <a:lnRef idx="2">
+              <a:schemeClr val="accent1">
+                <a:alpha val="90000"/>
+                <a:tint val="40000"/>
+                <a:hueOff val="0"/>
+                <a:satOff val="0"/>
+                <a:lumOff val="0"/>
+                <a:alphaOff val="0"/>
+              </a:schemeClr>
+            </a:lnRef>
+            <a:fillRef idx="1">
+              <a:schemeClr val="accent1">
+                <a:alpha val="90000"/>
+                <a:tint val="40000"/>
+                <a:hueOff val="0"/>
+                <a:satOff val="0"/>
+                <a:lumOff val="0"/>
+                <a:alphaOff val="0"/>
+              </a:schemeClr>
+            </a:fillRef>
+            <a:effectRef idx="0">
+              <a:schemeClr val="accent1">
+                <a:alpha val="90000"/>
+                <a:tint val="40000"/>
+                <a:hueOff val="0"/>
+                <a:satOff val="0"/>
+                <a:lumOff val="0"/>
+                <a:alphaOff val="0"/>
+              </a:schemeClr>
+            </a:effectRef>
+            <a:fontRef idx="minor">
+              <a:schemeClr val="dk1">
+                <a:hueOff val="0"/>
+                <a:satOff val="0"/>
+                <a:lumOff val="0"/>
+                <a:alphaOff val="0"/>
+              </a:schemeClr>
+            </a:fontRef>
+          </p:style>
+        </p:sp>
+        <p:sp>
+          <p:nvSpPr>
+            <p:cNvPr id="27" name="Chevron 6"/>
+            <p:cNvSpPr/>
+            <p:nvPr/>
+          </p:nvSpPr>
+          <p:spPr>
+            <a:xfrm>
+              <a:off x="2808798" y="2536603"/>
+              <a:ext cx="900467" cy="600311"/>
+            </a:xfrm>
+            <a:prstGeom prst="rect">
+              <a:avLst/>
+            </a:prstGeom>
+            <a:grpFill/>
+            <a:ln>
+              <a:noFill/>
+            </a:ln>
+          </p:spPr>
+          <p:style>
+            <a:lnRef idx="0">
+              <a:scrgbClr r="0" g="0" b="0"/>
+            </a:lnRef>
+            <a:fillRef idx="0">
+              <a:scrgbClr r="0" g="0" b="0"/>
+            </a:fillRef>
+            <a:effectRef idx="0">
+              <a:scrgbClr r="0" g="0" b="0"/>
+            </a:effectRef>
+            <a:fontRef idx="minor">
+              <a:schemeClr val="dk1">
+                <a:hueOff val="0"/>
+                <a:satOff val="0"/>
+                <a:lumOff val="0"/>
+                <a:alphaOff val="0"/>
+              </a:schemeClr>
+            </a:fontRef>
+          </p:style>
+          <p:txBody>
+            <a:bodyPr spcFirstLastPara="0" vert="horz" wrap="square" lIns="16510" tIns="8255" rIns="0" bIns="8255" numCol="1" spcCol="1270" anchor="ctr" anchorCtr="0">
+              <a:noAutofit/>
+            </a:bodyPr>
+            <a:lstStyle/>
+            <a:p>
+              <a:pPr lvl="0" algn="ctr" defTabSz="577850">
+                <a:lnSpc>
+                  <a:spcPct val="90000"/>
+                </a:lnSpc>
+                <a:spcBef>
+                  <a:spcPct val="0"/>
+                </a:spcBef>
+                <a:spcAft>
+                  <a:spcPct val="35000"/>
+                </a:spcAft>
+              </a:pPr>
+              <a:r>
+                <a:rPr lang="en-US" sz="1300" kern="1200" dirty="0" smtClean="0"/>
+                <a:t>Energy</a:t>
+              </a:r>
+              <a:endParaRPr lang="en-US" sz="1300" kern="1200" dirty="0"/>
+            </a:p>
+          </p:txBody>
+        </p:sp>
+      </p:grpSp>
+      <p:grpSp>
+        <p:nvGrpSpPr>
+          <p:cNvPr id="28" name="Group 27"/>
+          <p:cNvGrpSpPr/>
+          <p:nvPr/>
+        </p:nvGrpSpPr>
+        <p:grpSpPr>
+          <a:xfrm>
+            <a:off x="3727766" y="153554"/>
+            <a:ext cx="1500778" cy="600311"/>
+            <a:chOff x="3799312" y="2536603"/>
+            <a:chExt cx="1500778" cy="600311"/>
+          </a:xfrm>
+          <a:solidFill>
+            <a:schemeClr val="tx2">
+              <a:lumMod val="20000"/>
+              <a:lumOff val="80000"/>
+            </a:schemeClr>
+          </a:solidFill>
+        </p:grpSpPr>
+        <p:sp>
+          <p:nvSpPr>
+            <p:cNvPr id="29" name="Chevron 28"/>
+            <p:cNvSpPr/>
+            <p:nvPr/>
+          </p:nvSpPr>
+          <p:spPr>
+            <a:xfrm>
+              <a:off x="3799312" y="2536603"/>
+              <a:ext cx="1500778" cy="600311"/>
+            </a:xfrm>
+            <a:prstGeom prst="chevron">
+              <a:avLst/>
+            </a:prstGeom>
+            <a:grpFill/>
+            <a:ln>
+              <a:noFill/>
+            </a:ln>
+          </p:spPr>
+          <p:style>
+            <a:lnRef idx="2">
+              <a:schemeClr val="accent1">
+                <a:alpha val="90000"/>
+                <a:tint val="40000"/>
+                <a:hueOff val="0"/>
+                <a:satOff val="0"/>
+                <a:lumOff val="0"/>
+                <a:alphaOff val="0"/>
+              </a:schemeClr>
+            </a:lnRef>
+            <a:fillRef idx="1">
+              <a:schemeClr val="accent1">
+                <a:alpha val="90000"/>
+                <a:tint val="40000"/>
+                <a:hueOff val="0"/>
+                <a:satOff val="0"/>
+                <a:lumOff val="0"/>
+                <a:alphaOff val="0"/>
+              </a:schemeClr>
+            </a:fillRef>
+            <a:effectRef idx="0">
+              <a:schemeClr val="accent1">
+                <a:alpha val="90000"/>
+                <a:tint val="40000"/>
+                <a:hueOff val="0"/>
+                <a:satOff val="0"/>
+                <a:lumOff val="0"/>
+                <a:alphaOff val="0"/>
+              </a:schemeClr>
+            </a:effectRef>
+            <a:fontRef idx="minor">
+              <a:schemeClr val="dk1">
+                <a:hueOff val="0"/>
+                <a:satOff val="0"/>
+                <a:lumOff val="0"/>
+                <a:alphaOff val="0"/>
+              </a:schemeClr>
+            </a:fontRef>
+          </p:style>
+        </p:sp>
+        <p:sp>
+          <p:nvSpPr>
+            <p:cNvPr id="30" name="Chevron 8"/>
+            <p:cNvSpPr/>
+            <p:nvPr/>
+          </p:nvSpPr>
+          <p:spPr>
+            <a:xfrm>
+              <a:off x="4099468" y="2536603"/>
+              <a:ext cx="900467" cy="600311"/>
+            </a:xfrm>
+            <a:prstGeom prst="rect">
+              <a:avLst/>
+            </a:prstGeom>
+            <a:grpFill/>
+            <a:ln>
+              <a:noFill/>
+            </a:ln>
+          </p:spPr>
+          <p:style>
+            <a:lnRef idx="0">
+              <a:scrgbClr r="0" g="0" b="0"/>
+            </a:lnRef>
+            <a:fillRef idx="0">
+              <a:scrgbClr r="0" g="0" b="0"/>
+            </a:fillRef>
+            <a:effectRef idx="0">
+              <a:scrgbClr r="0" g="0" b="0"/>
+            </a:effectRef>
+            <a:fontRef idx="minor">
+              <a:schemeClr val="dk1">
+                <a:hueOff val="0"/>
+                <a:satOff val="0"/>
+                <a:lumOff val="0"/>
+                <a:alphaOff val="0"/>
+              </a:schemeClr>
+            </a:fontRef>
+          </p:style>
+          <p:txBody>
+            <a:bodyPr spcFirstLastPara="0" vert="horz" wrap="square" lIns="16510" tIns="8255" rIns="0" bIns="8255" numCol="1" spcCol="1270" anchor="ctr" anchorCtr="0">
+              <a:noAutofit/>
+            </a:bodyPr>
+            <a:lstStyle/>
+            <a:p>
+              <a:pPr lvl="0" algn="ctr" defTabSz="577850">
+                <a:lnSpc>
+                  <a:spcPct val="90000"/>
+                </a:lnSpc>
+                <a:spcBef>
+                  <a:spcPct val="0"/>
+                </a:spcBef>
+                <a:spcAft>
+                  <a:spcPct val="35000"/>
+                </a:spcAft>
+              </a:pPr>
+              <a:r>
+                <a:rPr lang="en-US" sz="1300" kern="1200" dirty="0" smtClean="0"/>
+                <a:t>Spread</a:t>
+              </a:r>
+              <a:endParaRPr lang="en-US" sz="1300" kern="1200" dirty="0"/>
+            </a:p>
+          </p:txBody>
+        </p:sp>
+      </p:grpSp>
+      <p:grpSp>
+        <p:nvGrpSpPr>
+          <p:cNvPr id="31" name="Group 30"/>
+          <p:cNvGrpSpPr/>
+          <p:nvPr/>
+        </p:nvGrpSpPr>
+        <p:grpSpPr>
+          <a:xfrm>
+            <a:off x="5018436" y="153554"/>
+            <a:ext cx="1500778" cy="600311"/>
+            <a:chOff x="5089982" y="2536603"/>
+            <a:chExt cx="1500778" cy="600311"/>
+          </a:xfrm>
+          <a:solidFill>
+            <a:schemeClr val="tx2">
+              <a:lumMod val="20000"/>
+              <a:lumOff val="80000"/>
+            </a:schemeClr>
+          </a:solidFill>
+        </p:grpSpPr>
+        <p:sp>
+          <p:nvSpPr>
+            <p:cNvPr id="32" name="Chevron 31"/>
+            <p:cNvSpPr/>
+            <p:nvPr/>
+          </p:nvSpPr>
+          <p:spPr>
+            <a:xfrm>
+              <a:off x="5089982" y="2536603"/>
+              <a:ext cx="1500778" cy="600311"/>
+            </a:xfrm>
+            <a:prstGeom prst="chevron">
+              <a:avLst/>
+            </a:prstGeom>
+            <a:solidFill>
+              <a:schemeClr val="tx2">
+                <a:lumMod val="20000"/>
+                <a:lumOff val="80000"/>
+              </a:schemeClr>
+            </a:solidFill>
+            <a:ln>
+              <a:noFill/>
+            </a:ln>
+          </p:spPr>
+          <p:style>
+            <a:lnRef idx="2">
+              <a:schemeClr val="accent1">
+                <a:alpha val="90000"/>
+                <a:tint val="40000"/>
+                <a:hueOff val="0"/>
+                <a:satOff val="0"/>
+                <a:lumOff val="0"/>
+                <a:alphaOff val="0"/>
+              </a:schemeClr>
+            </a:lnRef>
+            <a:fillRef idx="1">
+              <a:schemeClr val="accent1">
+                <a:alpha val="90000"/>
+                <a:tint val="40000"/>
+                <a:hueOff val="0"/>
+                <a:satOff val="0"/>
+                <a:lumOff val="0"/>
+                <a:alphaOff val="0"/>
+              </a:schemeClr>
+            </a:fillRef>
+            <a:effectRef idx="0">
+              <a:schemeClr val="accent1">
+                <a:alpha val="90000"/>
+                <a:tint val="40000"/>
+                <a:hueOff val="0"/>
+                <a:satOff val="0"/>
+                <a:lumOff val="0"/>
+                <a:alphaOff val="0"/>
+              </a:schemeClr>
+            </a:effectRef>
+            <a:fontRef idx="minor">
+              <a:schemeClr val="dk1">
+                <a:hueOff val="0"/>
+                <a:satOff val="0"/>
+                <a:lumOff val="0"/>
+                <a:alphaOff val="0"/>
+              </a:schemeClr>
+            </a:fontRef>
+          </p:style>
+        </p:sp>
+        <p:sp>
+          <p:nvSpPr>
+            <p:cNvPr id="33" name="Chevron 10"/>
+            <p:cNvSpPr/>
+            <p:nvPr/>
+          </p:nvSpPr>
+          <p:spPr>
+            <a:xfrm>
+              <a:off x="5390138" y="2536603"/>
+              <a:ext cx="900467" cy="600311"/>
+            </a:xfrm>
+            <a:prstGeom prst="rect">
+              <a:avLst/>
+            </a:prstGeom>
+            <a:noFill/>
+            <a:ln>
+              <a:noFill/>
+            </a:ln>
+          </p:spPr>
+          <p:style>
+            <a:lnRef idx="0">
+              <a:scrgbClr r="0" g="0" b="0"/>
+            </a:lnRef>
+            <a:fillRef idx="0">
+              <a:scrgbClr r="0" g="0" b="0"/>
+            </a:fillRef>
+            <a:effectRef idx="0">
+              <a:scrgbClr r="0" g="0" b="0"/>
+            </a:effectRef>
+            <a:fontRef idx="minor">
+              <a:schemeClr val="dk1">
+                <a:hueOff val="0"/>
+                <a:satOff val="0"/>
+                <a:lumOff val="0"/>
+                <a:alphaOff val="0"/>
+              </a:schemeClr>
+            </a:fontRef>
+          </p:style>
+          <p:txBody>
+            <a:bodyPr spcFirstLastPara="0" vert="horz" wrap="square" lIns="16510" tIns="8255" rIns="0" bIns="8255" numCol="1" spcCol="1270" anchor="ctr" anchorCtr="0">
+              <a:noAutofit/>
+            </a:bodyPr>
+            <a:lstStyle/>
+            <a:p>
+              <a:pPr lvl="0" algn="ctr" defTabSz="577850">
+                <a:lnSpc>
+                  <a:spcPct val="90000"/>
+                </a:lnSpc>
+                <a:spcBef>
+                  <a:spcPct val="0"/>
+                </a:spcBef>
+                <a:spcAft>
+                  <a:spcPct val="35000"/>
+                </a:spcAft>
+              </a:pPr>
+              <a:r>
+                <a:rPr lang="en-US" sz="1300" kern="1200" dirty="0" smtClean="0"/>
+                <a:t>Run</a:t>
+              </a:r>
+              <a:r>
+                <a:rPr lang="en-US" sz="1300" b="1" kern="1200" dirty="0" smtClean="0"/>
+                <a:t> </a:t>
+              </a:r>
+              <a:r>
+                <a:rPr lang="en-US" sz="1300" kern="1200" dirty="0" smtClean="0"/>
+                <a:t>Times</a:t>
+              </a:r>
+              <a:endParaRPr lang="en-US" sz="1300" kern="1200" dirty="0"/>
+            </a:p>
+          </p:txBody>
+        </p:sp>
+      </p:grpSp>
+      <p:grpSp>
+        <p:nvGrpSpPr>
+          <p:cNvPr id="34" name="Group 33"/>
+          <p:cNvGrpSpPr/>
+          <p:nvPr/>
+        </p:nvGrpSpPr>
+        <p:grpSpPr>
+          <a:xfrm>
+            <a:off x="6309106" y="153554"/>
+            <a:ext cx="1500778" cy="600311"/>
+            <a:chOff x="6380652" y="2536603"/>
+            <a:chExt cx="1500778" cy="600311"/>
+          </a:xfrm>
+          <a:solidFill>
+            <a:schemeClr val="tx2">
+              <a:lumMod val="20000"/>
+              <a:lumOff val="80000"/>
+            </a:schemeClr>
+          </a:solidFill>
+        </p:grpSpPr>
+        <p:sp>
+          <p:nvSpPr>
+            <p:cNvPr id="35" name="Chevron 34"/>
+            <p:cNvSpPr/>
+            <p:nvPr/>
+          </p:nvSpPr>
+          <p:spPr>
+            <a:xfrm>
+              <a:off x="6380652" y="2536603"/>
+              <a:ext cx="1500778" cy="600311"/>
+            </a:xfrm>
+            <a:prstGeom prst="chevron">
+              <a:avLst/>
+            </a:prstGeom>
+            <a:solidFill>
+              <a:schemeClr val="bg1">
+                <a:lumMod val="85000"/>
+              </a:schemeClr>
+            </a:solidFill>
+            <a:ln>
+              <a:solidFill>
+                <a:schemeClr val="tx1"/>
+              </a:solidFill>
+            </a:ln>
+          </p:spPr>
+          <p:style>
+            <a:lnRef idx="2">
+              <a:schemeClr val="accent1">
+                <a:alpha val="90000"/>
+                <a:tint val="40000"/>
+                <a:hueOff val="0"/>
+                <a:satOff val="0"/>
+                <a:lumOff val="0"/>
+                <a:alphaOff val="0"/>
+              </a:schemeClr>
+            </a:lnRef>
+            <a:fillRef idx="1">
+              <a:schemeClr val="accent1">
+                <a:alpha val="90000"/>
+                <a:tint val="40000"/>
+                <a:hueOff val="0"/>
+                <a:satOff val="0"/>
+                <a:lumOff val="0"/>
+                <a:alphaOff val="0"/>
+              </a:schemeClr>
+            </a:fillRef>
+            <a:effectRef idx="0">
+              <a:schemeClr val="accent1">
+                <a:alpha val="90000"/>
+                <a:tint val="40000"/>
+                <a:hueOff val="0"/>
+                <a:satOff val="0"/>
+                <a:lumOff val="0"/>
+                <a:alphaOff val="0"/>
+              </a:schemeClr>
+            </a:effectRef>
+            <a:fontRef idx="minor">
+              <a:schemeClr val="dk1">
+                <a:hueOff val="0"/>
+                <a:satOff val="0"/>
+                <a:lumOff val="0"/>
+                <a:alphaOff val="0"/>
+              </a:schemeClr>
+            </a:fontRef>
+          </p:style>
+        </p:sp>
+        <p:sp>
+          <p:nvSpPr>
+            <p:cNvPr id="36" name="Chevron 12"/>
+            <p:cNvSpPr/>
+            <p:nvPr/>
+          </p:nvSpPr>
+          <p:spPr>
+            <a:xfrm>
+              <a:off x="6680808" y="2536603"/>
+              <a:ext cx="900467" cy="600311"/>
+            </a:xfrm>
+            <a:prstGeom prst="rect">
+              <a:avLst/>
+            </a:prstGeom>
+            <a:noFill/>
+            <a:ln>
+              <a:noFill/>
+            </a:ln>
+          </p:spPr>
+          <p:style>
+            <a:lnRef idx="0">
+              <a:scrgbClr r="0" g="0" b="0"/>
+            </a:lnRef>
+            <a:fillRef idx="0">
+              <a:scrgbClr r="0" g="0" b="0"/>
+            </a:fillRef>
+            <a:effectRef idx="0">
+              <a:scrgbClr r="0" g="0" b="0"/>
+            </a:effectRef>
+            <a:fontRef idx="minor">
+              <a:schemeClr val="dk1">
+                <a:hueOff val="0"/>
+                <a:satOff val="0"/>
+                <a:lumOff val="0"/>
+                <a:alphaOff val="0"/>
+              </a:schemeClr>
+            </a:fontRef>
+          </p:style>
+          <p:txBody>
+            <a:bodyPr spcFirstLastPara="0" vert="horz" wrap="square" lIns="16510" tIns="8255" rIns="0" bIns="8255" numCol="1" spcCol="1270" anchor="ctr" anchorCtr="0">
+              <a:noAutofit/>
+            </a:bodyPr>
+            <a:lstStyle/>
+            <a:p>
+              <a:pPr lvl="0" algn="ctr" defTabSz="577850">
+                <a:lnSpc>
+                  <a:spcPct val="90000"/>
+                </a:lnSpc>
+                <a:spcBef>
+                  <a:spcPct val="0"/>
+                </a:spcBef>
+                <a:spcAft>
+                  <a:spcPct val="35000"/>
+                </a:spcAft>
+              </a:pPr>
+              <a:r>
+                <a:rPr lang="en-US" sz="1300" b="1" kern="1200" dirty="0" smtClean="0"/>
+                <a:t>Number</a:t>
+              </a:r>
+              <a:r>
+                <a:rPr lang="en-US" sz="1300" kern="1200" dirty="0" smtClean="0"/>
+                <a:t> </a:t>
+              </a:r>
+              <a:r>
+                <a:rPr lang="en-US" sz="1300" b="1" kern="1200" dirty="0" smtClean="0"/>
+                <a:t>of</a:t>
+              </a:r>
+              <a:r>
+                <a:rPr lang="en-US" sz="1300" kern="1200" dirty="0" smtClean="0"/>
+                <a:t> </a:t>
+              </a:r>
+              <a:r>
+                <a:rPr lang="en-US" sz="1300" b="1" kern="1200" dirty="0" smtClean="0"/>
+                <a:t>evaluations</a:t>
+              </a:r>
+              <a:endParaRPr lang="en-US" sz="1300" b="1" kern="1200" dirty="0"/>
+            </a:p>
+          </p:txBody>
+        </p:sp>
+      </p:grpSp>
     </p:spTree>
     <p:extLst>
       <p:ext uri="{BB962C8B-B14F-4D97-AF65-F5344CB8AC3E}">
@@ -21357,7 +24434,7 @@
             <p:ph idx="1"/>
             <p:extLst>
               <p:ext uri="{D42A27DB-BD31-4B8C-83A1-F6EECF244321}">
-                <p14:modId xmlns:p14="http://schemas.microsoft.com/office/powerpoint/2010/main" val="2741621218"/>
+                <p14:modId xmlns:p14="http://schemas.microsoft.com/office/powerpoint/2010/main" val="2013603968"/>
               </p:ext>
             </p:extLst>
           </p:nvPr>
@@ -21481,7 +24558,15 @@
           <a:p>
             <a:r>
               <a:rPr lang="en-US" dirty="0"/>
-              <a:t>It uses an unsupervised method to decide if a potential solution deserves evaluation.</a:t>
+              <a:t>It uses an unsupervised method to decide if a potential solution deserves </a:t>
+            </a:r>
+            <a:r>
+              <a:rPr lang="en-US" dirty="0" smtClean="0"/>
+              <a:t>an evaluation</a:t>
+            </a:r>
+            <a:r>
+              <a:rPr lang="en-US" dirty="0"/>
+              <a:t>.</a:t>
             </a:r>
           </a:p>
           <a:p>
@@ -21506,8 +24591,13 @@
           <a:p>
             <a:r>
               <a:rPr lang="en-US" dirty="0"/>
-              <a:t>It generates new solutions by directional mutation [2].</a:t>
+              <a:t>It generates new solutions by directional mutation [</a:t>
             </a:r>
+            <a:r>
+              <a:rPr lang="en-US" dirty="0" smtClean="0"/>
+              <a:t>2]</a:t>
+            </a:r>
+            <a:endParaRPr lang="en-US" dirty="0"/>
           </a:p>
           <a:p>
             <a:pPr lvl="1"/>
@@ -24959,7 +28049,12 @@
             <p:ph type="title"/>
           </p:nvPr>
         </p:nvSpPr>
-        <p:spPr/>
+        <p:spPr>
+          <a:xfrm>
+            <a:off x="457200" y="659649"/>
+            <a:ext cx="8229600" cy="1143000"/>
+          </a:xfrm>
+        </p:spPr>
         <p:txBody>
           <a:bodyPr/>
           <a:lstStyle/>
@@ -24982,13 +28077,13 @@
             <p:ph sz="half" idx="2"/>
             <p:extLst>
               <p:ext uri="{D42A27DB-BD31-4B8C-83A1-F6EECF244321}">
-                <p14:modId xmlns:p14="http://schemas.microsoft.com/office/powerpoint/2010/main" val="3059656867"/>
+                <p14:modId xmlns:p14="http://schemas.microsoft.com/office/powerpoint/2010/main" val="2516876104"/>
               </p:ext>
             </p:extLst>
           </p:nvPr>
         </p:nvGraphicFramePr>
         <p:xfrm>
-          <a:off x="457200" y="1426829"/>
+          <a:off x="457200" y="1679493"/>
           <a:ext cx="8229600" cy="4868304"/>
         </p:xfrm>
         <a:graphic>
@@ -25058,7 +28153,7 @@
                       <a:headEnd type="none" w="med" len="med"/>
                       <a:tailEnd type="none" w="med" len="med"/>
                     </a:lnT>
-                    <a:lnB w="6350" cap="flat" cmpd="sng" algn="ctr">
+                    <a:lnB w="12700" cap="flat" cmpd="sng" algn="ctr">
                       <a:solidFill>
                         <a:schemeClr val="bg1">
                           <a:lumMod val="65000"/>
@@ -25299,7 +28394,7 @@
                       <a:headEnd type="none" w="med" len="med"/>
                       <a:tailEnd type="none" w="med" len="med"/>
                     </a:lnR>
-                    <a:lnT w="6350" cap="flat" cmpd="sng" algn="ctr">
+                    <a:lnT w="12700" cap="flat" cmpd="sng" algn="ctr">
                       <a:solidFill>
                         <a:schemeClr val="bg1">
                           <a:lumMod val="65000"/>
@@ -25310,7 +28405,7 @@
                       <a:headEnd type="none" w="med" len="med"/>
                       <a:tailEnd type="none" w="med" len="med"/>
                     </a:lnT>
-                    <a:lnB w="6350" cap="flat" cmpd="sng" algn="ctr">
+                    <a:lnB w="12700" cap="flat" cmpd="sng" algn="ctr">
                       <a:solidFill>
                         <a:schemeClr val="bg1">
                           <a:lumMod val="65000"/>
@@ -25517,7 +28612,7 @@
                       <a:headEnd type="none" w="med" len="med"/>
                       <a:tailEnd type="none" w="med" len="med"/>
                     </a:lnR>
-                    <a:lnT w="6350" cap="flat" cmpd="sng" algn="ctr">
+                    <a:lnT w="12700" cap="flat" cmpd="sng" algn="ctr">
                       <a:solidFill>
                         <a:schemeClr val="bg1">
                           <a:lumMod val="65000"/>
@@ -26812,6 +29907,267 @@
           </a:graphicData>
         </a:graphic>
       </p:graphicFrame>
+      <p:grpSp>
+        <p:nvGrpSpPr>
+          <p:cNvPr id="13" name="Group 12"/>
+          <p:cNvGrpSpPr/>
+          <p:nvPr/>
+        </p:nvGrpSpPr>
+        <p:grpSpPr>
+          <a:xfrm>
+            <a:off x="1743455" y="108918"/>
+            <a:ext cx="1808167" cy="723266"/>
+            <a:chOff x="935537" y="826077"/>
+            <a:chExt cx="1808167" cy="723266"/>
+          </a:xfrm>
+        </p:grpSpPr>
+        <p:sp>
+          <p:nvSpPr>
+            <p:cNvPr id="17" name="Chevron 16"/>
+            <p:cNvSpPr/>
+            <p:nvPr/>
+          </p:nvSpPr>
+          <p:spPr>
+            <a:xfrm>
+              <a:off x="935537" y="826077"/>
+              <a:ext cx="1808167" cy="723266"/>
+            </a:xfrm>
+            <a:prstGeom prst="chevron">
+              <a:avLst/>
+            </a:prstGeom>
+          </p:spPr>
+          <p:style>
+            <a:lnRef idx="2">
+              <a:schemeClr val="lt1">
+                <a:hueOff val="0"/>
+                <a:satOff val="0"/>
+                <a:lumOff val="0"/>
+                <a:alphaOff val="0"/>
+              </a:schemeClr>
+            </a:lnRef>
+            <a:fillRef idx="1">
+              <a:schemeClr val="accent1">
+                <a:hueOff val="0"/>
+                <a:satOff val="0"/>
+                <a:lumOff val="0"/>
+                <a:alphaOff val="0"/>
+              </a:schemeClr>
+            </a:fillRef>
+            <a:effectRef idx="0">
+              <a:schemeClr val="accent1">
+                <a:hueOff val="0"/>
+                <a:satOff val="0"/>
+                <a:lumOff val="0"/>
+                <a:alphaOff val="0"/>
+              </a:schemeClr>
+            </a:effectRef>
+            <a:fontRef idx="minor">
+              <a:schemeClr val="lt1"/>
+            </a:fontRef>
+          </p:style>
+        </p:sp>
+        <p:sp>
+          <p:nvSpPr>
+            <p:cNvPr id="18" name="Chevron 4"/>
+            <p:cNvSpPr/>
+            <p:nvPr/>
+          </p:nvSpPr>
+          <p:spPr>
+            <a:xfrm>
+              <a:off x="1297170" y="826077"/>
+              <a:ext cx="1084901" cy="723266"/>
+            </a:xfrm>
+            <a:prstGeom prst="rect">
+              <a:avLst/>
+            </a:prstGeom>
+          </p:spPr>
+          <p:style>
+            <a:lnRef idx="0">
+              <a:scrgbClr r="0" g="0" b="0"/>
+            </a:lnRef>
+            <a:fillRef idx="0">
+              <a:scrgbClr r="0" g="0" b="0"/>
+            </a:fillRef>
+            <a:effectRef idx="0">
+              <a:scrgbClr r="0" g="0" b="0"/>
+            </a:effectRef>
+            <a:fontRef idx="minor">
+              <a:schemeClr val="lt1"/>
+            </a:fontRef>
+          </p:style>
+          <p:txBody>
+            <a:bodyPr spcFirstLastPara="0" vert="horz" wrap="square" lIns="19050" tIns="9525" rIns="0" bIns="9525" numCol="1" spcCol="1270" anchor="ctr" anchorCtr="0">
+              <a:noAutofit/>
+            </a:bodyPr>
+            <a:lstStyle/>
+            <a:p>
+              <a:pPr lvl="0" algn="r" defTabSz="666750">
+                <a:lnSpc>
+                  <a:spcPct val="90000"/>
+                </a:lnSpc>
+                <a:spcBef>
+                  <a:spcPct val="0"/>
+                </a:spcBef>
+                <a:spcAft>
+                  <a:spcPct val="35000"/>
+                </a:spcAft>
+              </a:pPr>
+              <a:r>
+                <a:rPr lang="en-US" sz="1500" kern="1200" dirty="0" smtClean="0"/>
+                <a:t>Comparisons</a:t>
+              </a:r>
+              <a:endParaRPr lang="en-US" sz="1500" kern="1200" dirty="0"/>
+            </a:p>
+          </p:txBody>
+        </p:sp>
+      </p:grpSp>
+      <p:grpSp>
+        <p:nvGrpSpPr>
+          <p:cNvPr id="14" name="Group 13"/>
+          <p:cNvGrpSpPr/>
+          <p:nvPr/>
+        </p:nvGrpSpPr>
+        <p:grpSpPr>
+          <a:xfrm>
+            <a:off x="3321579" y="170395"/>
+            <a:ext cx="4078966" cy="600311"/>
+            <a:chOff x="2513661" y="887554"/>
+            <a:chExt cx="4078966" cy="600311"/>
+          </a:xfrm>
+          <a:solidFill>
+            <a:schemeClr val="bg1">
+              <a:lumMod val="85000"/>
+            </a:schemeClr>
+          </a:solidFill>
+        </p:grpSpPr>
+        <p:sp>
+          <p:nvSpPr>
+            <p:cNvPr id="15" name="Chevron 14"/>
+            <p:cNvSpPr/>
+            <p:nvPr/>
+          </p:nvSpPr>
+          <p:spPr>
+            <a:xfrm>
+              <a:off x="2513661" y="887554"/>
+              <a:ext cx="4078966" cy="600311"/>
+            </a:xfrm>
+            <a:prstGeom prst="chevron">
+              <a:avLst/>
+            </a:prstGeom>
+            <a:grpFill/>
+            <a:ln>
+              <a:solidFill>
+                <a:schemeClr val="tx1">
+                  <a:alpha val="90000"/>
+                </a:schemeClr>
+              </a:solidFill>
+            </a:ln>
+          </p:spPr>
+          <p:style>
+            <a:lnRef idx="2">
+              <a:schemeClr val="accent1">
+                <a:alpha val="90000"/>
+                <a:tint val="40000"/>
+                <a:hueOff val="0"/>
+                <a:satOff val="0"/>
+                <a:lumOff val="0"/>
+                <a:alphaOff val="0"/>
+              </a:schemeClr>
+            </a:lnRef>
+            <a:fillRef idx="1">
+              <a:schemeClr val="accent1">
+                <a:alpha val="90000"/>
+                <a:tint val="40000"/>
+                <a:hueOff val="0"/>
+                <a:satOff val="0"/>
+                <a:lumOff val="0"/>
+                <a:alphaOff val="0"/>
+              </a:schemeClr>
+            </a:fillRef>
+            <a:effectRef idx="0">
+              <a:schemeClr val="accent1">
+                <a:alpha val="90000"/>
+                <a:tint val="40000"/>
+                <a:hueOff val="0"/>
+                <a:satOff val="0"/>
+                <a:lumOff val="0"/>
+                <a:alphaOff val="0"/>
+              </a:schemeClr>
+            </a:effectRef>
+            <a:fontRef idx="minor">
+              <a:schemeClr val="dk1">
+                <a:hueOff val="0"/>
+                <a:satOff val="0"/>
+                <a:lumOff val="0"/>
+                <a:alphaOff val="0"/>
+              </a:schemeClr>
+            </a:fontRef>
+          </p:style>
+        </p:sp>
+        <p:sp>
+          <p:nvSpPr>
+            <p:cNvPr id="16" name="Chevron 6"/>
+            <p:cNvSpPr/>
+            <p:nvPr/>
+          </p:nvSpPr>
+          <p:spPr>
+            <a:xfrm>
+              <a:off x="2813817" y="887554"/>
+              <a:ext cx="3478655" cy="600311"/>
+            </a:xfrm>
+            <a:prstGeom prst="rect">
+              <a:avLst/>
+            </a:prstGeom>
+            <a:noFill/>
+            <a:ln>
+              <a:noFill/>
+            </a:ln>
+          </p:spPr>
+          <p:style>
+            <a:lnRef idx="0">
+              <a:scrgbClr r="0" g="0" b="0"/>
+            </a:lnRef>
+            <a:fillRef idx="0">
+              <a:scrgbClr r="0" g="0" b="0"/>
+            </a:fillRef>
+            <a:effectRef idx="0">
+              <a:scrgbClr r="0" g="0" b="0"/>
+            </a:effectRef>
+            <a:fontRef idx="minor">
+              <a:schemeClr val="dk1">
+                <a:hueOff val="0"/>
+                <a:satOff val="0"/>
+                <a:lumOff val="0"/>
+                <a:alphaOff val="0"/>
+              </a:schemeClr>
+            </a:fontRef>
+          </p:style>
+          <p:txBody>
+            <a:bodyPr spcFirstLastPara="0" vert="horz" wrap="square" lIns="16510" tIns="8255" rIns="0" bIns="8255" numCol="1" spcCol="1270" anchor="ctr" anchorCtr="0">
+              <a:noAutofit/>
+            </a:bodyPr>
+            <a:lstStyle/>
+            <a:p>
+              <a:pPr lvl="0" algn="ctr" defTabSz="577850">
+                <a:lnSpc>
+                  <a:spcPct val="90000"/>
+                </a:lnSpc>
+                <a:spcBef>
+                  <a:spcPct val="0"/>
+                </a:spcBef>
+                <a:spcAft>
+                  <a:spcPct val="35000"/>
+                </a:spcAft>
+              </a:pPr>
+              <a:r>
+                <a:rPr lang="en-US" sz="1300" b="1" kern="1200" dirty="0" smtClean="0"/>
+                <a:t>Dead Ant vs. Differential Evolution</a:t>
+              </a:r>
+              <a:endParaRPr lang="en-US" sz="1300" b="1" kern="1200" dirty="0"/>
+            </a:p>
+          </p:txBody>
+        </p:sp>
+      </p:grpSp>
     </p:spTree>
     <p:extLst>
       <p:ext uri="{BB962C8B-B14F-4D97-AF65-F5344CB8AC3E}">
@@ -26859,7 +30215,12 @@
             <p:ph type="title"/>
           </p:nvPr>
         </p:nvSpPr>
-        <p:spPr/>
+        <p:spPr>
+          <a:xfrm>
+            <a:off x="457200" y="603138"/>
+            <a:ext cx="8229600" cy="1143000"/>
+          </a:xfrm>
+        </p:spPr>
         <p:txBody>
           <a:bodyPr/>
           <a:lstStyle/>
@@ -26884,13 +30245,731 @@
         </p:nvSpPr>
         <p:spPr/>
         <p:txBody>
+          <a:bodyPr>
+            <a:normAutofit fontScale="92500" lnSpcReduction="10000"/>
+          </a:bodyPr>
+          <a:lstStyle/>
+          <a:p>
+            <a:r>
+              <a:rPr lang="en-US" dirty="0" smtClean="0"/>
+              <a:t>Real-world Models</a:t>
+            </a:r>
+          </a:p>
+          <a:p>
+            <a:pPr lvl="1"/>
+            <a:r>
+              <a:rPr lang="en-US" dirty="0" smtClean="0"/>
+              <a:t>XOMO </a:t>
+            </a:r>
+            <a:r>
+              <a:rPr lang="en-US" sz="2600" i="1" dirty="0">
+                <a:solidFill>
+                  <a:schemeClr val="tx1">
+                    <a:lumMod val="50000"/>
+                    <a:lumOff val="50000"/>
+                  </a:schemeClr>
+                </a:solidFill>
+              </a:rPr>
+              <a:t>(Decisions 23, Objectives 4)</a:t>
+            </a:r>
+            <a:endParaRPr lang="en-US" sz="2600" i="1" dirty="0">
+              <a:solidFill>
+                <a:schemeClr val="tx1">
+                  <a:lumMod val="50000"/>
+                  <a:lumOff val="50000"/>
+                </a:schemeClr>
+              </a:solidFill>
+            </a:endParaRPr>
+          </a:p>
+          <a:p>
+            <a:pPr lvl="1"/>
+            <a:r>
+              <a:rPr lang="en-US" dirty="0"/>
+              <a:t>POM3</a:t>
+            </a:r>
+            <a:r>
+              <a:rPr lang="en-US" sz="2600" i="1" baseline="30000" dirty="0" smtClean="0">
+                <a:solidFill>
+                  <a:schemeClr val="tx1">
+                    <a:lumMod val="50000"/>
+                    <a:lumOff val="50000"/>
+                  </a:schemeClr>
+                </a:solidFill>
+              </a:rPr>
+              <a:t>*</a:t>
+            </a:r>
+            <a:r>
+              <a:rPr lang="en-US" sz="2600" i="1" dirty="0" smtClean="0">
+                <a:solidFill>
+                  <a:schemeClr val="tx1">
+                    <a:lumMod val="50000"/>
+                    <a:lumOff val="50000"/>
+                  </a:schemeClr>
+                </a:solidFill>
+              </a:rPr>
+              <a:t> (</a:t>
+            </a:r>
+            <a:r>
+              <a:rPr lang="en-US" sz="2600" i="1" dirty="0">
+                <a:solidFill>
+                  <a:schemeClr val="tx1">
+                    <a:lumMod val="50000"/>
+                    <a:lumOff val="50000"/>
+                  </a:schemeClr>
+                </a:solidFill>
+              </a:rPr>
+              <a:t>Decisions 9, Objectives 4)</a:t>
+            </a:r>
+          </a:p>
+          <a:p>
+            <a:r>
+              <a:rPr lang="en-US" dirty="0" smtClean="0"/>
+              <a:t>Standard Models</a:t>
+            </a:r>
+          </a:p>
+          <a:p>
+            <a:pPr lvl="1"/>
+            <a:r>
+              <a:rPr lang="en-US" dirty="0" smtClean="0"/>
+              <a:t>Schaffer </a:t>
+            </a:r>
+            <a:r>
+              <a:rPr lang="en-US" sz="2600" i="1" dirty="0" smtClean="0">
+                <a:solidFill>
+                  <a:schemeClr val="tx1">
+                    <a:lumMod val="50000"/>
+                    <a:lumOff val="50000"/>
+                  </a:schemeClr>
+                </a:solidFill>
+              </a:rPr>
+              <a:t>(Decisions 1, Objectives 2)</a:t>
+            </a:r>
+            <a:endParaRPr lang="en-US" i="1" dirty="0" smtClean="0">
+              <a:solidFill>
+                <a:schemeClr val="tx1">
+                  <a:lumMod val="50000"/>
+                  <a:lumOff val="50000"/>
+                </a:schemeClr>
+              </a:solidFill>
+            </a:endParaRPr>
+          </a:p>
+          <a:p>
+            <a:pPr lvl="1"/>
+            <a:r>
+              <a:rPr lang="en-US" dirty="0"/>
+              <a:t>Kursawe </a:t>
+            </a:r>
+            <a:r>
+              <a:rPr lang="en-US" sz="2600" i="1" dirty="0">
+                <a:solidFill>
+                  <a:schemeClr val="tx1">
+                    <a:lumMod val="50000"/>
+                    <a:lumOff val="50000"/>
+                  </a:schemeClr>
+                </a:solidFill>
+              </a:rPr>
+              <a:t>(Decisions </a:t>
+            </a:r>
+            <a:r>
+              <a:rPr lang="en-US" sz="2600" i="1" dirty="0">
+                <a:solidFill>
+                  <a:schemeClr val="tx1">
+                    <a:lumMod val="50000"/>
+                    <a:lumOff val="50000"/>
+                  </a:schemeClr>
+                </a:solidFill>
+              </a:rPr>
+              <a:t>3, </a:t>
+            </a:r>
+            <a:r>
+              <a:rPr lang="en-US" sz="2600" i="1" dirty="0">
+                <a:solidFill>
+                  <a:schemeClr val="tx1">
+                    <a:lumMod val="50000"/>
+                    <a:lumOff val="50000"/>
+                  </a:schemeClr>
+                </a:solidFill>
+              </a:rPr>
+              <a:t>Objectives 2)</a:t>
+            </a:r>
+            <a:endParaRPr lang="en-US" sz="2600" i="1" dirty="0">
+              <a:solidFill>
+                <a:schemeClr val="tx1">
+                  <a:lumMod val="50000"/>
+                  <a:lumOff val="50000"/>
+                </a:schemeClr>
+              </a:solidFill>
+            </a:endParaRPr>
+          </a:p>
+          <a:p>
+            <a:pPr lvl="1"/>
+            <a:r>
+              <a:rPr lang="en-US" dirty="0"/>
+              <a:t>Fonseca </a:t>
+            </a:r>
+            <a:r>
+              <a:rPr lang="en-US" sz="2600" i="1" dirty="0">
+                <a:solidFill>
+                  <a:schemeClr val="tx1">
+                    <a:lumMod val="50000"/>
+                    <a:lumOff val="50000"/>
+                  </a:schemeClr>
+                </a:solidFill>
+              </a:rPr>
+              <a:t>(Decisions 3, Objectives 2)</a:t>
+            </a:r>
+          </a:p>
+          <a:p>
+            <a:pPr lvl="1"/>
+            <a:r>
+              <a:rPr lang="en-US" dirty="0" smtClean="0"/>
+              <a:t>DTLZ7 </a:t>
+            </a:r>
+            <a:r>
+              <a:rPr lang="en-US" sz="2600" i="1" dirty="0">
+                <a:solidFill>
+                  <a:schemeClr val="tx1">
+                    <a:lumMod val="50000"/>
+                    <a:lumOff val="50000"/>
+                  </a:schemeClr>
+                </a:solidFill>
+              </a:rPr>
+              <a:t>(Decisions 20, Objectives 20)</a:t>
+            </a:r>
+          </a:p>
+          <a:p>
+            <a:pPr lvl="1"/>
+            <a:r>
+              <a:rPr lang="en-US" dirty="0"/>
+              <a:t>ZDT1 </a:t>
+            </a:r>
+            <a:r>
+              <a:rPr lang="en-US" sz="2600" i="1" dirty="0">
+                <a:solidFill>
+                  <a:schemeClr val="tx1">
+                    <a:lumMod val="50000"/>
+                    <a:lumOff val="50000"/>
+                  </a:schemeClr>
+                </a:solidFill>
+              </a:rPr>
+              <a:t>(Decisions 30, Objectives 2)</a:t>
+            </a:r>
+          </a:p>
+          <a:p>
+            <a:pPr lvl="1"/>
+            <a:r>
+              <a:rPr lang="en-US" dirty="0" smtClean="0"/>
+              <a:t>ZDT3 </a:t>
+            </a:r>
+            <a:r>
+              <a:rPr lang="en-US" sz="2600" i="1" dirty="0">
+                <a:solidFill>
+                  <a:schemeClr val="tx1">
+                    <a:lumMod val="50000"/>
+                    <a:lumOff val="50000"/>
+                  </a:schemeClr>
+                </a:solidFill>
+              </a:rPr>
+              <a:t>(</a:t>
+            </a:r>
+            <a:r>
+              <a:rPr lang="en-US" sz="2600" i="1" dirty="0">
+                <a:solidFill>
+                  <a:schemeClr val="tx1">
+                    <a:lumMod val="50000"/>
+                    <a:lumOff val="50000"/>
+                  </a:schemeClr>
+                </a:solidFill>
+              </a:rPr>
+              <a:t>Decisions </a:t>
+            </a:r>
+            <a:r>
+              <a:rPr lang="en-US" sz="2600" i="1" dirty="0">
+                <a:solidFill>
+                  <a:schemeClr val="tx1">
+                    <a:lumMod val="50000"/>
+                    <a:lumOff val="50000"/>
+                  </a:schemeClr>
+                </a:solidFill>
+              </a:rPr>
+              <a:t>30, </a:t>
+            </a:r>
+            <a:r>
+              <a:rPr lang="en-US" sz="2600" i="1" dirty="0">
+                <a:solidFill>
+                  <a:schemeClr val="tx1">
+                    <a:lumMod val="50000"/>
+                    <a:lumOff val="50000"/>
+                  </a:schemeClr>
+                </a:solidFill>
+              </a:rPr>
+              <a:t>Objectives 2</a:t>
+            </a:r>
+            <a:r>
+              <a:rPr lang="en-US" sz="2600" i="1" dirty="0">
+                <a:solidFill>
+                  <a:schemeClr val="tx1">
+                    <a:lumMod val="50000"/>
+                    <a:lumOff val="50000"/>
+                  </a:schemeClr>
+                </a:solidFill>
+              </a:rPr>
+              <a:t>)</a:t>
+            </a:r>
+          </a:p>
+          <a:p>
+            <a:pPr marL="0" indent="0">
+              <a:buNone/>
+            </a:pPr>
+            <a:endParaRPr lang="en-US" dirty="0" smtClean="0"/>
+          </a:p>
+          <a:p>
+            <a:pPr marL="457200" lvl="1" indent="0">
+              <a:buNone/>
+            </a:pPr>
+            <a:endParaRPr lang="en-US" dirty="0"/>
+          </a:p>
+        </p:txBody>
+      </p:sp>
+      <p:sp>
+        <p:nvSpPr>
+          <p:cNvPr id="4" name="Footer Placeholder 3"/>
+          <p:cNvSpPr>
+            <a:spLocks noGrp="1"/>
+          </p:cNvSpPr>
+          <p:nvPr>
+            <p:ph type="ftr" sz="quarter" idx="11"/>
+          </p:nvPr>
+        </p:nvSpPr>
+        <p:spPr>
+          <a:xfrm>
+            <a:off x="457200" y="6308725"/>
+            <a:ext cx="3058998" cy="365125"/>
+          </a:xfrm>
+        </p:spPr>
+        <p:txBody>
           <a:bodyPr/>
           <a:lstStyle/>
           <a:p>
-            <a:endParaRPr lang="en-US"/>
+            <a:pPr algn="l"/>
+            <a:r>
+              <a:rPr lang="en-US" dirty="0" smtClean="0"/>
+              <a:t>*Takes too long to run to run! Still computing</a:t>
+            </a:r>
+            <a:endParaRPr lang="en-US" dirty="0"/>
           </a:p>
         </p:txBody>
       </p:sp>
+      <p:grpSp>
+        <p:nvGrpSpPr>
+          <p:cNvPr id="5" name="Group 4"/>
+          <p:cNvGrpSpPr/>
+          <p:nvPr/>
+        </p:nvGrpSpPr>
+        <p:grpSpPr>
+          <a:xfrm>
+            <a:off x="2364769" y="87286"/>
+            <a:ext cx="1808167" cy="723266"/>
+            <a:chOff x="935537" y="2475125"/>
+            <a:chExt cx="1808167" cy="723266"/>
+          </a:xfrm>
+        </p:grpSpPr>
+        <p:sp>
+          <p:nvSpPr>
+            <p:cNvPr id="6" name="Chevron 5"/>
+            <p:cNvSpPr/>
+            <p:nvPr/>
+          </p:nvSpPr>
+          <p:spPr>
+            <a:xfrm>
+              <a:off x="935537" y="2475125"/>
+              <a:ext cx="1808167" cy="723266"/>
+            </a:xfrm>
+            <a:prstGeom prst="chevron">
+              <a:avLst/>
+            </a:prstGeom>
+          </p:spPr>
+          <p:style>
+            <a:lnRef idx="2">
+              <a:schemeClr val="lt1">
+                <a:hueOff val="0"/>
+                <a:satOff val="0"/>
+                <a:lumOff val="0"/>
+                <a:alphaOff val="0"/>
+              </a:schemeClr>
+            </a:lnRef>
+            <a:fillRef idx="1">
+              <a:schemeClr val="accent1">
+                <a:hueOff val="0"/>
+                <a:satOff val="0"/>
+                <a:lumOff val="0"/>
+                <a:alphaOff val="0"/>
+              </a:schemeClr>
+            </a:fillRef>
+            <a:effectRef idx="0">
+              <a:schemeClr val="accent1">
+                <a:hueOff val="0"/>
+                <a:satOff val="0"/>
+                <a:lumOff val="0"/>
+                <a:alphaOff val="0"/>
+              </a:schemeClr>
+            </a:effectRef>
+            <a:fontRef idx="minor">
+              <a:schemeClr val="lt1"/>
+            </a:fontRef>
+          </p:style>
+        </p:sp>
+        <p:sp>
+          <p:nvSpPr>
+            <p:cNvPr id="7" name="Chevron 4"/>
+            <p:cNvSpPr/>
+            <p:nvPr/>
+          </p:nvSpPr>
+          <p:spPr>
+            <a:xfrm>
+              <a:off x="1297170" y="2475125"/>
+              <a:ext cx="1084901" cy="723266"/>
+            </a:xfrm>
+            <a:prstGeom prst="rect">
+              <a:avLst/>
+            </a:prstGeom>
+          </p:spPr>
+          <p:style>
+            <a:lnRef idx="0">
+              <a:scrgbClr r="0" g="0" b="0"/>
+            </a:lnRef>
+            <a:fillRef idx="0">
+              <a:scrgbClr r="0" g="0" b="0"/>
+            </a:fillRef>
+            <a:effectRef idx="0">
+              <a:scrgbClr r="0" g="0" b="0"/>
+            </a:effectRef>
+            <a:fontRef idx="minor">
+              <a:schemeClr val="lt1"/>
+            </a:fontRef>
+          </p:style>
+          <p:txBody>
+            <a:bodyPr spcFirstLastPara="0" vert="horz" wrap="square" lIns="19050" tIns="9525" rIns="0" bIns="9525" numCol="1" spcCol="1270" anchor="ctr" anchorCtr="0">
+              <a:noAutofit/>
+            </a:bodyPr>
+            <a:lstStyle/>
+            <a:p>
+              <a:pPr lvl="0" algn="ctr" defTabSz="666750">
+                <a:lnSpc>
+                  <a:spcPct val="90000"/>
+                </a:lnSpc>
+                <a:spcBef>
+                  <a:spcPct val="0"/>
+                </a:spcBef>
+                <a:spcAft>
+                  <a:spcPct val="35000"/>
+                </a:spcAft>
+              </a:pPr>
+              <a:r>
+                <a:rPr lang="en-US" sz="1500" kern="1200" dirty="0" smtClean="0"/>
+                <a:t>Models</a:t>
+              </a:r>
+              <a:endParaRPr lang="en-US" sz="1500" kern="1200" dirty="0"/>
+            </a:p>
+          </p:txBody>
+        </p:sp>
+      </p:grpSp>
+      <p:grpSp>
+        <p:nvGrpSpPr>
+          <p:cNvPr id="8" name="Group 7"/>
+          <p:cNvGrpSpPr/>
+          <p:nvPr/>
+        </p:nvGrpSpPr>
+        <p:grpSpPr>
+          <a:xfrm>
+            <a:off x="3937874" y="148764"/>
+            <a:ext cx="1500778" cy="600311"/>
+            <a:chOff x="2508642" y="2536603"/>
+            <a:chExt cx="1500778" cy="600311"/>
+          </a:xfrm>
+          <a:solidFill>
+            <a:schemeClr val="bg1">
+              <a:lumMod val="85000"/>
+            </a:schemeClr>
+          </a:solidFill>
+        </p:grpSpPr>
+        <p:sp>
+          <p:nvSpPr>
+            <p:cNvPr id="9" name="Chevron 8"/>
+            <p:cNvSpPr/>
+            <p:nvPr/>
+          </p:nvSpPr>
+          <p:spPr>
+            <a:xfrm>
+              <a:off x="2508642" y="2536603"/>
+              <a:ext cx="1500778" cy="600311"/>
+            </a:xfrm>
+            <a:prstGeom prst="chevron">
+              <a:avLst/>
+            </a:prstGeom>
+            <a:solidFill>
+              <a:schemeClr val="bg1">
+                <a:lumMod val="85000"/>
+              </a:schemeClr>
+            </a:solidFill>
+            <a:ln>
+              <a:solidFill>
+                <a:schemeClr val="tx1">
+                  <a:alpha val="90000"/>
+                </a:schemeClr>
+              </a:solidFill>
+            </a:ln>
+          </p:spPr>
+          <p:style>
+            <a:lnRef idx="2">
+              <a:schemeClr val="accent1">
+                <a:alpha val="90000"/>
+                <a:tint val="40000"/>
+                <a:hueOff val="0"/>
+                <a:satOff val="0"/>
+                <a:lumOff val="0"/>
+                <a:alphaOff val="0"/>
+              </a:schemeClr>
+            </a:lnRef>
+            <a:fillRef idx="1">
+              <a:schemeClr val="accent1">
+                <a:alpha val="90000"/>
+                <a:tint val="40000"/>
+                <a:hueOff val="0"/>
+                <a:satOff val="0"/>
+                <a:lumOff val="0"/>
+                <a:alphaOff val="0"/>
+              </a:schemeClr>
+            </a:fillRef>
+            <a:effectRef idx="0">
+              <a:schemeClr val="accent1">
+                <a:alpha val="90000"/>
+                <a:tint val="40000"/>
+                <a:hueOff val="0"/>
+                <a:satOff val="0"/>
+                <a:lumOff val="0"/>
+                <a:alphaOff val="0"/>
+              </a:schemeClr>
+            </a:effectRef>
+            <a:fontRef idx="minor">
+              <a:schemeClr val="dk1">
+                <a:hueOff val="0"/>
+                <a:satOff val="0"/>
+                <a:lumOff val="0"/>
+                <a:alphaOff val="0"/>
+              </a:schemeClr>
+            </a:fontRef>
+          </p:style>
+        </p:sp>
+        <p:sp>
+          <p:nvSpPr>
+            <p:cNvPr id="10" name="Chevron 6"/>
+            <p:cNvSpPr/>
+            <p:nvPr/>
+          </p:nvSpPr>
+          <p:spPr>
+            <a:xfrm>
+              <a:off x="2808798" y="2536603"/>
+              <a:ext cx="900467" cy="600311"/>
+            </a:xfrm>
+            <a:prstGeom prst="rect">
+              <a:avLst/>
+            </a:prstGeom>
+            <a:noFill/>
+            <a:ln>
+              <a:noFill/>
+            </a:ln>
+          </p:spPr>
+          <p:style>
+            <a:lnRef idx="0">
+              <a:scrgbClr r="0" g="0" b="0"/>
+            </a:lnRef>
+            <a:fillRef idx="0">
+              <a:scrgbClr r="0" g="0" b="0"/>
+            </a:fillRef>
+            <a:effectRef idx="0">
+              <a:scrgbClr r="0" g="0" b="0"/>
+            </a:effectRef>
+            <a:fontRef idx="minor">
+              <a:schemeClr val="dk1">
+                <a:hueOff val="0"/>
+                <a:satOff val="0"/>
+                <a:lumOff val="0"/>
+                <a:alphaOff val="0"/>
+              </a:schemeClr>
+            </a:fontRef>
+          </p:style>
+          <p:txBody>
+            <a:bodyPr spcFirstLastPara="0" vert="horz" wrap="square" lIns="16510" tIns="8255" rIns="0" bIns="8255" numCol="1" spcCol="1270" anchor="ctr" anchorCtr="0">
+              <a:noAutofit/>
+            </a:bodyPr>
+            <a:lstStyle/>
+            <a:p>
+              <a:pPr lvl="0" algn="ctr" defTabSz="577850">
+                <a:lnSpc>
+                  <a:spcPct val="90000"/>
+                </a:lnSpc>
+                <a:spcBef>
+                  <a:spcPct val="0"/>
+                </a:spcBef>
+                <a:spcAft>
+                  <a:spcPct val="35000"/>
+                </a:spcAft>
+              </a:pPr>
+              <a:r>
+                <a:rPr lang="en-US" sz="1300" b="1" kern="1200" dirty="0" smtClean="0"/>
+                <a:t>Standard</a:t>
+              </a:r>
+              <a:endParaRPr lang="en-US" sz="1300" b="1" kern="1200" dirty="0"/>
+            </a:p>
+          </p:txBody>
+        </p:sp>
+      </p:grpSp>
+      <p:grpSp>
+        <p:nvGrpSpPr>
+          <p:cNvPr id="11" name="Group 10"/>
+          <p:cNvGrpSpPr/>
+          <p:nvPr/>
+        </p:nvGrpSpPr>
+        <p:grpSpPr>
+          <a:xfrm>
+            <a:off x="5237971" y="148764"/>
+            <a:ext cx="1500778" cy="600311"/>
+            <a:chOff x="3799312" y="2536603"/>
+            <a:chExt cx="1500778" cy="600311"/>
+          </a:xfrm>
+          <a:solidFill>
+            <a:schemeClr val="bg1">
+              <a:lumMod val="85000"/>
+            </a:schemeClr>
+          </a:solidFill>
+        </p:grpSpPr>
+        <p:sp>
+          <p:nvSpPr>
+            <p:cNvPr id="12" name="Chevron 11"/>
+            <p:cNvSpPr/>
+            <p:nvPr/>
+          </p:nvSpPr>
+          <p:spPr>
+            <a:xfrm>
+              <a:off x="3799312" y="2536603"/>
+              <a:ext cx="1500778" cy="600311"/>
+            </a:xfrm>
+            <a:prstGeom prst="chevron">
+              <a:avLst/>
+            </a:prstGeom>
+            <a:grpFill/>
+            <a:ln>
+              <a:solidFill>
+                <a:schemeClr val="tx1"/>
+              </a:solidFill>
+            </a:ln>
+          </p:spPr>
+          <p:style>
+            <a:lnRef idx="2">
+              <a:schemeClr val="accent1">
+                <a:alpha val="90000"/>
+                <a:tint val="40000"/>
+                <a:hueOff val="0"/>
+                <a:satOff val="0"/>
+                <a:lumOff val="0"/>
+                <a:alphaOff val="0"/>
+              </a:schemeClr>
+            </a:lnRef>
+            <a:fillRef idx="1">
+              <a:schemeClr val="accent1">
+                <a:alpha val="90000"/>
+                <a:tint val="40000"/>
+                <a:hueOff val="0"/>
+                <a:satOff val="0"/>
+                <a:lumOff val="0"/>
+                <a:alphaOff val="0"/>
+              </a:schemeClr>
+            </a:fillRef>
+            <a:effectRef idx="0">
+              <a:schemeClr val="accent1">
+                <a:alpha val="90000"/>
+                <a:tint val="40000"/>
+                <a:hueOff val="0"/>
+                <a:satOff val="0"/>
+                <a:lumOff val="0"/>
+                <a:alphaOff val="0"/>
+              </a:schemeClr>
+            </a:effectRef>
+            <a:fontRef idx="minor">
+              <a:schemeClr val="dk1">
+                <a:hueOff val="0"/>
+                <a:satOff val="0"/>
+                <a:lumOff val="0"/>
+                <a:alphaOff val="0"/>
+              </a:schemeClr>
+            </a:fontRef>
+          </p:style>
+        </p:sp>
+        <p:sp>
+          <p:nvSpPr>
+            <p:cNvPr id="13" name="Chevron 8"/>
+            <p:cNvSpPr/>
+            <p:nvPr/>
+          </p:nvSpPr>
+          <p:spPr>
+            <a:xfrm>
+              <a:off x="4099468" y="2536603"/>
+              <a:ext cx="900467" cy="600311"/>
+            </a:xfrm>
+            <a:prstGeom prst="rect">
+              <a:avLst/>
+            </a:prstGeom>
+            <a:noFill/>
+            <a:ln>
+              <a:noFill/>
+            </a:ln>
+          </p:spPr>
+          <p:style>
+            <a:lnRef idx="0">
+              <a:scrgbClr r="0" g="0" b="0"/>
+            </a:lnRef>
+            <a:fillRef idx="0">
+              <a:scrgbClr r="0" g="0" b="0"/>
+            </a:fillRef>
+            <a:effectRef idx="0">
+              <a:scrgbClr r="0" g="0" b="0"/>
+            </a:effectRef>
+            <a:fontRef idx="minor">
+              <a:schemeClr val="dk1">
+                <a:hueOff val="0"/>
+                <a:satOff val="0"/>
+                <a:lumOff val="0"/>
+                <a:alphaOff val="0"/>
+              </a:schemeClr>
+            </a:fontRef>
+          </p:style>
+          <p:txBody>
+            <a:bodyPr spcFirstLastPara="0" vert="horz" wrap="square" lIns="16510" tIns="8255" rIns="0" bIns="8255" numCol="1" spcCol="1270" anchor="ctr" anchorCtr="0">
+              <a:noAutofit/>
+            </a:bodyPr>
+            <a:lstStyle/>
+            <a:p>
+              <a:pPr lvl="0" algn="ctr" defTabSz="577850">
+                <a:lnSpc>
+                  <a:spcPct val="90000"/>
+                </a:lnSpc>
+                <a:spcBef>
+                  <a:spcPct val="0"/>
+                </a:spcBef>
+                <a:spcAft>
+                  <a:spcPct val="35000"/>
+                </a:spcAft>
+              </a:pPr>
+              <a:r>
+                <a:rPr lang="en-US" sz="1300" b="1" kern="1200" dirty="0" smtClean="0"/>
+                <a:t>Real world</a:t>
+              </a:r>
+              <a:endParaRPr lang="en-US" sz="1300" b="1" kern="1200" dirty="0"/>
+            </a:p>
+          </p:txBody>
+        </p:sp>
+      </p:grpSp>
     </p:spTree>
     <p:extLst>
       <p:ext uri="{BB962C8B-B14F-4D97-AF65-F5344CB8AC3E}">
@@ -26938,7 +31017,12 @@
             <p:ph type="title"/>
           </p:nvPr>
         </p:nvSpPr>
-        <p:spPr/>
+        <p:spPr>
+          <a:xfrm>
+            <a:off x="457200" y="605533"/>
+            <a:ext cx="8229600" cy="1143000"/>
+          </a:xfrm>
+        </p:spPr>
         <p:txBody>
           <a:bodyPr/>
           <a:lstStyle/>
@@ -26969,17 +31053,23 @@
             <p:ph idx="1"/>
           </p:nvPr>
         </p:nvSpPr>
-        <p:spPr/>
+        <p:spPr>
+          <a:xfrm>
+            <a:off x="457200" y="1600200"/>
+            <a:ext cx="4427621" cy="4525963"/>
+          </a:xfrm>
+        </p:spPr>
         <p:txBody>
           <a:bodyPr>
-            <a:noAutofit/>
+            <a:normAutofit fontScale="92500" lnSpcReduction="10000"/>
           </a:bodyPr>
           <a:lstStyle/>
           <a:p>
             <a:r>
               <a:rPr lang="en-US" sz="2800" dirty="0" smtClean="0"/>
-              <a:t>Objective Scores</a:t>
+              <a:t>Energy</a:t>
             </a:r>
+            <a:endParaRPr lang="en-US" sz="2800" dirty="0" smtClean="0"/>
           </a:p>
           <a:p>
             <a:pPr lvl="1"/>
@@ -27034,6 +31124,1063 @@
           </a:p>
         </p:txBody>
       </p:sp>
+      <mc:AlternateContent xmlns:mc="http://schemas.openxmlformats.org/markup-compatibility/2006">
+        <mc:Choice xmlns:a14="http://schemas.microsoft.com/office/drawing/2010/main" Requires="a14">
+          <p:sp>
+            <p:nvSpPr>
+              <p:cNvPr id="4" name="TextBox 3"/>
+              <p:cNvSpPr txBox="1"/>
+              <p:nvPr/>
+            </p:nvSpPr>
+            <p:spPr>
+              <a:xfrm>
+                <a:off x="5065294" y="1600200"/>
+                <a:ext cx="3801979" cy="3153684"/>
+              </a:xfrm>
+              <a:prstGeom prst="rect">
+                <a:avLst/>
+              </a:prstGeom>
+              <a:noFill/>
+              <a:ln>
+                <a:solidFill>
+                  <a:schemeClr val="tx1"/>
+                </a:solidFill>
+              </a:ln>
+            </p:spPr>
+            <p:txBody>
+              <a:bodyPr wrap="square" rtlCol="0">
+                <a:spAutoFit/>
+              </a:bodyPr>
+              <a:lstStyle/>
+              <a:p>
+                <a:r>
+                  <a:rPr lang="en-US" i="1" dirty="0" smtClean="0"/>
+                  <a:t>Baselining policy:</a:t>
+                </a:r>
+              </a:p>
+              <a:p>
+                <a:pPr marL="342900" indent="-342900">
+                  <a:buFont typeface="+mj-lt"/>
+                  <a:buAutoNum type="arabicPeriod"/>
+                </a:pPr>
+                <a:r>
+                  <a:rPr lang="en-US" dirty="0"/>
+                  <a:t>Run the model </a:t>
+                </a:r>
+                <a:r>
+                  <a:rPr lang="en-US" dirty="0" smtClean="0"/>
+                  <a:t>500 times</a:t>
+                </a:r>
+              </a:p>
+              <a:p>
+                <a:pPr marL="342900" indent="-342900">
+                  <a:buFont typeface="+mj-lt"/>
+                  <a:buAutoNum type="arabicPeriod"/>
+                </a:pPr>
+                <a:r>
+                  <a:rPr lang="en-US" dirty="0" smtClean="0"/>
+                  <a:t>Compute the maximum and minimum objective scores (</a:t>
+                </a:r>
+                <a:r>
+                  <a:rPr lang="en-US" dirty="0" err="1" smtClean="0"/>
+                  <a:t>x</a:t>
+                </a:r>
+                <a:r>
+                  <a:rPr lang="en-US" baseline="-25000" dirty="0" err="1" smtClean="0"/>
+                  <a:t>max</a:t>
+                </a:r>
+                <a:r>
+                  <a:rPr lang="en-US" dirty="0"/>
+                  <a:t> </a:t>
+                </a:r>
+                <a:r>
+                  <a:rPr lang="en-US" dirty="0" smtClean="0"/>
+                  <a:t>and </a:t>
+                </a:r>
+                <a:r>
+                  <a:rPr lang="en-US" dirty="0" err="1" smtClean="0"/>
+                  <a:t>x</a:t>
+                </a:r>
+                <a:r>
+                  <a:rPr lang="en-US" baseline="-25000" dirty="0" err="1" smtClean="0"/>
+                  <a:t>min</a:t>
+                </a:r>
+                <a:r>
+                  <a:rPr lang="en-US" dirty="0" smtClean="0"/>
+                  <a:t>)</a:t>
+                </a:r>
+              </a:p>
+              <a:p>
+                <a:pPr marL="342900" indent="-342900">
+                  <a:buFont typeface="+mj-lt"/>
+                  <a:buAutoNum type="arabicPeriod"/>
+                </a:pPr>
+                <a:r>
+                  <a:rPr lang="en-US" dirty="0" smtClean="0"/>
+                  <a:t>Compute the Energy(x, baseline)</a:t>
+                </a:r>
+              </a:p>
+              <a:p>
+                <a:pPr algn="ctr"/>
+                <a:r>
+                  <a:rPr lang="en-US" sz="2000" dirty="0" smtClean="0"/>
+                  <a:t>Energy</a:t>
+                </a:r>
+                <a:r>
+                  <a:rPr lang="en-US" sz="2000" b="1" dirty="0" smtClean="0"/>
+                  <a:t> </a:t>
+                </a:r>
+                <a:r>
+                  <a:rPr lang="en-US" sz="2400" dirty="0" smtClean="0"/>
+                  <a:t>= </a:t>
+                </a:r>
+                <a14:m>
+                  <m:oMath xmlns:m="http://schemas.openxmlformats.org/officeDocument/2006/math">
+                    <m:box>
+                      <m:boxPr>
+                        <m:ctrlPr>
+                          <a:rPr lang="en-US" sz="2400" i="1" smtClean="0">
+                            <a:latin typeface="Cambria Math" panose="02040503050406030204" pitchFamily="18" charset="0"/>
+                          </a:rPr>
+                        </m:ctrlPr>
+                      </m:boxPr>
+                      <m:e>
+                        <m:f>
+                          <m:fPr>
+                            <m:ctrlPr>
+                              <a:rPr lang="en-US" sz="2400" i="1" smtClean="0">
+                                <a:latin typeface="Cambria Math" panose="02040503050406030204" pitchFamily="18" charset="0"/>
+                              </a:rPr>
+                            </m:ctrlPr>
+                          </m:fPr>
+                          <m:num>
+                            <m:nary>
+                              <m:naryPr>
+                                <m:chr m:val="∑"/>
+                                <m:ctrlPr>
+                                  <a:rPr lang="en-US" sz="2400" i="1">
+                                    <a:latin typeface="Cambria Math" panose="02040503050406030204" pitchFamily="18" charset="0"/>
+                                  </a:rPr>
+                                </m:ctrlPr>
+                              </m:naryPr>
+                              <m:sub>
+                                <m:r>
+                                  <m:rPr>
+                                    <m:brk m:alnAt="23"/>
+                                  </m:rPr>
+                                  <a:rPr lang="en-US" sz="2400" b="0" i="1" smtClean="0">
+                                    <a:latin typeface="Cambria Math" panose="02040503050406030204" pitchFamily="18" charset="0"/>
+                                  </a:rPr>
+                                  <m:t>𝑖</m:t>
+                                </m:r>
+                              </m:sub>
+                              <m:sup>
+                                <m:r>
+                                  <a:rPr lang="en-US" sz="2400" b="0" i="1" smtClean="0">
+                                    <a:latin typeface="Cambria Math" panose="02040503050406030204" pitchFamily="18" charset="0"/>
+                                  </a:rPr>
+                                  <m:t>𝑁𝑜</m:t>
+                                </m:r>
+                                <m:r>
+                                  <a:rPr lang="en-US" sz="2400" b="0" i="1" smtClean="0">
+                                    <a:latin typeface="Cambria Math" panose="02040503050406030204" pitchFamily="18" charset="0"/>
+                                  </a:rPr>
+                                  <m:t>.  </m:t>
+                                </m:r>
+                                <m:r>
+                                  <a:rPr lang="en-US" sz="2400" b="0" i="1" smtClean="0">
+                                    <a:latin typeface="Cambria Math" panose="02040503050406030204" pitchFamily="18" charset="0"/>
+                                  </a:rPr>
+                                  <m:t>𝑂𝑏𝑗</m:t>
+                                </m:r>
+                              </m:sup>
+                              <m:e>
+                                <m:r>
+                                  <a:rPr lang="en-US" sz="2400" b="0" i="1" smtClean="0">
+                                    <a:latin typeface="Cambria Math" panose="02040503050406030204" pitchFamily="18" charset="0"/>
+                                  </a:rPr>
+                                  <m:t>𝑥</m:t>
+                                </m:r>
+                                <m:r>
+                                  <a:rPr lang="en-US" sz="2400" b="0" i="1" baseline="-25000" smtClean="0">
+                                    <a:latin typeface="Cambria Math" panose="02040503050406030204" pitchFamily="18" charset="0"/>
+                                  </a:rPr>
+                                  <m:t>𝑖</m:t>
+                                </m:r>
+                              </m:e>
+                            </m:nary>
+                            <m:r>
+                              <a:rPr lang="en-US" sz="2400" b="0" i="1" smtClean="0">
+                                <a:latin typeface="Cambria Math" panose="02040503050406030204" pitchFamily="18" charset="0"/>
+                              </a:rPr>
+                              <m:t> </m:t>
+                            </m:r>
+                            <m:r>
+                              <a:rPr lang="en-US" sz="2400" b="0" i="1" smtClean="0">
+                                <a:latin typeface="Cambria Math" panose="02040503050406030204" pitchFamily="18" charset="0"/>
+                              </a:rPr>
+                              <m:t>− </m:t>
+                            </m:r>
+                            <m:r>
+                              <a:rPr lang="en-US" sz="2400" b="0" i="1" smtClean="0">
+                                <a:latin typeface="Cambria Math" panose="02040503050406030204" pitchFamily="18" charset="0"/>
+                              </a:rPr>
+                              <m:t>𝑥𝑚𝑖</m:t>
+                            </m:r>
+                            <m:r>
+                              <a:rPr lang="en-US" sz="2400" b="0" i="1" baseline="-25000" smtClean="0">
+                                <a:latin typeface="Cambria Math" panose="02040503050406030204" pitchFamily="18" charset="0"/>
+                              </a:rPr>
+                              <m:t>𝑛</m:t>
+                            </m:r>
+                          </m:num>
+                          <m:den>
+                            <m:r>
+                              <a:rPr lang="en-US" sz="2400" b="0" i="1" smtClean="0">
+                                <a:latin typeface="Cambria Math" panose="02040503050406030204" pitchFamily="18" charset="0"/>
+                              </a:rPr>
+                              <m:t>𝑥</m:t>
+                            </m:r>
+                            <m:r>
+                              <a:rPr lang="en-US" sz="2400" b="0" i="1" baseline="-25000" smtClean="0">
+                                <a:latin typeface="Cambria Math" panose="02040503050406030204" pitchFamily="18" charset="0"/>
+                              </a:rPr>
+                              <m:t>𝑚𝑎𝑥</m:t>
+                            </m:r>
+                            <m:r>
+                              <a:rPr lang="en-US" sz="2400" b="0" i="1" baseline="-25000" smtClean="0">
+                                <a:latin typeface="Cambria Math" panose="02040503050406030204" pitchFamily="18" charset="0"/>
+                              </a:rPr>
+                              <m:t> − </m:t>
+                            </m:r>
+                            <m:r>
+                              <a:rPr lang="en-US" sz="2400" b="0" i="1" smtClean="0">
+                                <a:latin typeface="Cambria Math" panose="02040503050406030204" pitchFamily="18" charset="0"/>
+                              </a:rPr>
+                              <m:t>𝑥𝑚𝑖</m:t>
+                            </m:r>
+                            <m:r>
+                              <a:rPr lang="en-US" sz="2400" b="0" i="1" baseline="-25000" smtClean="0">
+                                <a:latin typeface="Cambria Math" panose="02040503050406030204" pitchFamily="18" charset="0"/>
+                              </a:rPr>
+                              <m:t>𝑛</m:t>
+                            </m:r>
+                          </m:den>
+                        </m:f>
+                      </m:e>
+                    </m:box>
+                  </m:oMath>
+                </a14:m>
+                <a:endParaRPr lang="en-US" sz="2400" dirty="0" smtClean="0"/>
+              </a:p>
+              <a:p>
+                <a:pPr algn="ctr"/>
+                <a:endParaRPr lang="en-US" sz="1200" dirty="0" smtClean="0"/>
+              </a:p>
+              <a:p>
+                <a:pPr marL="342900" indent="-342900">
+                  <a:buAutoNum type="arabicPeriod" startAt="4"/>
+                </a:pPr>
+                <a:r>
+                  <a:rPr lang="en-US" dirty="0" smtClean="0"/>
+                  <a:t>The median determines the quality of the solution</a:t>
+                </a:r>
+                <a:endParaRPr lang="en-US" baseline="-25000" dirty="0" smtClean="0"/>
+              </a:p>
+            </p:txBody>
+          </p:sp>
+        </mc:Choice>
+        <mc:Fallback>
+          <p:sp>
+            <p:nvSpPr>
+              <p:cNvPr id="4" name="TextBox 3"/>
+              <p:cNvSpPr txBox="1">
+                <a:spLocks noRot="1" noChangeAspect="1" noMove="1" noResize="1" noEditPoints="1" noAdjustHandles="1" noChangeArrowheads="1" noChangeShapeType="1" noTextEdit="1"/>
+              </p:cNvSpPr>
+              <p:nvPr/>
+            </p:nvSpPr>
+            <p:spPr>
+              <a:xfrm>
+                <a:off x="5065294" y="1600200"/>
+                <a:ext cx="3801979" cy="3153684"/>
+              </a:xfrm>
+              <a:prstGeom prst="rect">
+                <a:avLst/>
+              </a:prstGeom>
+              <a:blipFill rotWithShape="0">
+                <a:blip r:embed="rId3"/>
+                <a:stretch>
+                  <a:fillRect l="-1278" t="-963" r="-2077" b="-1734"/>
+                </a:stretch>
+              </a:blipFill>
+              <a:ln>
+                <a:solidFill>
+                  <a:schemeClr val="tx1"/>
+                </a:solidFill>
+              </a:ln>
+            </p:spPr>
+            <p:txBody>
+              <a:bodyPr/>
+              <a:lstStyle/>
+              <a:p>
+                <a:r>
+                  <a:rPr lang="en-US">
+                    <a:noFill/>
+                  </a:rPr>
+                  <a:t> </a:t>
+                </a:r>
+              </a:p>
+            </p:txBody>
+          </p:sp>
+        </mc:Fallback>
+      </mc:AlternateContent>
+      <p:sp>
+        <p:nvSpPr>
+          <p:cNvPr id="5" name="TextBox 4"/>
+          <p:cNvSpPr txBox="1"/>
+          <p:nvPr/>
+        </p:nvSpPr>
+        <p:spPr>
+          <a:xfrm>
+            <a:off x="5065293" y="4909755"/>
+            <a:ext cx="3801979" cy="1200329"/>
+          </a:xfrm>
+          <a:prstGeom prst="rect">
+            <a:avLst/>
+          </a:prstGeom>
+          <a:noFill/>
+          <a:ln>
+            <a:solidFill>
+              <a:schemeClr val="tx1"/>
+            </a:solidFill>
+          </a:ln>
+        </p:spPr>
+        <p:txBody>
+          <a:bodyPr wrap="square" rtlCol="0">
+            <a:spAutoFit/>
+          </a:bodyPr>
+          <a:lstStyle/>
+          <a:p>
+            <a:r>
+              <a:rPr lang="en-US" dirty="0" smtClean="0"/>
+              <a:t>Energy</a:t>
+            </a:r>
+          </a:p>
+          <a:p>
+            <a:r>
+              <a:rPr lang="en-US" dirty="0" smtClean="0"/>
+              <a:t>&gt; 0 : Loss in quality from baseline</a:t>
+            </a:r>
+          </a:p>
+          <a:p>
+            <a:r>
+              <a:rPr lang="en-US" dirty="0" smtClean="0"/>
+              <a:t>= 0 : No improvement</a:t>
+            </a:r>
+          </a:p>
+          <a:p>
+            <a:r>
+              <a:rPr lang="en-US" dirty="0" smtClean="0"/>
+              <a:t>&lt; 0 : Improvement from baseline</a:t>
+            </a:r>
+            <a:endParaRPr lang="en-US" dirty="0"/>
+          </a:p>
+        </p:txBody>
+      </p:sp>
+      <p:grpSp>
+        <p:nvGrpSpPr>
+          <p:cNvPr id="7" name="Group 6"/>
+          <p:cNvGrpSpPr/>
+          <p:nvPr/>
+        </p:nvGrpSpPr>
+        <p:grpSpPr>
+          <a:xfrm>
+            <a:off x="863991" y="92076"/>
+            <a:ext cx="1808167" cy="723266"/>
+            <a:chOff x="935537" y="2475125"/>
+            <a:chExt cx="1808167" cy="723266"/>
+          </a:xfrm>
+        </p:grpSpPr>
+        <p:sp>
+          <p:nvSpPr>
+            <p:cNvPr id="20" name="Chevron 19"/>
+            <p:cNvSpPr/>
+            <p:nvPr/>
+          </p:nvSpPr>
+          <p:spPr>
+            <a:xfrm>
+              <a:off x="935537" y="2475125"/>
+              <a:ext cx="1808167" cy="723266"/>
+            </a:xfrm>
+            <a:prstGeom prst="chevron">
+              <a:avLst/>
+            </a:prstGeom>
+          </p:spPr>
+          <p:style>
+            <a:lnRef idx="2">
+              <a:schemeClr val="lt1">
+                <a:hueOff val="0"/>
+                <a:satOff val="0"/>
+                <a:lumOff val="0"/>
+                <a:alphaOff val="0"/>
+              </a:schemeClr>
+            </a:lnRef>
+            <a:fillRef idx="1">
+              <a:schemeClr val="accent1">
+                <a:hueOff val="0"/>
+                <a:satOff val="0"/>
+                <a:lumOff val="0"/>
+                <a:alphaOff val="0"/>
+              </a:schemeClr>
+            </a:fillRef>
+            <a:effectRef idx="0">
+              <a:schemeClr val="accent1">
+                <a:hueOff val="0"/>
+                <a:satOff val="0"/>
+                <a:lumOff val="0"/>
+                <a:alphaOff val="0"/>
+              </a:schemeClr>
+            </a:effectRef>
+            <a:fontRef idx="minor">
+              <a:schemeClr val="lt1"/>
+            </a:fontRef>
+          </p:style>
+        </p:sp>
+        <p:sp>
+          <p:nvSpPr>
+            <p:cNvPr id="21" name="Chevron 4"/>
+            <p:cNvSpPr/>
+            <p:nvPr/>
+          </p:nvSpPr>
+          <p:spPr>
+            <a:xfrm>
+              <a:off x="1297170" y="2475125"/>
+              <a:ext cx="1084901" cy="723266"/>
+            </a:xfrm>
+            <a:prstGeom prst="rect">
+              <a:avLst/>
+            </a:prstGeom>
+          </p:spPr>
+          <p:style>
+            <a:lnRef idx="0">
+              <a:scrgbClr r="0" g="0" b="0"/>
+            </a:lnRef>
+            <a:fillRef idx="0">
+              <a:scrgbClr r="0" g="0" b="0"/>
+            </a:fillRef>
+            <a:effectRef idx="0">
+              <a:scrgbClr r="0" g="0" b="0"/>
+            </a:effectRef>
+            <a:fontRef idx="minor">
+              <a:schemeClr val="lt1"/>
+            </a:fontRef>
+          </p:style>
+          <p:txBody>
+            <a:bodyPr spcFirstLastPara="0" vert="horz" wrap="square" lIns="19050" tIns="9525" rIns="0" bIns="9525" numCol="1" spcCol="1270" anchor="ctr" anchorCtr="0">
+              <a:noAutofit/>
+            </a:bodyPr>
+            <a:lstStyle/>
+            <a:p>
+              <a:pPr lvl="0" algn="ctr" defTabSz="666750">
+                <a:lnSpc>
+                  <a:spcPct val="90000"/>
+                </a:lnSpc>
+                <a:spcBef>
+                  <a:spcPct val="0"/>
+                </a:spcBef>
+                <a:spcAft>
+                  <a:spcPct val="35000"/>
+                </a:spcAft>
+              </a:pPr>
+              <a:r>
+                <a:rPr lang="en-US" sz="1500" kern="1200" dirty="0" smtClean="0"/>
+                <a:t>Experiments</a:t>
+              </a:r>
+              <a:endParaRPr lang="en-US" sz="1500" kern="1200" dirty="0"/>
+            </a:p>
+          </p:txBody>
+        </p:sp>
+      </p:grpSp>
+      <p:grpSp>
+        <p:nvGrpSpPr>
+          <p:cNvPr id="8" name="Group 7"/>
+          <p:cNvGrpSpPr/>
+          <p:nvPr/>
+        </p:nvGrpSpPr>
+        <p:grpSpPr>
+          <a:xfrm>
+            <a:off x="2437096" y="153554"/>
+            <a:ext cx="1500778" cy="600311"/>
+            <a:chOff x="2508642" y="2536603"/>
+            <a:chExt cx="1500778" cy="600311"/>
+          </a:xfrm>
+          <a:solidFill>
+            <a:schemeClr val="tx2">
+              <a:lumMod val="20000"/>
+              <a:lumOff val="80000"/>
+            </a:schemeClr>
+          </a:solidFill>
+        </p:grpSpPr>
+        <p:sp>
+          <p:nvSpPr>
+            <p:cNvPr id="18" name="Chevron 17"/>
+            <p:cNvSpPr/>
+            <p:nvPr/>
+          </p:nvSpPr>
+          <p:spPr>
+            <a:xfrm>
+              <a:off x="2508642" y="2536603"/>
+              <a:ext cx="1500778" cy="600311"/>
+            </a:xfrm>
+            <a:prstGeom prst="chevron">
+              <a:avLst/>
+            </a:prstGeom>
+            <a:grpFill/>
+            <a:ln>
+              <a:noFill/>
+            </a:ln>
+          </p:spPr>
+          <p:style>
+            <a:lnRef idx="2">
+              <a:schemeClr val="accent1">
+                <a:alpha val="90000"/>
+                <a:tint val="40000"/>
+                <a:hueOff val="0"/>
+                <a:satOff val="0"/>
+                <a:lumOff val="0"/>
+                <a:alphaOff val="0"/>
+              </a:schemeClr>
+            </a:lnRef>
+            <a:fillRef idx="1">
+              <a:schemeClr val="accent1">
+                <a:alpha val="90000"/>
+                <a:tint val="40000"/>
+                <a:hueOff val="0"/>
+                <a:satOff val="0"/>
+                <a:lumOff val="0"/>
+                <a:alphaOff val="0"/>
+              </a:schemeClr>
+            </a:fillRef>
+            <a:effectRef idx="0">
+              <a:schemeClr val="accent1">
+                <a:alpha val="90000"/>
+                <a:tint val="40000"/>
+                <a:hueOff val="0"/>
+                <a:satOff val="0"/>
+                <a:lumOff val="0"/>
+                <a:alphaOff val="0"/>
+              </a:schemeClr>
+            </a:effectRef>
+            <a:fontRef idx="minor">
+              <a:schemeClr val="dk1">
+                <a:hueOff val="0"/>
+                <a:satOff val="0"/>
+                <a:lumOff val="0"/>
+                <a:alphaOff val="0"/>
+              </a:schemeClr>
+            </a:fontRef>
+          </p:style>
+        </p:sp>
+        <p:sp>
+          <p:nvSpPr>
+            <p:cNvPr id="19" name="Chevron 6"/>
+            <p:cNvSpPr/>
+            <p:nvPr/>
+          </p:nvSpPr>
+          <p:spPr>
+            <a:xfrm>
+              <a:off x="2808798" y="2536603"/>
+              <a:ext cx="900467" cy="600311"/>
+            </a:xfrm>
+            <a:prstGeom prst="rect">
+              <a:avLst/>
+            </a:prstGeom>
+            <a:grpFill/>
+            <a:ln>
+              <a:noFill/>
+            </a:ln>
+          </p:spPr>
+          <p:style>
+            <a:lnRef idx="0">
+              <a:scrgbClr r="0" g="0" b="0"/>
+            </a:lnRef>
+            <a:fillRef idx="0">
+              <a:scrgbClr r="0" g="0" b="0"/>
+            </a:fillRef>
+            <a:effectRef idx="0">
+              <a:scrgbClr r="0" g="0" b="0"/>
+            </a:effectRef>
+            <a:fontRef idx="minor">
+              <a:schemeClr val="dk1">
+                <a:hueOff val="0"/>
+                <a:satOff val="0"/>
+                <a:lumOff val="0"/>
+                <a:alphaOff val="0"/>
+              </a:schemeClr>
+            </a:fontRef>
+          </p:style>
+          <p:txBody>
+            <a:bodyPr spcFirstLastPara="0" vert="horz" wrap="square" lIns="16510" tIns="8255" rIns="0" bIns="8255" numCol="1" spcCol="1270" anchor="ctr" anchorCtr="0">
+              <a:noAutofit/>
+            </a:bodyPr>
+            <a:lstStyle/>
+            <a:p>
+              <a:pPr lvl="0" algn="ctr" defTabSz="577850">
+                <a:lnSpc>
+                  <a:spcPct val="90000"/>
+                </a:lnSpc>
+                <a:spcBef>
+                  <a:spcPct val="0"/>
+                </a:spcBef>
+                <a:spcAft>
+                  <a:spcPct val="35000"/>
+                </a:spcAft>
+              </a:pPr>
+              <a:r>
+                <a:rPr lang="en-US" sz="1300" kern="1200" dirty="0" smtClean="0"/>
+                <a:t>Energy</a:t>
+              </a:r>
+              <a:endParaRPr lang="en-US" sz="1300" kern="1200" dirty="0"/>
+            </a:p>
+          </p:txBody>
+        </p:sp>
+      </p:grpSp>
+      <p:grpSp>
+        <p:nvGrpSpPr>
+          <p:cNvPr id="9" name="Group 8"/>
+          <p:cNvGrpSpPr/>
+          <p:nvPr/>
+        </p:nvGrpSpPr>
+        <p:grpSpPr>
+          <a:xfrm>
+            <a:off x="3727766" y="153554"/>
+            <a:ext cx="1500778" cy="600311"/>
+            <a:chOff x="3799312" y="2536603"/>
+            <a:chExt cx="1500778" cy="600311"/>
+          </a:xfrm>
+          <a:solidFill>
+            <a:schemeClr val="tx2">
+              <a:lumMod val="20000"/>
+              <a:lumOff val="80000"/>
+            </a:schemeClr>
+          </a:solidFill>
+        </p:grpSpPr>
+        <p:sp>
+          <p:nvSpPr>
+            <p:cNvPr id="16" name="Chevron 15"/>
+            <p:cNvSpPr/>
+            <p:nvPr/>
+          </p:nvSpPr>
+          <p:spPr>
+            <a:xfrm>
+              <a:off x="3799312" y="2536603"/>
+              <a:ext cx="1500778" cy="600311"/>
+            </a:xfrm>
+            <a:prstGeom prst="chevron">
+              <a:avLst/>
+            </a:prstGeom>
+            <a:grpFill/>
+            <a:ln>
+              <a:noFill/>
+            </a:ln>
+          </p:spPr>
+          <p:style>
+            <a:lnRef idx="2">
+              <a:schemeClr val="accent1">
+                <a:alpha val="90000"/>
+                <a:tint val="40000"/>
+                <a:hueOff val="0"/>
+                <a:satOff val="0"/>
+                <a:lumOff val="0"/>
+                <a:alphaOff val="0"/>
+              </a:schemeClr>
+            </a:lnRef>
+            <a:fillRef idx="1">
+              <a:schemeClr val="accent1">
+                <a:alpha val="90000"/>
+                <a:tint val="40000"/>
+                <a:hueOff val="0"/>
+                <a:satOff val="0"/>
+                <a:lumOff val="0"/>
+                <a:alphaOff val="0"/>
+              </a:schemeClr>
+            </a:fillRef>
+            <a:effectRef idx="0">
+              <a:schemeClr val="accent1">
+                <a:alpha val="90000"/>
+                <a:tint val="40000"/>
+                <a:hueOff val="0"/>
+                <a:satOff val="0"/>
+                <a:lumOff val="0"/>
+                <a:alphaOff val="0"/>
+              </a:schemeClr>
+            </a:effectRef>
+            <a:fontRef idx="minor">
+              <a:schemeClr val="dk1">
+                <a:hueOff val="0"/>
+                <a:satOff val="0"/>
+                <a:lumOff val="0"/>
+                <a:alphaOff val="0"/>
+              </a:schemeClr>
+            </a:fontRef>
+          </p:style>
+        </p:sp>
+        <p:sp>
+          <p:nvSpPr>
+            <p:cNvPr id="17" name="Chevron 8"/>
+            <p:cNvSpPr/>
+            <p:nvPr/>
+          </p:nvSpPr>
+          <p:spPr>
+            <a:xfrm>
+              <a:off x="4099468" y="2536603"/>
+              <a:ext cx="900467" cy="600311"/>
+            </a:xfrm>
+            <a:prstGeom prst="rect">
+              <a:avLst/>
+            </a:prstGeom>
+            <a:grpFill/>
+            <a:ln>
+              <a:noFill/>
+            </a:ln>
+          </p:spPr>
+          <p:style>
+            <a:lnRef idx="0">
+              <a:scrgbClr r="0" g="0" b="0"/>
+            </a:lnRef>
+            <a:fillRef idx="0">
+              <a:scrgbClr r="0" g="0" b="0"/>
+            </a:fillRef>
+            <a:effectRef idx="0">
+              <a:scrgbClr r="0" g="0" b="0"/>
+            </a:effectRef>
+            <a:fontRef idx="minor">
+              <a:schemeClr val="dk1">
+                <a:hueOff val="0"/>
+                <a:satOff val="0"/>
+                <a:lumOff val="0"/>
+                <a:alphaOff val="0"/>
+              </a:schemeClr>
+            </a:fontRef>
+          </p:style>
+          <p:txBody>
+            <a:bodyPr spcFirstLastPara="0" vert="horz" wrap="square" lIns="16510" tIns="8255" rIns="0" bIns="8255" numCol="1" spcCol="1270" anchor="ctr" anchorCtr="0">
+              <a:noAutofit/>
+            </a:bodyPr>
+            <a:lstStyle/>
+            <a:p>
+              <a:pPr lvl="0" algn="ctr" defTabSz="577850">
+                <a:lnSpc>
+                  <a:spcPct val="90000"/>
+                </a:lnSpc>
+                <a:spcBef>
+                  <a:spcPct val="0"/>
+                </a:spcBef>
+                <a:spcAft>
+                  <a:spcPct val="35000"/>
+                </a:spcAft>
+              </a:pPr>
+              <a:r>
+                <a:rPr lang="en-US" sz="1300" kern="1200" dirty="0" smtClean="0"/>
+                <a:t>Spread</a:t>
+              </a:r>
+              <a:endParaRPr lang="en-US" sz="1300" kern="1200" dirty="0"/>
+            </a:p>
+          </p:txBody>
+        </p:sp>
+      </p:grpSp>
+      <p:grpSp>
+        <p:nvGrpSpPr>
+          <p:cNvPr id="10" name="Group 9"/>
+          <p:cNvGrpSpPr/>
+          <p:nvPr/>
+        </p:nvGrpSpPr>
+        <p:grpSpPr>
+          <a:xfrm>
+            <a:off x="5018436" y="153554"/>
+            <a:ext cx="1500778" cy="600311"/>
+            <a:chOff x="5089982" y="2536603"/>
+            <a:chExt cx="1500778" cy="600311"/>
+          </a:xfrm>
+          <a:solidFill>
+            <a:schemeClr val="tx2">
+              <a:lumMod val="20000"/>
+              <a:lumOff val="80000"/>
+            </a:schemeClr>
+          </a:solidFill>
+        </p:grpSpPr>
+        <p:sp>
+          <p:nvSpPr>
+            <p:cNvPr id="14" name="Chevron 13"/>
+            <p:cNvSpPr/>
+            <p:nvPr/>
+          </p:nvSpPr>
+          <p:spPr>
+            <a:xfrm>
+              <a:off x="5089982" y="2536603"/>
+              <a:ext cx="1500778" cy="600311"/>
+            </a:xfrm>
+            <a:prstGeom prst="chevron">
+              <a:avLst/>
+            </a:prstGeom>
+            <a:grpFill/>
+            <a:ln>
+              <a:noFill/>
+            </a:ln>
+          </p:spPr>
+          <p:style>
+            <a:lnRef idx="2">
+              <a:schemeClr val="accent1">
+                <a:alpha val="90000"/>
+                <a:tint val="40000"/>
+                <a:hueOff val="0"/>
+                <a:satOff val="0"/>
+                <a:lumOff val="0"/>
+                <a:alphaOff val="0"/>
+              </a:schemeClr>
+            </a:lnRef>
+            <a:fillRef idx="1">
+              <a:schemeClr val="accent1">
+                <a:alpha val="90000"/>
+                <a:tint val="40000"/>
+                <a:hueOff val="0"/>
+                <a:satOff val="0"/>
+                <a:lumOff val="0"/>
+                <a:alphaOff val="0"/>
+              </a:schemeClr>
+            </a:fillRef>
+            <a:effectRef idx="0">
+              <a:schemeClr val="accent1">
+                <a:alpha val="90000"/>
+                <a:tint val="40000"/>
+                <a:hueOff val="0"/>
+                <a:satOff val="0"/>
+                <a:lumOff val="0"/>
+                <a:alphaOff val="0"/>
+              </a:schemeClr>
+            </a:effectRef>
+            <a:fontRef idx="minor">
+              <a:schemeClr val="dk1">
+                <a:hueOff val="0"/>
+                <a:satOff val="0"/>
+                <a:lumOff val="0"/>
+                <a:alphaOff val="0"/>
+              </a:schemeClr>
+            </a:fontRef>
+          </p:style>
+        </p:sp>
+        <p:sp>
+          <p:nvSpPr>
+            <p:cNvPr id="15" name="Chevron 10"/>
+            <p:cNvSpPr/>
+            <p:nvPr/>
+          </p:nvSpPr>
+          <p:spPr>
+            <a:xfrm>
+              <a:off x="5390138" y="2536603"/>
+              <a:ext cx="900467" cy="600311"/>
+            </a:xfrm>
+            <a:prstGeom prst="rect">
+              <a:avLst/>
+            </a:prstGeom>
+            <a:grpFill/>
+            <a:ln>
+              <a:noFill/>
+            </a:ln>
+          </p:spPr>
+          <p:style>
+            <a:lnRef idx="0">
+              <a:scrgbClr r="0" g="0" b="0"/>
+            </a:lnRef>
+            <a:fillRef idx="0">
+              <a:scrgbClr r="0" g="0" b="0"/>
+            </a:fillRef>
+            <a:effectRef idx="0">
+              <a:scrgbClr r="0" g="0" b="0"/>
+            </a:effectRef>
+            <a:fontRef idx="minor">
+              <a:schemeClr val="dk1">
+                <a:hueOff val="0"/>
+                <a:satOff val="0"/>
+                <a:lumOff val="0"/>
+                <a:alphaOff val="0"/>
+              </a:schemeClr>
+            </a:fontRef>
+          </p:style>
+          <p:txBody>
+            <a:bodyPr spcFirstLastPara="0" vert="horz" wrap="square" lIns="16510" tIns="8255" rIns="0" bIns="8255" numCol="1" spcCol="1270" anchor="ctr" anchorCtr="0">
+              <a:noAutofit/>
+            </a:bodyPr>
+            <a:lstStyle/>
+            <a:p>
+              <a:pPr lvl="0" algn="ctr" defTabSz="577850">
+                <a:lnSpc>
+                  <a:spcPct val="90000"/>
+                </a:lnSpc>
+                <a:spcBef>
+                  <a:spcPct val="0"/>
+                </a:spcBef>
+                <a:spcAft>
+                  <a:spcPct val="35000"/>
+                </a:spcAft>
+              </a:pPr>
+              <a:r>
+                <a:rPr lang="en-US" sz="1300" kern="1200" dirty="0" smtClean="0"/>
+                <a:t>Run times</a:t>
+              </a:r>
+              <a:endParaRPr lang="en-US" sz="1300" kern="1200" dirty="0"/>
+            </a:p>
+          </p:txBody>
+        </p:sp>
+      </p:grpSp>
+      <p:grpSp>
+        <p:nvGrpSpPr>
+          <p:cNvPr id="11" name="Group 10"/>
+          <p:cNvGrpSpPr/>
+          <p:nvPr/>
+        </p:nvGrpSpPr>
+        <p:grpSpPr>
+          <a:xfrm>
+            <a:off x="6309106" y="153554"/>
+            <a:ext cx="1500778" cy="600311"/>
+            <a:chOff x="6380652" y="2536603"/>
+            <a:chExt cx="1500778" cy="600311"/>
+          </a:xfrm>
+          <a:solidFill>
+            <a:schemeClr val="tx2">
+              <a:lumMod val="20000"/>
+              <a:lumOff val="80000"/>
+            </a:schemeClr>
+          </a:solidFill>
+        </p:grpSpPr>
+        <p:sp>
+          <p:nvSpPr>
+            <p:cNvPr id="12" name="Chevron 11"/>
+            <p:cNvSpPr/>
+            <p:nvPr/>
+          </p:nvSpPr>
+          <p:spPr>
+            <a:xfrm>
+              <a:off x="6380652" y="2536603"/>
+              <a:ext cx="1500778" cy="600311"/>
+            </a:xfrm>
+            <a:prstGeom prst="chevron">
+              <a:avLst/>
+            </a:prstGeom>
+            <a:grpFill/>
+            <a:ln>
+              <a:noFill/>
+            </a:ln>
+          </p:spPr>
+          <p:style>
+            <a:lnRef idx="2">
+              <a:schemeClr val="accent1">
+                <a:alpha val="90000"/>
+                <a:tint val="40000"/>
+                <a:hueOff val="0"/>
+                <a:satOff val="0"/>
+                <a:lumOff val="0"/>
+                <a:alphaOff val="0"/>
+              </a:schemeClr>
+            </a:lnRef>
+            <a:fillRef idx="1">
+              <a:schemeClr val="accent1">
+                <a:alpha val="90000"/>
+                <a:tint val="40000"/>
+                <a:hueOff val="0"/>
+                <a:satOff val="0"/>
+                <a:lumOff val="0"/>
+                <a:alphaOff val="0"/>
+              </a:schemeClr>
+            </a:fillRef>
+            <a:effectRef idx="0">
+              <a:schemeClr val="accent1">
+                <a:alpha val="90000"/>
+                <a:tint val="40000"/>
+                <a:hueOff val="0"/>
+                <a:satOff val="0"/>
+                <a:lumOff val="0"/>
+                <a:alphaOff val="0"/>
+              </a:schemeClr>
+            </a:effectRef>
+            <a:fontRef idx="minor">
+              <a:schemeClr val="dk1">
+                <a:hueOff val="0"/>
+                <a:satOff val="0"/>
+                <a:lumOff val="0"/>
+                <a:alphaOff val="0"/>
+              </a:schemeClr>
+            </a:fontRef>
+          </p:style>
+        </p:sp>
+        <p:sp>
+          <p:nvSpPr>
+            <p:cNvPr id="13" name="Chevron 12"/>
+            <p:cNvSpPr/>
+            <p:nvPr/>
+          </p:nvSpPr>
+          <p:spPr>
+            <a:xfrm>
+              <a:off x="6680808" y="2536603"/>
+              <a:ext cx="900467" cy="600311"/>
+            </a:xfrm>
+            <a:prstGeom prst="rect">
+              <a:avLst/>
+            </a:prstGeom>
+            <a:grpFill/>
+            <a:ln>
+              <a:noFill/>
+            </a:ln>
+          </p:spPr>
+          <p:style>
+            <a:lnRef idx="0">
+              <a:scrgbClr r="0" g="0" b="0"/>
+            </a:lnRef>
+            <a:fillRef idx="0">
+              <a:scrgbClr r="0" g="0" b="0"/>
+            </a:fillRef>
+            <a:effectRef idx="0">
+              <a:scrgbClr r="0" g="0" b="0"/>
+            </a:effectRef>
+            <a:fontRef idx="minor">
+              <a:schemeClr val="dk1">
+                <a:hueOff val="0"/>
+                <a:satOff val="0"/>
+                <a:lumOff val="0"/>
+                <a:alphaOff val="0"/>
+              </a:schemeClr>
+            </a:fontRef>
+          </p:style>
+          <p:txBody>
+            <a:bodyPr spcFirstLastPara="0" vert="horz" wrap="square" lIns="16510" tIns="8255" rIns="0" bIns="8255" numCol="1" spcCol="1270" anchor="ctr" anchorCtr="0">
+              <a:noAutofit/>
+            </a:bodyPr>
+            <a:lstStyle/>
+            <a:p>
+              <a:pPr lvl="0" algn="ctr" defTabSz="577850">
+                <a:lnSpc>
+                  <a:spcPct val="90000"/>
+                </a:lnSpc>
+                <a:spcBef>
+                  <a:spcPct val="0"/>
+                </a:spcBef>
+                <a:spcAft>
+                  <a:spcPct val="35000"/>
+                </a:spcAft>
+              </a:pPr>
+              <a:r>
+                <a:rPr lang="en-US" sz="1300" kern="1200" dirty="0" smtClean="0"/>
+                <a:t>Number </a:t>
+              </a:r>
+              <a:r>
+                <a:rPr lang="en-US" sz="1300" kern="1200" smtClean="0"/>
+                <a:t>of evaluations</a:t>
+              </a:r>
+              <a:endParaRPr lang="en-US" sz="1300" kern="1200" dirty="0"/>
+            </a:p>
+          </p:txBody>
+        </p:sp>
+      </p:grpSp>
     </p:spTree>
     <p:extLst>
       <p:ext uri="{BB962C8B-B14F-4D97-AF65-F5344CB8AC3E}">

--- a/DEADANT/deadAnt.pptx
+++ b/DEADANT/deadAnt.pptx
@@ -10613,12 +10613,28 @@
         </p:blipFill>
         <p:spPr>
           <a:xfrm>
-            <a:off x="3849329" y="2731012"/>
-            <a:ext cx="1769806" cy="2318808"/>
+            <a:off x="3340099" y="2368929"/>
+            <a:ext cx="2463802" cy="3228084"/>
           </a:xfrm>
           <a:prstGeom prst="rect">
             <a:avLst/>
           </a:prstGeom>
+          <a:ln>
+            <a:noFill/>
+          </a:ln>
+          <a:effectLst>
+            <a:glow>
+              <a:schemeClr val="bg1">
+                <a:alpha val="73000"/>
+              </a:schemeClr>
+            </a:glow>
+            <a:outerShdw blurRad="50800" dist="38100" dir="2700000" algn="tl" rotWithShape="0">
+              <a:prstClr val="black">
+                <a:alpha val="40000"/>
+              </a:prstClr>
+            </a:outerShdw>
+            <a:softEdge rad="112500"/>
+          </a:effectLst>
         </p:spPr>
       </p:pic>
       <p:sp>
@@ -10631,7 +10647,7 @@
         </p:nvSpPr>
         <p:spPr>
           <a:xfrm>
-            <a:off x="1533832" y="5359536"/>
+            <a:off x="1371599" y="5597013"/>
             <a:ext cx="6400800" cy="1260987"/>
           </a:xfrm>
           <a:prstGeom prst="rect">
@@ -28610,14 +28626,19 @@
             <p:ph type="title"/>
           </p:nvPr>
         </p:nvSpPr>
-        <p:spPr/>
+        <p:spPr>
+          <a:xfrm>
+            <a:off x="448870" y="832068"/>
+            <a:ext cx="8229600" cy="1143000"/>
+          </a:xfrm>
+        </p:spPr>
         <p:txBody>
           <a:bodyPr/>
           <a:lstStyle/>
           <a:p>
             <a:r>
               <a:rPr lang="en-US" dirty="0" smtClean="0"/>
-              <a:t>Future Work</a:t>
+              <a:t>Concluding Remarks</a:t>
             </a:r>
             <a:endParaRPr lang="en-US" dirty="0"/>
           </a:p>
@@ -28638,10 +28659,315 @@
           <a:bodyPr/>
           <a:lstStyle/>
           <a:p>
-            <a:endParaRPr lang="en-US"/>
+            <a:r>
+              <a:rPr lang="en-US" dirty="0" smtClean="0"/>
+              <a:t>DeadAnt</a:t>
+            </a:r>
+          </a:p>
+          <a:p>
+            <a:pPr lvl="1"/>
+            <a:r>
+              <a:rPr lang="en-US" dirty="0" smtClean="0"/>
+              <a:t>Active learner</a:t>
+            </a:r>
+          </a:p>
+          <a:p>
+            <a:pPr lvl="1"/>
+            <a:r>
+              <a:rPr lang="en-US" dirty="0" smtClean="0"/>
+              <a:t>Evaluates only the most useful candidates</a:t>
+            </a:r>
+          </a:p>
+          <a:p>
+            <a:pPr lvl="1"/>
+            <a:r>
+              <a:rPr lang="en-US" dirty="0" smtClean="0"/>
+              <a:t>Works well on large Real-world models</a:t>
+            </a:r>
+          </a:p>
+          <a:p>
+            <a:pPr lvl="1"/>
+            <a:r>
+              <a:rPr lang="en-US" dirty="0" smtClean="0"/>
+              <a:t>Finds reasonable solutions on standard models</a:t>
+            </a:r>
+          </a:p>
+          <a:p>
+            <a:r>
+              <a:rPr lang="en-US" dirty="0"/>
+              <a:t>	</a:t>
+            </a:r>
+            <a:r>
+              <a:rPr lang="en-US" dirty="0" smtClean="0"/>
+              <a:t>Future work</a:t>
+            </a:r>
+          </a:p>
+          <a:p>
+            <a:pPr lvl="1"/>
+            <a:r>
+              <a:rPr lang="en-US" dirty="0" smtClean="0"/>
+              <a:t>Reduce number of nearest neighbor comparisons by discarding some dead ants from the cache</a:t>
+            </a:r>
+          </a:p>
+          <a:p>
+            <a:pPr marL="457200" lvl="1" indent="0">
+              <a:buNone/>
+            </a:pPr>
+            <a:endParaRPr lang="en-US" dirty="0" smtClean="0"/>
           </a:p>
         </p:txBody>
       </p:sp>
+      <p:grpSp>
+        <p:nvGrpSpPr>
+          <p:cNvPr id="10" name="Group 9"/>
+          <p:cNvGrpSpPr/>
+          <p:nvPr/>
+        </p:nvGrpSpPr>
+        <p:grpSpPr>
+          <a:xfrm>
+            <a:off x="2853440" y="92076"/>
+            <a:ext cx="3437120" cy="808734"/>
+            <a:chOff x="2590602" y="92076"/>
+            <a:chExt cx="3437120" cy="808734"/>
+          </a:xfrm>
+        </p:grpSpPr>
+        <p:grpSp>
+          <p:nvGrpSpPr>
+            <p:cNvPr id="4" name="Group 3"/>
+            <p:cNvGrpSpPr/>
+            <p:nvPr/>
+          </p:nvGrpSpPr>
+          <p:grpSpPr>
+            <a:xfrm>
+              <a:off x="2590602" y="92076"/>
+              <a:ext cx="2021835" cy="808734"/>
+              <a:chOff x="795439" y="3690582"/>
+              <a:chExt cx="2021835" cy="808734"/>
+            </a:xfrm>
+          </p:grpSpPr>
+          <p:sp>
+            <p:nvSpPr>
+              <p:cNvPr id="8" name="Chevron 7"/>
+              <p:cNvSpPr/>
+              <p:nvPr/>
+            </p:nvSpPr>
+            <p:spPr>
+              <a:xfrm>
+                <a:off x="795439" y="3690582"/>
+                <a:ext cx="2021835" cy="808734"/>
+              </a:xfrm>
+              <a:prstGeom prst="chevron">
+                <a:avLst/>
+              </a:prstGeom>
+              <a:ln>
+                <a:solidFill>
+                  <a:schemeClr val="tx1"/>
+                </a:solidFill>
+              </a:ln>
+            </p:spPr>
+            <p:style>
+              <a:lnRef idx="2">
+                <a:schemeClr val="lt1">
+                  <a:hueOff val="0"/>
+                  <a:satOff val="0"/>
+                  <a:lumOff val="0"/>
+                  <a:alphaOff val="0"/>
+                </a:schemeClr>
+              </a:lnRef>
+              <a:fillRef idx="1">
+                <a:schemeClr val="accent1">
+                  <a:hueOff val="0"/>
+                  <a:satOff val="0"/>
+                  <a:lumOff val="0"/>
+                  <a:alphaOff val="0"/>
+                </a:schemeClr>
+              </a:fillRef>
+              <a:effectRef idx="0">
+                <a:schemeClr val="accent1">
+                  <a:hueOff val="0"/>
+                  <a:satOff val="0"/>
+                  <a:lumOff val="0"/>
+                  <a:alphaOff val="0"/>
+                </a:schemeClr>
+              </a:effectRef>
+              <a:fontRef idx="minor">
+                <a:schemeClr val="lt1"/>
+              </a:fontRef>
+            </p:style>
+          </p:sp>
+          <p:sp>
+            <p:nvSpPr>
+              <p:cNvPr id="9" name="Chevron 4"/>
+              <p:cNvSpPr/>
+              <p:nvPr/>
+            </p:nvSpPr>
+            <p:spPr>
+              <a:xfrm>
+                <a:off x="1199806" y="3690582"/>
+                <a:ext cx="1213101" cy="808734"/>
+              </a:xfrm>
+              <a:prstGeom prst="rect">
+                <a:avLst/>
+              </a:prstGeom>
+              <a:ln>
+                <a:noFill/>
+              </a:ln>
+            </p:spPr>
+            <p:style>
+              <a:lnRef idx="0">
+                <a:scrgbClr r="0" g="0" b="0"/>
+              </a:lnRef>
+              <a:fillRef idx="0">
+                <a:scrgbClr r="0" g="0" b="0"/>
+              </a:fillRef>
+              <a:effectRef idx="0">
+                <a:scrgbClr r="0" g="0" b="0"/>
+              </a:effectRef>
+              <a:fontRef idx="minor">
+                <a:schemeClr val="lt1"/>
+              </a:fontRef>
+            </p:style>
+            <p:txBody>
+              <a:bodyPr spcFirstLastPara="0" vert="horz" wrap="square" lIns="21590" tIns="10795" rIns="0" bIns="10795" numCol="1" spcCol="1270" anchor="ctr" anchorCtr="0">
+                <a:noAutofit/>
+              </a:bodyPr>
+              <a:lstStyle/>
+              <a:p>
+                <a:pPr lvl="0" algn="ctr" defTabSz="755650">
+                  <a:lnSpc>
+                    <a:spcPct val="90000"/>
+                  </a:lnSpc>
+                  <a:spcBef>
+                    <a:spcPct val="0"/>
+                  </a:spcBef>
+                  <a:spcAft>
+                    <a:spcPct val="35000"/>
+                  </a:spcAft>
+                </a:pPr>
+                <a:r>
+                  <a:rPr lang="en-US" sz="1700" b="1" kern="1200" dirty="0" smtClean="0"/>
+                  <a:t>Concluding Remarks</a:t>
+                </a:r>
+                <a:endParaRPr lang="en-US" sz="1700" b="1" kern="1200" dirty="0"/>
+              </a:p>
+            </p:txBody>
+          </p:sp>
+        </p:grpSp>
+        <p:grpSp>
+          <p:nvGrpSpPr>
+            <p:cNvPr id="5" name="Group 4"/>
+            <p:cNvGrpSpPr/>
+            <p:nvPr/>
+          </p:nvGrpSpPr>
+          <p:grpSpPr>
+            <a:xfrm>
+              <a:off x="4349599" y="160819"/>
+              <a:ext cx="1678123" cy="671249"/>
+              <a:chOff x="2554436" y="3759325"/>
+              <a:chExt cx="1678123" cy="671249"/>
+            </a:xfrm>
+          </p:grpSpPr>
+          <p:sp>
+            <p:nvSpPr>
+              <p:cNvPr id="6" name="Chevron 5"/>
+              <p:cNvSpPr/>
+              <p:nvPr/>
+            </p:nvSpPr>
+            <p:spPr>
+              <a:xfrm>
+                <a:off x="2554436" y="3759325"/>
+                <a:ext cx="1678123" cy="671249"/>
+              </a:xfrm>
+              <a:prstGeom prst="chevron">
+                <a:avLst/>
+              </a:prstGeom>
+              <a:solidFill>
+                <a:schemeClr val="bg1">
+                  <a:lumMod val="85000"/>
+                </a:schemeClr>
+              </a:solidFill>
+              <a:ln/>
+            </p:spPr>
+            <p:style>
+              <a:lnRef idx="2">
+                <a:schemeClr val="dk1"/>
+              </a:lnRef>
+              <a:fillRef idx="1">
+                <a:schemeClr val="lt1"/>
+              </a:fillRef>
+              <a:effectRef idx="0">
+                <a:schemeClr val="dk1"/>
+              </a:effectRef>
+              <a:fontRef idx="minor">
+                <a:schemeClr val="dk1"/>
+              </a:fontRef>
+            </p:style>
+          </p:sp>
+          <p:sp>
+            <p:nvSpPr>
+              <p:cNvPr id="7" name="Chevron 6"/>
+              <p:cNvSpPr/>
+              <p:nvPr/>
+            </p:nvSpPr>
+            <p:spPr>
+              <a:xfrm>
+                <a:off x="2890061" y="3759325"/>
+                <a:ext cx="1006874" cy="671249"/>
+              </a:xfrm>
+              <a:prstGeom prst="rect">
+                <a:avLst/>
+              </a:prstGeom>
+              <a:noFill/>
+              <a:ln>
+                <a:noFill/>
+              </a:ln>
+            </p:spPr>
+            <p:style>
+              <a:lnRef idx="0">
+                <a:scrgbClr r="0" g="0" b="0"/>
+              </a:lnRef>
+              <a:fillRef idx="0">
+                <a:scrgbClr r="0" g="0" b="0"/>
+              </a:fillRef>
+              <a:effectRef idx="0">
+                <a:scrgbClr r="0" g="0" b="0"/>
+              </a:effectRef>
+              <a:fontRef idx="minor">
+                <a:schemeClr val="dk1">
+                  <a:hueOff val="0"/>
+                  <a:satOff val="0"/>
+                  <a:lumOff val="0"/>
+                  <a:alphaOff val="0"/>
+                </a:schemeClr>
+              </a:fontRef>
+            </p:style>
+            <p:txBody>
+              <a:bodyPr spcFirstLastPara="0" vert="horz" wrap="square" lIns="19050" tIns="9525" rIns="0" bIns="9525" numCol="1" spcCol="1270" anchor="ctr" anchorCtr="0">
+                <a:noAutofit/>
+              </a:bodyPr>
+              <a:lstStyle/>
+              <a:p>
+                <a:pPr lvl="0" algn="ctr" defTabSz="666750">
+                  <a:lnSpc>
+                    <a:spcPct val="90000"/>
+                  </a:lnSpc>
+                  <a:spcBef>
+                    <a:spcPct val="0"/>
+                  </a:spcBef>
+                  <a:spcAft>
+                    <a:spcPct val="35000"/>
+                  </a:spcAft>
+                </a:pPr>
+                <a:r>
+                  <a:rPr lang="en-US" sz="1500" b="1" kern="1200" dirty="0" smtClean="0"/>
+                  <a:t>Future work</a:t>
+                </a:r>
+                <a:endParaRPr lang="en-US" sz="1500" b="1" kern="1200" dirty="0"/>
+              </a:p>
+            </p:txBody>
+          </p:sp>
+        </p:grpSp>
+      </p:grpSp>
     </p:spTree>
     <p:extLst>
       <p:ext uri="{BB962C8B-B14F-4D97-AF65-F5344CB8AC3E}">
@@ -30532,14 +30858,10 @@
             </a:pPr>
             <a:r>
               <a:rPr lang="en-US" dirty="0" smtClean="0"/>
-              <a:t>All the live </a:t>
+              <a:t>All the live ants </a:t>
             </a:r>
             <a:r>
-              <a:rPr lang="en-US" smtClean="0"/>
-              <a:t>ants </a:t>
-            </a:r>
-            <a:r>
-              <a:rPr lang="en-US" smtClean="0"/>
+              <a:rPr lang="en-US" dirty="0" smtClean="0"/>
               <a:t>are the </a:t>
             </a:r>
             <a:r>
@@ -36851,15 +37173,19 @@
             <a:pPr lvl="1"/>
             <a:r>
               <a:rPr lang="en-US" sz="2400" dirty="0" smtClean="0"/>
-              <a:t>Determines the spread of solutions of on the Pareto frontier</a:t>
+              <a:t>Determines the spread of solutions of on the Pareto frontier (less is better)</a:t>
             </a:r>
             <a:endParaRPr lang="en-US" sz="2400" dirty="0" smtClean="0"/>
           </a:p>
           <a:p>
             <a:pPr lvl="1"/>
             <a:r>
+              <a:rPr lang="en-US" sz="2400" dirty="0" smtClean="0"/>
+              <a:t>Scott Knott </a:t>
+            </a:r>
+            <a:r>
               <a:rPr lang="en-US" sz="2400" dirty="0"/>
-              <a:t>Scott-Knott test for 25 repeated runs</a:t>
+              <a:t>test for 25 repeated runs</a:t>
             </a:r>
           </a:p>
           <a:p>
@@ -36885,7 +37211,15 @@
             <a:pPr lvl="1"/>
             <a:r>
               <a:rPr lang="en-US" sz="2400" dirty="0"/>
-              <a:t>Median over 25 runs</a:t>
+              <a:t>Scott Knott </a:t>
+            </a:r>
+            <a:r>
+              <a:rPr lang="en-US" sz="2400" dirty="0" smtClean="0"/>
+              <a:t>for 25 </a:t>
+            </a:r>
+            <a:r>
+              <a:rPr lang="en-US" sz="2400" dirty="0"/>
+              <a:t>runs</a:t>
             </a:r>
             <a:endParaRPr lang="en-US" sz="2400" dirty="0"/>
           </a:p>
@@ -36946,14 +37280,10 @@
                 </a:pPr>
                 <a:r>
                   <a:rPr lang="en-US" dirty="0" smtClean="0"/>
-                  <a:t>Compute the maximum and minimum objective scores (</a:t>
+                  <a:t>Compute the maximum and minimum objective scores (x</a:t>
                 </a:r>
                 <a:r>
-                  <a:rPr lang="en-US" dirty="0" err="1" smtClean="0"/>
-                  <a:t>x</a:t>
-                </a:r>
-                <a:r>
-                  <a:rPr lang="en-US" baseline="-25000" dirty="0" err="1" smtClean="0"/>
+                  <a:rPr lang="en-US" baseline="-25000" dirty="0" smtClean="0"/>
                   <a:t>max</a:t>
                 </a:r>
                 <a:r>
@@ -36962,14 +37292,10 @@
                 </a:r>
                 <a:r>
                   <a:rPr lang="en-US" dirty="0" smtClean="0"/>
-                  <a:t>and </a:t>
+                  <a:t>and x</a:t>
                 </a:r>
                 <a:r>
-                  <a:rPr lang="en-US" dirty="0" err="1" smtClean="0"/>
-                  <a:t>x</a:t>
-                </a:r>
-                <a:r>
-                  <a:rPr lang="en-US" baseline="-25000" dirty="0" err="1" smtClean="0"/>
+                  <a:rPr lang="en-US" baseline="-25000" dirty="0" smtClean="0"/>
                   <a:t>min</a:t>
                 </a:r>
                 <a:r>
@@ -37282,6 +37608,11 @@
             <a:prstGeom prst="chevron">
               <a:avLst/>
             </a:prstGeom>
+            <a:ln>
+              <a:solidFill>
+                <a:schemeClr val="tx1"/>
+              </a:solidFill>
+            </a:ln>
           </p:spPr>
           <p:style>
             <a:lnRef idx="2">
@@ -37327,6 +37658,9 @@
             <a:prstGeom prst="rect">
               <a:avLst/>
             </a:prstGeom>
+            <a:ln>
+              <a:noFill/>
+            </a:ln>
           </p:spPr>
           <p:style>
             <a:lnRef idx="0">
@@ -37360,10 +37694,10 @@
                 </a:spcAft>
               </a:pPr>
               <a:r>
-                <a:rPr lang="en-US" sz="1500" kern="1200" dirty="0" smtClean="0"/>
+                <a:rPr lang="en-US" sz="1500" b="1" kern="1200" dirty="0" smtClean="0"/>
                 <a:t>Experiments</a:t>
               </a:r>
-              <a:endParaRPr lang="en-US" sz="1500" kern="1200" dirty="0"/>
+              <a:endParaRPr lang="en-US" sz="1500" b="1" kern="1200" dirty="0"/>
             </a:p>
           </p:txBody>
         </p:sp>

--- a/DEADANT/deadAnt.pptx
+++ b/DEADANT/deadAnt.pptx
@@ -9,7 +9,7 @@
   </p:notesMasterIdLst>
   <p:sldIdLst>
     <p:sldId id="256" r:id="rId2"/>
-    <p:sldId id="271" r:id="rId3"/>
+    <p:sldId id="277" r:id="rId3"/>
     <p:sldId id="272" r:id="rId4"/>
     <p:sldId id="262" r:id="rId5"/>
     <p:sldId id="265" r:id="rId6"/>
@@ -3054,54 +3054,6 @@
         </a:p>
       </dgm:t>
     </dgm:pt>
-    <dgm:pt modelId="{245D8B87-C1E4-461C-B2B6-5916E6BECA36}">
-      <dgm:prSet phldrT="[Text]"/>
-      <dgm:spPr>
-        <a:solidFill>
-          <a:schemeClr val="tx2">
-            <a:lumMod val="20000"/>
-            <a:lumOff val="80000"/>
-            <a:alpha val="90000"/>
-          </a:schemeClr>
-        </a:solidFill>
-        <a:ln>
-          <a:noFill/>
-        </a:ln>
-      </dgm:spPr>
-      <dgm:t>
-        <a:bodyPr/>
-        <a:lstStyle/>
-        <a:p>
-          <a:r>
-            <a:rPr lang="en-US" dirty="0" smtClean="0"/>
-            <a:t>Pseudo-code</a:t>
-          </a:r>
-          <a:endParaRPr lang="en-US" dirty="0"/>
-        </a:p>
-      </dgm:t>
-    </dgm:pt>
-    <dgm:pt modelId="{66FC46B3-4BBA-41F1-BF26-A9051F653E6A}" type="parTrans" cxnId="{4082450E-8D37-44DD-8121-A1D2FAAD02E5}">
-      <dgm:prSet/>
-      <dgm:spPr/>
-      <dgm:t>
-        <a:bodyPr/>
-        <a:lstStyle/>
-        <a:p>
-          <a:endParaRPr lang="en-US"/>
-        </a:p>
-      </dgm:t>
-    </dgm:pt>
-    <dgm:pt modelId="{A707FFA7-907F-4E62-8BB5-D52AF8EDCBBE}" type="sibTrans" cxnId="{4082450E-8D37-44DD-8121-A1D2FAAD02E5}">
-      <dgm:prSet/>
-      <dgm:spPr/>
-      <dgm:t>
-        <a:bodyPr/>
-        <a:lstStyle/>
-        <a:p>
-          <a:endParaRPr lang="en-US"/>
-        </a:p>
-      </dgm:t>
-    </dgm:pt>
     <dgm:pt modelId="{6252CCA0-A196-4C82-9620-45E79D28E699}">
       <dgm:prSet phldrT="[Text]"/>
       <dgm:spPr>
@@ -3586,6 +3538,54 @@
         </a:p>
       </dgm:t>
     </dgm:pt>
+    <dgm:pt modelId="{1BF08336-F07A-4D1C-9AB8-3BABFF54DAAF}">
+      <dgm:prSet phldrT="[Text]"/>
+      <dgm:spPr>
+        <a:solidFill>
+          <a:schemeClr val="tx2">
+            <a:lumMod val="20000"/>
+            <a:lumOff val="80000"/>
+            <a:alpha val="90000"/>
+          </a:schemeClr>
+        </a:solidFill>
+        <a:ln>
+          <a:noFill/>
+        </a:ln>
+      </dgm:spPr>
+      <dgm:t>
+        <a:bodyPr/>
+        <a:lstStyle/>
+        <a:p>
+          <a:r>
+            <a:rPr lang="en-US" smtClean="0"/>
+            <a:t>Pseudo-code</a:t>
+          </a:r>
+          <a:endParaRPr lang="en-US" dirty="0"/>
+        </a:p>
+      </dgm:t>
+    </dgm:pt>
+    <dgm:pt modelId="{A881DBDB-4074-4A31-AC95-28511190A13C}" type="parTrans" cxnId="{59E8191B-93DB-4A8F-B3A1-27657B5DA163}">
+      <dgm:prSet/>
+      <dgm:spPr/>
+      <dgm:t>
+        <a:bodyPr/>
+        <a:lstStyle/>
+        <a:p>
+          <a:endParaRPr lang="en-US"/>
+        </a:p>
+      </dgm:t>
+    </dgm:pt>
+    <dgm:pt modelId="{9D9DC468-FE7F-4C46-81C4-726EAA45B7AB}" type="sibTrans" cxnId="{59E8191B-93DB-4A8F-B3A1-27657B5DA163}">
+      <dgm:prSet/>
+      <dgm:spPr/>
+      <dgm:t>
+        <a:bodyPr/>
+        <a:lstStyle/>
+        <a:p>
+          <a:endParaRPr lang="en-US"/>
+        </a:p>
+      </dgm:t>
+    </dgm:pt>
     <dgm:pt modelId="{51003B77-5FFE-4D38-B24E-6D513F4FA35D}" type="pres">
       <dgm:prSet presAssocID="{444E5183-7A6B-446D-AA82-925892368028}" presName="Name0" presStyleCnt="0">
         <dgm:presLayoutVars>
@@ -3642,8 +3642,27 @@
       <dgm:prSet presAssocID="{2BBE5AEF-ED4D-4C70-BD86-366B05F4285C}" presName="sibTrans" presStyleCnt="0"/>
       <dgm:spPr/>
     </dgm:pt>
+    <dgm:pt modelId="{C0707320-C085-4EF9-9BF0-3BA46B15FD74}" type="pres">
+      <dgm:prSet presAssocID="{1BF08336-F07A-4D1C-9AB8-3BABFF54DAAF}" presName="node" presStyleLbl="alignAccFollowNode1" presStyleIdx="1" presStyleCnt="12">
+        <dgm:presLayoutVars>
+          <dgm:bulletEnabled val="1"/>
+        </dgm:presLayoutVars>
+      </dgm:prSet>
+      <dgm:spPr/>
+      <dgm:t>
+        <a:bodyPr/>
+        <a:lstStyle/>
+        <a:p>
+          <a:endParaRPr lang="en-US"/>
+        </a:p>
+      </dgm:t>
+    </dgm:pt>
+    <dgm:pt modelId="{C22F5B5F-DAFF-467D-AFCD-53D8B7038B19}" type="pres">
+      <dgm:prSet presAssocID="{9D9DC468-FE7F-4C46-81C4-726EAA45B7AB}" presName="sibTrans" presStyleCnt="0"/>
+      <dgm:spPr/>
+    </dgm:pt>
     <dgm:pt modelId="{1DDBDBAA-F41B-4AEC-B2E4-042D82D430A5}" type="pres">
-      <dgm:prSet presAssocID="{01DDFC7A-B6EE-45C9-AB46-D654305C2F0F}" presName="node" presStyleLbl="alignAccFollowNode1" presStyleIdx="1" presStyleCnt="12">
+      <dgm:prSet presAssocID="{01DDFC7A-B6EE-45C9-AB46-D654305C2F0F}" presName="node" presStyleLbl="alignAccFollowNode1" presStyleIdx="2" presStyleCnt="12">
         <dgm:presLayoutVars>
           <dgm:bulletEnabled val="1"/>
         </dgm:presLayoutVars>
@@ -3662,26 +3681,7 @@
       <dgm:spPr/>
     </dgm:pt>
     <dgm:pt modelId="{9150DD12-F3D7-423C-B543-5AB786706483}" type="pres">
-      <dgm:prSet presAssocID="{B25040E3-F85B-4162-A976-C3493BFB0C41}" presName="node" presStyleLbl="alignAccFollowNode1" presStyleIdx="2" presStyleCnt="12">
-        <dgm:presLayoutVars>
-          <dgm:bulletEnabled val="1"/>
-        </dgm:presLayoutVars>
-      </dgm:prSet>
-      <dgm:spPr/>
-      <dgm:t>
-        <a:bodyPr/>
-        <a:lstStyle/>
-        <a:p>
-          <a:endParaRPr lang="en-US"/>
-        </a:p>
-      </dgm:t>
-    </dgm:pt>
-    <dgm:pt modelId="{34839C6A-BE7E-4C38-B598-5D0AB2040F27}" type="pres">
-      <dgm:prSet presAssocID="{43F8CFA0-CC6C-4370-85B8-BC6D850E4D88}" presName="sibTrans" presStyleCnt="0"/>
-      <dgm:spPr/>
-    </dgm:pt>
-    <dgm:pt modelId="{D41F4952-EBEA-460B-8173-D31828642EC3}" type="pres">
-      <dgm:prSet presAssocID="{245D8B87-C1E4-461C-B2B6-5916E6BECA36}" presName="node" presStyleLbl="alignAccFollowNode1" presStyleIdx="3" presStyleCnt="12">
+      <dgm:prSet presAssocID="{B25040E3-F85B-4162-A976-C3493BFB0C41}" presName="node" presStyleLbl="alignAccFollowNode1" presStyleIdx="3" presStyleCnt="12">
         <dgm:presLayoutVars>
           <dgm:bulletEnabled val="1"/>
         </dgm:presLayoutVars>
@@ -3944,84 +3944,84 @@
     </dgm:pt>
   </dgm:ptLst>
   <dgm:cxnLst>
-    <dgm:cxn modelId="{D5954A69-2791-417F-BEF9-0A8808164B38}" type="presOf" srcId="{01DDFC7A-B6EE-45C9-AB46-D654305C2F0F}" destId="{1DDBDBAA-F41B-4AEC-B2E4-042D82D430A5}" srcOrd="0" destOrd="0" presId="urn:microsoft.com/office/officeart/2005/8/layout/lProcess3"/>
-    <dgm:cxn modelId="{3B3B014C-CC44-4EC3-B090-1998CA891C91}" type="presOf" srcId="{245D8B87-C1E4-461C-B2B6-5916E6BECA36}" destId="{D41F4952-EBEA-460B-8173-D31828642EC3}" srcOrd="0" destOrd="0" presId="urn:microsoft.com/office/officeart/2005/8/layout/lProcess3"/>
-    <dgm:cxn modelId="{850AA1F6-7D33-4A82-929F-89639C99CEB7}" type="presOf" srcId="{C45B2E88-3AF2-4DFF-9E1F-967BFA709EB6}" destId="{57BD0BDD-5BD4-4ED7-ABD9-241618554954}" srcOrd="0" destOrd="0" presId="urn:microsoft.com/office/officeart/2005/8/layout/lProcess3"/>
     <dgm:cxn modelId="{D13CC75B-85B9-44CF-8C36-A93A7BDA7399}" srcId="{444E5183-7A6B-446D-AA82-925892368028}" destId="{C45B2E88-3AF2-4DFF-9E1F-967BFA709EB6}" srcOrd="5" destOrd="0" parTransId="{D21A32EE-FF6F-487C-899A-CAC90B0C365A}" sibTransId="{37D0E65C-5458-4C4E-B512-BCD3A1821A26}"/>
     <dgm:cxn modelId="{405ED81E-BEF4-4763-8F6B-0A101CDB9371}" srcId="{9DD0AB8C-80BE-47F5-BF6F-26E357CA90B5}" destId="{FFCF19BC-C3E4-47F4-9979-945C21DB0B8E}" srcOrd="1" destOrd="0" parTransId="{81D4C63F-47FA-4CDD-9EB8-A50618CEA00D}" sibTransId="{65861B45-7A1B-40CA-8D26-B1B9007B77BD}"/>
+    <dgm:cxn modelId="{C9280215-0EA4-4E6D-9CDE-3990A99CCD5F}" type="presOf" srcId="{0631099D-5047-4C59-8F65-7BE2C25A51AC}" destId="{0AF5FB5D-D46E-4A96-8B4E-E396EE6C1E4E}" srcOrd="0" destOrd="0" presId="urn:microsoft.com/office/officeart/2005/8/layout/lProcess3"/>
+    <dgm:cxn modelId="{E88A60CF-7BD6-4388-99EB-19164917A701}" type="presOf" srcId="{1BF08336-F07A-4D1C-9AB8-3BABFF54DAAF}" destId="{C0707320-C085-4EF9-9BF0-3BA46B15FD74}" srcOrd="0" destOrd="0" presId="urn:microsoft.com/office/officeart/2005/8/layout/lProcess3"/>
+    <dgm:cxn modelId="{1FF79B33-608C-4BF2-B50B-DD4F3D13E643}" type="presOf" srcId="{22C9B715-CC1A-4034-B219-45C2F9783C94}" destId="{E00DB65B-EC6D-4460-A6F2-B34471E1010C}" srcOrd="0" destOrd="0" presId="urn:microsoft.com/office/officeart/2005/8/layout/lProcess3"/>
     <dgm:cxn modelId="{B054EF0B-6CAB-4834-BB24-EE5FF1BA5AD4}" srcId="{5554675B-6030-4514-B76D-0B104699CB7D}" destId="{3CFC32B3-0075-4F73-9D90-F80DF1A036B0}" srcOrd="0" destOrd="0" parTransId="{78338A9E-1B2A-48CA-9D95-6EE0F2C7DD94}" sibTransId="{2BBE5AEF-ED4D-4C70-BD86-366B05F4285C}"/>
-    <dgm:cxn modelId="{A772597B-F626-4414-ADF0-0F9220B6C3D3}" type="presOf" srcId="{693E8AED-10CF-43AE-ABCD-1CF66FC51E15}" destId="{B4F466BD-F413-45A2-960C-C1E1653C4C10}" srcOrd="0" destOrd="0" presId="urn:microsoft.com/office/officeart/2005/8/layout/lProcess3"/>
-    <dgm:cxn modelId="{F3050ACA-D1FA-4A81-B4C0-C132A8DB2E30}" type="presOf" srcId="{A288BCD2-AFA9-42B2-886C-03D9E73B7E90}" destId="{31F65324-FEE7-475A-8CD4-4C4A40847595}" srcOrd="0" destOrd="0" presId="urn:microsoft.com/office/officeart/2005/8/layout/lProcess3"/>
-    <dgm:cxn modelId="{719C9742-3BA9-4C7E-8AE9-F2611A1634AF}" type="presOf" srcId="{0631099D-5047-4C59-8F65-7BE2C25A51AC}" destId="{0AF5FB5D-D46E-4A96-8B4E-E396EE6C1E4E}" srcOrd="0" destOrd="0" presId="urn:microsoft.com/office/officeart/2005/8/layout/lProcess3"/>
-    <dgm:cxn modelId="{C3C1E662-31F2-49D4-AC0C-E797B5BC2B37}" type="presOf" srcId="{FCFB91DF-C731-4CC6-8C14-ED9A822C12D7}" destId="{60E3E358-FBC4-447E-9E77-FBD8556DF755}" srcOrd="0" destOrd="0" presId="urn:microsoft.com/office/officeart/2005/8/layout/lProcess3"/>
-    <dgm:cxn modelId="{0913EF34-AFC8-450E-99EA-A71705FA6A04}" type="presOf" srcId="{444E5183-7A6B-446D-AA82-925892368028}" destId="{51003B77-5FFE-4D38-B24E-6D513F4FA35D}" srcOrd="0" destOrd="0" presId="urn:microsoft.com/office/officeart/2005/8/layout/lProcess3"/>
     <dgm:cxn modelId="{1375761B-31B3-4F78-A30D-724EB0A3FBE3}" srcId="{0631099D-5047-4C59-8F65-7BE2C25A51AC}" destId="{FCFB91DF-C731-4CC6-8C14-ED9A822C12D7}" srcOrd="0" destOrd="0" parTransId="{D67344EA-D441-45F6-9D23-7C59C9DBB98F}" sibTransId="{036FED77-7095-4BD8-99EB-FF1152DCAD9B}"/>
-    <dgm:cxn modelId="{C76020EE-693E-46EC-B8C3-2F30692884CB}" type="presOf" srcId="{2273F28B-4D9C-4126-A961-2FF62379CC5D}" destId="{CB7A65D4-24C8-4CB8-8E72-C084E33F7AEC}" srcOrd="0" destOrd="0" presId="urn:microsoft.com/office/officeart/2005/8/layout/lProcess3"/>
-    <dgm:cxn modelId="{C7EB3384-F783-4F61-BD65-15DB9D2FB94D}" type="presOf" srcId="{3CFC32B3-0075-4F73-9D90-F80DF1A036B0}" destId="{3E55B13C-E097-4F8E-8309-7E3C9431B4CB}" srcOrd="0" destOrd="0" presId="urn:microsoft.com/office/officeart/2005/8/layout/lProcess3"/>
-    <dgm:cxn modelId="{01AB94B6-A6B2-49CE-B333-07514103CCD0}" type="presOf" srcId="{83089EAC-DA9B-421D-B136-9BE34427A542}" destId="{5AFDEDD9-A095-4000-A90B-1BA903CD0E56}" srcOrd="0" destOrd="0" presId="urn:microsoft.com/office/officeart/2005/8/layout/lProcess3"/>
-    <dgm:cxn modelId="{3456DC57-98F5-4872-BD36-A41C46DA80E8}" type="presOf" srcId="{A7491E04-C484-4661-B60A-4D8F624B0908}" destId="{B8E9EE1B-2A64-4F2A-9B53-38E22FFCDD61}" srcOrd="0" destOrd="0" presId="urn:microsoft.com/office/officeart/2005/8/layout/lProcess3"/>
-    <dgm:cxn modelId="{19D10751-C679-4682-BFE3-779A5434B867}" type="presOf" srcId="{5618C51E-C52A-4AB3-AD73-9640418316A4}" destId="{BF0F67D2-D705-4DA1-B37D-23BF925473ED}" srcOrd="0" destOrd="0" presId="urn:microsoft.com/office/officeart/2005/8/layout/lProcess3"/>
-    <dgm:cxn modelId="{3E285289-B743-40DD-9CBF-039BA29FA0F5}" type="presOf" srcId="{22C9B715-CC1A-4034-B219-45C2F9783C94}" destId="{E00DB65B-EC6D-4460-A6F2-B34471E1010C}" srcOrd="0" destOrd="0" presId="urn:microsoft.com/office/officeart/2005/8/layout/lProcess3"/>
-    <dgm:cxn modelId="{E20EFF47-2B85-4828-8E17-F95C9F35F109}" type="presOf" srcId="{6252CCA0-A196-4C82-9620-45E79D28E699}" destId="{97DE7D96-5955-47FF-A6E1-8C623387A67B}" srcOrd="0" destOrd="0" presId="urn:microsoft.com/office/officeart/2005/8/layout/lProcess3"/>
+    <dgm:cxn modelId="{F51CC03E-F059-40BA-9246-30C1718E4B92}" type="presOf" srcId="{A7491E04-C484-4661-B60A-4D8F624B0908}" destId="{B8E9EE1B-2A64-4F2A-9B53-38E22FFCDD61}" srcOrd="0" destOrd="0" presId="urn:microsoft.com/office/officeart/2005/8/layout/lProcess3"/>
+    <dgm:cxn modelId="{CA8883BF-0593-4A97-96AB-4B546EB346CD}" type="presOf" srcId="{6252CCA0-A196-4C82-9620-45E79D28E699}" destId="{97DE7D96-5955-47FF-A6E1-8C623387A67B}" srcOrd="0" destOrd="0" presId="urn:microsoft.com/office/officeart/2005/8/layout/lProcess3"/>
+    <dgm:cxn modelId="{58ABD88A-70EC-419B-B0E4-900BC0701276}" type="presOf" srcId="{83089EAC-DA9B-421D-B136-9BE34427A542}" destId="{5AFDEDD9-A095-4000-A90B-1BA903CD0E56}" srcOrd="0" destOrd="0" presId="urn:microsoft.com/office/officeart/2005/8/layout/lProcess3"/>
+    <dgm:cxn modelId="{59E8191B-93DB-4A8F-B3A1-27657B5DA163}" srcId="{5554675B-6030-4514-B76D-0B104699CB7D}" destId="{1BF08336-F07A-4D1C-9AB8-3BABFF54DAAF}" srcOrd="1" destOrd="0" parTransId="{A881DBDB-4074-4A31-AC95-28511190A13C}" sibTransId="{9D9DC468-FE7F-4C46-81C4-726EAA45B7AB}"/>
+    <dgm:cxn modelId="{8431A2B9-EB94-48EA-9BF1-46CB4173037F}" type="presOf" srcId="{C45B2E88-3AF2-4DFF-9E1F-967BFA709EB6}" destId="{57BD0BDD-5BD4-4ED7-ABD9-241618554954}" srcOrd="0" destOrd="0" presId="urn:microsoft.com/office/officeart/2005/8/layout/lProcess3"/>
+    <dgm:cxn modelId="{6F2FB4F5-EF6E-4DF4-A5C3-2FF7F054E8AB}" type="presOf" srcId="{9DD0AB8C-80BE-47F5-BF6F-26E357CA90B5}" destId="{AA1E12C4-7D90-4C29-982C-7C6DB7E878F4}" srcOrd="0" destOrd="0" presId="urn:microsoft.com/office/officeart/2005/8/layout/lProcess3"/>
+    <dgm:cxn modelId="{3E2DF34E-91E4-4079-BADB-6AADBC861827}" type="presOf" srcId="{FCFB91DF-C731-4CC6-8C14-ED9A822C12D7}" destId="{60E3E358-FBC4-447E-9E77-FBD8556DF755}" srcOrd="0" destOrd="0" presId="urn:microsoft.com/office/officeart/2005/8/layout/lProcess3"/>
+    <dgm:cxn modelId="{36715D5E-6463-4872-BC29-2BF03BE5E48D}" type="presOf" srcId="{5618C51E-C52A-4AB3-AD73-9640418316A4}" destId="{BF0F67D2-D705-4DA1-B37D-23BF925473ED}" srcOrd="0" destOrd="0" presId="urn:microsoft.com/office/officeart/2005/8/layout/lProcess3"/>
+    <dgm:cxn modelId="{A7F9132B-1659-4DCF-946B-65863CA8D3AD}" type="presOf" srcId="{444E5183-7A6B-446D-AA82-925892368028}" destId="{51003B77-5FFE-4D38-B24E-6D513F4FA35D}" srcOrd="0" destOrd="0" presId="urn:microsoft.com/office/officeart/2005/8/layout/lProcess3"/>
     <dgm:cxn modelId="{3BC1B606-E173-46C5-92F1-43096FD4FE84}" srcId="{444E5183-7A6B-446D-AA82-925892368028}" destId="{9DD0AB8C-80BE-47F5-BF6F-26E357CA90B5}" srcOrd="3" destOrd="0" parTransId="{1746D7AB-860E-456F-B18F-B1F5B7465364}" sibTransId="{B3E5BBF7-D510-4D45-8B6A-27CE05819F2A}"/>
+    <dgm:cxn modelId="{46BF140B-A596-4B65-89A3-28BE8EF52C77}" type="presOf" srcId="{3CFC32B3-0075-4F73-9D90-F80DF1A036B0}" destId="{3E55B13C-E097-4F8E-8309-7E3C9431B4CB}" srcOrd="0" destOrd="0" presId="urn:microsoft.com/office/officeart/2005/8/layout/lProcess3"/>
     <dgm:cxn modelId="{CDDD4E89-348D-4EA4-A68D-EB533D1EFB2F}" srcId="{444E5183-7A6B-446D-AA82-925892368028}" destId="{5554675B-6030-4514-B76D-0B104699CB7D}" srcOrd="0" destOrd="0" parTransId="{F39AD48A-1ADD-4E0D-B3FA-F329900EF9F4}" sibTransId="{89C3DD63-84E8-4B19-B5A4-FCAD660A882D}"/>
     <dgm:cxn modelId="{02441A39-7459-4FA5-A330-DB44F852AB14}" srcId="{9DD0AB8C-80BE-47F5-BF6F-26E357CA90B5}" destId="{6252CCA0-A196-4C82-9620-45E79D28E699}" srcOrd="3" destOrd="0" parTransId="{1722F094-CB81-48F5-81BE-3B3E72F351A0}" sibTransId="{BD75E7C4-2E38-4D7A-B1FB-7630BC8FA57B}"/>
     <dgm:cxn modelId="{49680F7C-491A-4067-8028-CBF38716015A}" srcId="{444E5183-7A6B-446D-AA82-925892368028}" destId="{5618C51E-C52A-4AB3-AD73-9640418316A4}" srcOrd="4" destOrd="0" parTransId="{F99DB35E-5425-47F8-8425-08106415BF73}" sibTransId="{B13E6579-A4BF-4A5A-BD48-FDEC03BBE98C}"/>
     <dgm:cxn modelId="{480588EA-475D-4230-A193-1FAD51A8C752}" srcId="{83089EAC-DA9B-421D-B136-9BE34427A542}" destId="{693E8AED-10CF-43AE-ABCD-1CF66FC51E15}" srcOrd="0" destOrd="0" parTransId="{C5F16147-1447-486C-B959-D537F4382BA7}" sibTransId="{6DF23FBF-5E4C-4C92-866F-7EF99E9D0F69}"/>
+    <dgm:cxn modelId="{3ABE8946-D6F2-46A6-A02C-E9D288F3028A}" type="presOf" srcId="{01DDFC7A-B6EE-45C9-AB46-D654305C2F0F}" destId="{1DDBDBAA-F41B-4AEC-B2E4-042D82D430A5}" srcOrd="0" destOrd="0" presId="urn:microsoft.com/office/officeart/2005/8/layout/lProcess3"/>
     <dgm:cxn modelId="{F5A73133-1D35-4B21-9115-5CEF076CB08B}" srcId="{9DD0AB8C-80BE-47F5-BF6F-26E357CA90B5}" destId="{A7491E04-C484-4661-B60A-4D8F624B0908}" srcOrd="2" destOrd="0" parTransId="{F1D6CB5D-8907-4931-8313-C4F6C06A1B3F}" sibTransId="{9B2B9807-3CC0-4F47-8C13-88E417BD672A}"/>
-    <dgm:cxn modelId="{4082450E-8D37-44DD-8121-A1D2FAAD02E5}" srcId="{5554675B-6030-4514-B76D-0B104699CB7D}" destId="{245D8B87-C1E4-461C-B2B6-5916E6BECA36}" srcOrd="3" destOrd="0" parTransId="{66FC46B3-4BBA-41F1-BF26-A9051F653E6A}" sibTransId="{A707FFA7-907F-4E62-8BB5-D52AF8EDCBBE}"/>
-    <dgm:cxn modelId="{D64F55D4-40B3-465D-8C65-311595F719DA}" type="presOf" srcId="{B25040E3-F85B-4162-A976-C3493BFB0C41}" destId="{9150DD12-F3D7-423C-B543-5AB786706483}" srcOrd="0" destOrd="0" presId="urn:microsoft.com/office/officeart/2005/8/layout/lProcess3"/>
+    <dgm:cxn modelId="{C676A2F7-647A-4790-A061-B11175B44EAC}" type="presOf" srcId="{FFCF19BC-C3E4-47F4-9979-945C21DB0B8E}" destId="{DA7328CA-34CD-4E59-B743-423867F32279}" srcOrd="0" destOrd="0" presId="urn:microsoft.com/office/officeart/2005/8/layout/lProcess3"/>
+    <dgm:cxn modelId="{04EA8A7F-98B2-41B5-ADEF-FA5B01B60A72}" type="presOf" srcId="{B25040E3-F85B-4162-A976-C3493BFB0C41}" destId="{9150DD12-F3D7-423C-B543-5AB786706483}" srcOrd="0" destOrd="0" presId="urn:microsoft.com/office/officeart/2005/8/layout/lProcess3"/>
     <dgm:cxn modelId="{7C5FC874-32A9-4F4C-9B73-623CB8B64620}" srcId="{5618C51E-C52A-4AB3-AD73-9640418316A4}" destId="{A288BCD2-AFA9-42B2-886C-03D9E73B7E90}" srcOrd="0" destOrd="0" parTransId="{1271D95C-CE30-44F7-A504-17AC24D36FE5}" sibTransId="{A844707C-4A5F-43AF-B2A9-92CC6CE92B71}"/>
+    <dgm:cxn modelId="{F65C8620-A975-4CEF-8B55-F7446017AD85}" srcId="{9DD0AB8C-80BE-47F5-BF6F-26E357CA90B5}" destId="{22C9B715-CC1A-4034-B219-45C2F9783C94}" srcOrd="0" destOrd="0" parTransId="{7DE9AE4F-761E-4283-9379-842A2AC78461}" sibTransId="{8EB4F1E4-AB48-4CBC-B0DC-5576BB535370}"/>
     <dgm:cxn modelId="{8BE7F654-8CB6-4B4D-9323-2EF6C13B629A}" srcId="{444E5183-7A6B-446D-AA82-925892368028}" destId="{0631099D-5047-4C59-8F65-7BE2C25A51AC}" srcOrd="2" destOrd="0" parTransId="{0B1DA698-6413-49F4-ADBE-A13CBE8CE468}" sibTransId="{CB8F8FE8-2A6D-44B4-A43E-0858C743DA0F}"/>
-    <dgm:cxn modelId="{F65C8620-A975-4CEF-8B55-F7446017AD85}" srcId="{9DD0AB8C-80BE-47F5-BF6F-26E357CA90B5}" destId="{22C9B715-CC1A-4034-B219-45C2F9783C94}" srcOrd="0" destOrd="0" parTransId="{7DE9AE4F-761E-4283-9379-842A2AC78461}" sibTransId="{8EB4F1E4-AB48-4CBC-B0DC-5576BB535370}"/>
-    <dgm:cxn modelId="{CE497331-953B-43F6-9954-6FD0BF89B11C}" srcId="{5554675B-6030-4514-B76D-0B104699CB7D}" destId="{01DDFC7A-B6EE-45C9-AB46-D654305C2F0F}" srcOrd="1" destOrd="0" parTransId="{79412032-7D1C-4131-956C-FDBE9CA2B285}" sibTransId="{AB806102-D25C-48A1-B620-C56C785368B3}"/>
-    <dgm:cxn modelId="{17E7387A-40B4-434A-B9D6-F91C7A9E0CDA}" type="presOf" srcId="{9DD0AB8C-80BE-47F5-BF6F-26E357CA90B5}" destId="{AA1E12C4-7D90-4C29-982C-7C6DB7E878F4}" srcOrd="0" destOrd="0" presId="urn:microsoft.com/office/officeart/2005/8/layout/lProcess3"/>
-    <dgm:cxn modelId="{B6A7D303-B66F-4A31-977F-BCC7EB02FD9B}" type="presOf" srcId="{5554675B-6030-4514-B76D-0B104699CB7D}" destId="{7291D0F1-0C75-45BB-9AF1-3CC197D560F7}" srcOrd="0" destOrd="0" presId="urn:microsoft.com/office/officeart/2005/8/layout/lProcess3"/>
+    <dgm:cxn modelId="{CE497331-953B-43F6-9954-6FD0BF89B11C}" srcId="{5554675B-6030-4514-B76D-0B104699CB7D}" destId="{01DDFC7A-B6EE-45C9-AB46-D654305C2F0F}" srcOrd="2" destOrd="0" parTransId="{79412032-7D1C-4131-956C-FDBE9CA2B285}" sibTransId="{AB806102-D25C-48A1-B620-C56C785368B3}"/>
+    <dgm:cxn modelId="{55E8A30E-BC47-4ECC-AB95-B2527166B835}" type="presOf" srcId="{693E8AED-10CF-43AE-ABCD-1CF66FC51E15}" destId="{B4F466BD-F413-45A2-960C-C1E1653C4C10}" srcOrd="0" destOrd="0" presId="urn:microsoft.com/office/officeart/2005/8/layout/lProcess3"/>
+    <dgm:cxn modelId="{0FDFE8ED-3157-4095-80F6-BA74EE93F820}" type="presOf" srcId="{A288BCD2-AFA9-42B2-886C-03D9E73B7E90}" destId="{31F65324-FEE7-475A-8CD4-4C4A40847595}" srcOrd="0" destOrd="0" presId="urn:microsoft.com/office/officeart/2005/8/layout/lProcess3"/>
+    <dgm:cxn modelId="{352F5708-69E3-4827-8286-DF0F19037E4E}" type="presOf" srcId="{5554675B-6030-4514-B76D-0B104699CB7D}" destId="{7291D0F1-0C75-45BB-9AF1-3CC197D560F7}" srcOrd="0" destOrd="0" presId="urn:microsoft.com/office/officeart/2005/8/layout/lProcess3"/>
     <dgm:cxn modelId="{D9BB1A3F-092D-43C4-9B0A-DA3D8F0326DF}" srcId="{0631099D-5047-4C59-8F65-7BE2C25A51AC}" destId="{2273F28B-4D9C-4126-A961-2FF62379CC5D}" srcOrd="1" destOrd="0" parTransId="{14148C52-B216-4E61-B303-F70D2BBDCED3}" sibTransId="{C2B8CF0F-8D15-45C8-838C-2308D635774A}"/>
-    <dgm:cxn modelId="{1CA055F5-2492-4790-A923-0B724510C205}" srcId="{5554675B-6030-4514-B76D-0B104699CB7D}" destId="{B25040E3-F85B-4162-A976-C3493BFB0C41}" srcOrd="2" destOrd="0" parTransId="{2DCCA558-803E-4FF3-A3F4-9C792EE13A6E}" sibTransId="{43F8CFA0-CC6C-4370-85B8-BC6D850E4D88}"/>
+    <dgm:cxn modelId="{1CA055F5-2492-4790-A923-0B724510C205}" srcId="{5554675B-6030-4514-B76D-0B104699CB7D}" destId="{B25040E3-F85B-4162-A976-C3493BFB0C41}" srcOrd="3" destOrd="0" parTransId="{2DCCA558-803E-4FF3-A3F4-9C792EE13A6E}" sibTransId="{43F8CFA0-CC6C-4370-85B8-BC6D850E4D88}"/>
+    <dgm:cxn modelId="{734C63C5-C9BB-4978-97F8-75D18DDAFF8B}" type="presOf" srcId="{2273F28B-4D9C-4126-A961-2FF62379CC5D}" destId="{CB7A65D4-24C8-4CB8-8E72-C084E33F7AEC}" srcOrd="0" destOrd="0" presId="urn:microsoft.com/office/officeart/2005/8/layout/lProcess3"/>
     <dgm:cxn modelId="{2956E66D-FABF-41C4-89FA-7FA262DCC92F}" srcId="{444E5183-7A6B-446D-AA82-925892368028}" destId="{83089EAC-DA9B-421D-B136-9BE34427A542}" srcOrd="1" destOrd="0" parTransId="{267E19FA-860A-43F7-BBD0-C6EAE088370E}" sibTransId="{CF046848-F1F6-4A52-8B86-2621BB587EEB}"/>
-    <dgm:cxn modelId="{F7440169-5CC8-488C-9343-8A29E6AEA664}" type="presOf" srcId="{FFCF19BC-C3E4-47F4-9979-945C21DB0B8E}" destId="{DA7328CA-34CD-4E59-B743-423867F32279}" srcOrd="0" destOrd="0" presId="urn:microsoft.com/office/officeart/2005/8/layout/lProcess3"/>
-    <dgm:cxn modelId="{8172A22B-A6A9-4657-8A4A-B20589756CE1}" type="presParOf" srcId="{51003B77-5FFE-4D38-B24E-6D513F4FA35D}" destId="{01E87C72-BFD9-4981-8290-CAA52486F16D}" srcOrd="0" destOrd="0" presId="urn:microsoft.com/office/officeart/2005/8/layout/lProcess3"/>
-    <dgm:cxn modelId="{61CDFC71-C394-4781-80E5-88F3736AE342}" type="presParOf" srcId="{01E87C72-BFD9-4981-8290-CAA52486F16D}" destId="{7291D0F1-0C75-45BB-9AF1-3CC197D560F7}" srcOrd="0" destOrd="0" presId="urn:microsoft.com/office/officeart/2005/8/layout/lProcess3"/>
-    <dgm:cxn modelId="{5A8A4AC5-9FBE-4D9A-B12B-E8480CE3D915}" type="presParOf" srcId="{01E87C72-BFD9-4981-8290-CAA52486F16D}" destId="{73876337-2576-48BA-9F11-0173E55E11D4}" srcOrd="1" destOrd="0" presId="urn:microsoft.com/office/officeart/2005/8/layout/lProcess3"/>
-    <dgm:cxn modelId="{1B70586C-1163-49A9-B68E-9A1ED3D40B4D}" type="presParOf" srcId="{01E87C72-BFD9-4981-8290-CAA52486F16D}" destId="{3E55B13C-E097-4F8E-8309-7E3C9431B4CB}" srcOrd="2" destOrd="0" presId="urn:microsoft.com/office/officeart/2005/8/layout/lProcess3"/>
-    <dgm:cxn modelId="{9BD33BE7-1809-4701-A186-44DFA2D395C7}" type="presParOf" srcId="{01E87C72-BFD9-4981-8290-CAA52486F16D}" destId="{462126E1-883C-4D31-9D04-7C6AA68DA4DE}" srcOrd="3" destOrd="0" presId="urn:microsoft.com/office/officeart/2005/8/layout/lProcess3"/>
-    <dgm:cxn modelId="{E341ED5A-903D-46D3-9D1F-0947F347A2F9}" type="presParOf" srcId="{01E87C72-BFD9-4981-8290-CAA52486F16D}" destId="{1DDBDBAA-F41B-4AEC-B2E4-042D82D430A5}" srcOrd="4" destOrd="0" presId="urn:microsoft.com/office/officeart/2005/8/layout/lProcess3"/>
-    <dgm:cxn modelId="{DB1F8A36-1204-4A89-8855-FC8FB0DDD88C}" type="presParOf" srcId="{01E87C72-BFD9-4981-8290-CAA52486F16D}" destId="{D59AE3B0-ABE9-479A-BA4A-700FDA927712}" srcOrd="5" destOrd="0" presId="urn:microsoft.com/office/officeart/2005/8/layout/lProcess3"/>
-    <dgm:cxn modelId="{E23AE896-25DC-4E40-A703-835B0E43F585}" type="presParOf" srcId="{01E87C72-BFD9-4981-8290-CAA52486F16D}" destId="{9150DD12-F3D7-423C-B543-5AB786706483}" srcOrd="6" destOrd="0" presId="urn:microsoft.com/office/officeart/2005/8/layout/lProcess3"/>
-    <dgm:cxn modelId="{8369BC6D-6963-40DE-B27B-AA3FB10C87B3}" type="presParOf" srcId="{01E87C72-BFD9-4981-8290-CAA52486F16D}" destId="{34839C6A-BE7E-4C38-B598-5D0AB2040F27}" srcOrd="7" destOrd="0" presId="urn:microsoft.com/office/officeart/2005/8/layout/lProcess3"/>
-    <dgm:cxn modelId="{015CEF33-D170-4BA5-A1A0-570D59B52637}" type="presParOf" srcId="{01E87C72-BFD9-4981-8290-CAA52486F16D}" destId="{D41F4952-EBEA-460B-8173-D31828642EC3}" srcOrd="8" destOrd="0" presId="urn:microsoft.com/office/officeart/2005/8/layout/lProcess3"/>
-    <dgm:cxn modelId="{5BCEC731-DD1F-4236-B66C-3CEF34D391A9}" type="presParOf" srcId="{51003B77-5FFE-4D38-B24E-6D513F4FA35D}" destId="{2871ACD9-FFAA-4CF4-9422-FD9AB6ED74ED}" srcOrd="1" destOrd="0" presId="urn:microsoft.com/office/officeart/2005/8/layout/lProcess3"/>
-    <dgm:cxn modelId="{0895D625-70DA-4FCE-9015-FC316D1C737B}" type="presParOf" srcId="{51003B77-5FFE-4D38-B24E-6D513F4FA35D}" destId="{D59F0FC4-4127-4435-913E-5988CFA61E3B}" srcOrd="2" destOrd="0" presId="urn:microsoft.com/office/officeart/2005/8/layout/lProcess3"/>
-    <dgm:cxn modelId="{FBC7F103-6555-431A-B4F4-99D04D1DDFE0}" type="presParOf" srcId="{D59F0FC4-4127-4435-913E-5988CFA61E3B}" destId="{5AFDEDD9-A095-4000-A90B-1BA903CD0E56}" srcOrd="0" destOrd="0" presId="urn:microsoft.com/office/officeart/2005/8/layout/lProcess3"/>
-    <dgm:cxn modelId="{132E7F92-D6D0-4173-A6F6-7CE4A37C2348}" type="presParOf" srcId="{D59F0FC4-4127-4435-913E-5988CFA61E3B}" destId="{A03A9177-6F30-47E3-8F9F-AE984C4C55B2}" srcOrd="1" destOrd="0" presId="urn:microsoft.com/office/officeart/2005/8/layout/lProcess3"/>
-    <dgm:cxn modelId="{83388132-6B82-4F87-A657-7690732C9AB1}" type="presParOf" srcId="{D59F0FC4-4127-4435-913E-5988CFA61E3B}" destId="{B4F466BD-F413-45A2-960C-C1E1653C4C10}" srcOrd="2" destOrd="0" presId="urn:microsoft.com/office/officeart/2005/8/layout/lProcess3"/>
-    <dgm:cxn modelId="{9DD71668-6CAA-4E12-8607-C69179719457}" type="presParOf" srcId="{51003B77-5FFE-4D38-B24E-6D513F4FA35D}" destId="{F006076C-9214-4585-993E-D8E390D89EE2}" srcOrd="3" destOrd="0" presId="urn:microsoft.com/office/officeart/2005/8/layout/lProcess3"/>
-    <dgm:cxn modelId="{E953B562-E524-482E-ADEC-B5F3903A796B}" type="presParOf" srcId="{51003B77-5FFE-4D38-B24E-6D513F4FA35D}" destId="{7A483C36-C693-4967-BE96-5EEB25046737}" srcOrd="4" destOrd="0" presId="urn:microsoft.com/office/officeart/2005/8/layout/lProcess3"/>
-    <dgm:cxn modelId="{5A4BFA9E-A1E1-4EC9-A367-DE00861F1865}" type="presParOf" srcId="{7A483C36-C693-4967-BE96-5EEB25046737}" destId="{0AF5FB5D-D46E-4A96-8B4E-E396EE6C1E4E}" srcOrd="0" destOrd="0" presId="urn:microsoft.com/office/officeart/2005/8/layout/lProcess3"/>
-    <dgm:cxn modelId="{8FAC9C55-69E9-4614-B342-199E9161A35B}" type="presParOf" srcId="{7A483C36-C693-4967-BE96-5EEB25046737}" destId="{57122748-8106-49CD-87F4-9A04DE3F508E}" srcOrd="1" destOrd="0" presId="urn:microsoft.com/office/officeart/2005/8/layout/lProcess3"/>
-    <dgm:cxn modelId="{2C798D30-72C8-4980-966C-8AA8E6B31783}" type="presParOf" srcId="{7A483C36-C693-4967-BE96-5EEB25046737}" destId="{60E3E358-FBC4-447E-9E77-FBD8556DF755}" srcOrd="2" destOrd="0" presId="urn:microsoft.com/office/officeart/2005/8/layout/lProcess3"/>
-    <dgm:cxn modelId="{4C10AA6D-D656-4454-9AA2-80211FD3B743}" type="presParOf" srcId="{7A483C36-C693-4967-BE96-5EEB25046737}" destId="{7688E68D-E33F-4687-B01D-6AB513FCD90C}" srcOrd="3" destOrd="0" presId="urn:microsoft.com/office/officeart/2005/8/layout/lProcess3"/>
-    <dgm:cxn modelId="{496B48FB-389B-4FAA-B241-7903DAD88F9A}" type="presParOf" srcId="{7A483C36-C693-4967-BE96-5EEB25046737}" destId="{CB7A65D4-24C8-4CB8-8E72-C084E33F7AEC}" srcOrd="4" destOrd="0" presId="urn:microsoft.com/office/officeart/2005/8/layout/lProcess3"/>
-    <dgm:cxn modelId="{D55E518C-5EB6-4641-A746-55BE8B35EC44}" type="presParOf" srcId="{51003B77-5FFE-4D38-B24E-6D513F4FA35D}" destId="{7CEA2923-A848-4006-BB75-C6D2F26B5F0D}" srcOrd="5" destOrd="0" presId="urn:microsoft.com/office/officeart/2005/8/layout/lProcess3"/>
-    <dgm:cxn modelId="{FD158F22-7D45-4E44-8085-85668CEA036D}" type="presParOf" srcId="{51003B77-5FFE-4D38-B24E-6D513F4FA35D}" destId="{49A35E35-E39F-4597-8C5C-06EEF2AD599D}" srcOrd="6" destOrd="0" presId="urn:microsoft.com/office/officeart/2005/8/layout/lProcess3"/>
-    <dgm:cxn modelId="{397B3CD3-45E0-43F8-B4FE-93D0DE15D984}" type="presParOf" srcId="{49A35E35-E39F-4597-8C5C-06EEF2AD599D}" destId="{AA1E12C4-7D90-4C29-982C-7C6DB7E878F4}" srcOrd="0" destOrd="0" presId="urn:microsoft.com/office/officeart/2005/8/layout/lProcess3"/>
-    <dgm:cxn modelId="{1BF424A6-F5F4-4B20-B5E6-D93A4DEB19C1}" type="presParOf" srcId="{49A35E35-E39F-4597-8C5C-06EEF2AD599D}" destId="{F3483227-EF25-42B7-919A-C7E2ECC5199D}" srcOrd="1" destOrd="0" presId="urn:microsoft.com/office/officeart/2005/8/layout/lProcess3"/>
-    <dgm:cxn modelId="{42F0FECC-9277-496D-A03C-968343D31F50}" type="presParOf" srcId="{49A35E35-E39F-4597-8C5C-06EEF2AD599D}" destId="{E00DB65B-EC6D-4460-A6F2-B34471E1010C}" srcOrd="2" destOrd="0" presId="urn:microsoft.com/office/officeart/2005/8/layout/lProcess3"/>
-    <dgm:cxn modelId="{ECF24A89-6D60-4CB8-9E13-71B9F2E3F7FC}" type="presParOf" srcId="{49A35E35-E39F-4597-8C5C-06EEF2AD599D}" destId="{BA6775F9-BE6E-4DE5-83B9-F728EB1C9729}" srcOrd="3" destOrd="0" presId="urn:microsoft.com/office/officeart/2005/8/layout/lProcess3"/>
-    <dgm:cxn modelId="{8FE41C1D-C508-4D23-98EB-D9AF2CA30F93}" type="presParOf" srcId="{49A35E35-E39F-4597-8C5C-06EEF2AD599D}" destId="{DA7328CA-34CD-4E59-B743-423867F32279}" srcOrd="4" destOrd="0" presId="urn:microsoft.com/office/officeart/2005/8/layout/lProcess3"/>
-    <dgm:cxn modelId="{6C8E17A5-5F8C-41BA-9909-30D967DD5047}" type="presParOf" srcId="{49A35E35-E39F-4597-8C5C-06EEF2AD599D}" destId="{401B4D1D-E28F-4ACF-A878-6D7EC94FB514}" srcOrd="5" destOrd="0" presId="urn:microsoft.com/office/officeart/2005/8/layout/lProcess3"/>
-    <dgm:cxn modelId="{11D20F2F-B39B-43B5-8E75-9628D6649263}" type="presParOf" srcId="{49A35E35-E39F-4597-8C5C-06EEF2AD599D}" destId="{B8E9EE1B-2A64-4F2A-9B53-38E22FFCDD61}" srcOrd="6" destOrd="0" presId="urn:microsoft.com/office/officeart/2005/8/layout/lProcess3"/>
-    <dgm:cxn modelId="{B7F40F5D-B41E-47E8-AD7B-E54AB0FF8C3A}" type="presParOf" srcId="{49A35E35-E39F-4597-8C5C-06EEF2AD599D}" destId="{F5522E8A-229F-4CCF-93F9-BCF84A50E19C}" srcOrd="7" destOrd="0" presId="urn:microsoft.com/office/officeart/2005/8/layout/lProcess3"/>
-    <dgm:cxn modelId="{6C1244E9-4E4A-411D-A8A1-CC92F0CC658C}" type="presParOf" srcId="{49A35E35-E39F-4597-8C5C-06EEF2AD599D}" destId="{97DE7D96-5955-47FF-A6E1-8C623387A67B}" srcOrd="8" destOrd="0" presId="urn:microsoft.com/office/officeart/2005/8/layout/lProcess3"/>
-    <dgm:cxn modelId="{E12F4335-DEB9-4900-A9AE-BD3F05B1A1B0}" type="presParOf" srcId="{51003B77-5FFE-4D38-B24E-6D513F4FA35D}" destId="{3B568145-16D9-4AF6-9367-E7BC082B66E3}" srcOrd="7" destOrd="0" presId="urn:microsoft.com/office/officeart/2005/8/layout/lProcess3"/>
-    <dgm:cxn modelId="{F58B8642-9045-4810-AAC5-4CEAB307F780}" type="presParOf" srcId="{51003B77-5FFE-4D38-B24E-6D513F4FA35D}" destId="{49832468-8199-4702-9449-7A02ADD0F933}" srcOrd="8" destOrd="0" presId="urn:microsoft.com/office/officeart/2005/8/layout/lProcess3"/>
-    <dgm:cxn modelId="{EC079BAD-C072-48C8-A774-FF7F03904737}" type="presParOf" srcId="{49832468-8199-4702-9449-7A02ADD0F933}" destId="{BF0F67D2-D705-4DA1-B37D-23BF925473ED}" srcOrd="0" destOrd="0" presId="urn:microsoft.com/office/officeart/2005/8/layout/lProcess3"/>
-    <dgm:cxn modelId="{E7E5C224-58FD-43B9-9331-791A402BF094}" type="presParOf" srcId="{49832468-8199-4702-9449-7A02ADD0F933}" destId="{031095EB-0F53-43E7-9306-F3C16681AEF5}" srcOrd="1" destOrd="0" presId="urn:microsoft.com/office/officeart/2005/8/layout/lProcess3"/>
-    <dgm:cxn modelId="{14E10A07-5775-4EA7-8ED8-4F072766ABE0}" type="presParOf" srcId="{49832468-8199-4702-9449-7A02ADD0F933}" destId="{31F65324-FEE7-475A-8CD4-4C4A40847595}" srcOrd="2" destOrd="0" presId="urn:microsoft.com/office/officeart/2005/8/layout/lProcess3"/>
-    <dgm:cxn modelId="{1E87F899-891E-4D17-A7FB-6681C6566673}" type="presParOf" srcId="{51003B77-5FFE-4D38-B24E-6D513F4FA35D}" destId="{702E1062-8672-4639-B15D-BCB0C1115158}" srcOrd="9" destOrd="0" presId="urn:microsoft.com/office/officeart/2005/8/layout/lProcess3"/>
-    <dgm:cxn modelId="{060B71F5-B960-4201-9B63-26F17AD7ABF9}" type="presParOf" srcId="{51003B77-5FFE-4D38-B24E-6D513F4FA35D}" destId="{EBB32913-D6B5-4E6A-9A84-86A432E97859}" srcOrd="10" destOrd="0" presId="urn:microsoft.com/office/officeart/2005/8/layout/lProcess3"/>
-    <dgm:cxn modelId="{3D681F5A-ED42-4AC1-814A-9AA3DE64BBBF}" type="presParOf" srcId="{EBB32913-D6B5-4E6A-9A84-86A432E97859}" destId="{57BD0BDD-5BD4-4ED7-ABD9-241618554954}" srcOrd="0" destOrd="0" presId="urn:microsoft.com/office/officeart/2005/8/layout/lProcess3"/>
+    <dgm:cxn modelId="{A1F40A9D-16C4-4B99-A1FD-DD04060401BD}" type="presParOf" srcId="{51003B77-5FFE-4D38-B24E-6D513F4FA35D}" destId="{01E87C72-BFD9-4981-8290-CAA52486F16D}" srcOrd="0" destOrd="0" presId="urn:microsoft.com/office/officeart/2005/8/layout/lProcess3"/>
+    <dgm:cxn modelId="{F8431C4E-C5A8-42DE-880D-7F6C1BAC0506}" type="presParOf" srcId="{01E87C72-BFD9-4981-8290-CAA52486F16D}" destId="{7291D0F1-0C75-45BB-9AF1-3CC197D560F7}" srcOrd="0" destOrd="0" presId="urn:microsoft.com/office/officeart/2005/8/layout/lProcess3"/>
+    <dgm:cxn modelId="{024269BB-8E46-49F4-A20A-F16143203537}" type="presParOf" srcId="{01E87C72-BFD9-4981-8290-CAA52486F16D}" destId="{73876337-2576-48BA-9F11-0173E55E11D4}" srcOrd="1" destOrd="0" presId="urn:microsoft.com/office/officeart/2005/8/layout/lProcess3"/>
+    <dgm:cxn modelId="{424A445A-6ABF-44F3-8129-AC9D1C4675DF}" type="presParOf" srcId="{01E87C72-BFD9-4981-8290-CAA52486F16D}" destId="{3E55B13C-E097-4F8E-8309-7E3C9431B4CB}" srcOrd="2" destOrd="0" presId="urn:microsoft.com/office/officeart/2005/8/layout/lProcess3"/>
+    <dgm:cxn modelId="{F5FB001F-1914-41CC-A98A-B866096ED64C}" type="presParOf" srcId="{01E87C72-BFD9-4981-8290-CAA52486F16D}" destId="{462126E1-883C-4D31-9D04-7C6AA68DA4DE}" srcOrd="3" destOrd="0" presId="urn:microsoft.com/office/officeart/2005/8/layout/lProcess3"/>
+    <dgm:cxn modelId="{BF3A3D5F-CBC2-4A02-9C47-FF176496AE1C}" type="presParOf" srcId="{01E87C72-BFD9-4981-8290-CAA52486F16D}" destId="{C0707320-C085-4EF9-9BF0-3BA46B15FD74}" srcOrd="4" destOrd="0" presId="urn:microsoft.com/office/officeart/2005/8/layout/lProcess3"/>
+    <dgm:cxn modelId="{765F3DC8-3046-4B7F-9CC5-CFC0132A0FAB}" type="presParOf" srcId="{01E87C72-BFD9-4981-8290-CAA52486F16D}" destId="{C22F5B5F-DAFF-467D-AFCD-53D8B7038B19}" srcOrd="5" destOrd="0" presId="urn:microsoft.com/office/officeart/2005/8/layout/lProcess3"/>
+    <dgm:cxn modelId="{A4C524E9-275B-46F6-8CFD-239178DA84DE}" type="presParOf" srcId="{01E87C72-BFD9-4981-8290-CAA52486F16D}" destId="{1DDBDBAA-F41B-4AEC-B2E4-042D82D430A5}" srcOrd="6" destOrd="0" presId="urn:microsoft.com/office/officeart/2005/8/layout/lProcess3"/>
+    <dgm:cxn modelId="{6A0B3A85-A7C9-4982-9A5F-1D95F26A0B81}" type="presParOf" srcId="{01E87C72-BFD9-4981-8290-CAA52486F16D}" destId="{D59AE3B0-ABE9-479A-BA4A-700FDA927712}" srcOrd="7" destOrd="0" presId="urn:microsoft.com/office/officeart/2005/8/layout/lProcess3"/>
+    <dgm:cxn modelId="{A3F2FB47-4F1F-4EE8-AFDA-9091F687C209}" type="presParOf" srcId="{01E87C72-BFD9-4981-8290-CAA52486F16D}" destId="{9150DD12-F3D7-423C-B543-5AB786706483}" srcOrd="8" destOrd="0" presId="urn:microsoft.com/office/officeart/2005/8/layout/lProcess3"/>
+    <dgm:cxn modelId="{EC9F6CFE-C7C8-457A-ADC6-4CF7A558AAE1}" type="presParOf" srcId="{51003B77-5FFE-4D38-B24E-6D513F4FA35D}" destId="{2871ACD9-FFAA-4CF4-9422-FD9AB6ED74ED}" srcOrd="1" destOrd="0" presId="urn:microsoft.com/office/officeart/2005/8/layout/lProcess3"/>
+    <dgm:cxn modelId="{59609F7F-785E-46EC-B90E-34A5F90FDDA8}" type="presParOf" srcId="{51003B77-5FFE-4D38-B24E-6D513F4FA35D}" destId="{D59F0FC4-4127-4435-913E-5988CFA61E3B}" srcOrd="2" destOrd="0" presId="urn:microsoft.com/office/officeart/2005/8/layout/lProcess3"/>
+    <dgm:cxn modelId="{B1891F8E-6FA9-4EEF-93BD-023F38F6783D}" type="presParOf" srcId="{D59F0FC4-4127-4435-913E-5988CFA61E3B}" destId="{5AFDEDD9-A095-4000-A90B-1BA903CD0E56}" srcOrd="0" destOrd="0" presId="urn:microsoft.com/office/officeart/2005/8/layout/lProcess3"/>
+    <dgm:cxn modelId="{B983C26E-3F40-4839-8FDA-F6280E714E61}" type="presParOf" srcId="{D59F0FC4-4127-4435-913E-5988CFA61E3B}" destId="{A03A9177-6F30-47E3-8F9F-AE984C4C55B2}" srcOrd="1" destOrd="0" presId="urn:microsoft.com/office/officeart/2005/8/layout/lProcess3"/>
+    <dgm:cxn modelId="{785191FE-9218-42A9-B280-6B648872AA17}" type="presParOf" srcId="{D59F0FC4-4127-4435-913E-5988CFA61E3B}" destId="{B4F466BD-F413-45A2-960C-C1E1653C4C10}" srcOrd="2" destOrd="0" presId="urn:microsoft.com/office/officeart/2005/8/layout/lProcess3"/>
+    <dgm:cxn modelId="{A403C848-B25F-4AEF-B4C7-28824AEC3D4B}" type="presParOf" srcId="{51003B77-5FFE-4D38-B24E-6D513F4FA35D}" destId="{F006076C-9214-4585-993E-D8E390D89EE2}" srcOrd="3" destOrd="0" presId="urn:microsoft.com/office/officeart/2005/8/layout/lProcess3"/>
+    <dgm:cxn modelId="{73D859FB-E1D8-4989-B5D1-8A026BD6237D}" type="presParOf" srcId="{51003B77-5FFE-4D38-B24E-6D513F4FA35D}" destId="{7A483C36-C693-4967-BE96-5EEB25046737}" srcOrd="4" destOrd="0" presId="urn:microsoft.com/office/officeart/2005/8/layout/lProcess3"/>
+    <dgm:cxn modelId="{E3CC4F54-F858-4BB5-BBA7-5AC1185BDB3C}" type="presParOf" srcId="{7A483C36-C693-4967-BE96-5EEB25046737}" destId="{0AF5FB5D-D46E-4A96-8B4E-E396EE6C1E4E}" srcOrd="0" destOrd="0" presId="urn:microsoft.com/office/officeart/2005/8/layout/lProcess3"/>
+    <dgm:cxn modelId="{1CE9DD91-251E-4F9E-ACC6-84708E09DF8F}" type="presParOf" srcId="{7A483C36-C693-4967-BE96-5EEB25046737}" destId="{57122748-8106-49CD-87F4-9A04DE3F508E}" srcOrd="1" destOrd="0" presId="urn:microsoft.com/office/officeart/2005/8/layout/lProcess3"/>
+    <dgm:cxn modelId="{0EF9241F-F291-4B61-9FE1-ECE5BE820BB1}" type="presParOf" srcId="{7A483C36-C693-4967-BE96-5EEB25046737}" destId="{60E3E358-FBC4-447E-9E77-FBD8556DF755}" srcOrd="2" destOrd="0" presId="urn:microsoft.com/office/officeart/2005/8/layout/lProcess3"/>
+    <dgm:cxn modelId="{AD80508A-EDEB-4DA8-BADF-B05A29EDE73D}" type="presParOf" srcId="{7A483C36-C693-4967-BE96-5EEB25046737}" destId="{7688E68D-E33F-4687-B01D-6AB513FCD90C}" srcOrd="3" destOrd="0" presId="urn:microsoft.com/office/officeart/2005/8/layout/lProcess3"/>
+    <dgm:cxn modelId="{80DA46E7-261E-46E4-AC0A-26D3E255D0EB}" type="presParOf" srcId="{7A483C36-C693-4967-BE96-5EEB25046737}" destId="{CB7A65D4-24C8-4CB8-8E72-C084E33F7AEC}" srcOrd="4" destOrd="0" presId="urn:microsoft.com/office/officeart/2005/8/layout/lProcess3"/>
+    <dgm:cxn modelId="{781CFE10-3801-4CE4-B8C6-1C2A6D380010}" type="presParOf" srcId="{51003B77-5FFE-4D38-B24E-6D513F4FA35D}" destId="{7CEA2923-A848-4006-BB75-C6D2F26B5F0D}" srcOrd="5" destOrd="0" presId="urn:microsoft.com/office/officeart/2005/8/layout/lProcess3"/>
+    <dgm:cxn modelId="{458EB4DE-BDD0-4FFF-9DBA-9AE5AA929E2E}" type="presParOf" srcId="{51003B77-5FFE-4D38-B24E-6D513F4FA35D}" destId="{49A35E35-E39F-4597-8C5C-06EEF2AD599D}" srcOrd="6" destOrd="0" presId="urn:microsoft.com/office/officeart/2005/8/layout/lProcess3"/>
+    <dgm:cxn modelId="{A4CB5F47-8A95-455B-938D-45CFA176FF7A}" type="presParOf" srcId="{49A35E35-E39F-4597-8C5C-06EEF2AD599D}" destId="{AA1E12C4-7D90-4C29-982C-7C6DB7E878F4}" srcOrd="0" destOrd="0" presId="urn:microsoft.com/office/officeart/2005/8/layout/lProcess3"/>
+    <dgm:cxn modelId="{725A1F1D-89FA-4520-92E9-D0E7682451ED}" type="presParOf" srcId="{49A35E35-E39F-4597-8C5C-06EEF2AD599D}" destId="{F3483227-EF25-42B7-919A-C7E2ECC5199D}" srcOrd="1" destOrd="0" presId="urn:microsoft.com/office/officeart/2005/8/layout/lProcess3"/>
+    <dgm:cxn modelId="{C5E71C07-442C-4CE4-858D-71D3C3DC17A2}" type="presParOf" srcId="{49A35E35-E39F-4597-8C5C-06EEF2AD599D}" destId="{E00DB65B-EC6D-4460-A6F2-B34471E1010C}" srcOrd="2" destOrd="0" presId="urn:microsoft.com/office/officeart/2005/8/layout/lProcess3"/>
+    <dgm:cxn modelId="{FB89ECD1-4AB1-4660-A5B9-2031D7FE5F90}" type="presParOf" srcId="{49A35E35-E39F-4597-8C5C-06EEF2AD599D}" destId="{BA6775F9-BE6E-4DE5-83B9-F728EB1C9729}" srcOrd="3" destOrd="0" presId="urn:microsoft.com/office/officeart/2005/8/layout/lProcess3"/>
+    <dgm:cxn modelId="{7EFB458C-8936-45FC-8C49-BA1B7DC569C4}" type="presParOf" srcId="{49A35E35-E39F-4597-8C5C-06EEF2AD599D}" destId="{DA7328CA-34CD-4E59-B743-423867F32279}" srcOrd="4" destOrd="0" presId="urn:microsoft.com/office/officeart/2005/8/layout/lProcess3"/>
+    <dgm:cxn modelId="{A25A77FD-3CB8-40BA-9818-B787B795CAF5}" type="presParOf" srcId="{49A35E35-E39F-4597-8C5C-06EEF2AD599D}" destId="{401B4D1D-E28F-4ACF-A878-6D7EC94FB514}" srcOrd="5" destOrd="0" presId="urn:microsoft.com/office/officeart/2005/8/layout/lProcess3"/>
+    <dgm:cxn modelId="{2C09509A-2635-447C-B88D-AE3042F85906}" type="presParOf" srcId="{49A35E35-E39F-4597-8C5C-06EEF2AD599D}" destId="{B8E9EE1B-2A64-4F2A-9B53-38E22FFCDD61}" srcOrd="6" destOrd="0" presId="urn:microsoft.com/office/officeart/2005/8/layout/lProcess3"/>
+    <dgm:cxn modelId="{6E8EB69E-DEEC-4EB2-BC62-DF99D64B2DFD}" type="presParOf" srcId="{49A35E35-E39F-4597-8C5C-06EEF2AD599D}" destId="{F5522E8A-229F-4CCF-93F9-BCF84A50E19C}" srcOrd="7" destOrd="0" presId="urn:microsoft.com/office/officeart/2005/8/layout/lProcess3"/>
+    <dgm:cxn modelId="{59F52777-C44E-4670-929C-A1B77DA3093F}" type="presParOf" srcId="{49A35E35-E39F-4597-8C5C-06EEF2AD599D}" destId="{97DE7D96-5955-47FF-A6E1-8C623387A67B}" srcOrd="8" destOrd="0" presId="urn:microsoft.com/office/officeart/2005/8/layout/lProcess3"/>
+    <dgm:cxn modelId="{C8044D5A-6ED6-4C93-85D1-8EF3CE7E7E1D}" type="presParOf" srcId="{51003B77-5FFE-4D38-B24E-6D513F4FA35D}" destId="{3B568145-16D9-4AF6-9367-E7BC082B66E3}" srcOrd="7" destOrd="0" presId="urn:microsoft.com/office/officeart/2005/8/layout/lProcess3"/>
+    <dgm:cxn modelId="{568E0F1A-1C26-42FC-9477-ECA06AD50FCA}" type="presParOf" srcId="{51003B77-5FFE-4D38-B24E-6D513F4FA35D}" destId="{49832468-8199-4702-9449-7A02ADD0F933}" srcOrd="8" destOrd="0" presId="urn:microsoft.com/office/officeart/2005/8/layout/lProcess3"/>
+    <dgm:cxn modelId="{82034496-4717-4336-BF8A-DE7A87B53177}" type="presParOf" srcId="{49832468-8199-4702-9449-7A02ADD0F933}" destId="{BF0F67D2-D705-4DA1-B37D-23BF925473ED}" srcOrd="0" destOrd="0" presId="urn:microsoft.com/office/officeart/2005/8/layout/lProcess3"/>
+    <dgm:cxn modelId="{10111143-8462-4CD7-AF25-C3C150CB806A}" type="presParOf" srcId="{49832468-8199-4702-9449-7A02ADD0F933}" destId="{031095EB-0F53-43E7-9306-F3C16681AEF5}" srcOrd="1" destOrd="0" presId="urn:microsoft.com/office/officeart/2005/8/layout/lProcess3"/>
+    <dgm:cxn modelId="{0F2711D8-EFC0-4867-891F-F17CA64089CE}" type="presParOf" srcId="{49832468-8199-4702-9449-7A02ADD0F933}" destId="{31F65324-FEE7-475A-8CD4-4C4A40847595}" srcOrd="2" destOrd="0" presId="urn:microsoft.com/office/officeart/2005/8/layout/lProcess3"/>
+    <dgm:cxn modelId="{4C3D88AE-FCA3-463C-816C-BDA3F1D092AC}" type="presParOf" srcId="{51003B77-5FFE-4D38-B24E-6D513F4FA35D}" destId="{702E1062-8672-4639-B15D-BCB0C1115158}" srcOrd="9" destOrd="0" presId="urn:microsoft.com/office/officeart/2005/8/layout/lProcess3"/>
+    <dgm:cxn modelId="{4C17BE0A-3FFD-4A9D-88E3-7D89CE0ECCB8}" type="presParOf" srcId="{51003B77-5FFE-4D38-B24E-6D513F4FA35D}" destId="{EBB32913-D6B5-4E6A-9A84-86A432E97859}" srcOrd="10" destOrd="0" presId="urn:microsoft.com/office/officeart/2005/8/layout/lProcess3"/>
+    <dgm:cxn modelId="{7AF68B7A-ECC3-40AC-9DC0-617AF75BA1B6}" type="presParOf" srcId="{EBB32913-D6B5-4E6A-9A84-86A432E97859}" destId="{57BD0BDD-5BD4-4ED7-ABD9-241618554954}" srcOrd="0" destOrd="0" presId="urn:microsoft.com/office/officeart/2005/8/layout/lProcess3"/>
   </dgm:cxnLst>
   <dgm:bg/>
   <dgm:whole/>
@@ -4185,7 +4185,7 @@
         <a:ext cx="1006874" cy="671249"/>
       </dsp:txXfrm>
     </dsp:sp>
-    <dsp:sp modelId="{1DDBDBAA-F41B-4AEC-B2E4-042D82D430A5}">
+    <dsp:sp modelId="{C0707320-C085-4EF9-9BF0-3BA46B15FD74}">
       <dsp:nvSpPr>
         <dsp:cNvPr id="0" name=""/>
         <dsp:cNvSpPr/>
@@ -4241,8 +4241,8 @@
             </a:spcAft>
           </a:pPr>
           <a:r>
-            <a:rPr lang="en-US" sz="1500" kern="1200" dirty="0" smtClean="0"/>
-            <a:t>Determining close</a:t>
+            <a:rPr lang="en-US" sz="1500" kern="1200" smtClean="0"/>
+            <a:t>Pseudo-code</a:t>
           </a:r>
           <a:endParaRPr lang="en-US" sz="1500" kern="1200" dirty="0"/>
         </a:p>
@@ -4252,7 +4252,7 @@
         <a:ext cx="1006874" cy="671249"/>
       </dsp:txXfrm>
     </dsp:sp>
-    <dsp:sp modelId="{9150DD12-F3D7-423C-B543-5AB786706483}">
+    <dsp:sp modelId="{1DDBDBAA-F41B-4AEC-B2E4-042D82D430A5}">
       <dsp:nvSpPr>
         <dsp:cNvPr id="0" name=""/>
         <dsp:cNvSpPr/>
@@ -4309,7 +4309,7 @@
           </a:pPr>
           <a:r>
             <a:rPr lang="en-US" sz="1500" kern="1200" dirty="0" smtClean="0"/>
-            <a:t>Mutation</a:t>
+            <a:t>Determining close</a:t>
           </a:r>
           <a:endParaRPr lang="en-US" sz="1500" kern="1200" dirty="0"/>
         </a:p>
@@ -4319,7 +4319,7 @@
         <a:ext cx="1006874" cy="671249"/>
       </dsp:txXfrm>
     </dsp:sp>
-    <dsp:sp modelId="{D41F4952-EBEA-460B-8173-D31828642EC3}">
+    <dsp:sp modelId="{9150DD12-F3D7-423C-B543-5AB786706483}">
       <dsp:nvSpPr>
         <dsp:cNvPr id="0" name=""/>
         <dsp:cNvSpPr/>
@@ -4376,7 +4376,7 @@
           </a:pPr>
           <a:r>
             <a:rPr lang="en-US" sz="1500" kern="1200" dirty="0" smtClean="0"/>
-            <a:t>Pseudo-code</a:t>
+            <a:t>Mutation</a:t>
           </a:r>
           <a:endParaRPr lang="en-US" sz="1500" kern="1200" dirty="0"/>
         </a:p>
@@ -29152,11 +29152,7 @@
           </p:cNvGraphicFramePr>
           <p:nvPr>
             <p:ph idx="1"/>
-            <p:extLst>
-              <p:ext uri="{D42A27DB-BD31-4B8C-83A1-F6EECF244321}">
-                <p14:modId xmlns:p14="http://schemas.microsoft.com/office/powerpoint/2010/main" val="2397350956"/>
-              </p:ext>
-            </p:extLst>
+            <p:extLst/>
           </p:nvPr>
         </p:nvGraphicFramePr>
         <p:xfrm>
@@ -29172,7 +29168,7 @@
     </p:spTree>
     <p:extLst>
       <p:ext uri="{BB962C8B-B14F-4D97-AF65-F5344CB8AC3E}">
-        <p14:creationId xmlns:p14="http://schemas.microsoft.com/office/powerpoint/2010/main" val="2861172889"/>
+        <p14:creationId xmlns:p14="http://schemas.microsoft.com/office/powerpoint/2010/main" val="3237652462"/>
       </p:ext>
     </p:extLst>
   </p:cSld>

--- a/DEADANT/deadAnt.pptx
+++ b/DEADANT/deadAnt.pptx
@@ -31623,7 +31623,15 @@
           <a:p>
             <a:r>
               <a:rPr lang="en-US" dirty="0" smtClean="0"/>
-              <a:t>Determining ‘Close’?</a:t>
+              <a:t>Determining </a:t>
+            </a:r>
+            <a:r>
+              <a:rPr lang="en-US" smtClean="0"/>
+              <a:t>‘</a:t>
+            </a:r>
+            <a:r>
+              <a:rPr lang="en-US" smtClean="0"/>
+              <a:t>Close’</a:t>
             </a:r>
             <a:endParaRPr lang="en-US" dirty="0"/>
           </a:p>
